--- a/slides/Figs/figures.pptx
+++ b/slides/Figs/figures.pptx
@@ -8,6 +8,10 @@
     <p:sldId id="256" r:id="rId2"/>
     <p:sldId id="257" r:id="rId3"/>
     <p:sldId id="258" r:id="rId4"/>
+    <p:sldId id="259" r:id="rId5"/>
+    <p:sldId id="260" r:id="rId6"/>
+    <p:sldId id="262" r:id="rId7"/>
+    <p:sldId id="261" r:id="rId8"/>
   </p:sldIdLst>
   <p:sldSz cx="12192000" cy="6858000"/>
   <p:notesSz cx="6858000" cy="9144000"/>
@@ -4525,10 +4529,3399 @@
           </a:p>
         </p:txBody>
       </p:sp>
+      <p:sp>
+        <p:nvSpPr>
+          <p:cNvPr id="14" name="TextBox 13">
+            <a:extLst>
+              <a:ext uri="{FF2B5EF4-FFF2-40B4-BE49-F238E27FC236}">
+                <a16:creationId xmlns:a16="http://schemas.microsoft.com/office/drawing/2014/main" id="{27F81700-27AA-704A-ACCC-207E2A9B1EAF}"/>
+              </a:ext>
+            </a:extLst>
+          </p:cNvPr>
+          <p:cNvSpPr txBox="1"/>
+          <p:nvPr/>
+        </p:nvSpPr>
+        <p:spPr>
+          <a:xfrm>
+            <a:off x="7733183" y="3702205"/>
+            <a:ext cx="1800493" cy="369332"/>
+          </a:xfrm>
+          <a:prstGeom prst="rect">
+            <a:avLst/>
+          </a:prstGeom>
+          <a:noFill/>
+        </p:spPr>
+        <p:txBody>
+          <a:bodyPr wrap="none" rtlCol="0">
+            <a:spAutoFit/>
+          </a:bodyPr>
+          <a:lstStyle/>
+          <a:p>
+            <a:r>
+              <a:rPr lang="ja-JP" altLang="en-US"/>
+              <a:t>本人の体の一部</a:t>
+            </a:r>
+            <a:endParaRPr lang="en-JP" dirty="0"/>
+          </a:p>
+        </p:txBody>
+      </p:sp>
     </p:spTree>
     <p:extLst>
       <p:ext uri="{BB962C8B-B14F-4D97-AF65-F5344CB8AC3E}">
         <p14:creationId xmlns:p14="http://schemas.microsoft.com/office/powerpoint/2010/main" val="3032085436"/>
+      </p:ext>
+    </p:extLst>
+  </p:cSld>
+  <p:clrMapOvr>
+    <a:masterClrMapping/>
+  </p:clrMapOvr>
+</p:sld>
+</file>
+
+<file path=ppt/slides/slide4.xml><?xml version="1.0" encoding="utf-8"?>
+<p:sld xmlns:a="http://schemas.openxmlformats.org/drawingml/2006/main" xmlns:r="http://schemas.openxmlformats.org/officeDocument/2006/relationships" xmlns:p="http://schemas.openxmlformats.org/presentationml/2006/main">
+  <p:cSld>
+    <p:spTree>
+      <p:nvGrpSpPr>
+        <p:cNvPr id="1" name=""/>
+        <p:cNvGrpSpPr/>
+        <p:nvPr/>
+      </p:nvGrpSpPr>
+      <p:grpSpPr>
+        <a:xfrm>
+          <a:off x="0" y="0"/>
+          <a:ext cx="0" cy="0"/>
+          <a:chOff x="0" y="0"/>
+          <a:chExt cx="0" cy="0"/>
+        </a:xfrm>
+      </p:grpSpPr>
+      <p:pic>
+        <p:nvPicPr>
+          <p:cNvPr id="5" name="Picture 4">
+            <a:extLst>
+              <a:ext uri="{FF2B5EF4-FFF2-40B4-BE49-F238E27FC236}">
+                <a16:creationId xmlns:a16="http://schemas.microsoft.com/office/drawing/2014/main" id="{02C06B0E-298B-5041-8057-69C2F9CC2213}"/>
+              </a:ext>
+            </a:extLst>
+          </p:cNvPr>
+          <p:cNvPicPr>
+            <a:picLocks noChangeAspect="1"/>
+          </p:cNvPicPr>
+          <p:nvPr/>
+        </p:nvPicPr>
+        <p:blipFill>
+          <a:blip r:embed="rId2"/>
+          <a:stretch>
+            <a:fillRect/>
+          </a:stretch>
+        </p:blipFill>
+        <p:spPr>
+          <a:xfrm>
+            <a:off x="2667000" y="0"/>
+            <a:ext cx="6858000" cy="6858000"/>
+          </a:xfrm>
+          <a:prstGeom prst="rect">
+            <a:avLst/>
+          </a:prstGeom>
+        </p:spPr>
+      </p:pic>
+    </p:spTree>
+    <p:extLst>
+      <p:ext uri="{BB962C8B-B14F-4D97-AF65-F5344CB8AC3E}">
+        <p14:creationId xmlns:p14="http://schemas.microsoft.com/office/powerpoint/2010/main" val="45401103"/>
+      </p:ext>
+    </p:extLst>
+  </p:cSld>
+  <p:clrMapOvr>
+    <a:masterClrMapping/>
+  </p:clrMapOvr>
+</p:sld>
+</file>
+
+<file path=ppt/slides/slide5.xml><?xml version="1.0" encoding="utf-8"?>
+<p:sld xmlns:a="http://schemas.openxmlformats.org/drawingml/2006/main" xmlns:r="http://schemas.openxmlformats.org/officeDocument/2006/relationships" xmlns:p="http://schemas.openxmlformats.org/presentationml/2006/main">
+  <p:cSld>
+    <p:spTree>
+      <p:nvGrpSpPr>
+        <p:cNvPr id="1" name=""/>
+        <p:cNvGrpSpPr/>
+        <p:nvPr/>
+      </p:nvGrpSpPr>
+      <p:grpSpPr>
+        <a:xfrm>
+          <a:off x="0" y="0"/>
+          <a:ext cx="0" cy="0"/>
+          <a:chOff x="0" y="0"/>
+          <a:chExt cx="0" cy="0"/>
+        </a:xfrm>
+      </p:grpSpPr>
+      <p:cxnSp>
+        <p:nvCxnSpPr>
+          <p:cNvPr id="144" name="Elbow Connector 143">
+            <a:extLst>
+              <a:ext uri="{FF2B5EF4-FFF2-40B4-BE49-F238E27FC236}">
+                <a16:creationId xmlns:a16="http://schemas.microsoft.com/office/drawing/2014/main" id="{5356DE24-A741-1D42-8A32-9BC102576078}"/>
+              </a:ext>
+            </a:extLst>
+          </p:cNvPr>
+          <p:cNvCxnSpPr>
+            <a:cxnSpLocks/>
+            <a:stCxn id="70" idx="2"/>
+            <a:endCxn id="5" idx="0"/>
+          </p:cNvCxnSpPr>
+          <p:nvPr/>
+        </p:nvCxnSpPr>
+        <p:spPr>
+          <a:xfrm rot="5400000">
+            <a:off x="3527579" y="104389"/>
+            <a:ext cx="2241493" cy="3374748"/>
+          </a:xfrm>
+          <a:prstGeom prst="bentConnector3">
+            <a:avLst>
+              <a:gd name="adj1" fmla="val 16345"/>
+            </a:avLst>
+          </a:prstGeom>
+          <a:ln w="28575">
+            <a:headEnd type="triangle"/>
+            <a:tailEnd type="triangle"/>
+          </a:ln>
+        </p:spPr>
+        <p:style>
+          <a:lnRef idx="1">
+            <a:schemeClr val="accent1"/>
+          </a:lnRef>
+          <a:fillRef idx="0">
+            <a:schemeClr val="accent1"/>
+          </a:fillRef>
+          <a:effectRef idx="0">
+            <a:schemeClr val="accent1"/>
+          </a:effectRef>
+          <a:fontRef idx="minor">
+            <a:schemeClr val="tx1"/>
+          </a:fontRef>
+        </p:style>
+      </p:cxnSp>
+      <p:sp>
+        <p:nvSpPr>
+          <p:cNvPr id="5" name="Rounded Rectangle 4">
+            <a:extLst>
+              <a:ext uri="{FF2B5EF4-FFF2-40B4-BE49-F238E27FC236}">
+                <a16:creationId xmlns:a16="http://schemas.microsoft.com/office/drawing/2014/main" id="{C7F24ED3-003F-A242-989A-77E8238052AF}"/>
+              </a:ext>
+            </a:extLst>
+          </p:cNvPr>
+          <p:cNvSpPr/>
+          <p:nvPr/>
+        </p:nvSpPr>
+        <p:spPr>
+          <a:xfrm>
+            <a:off x="1545927" y="2912510"/>
+            <a:ext cx="2830048" cy="512957"/>
+          </a:xfrm>
+          <a:prstGeom prst="roundRect">
+            <a:avLst/>
+          </a:prstGeom>
+          <a:ln w="28575"/>
+        </p:spPr>
+        <p:style>
+          <a:lnRef idx="2">
+            <a:schemeClr val="accent1">
+              <a:shade val="50000"/>
+            </a:schemeClr>
+          </a:lnRef>
+          <a:fillRef idx="1">
+            <a:schemeClr val="accent1"/>
+          </a:fillRef>
+          <a:effectRef idx="0">
+            <a:schemeClr val="accent1"/>
+          </a:effectRef>
+          <a:fontRef idx="minor">
+            <a:schemeClr val="lt1"/>
+          </a:fontRef>
+        </p:style>
+        <p:txBody>
+          <a:bodyPr rtlCol="0" anchor="ctr"/>
+          <a:lstStyle/>
+          <a:p>
+            <a:pPr algn="ctr"/>
+            <a:r>
+              <a:rPr lang="en-US" b="1" dirty="0"/>
+              <a:t>Other (Native) Applications</a:t>
+            </a:r>
+            <a:endParaRPr lang="en-JP" b="1" dirty="0"/>
+          </a:p>
+        </p:txBody>
+      </p:sp>
+      <p:pic>
+        <p:nvPicPr>
+          <p:cNvPr id="11" name="Picture 10">
+            <a:extLst>
+              <a:ext uri="{FF2B5EF4-FFF2-40B4-BE49-F238E27FC236}">
+                <a16:creationId xmlns:a16="http://schemas.microsoft.com/office/drawing/2014/main" id="{77E90EC9-DB2B-AB40-AF2B-998D7DA687E8}"/>
+              </a:ext>
+            </a:extLst>
+          </p:cNvPr>
+          <p:cNvPicPr>
+            <a:picLocks noChangeAspect="1"/>
+          </p:cNvPicPr>
+          <p:nvPr/>
+        </p:nvPicPr>
+        <p:blipFill>
+          <a:blip r:embed="rId2"/>
+          <a:stretch>
+            <a:fillRect/>
+          </a:stretch>
+        </p:blipFill>
+        <p:spPr>
+          <a:xfrm>
+            <a:off x="5434488" y="4915517"/>
+            <a:ext cx="1323023" cy="1323023"/>
+          </a:xfrm>
+          <a:prstGeom prst="rect">
+            <a:avLst/>
+          </a:prstGeom>
+        </p:spPr>
+      </p:pic>
+      <p:pic>
+        <p:nvPicPr>
+          <p:cNvPr id="13" name="Picture 12">
+            <a:extLst>
+              <a:ext uri="{FF2B5EF4-FFF2-40B4-BE49-F238E27FC236}">
+                <a16:creationId xmlns:a16="http://schemas.microsoft.com/office/drawing/2014/main" id="{18DDB447-1E79-6B47-9510-747265D6A5F0}"/>
+              </a:ext>
+            </a:extLst>
+          </p:cNvPr>
+          <p:cNvPicPr>
+            <a:picLocks noChangeAspect="1"/>
+          </p:cNvPicPr>
+          <p:nvPr/>
+        </p:nvPicPr>
+        <p:blipFill>
+          <a:blip r:embed="rId3"/>
+          <a:stretch>
+            <a:fillRect/>
+          </a:stretch>
+        </p:blipFill>
+        <p:spPr>
+          <a:xfrm>
+            <a:off x="2581726" y="4879278"/>
+            <a:ext cx="1219968" cy="1317105"/>
+          </a:xfrm>
+          <a:prstGeom prst="rect">
+            <a:avLst/>
+          </a:prstGeom>
+        </p:spPr>
+      </p:pic>
+      <p:sp>
+        <p:nvSpPr>
+          <p:cNvPr id="15" name="Rounded Rectangle 14">
+            <a:extLst>
+              <a:ext uri="{FF2B5EF4-FFF2-40B4-BE49-F238E27FC236}">
+                <a16:creationId xmlns:a16="http://schemas.microsoft.com/office/drawing/2014/main" id="{7BBB5739-F766-394A-8EC7-E6125600238B}"/>
+              </a:ext>
+            </a:extLst>
+          </p:cNvPr>
+          <p:cNvSpPr/>
+          <p:nvPr/>
+        </p:nvSpPr>
+        <p:spPr>
+          <a:xfrm>
+            <a:off x="4950177" y="1401104"/>
+            <a:ext cx="2771041" cy="512957"/>
+          </a:xfrm>
+          <a:prstGeom prst="roundRect">
+            <a:avLst/>
+          </a:prstGeom>
+          <a:ln w="28575"/>
+        </p:spPr>
+        <p:style>
+          <a:lnRef idx="2">
+            <a:schemeClr val="accent1">
+              <a:shade val="50000"/>
+            </a:schemeClr>
+          </a:lnRef>
+          <a:fillRef idx="1">
+            <a:schemeClr val="accent1"/>
+          </a:fillRef>
+          <a:effectRef idx="0">
+            <a:schemeClr val="accent1"/>
+          </a:effectRef>
+          <a:fontRef idx="minor">
+            <a:schemeClr val="lt1"/>
+          </a:fontRef>
+        </p:style>
+        <p:txBody>
+          <a:bodyPr rtlCol="0" anchor="ctr"/>
+          <a:lstStyle/>
+          <a:p>
+            <a:pPr algn="ctr"/>
+            <a:r>
+              <a:rPr lang="en-US" b="1" dirty="0"/>
+              <a:t>Web Apps</a:t>
+            </a:r>
+          </a:p>
+          <a:p>
+            <a:pPr algn="ctr"/>
+            <a:r>
+              <a:rPr lang="en-US" b="1" dirty="0"/>
+              <a:t> (Relaying Party Web App)</a:t>
+            </a:r>
+            <a:endParaRPr lang="en-JP" b="1" dirty="0"/>
+          </a:p>
+        </p:txBody>
+      </p:sp>
+      <p:sp>
+        <p:nvSpPr>
+          <p:cNvPr id="16" name="Rounded Rectangle 15">
+            <a:extLst>
+              <a:ext uri="{FF2B5EF4-FFF2-40B4-BE49-F238E27FC236}">
+                <a16:creationId xmlns:a16="http://schemas.microsoft.com/office/drawing/2014/main" id="{83DE6D1B-1413-8D49-B17A-D5F62F60ED1A}"/>
+              </a:ext>
+            </a:extLst>
+          </p:cNvPr>
+          <p:cNvSpPr/>
+          <p:nvPr/>
+        </p:nvSpPr>
+        <p:spPr>
+          <a:xfrm>
+            <a:off x="4950170" y="2912510"/>
+            <a:ext cx="2771041" cy="512957"/>
+          </a:xfrm>
+          <a:prstGeom prst="roundRect">
+            <a:avLst/>
+          </a:prstGeom>
+          <a:ln w="28575"/>
+        </p:spPr>
+        <p:style>
+          <a:lnRef idx="2">
+            <a:schemeClr val="accent1">
+              <a:shade val="50000"/>
+            </a:schemeClr>
+          </a:lnRef>
+          <a:fillRef idx="1">
+            <a:schemeClr val="accent1"/>
+          </a:fillRef>
+          <a:effectRef idx="0">
+            <a:schemeClr val="accent1"/>
+          </a:effectRef>
+          <a:fontRef idx="minor">
+            <a:schemeClr val="lt1"/>
+          </a:fontRef>
+        </p:style>
+        <p:txBody>
+          <a:bodyPr rtlCol="0" anchor="ctr"/>
+          <a:lstStyle/>
+          <a:p>
+            <a:pPr algn="ctr"/>
+            <a:r>
+              <a:rPr lang="en-US" b="1" dirty="0"/>
+              <a:t>Browsers</a:t>
+            </a:r>
+            <a:endParaRPr lang="en-JP" b="1" dirty="0"/>
+          </a:p>
+        </p:txBody>
+      </p:sp>
+      <p:sp>
+        <p:nvSpPr>
+          <p:cNvPr id="17" name="TextBox 16">
+            <a:extLst>
+              <a:ext uri="{FF2B5EF4-FFF2-40B4-BE49-F238E27FC236}">
+                <a16:creationId xmlns:a16="http://schemas.microsoft.com/office/drawing/2014/main" id="{2F2B5984-58E7-D141-9360-86F3D033CE31}"/>
+              </a:ext>
+            </a:extLst>
+          </p:cNvPr>
+          <p:cNvSpPr txBox="1"/>
+          <p:nvPr/>
+        </p:nvSpPr>
+        <p:spPr>
+          <a:xfrm>
+            <a:off x="2505195" y="6035535"/>
+            <a:ext cx="1513748" cy="646331"/>
+          </a:xfrm>
+          <a:prstGeom prst="rect">
+            <a:avLst/>
+          </a:prstGeom>
+          <a:noFill/>
+        </p:spPr>
+        <p:txBody>
+          <a:bodyPr wrap="none" rtlCol="0">
+            <a:spAutoFit/>
+          </a:bodyPr>
+          <a:lstStyle/>
+          <a:p>
+            <a:pPr algn="ctr"/>
+            <a:r>
+              <a:rPr lang="en-JP" b="1" dirty="0"/>
+              <a:t>On-device</a:t>
+            </a:r>
+          </a:p>
+          <a:p>
+            <a:pPr algn="ctr"/>
+            <a:r>
+              <a:rPr lang="en-JP" b="1" dirty="0"/>
+              <a:t>Authenticator</a:t>
+            </a:r>
+          </a:p>
+        </p:txBody>
+      </p:sp>
+      <p:sp>
+        <p:nvSpPr>
+          <p:cNvPr id="18" name="TextBox 17">
+            <a:extLst>
+              <a:ext uri="{FF2B5EF4-FFF2-40B4-BE49-F238E27FC236}">
+                <a16:creationId xmlns:a16="http://schemas.microsoft.com/office/drawing/2014/main" id="{76D61AD7-E2BB-B94F-9897-6896BC1A985D}"/>
+              </a:ext>
+            </a:extLst>
+          </p:cNvPr>
+          <p:cNvSpPr txBox="1"/>
+          <p:nvPr/>
+        </p:nvSpPr>
+        <p:spPr>
+          <a:xfrm>
+            <a:off x="5145415" y="6035535"/>
+            <a:ext cx="2068900" cy="646331"/>
+          </a:xfrm>
+          <a:prstGeom prst="rect">
+            <a:avLst/>
+          </a:prstGeom>
+          <a:noFill/>
+        </p:spPr>
+        <p:txBody>
+          <a:bodyPr wrap="none" rtlCol="0">
+            <a:spAutoFit/>
+          </a:bodyPr>
+          <a:lstStyle/>
+          <a:p>
+            <a:pPr algn="ctr"/>
+            <a:r>
+              <a:rPr lang="en-JP" b="1" dirty="0"/>
+              <a:t>External Plagguable</a:t>
+            </a:r>
+          </a:p>
+          <a:p>
+            <a:pPr algn="ctr"/>
+            <a:r>
+              <a:rPr lang="en-JP" b="1" dirty="0"/>
+              <a:t>Authenticator</a:t>
+            </a:r>
+          </a:p>
+        </p:txBody>
+      </p:sp>
+      <p:cxnSp>
+        <p:nvCxnSpPr>
+          <p:cNvPr id="40" name="Straight Arrow Connector 39">
+            <a:extLst>
+              <a:ext uri="{FF2B5EF4-FFF2-40B4-BE49-F238E27FC236}">
+                <a16:creationId xmlns:a16="http://schemas.microsoft.com/office/drawing/2014/main" id="{BEDED502-77D0-6446-ACE7-DEA0C9489034}"/>
+              </a:ext>
+            </a:extLst>
+          </p:cNvPr>
+          <p:cNvCxnSpPr>
+            <a:cxnSpLocks/>
+            <a:stCxn id="15" idx="2"/>
+            <a:endCxn id="16" idx="0"/>
+          </p:cNvCxnSpPr>
+          <p:nvPr/>
+        </p:nvCxnSpPr>
+        <p:spPr>
+          <a:xfrm flipH="1">
+            <a:off x="6335691" y="1914061"/>
+            <a:ext cx="7" cy="998449"/>
+          </a:xfrm>
+          <a:prstGeom prst="straightConnector1">
+            <a:avLst/>
+          </a:prstGeom>
+          <a:ln w="28575">
+            <a:headEnd type="triangle"/>
+            <a:tailEnd type="triangle"/>
+          </a:ln>
+        </p:spPr>
+        <p:style>
+          <a:lnRef idx="1">
+            <a:schemeClr val="accent1"/>
+          </a:lnRef>
+          <a:fillRef idx="0">
+            <a:schemeClr val="accent1"/>
+          </a:fillRef>
+          <a:effectRef idx="0">
+            <a:schemeClr val="accent1"/>
+          </a:effectRef>
+          <a:fontRef idx="minor">
+            <a:schemeClr val="tx1"/>
+          </a:fontRef>
+        </p:style>
+      </p:cxnSp>
+      <p:sp>
+        <p:nvSpPr>
+          <p:cNvPr id="39" name="Oval 38">
+            <a:extLst>
+              <a:ext uri="{FF2B5EF4-FFF2-40B4-BE49-F238E27FC236}">
+                <a16:creationId xmlns:a16="http://schemas.microsoft.com/office/drawing/2014/main" id="{49CF8726-6CAD-A847-BA43-E85C50C54ED3}"/>
+              </a:ext>
+            </a:extLst>
+          </p:cNvPr>
+          <p:cNvSpPr/>
+          <p:nvPr/>
+        </p:nvSpPr>
+        <p:spPr>
+          <a:xfrm>
+            <a:off x="4950178" y="2130928"/>
+            <a:ext cx="2771041" cy="579775"/>
+          </a:xfrm>
+          <a:prstGeom prst="ellipse">
+            <a:avLst/>
+          </a:prstGeom>
+          <a:ln w="28575"/>
+        </p:spPr>
+        <p:style>
+          <a:lnRef idx="2">
+            <a:schemeClr val="accent6"/>
+          </a:lnRef>
+          <a:fillRef idx="1">
+            <a:schemeClr val="lt1"/>
+          </a:fillRef>
+          <a:effectRef idx="0">
+            <a:schemeClr val="accent6"/>
+          </a:effectRef>
+          <a:fontRef idx="minor">
+            <a:schemeClr val="dk1"/>
+          </a:fontRef>
+        </p:style>
+        <p:txBody>
+          <a:bodyPr rtlCol="0" anchor="ctr"/>
+          <a:lstStyle/>
+          <a:p>
+            <a:pPr algn="ctr"/>
+            <a:r>
+              <a:rPr lang="en-JP" b="1" dirty="0">
+                <a:solidFill>
+                  <a:srgbClr val="FF0000"/>
+                </a:solidFill>
+              </a:rPr>
+              <a:t>FIDO2 WebAuthn API (W3C WebAPI)</a:t>
+            </a:r>
+          </a:p>
+        </p:txBody>
+      </p:sp>
+      <p:cxnSp>
+        <p:nvCxnSpPr>
+          <p:cNvPr id="48" name="Straight Arrow Connector 47">
+            <a:extLst>
+              <a:ext uri="{FF2B5EF4-FFF2-40B4-BE49-F238E27FC236}">
+                <a16:creationId xmlns:a16="http://schemas.microsoft.com/office/drawing/2014/main" id="{88AFFDBC-CCD8-6444-A946-73920AA78426}"/>
+              </a:ext>
+            </a:extLst>
+          </p:cNvPr>
+          <p:cNvCxnSpPr>
+            <a:cxnSpLocks/>
+          </p:cNvCxnSpPr>
+          <p:nvPr/>
+        </p:nvCxnSpPr>
+        <p:spPr>
+          <a:xfrm flipH="1">
+            <a:off x="2870788" y="3765659"/>
+            <a:ext cx="1513748" cy="1224340"/>
+          </a:xfrm>
+          <a:prstGeom prst="straightConnector1">
+            <a:avLst/>
+          </a:prstGeom>
+          <a:ln w="28575">
+            <a:headEnd type="triangle"/>
+            <a:tailEnd type="triangle"/>
+          </a:ln>
+        </p:spPr>
+        <p:style>
+          <a:lnRef idx="1">
+            <a:schemeClr val="accent1"/>
+          </a:lnRef>
+          <a:fillRef idx="0">
+            <a:schemeClr val="accent1"/>
+          </a:fillRef>
+          <a:effectRef idx="0">
+            <a:schemeClr val="accent1"/>
+          </a:effectRef>
+          <a:fontRef idx="minor">
+            <a:schemeClr val="tx1"/>
+          </a:fontRef>
+        </p:style>
+      </p:cxnSp>
+      <p:cxnSp>
+        <p:nvCxnSpPr>
+          <p:cNvPr id="64" name="Straight Arrow Connector 63">
+            <a:extLst>
+              <a:ext uri="{FF2B5EF4-FFF2-40B4-BE49-F238E27FC236}">
+                <a16:creationId xmlns:a16="http://schemas.microsoft.com/office/drawing/2014/main" id="{93222465-4C97-B941-91E4-244A1CDB99D7}"/>
+              </a:ext>
+            </a:extLst>
+          </p:cNvPr>
+          <p:cNvCxnSpPr>
+            <a:cxnSpLocks/>
+          </p:cNvCxnSpPr>
+          <p:nvPr/>
+        </p:nvCxnSpPr>
+        <p:spPr>
+          <a:xfrm>
+            <a:off x="4950170" y="3765659"/>
+            <a:ext cx="1532706" cy="1287065"/>
+          </a:xfrm>
+          <a:prstGeom prst="straightConnector1">
+            <a:avLst/>
+          </a:prstGeom>
+          <a:ln w="28575">
+            <a:headEnd type="triangle"/>
+            <a:tailEnd type="triangle"/>
+          </a:ln>
+        </p:spPr>
+        <p:style>
+          <a:lnRef idx="1">
+            <a:schemeClr val="accent1"/>
+          </a:lnRef>
+          <a:fillRef idx="0">
+            <a:schemeClr val="accent1"/>
+          </a:fillRef>
+          <a:effectRef idx="0">
+            <a:schemeClr val="accent1"/>
+          </a:effectRef>
+          <a:fontRef idx="minor">
+            <a:schemeClr val="tx1"/>
+          </a:fontRef>
+        </p:style>
+      </p:cxnSp>
+      <p:sp>
+        <p:nvSpPr>
+          <p:cNvPr id="29" name="Oval 28">
+            <a:extLst>
+              <a:ext uri="{FF2B5EF4-FFF2-40B4-BE49-F238E27FC236}">
+                <a16:creationId xmlns:a16="http://schemas.microsoft.com/office/drawing/2014/main" id="{87C37079-BD45-164E-93C1-DD940C2BEADC}"/>
+              </a:ext>
+            </a:extLst>
+          </p:cNvPr>
+          <p:cNvSpPr/>
+          <p:nvPr/>
+        </p:nvSpPr>
+        <p:spPr>
+          <a:xfrm>
+            <a:off x="1545927" y="4264556"/>
+            <a:ext cx="2830048" cy="512957"/>
+          </a:xfrm>
+          <a:prstGeom prst="ellipse">
+            <a:avLst/>
+          </a:prstGeom>
+          <a:ln w="28575"/>
+        </p:spPr>
+        <p:style>
+          <a:lnRef idx="2">
+            <a:schemeClr val="accent6"/>
+          </a:lnRef>
+          <a:fillRef idx="1">
+            <a:schemeClr val="lt1"/>
+          </a:fillRef>
+          <a:effectRef idx="0">
+            <a:schemeClr val="accent6"/>
+          </a:effectRef>
+          <a:fontRef idx="minor">
+            <a:schemeClr val="dk1"/>
+          </a:fontRef>
+        </p:style>
+        <p:txBody>
+          <a:bodyPr rtlCol="0" anchor="ctr"/>
+          <a:lstStyle/>
+          <a:p>
+            <a:pPr algn="ctr"/>
+            <a:r>
+              <a:rPr lang="en-JP" b="1" dirty="0"/>
+              <a:t>Internal API</a:t>
+            </a:r>
+          </a:p>
+        </p:txBody>
+      </p:sp>
+      <p:sp>
+        <p:nvSpPr>
+          <p:cNvPr id="24" name="Oval 23">
+            <a:extLst>
+              <a:ext uri="{FF2B5EF4-FFF2-40B4-BE49-F238E27FC236}">
+                <a16:creationId xmlns:a16="http://schemas.microsoft.com/office/drawing/2014/main" id="{5C38224D-EC68-9741-9EEB-35B20CC911AF}"/>
+              </a:ext>
+            </a:extLst>
+          </p:cNvPr>
+          <p:cNvSpPr/>
+          <p:nvPr/>
+        </p:nvSpPr>
+        <p:spPr>
+          <a:xfrm>
+            <a:off x="4950170" y="4278616"/>
+            <a:ext cx="2771041" cy="512957"/>
+          </a:xfrm>
+          <a:prstGeom prst="ellipse">
+            <a:avLst/>
+          </a:prstGeom>
+          <a:solidFill>
+            <a:schemeClr val="bg1"/>
+          </a:solidFill>
+          <a:ln w="28575"/>
+        </p:spPr>
+        <p:style>
+          <a:lnRef idx="2">
+            <a:schemeClr val="accent6"/>
+          </a:lnRef>
+          <a:fillRef idx="1">
+            <a:schemeClr val="lt1"/>
+          </a:fillRef>
+          <a:effectRef idx="0">
+            <a:schemeClr val="accent6"/>
+          </a:effectRef>
+          <a:fontRef idx="minor">
+            <a:schemeClr val="dk1"/>
+          </a:fontRef>
+        </p:style>
+        <p:txBody>
+          <a:bodyPr rtlCol="0" anchor="ctr"/>
+          <a:lstStyle/>
+          <a:p>
+            <a:pPr algn="ctr"/>
+            <a:r>
+              <a:rPr lang="en-JP" b="1" dirty="0">
+                <a:solidFill>
+                  <a:srgbClr val="FF0000"/>
+                </a:solidFill>
+              </a:rPr>
+              <a:t>FIDO2 CTAP API</a:t>
+            </a:r>
+          </a:p>
+        </p:txBody>
+      </p:sp>
+      <p:sp>
+        <p:nvSpPr>
+          <p:cNvPr id="70" name="Rounded Rectangle 69">
+            <a:extLst>
+              <a:ext uri="{FF2B5EF4-FFF2-40B4-BE49-F238E27FC236}">
+                <a16:creationId xmlns:a16="http://schemas.microsoft.com/office/drawing/2014/main" id="{980BEA5E-1CA4-3741-8A8F-2CF867B2346A}"/>
+              </a:ext>
+            </a:extLst>
+          </p:cNvPr>
+          <p:cNvSpPr/>
+          <p:nvPr/>
+        </p:nvSpPr>
+        <p:spPr>
+          <a:xfrm>
+            <a:off x="4950178" y="158060"/>
+            <a:ext cx="2771041" cy="512957"/>
+          </a:xfrm>
+          <a:prstGeom prst="roundRect">
+            <a:avLst/>
+          </a:prstGeom>
+          <a:ln w="28575"/>
+        </p:spPr>
+        <p:style>
+          <a:lnRef idx="2">
+            <a:schemeClr val="accent1">
+              <a:shade val="50000"/>
+            </a:schemeClr>
+          </a:lnRef>
+          <a:fillRef idx="1">
+            <a:schemeClr val="accent1"/>
+          </a:fillRef>
+          <a:effectRef idx="0">
+            <a:schemeClr val="accent1"/>
+          </a:effectRef>
+          <a:fontRef idx="minor">
+            <a:schemeClr val="lt1"/>
+          </a:fontRef>
+        </p:style>
+        <p:txBody>
+          <a:bodyPr rtlCol="0" anchor="ctr"/>
+          <a:lstStyle/>
+          <a:p>
+            <a:pPr algn="ctr"/>
+            <a:r>
+              <a:rPr lang="en-US" b="1" dirty="0"/>
+              <a:t>Server (Relaying Party)</a:t>
+            </a:r>
+            <a:endParaRPr lang="en-JP" b="1" dirty="0"/>
+          </a:p>
+        </p:txBody>
+      </p:sp>
+      <p:cxnSp>
+        <p:nvCxnSpPr>
+          <p:cNvPr id="71" name="Straight Arrow Connector 70">
+            <a:extLst>
+              <a:ext uri="{FF2B5EF4-FFF2-40B4-BE49-F238E27FC236}">
+                <a16:creationId xmlns:a16="http://schemas.microsoft.com/office/drawing/2014/main" id="{2F1C98D2-EB8C-F343-B871-F14482B82B2E}"/>
+              </a:ext>
+            </a:extLst>
+          </p:cNvPr>
+          <p:cNvCxnSpPr>
+            <a:cxnSpLocks/>
+            <a:stCxn id="70" idx="2"/>
+            <a:endCxn id="15" idx="0"/>
+          </p:cNvCxnSpPr>
+          <p:nvPr/>
+        </p:nvCxnSpPr>
+        <p:spPr>
+          <a:xfrm flipH="1">
+            <a:off x="6335698" y="671017"/>
+            <a:ext cx="1" cy="730087"/>
+          </a:xfrm>
+          <a:prstGeom prst="straightConnector1">
+            <a:avLst/>
+          </a:prstGeom>
+          <a:ln w="28575">
+            <a:headEnd type="triangle"/>
+            <a:tailEnd type="triangle"/>
+          </a:ln>
+        </p:spPr>
+        <p:style>
+          <a:lnRef idx="1">
+            <a:schemeClr val="accent1"/>
+          </a:lnRef>
+          <a:fillRef idx="0">
+            <a:schemeClr val="accent1"/>
+          </a:fillRef>
+          <a:effectRef idx="0">
+            <a:schemeClr val="accent1"/>
+          </a:effectRef>
+          <a:fontRef idx="minor">
+            <a:schemeClr val="tx1"/>
+          </a:fontRef>
+        </p:style>
+      </p:cxnSp>
+      <p:sp>
+        <p:nvSpPr>
+          <p:cNvPr id="84" name="TextBox 83">
+            <a:extLst>
+              <a:ext uri="{FF2B5EF4-FFF2-40B4-BE49-F238E27FC236}">
+                <a16:creationId xmlns:a16="http://schemas.microsoft.com/office/drawing/2014/main" id="{8DD109F1-0CB2-BB49-A16D-FEDE6F6678D7}"/>
+              </a:ext>
+            </a:extLst>
+          </p:cNvPr>
+          <p:cNvSpPr txBox="1"/>
+          <p:nvPr/>
+        </p:nvSpPr>
+        <p:spPr>
+          <a:xfrm>
+            <a:off x="13130" y="-226147"/>
+            <a:ext cx="3446742" cy="1200329"/>
+          </a:xfrm>
+          <a:prstGeom prst="rect">
+            <a:avLst/>
+          </a:prstGeom>
+          <a:noFill/>
+        </p:spPr>
+        <p:txBody>
+          <a:bodyPr wrap="square" rtlCol="0">
+            <a:spAutoFit/>
+          </a:bodyPr>
+          <a:lstStyle/>
+          <a:p>
+            <a:r>
+              <a:rPr lang="ja-JP" altLang="en-US" b="1"/>
+              <a:t>・認証器内部のみでの本人認証</a:t>
+            </a:r>
+            <a:r>
+              <a:rPr lang="en-US" altLang="ja-JP" b="1" dirty="0"/>
+              <a:t> </a:t>
+            </a:r>
+            <a:r>
+              <a:rPr lang="en-US" altLang="ja-JP" b="1" dirty="0">
+                <a:solidFill>
+                  <a:srgbClr val="FF0000"/>
+                </a:solidFill>
+              </a:rPr>
+              <a:t>(</a:t>
+            </a:r>
+            <a:r>
+              <a:rPr lang="ja-JP" altLang="en-US" b="1">
+                <a:solidFill>
+                  <a:srgbClr val="FF0000"/>
+                </a:solidFill>
+              </a:rPr>
+              <a:t>本人認証情報は外部へ出ない</a:t>
+            </a:r>
+            <a:r>
+              <a:rPr lang="en-US" altLang="ja-JP" b="1" dirty="0">
+                <a:solidFill>
+                  <a:srgbClr val="FF0000"/>
+                </a:solidFill>
+              </a:rPr>
+              <a:t>)</a:t>
+            </a:r>
+          </a:p>
+          <a:p>
+            <a:r>
+              <a:rPr lang="en-US" b="1" dirty="0"/>
+              <a:t>・</a:t>
+            </a:r>
+            <a:r>
+              <a:rPr lang="ja-JP" altLang="en-US" b="1"/>
+              <a:t>サーバとのオンラインでの認証のための署名生成</a:t>
+            </a:r>
+            <a:endParaRPr lang="en-JP" b="1" dirty="0"/>
+          </a:p>
+        </p:txBody>
+      </p:sp>
+      <p:sp>
+        <p:nvSpPr>
+          <p:cNvPr id="106" name="Rectangle 105">
+            <a:extLst>
+              <a:ext uri="{FF2B5EF4-FFF2-40B4-BE49-F238E27FC236}">
+                <a16:creationId xmlns:a16="http://schemas.microsoft.com/office/drawing/2014/main" id="{54BFA3F6-7A2C-014F-8065-49A1214FAD3E}"/>
+              </a:ext>
+            </a:extLst>
+          </p:cNvPr>
+          <p:cNvSpPr/>
+          <p:nvPr/>
+        </p:nvSpPr>
+        <p:spPr>
+          <a:xfrm>
+            <a:off x="83865" y="-895061"/>
+            <a:ext cx="6096000" cy="646331"/>
+          </a:xfrm>
+          <a:prstGeom prst="rect">
+            <a:avLst/>
+          </a:prstGeom>
+        </p:spPr>
+        <p:txBody>
+          <a:bodyPr>
+            <a:spAutoFit/>
+          </a:bodyPr>
+          <a:lstStyle/>
+          <a:p>
+            <a:r>
+              <a:rPr lang="ja-JP" altLang="en-US" b="1"/>
+              <a:t>本人認証が取れた認証器内部で生成した署名による、オンラインでの認証</a:t>
+            </a:r>
+            <a:r>
+              <a:rPr lang="en-US" altLang="ja-JP" b="1" dirty="0"/>
+              <a:t> (</a:t>
+            </a:r>
+            <a:r>
+              <a:rPr lang="ja-JP" altLang="en-US" b="1"/>
+              <a:t>公開鍵暗号を利用</a:t>
+            </a:r>
+            <a:r>
+              <a:rPr lang="en-US" altLang="ja-JP" b="1" dirty="0"/>
+              <a:t>)</a:t>
+            </a:r>
+          </a:p>
+        </p:txBody>
+      </p:sp>
+      <p:sp>
+        <p:nvSpPr>
+          <p:cNvPr id="105" name="Oval 104">
+            <a:extLst>
+              <a:ext uri="{FF2B5EF4-FFF2-40B4-BE49-F238E27FC236}">
+                <a16:creationId xmlns:a16="http://schemas.microsoft.com/office/drawing/2014/main" id="{B144F08F-5589-2745-8E38-114F61E9F5C5}"/>
+              </a:ext>
+            </a:extLst>
+          </p:cNvPr>
+          <p:cNvSpPr/>
+          <p:nvPr/>
+        </p:nvSpPr>
+        <p:spPr>
+          <a:xfrm>
+            <a:off x="4950173" y="864770"/>
+            <a:ext cx="2771041" cy="334527"/>
+          </a:xfrm>
+          <a:prstGeom prst="ellipse">
+            <a:avLst/>
+          </a:prstGeom>
+          <a:ln w="28575"/>
+        </p:spPr>
+        <p:style>
+          <a:lnRef idx="2">
+            <a:schemeClr val="accent6"/>
+          </a:lnRef>
+          <a:fillRef idx="1">
+            <a:schemeClr val="lt1"/>
+          </a:fillRef>
+          <a:effectRef idx="0">
+            <a:schemeClr val="accent6"/>
+          </a:effectRef>
+          <a:fontRef idx="minor">
+            <a:schemeClr val="dk1"/>
+          </a:fontRef>
+        </p:style>
+        <p:txBody>
+          <a:bodyPr rtlCol="0" anchor="ctr"/>
+          <a:lstStyle/>
+          <a:p>
+            <a:pPr algn="ctr"/>
+            <a:r>
+              <a:rPr lang="en-JP" b="1" dirty="0"/>
+              <a:t>(ex. RESTful API)</a:t>
+            </a:r>
+          </a:p>
+        </p:txBody>
+      </p:sp>
+      <p:sp>
+        <p:nvSpPr>
+          <p:cNvPr id="133" name="Rounded Rectangle 132">
+            <a:extLst>
+              <a:ext uri="{FF2B5EF4-FFF2-40B4-BE49-F238E27FC236}">
+                <a16:creationId xmlns:a16="http://schemas.microsoft.com/office/drawing/2014/main" id="{E5751661-7B36-654C-ADE0-B300AC416A3D}"/>
+              </a:ext>
+            </a:extLst>
+          </p:cNvPr>
+          <p:cNvSpPr/>
+          <p:nvPr/>
+        </p:nvSpPr>
+        <p:spPr>
+          <a:xfrm>
+            <a:off x="1545927" y="3444238"/>
+            <a:ext cx="6175281" cy="321421"/>
+          </a:xfrm>
+          <a:prstGeom prst="roundRect">
+            <a:avLst/>
+          </a:prstGeom>
+          <a:ln w="28575"/>
+        </p:spPr>
+        <p:style>
+          <a:lnRef idx="2">
+            <a:schemeClr val="accent1">
+              <a:shade val="50000"/>
+            </a:schemeClr>
+          </a:lnRef>
+          <a:fillRef idx="1">
+            <a:schemeClr val="accent1"/>
+          </a:fillRef>
+          <a:effectRef idx="0">
+            <a:schemeClr val="accent1"/>
+          </a:effectRef>
+          <a:fontRef idx="minor">
+            <a:schemeClr val="lt1"/>
+          </a:fontRef>
+        </p:style>
+        <p:txBody>
+          <a:bodyPr rtlCol="0" anchor="ctr"/>
+          <a:lstStyle/>
+          <a:p>
+            <a:pPr algn="ctr"/>
+            <a:r>
+              <a:rPr lang="en-US" b="1" dirty="0"/>
+              <a:t>Platform (OS)</a:t>
+            </a:r>
+            <a:endParaRPr lang="en-JP" b="1" dirty="0"/>
+          </a:p>
+        </p:txBody>
+      </p:sp>
+    </p:spTree>
+    <p:extLst>
+      <p:ext uri="{BB962C8B-B14F-4D97-AF65-F5344CB8AC3E}">
+        <p14:creationId xmlns:p14="http://schemas.microsoft.com/office/powerpoint/2010/main" val="3237612766"/>
+      </p:ext>
+    </p:extLst>
+  </p:cSld>
+  <p:clrMapOvr>
+    <a:masterClrMapping/>
+  </p:clrMapOvr>
+</p:sld>
+</file>
+
+<file path=ppt/slides/slide6.xml><?xml version="1.0" encoding="utf-8"?>
+<p:sld xmlns:a="http://schemas.openxmlformats.org/drawingml/2006/main" xmlns:r="http://schemas.openxmlformats.org/officeDocument/2006/relationships" xmlns:p="http://schemas.openxmlformats.org/presentationml/2006/main">
+  <p:cSld>
+    <p:spTree>
+      <p:nvGrpSpPr>
+        <p:cNvPr id="1" name=""/>
+        <p:cNvGrpSpPr/>
+        <p:nvPr/>
+      </p:nvGrpSpPr>
+      <p:grpSpPr>
+        <a:xfrm>
+          <a:off x="0" y="0"/>
+          <a:ext cx="0" cy="0"/>
+          <a:chOff x="0" y="0"/>
+          <a:chExt cx="0" cy="0"/>
+        </a:xfrm>
+      </p:grpSpPr>
+      <p:sp>
+        <p:nvSpPr>
+          <p:cNvPr id="4" name="Line 7">
+            <a:extLst>
+              <a:ext uri="{FF2B5EF4-FFF2-40B4-BE49-F238E27FC236}">
+                <a16:creationId xmlns:a16="http://schemas.microsoft.com/office/drawing/2014/main" id="{6453B2A9-E02C-B244-87BC-1CCF12C78520}"/>
+              </a:ext>
+            </a:extLst>
+          </p:cNvPr>
+          <p:cNvSpPr>
+            <a:spLocks noChangeShapeType="1"/>
+          </p:cNvSpPr>
+          <p:nvPr/>
+        </p:nvSpPr>
+        <p:spPr bwMode="auto">
+          <a:xfrm flipH="1" flipV="1">
+            <a:off x="4566056" y="2558496"/>
+            <a:ext cx="4903042" cy="11430"/>
+          </a:xfrm>
+          <a:prstGeom prst="line">
+            <a:avLst/>
+          </a:prstGeom>
+          <a:ln w="38100">
+            <a:headEnd type="none" w="med" len="med"/>
+            <a:tailEnd type="arrow" w="med" len="med"/>
+          </a:ln>
+        </p:spPr>
+        <p:style>
+          <a:lnRef idx="2">
+            <a:schemeClr val="accent4"/>
+          </a:lnRef>
+          <a:fillRef idx="0">
+            <a:schemeClr val="accent4"/>
+          </a:fillRef>
+          <a:effectRef idx="1">
+            <a:schemeClr val="accent4"/>
+          </a:effectRef>
+          <a:fontRef idx="minor">
+            <a:schemeClr val="tx1"/>
+          </a:fontRef>
+        </p:style>
+        <p:txBody>
+          <a:bodyPr wrap="none" anchor="ctr"/>
+          <a:lstStyle/>
+          <a:p>
+            <a:pPr algn="ctr">
+              <a:defRPr/>
+            </a:pPr>
+            <a:endParaRPr lang="ja-JP" altLang="en-US">
+              <a:latin typeface="Segoe UI" panose="020B0502040204020203" pitchFamily="34" charset="0"/>
+              <a:cs typeface="Segoe UI" panose="020B0502040204020203" pitchFamily="34" charset="0"/>
+            </a:endParaRPr>
+          </a:p>
+        </p:txBody>
+      </p:sp>
+      <p:sp>
+        <p:nvSpPr>
+          <p:cNvPr id="6" name="Text Box 9">
+            <a:extLst>
+              <a:ext uri="{FF2B5EF4-FFF2-40B4-BE49-F238E27FC236}">
+                <a16:creationId xmlns:a16="http://schemas.microsoft.com/office/drawing/2014/main" id="{830107C2-8FA0-1541-8D75-B38EB9211A45}"/>
+              </a:ext>
+            </a:extLst>
+          </p:cNvPr>
+          <p:cNvSpPr txBox="1">
+            <a:spLocks noChangeArrowheads="1"/>
+          </p:cNvSpPr>
+          <p:nvPr/>
+        </p:nvSpPr>
+        <p:spPr bwMode="auto">
+          <a:xfrm>
+            <a:off x="2674021" y="1525202"/>
+            <a:ext cx="2346325" cy="369332"/>
+          </a:xfrm>
+          <a:prstGeom prst="rect">
+            <a:avLst/>
+          </a:prstGeom>
+          <a:noFill/>
+          <a:ln>
+            <a:noFill/>
+          </a:ln>
+          <a:extLst>
+            <a:ext uri="{909E8E84-426E-40DD-AFC4-6F175D3DCCD1}">
+              <a14:hiddenFill xmlns:a14="http://schemas.microsoft.com/office/drawing/2010/main">
+                <a:solidFill>
+                  <a:srgbClr val="FFFFFF"/>
+                </a:solidFill>
+              </a14:hiddenFill>
+            </a:ext>
+            <a:ext uri="{91240B29-F687-4F45-9708-019B960494DF}">
+              <a14:hiddenLine xmlns:a14="http://schemas.microsoft.com/office/drawing/2010/main" w="9525">
+                <a:solidFill>
+                  <a:srgbClr val="000000"/>
+                </a:solidFill>
+                <a:miter lim="800000"/>
+                <a:headEnd/>
+                <a:tailEnd/>
+              </a14:hiddenLine>
+            </a:ext>
+          </a:extLst>
+        </p:spPr>
+        <p:txBody>
+          <a:bodyPr>
+            <a:spAutoFit/>
+          </a:bodyPr>
+          <a:lstStyle/>
+          <a:p>
+            <a:pPr algn="ctr" eaLnBrk="1" hangingPunct="1">
+              <a:defRPr/>
+            </a:pPr>
+            <a:r>
+              <a:rPr lang="ja-JP" altLang="en-US" dirty="0">
+                <a:latin typeface="Segoe UI" panose="020B0502040204020203" pitchFamily="34" charset="0"/>
+                <a:cs typeface="Segoe UI" panose="020B0502040204020203" pitchFamily="34" charset="0"/>
+              </a:rPr>
+              <a:t>利用者</a:t>
+            </a:r>
+          </a:p>
+        </p:txBody>
+      </p:sp>
+      <p:sp>
+        <p:nvSpPr>
+          <p:cNvPr id="7" name="Text Box 18">
+            <a:extLst>
+              <a:ext uri="{FF2B5EF4-FFF2-40B4-BE49-F238E27FC236}">
+                <a16:creationId xmlns:a16="http://schemas.microsoft.com/office/drawing/2014/main" id="{C6FE520E-B83E-1A4E-8E2C-460A0CB20CEE}"/>
+              </a:ext>
+            </a:extLst>
+          </p:cNvPr>
+          <p:cNvSpPr txBox="1">
+            <a:spLocks noChangeArrowheads="1"/>
+          </p:cNvSpPr>
+          <p:nvPr/>
+        </p:nvSpPr>
+        <p:spPr bwMode="auto">
+          <a:xfrm>
+            <a:off x="305406" y="3325236"/>
+            <a:ext cx="3107241" cy="1479509"/>
+          </a:xfrm>
+          <a:prstGeom prst="rect">
+            <a:avLst/>
+          </a:prstGeom>
+          <a:noFill/>
+          <a:ln>
+            <a:noFill/>
+          </a:ln>
+          <a:extLst>
+            <a:ext uri="{909E8E84-426E-40DD-AFC4-6F175D3DCCD1}">
+              <a14:hiddenFill xmlns:a14="http://schemas.microsoft.com/office/drawing/2010/main">
+                <a:solidFill>
+                  <a:srgbClr val="FFFFFF"/>
+                </a:solidFill>
+              </a14:hiddenFill>
+            </a:ext>
+            <a:ext uri="{91240B29-F687-4F45-9708-019B960494DF}">
+              <a14:hiddenLine xmlns:a14="http://schemas.microsoft.com/office/drawing/2010/main" w="19050" cap="sq">
+                <a:solidFill>
+                  <a:srgbClr val="000000"/>
+                </a:solidFill>
+                <a:miter lim="800000"/>
+                <a:headEnd/>
+                <a:tailEnd/>
+              </a14:hiddenLine>
+            </a:ext>
+          </a:extLst>
+        </p:spPr>
+        <p:txBody>
+          <a:bodyPr wrap="square" lIns="90000" tIns="46800" rIns="90000" bIns="46800">
+            <a:spAutoFit/>
+          </a:bodyPr>
+          <a:lstStyle/>
+          <a:p>
+            <a:pPr>
+              <a:defRPr/>
+            </a:pPr>
+            <a:r>
+              <a:rPr lang="ja-JP" altLang="en-US">
+                <a:latin typeface="Segoe UI" panose="020B0502040204020203" pitchFamily="34" charset="0"/>
+                <a:cs typeface="Segoe UI" panose="020B0502040204020203" pitchFamily="34" charset="0"/>
+              </a:rPr>
+              <a:t>③認証器で生体認証</a:t>
+            </a:r>
+            <a:r>
+              <a:rPr lang="en-US" altLang="ja-JP" dirty="0">
+                <a:latin typeface="Segoe UI" panose="020B0502040204020203" pitchFamily="34" charset="0"/>
+                <a:cs typeface="Segoe UI" panose="020B0502040204020203" pitchFamily="34" charset="0"/>
+              </a:rPr>
+              <a:t>(</a:t>
+            </a:r>
+            <a:r>
+              <a:rPr lang="ja-JP" altLang="en-US">
+                <a:latin typeface="Segoe UI" panose="020B0502040204020203" pitchFamily="34" charset="0"/>
+                <a:cs typeface="Segoe UI" panose="020B0502040204020203" pitchFamily="34" charset="0"/>
+              </a:rPr>
+              <a:t>指紋等</a:t>
+            </a:r>
+            <a:r>
+              <a:rPr lang="en-US" altLang="ja-JP" dirty="0">
+                <a:latin typeface="Segoe UI" panose="020B0502040204020203" pitchFamily="34" charset="0"/>
+                <a:cs typeface="Segoe UI" panose="020B0502040204020203" pitchFamily="34" charset="0"/>
+              </a:rPr>
+              <a:t>)</a:t>
+            </a:r>
+          </a:p>
+          <a:p>
+            <a:pPr>
+              <a:defRPr/>
+            </a:pPr>
+            <a:r>
+              <a:rPr lang="ja-JP" altLang="en-US">
+                <a:latin typeface="Segoe UI" panose="020B0502040204020203" pitchFamily="34" charset="0"/>
+                <a:cs typeface="Segoe UI" panose="020B0502040204020203" pitchFamily="34" charset="0"/>
+              </a:rPr>
+              <a:t>④生体認証が通ったら、</a:t>
+            </a:r>
+            <a:r>
+              <a:rPr lang="ja-JP" altLang="en-US" b="1">
+                <a:solidFill>
+                  <a:srgbClr val="FF0000"/>
+                </a:solidFill>
+                <a:latin typeface="Segoe UI" panose="020B0502040204020203" pitchFamily="34" charset="0"/>
+                <a:cs typeface="Segoe UI" panose="020B0502040204020203" pitchFamily="34" charset="0"/>
+              </a:rPr>
+              <a:t>認証器内部のみにある秘密鍵でチャレンジに対する署名を生成</a:t>
+            </a:r>
+            <a:endParaRPr lang="en-US" altLang="ja-JP" b="1" dirty="0">
+              <a:solidFill>
+                <a:srgbClr val="FF0000"/>
+              </a:solidFill>
+              <a:latin typeface="Segoe UI" panose="020B0502040204020203" pitchFamily="34" charset="0"/>
+              <a:cs typeface="Segoe UI" panose="020B0502040204020203" pitchFamily="34" charset="0"/>
+            </a:endParaRPr>
+          </a:p>
+        </p:txBody>
+      </p:sp>
+      <p:pic>
+        <p:nvPicPr>
+          <p:cNvPr id="17" name="Picture 16">
+            <a:extLst>
+              <a:ext uri="{FF2B5EF4-FFF2-40B4-BE49-F238E27FC236}">
+                <a16:creationId xmlns:a16="http://schemas.microsoft.com/office/drawing/2014/main" id="{4E772A40-20D5-C148-8220-85BDCF272A0F}"/>
+              </a:ext>
+            </a:extLst>
+          </p:cNvPr>
+          <p:cNvPicPr>
+            <a:picLocks noChangeAspect="1"/>
+          </p:cNvPicPr>
+          <p:nvPr/>
+        </p:nvPicPr>
+        <p:blipFill>
+          <a:blip r:embed="rId2"/>
+          <a:stretch>
+            <a:fillRect/>
+          </a:stretch>
+        </p:blipFill>
+        <p:spPr>
+          <a:xfrm>
+            <a:off x="3031233" y="1873965"/>
+            <a:ext cx="1506295" cy="2005051"/>
+          </a:xfrm>
+          <a:prstGeom prst="rect">
+            <a:avLst/>
+          </a:prstGeom>
+        </p:spPr>
+      </p:pic>
+      <p:pic>
+        <p:nvPicPr>
+          <p:cNvPr id="21" name="Picture 20">
+            <a:extLst>
+              <a:ext uri="{FF2B5EF4-FFF2-40B4-BE49-F238E27FC236}">
+                <a16:creationId xmlns:a16="http://schemas.microsoft.com/office/drawing/2014/main" id="{93300489-11F7-FE4A-A3D4-3F24D47D3104}"/>
+              </a:ext>
+            </a:extLst>
+          </p:cNvPr>
+          <p:cNvPicPr>
+            <a:picLocks noChangeAspect="1"/>
+          </p:cNvPicPr>
+          <p:nvPr/>
+        </p:nvPicPr>
+        <p:blipFill>
+          <a:blip r:embed="rId3"/>
+          <a:stretch>
+            <a:fillRect/>
+          </a:stretch>
+        </p:blipFill>
+        <p:spPr>
+          <a:xfrm>
+            <a:off x="9236261" y="2181543"/>
+            <a:ext cx="1472018" cy="1738849"/>
+          </a:xfrm>
+          <a:prstGeom prst="rect">
+            <a:avLst/>
+          </a:prstGeom>
+        </p:spPr>
+      </p:pic>
+      <p:pic>
+        <p:nvPicPr>
+          <p:cNvPr id="13" name="Picture 12">
+            <a:extLst>
+              <a:ext uri="{FF2B5EF4-FFF2-40B4-BE49-F238E27FC236}">
+                <a16:creationId xmlns:a16="http://schemas.microsoft.com/office/drawing/2014/main" id="{2DBFFB35-1E87-5A4E-B1A6-E1F675E8A666}"/>
+              </a:ext>
+            </a:extLst>
+          </p:cNvPr>
+          <p:cNvPicPr>
+            <a:picLocks noChangeAspect="1"/>
+          </p:cNvPicPr>
+          <p:nvPr/>
+        </p:nvPicPr>
+        <p:blipFill>
+          <a:blip r:embed="rId4"/>
+          <a:stretch>
+            <a:fillRect/>
+          </a:stretch>
+        </p:blipFill>
+        <p:spPr>
+          <a:xfrm>
+            <a:off x="461992" y="2002213"/>
+            <a:ext cx="1323023" cy="1323023"/>
+          </a:xfrm>
+          <a:prstGeom prst="rect">
+            <a:avLst/>
+          </a:prstGeom>
+        </p:spPr>
+      </p:pic>
+      <p:sp>
+        <p:nvSpPr>
+          <p:cNvPr id="14" name="TextBox 13">
+            <a:extLst>
+              <a:ext uri="{FF2B5EF4-FFF2-40B4-BE49-F238E27FC236}">
+                <a16:creationId xmlns:a16="http://schemas.microsoft.com/office/drawing/2014/main" id="{1B3C76D2-6CE3-FC4A-8581-DDDA8E059950}"/>
+              </a:ext>
+            </a:extLst>
+          </p:cNvPr>
+          <p:cNvSpPr txBox="1"/>
+          <p:nvPr/>
+        </p:nvSpPr>
+        <p:spPr>
+          <a:xfrm>
+            <a:off x="13130" y="-226147"/>
+            <a:ext cx="3446742" cy="1200329"/>
+          </a:xfrm>
+          <a:prstGeom prst="rect">
+            <a:avLst/>
+          </a:prstGeom>
+          <a:noFill/>
+        </p:spPr>
+        <p:txBody>
+          <a:bodyPr wrap="square" rtlCol="0">
+            <a:spAutoFit/>
+          </a:bodyPr>
+          <a:lstStyle/>
+          <a:p>
+            <a:r>
+              <a:rPr lang="ja-JP" altLang="en-US" b="1"/>
+              <a:t>・認証器内部のみでの本人認証</a:t>
+            </a:r>
+            <a:r>
+              <a:rPr lang="en-US" altLang="ja-JP" b="1" dirty="0"/>
+              <a:t> </a:t>
+            </a:r>
+            <a:r>
+              <a:rPr lang="en-US" altLang="ja-JP" b="1" dirty="0">
+                <a:solidFill>
+                  <a:srgbClr val="FF0000"/>
+                </a:solidFill>
+              </a:rPr>
+              <a:t>(</a:t>
+            </a:r>
+            <a:r>
+              <a:rPr lang="ja-JP" altLang="en-US" b="1">
+                <a:solidFill>
+                  <a:srgbClr val="FF0000"/>
+                </a:solidFill>
+              </a:rPr>
+              <a:t>本人認証情報は外部へ出ない</a:t>
+            </a:r>
+            <a:r>
+              <a:rPr lang="en-US" altLang="ja-JP" b="1" dirty="0">
+                <a:solidFill>
+                  <a:srgbClr val="FF0000"/>
+                </a:solidFill>
+              </a:rPr>
+              <a:t>)</a:t>
+            </a:r>
+          </a:p>
+          <a:p>
+            <a:r>
+              <a:rPr lang="en-US" b="1" dirty="0"/>
+              <a:t>・</a:t>
+            </a:r>
+            <a:r>
+              <a:rPr lang="ja-JP" altLang="en-US" b="1"/>
+              <a:t>サーバとのオンラインでの認証のための署名生成</a:t>
+            </a:r>
+            <a:endParaRPr lang="en-JP" b="1" dirty="0"/>
+          </a:p>
+        </p:txBody>
+      </p:sp>
+      <p:sp>
+        <p:nvSpPr>
+          <p:cNvPr id="15" name="Rectangle 14">
+            <a:extLst>
+              <a:ext uri="{FF2B5EF4-FFF2-40B4-BE49-F238E27FC236}">
+                <a16:creationId xmlns:a16="http://schemas.microsoft.com/office/drawing/2014/main" id="{EAB688B0-8FD2-3243-B3A5-00B910C6883F}"/>
+              </a:ext>
+            </a:extLst>
+          </p:cNvPr>
+          <p:cNvSpPr/>
+          <p:nvPr/>
+        </p:nvSpPr>
+        <p:spPr>
+          <a:xfrm>
+            <a:off x="83865" y="-895061"/>
+            <a:ext cx="6096000" cy="646331"/>
+          </a:xfrm>
+          <a:prstGeom prst="rect">
+            <a:avLst/>
+          </a:prstGeom>
+        </p:spPr>
+        <p:txBody>
+          <a:bodyPr>
+            <a:spAutoFit/>
+          </a:bodyPr>
+          <a:lstStyle/>
+          <a:p>
+            <a:r>
+              <a:rPr lang="ja-JP" altLang="en-US" b="1"/>
+              <a:t>本人認証が取れた認証器内部で生成した署名による、オンラインでの認証</a:t>
+            </a:r>
+            <a:r>
+              <a:rPr lang="en-US" altLang="ja-JP" b="1" dirty="0"/>
+              <a:t> (</a:t>
+            </a:r>
+            <a:r>
+              <a:rPr lang="ja-JP" altLang="en-US" b="1"/>
+              <a:t>公開鍵暗号を利用</a:t>
+            </a:r>
+            <a:r>
+              <a:rPr lang="en-US" altLang="ja-JP" b="1" dirty="0"/>
+              <a:t>)</a:t>
+            </a:r>
+          </a:p>
+        </p:txBody>
+      </p:sp>
+      <p:sp>
+        <p:nvSpPr>
+          <p:cNvPr id="2" name="TextBox 1">
+            <a:extLst>
+              <a:ext uri="{FF2B5EF4-FFF2-40B4-BE49-F238E27FC236}">
+                <a16:creationId xmlns:a16="http://schemas.microsoft.com/office/drawing/2014/main" id="{D627EC97-DEED-7848-AA5F-2D1EF7A8E4BC}"/>
+              </a:ext>
+            </a:extLst>
+          </p:cNvPr>
+          <p:cNvSpPr txBox="1"/>
+          <p:nvPr/>
+        </p:nvSpPr>
+        <p:spPr>
+          <a:xfrm>
+            <a:off x="5104835" y="1917976"/>
+            <a:ext cx="4017125" cy="646331"/>
+          </a:xfrm>
+          <a:prstGeom prst="rect">
+            <a:avLst/>
+          </a:prstGeom>
+          <a:noFill/>
+        </p:spPr>
+        <p:txBody>
+          <a:bodyPr wrap="none" rtlCol="0">
+            <a:spAutoFit/>
+          </a:bodyPr>
+          <a:lstStyle/>
+          <a:p>
+            <a:r>
+              <a:rPr lang="ja-JP" altLang="en-US"/>
+              <a:t>②使い捨てのデータ</a:t>
+            </a:r>
+            <a:r>
+              <a:rPr lang="en-US" altLang="ja-JP" dirty="0"/>
+              <a:t>(Challenge)</a:t>
+            </a:r>
+            <a:r>
+              <a:rPr lang="ja-JP" altLang="en-US"/>
+              <a:t>を送付</a:t>
+            </a:r>
+            <a:endParaRPr lang="en-JP" dirty="0"/>
+          </a:p>
+          <a:p>
+            <a:r>
+              <a:rPr lang="en-JP" dirty="0"/>
+              <a:t>Challenge: ThisIsChallenge</a:t>
+            </a:r>
+          </a:p>
+        </p:txBody>
+      </p:sp>
+      <p:sp>
+        <p:nvSpPr>
+          <p:cNvPr id="18" name="Line 7">
+            <a:extLst>
+              <a:ext uri="{FF2B5EF4-FFF2-40B4-BE49-F238E27FC236}">
+                <a16:creationId xmlns:a16="http://schemas.microsoft.com/office/drawing/2014/main" id="{F11B5895-6EB0-F741-9CAA-8F268C13CA23}"/>
+              </a:ext>
+            </a:extLst>
+          </p:cNvPr>
+          <p:cNvSpPr>
+            <a:spLocks noChangeShapeType="1"/>
+          </p:cNvSpPr>
+          <p:nvPr/>
+        </p:nvSpPr>
+        <p:spPr bwMode="auto">
+          <a:xfrm flipH="1">
+            <a:off x="1733454" y="2558497"/>
+            <a:ext cx="1506294" cy="0"/>
+          </a:xfrm>
+          <a:prstGeom prst="line">
+            <a:avLst/>
+          </a:prstGeom>
+          <a:ln w="38100">
+            <a:headEnd type="none" w="med" len="med"/>
+            <a:tailEnd type="arrow" w="med" len="med"/>
+          </a:ln>
+        </p:spPr>
+        <p:style>
+          <a:lnRef idx="2">
+            <a:schemeClr val="accent4"/>
+          </a:lnRef>
+          <a:fillRef idx="0">
+            <a:schemeClr val="accent4"/>
+          </a:fillRef>
+          <a:effectRef idx="1">
+            <a:schemeClr val="accent4"/>
+          </a:effectRef>
+          <a:fontRef idx="minor">
+            <a:schemeClr val="tx1"/>
+          </a:fontRef>
+        </p:style>
+        <p:txBody>
+          <a:bodyPr wrap="none" anchor="ctr"/>
+          <a:lstStyle/>
+          <a:p>
+            <a:pPr algn="ctr">
+              <a:defRPr/>
+            </a:pPr>
+            <a:endParaRPr lang="ja-JP" altLang="en-US">
+              <a:latin typeface="Segoe UI" panose="020B0502040204020203" pitchFamily="34" charset="0"/>
+              <a:cs typeface="Segoe UI" panose="020B0502040204020203" pitchFamily="34" charset="0"/>
+            </a:endParaRPr>
+          </a:p>
+        </p:txBody>
+      </p:sp>
+      <p:sp>
+        <p:nvSpPr>
+          <p:cNvPr id="19" name="Line 7">
+            <a:extLst>
+              <a:ext uri="{FF2B5EF4-FFF2-40B4-BE49-F238E27FC236}">
+                <a16:creationId xmlns:a16="http://schemas.microsoft.com/office/drawing/2014/main" id="{0576B938-13CD-5849-8949-17E09F6E1DC7}"/>
+              </a:ext>
+            </a:extLst>
+          </p:cNvPr>
+          <p:cNvSpPr>
+            <a:spLocks noChangeShapeType="1"/>
+          </p:cNvSpPr>
+          <p:nvPr/>
+        </p:nvSpPr>
+        <p:spPr bwMode="auto">
+          <a:xfrm flipV="1">
+            <a:off x="4651828" y="3325236"/>
+            <a:ext cx="4817270" cy="11430"/>
+          </a:xfrm>
+          <a:prstGeom prst="line">
+            <a:avLst/>
+          </a:prstGeom>
+          <a:ln w="38100">
+            <a:headEnd type="none" w="med" len="med"/>
+            <a:tailEnd type="arrow" w="med" len="med"/>
+          </a:ln>
+        </p:spPr>
+        <p:style>
+          <a:lnRef idx="2">
+            <a:schemeClr val="accent4"/>
+          </a:lnRef>
+          <a:fillRef idx="0">
+            <a:schemeClr val="accent4"/>
+          </a:fillRef>
+          <a:effectRef idx="1">
+            <a:schemeClr val="accent4"/>
+          </a:effectRef>
+          <a:fontRef idx="minor">
+            <a:schemeClr val="tx1"/>
+          </a:fontRef>
+        </p:style>
+        <p:txBody>
+          <a:bodyPr wrap="none" anchor="ctr"/>
+          <a:lstStyle/>
+          <a:p>
+            <a:pPr algn="ctr">
+              <a:defRPr/>
+            </a:pPr>
+            <a:endParaRPr lang="ja-JP" altLang="en-US">
+              <a:latin typeface="Segoe UI" panose="020B0502040204020203" pitchFamily="34" charset="0"/>
+              <a:cs typeface="Segoe UI" panose="020B0502040204020203" pitchFamily="34" charset="0"/>
+            </a:endParaRPr>
+          </a:p>
+        </p:txBody>
+      </p:sp>
+      <p:sp>
+        <p:nvSpPr>
+          <p:cNvPr id="20" name="TextBox 19">
+            <a:extLst>
+              <a:ext uri="{FF2B5EF4-FFF2-40B4-BE49-F238E27FC236}">
+                <a16:creationId xmlns:a16="http://schemas.microsoft.com/office/drawing/2014/main" id="{EF93CD86-C6BD-0F4A-9DF7-5C422E19B38E}"/>
+              </a:ext>
+            </a:extLst>
+          </p:cNvPr>
+          <p:cNvSpPr txBox="1"/>
+          <p:nvPr/>
+        </p:nvSpPr>
+        <p:spPr>
+          <a:xfrm>
+            <a:off x="5104835" y="2977074"/>
+            <a:ext cx="3419526" cy="369332"/>
+          </a:xfrm>
+          <a:prstGeom prst="rect">
+            <a:avLst/>
+          </a:prstGeom>
+          <a:noFill/>
+        </p:spPr>
+        <p:txBody>
+          <a:bodyPr wrap="none" rtlCol="0">
+            <a:spAutoFit/>
+          </a:bodyPr>
+          <a:lstStyle/>
+          <a:p>
+            <a:r>
+              <a:rPr lang="ja-JP" altLang="en-US"/>
+              <a:t>⑤認証器で作られた署名を送付</a:t>
+            </a:r>
+            <a:endParaRPr lang="en-JP" dirty="0"/>
+          </a:p>
+        </p:txBody>
+      </p:sp>
+      <p:sp>
+        <p:nvSpPr>
+          <p:cNvPr id="22" name="TextBox 21">
+            <a:extLst>
+              <a:ext uri="{FF2B5EF4-FFF2-40B4-BE49-F238E27FC236}">
+                <a16:creationId xmlns:a16="http://schemas.microsoft.com/office/drawing/2014/main" id="{47B1BA2B-51D7-A04C-84EA-5AEDFDFC9BFC}"/>
+              </a:ext>
+            </a:extLst>
+          </p:cNvPr>
+          <p:cNvSpPr txBox="1"/>
+          <p:nvPr/>
+        </p:nvSpPr>
+        <p:spPr>
+          <a:xfrm>
+            <a:off x="8066847" y="3920392"/>
+            <a:ext cx="4112023" cy="646331"/>
+          </a:xfrm>
+          <a:prstGeom prst="rect">
+            <a:avLst/>
+          </a:prstGeom>
+          <a:noFill/>
+        </p:spPr>
+        <p:txBody>
+          <a:bodyPr wrap="none" rtlCol="0">
+            <a:spAutoFit/>
+          </a:bodyPr>
+          <a:lstStyle/>
+          <a:p>
+            <a:r>
+              <a:rPr lang="ja-JP" altLang="en-US"/>
+              <a:t>⑥あらかじめ保存していた公開鍵で、</a:t>
+            </a:r>
+            <a:endParaRPr lang="en-US" altLang="ja-JP" dirty="0"/>
+          </a:p>
+          <a:p>
+            <a:r>
+              <a:rPr lang="ja-JP" altLang="en-US"/>
+              <a:t>チャレンジに対する署名を検証</a:t>
+            </a:r>
+            <a:endParaRPr lang="en-JP" dirty="0"/>
+          </a:p>
+        </p:txBody>
+      </p:sp>
+      <p:graphicFrame>
+        <p:nvGraphicFramePr>
+          <p:cNvPr id="24" name="表 2">
+            <a:extLst>
+              <a:ext uri="{FF2B5EF4-FFF2-40B4-BE49-F238E27FC236}">
+                <a16:creationId xmlns:a16="http://schemas.microsoft.com/office/drawing/2014/main" id="{68D4A4B0-D42B-BB44-85F7-E90ABE985B4A}"/>
+              </a:ext>
+            </a:extLst>
+          </p:cNvPr>
+          <p:cNvGraphicFramePr>
+            <a:graphicFrameLocks noGrp="1"/>
+          </p:cNvGraphicFramePr>
+          <p:nvPr>
+            <p:extLst>
+              <p:ext uri="{D42A27DB-BD31-4B8C-83A1-F6EECF244321}">
+                <p14:modId xmlns:p14="http://schemas.microsoft.com/office/powerpoint/2010/main" val="1694077780"/>
+              </p:ext>
+            </p:extLst>
+          </p:nvPr>
+        </p:nvGraphicFramePr>
+        <p:xfrm>
+          <a:off x="8873315" y="4675702"/>
+          <a:ext cx="2513361" cy="1478280"/>
+        </p:xfrm>
+        <a:graphic>
+          <a:graphicData uri="http://schemas.openxmlformats.org/drawingml/2006/table">
+            <a:tbl>
+              <a:tblPr firstRow="1" bandRow="1">
+                <a:tableStyleId>{9DCAF9ED-07DC-4A11-8D7F-57B35C25682E}</a:tableStyleId>
+              </a:tblPr>
+              <a:tblGrid>
+                <a:gridCol w="845199">
+                  <a:extLst>
+                    <a:ext uri="{9D8B030D-6E8A-4147-A177-3AD203B41FA5}">
+                      <a16:colId xmlns:a16="http://schemas.microsoft.com/office/drawing/2014/main" val="20000"/>
+                    </a:ext>
+                  </a:extLst>
+                </a:gridCol>
+                <a:gridCol w="1668162">
+                  <a:extLst>
+                    <a:ext uri="{9D8B030D-6E8A-4147-A177-3AD203B41FA5}">
+                      <a16:colId xmlns:a16="http://schemas.microsoft.com/office/drawing/2014/main" val="20001"/>
+                    </a:ext>
+                  </a:extLst>
+                </a:gridCol>
+              </a:tblGrid>
+              <a:tr h="370840">
+                <a:tc>
+                  <a:txBody>
+                    <a:bodyPr/>
+                    <a:lstStyle/>
+                    <a:p>
+                      <a:r>
+                        <a:rPr kumimoji="1" lang="en-US" altLang="ja-JP" dirty="0">
+                          <a:latin typeface="Segoe UI" panose="020B0502040204020203" pitchFamily="34" charset="0"/>
+                          <a:cs typeface="Segoe UI" panose="020B0502040204020203" pitchFamily="34" charset="0"/>
+                        </a:rPr>
+                        <a:t>ID</a:t>
+                      </a:r>
+                      <a:endParaRPr kumimoji="1" lang="ja-JP" altLang="en-US" dirty="0">
+                        <a:latin typeface="Segoe UI" panose="020B0502040204020203" pitchFamily="34" charset="0"/>
+                        <a:ea typeface="+mn-ea"/>
+                        <a:cs typeface="Segoe UI" panose="020B0502040204020203" pitchFamily="34" charset="0"/>
+                      </a:endParaRPr>
+                    </a:p>
+                  </a:txBody>
+                  <a:tcPr/>
+                </a:tc>
+                <a:tc>
+                  <a:txBody>
+                    <a:bodyPr/>
+                    <a:lstStyle/>
+                    <a:p>
+                      <a:r>
+                        <a:rPr kumimoji="1" lang="ja-JP" altLang="en-US">
+                          <a:latin typeface="Segoe UI" panose="020B0502040204020203" pitchFamily="34" charset="0"/>
+                          <a:ea typeface="+mn-ea"/>
+                          <a:cs typeface="Segoe UI" panose="020B0502040204020203" pitchFamily="34" charset="0"/>
+                        </a:rPr>
+                        <a:t>公開鍵</a:t>
+                      </a:r>
+                      <a:endParaRPr kumimoji="1" lang="ja-JP" altLang="en-US" dirty="0">
+                        <a:latin typeface="Segoe UI" panose="020B0502040204020203" pitchFamily="34" charset="0"/>
+                        <a:ea typeface="+mn-ea"/>
+                        <a:cs typeface="Segoe UI" panose="020B0502040204020203" pitchFamily="34" charset="0"/>
+                      </a:endParaRPr>
+                    </a:p>
+                  </a:txBody>
+                  <a:tcPr/>
+                </a:tc>
+                <a:extLst>
+                  <a:ext uri="{0D108BD9-81ED-4DB2-BD59-A6C34878D82A}">
+                    <a16:rowId xmlns:a16="http://schemas.microsoft.com/office/drawing/2014/main" val="10000"/>
+                  </a:ext>
+                </a:extLst>
+              </a:tr>
+              <a:tr h="370840">
+                <a:tc>
+                  <a:txBody>
+                    <a:bodyPr/>
+                    <a:lstStyle/>
+                    <a:p>
+                      <a:r>
+                        <a:rPr kumimoji="1" lang="en-US" altLang="ja-JP" dirty="0">
+                          <a:latin typeface="Segoe UI" panose="020B0502040204020203" pitchFamily="34" charset="0"/>
+                          <a:cs typeface="Segoe UI" panose="020B0502040204020203" pitchFamily="34" charset="0"/>
+                        </a:rPr>
+                        <a:t>Alice</a:t>
+                      </a:r>
+                      <a:endParaRPr kumimoji="1" lang="ja-JP" altLang="en-US" dirty="0">
+                        <a:latin typeface="Segoe UI" panose="020B0502040204020203" pitchFamily="34" charset="0"/>
+                        <a:ea typeface="+mn-ea"/>
+                        <a:cs typeface="Segoe UI" panose="020B0502040204020203" pitchFamily="34" charset="0"/>
+                      </a:endParaRPr>
+                    </a:p>
+                  </a:txBody>
+                  <a:tcPr/>
+                </a:tc>
+                <a:tc>
+                  <a:txBody>
+                    <a:bodyPr/>
+                    <a:lstStyle/>
+                    <a:p>
+                      <a:pPr marL="342900" marR="0" lvl="0" indent="-342900" algn="l" defTabSz="914400" rtl="0" eaLnBrk="1" fontAlgn="auto" latinLnBrk="0" hangingPunct="1">
+                        <a:lnSpc>
+                          <a:spcPct val="100000"/>
+                        </a:lnSpc>
+                        <a:spcBef>
+                          <a:spcPts val="0"/>
+                        </a:spcBef>
+                        <a:spcAft>
+                          <a:spcPts val="0"/>
+                        </a:spcAft>
+                        <a:buClrTx/>
+                        <a:buSzTx/>
+                        <a:buFont typeface="+mj-lt"/>
+                        <a:buNone/>
+                        <a:tabLst/>
+                        <a:defRPr/>
+                      </a:pPr>
+                      <a:r>
+                        <a:rPr kumimoji="1" lang="en-US" altLang="ja-JP" dirty="0">
+                          <a:latin typeface="Segoe UI" panose="020B0502040204020203" pitchFamily="34" charset="0"/>
+                          <a:ea typeface="+mn-ea"/>
+                          <a:cs typeface="Segoe UI" panose="020B0502040204020203" pitchFamily="34" charset="0"/>
+                        </a:rPr>
+                        <a:t>0xXXXXXX….</a:t>
+                      </a:r>
+                      <a:endParaRPr kumimoji="1" lang="ja-JP" altLang="en-US" dirty="0">
+                        <a:latin typeface="Segoe UI" panose="020B0502040204020203" pitchFamily="34" charset="0"/>
+                        <a:ea typeface="+mn-ea"/>
+                        <a:cs typeface="Segoe UI" panose="020B0502040204020203" pitchFamily="34" charset="0"/>
+                      </a:endParaRPr>
+                    </a:p>
+                  </a:txBody>
+                  <a:tcPr/>
+                </a:tc>
+                <a:extLst>
+                  <a:ext uri="{0D108BD9-81ED-4DB2-BD59-A6C34878D82A}">
+                    <a16:rowId xmlns:a16="http://schemas.microsoft.com/office/drawing/2014/main" val="10001"/>
+                  </a:ext>
+                </a:extLst>
+              </a:tr>
+              <a:tr h="370840">
+                <a:tc>
+                  <a:txBody>
+                    <a:bodyPr/>
+                    <a:lstStyle/>
+                    <a:p>
+                      <a:r>
+                        <a:rPr kumimoji="1" lang="en-US" altLang="ja-JP" dirty="0">
+                          <a:latin typeface="Segoe UI" panose="020B0502040204020203" pitchFamily="34" charset="0"/>
+                          <a:cs typeface="Segoe UI" panose="020B0502040204020203" pitchFamily="34" charset="0"/>
+                        </a:rPr>
+                        <a:t>Bob</a:t>
+                      </a:r>
+                      <a:endParaRPr kumimoji="1" lang="ja-JP" altLang="en-US" dirty="0">
+                        <a:latin typeface="Segoe UI" panose="020B0502040204020203" pitchFamily="34" charset="0"/>
+                        <a:ea typeface="+mn-ea"/>
+                        <a:cs typeface="Segoe UI" panose="020B0502040204020203" pitchFamily="34" charset="0"/>
+                      </a:endParaRPr>
+                    </a:p>
+                  </a:txBody>
+                  <a:tcPr/>
+                </a:tc>
+                <a:tc>
+                  <a:txBody>
+                    <a:bodyPr/>
+                    <a:lstStyle/>
+                    <a:p>
+                      <a:r>
+                        <a:rPr kumimoji="1" lang="en-US" altLang="ja-JP" dirty="0">
+                          <a:latin typeface="Segoe UI" panose="020B0502040204020203" pitchFamily="34" charset="0"/>
+                          <a:cs typeface="Segoe UI" panose="020B0502040204020203" pitchFamily="34" charset="0"/>
+                        </a:rPr>
+                        <a:t>0xYYYYYY….</a:t>
+                      </a:r>
+                      <a:endParaRPr kumimoji="1" lang="ja-JP" altLang="en-US" dirty="0">
+                        <a:latin typeface="Segoe UI" panose="020B0502040204020203" pitchFamily="34" charset="0"/>
+                        <a:ea typeface="+mn-ea"/>
+                        <a:cs typeface="Segoe UI" panose="020B0502040204020203" pitchFamily="34" charset="0"/>
+                      </a:endParaRPr>
+                    </a:p>
+                  </a:txBody>
+                  <a:tcPr/>
+                </a:tc>
+                <a:extLst>
+                  <a:ext uri="{0D108BD9-81ED-4DB2-BD59-A6C34878D82A}">
+                    <a16:rowId xmlns:a16="http://schemas.microsoft.com/office/drawing/2014/main" val="10002"/>
+                  </a:ext>
+                </a:extLst>
+              </a:tr>
+              <a:tr h="324852">
+                <a:tc>
+                  <a:txBody>
+                    <a:bodyPr/>
+                    <a:lstStyle/>
+                    <a:p>
+                      <a:r>
+                        <a:rPr kumimoji="1" lang="en-US" altLang="ja-JP" dirty="0">
+                          <a:latin typeface="Segoe UI" panose="020B0502040204020203" pitchFamily="34" charset="0"/>
+                          <a:cs typeface="Segoe UI" panose="020B0502040204020203" pitchFamily="34" charset="0"/>
+                        </a:rPr>
+                        <a:t>Carol</a:t>
+                      </a:r>
+                      <a:endParaRPr kumimoji="1" lang="ja-JP" altLang="en-US" dirty="0">
+                        <a:latin typeface="Segoe UI" panose="020B0502040204020203" pitchFamily="34" charset="0"/>
+                        <a:ea typeface="+mn-ea"/>
+                        <a:cs typeface="Segoe UI" panose="020B0502040204020203" pitchFamily="34" charset="0"/>
+                      </a:endParaRPr>
+                    </a:p>
+                  </a:txBody>
+                  <a:tcPr/>
+                </a:tc>
+                <a:tc>
+                  <a:txBody>
+                    <a:bodyPr/>
+                    <a:lstStyle/>
+                    <a:p>
+                      <a:r>
+                        <a:rPr kumimoji="1" lang="en-US" altLang="ja-JP" dirty="0">
+                          <a:latin typeface="Segoe UI" panose="020B0502040204020203" pitchFamily="34" charset="0"/>
+                          <a:cs typeface="Segoe UI" panose="020B0502040204020203" pitchFamily="34" charset="0"/>
+                        </a:rPr>
+                        <a:t>0xZZZZZZ….</a:t>
+                      </a:r>
+                      <a:endParaRPr kumimoji="1" lang="ja-JP" altLang="en-US" dirty="0">
+                        <a:latin typeface="Segoe UI" panose="020B0502040204020203" pitchFamily="34" charset="0"/>
+                        <a:ea typeface="+mn-ea"/>
+                        <a:cs typeface="Segoe UI" panose="020B0502040204020203" pitchFamily="34" charset="0"/>
+                      </a:endParaRPr>
+                    </a:p>
+                  </a:txBody>
+                  <a:tcPr/>
+                </a:tc>
+                <a:extLst>
+                  <a:ext uri="{0D108BD9-81ED-4DB2-BD59-A6C34878D82A}">
+                    <a16:rowId xmlns:a16="http://schemas.microsoft.com/office/drawing/2014/main" val="10003"/>
+                  </a:ext>
+                </a:extLst>
+              </a:tr>
+            </a:tbl>
+          </a:graphicData>
+        </a:graphic>
+      </p:graphicFrame>
+      <p:sp>
+        <p:nvSpPr>
+          <p:cNvPr id="25" name="Text Box 28">
+            <a:extLst>
+              <a:ext uri="{FF2B5EF4-FFF2-40B4-BE49-F238E27FC236}">
+                <a16:creationId xmlns:a16="http://schemas.microsoft.com/office/drawing/2014/main" id="{6DF0CAC7-2442-AB40-9948-359C7D136757}"/>
+              </a:ext>
+            </a:extLst>
+          </p:cNvPr>
+          <p:cNvSpPr txBox="1">
+            <a:spLocks noChangeArrowheads="1"/>
+          </p:cNvSpPr>
+          <p:nvPr/>
+        </p:nvSpPr>
+        <p:spPr bwMode="auto">
+          <a:xfrm>
+            <a:off x="8873315" y="850380"/>
+            <a:ext cx="2951423" cy="369332"/>
+          </a:xfrm>
+          <a:prstGeom prst="rect">
+            <a:avLst/>
+          </a:prstGeom>
+          <a:noFill/>
+          <a:ln>
+            <a:noFill/>
+          </a:ln>
+          <a:extLst>
+            <a:ext uri="{909E8E84-426E-40DD-AFC4-6F175D3DCCD1}">
+              <a14:hiddenFill xmlns:a14="http://schemas.microsoft.com/office/drawing/2010/main">
+                <a:solidFill>
+                  <a:srgbClr val="FFFFFF"/>
+                </a:solidFill>
+              </a14:hiddenFill>
+            </a:ext>
+            <a:ext uri="{91240B29-F687-4F45-9708-019B960494DF}">
+              <a14:hiddenLine xmlns:a14="http://schemas.microsoft.com/office/drawing/2010/main" w="9525">
+                <a:solidFill>
+                  <a:srgbClr val="000000"/>
+                </a:solidFill>
+                <a:miter lim="800000"/>
+                <a:headEnd/>
+                <a:tailEnd/>
+              </a14:hiddenLine>
+            </a:ext>
+          </a:extLst>
+        </p:spPr>
+        <p:txBody>
+          <a:bodyPr wrap="square">
+            <a:spAutoFit/>
+          </a:bodyPr>
+          <a:lstStyle/>
+          <a:p>
+            <a:pPr eaLnBrk="1" hangingPunct="1">
+              <a:defRPr/>
+            </a:pPr>
+            <a:r>
+              <a:rPr lang="ja-JP" altLang="en-US">
+                <a:latin typeface="Segoe UI" panose="020B0502040204020203" pitchFamily="34" charset="0"/>
+                <a:cs typeface="Segoe UI" panose="020B0502040204020203" pitchFamily="34" charset="0"/>
+              </a:rPr>
+              <a:t>利用者の公開鍵を保存</a:t>
+            </a:r>
+            <a:endParaRPr lang="ja-JP" altLang="en-US" dirty="0">
+              <a:latin typeface="Segoe UI" panose="020B0502040204020203" pitchFamily="34" charset="0"/>
+              <a:cs typeface="Segoe UI" panose="020B0502040204020203" pitchFamily="34" charset="0"/>
+            </a:endParaRPr>
+          </a:p>
+        </p:txBody>
+      </p:sp>
+      <p:sp>
+        <p:nvSpPr>
+          <p:cNvPr id="3" name="Rectangle 2">
+            <a:extLst>
+              <a:ext uri="{FF2B5EF4-FFF2-40B4-BE49-F238E27FC236}">
+                <a16:creationId xmlns:a16="http://schemas.microsoft.com/office/drawing/2014/main" id="{3EEF751F-48A4-4940-8579-47D328C8013F}"/>
+              </a:ext>
+            </a:extLst>
+          </p:cNvPr>
+          <p:cNvSpPr/>
+          <p:nvPr/>
+        </p:nvSpPr>
+        <p:spPr>
+          <a:xfrm>
+            <a:off x="305406" y="4786030"/>
+            <a:ext cx="2602957" cy="369332"/>
+          </a:xfrm>
+          <a:prstGeom prst="rect">
+            <a:avLst/>
+          </a:prstGeom>
+        </p:spPr>
+        <p:txBody>
+          <a:bodyPr wrap="none">
+            <a:spAutoFit/>
+          </a:bodyPr>
+          <a:lstStyle/>
+          <a:p>
+            <a:r>
+              <a:rPr lang="en-JP" dirty="0"/>
+              <a:t>Signature: ThisIsSignature</a:t>
+            </a:r>
+          </a:p>
+        </p:txBody>
+      </p:sp>
+      <p:sp>
+        <p:nvSpPr>
+          <p:cNvPr id="26" name="Line 7">
+            <a:extLst>
+              <a:ext uri="{FF2B5EF4-FFF2-40B4-BE49-F238E27FC236}">
+                <a16:creationId xmlns:a16="http://schemas.microsoft.com/office/drawing/2014/main" id="{F226D0B6-5D76-6543-B976-AE952CBFEF86}"/>
+              </a:ext>
+            </a:extLst>
+          </p:cNvPr>
+          <p:cNvSpPr>
+            <a:spLocks noChangeShapeType="1"/>
+          </p:cNvSpPr>
+          <p:nvPr/>
+        </p:nvSpPr>
+        <p:spPr bwMode="auto">
+          <a:xfrm flipV="1">
+            <a:off x="4651828" y="1731095"/>
+            <a:ext cx="4817270" cy="11430"/>
+          </a:xfrm>
+          <a:prstGeom prst="line">
+            <a:avLst/>
+          </a:prstGeom>
+          <a:ln w="38100">
+            <a:headEnd type="none" w="med" len="med"/>
+            <a:tailEnd type="arrow" w="med" len="med"/>
+          </a:ln>
+        </p:spPr>
+        <p:style>
+          <a:lnRef idx="2">
+            <a:schemeClr val="accent4"/>
+          </a:lnRef>
+          <a:fillRef idx="0">
+            <a:schemeClr val="accent4"/>
+          </a:fillRef>
+          <a:effectRef idx="1">
+            <a:schemeClr val="accent4"/>
+          </a:effectRef>
+          <a:fontRef idx="minor">
+            <a:schemeClr val="tx1"/>
+          </a:fontRef>
+        </p:style>
+        <p:txBody>
+          <a:bodyPr wrap="none" anchor="ctr"/>
+          <a:lstStyle/>
+          <a:p>
+            <a:pPr algn="ctr">
+              <a:defRPr/>
+            </a:pPr>
+            <a:endParaRPr lang="ja-JP" altLang="en-US">
+              <a:latin typeface="Segoe UI" panose="020B0502040204020203" pitchFamily="34" charset="0"/>
+              <a:cs typeface="Segoe UI" panose="020B0502040204020203" pitchFamily="34" charset="0"/>
+            </a:endParaRPr>
+          </a:p>
+        </p:txBody>
+      </p:sp>
+      <p:sp>
+        <p:nvSpPr>
+          <p:cNvPr id="27" name="TextBox 26">
+            <a:extLst>
+              <a:ext uri="{FF2B5EF4-FFF2-40B4-BE49-F238E27FC236}">
+                <a16:creationId xmlns:a16="http://schemas.microsoft.com/office/drawing/2014/main" id="{804A61F4-7A0E-4645-A2E6-6C448750F96E}"/>
+              </a:ext>
+            </a:extLst>
+          </p:cNvPr>
+          <p:cNvSpPr txBox="1"/>
+          <p:nvPr/>
+        </p:nvSpPr>
+        <p:spPr>
+          <a:xfrm>
+            <a:off x="5104835" y="1104401"/>
+            <a:ext cx="1338828" cy="646331"/>
+          </a:xfrm>
+          <a:prstGeom prst="rect">
+            <a:avLst/>
+          </a:prstGeom>
+          <a:noFill/>
+        </p:spPr>
+        <p:txBody>
+          <a:bodyPr wrap="none" rtlCol="0">
+            <a:spAutoFit/>
+          </a:bodyPr>
+          <a:lstStyle/>
+          <a:p>
+            <a:r>
+              <a:rPr lang="ja-JP" altLang="en-US"/>
+              <a:t>①認証要求</a:t>
+            </a:r>
+            <a:endParaRPr lang="en-US" altLang="ja-JP" dirty="0"/>
+          </a:p>
+          <a:p>
+            <a:r>
+              <a:rPr lang="en-US" dirty="0"/>
+              <a:t>ID: Alice</a:t>
+            </a:r>
+            <a:endParaRPr lang="en-JP" dirty="0"/>
+          </a:p>
+        </p:txBody>
+      </p:sp>
+      <p:sp>
+        <p:nvSpPr>
+          <p:cNvPr id="28" name="Text Box 9">
+            <a:extLst>
+              <a:ext uri="{FF2B5EF4-FFF2-40B4-BE49-F238E27FC236}">
+                <a16:creationId xmlns:a16="http://schemas.microsoft.com/office/drawing/2014/main" id="{09122936-3147-AF46-9521-16AE23FFE3D3}"/>
+              </a:ext>
+            </a:extLst>
+          </p:cNvPr>
+          <p:cNvSpPr txBox="1">
+            <a:spLocks noChangeArrowheads="1"/>
+          </p:cNvSpPr>
+          <p:nvPr/>
+        </p:nvSpPr>
+        <p:spPr bwMode="auto">
+          <a:xfrm>
+            <a:off x="149090" y="1750732"/>
+            <a:ext cx="2346325" cy="369332"/>
+          </a:xfrm>
+          <a:prstGeom prst="rect">
+            <a:avLst/>
+          </a:prstGeom>
+          <a:noFill/>
+          <a:ln>
+            <a:noFill/>
+          </a:ln>
+          <a:extLst>
+            <a:ext uri="{909E8E84-426E-40DD-AFC4-6F175D3DCCD1}">
+              <a14:hiddenFill xmlns:a14="http://schemas.microsoft.com/office/drawing/2010/main">
+                <a:solidFill>
+                  <a:srgbClr val="FFFFFF"/>
+                </a:solidFill>
+              </a14:hiddenFill>
+            </a:ext>
+            <a:ext uri="{91240B29-F687-4F45-9708-019B960494DF}">
+              <a14:hiddenLine xmlns:a14="http://schemas.microsoft.com/office/drawing/2010/main" w="9525">
+                <a:solidFill>
+                  <a:srgbClr val="000000"/>
+                </a:solidFill>
+                <a:miter lim="800000"/>
+                <a:headEnd/>
+                <a:tailEnd/>
+              </a14:hiddenLine>
+            </a:ext>
+          </a:extLst>
+        </p:spPr>
+        <p:txBody>
+          <a:bodyPr>
+            <a:spAutoFit/>
+          </a:bodyPr>
+          <a:lstStyle/>
+          <a:p>
+            <a:pPr algn="ctr" eaLnBrk="1" hangingPunct="1">
+              <a:defRPr/>
+            </a:pPr>
+            <a:r>
+              <a:rPr lang="ja-JP" altLang="en-US">
+                <a:latin typeface="Segoe UI" panose="020B0502040204020203" pitchFamily="34" charset="0"/>
+                <a:cs typeface="Segoe UI" panose="020B0502040204020203" pitchFamily="34" charset="0"/>
+              </a:rPr>
+              <a:t>認証器</a:t>
+            </a:r>
+            <a:endParaRPr lang="ja-JP" altLang="en-US" dirty="0">
+              <a:latin typeface="Segoe UI" panose="020B0502040204020203" pitchFamily="34" charset="0"/>
+              <a:cs typeface="Segoe UI" panose="020B0502040204020203" pitchFamily="34" charset="0"/>
+            </a:endParaRPr>
+          </a:p>
+        </p:txBody>
+      </p:sp>
+    </p:spTree>
+    <p:extLst>
+      <p:ext uri="{BB962C8B-B14F-4D97-AF65-F5344CB8AC3E}">
+        <p14:creationId xmlns:p14="http://schemas.microsoft.com/office/powerpoint/2010/main" val="2883629716"/>
+      </p:ext>
+    </p:extLst>
+  </p:cSld>
+  <p:clrMapOvr>
+    <a:masterClrMapping/>
+  </p:clrMapOvr>
+</p:sld>
+</file>
+
+<file path=ppt/slides/slide7.xml><?xml version="1.0" encoding="utf-8"?>
+<p:sld xmlns:a="http://schemas.openxmlformats.org/drawingml/2006/main" xmlns:r="http://schemas.openxmlformats.org/officeDocument/2006/relationships" xmlns:p="http://schemas.openxmlformats.org/presentationml/2006/main">
+  <p:cSld>
+    <p:spTree>
+      <p:nvGrpSpPr>
+        <p:cNvPr id="1" name=""/>
+        <p:cNvGrpSpPr/>
+        <p:nvPr/>
+      </p:nvGrpSpPr>
+      <p:grpSpPr>
+        <a:xfrm>
+          <a:off x="0" y="0"/>
+          <a:ext cx="0" cy="0"/>
+          <a:chOff x="0" y="0"/>
+          <a:chExt cx="0" cy="0"/>
+        </a:xfrm>
+      </p:grpSpPr>
+      <p:cxnSp>
+        <p:nvCxnSpPr>
+          <p:cNvPr id="144" name="Elbow Connector 143">
+            <a:extLst>
+              <a:ext uri="{FF2B5EF4-FFF2-40B4-BE49-F238E27FC236}">
+                <a16:creationId xmlns:a16="http://schemas.microsoft.com/office/drawing/2014/main" id="{5356DE24-A741-1D42-8A32-9BC102576078}"/>
+              </a:ext>
+            </a:extLst>
+          </p:cNvPr>
+          <p:cNvCxnSpPr>
+            <a:cxnSpLocks/>
+            <a:stCxn id="70" idx="2"/>
+            <a:endCxn id="5" idx="0"/>
+          </p:cNvCxnSpPr>
+          <p:nvPr/>
+        </p:nvCxnSpPr>
+        <p:spPr>
+          <a:xfrm rot="5400000">
+            <a:off x="3527579" y="104389"/>
+            <a:ext cx="2241493" cy="3374748"/>
+          </a:xfrm>
+          <a:prstGeom prst="bentConnector3">
+            <a:avLst>
+              <a:gd name="adj1" fmla="val 16345"/>
+            </a:avLst>
+          </a:prstGeom>
+          <a:ln w="28575">
+            <a:headEnd type="triangle"/>
+            <a:tailEnd type="triangle"/>
+          </a:ln>
+        </p:spPr>
+        <p:style>
+          <a:lnRef idx="1">
+            <a:schemeClr val="accent1"/>
+          </a:lnRef>
+          <a:fillRef idx="0">
+            <a:schemeClr val="accent1"/>
+          </a:fillRef>
+          <a:effectRef idx="0">
+            <a:schemeClr val="accent1"/>
+          </a:effectRef>
+          <a:fontRef idx="minor">
+            <a:schemeClr val="tx1"/>
+          </a:fontRef>
+        </p:style>
+      </p:cxnSp>
+      <p:sp>
+        <p:nvSpPr>
+          <p:cNvPr id="5" name="Rounded Rectangle 4">
+            <a:extLst>
+              <a:ext uri="{FF2B5EF4-FFF2-40B4-BE49-F238E27FC236}">
+                <a16:creationId xmlns:a16="http://schemas.microsoft.com/office/drawing/2014/main" id="{C7F24ED3-003F-A242-989A-77E8238052AF}"/>
+              </a:ext>
+            </a:extLst>
+          </p:cNvPr>
+          <p:cNvSpPr/>
+          <p:nvPr/>
+        </p:nvSpPr>
+        <p:spPr>
+          <a:xfrm>
+            <a:off x="1545927" y="2912510"/>
+            <a:ext cx="2830048" cy="512957"/>
+          </a:xfrm>
+          <a:prstGeom prst="roundRect">
+            <a:avLst/>
+          </a:prstGeom>
+          <a:ln w="28575"/>
+        </p:spPr>
+        <p:style>
+          <a:lnRef idx="2">
+            <a:schemeClr val="accent1">
+              <a:shade val="50000"/>
+            </a:schemeClr>
+          </a:lnRef>
+          <a:fillRef idx="1">
+            <a:schemeClr val="accent1"/>
+          </a:fillRef>
+          <a:effectRef idx="0">
+            <a:schemeClr val="accent1"/>
+          </a:effectRef>
+          <a:fontRef idx="minor">
+            <a:schemeClr val="lt1"/>
+          </a:fontRef>
+        </p:style>
+        <p:txBody>
+          <a:bodyPr rtlCol="0" anchor="ctr"/>
+          <a:lstStyle/>
+          <a:p>
+            <a:pPr algn="ctr"/>
+            <a:r>
+              <a:rPr lang="en-US" b="1" dirty="0"/>
+              <a:t>Other (Native) Applications</a:t>
+            </a:r>
+            <a:endParaRPr lang="en-JP" b="1" dirty="0"/>
+          </a:p>
+        </p:txBody>
+      </p:sp>
+      <p:pic>
+        <p:nvPicPr>
+          <p:cNvPr id="11" name="Picture 10">
+            <a:extLst>
+              <a:ext uri="{FF2B5EF4-FFF2-40B4-BE49-F238E27FC236}">
+                <a16:creationId xmlns:a16="http://schemas.microsoft.com/office/drawing/2014/main" id="{77E90EC9-DB2B-AB40-AF2B-998D7DA687E8}"/>
+              </a:ext>
+            </a:extLst>
+          </p:cNvPr>
+          <p:cNvPicPr>
+            <a:picLocks noChangeAspect="1"/>
+          </p:cNvPicPr>
+          <p:nvPr/>
+        </p:nvPicPr>
+        <p:blipFill>
+          <a:blip r:embed="rId2"/>
+          <a:stretch>
+            <a:fillRect/>
+          </a:stretch>
+        </p:blipFill>
+        <p:spPr>
+          <a:xfrm>
+            <a:off x="5434488" y="4915517"/>
+            <a:ext cx="1323023" cy="1323023"/>
+          </a:xfrm>
+          <a:prstGeom prst="rect">
+            <a:avLst/>
+          </a:prstGeom>
+        </p:spPr>
+      </p:pic>
+      <p:pic>
+        <p:nvPicPr>
+          <p:cNvPr id="13" name="Picture 12">
+            <a:extLst>
+              <a:ext uri="{FF2B5EF4-FFF2-40B4-BE49-F238E27FC236}">
+                <a16:creationId xmlns:a16="http://schemas.microsoft.com/office/drawing/2014/main" id="{18DDB447-1E79-6B47-9510-747265D6A5F0}"/>
+              </a:ext>
+            </a:extLst>
+          </p:cNvPr>
+          <p:cNvPicPr>
+            <a:picLocks noChangeAspect="1"/>
+          </p:cNvPicPr>
+          <p:nvPr/>
+        </p:nvPicPr>
+        <p:blipFill>
+          <a:blip r:embed="rId3"/>
+          <a:stretch>
+            <a:fillRect/>
+          </a:stretch>
+        </p:blipFill>
+        <p:spPr>
+          <a:xfrm>
+            <a:off x="2581726" y="4879278"/>
+            <a:ext cx="1219968" cy="1317105"/>
+          </a:xfrm>
+          <a:prstGeom prst="rect">
+            <a:avLst/>
+          </a:prstGeom>
+        </p:spPr>
+      </p:pic>
+      <p:sp>
+        <p:nvSpPr>
+          <p:cNvPr id="15" name="Rounded Rectangle 14">
+            <a:extLst>
+              <a:ext uri="{FF2B5EF4-FFF2-40B4-BE49-F238E27FC236}">
+                <a16:creationId xmlns:a16="http://schemas.microsoft.com/office/drawing/2014/main" id="{7BBB5739-F766-394A-8EC7-E6125600238B}"/>
+              </a:ext>
+            </a:extLst>
+          </p:cNvPr>
+          <p:cNvSpPr/>
+          <p:nvPr/>
+        </p:nvSpPr>
+        <p:spPr>
+          <a:xfrm>
+            <a:off x="4950177" y="1401104"/>
+            <a:ext cx="2771041" cy="512957"/>
+          </a:xfrm>
+          <a:prstGeom prst="roundRect">
+            <a:avLst/>
+          </a:prstGeom>
+          <a:ln w="28575"/>
+        </p:spPr>
+        <p:style>
+          <a:lnRef idx="2">
+            <a:schemeClr val="accent1">
+              <a:shade val="50000"/>
+            </a:schemeClr>
+          </a:lnRef>
+          <a:fillRef idx="1">
+            <a:schemeClr val="accent1"/>
+          </a:fillRef>
+          <a:effectRef idx="0">
+            <a:schemeClr val="accent1"/>
+          </a:effectRef>
+          <a:fontRef idx="minor">
+            <a:schemeClr val="lt1"/>
+          </a:fontRef>
+        </p:style>
+        <p:txBody>
+          <a:bodyPr rtlCol="0" anchor="ctr"/>
+          <a:lstStyle/>
+          <a:p>
+            <a:pPr algn="ctr"/>
+            <a:r>
+              <a:rPr lang="en-US" b="1" dirty="0"/>
+              <a:t>Web Apps</a:t>
+            </a:r>
+          </a:p>
+          <a:p>
+            <a:pPr algn="ctr"/>
+            <a:r>
+              <a:rPr lang="en-US" b="1" dirty="0"/>
+              <a:t> (Relaying Party Web App)</a:t>
+            </a:r>
+            <a:endParaRPr lang="en-JP" b="1" dirty="0"/>
+          </a:p>
+        </p:txBody>
+      </p:sp>
+      <p:sp>
+        <p:nvSpPr>
+          <p:cNvPr id="16" name="Rounded Rectangle 15">
+            <a:extLst>
+              <a:ext uri="{FF2B5EF4-FFF2-40B4-BE49-F238E27FC236}">
+                <a16:creationId xmlns:a16="http://schemas.microsoft.com/office/drawing/2014/main" id="{83DE6D1B-1413-8D49-B17A-D5F62F60ED1A}"/>
+              </a:ext>
+            </a:extLst>
+          </p:cNvPr>
+          <p:cNvSpPr/>
+          <p:nvPr/>
+        </p:nvSpPr>
+        <p:spPr>
+          <a:xfrm>
+            <a:off x="4950170" y="2912510"/>
+            <a:ext cx="2771041" cy="512957"/>
+          </a:xfrm>
+          <a:prstGeom prst="roundRect">
+            <a:avLst/>
+          </a:prstGeom>
+          <a:ln w="28575"/>
+        </p:spPr>
+        <p:style>
+          <a:lnRef idx="2">
+            <a:schemeClr val="accent1">
+              <a:shade val="50000"/>
+            </a:schemeClr>
+          </a:lnRef>
+          <a:fillRef idx="1">
+            <a:schemeClr val="accent1"/>
+          </a:fillRef>
+          <a:effectRef idx="0">
+            <a:schemeClr val="accent1"/>
+          </a:effectRef>
+          <a:fontRef idx="minor">
+            <a:schemeClr val="lt1"/>
+          </a:fontRef>
+        </p:style>
+        <p:txBody>
+          <a:bodyPr rtlCol="0" anchor="ctr"/>
+          <a:lstStyle/>
+          <a:p>
+            <a:pPr algn="ctr"/>
+            <a:r>
+              <a:rPr lang="en-US" b="1" dirty="0"/>
+              <a:t>Browsers</a:t>
+            </a:r>
+            <a:endParaRPr lang="en-JP" b="1" dirty="0"/>
+          </a:p>
+        </p:txBody>
+      </p:sp>
+      <p:sp>
+        <p:nvSpPr>
+          <p:cNvPr id="17" name="TextBox 16">
+            <a:extLst>
+              <a:ext uri="{FF2B5EF4-FFF2-40B4-BE49-F238E27FC236}">
+                <a16:creationId xmlns:a16="http://schemas.microsoft.com/office/drawing/2014/main" id="{2F2B5984-58E7-D141-9360-86F3D033CE31}"/>
+              </a:ext>
+            </a:extLst>
+          </p:cNvPr>
+          <p:cNvSpPr txBox="1"/>
+          <p:nvPr/>
+        </p:nvSpPr>
+        <p:spPr>
+          <a:xfrm>
+            <a:off x="2505195" y="6035535"/>
+            <a:ext cx="1513748" cy="646331"/>
+          </a:xfrm>
+          <a:prstGeom prst="rect">
+            <a:avLst/>
+          </a:prstGeom>
+          <a:noFill/>
+        </p:spPr>
+        <p:txBody>
+          <a:bodyPr wrap="none" rtlCol="0">
+            <a:spAutoFit/>
+          </a:bodyPr>
+          <a:lstStyle/>
+          <a:p>
+            <a:pPr algn="ctr"/>
+            <a:r>
+              <a:rPr lang="en-JP" b="1" dirty="0"/>
+              <a:t>On-device</a:t>
+            </a:r>
+          </a:p>
+          <a:p>
+            <a:pPr algn="ctr"/>
+            <a:r>
+              <a:rPr lang="en-JP" b="1" dirty="0"/>
+              <a:t>Authenticator</a:t>
+            </a:r>
+          </a:p>
+        </p:txBody>
+      </p:sp>
+      <p:sp>
+        <p:nvSpPr>
+          <p:cNvPr id="18" name="TextBox 17">
+            <a:extLst>
+              <a:ext uri="{FF2B5EF4-FFF2-40B4-BE49-F238E27FC236}">
+                <a16:creationId xmlns:a16="http://schemas.microsoft.com/office/drawing/2014/main" id="{76D61AD7-E2BB-B94F-9897-6896BC1A985D}"/>
+              </a:ext>
+            </a:extLst>
+          </p:cNvPr>
+          <p:cNvSpPr txBox="1"/>
+          <p:nvPr/>
+        </p:nvSpPr>
+        <p:spPr>
+          <a:xfrm>
+            <a:off x="5145415" y="6035535"/>
+            <a:ext cx="2068900" cy="646331"/>
+          </a:xfrm>
+          <a:prstGeom prst="rect">
+            <a:avLst/>
+          </a:prstGeom>
+          <a:noFill/>
+        </p:spPr>
+        <p:txBody>
+          <a:bodyPr wrap="none" rtlCol="0">
+            <a:spAutoFit/>
+          </a:bodyPr>
+          <a:lstStyle/>
+          <a:p>
+            <a:pPr algn="ctr"/>
+            <a:r>
+              <a:rPr lang="en-JP" b="1" dirty="0"/>
+              <a:t>External Plagguable</a:t>
+            </a:r>
+          </a:p>
+          <a:p>
+            <a:pPr algn="ctr"/>
+            <a:r>
+              <a:rPr lang="en-JP" b="1" dirty="0"/>
+              <a:t>Authenticator</a:t>
+            </a:r>
+          </a:p>
+        </p:txBody>
+      </p:sp>
+      <p:cxnSp>
+        <p:nvCxnSpPr>
+          <p:cNvPr id="40" name="Straight Arrow Connector 39">
+            <a:extLst>
+              <a:ext uri="{FF2B5EF4-FFF2-40B4-BE49-F238E27FC236}">
+                <a16:creationId xmlns:a16="http://schemas.microsoft.com/office/drawing/2014/main" id="{BEDED502-77D0-6446-ACE7-DEA0C9489034}"/>
+              </a:ext>
+            </a:extLst>
+          </p:cNvPr>
+          <p:cNvCxnSpPr>
+            <a:cxnSpLocks/>
+            <a:stCxn id="15" idx="2"/>
+            <a:endCxn id="16" idx="0"/>
+          </p:cNvCxnSpPr>
+          <p:nvPr/>
+        </p:nvCxnSpPr>
+        <p:spPr>
+          <a:xfrm flipH="1">
+            <a:off x="6335691" y="1914061"/>
+            <a:ext cx="7" cy="998449"/>
+          </a:xfrm>
+          <a:prstGeom prst="straightConnector1">
+            <a:avLst/>
+          </a:prstGeom>
+          <a:ln w="28575">
+            <a:headEnd type="triangle"/>
+            <a:tailEnd type="triangle"/>
+          </a:ln>
+        </p:spPr>
+        <p:style>
+          <a:lnRef idx="1">
+            <a:schemeClr val="accent1"/>
+          </a:lnRef>
+          <a:fillRef idx="0">
+            <a:schemeClr val="accent1"/>
+          </a:fillRef>
+          <a:effectRef idx="0">
+            <a:schemeClr val="accent1"/>
+          </a:effectRef>
+          <a:fontRef idx="minor">
+            <a:schemeClr val="tx1"/>
+          </a:fontRef>
+        </p:style>
+      </p:cxnSp>
+      <p:sp>
+        <p:nvSpPr>
+          <p:cNvPr id="39" name="Oval 38">
+            <a:extLst>
+              <a:ext uri="{FF2B5EF4-FFF2-40B4-BE49-F238E27FC236}">
+                <a16:creationId xmlns:a16="http://schemas.microsoft.com/office/drawing/2014/main" id="{49CF8726-6CAD-A847-BA43-E85C50C54ED3}"/>
+              </a:ext>
+            </a:extLst>
+          </p:cNvPr>
+          <p:cNvSpPr/>
+          <p:nvPr/>
+        </p:nvSpPr>
+        <p:spPr>
+          <a:xfrm>
+            <a:off x="4950178" y="2130928"/>
+            <a:ext cx="2771041" cy="579775"/>
+          </a:xfrm>
+          <a:prstGeom prst="ellipse">
+            <a:avLst/>
+          </a:prstGeom>
+          <a:ln w="28575"/>
+        </p:spPr>
+        <p:style>
+          <a:lnRef idx="2">
+            <a:schemeClr val="accent6"/>
+          </a:lnRef>
+          <a:fillRef idx="1">
+            <a:schemeClr val="lt1"/>
+          </a:fillRef>
+          <a:effectRef idx="0">
+            <a:schemeClr val="accent6"/>
+          </a:effectRef>
+          <a:fontRef idx="minor">
+            <a:schemeClr val="dk1"/>
+          </a:fontRef>
+        </p:style>
+        <p:txBody>
+          <a:bodyPr rtlCol="0" anchor="ctr"/>
+          <a:lstStyle/>
+          <a:p>
+            <a:pPr algn="ctr"/>
+            <a:r>
+              <a:rPr lang="en-JP" b="1" dirty="0">
+                <a:solidFill>
+                  <a:srgbClr val="FF0000"/>
+                </a:solidFill>
+              </a:rPr>
+              <a:t>FIDO2 WebAuthn API (W3C WebAPI)</a:t>
+            </a:r>
+          </a:p>
+        </p:txBody>
+      </p:sp>
+      <p:cxnSp>
+        <p:nvCxnSpPr>
+          <p:cNvPr id="48" name="Straight Arrow Connector 47">
+            <a:extLst>
+              <a:ext uri="{FF2B5EF4-FFF2-40B4-BE49-F238E27FC236}">
+                <a16:creationId xmlns:a16="http://schemas.microsoft.com/office/drawing/2014/main" id="{88AFFDBC-CCD8-6444-A946-73920AA78426}"/>
+              </a:ext>
+            </a:extLst>
+          </p:cNvPr>
+          <p:cNvCxnSpPr>
+            <a:cxnSpLocks/>
+          </p:cNvCxnSpPr>
+          <p:nvPr/>
+        </p:nvCxnSpPr>
+        <p:spPr>
+          <a:xfrm flipH="1">
+            <a:off x="2870788" y="3765659"/>
+            <a:ext cx="1513748" cy="1224340"/>
+          </a:xfrm>
+          <a:prstGeom prst="straightConnector1">
+            <a:avLst/>
+          </a:prstGeom>
+          <a:ln w="28575">
+            <a:headEnd type="triangle"/>
+            <a:tailEnd type="triangle"/>
+          </a:ln>
+        </p:spPr>
+        <p:style>
+          <a:lnRef idx="1">
+            <a:schemeClr val="accent1"/>
+          </a:lnRef>
+          <a:fillRef idx="0">
+            <a:schemeClr val="accent1"/>
+          </a:fillRef>
+          <a:effectRef idx="0">
+            <a:schemeClr val="accent1"/>
+          </a:effectRef>
+          <a:fontRef idx="minor">
+            <a:schemeClr val="tx1"/>
+          </a:fontRef>
+        </p:style>
+      </p:cxnSp>
+      <p:cxnSp>
+        <p:nvCxnSpPr>
+          <p:cNvPr id="64" name="Straight Arrow Connector 63">
+            <a:extLst>
+              <a:ext uri="{FF2B5EF4-FFF2-40B4-BE49-F238E27FC236}">
+                <a16:creationId xmlns:a16="http://schemas.microsoft.com/office/drawing/2014/main" id="{93222465-4C97-B941-91E4-244A1CDB99D7}"/>
+              </a:ext>
+            </a:extLst>
+          </p:cNvPr>
+          <p:cNvCxnSpPr>
+            <a:cxnSpLocks/>
+          </p:cNvCxnSpPr>
+          <p:nvPr/>
+        </p:nvCxnSpPr>
+        <p:spPr>
+          <a:xfrm>
+            <a:off x="4950170" y="3765659"/>
+            <a:ext cx="1532706" cy="1287065"/>
+          </a:xfrm>
+          <a:prstGeom prst="straightConnector1">
+            <a:avLst/>
+          </a:prstGeom>
+          <a:ln w="28575">
+            <a:headEnd type="triangle"/>
+            <a:tailEnd type="triangle"/>
+          </a:ln>
+        </p:spPr>
+        <p:style>
+          <a:lnRef idx="1">
+            <a:schemeClr val="accent1"/>
+          </a:lnRef>
+          <a:fillRef idx="0">
+            <a:schemeClr val="accent1"/>
+          </a:fillRef>
+          <a:effectRef idx="0">
+            <a:schemeClr val="accent1"/>
+          </a:effectRef>
+          <a:fontRef idx="minor">
+            <a:schemeClr val="tx1"/>
+          </a:fontRef>
+        </p:style>
+      </p:cxnSp>
+      <p:sp>
+        <p:nvSpPr>
+          <p:cNvPr id="29" name="Oval 28">
+            <a:extLst>
+              <a:ext uri="{FF2B5EF4-FFF2-40B4-BE49-F238E27FC236}">
+                <a16:creationId xmlns:a16="http://schemas.microsoft.com/office/drawing/2014/main" id="{87C37079-BD45-164E-93C1-DD940C2BEADC}"/>
+              </a:ext>
+            </a:extLst>
+          </p:cNvPr>
+          <p:cNvSpPr/>
+          <p:nvPr/>
+        </p:nvSpPr>
+        <p:spPr>
+          <a:xfrm>
+            <a:off x="1545927" y="4264556"/>
+            <a:ext cx="2830048" cy="512957"/>
+          </a:xfrm>
+          <a:prstGeom prst="ellipse">
+            <a:avLst/>
+          </a:prstGeom>
+          <a:ln w="28575"/>
+        </p:spPr>
+        <p:style>
+          <a:lnRef idx="2">
+            <a:schemeClr val="accent6"/>
+          </a:lnRef>
+          <a:fillRef idx="1">
+            <a:schemeClr val="lt1"/>
+          </a:fillRef>
+          <a:effectRef idx="0">
+            <a:schemeClr val="accent6"/>
+          </a:effectRef>
+          <a:fontRef idx="minor">
+            <a:schemeClr val="dk1"/>
+          </a:fontRef>
+        </p:style>
+        <p:txBody>
+          <a:bodyPr rtlCol="0" anchor="ctr"/>
+          <a:lstStyle/>
+          <a:p>
+            <a:pPr algn="ctr"/>
+            <a:r>
+              <a:rPr lang="en-JP" b="1" dirty="0"/>
+              <a:t>Internal API</a:t>
+            </a:r>
+          </a:p>
+        </p:txBody>
+      </p:sp>
+      <p:sp>
+        <p:nvSpPr>
+          <p:cNvPr id="24" name="Oval 23">
+            <a:extLst>
+              <a:ext uri="{FF2B5EF4-FFF2-40B4-BE49-F238E27FC236}">
+                <a16:creationId xmlns:a16="http://schemas.microsoft.com/office/drawing/2014/main" id="{5C38224D-EC68-9741-9EEB-35B20CC911AF}"/>
+              </a:ext>
+            </a:extLst>
+          </p:cNvPr>
+          <p:cNvSpPr/>
+          <p:nvPr/>
+        </p:nvSpPr>
+        <p:spPr>
+          <a:xfrm>
+            <a:off x="4950170" y="4278616"/>
+            <a:ext cx="2771041" cy="512957"/>
+          </a:xfrm>
+          <a:prstGeom prst="ellipse">
+            <a:avLst/>
+          </a:prstGeom>
+          <a:solidFill>
+            <a:schemeClr val="bg1"/>
+          </a:solidFill>
+          <a:ln w="28575"/>
+        </p:spPr>
+        <p:style>
+          <a:lnRef idx="2">
+            <a:schemeClr val="accent6"/>
+          </a:lnRef>
+          <a:fillRef idx="1">
+            <a:schemeClr val="lt1"/>
+          </a:fillRef>
+          <a:effectRef idx="0">
+            <a:schemeClr val="accent6"/>
+          </a:effectRef>
+          <a:fontRef idx="minor">
+            <a:schemeClr val="dk1"/>
+          </a:fontRef>
+        </p:style>
+        <p:txBody>
+          <a:bodyPr rtlCol="0" anchor="ctr"/>
+          <a:lstStyle/>
+          <a:p>
+            <a:pPr algn="ctr"/>
+            <a:r>
+              <a:rPr lang="en-JP" b="1" dirty="0">
+                <a:solidFill>
+                  <a:srgbClr val="FF0000"/>
+                </a:solidFill>
+              </a:rPr>
+              <a:t>FIDO2 CTAP API</a:t>
+            </a:r>
+          </a:p>
+        </p:txBody>
+      </p:sp>
+      <p:sp>
+        <p:nvSpPr>
+          <p:cNvPr id="70" name="Rounded Rectangle 69">
+            <a:extLst>
+              <a:ext uri="{FF2B5EF4-FFF2-40B4-BE49-F238E27FC236}">
+                <a16:creationId xmlns:a16="http://schemas.microsoft.com/office/drawing/2014/main" id="{980BEA5E-1CA4-3741-8A8F-2CF867B2346A}"/>
+              </a:ext>
+            </a:extLst>
+          </p:cNvPr>
+          <p:cNvSpPr/>
+          <p:nvPr/>
+        </p:nvSpPr>
+        <p:spPr>
+          <a:xfrm>
+            <a:off x="4950178" y="158060"/>
+            <a:ext cx="2771041" cy="512957"/>
+          </a:xfrm>
+          <a:prstGeom prst="roundRect">
+            <a:avLst/>
+          </a:prstGeom>
+          <a:ln w="28575"/>
+        </p:spPr>
+        <p:style>
+          <a:lnRef idx="2">
+            <a:schemeClr val="accent1">
+              <a:shade val="50000"/>
+            </a:schemeClr>
+          </a:lnRef>
+          <a:fillRef idx="1">
+            <a:schemeClr val="accent1"/>
+          </a:fillRef>
+          <a:effectRef idx="0">
+            <a:schemeClr val="accent1"/>
+          </a:effectRef>
+          <a:fontRef idx="minor">
+            <a:schemeClr val="lt1"/>
+          </a:fontRef>
+        </p:style>
+        <p:txBody>
+          <a:bodyPr rtlCol="0" anchor="ctr"/>
+          <a:lstStyle/>
+          <a:p>
+            <a:pPr algn="ctr"/>
+            <a:r>
+              <a:rPr lang="en-US" b="1" dirty="0"/>
+              <a:t>Server (Relaying Party)</a:t>
+            </a:r>
+            <a:endParaRPr lang="en-JP" b="1" dirty="0"/>
+          </a:p>
+        </p:txBody>
+      </p:sp>
+      <p:cxnSp>
+        <p:nvCxnSpPr>
+          <p:cNvPr id="71" name="Straight Arrow Connector 70">
+            <a:extLst>
+              <a:ext uri="{FF2B5EF4-FFF2-40B4-BE49-F238E27FC236}">
+                <a16:creationId xmlns:a16="http://schemas.microsoft.com/office/drawing/2014/main" id="{2F1C98D2-EB8C-F343-B871-F14482B82B2E}"/>
+              </a:ext>
+            </a:extLst>
+          </p:cNvPr>
+          <p:cNvCxnSpPr>
+            <a:cxnSpLocks/>
+            <a:stCxn id="70" idx="2"/>
+            <a:endCxn id="15" idx="0"/>
+          </p:cNvCxnSpPr>
+          <p:nvPr/>
+        </p:nvCxnSpPr>
+        <p:spPr>
+          <a:xfrm flipH="1">
+            <a:off x="6335698" y="671017"/>
+            <a:ext cx="1" cy="730087"/>
+          </a:xfrm>
+          <a:prstGeom prst="straightConnector1">
+            <a:avLst/>
+          </a:prstGeom>
+          <a:ln w="28575">
+            <a:headEnd type="triangle"/>
+            <a:tailEnd type="triangle"/>
+          </a:ln>
+        </p:spPr>
+        <p:style>
+          <a:lnRef idx="1">
+            <a:schemeClr val="accent1"/>
+          </a:lnRef>
+          <a:fillRef idx="0">
+            <a:schemeClr val="accent1"/>
+          </a:fillRef>
+          <a:effectRef idx="0">
+            <a:schemeClr val="accent1"/>
+          </a:effectRef>
+          <a:fontRef idx="minor">
+            <a:schemeClr val="tx1"/>
+          </a:fontRef>
+        </p:style>
+      </p:cxnSp>
+      <p:cxnSp>
+        <p:nvCxnSpPr>
+          <p:cNvPr id="109" name="Straight Arrow Connector 108">
+            <a:extLst>
+              <a:ext uri="{FF2B5EF4-FFF2-40B4-BE49-F238E27FC236}">
+                <a16:creationId xmlns:a16="http://schemas.microsoft.com/office/drawing/2014/main" id="{40AB4A3E-6FAC-3F43-98F4-C94C74D46AB5}"/>
+              </a:ext>
+            </a:extLst>
+          </p:cNvPr>
+          <p:cNvCxnSpPr>
+            <a:cxnSpLocks/>
+          </p:cNvCxnSpPr>
+          <p:nvPr/>
+        </p:nvCxnSpPr>
+        <p:spPr>
+          <a:xfrm>
+            <a:off x="8812107" y="3467645"/>
+            <a:ext cx="0" cy="2567890"/>
+          </a:xfrm>
+          <a:prstGeom prst="straightConnector1">
+            <a:avLst/>
+          </a:prstGeom>
+          <a:ln w="76200">
+            <a:solidFill>
+              <a:schemeClr val="tx1"/>
+            </a:solidFill>
+            <a:headEnd type="triangle"/>
+            <a:tailEnd type="triangle"/>
+          </a:ln>
+        </p:spPr>
+        <p:style>
+          <a:lnRef idx="1">
+            <a:schemeClr val="accent1"/>
+          </a:lnRef>
+          <a:fillRef idx="0">
+            <a:schemeClr val="accent1"/>
+          </a:fillRef>
+          <a:effectRef idx="0">
+            <a:schemeClr val="accent1"/>
+          </a:effectRef>
+          <a:fontRef idx="minor">
+            <a:schemeClr val="tx1"/>
+          </a:fontRef>
+        </p:style>
+      </p:cxnSp>
+      <p:sp>
+        <p:nvSpPr>
+          <p:cNvPr id="107" name="Rectangle 106">
+            <a:extLst>
+              <a:ext uri="{FF2B5EF4-FFF2-40B4-BE49-F238E27FC236}">
+                <a16:creationId xmlns:a16="http://schemas.microsoft.com/office/drawing/2014/main" id="{403537FC-6B5C-454B-8755-EBD1372AE040}"/>
+              </a:ext>
+            </a:extLst>
+          </p:cNvPr>
+          <p:cNvSpPr/>
+          <p:nvPr/>
+        </p:nvSpPr>
+        <p:spPr>
+          <a:xfrm>
+            <a:off x="7837800" y="4247422"/>
+            <a:ext cx="2049149" cy="738664"/>
+          </a:xfrm>
+          <a:prstGeom prst="rect">
+            <a:avLst/>
+          </a:prstGeom>
+          <a:solidFill>
+            <a:schemeClr val="bg1"/>
+          </a:solidFill>
+          <a:ln>
+            <a:solidFill>
+              <a:schemeClr val="tx1"/>
+            </a:solidFill>
+          </a:ln>
+        </p:spPr>
+        <p:txBody>
+          <a:bodyPr wrap="square">
+            <a:spAutoFit/>
+          </a:bodyPr>
+          <a:lstStyle/>
+          <a:p>
+            <a:r>
+              <a:rPr lang="en-US" altLang="ja-JP" sz="1400" b="1" dirty="0"/>
+              <a:t>(</a:t>
+            </a:r>
+            <a:r>
+              <a:rPr lang="ja-JP" altLang="en-US" sz="1400" b="1"/>
+              <a:t>外部デバイス利用時</a:t>
+            </a:r>
+            <a:r>
+              <a:rPr lang="en-US" altLang="ja-JP" sz="1400" b="1" dirty="0"/>
+              <a:t>)</a:t>
+            </a:r>
+          </a:p>
+          <a:p>
+            <a:r>
+              <a:rPr lang="ja-JP" altLang="en-US" sz="1400" b="1"/>
+              <a:t>ローレイヤのプロトコルは</a:t>
+            </a:r>
+            <a:r>
+              <a:rPr lang="en-US" altLang="ja-JP" sz="1400" b="1" dirty="0"/>
+              <a:t>CTAP</a:t>
+            </a:r>
+            <a:r>
+              <a:rPr lang="ja-JP" altLang="en-US" sz="1400" b="1"/>
+              <a:t>仕様で規定</a:t>
+            </a:r>
+            <a:endParaRPr lang="en-US" altLang="ja-JP" sz="1400" b="1" dirty="0"/>
+          </a:p>
+        </p:txBody>
+      </p:sp>
+      <p:cxnSp>
+        <p:nvCxnSpPr>
+          <p:cNvPr id="112" name="Straight Arrow Connector 111">
+            <a:extLst>
+              <a:ext uri="{FF2B5EF4-FFF2-40B4-BE49-F238E27FC236}">
+                <a16:creationId xmlns:a16="http://schemas.microsoft.com/office/drawing/2014/main" id="{E7400C0B-4F42-744F-AA3E-9AEFAFF8FFCF}"/>
+              </a:ext>
+            </a:extLst>
+          </p:cNvPr>
+          <p:cNvCxnSpPr>
+            <a:cxnSpLocks/>
+          </p:cNvCxnSpPr>
+          <p:nvPr/>
+        </p:nvCxnSpPr>
+        <p:spPr>
+          <a:xfrm>
+            <a:off x="10167032" y="496771"/>
+            <a:ext cx="0" cy="5538764"/>
+          </a:xfrm>
+          <a:prstGeom prst="straightConnector1">
+            <a:avLst/>
+          </a:prstGeom>
+          <a:ln w="76200">
+            <a:solidFill>
+              <a:schemeClr val="tx1"/>
+            </a:solidFill>
+            <a:headEnd type="triangle"/>
+            <a:tailEnd type="triangle"/>
+          </a:ln>
+        </p:spPr>
+        <p:style>
+          <a:lnRef idx="1">
+            <a:schemeClr val="accent1"/>
+          </a:lnRef>
+          <a:fillRef idx="0">
+            <a:schemeClr val="accent1"/>
+          </a:fillRef>
+          <a:effectRef idx="0">
+            <a:schemeClr val="accent1"/>
+          </a:effectRef>
+          <a:fontRef idx="minor">
+            <a:schemeClr val="tx1"/>
+          </a:fontRef>
+        </p:style>
+      </p:cxnSp>
+      <p:sp>
+        <p:nvSpPr>
+          <p:cNvPr id="88" name="TextBox 87">
+            <a:extLst>
+              <a:ext uri="{FF2B5EF4-FFF2-40B4-BE49-F238E27FC236}">
+                <a16:creationId xmlns:a16="http://schemas.microsoft.com/office/drawing/2014/main" id="{C981BE57-EABA-D246-AA3F-BDFFB0543446}"/>
+              </a:ext>
+            </a:extLst>
+          </p:cNvPr>
+          <p:cNvSpPr txBox="1"/>
+          <p:nvPr/>
+        </p:nvSpPr>
+        <p:spPr>
+          <a:xfrm>
+            <a:off x="8990611" y="1674621"/>
+            <a:ext cx="2352841" cy="738664"/>
+          </a:xfrm>
+          <a:prstGeom prst="rect">
+            <a:avLst/>
+          </a:prstGeom>
+          <a:solidFill>
+            <a:schemeClr val="bg1"/>
+          </a:solidFill>
+          <a:ln>
+            <a:solidFill>
+              <a:schemeClr val="tx1"/>
+            </a:solidFill>
+          </a:ln>
+        </p:spPr>
+        <p:txBody>
+          <a:bodyPr wrap="square" rtlCol="0">
+            <a:spAutoFit/>
+          </a:bodyPr>
+          <a:lstStyle/>
+          <a:p>
+            <a:r>
+              <a:rPr lang="ja-JP" altLang="en-US" sz="1400" b="1"/>
+              <a:t>アプリケーションレベルのハイレイヤのデータフローは</a:t>
+            </a:r>
+            <a:r>
+              <a:rPr lang="en-US" altLang="ja-JP" sz="1400" b="1" dirty="0" err="1"/>
+              <a:t>WebAuthn</a:t>
+            </a:r>
+            <a:r>
+              <a:rPr lang="ja-JP" altLang="en-US" sz="1400" b="1"/>
+              <a:t>仕様で規定</a:t>
+            </a:r>
+            <a:endParaRPr lang="en-US" altLang="ja-JP" sz="1400" b="1" dirty="0"/>
+          </a:p>
+        </p:txBody>
+      </p:sp>
+      <p:sp>
+        <p:nvSpPr>
+          <p:cNvPr id="105" name="Oval 104">
+            <a:extLst>
+              <a:ext uri="{FF2B5EF4-FFF2-40B4-BE49-F238E27FC236}">
+                <a16:creationId xmlns:a16="http://schemas.microsoft.com/office/drawing/2014/main" id="{B144F08F-5589-2745-8E38-114F61E9F5C5}"/>
+              </a:ext>
+            </a:extLst>
+          </p:cNvPr>
+          <p:cNvSpPr/>
+          <p:nvPr/>
+        </p:nvSpPr>
+        <p:spPr>
+          <a:xfrm>
+            <a:off x="4950173" y="864770"/>
+            <a:ext cx="2771041" cy="334527"/>
+          </a:xfrm>
+          <a:prstGeom prst="ellipse">
+            <a:avLst/>
+          </a:prstGeom>
+          <a:ln w="28575"/>
+        </p:spPr>
+        <p:style>
+          <a:lnRef idx="2">
+            <a:schemeClr val="accent6"/>
+          </a:lnRef>
+          <a:fillRef idx="1">
+            <a:schemeClr val="lt1"/>
+          </a:fillRef>
+          <a:effectRef idx="0">
+            <a:schemeClr val="accent6"/>
+          </a:effectRef>
+          <a:fontRef idx="minor">
+            <a:schemeClr val="dk1"/>
+          </a:fontRef>
+        </p:style>
+        <p:txBody>
+          <a:bodyPr rtlCol="0" anchor="ctr"/>
+          <a:lstStyle/>
+          <a:p>
+            <a:pPr algn="ctr"/>
+            <a:r>
+              <a:rPr lang="en-JP" b="1" dirty="0"/>
+              <a:t>(ex. RESTful API)</a:t>
+            </a:r>
+          </a:p>
+        </p:txBody>
+      </p:sp>
+      <p:sp>
+        <p:nvSpPr>
+          <p:cNvPr id="133" name="Rounded Rectangle 132">
+            <a:extLst>
+              <a:ext uri="{FF2B5EF4-FFF2-40B4-BE49-F238E27FC236}">
+                <a16:creationId xmlns:a16="http://schemas.microsoft.com/office/drawing/2014/main" id="{E5751661-7B36-654C-ADE0-B300AC416A3D}"/>
+              </a:ext>
+            </a:extLst>
+          </p:cNvPr>
+          <p:cNvSpPr/>
+          <p:nvPr/>
+        </p:nvSpPr>
+        <p:spPr>
+          <a:xfrm>
+            <a:off x="1545927" y="3444238"/>
+            <a:ext cx="6175281" cy="321421"/>
+          </a:xfrm>
+          <a:prstGeom prst="roundRect">
+            <a:avLst/>
+          </a:prstGeom>
+          <a:ln w="28575"/>
+        </p:spPr>
+        <p:style>
+          <a:lnRef idx="2">
+            <a:schemeClr val="accent1">
+              <a:shade val="50000"/>
+            </a:schemeClr>
+          </a:lnRef>
+          <a:fillRef idx="1">
+            <a:schemeClr val="accent1"/>
+          </a:fillRef>
+          <a:effectRef idx="0">
+            <a:schemeClr val="accent1"/>
+          </a:effectRef>
+          <a:fontRef idx="minor">
+            <a:schemeClr val="lt1"/>
+          </a:fontRef>
+        </p:style>
+        <p:txBody>
+          <a:bodyPr rtlCol="0" anchor="ctr"/>
+          <a:lstStyle/>
+          <a:p>
+            <a:pPr algn="ctr"/>
+            <a:r>
+              <a:rPr lang="en-US" b="1" dirty="0"/>
+              <a:t>Platform (OS)</a:t>
+            </a:r>
+            <a:endParaRPr lang="en-JP" b="1" dirty="0"/>
+          </a:p>
+        </p:txBody>
+      </p:sp>
+    </p:spTree>
+    <p:extLst>
+      <p:ext uri="{BB962C8B-B14F-4D97-AF65-F5344CB8AC3E}">
+        <p14:creationId xmlns:p14="http://schemas.microsoft.com/office/powerpoint/2010/main" val="3844395317"/>
       </p:ext>
     </p:extLst>
   </p:cSld>

--- a/slides/Figs/figures.pptx
+++ b/slides/Figs/figures.pptx
@@ -12,6 +12,7 @@
     <p:sldId id="260" r:id="rId6"/>
     <p:sldId id="262" r:id="rId7"/>
     <p:sldId id="261" r:id="rId8"/>
+    <p:sldId id="263" r:id="rId9"/>
   </p:sldIdLst>
   <p:sldSz cx="12192000" cy="6858000"/>
   <p:notesSz cx="6858000" cy="9144000"/>
@@ -110,6 +111,11 @@
       </a:defRPr>
     </a:lvl9pPr>
   </p:defaultTextStyle>
+  <p:extLst>
+    <p:ext uri="{EFAFB233-063F-42B5-8137-9DF3F51BA10A}">
+      <p15:sldGuideLst xmlns:p15="http://schemas.microsoft.com/office/powerpoint/2012/main"/>
+    </p:ext>
+  </p:extLst>
 </p:presentation>
 </file>
 
@@ -262,7 +268,7 @@
           <a:p>
             <a:fld id="{12806DCE-DF2A-A444-87A0-6650BF1B98E4}" type="datetimeFigureOut">
               <a:rPr lang="en-JP" smtClean="0"/>
-              <a:t>2020/04/28</a:t>
+              <a:t>2020/04/29</a:t>
             </a:fld>
             <a:endParaRPr lang="en-JP"/>
           </a:p>
@@ -462,7 +468,7 @@
           <a:p>
             <a:fld id="{12806DCE-DF2A-A444-87A0-6650BF1B98E4}" type="datetimeFigureOut">
               <a:rPr lang="en-JP" smtClean="0"/>
-              <a:t>2020/04/28</a:t>
+              <a:t>2020/04/29</a:t>
             </a:fld>
             <a:endParaRPr lang="en-JP"/>
           </a:p>
@@ -672,7 +678,7 @@
           <a:p>
             <a:fld id="{12806DCE-DF2A-A444-87A0-6650BF1B98E4}" type="datetimeFigureOut">
               <a:rPr lang="en-JP" smtClean="0"/>
-              <a:t>2020/04/28</a:t>
+              <a:t>2020/04/29</a:t>
             </a:fld>
             <a:endParaRPr lang="en-JP"/>
           </a:p>
@@ -872,7 +878,7 @@
           <a:p>
             <a:fld id="{12806DCE-DF2A-A444-87A0-6650BF1B98E4}" type="datetimeFigureOut">
               <a:rPr lang="en-JP" smtClean="0"/>
-              <a:t>2020/04/28</a:t>
+              <a:t>2020/04/29</a:t>
             </a:fld>
             <a:endParaRPr lang="en-JP"/>
           </a:p>
@@ -1148,7 +1154,7 @@
           <a:p>
             <a:fld id="{12806DCE-DF2A-A444-87A0-6650BF1B98E4}" type="datetimeFigureOut">
               <a:rPr lang="en-JP" smtClean="0"/>
-              <a:t>2020/04/28</a:t>
+              <a:t>2020/04/29</a:t>
             </a:fld>
             <a:endParaRPr lang="en-JP"/>
           </a:p>
@@ -1416,7 +1422,7 @@
           <a:p>
             <a:fld id="{12806DCE-DF2A-A444-87A0-6650BF1B98E4}" type="datetimeFigureOut">
               <a:rPr lang="en-JP" smtClean="0"/>
-              <a:t>2020/04/28</a:t>
+              <a:t>2020/04/29</a:t>
             </a:fld>
             <a:endParaRPr lang="en-JP"/>
           </a:p>
@@ -1831,7 +1837,7 @@
           <a:p>
             <a:fld id="{12806DCE-DF2A-A444-87A0-6650BF1B98E4}" type="datetimeFigureOut">
               <a:rPr lang="en-JP" smtClean="0"/>
-              <a:t>2020/04/28</a:t>
+              <a:t>2020/04/29</a:t>
             </a:fld>
             <a:endParaRPr lang="en-JP"/>
           </a:p>
@@ -1973,7 +1979,7 @@
           <a:p>
             <a:fld id="{12806DCE-DF2A-A444-87A0-6650BF1B98E4}" type="datetimeFigureOut">
               <a:rPr lang="en-JP" smtClean="0"/>
-              <a:t>2020/04/28</a:t>
+              <a:t>2020/04/29</a:t>
             </a:fld>
             <a:endParaRPr lang="en-JP"/>
           </a:p>
@@ -2086,7 +2092,7 @@
           <a:p>
             <a:fld id="{12806DCE-DF2A-A444-87A0-6650BF1B98E4}" type="datetimeFigureOut">
               <a:rPr lang="en-JP" smtClean="0"/>
-              <a:t>2020/04/28</a:t>
+              <a:t>2020/04/29</a:t>
             </a:fld>
             <a:endParaRPr lang="en-JP"/>
           </a:p>
@@ -2399,7 +2405,7 @@
           <a:p>
             <a:fld id="{12806DCE-DF2A-A444-87A0-6650BF1B98E4}" type="datetimeFigureOut">
               <a:rPr lang="en-JP" smtClean="0"/>
-              <a:t>2020/04/28</a:t>
+              <a:t>2020/04/29</a:t>
             </a:fld>
             <a:endParaRPr lang="en-JP"/>
           </a:p>
@@ -2688,7 +2694,7 @@
           <a:p>
             <a:fld id="{12806DCE-DF2A-A444-87A0-6650BF1B98E4}" type="datetimeFigureOut">
               <a:rPr lang="en-JP" smtClean="0"/>
-              <a:t>2020/04/28</a:t>
+              <a:t>2020/04/29</a:t>
             </a:fld>
             <a:endParaRPr lang="en-JP"/>
           </a:p>
@@ -2931,7 +2937,7 @@
           <a:p>
             <a:fld id="{12806DCE-DF2A-A444-87A0-6650BF1B98E4}" type="datetimeFigureOut">
               <a:rPr lang="en-JP" smtClean="0"/>
-              <a:t>2020/04/28</a:t>
+              <a:t>2020/04/29</a:t>
             </a:fld>
             <a:endParaRPr lang="en-JP"/>
           </a:p>
@@ -7629,8 +7635,8 @@
         </p:nvCxnSpPr>
         <p:spPr>
           <a:xfrm>
-            <a:off x="8812107" y="3467645"/>
-            <a:ext cx="0" cy="2567890"/>
+            <a:off x="8812107" y="3425467"/>
+            <a:ext cx="0" cy="2610068"/>
           </a:xfrm>
           <a:prstGeom prst="straightConnector1">
             <a:avLst/>
@@ -7709,7 +7715,7 @@
           <a:p>
             <a:r>
               <a:rPr lang="ja-JP" altLang="en-US" sz="1400" b="1"/>
-              <a:t>ローレイヤのプロトコルは</a:t>
+              <a:t>この間の通信プロトコルは</a:t>
             </a:r>
             <a:r>
               <a:rPr lang="en-US" altLang="ja-JP" sz="1400" b="1" dirty="0"/>
@@ -7739,8 +7745,8 @@
         </p:nvCxnSpPr>
         <p:spPr>
           <a:xfrm>
-            <a:off x="10167032" y="496771"/>
-            <a:ext cx="0" cy="5538764"/>
+            <a:off x="8812107" y="454593"/>
+            <a:ext cx="0" cy="2804974"/>
           </a:xfrm>
           <a:prstGeom prst="straightConnector1">
             <a:avLst/>
@@ -7782,8 +7788,8 @@
         </p:nvSpPr>
         <p:spPr>
           <a:xfrm>
-            <a:off x="8990611" y="1674621"/>
-            <a:ext cx="2352841" cy="738664"/>
+            <a:off x="7837800" y="1791763"/>
+            <a:ext cx="2049149" cy="523220"/>
           </a:xfrm>
           <a:prstGeom prst="rect">
             <a:avLst/>
@@ -7805,7 +7811,7 @@
           <a:p>
             <a:r>
               <a:rPr lang="ja-JP" altLang="en-US" sz="1400" b="1"/>
-              <a:t>アプリケーションレベルのハイレイヤのデータフローは</a:t>
+              <a:t>この間のデータフローは</a:t>
             </a:r>
             <a:r>
               <a:rPr lang="en-US" altLang="ja-JP" sz="1400" b="1" dirty="0" err="1"/>
@@ -7922,6 +7928,36 @@
     <p:extLst>
       <p:ext uri="{BB962C8B-B14F-4D97-AF65-F5344CB8AC3E}">
         <p14:creationId xmlns:p14="http://schemas.microsoft.com/office/powerpoint/2010/main" val="3844395317"/>
+      </p:ext>
+    </p:extLst>
+  </p:cSld>
+  <p:clrMapOvr>
+    <a:masterClrMapping/>
+  </p:clrMapOvr>
+</p:sld>
+</file>
+
+<file path=ppt/slides/slide8.xml><?xml version="1.0" encoding="utf-8"?>
+<p:sld xmlns:a="http://schemas.openxmlformats.org/drawingml/2006/main" xmlns:r="http://schemas.openxmlformats.org/officeDocument/2006/relationships" xmlns:p="http://schemas.openxmlformats.org/presentationml/2006/main">
+  <p:cSld>
+    <p:spTree>
+      <p:nvGrpSpPr>
+        <p:cNvPr id="1" name=""/>
+        <p:cNvGrpSpPr/>
+        <p:nvPr/>
+      </p:nvGrpSpPr>
+      <p:grpSpPr>
+        <a:xfrm>
+          <a:off x="0" y="0"/>
+          <a:ext cx="0" cy="0"/>
+          <a:chOff x="0" y="0"/>
+          <a:chExt cx="0" cy="0"/>
+        </a:xfrm>
+      </p:grpSpPr>
+    </p:spTree>
+    <p:extLst>
+      <p:ext uri="{BB962C8B-B14F-4D97-AF65-F5344CB8AC3E}">
+        <p14:creationId xmlns:p14="http://schemas.microsoft.com/office/powerpoint/2010/main" val="1906650649"/>
       </p:ext>
     </p:extLst>
   </p:cSld>

--- a/slides/Figs/figures.pptx
+++ b/slides/Figs/figures.pptx
@@ -5927,7 +5927,7 @@
         </p:blipFill>
         <p:spPr>
           <a:xfrm>
-            <a:off x="9236261" y="2181543"/>
+            <a:off x="9393986" y="1597817"/>
             <a:ext cx="1472018" cy="1738849"/>
           </a:xfrm>
           <a:prstGeom prst="rect">
@@ -6295,7 +6295,7 @@
         </p:nvSpPr>
         <p:spPr>
           <a:xfrm>
-            <a:off x="8066847" y="3920392"/>
+            <a:off x="8073983" y="3445645"/>
             <a:ext cx="4112023" cy="646331"/>
           </a:xfrm>
           <a:prstGeom prst="rect">
@@ -6339,13 +6339,13 @@
           <p:nvPr>
             <p:extLst>
               <p:ext uri="{D42A27DB-BD31-4B8C-83A1-F6EECF244321}">
-                <p14:modId xmlns:p14="http://schemas.microsoft.com/office/powerpoint/2010/main" val="1694077780"/>
+                <p14:modId xmlns:p14="http://schemas.microsoft.com/office/powerpoint/2010/main" val="439846345"/>
               </p:ext>
             </p:extLst>
           </p:nvPr>
         </p:nvGraphicFramePr>
         <p:xfrm>
-          <a:off x="8873315" y="4675702"/>
+          <a:off x="8873315" y="4064990"/>
           <a:ext cx="2513361" cy="1478280"/>
         </p:xfrm>
         <a:graphic>
@@ -6355,14 +6355,14 @@
                 <a:tableStyleId>{9DCAF9ED-07DC-4A11-8D7F-57B35C25682E}</a:tableStyleId>
               </a:tblPr>
               <a:tblGrid>
-                <a:gridCol w="845199">
+                <a:gridCol w="851598">
                   <a:extLst>
                     <a:ext uri="{9D8B030D-6E8A-4147-A177-3AD203B41FA5}">
                       <a16:colId xmlns:a16="http://schemas.microsoft.com/office/drawing/2014/main" val="20000"/>
                     </a:ext>
                   </a:extLst>
                 </a:gridCol>
-                <a:gridCol w="1668162">
+                <a:gridCol w="1661763">
                   <a:extLst>
                     <a:ext uri="{9D8B030D-6E8A-4147-A177-3AD203B41FA5}">
                       <a16:colId xmlns:a16="http://schemas.microsoft.com/office/drawing/2014/main" val="20001"/>
@@ -6605,7 +6605,7 @@
         </p:nvSpPr>
         <p:spPr bwMode="auto">
           <a:xfrm>
-            <a:off x="8873315" y="850380"/>
+            <a:off x="8873315" y="1141293"/>
             <a:ext cx="2951423" cy="369332"/>
           </a:xfrm>
           <a:prstGeom prst="rect">
@@ -6855,6 +6855,73 @@
             <a:endParaRPr lang="ja-JP" altLang="en-US" dirty="0">
               <a:latin typeface="Segoe UI" panose="020B0502040204020203" pitchFamily="34" charset="0"/>
               <a:cs typeface="Segoe UI" panose="020B0502040204020203" pitchFamily="34" charset="0"/>
+            </a:endParaRPr>
+          </a:p>
+        </p:txBody>
+      </p:sp>
+      <p:sp>
+        <p:nvSpPr>
+          <p:cNvPr id="8" name="Rounded Rectangular Callout 7">
+            <a:extLst>
+              <a:ext uri="{FF2B5EF4-FFF2-40B4-BE49-F238E27FC236}">
+                <a16:creationId xmlns:a16="http://schemas.microsoft.com/office/drawing/2014/main" id="{4E0A6CD2-BC64-DC48-8FCA-682BBEB2D6C3}"/>
+              </a:ext>
+            </a:extLst>
+          </p:cNvPr>
+          <p:cNvSpPr/>
+          <p:nvPr/>
+        </p:nvSpPr>
+        <p:spPr>
+          <a:xfrm>
+            <a:off x="5104835" y="4101716"/>
+            <a:ext cx="3323035" cy="885829"/>
+          </a:xfrm>
+          <a:prstGeom prst="wedgeRoundRectCallout">
+            <a:avLst>
+              <a:gd name="adj1" fmla="val 60660"/>
+              <a:gd name="adj2" fmla="val -52866"/>
+              <a:gd name="adj3" fmla="val 16667"/>
+            </a:avLst>
+          </a:prstGeom>
+          <a:noFill/>
+          <a:ln w="19050">
+            <a:solidFill>
+              <a:schemeClr val="accent1"/>
+            </a:solidFill>
+          </a:ln>
+        </p:spPr>
+        <p:style>
+          <a:lnRef idx="2">
+            <a:schemeClr val="accent1">
+              <a:shade val="50000"/>
+            </a:schemeClr>
+          </a:lnRef>
+          <a:fillRef idx="1">
+            <a:schemeClr val="accent1"/>
+          </a:fillRef>
+          <a:effectRef idx="0">
+            <a:schemeClr val="accent1"/>
+          </a:effectRef>
+          <a:fontRef idx="minor">
+            <a:schemeClr val="lt1"/>
+          </a:fontRef>
+        </p:style>
+        <p:txBody>
+          <a:bodyPr rtlCol="0" anchor="ctr"/>
+          <a:lstStyle/>
+          <a:p>
+            <a:r>
+              <a:rPr lang="ja-JP" altLang="en-US" b="1">
+                <a:solidFill>
+                  <a:srgbClr val="FF0000"/>
+                </a:solidFill>
+              </a:rPr>
+              <a:t>検証が成功する正しい署名を作れるのは認証器を持つユーザ本人だけと考えられる！</a:t>
+            </a:r>
+            <a:endParaRPr lang="en-JP" b="1" dirty="0">
+              <a:solidFill>
+                <a:srgbClr val="FF0000"/>
+              </a:solidFill>
             </a:endParaRPr>
           </a:p>
         </p:txBody>

--- a/slides/Figs/figures.pptx
+++ b/slides/Figs/figures.pptx
@@ -8021,6 +8021,1348 @@
           <a:chExt cx="0" cy="0"/>
         </a:xfrm>
       </p:grpSpPr>
+      <p:pic>
+        <p:nvPicPr>
+          <p:cNvPr id="14" name="Picture 13">
+            <a:extLst>
+              <a:ext uri="{FF2B5EF4-FFF2-40B4-BE49-F238E27FC236}">
+                <a16:creationId xmlns:a16="http://schemas.microsoft.com/office/drawing/2014/main" id="{D27AA818-D661-D941-9CA8-DC1C2CBB50C0}"/>
+              </a:ext>
+            </a:extLst>
+          </p:cNvPr>
+          <p:cNvPicPr>
+            <a:picLocks noChangeAspect="1"/>
+          </p:cNvPicPr>
+          <p:nvPr/>
+        </p:nvPicPr>
+        <p:blipFill>
+          <a:blip r:embed="rId2"/>
+          <a:stretch>
+            <a:fillRect/>
+          </a:stretch>
+        </p:blipFill>
+        <p:spPr>
+          <a:xfrm>
+            <a:off x="5472146" y="3204141"/>
+            <a:ext cx="887988" cy="887988"/>
+          </a:xfrm>
+          <a:prstGeom prst="rect">
+            <a:avLst/>
+          </a:prstGeom>
+        </p:spPr>
+      </p:pic>
+      <p:sp>
+        <p:nvSpPr>
+          <p:cNvPr id="15" name="Rounded Rectangle 14">
+            <a:extLst>
+              <a:ext uri="{FF2B5EF4-FFF2-40B4-BE49-F238E27FC236}">
+                <a16:creationId xmlns:a16="http://schemas.microsoft.com/office/drawing/2014/main" id="{4025448C-2497-A444-B91D-4A0ECAE675A3}"/>
+              </a:ext>
+            </a:extLst>
+          </p:cNvPr>
+          <p:cNvSpPr/>
+          <p:nvPr/>
+        </p:nvSpPr>
+        <p:spPr>
+          <a:xfrm>
+            <a:off x="4530619" y="1796167"/>
+            <a:ext cx="2771041" cy="369332"/>
+          </a:xfrm>
+          <a:prstGeom prst="roundRect">
+            <a:avLst/>
+          </a:prstGeom>
+          <a:ln w="28575"/>
+        </p:spPr>
+        <p:style>
+          <a:lnRef idx="2">
+            <a:schemeClr val="accent2"/>
+          </a:lnRef>
+          <a:fillRef idx="1">
+            <a:schemeClr val="lt1"/>
+          </a:fillRef>
+          <a:effectRef idx="0">
+            <a:schemeClr val="accent2"/>
+          </a:effectRef>
+          <a:fontRef idx="minor">
+            <a:schemeClr val="dk1"/>
+          </a:fontRef>
+        </p:style>
+        <p:txBody>
+          <a:bodyPr rtlCol="0" anchor="ctr"/>
+          <a:lstStyle/>
+          <a:p>
+            <a:pPr algn="ctr"/>
+            <a:r>
+              <a:rPr lang="en-US" b="1" dirty="0"/>
+              <a:t>Web App</a:t>
+            </a:r>
+            <a:endParaRPr lang="en-JP" b="1" dirty="0"/>
+          </a:p>
+        </p:txBody>
+      </p:sp>
+      <p:sp>
+        <p:nvSpPr>
+          <p:cNvPr id="16" name="Rounded Rectangle 15">
+            <a:extLst>
+              <a:ext uri="{FF2B5EF4-FFF2-40B4-BE49-F238E27FC236}">
+                <a16:creationId xmlns:a16="http://schemas.microsoft.com/office/drawing/2014/main" id="{9AE2A4DD-D7C6-C646-BD0C-67BA42F81F99}"/>
+              </a:ext>
+            </a:extLst>
+          </p:cNvPr>
+          <p:cNvSpPr/>
+          <p:nvPr/>
+        </p:nvSpPr>
+        <p:spPr>
+          <a:xfrm>
+            <a:off x="4530619" y="2197773"/>
+            <a:ext cx="2771041" cy="369332"/>
+          </a:xfrm>
+          <a:prstGeom prst="roundRect">
+            <a:avLst/>
+          </a:prstGeom>
+          <a:ln w="28575"/>
+        </p:spPr>
+        <p:style>
+          <a:lnRef idx="2">
+            <a:schemeClr val="accent1"/>
+          </a:lnRef>
+          <a:fillRef idx="1">
+            <a:schemeClr val="lt1"/>
+          </a:fillRef>
+          <a:effectRef idx="0">
+            <a:schemeClr val="accent1"/>
+          </a:effectRef>
+          <a:fontRef idx="minor">
+            <a:schemeClr val="dk1"/>
+          </a:fontRef>
+        </p:style>
+        <p:txBody>
+          <a:bodyPr rtlCol="0" anchor="ctr"/>
+          <a:lstStyle/>
+          <a:p>
+            <a:pPr algn="ctr"/>
+            <a:r>
+              <a:rPr lang="en-US" b="1" dirty="0"/>
+              <a:t>Browser</a:t>
+            </a:r>
+            <a:endParaRPr lang="en-JP" b="1" dirty="0"/>
+          </a:p>
+        </p:txBody>
+      </p:sp>
+      <p:sp>
+        <p:nvSpPr>
+          <p:cNvPr id="17" name="Rounded Rectangle 16">
+            <a:extLst>
+              <a:ext uri="{FF2B5EF4-FFF2-40B4-BE49-F238E27FC236}">
+                <a16:creationId xmlns:a16="http://schemas.microsoft.com/office/drawing/2014/main" id="{F937C4EE-F5C7-0E4C-AAC9-21C10C7C89FA}"/>
+              </a:ext>
+            </a:extLst>
+          </p:cNvPr>
+          <p:cNvSpPr/>
+          <p:nvPr/>
+        </p:nvSpPr>
+        <p:spPr>
+          <a:xfrm>
+            <a:off x="4530619" y="626795"/>
+            <a:ext cx="2771041" cy="369332"/>
+          </a:xfrm>
+          <a:prstGeom prst="roundRect">
+            <a:avLst/>
+          </a:prstGeom>
+          <a:ln w="28575"/>
+        </p:spPr>
+        <p:style>
+          <a:lnRef idx="2">
+            <a:schemeClr val="dk1"/>
+          </a:lnRef>
+          <a:fillRef idx="1">
+            <a:schemeClr val="lt1"/>
+          </a:fillRef>
+          <a:effectRef idx="0">
+            <a:schemeClr val="dk1"/>
+          </a:effectRef>
+          <a:fontRef idx="minor">
+            <a:schemeClr val="dk1"/>
+          </a:fontRef>
+        </p:style>
+        <p:txBody>
+          <a:bodyPr rtlCol="0" anchor="ctr"/>
+          <a:lstStyle/>
+          <a:p>
+            <a:pPr algn="ctr"/>
+            <a:r>
+              <a:rPr lang="en-US" b="1" dirty="0"/>
+              <a:t>Relaying Party</a:t>
+            </a:r>
+            <a:r>
+              <a:rPr lang="ja-JP" altLang="en-US" b="1"/>
+              <a:t> </a:t>
+            </a:r>
+            <a:r>
+              <a:rPr lang="en-US" altLang="ja-JP" b="1" dirty="0"/>
+              <a:t>(RP)</a:t>
+            </a:r>
+            <a:endParaRPr lang="en-JP" b="1" dirty="0"/>
+          </a:p>
+        </p:txBody>
+      </p:sp>
+      <p:sp>
+        <p:nvSpPr>
+          <p:cNvPr id="19" name="TextBox 18">
+            <a:extLst>
+              <a:ext uri="{FF2B5EF4-FFF2-40B4-BE49-F238E27FC236}">
+                <a16:creationId xmlns:a16="http://schemas.microsoft.com/office/drawing/2014/main" id="{99C92D43-0182-8446-8A49-45167085A2CC}"/>
+              </a:ext>
+            </a:extLst>
+          </p:cNvPr>
+          <p:cNvSpPr txBox="1"/>
+          <p:nvPr/>
+        </p:nvSpPr>
+        <p:spPr>
+          <a:xfrm>
+            <a:off x="3944068" y="3615078"/>
+            <a:ext cx="1513748" cy="369332"/>
+          </a:xfrm>
+          <a:prstGeom prst="rect">
+            <a:avLst/>
+          </a:prstGeom>
+          <a:noFill/>
+        </p:spPr>
+        <p:txBody>
+          <a:bodyPr wrap="none" rtlCol="0">
+            <a:spAutoFit/>
+          </a:bodyPr>
+          <a:lstStyle/>
+          <a:p>
+            <a:r>
+              <a:rPr lang="en-JP" b="1" dirty="0"/>
+              <a:t>Authenticator</a:t>
+            </a:r>
+          </a:p>
+        </p:txBody>
+      </p:sp>
+      <p:sp>
+        <p:nvSpPr>
+          <p:cNvPr id="21" name="Line Callout 2 (Accent Bar) 20">
+            <a:extLst>
+              <a:ext uri="{FF2B5EF4-FFF2-40B4-BE49-F238E27FC236}">
+                <a16:creationId xmlns:a16="http://schemas.microsoft.com/office/drawing/2014/main" id="{A25B62AD-6871-CB4B-B712-F6D9FF908B04}"/>
+              </a:ext>
+            </a:extLst>
+          </p:cNvPr>
+          <p:cNvSpPr/>
+          <p:nvPr/>
+        </p:nvSpPr>
+        <p:spPr>
+          <a:xfrm>
+            <a:off x="7292887" y="159591"/>
+            <a:ext cx="2388198" cy="369332"/>
+          </a:xfrm>
+          <a:prstGeom prst="accentCallout2">
+            <a:avLst>
+              <a:gd name="adj1" fmla="val 20506"/>
+              <a:gd name="adj2" fmla="val 1577"/>
+              <a:gd name="adj3" fmla="val 21663"/>
+              <a:gd name="adj4" fmla="val -6757"/>
+              <a:gd name="adj5" fmla="val 132889"/>
+              <a:gd name="adj6" fmla="val -22793"/>
+            </a:avLst>
+          </a:prstGeom>
+          <a:noFill/>
+        </p:spPr>
+        <p:style>
+          <a:lnRef idx="2">
+            <a:schemeClr val="accent1">
+              <a:shade val="50000"/>
+            </a:schemeClr>
+          </a:lnRef>
+          <a:fillRef idx="1">
+            <a:schemeClr val="accent1"/>
+          </a:fillRef>
+          <a:effectRef idx="0">
+            <a:schemeClr val="accent1"/>
+          </a:effectRef>
+          <a:fontRef idx="minor">
+            <a:schemeClr val="lt1"/>
+          </a:fontRef>
+        </p:style>
+        <p:txBody>
+          <a:bodyPr rtlCol="0" anchor="ctr"/>
+          <a:lstStyle/>
+          <a:p>
+            <a:r>
+              <a:rPr lang="ja-JP" altLang="en-US" sz="1600">
+                <a:solidFill>
+                  <a:schemeClr val="tx1"/>
+                </a:solidFill>
+              </a:rPr>
+              <a:t>いわゆる認証サーバ</a:t>
+            </a:r>
+            <a:endParaRPr lang="en-JP" sz="1600" dirty="0">
+              <a:solidFill>
+                <a:schemeClr val="tx1"/>
+              </a:solidFill>
+            </a:endParaRPr>
+          </a:p>
+        </p:txBody>
+      </p:sp>
+      <p:sp>
+        <p:nvSpPr>
+          <p:cNvPr id="24" name="Line Callout 2 (Accent Bar) 23">
+            <a:extLst>
+              <a:ext uri="{FF2B5EF4-FFF2-40B4-BE49-F238E27FC236}">
+                <a16:creationId xmlns:a16="http://schemas.microsoft.com/office/drawing/2014/main" id="{30A6A29C-BABA-EE43-929D-51B337311690}"/>
+              </a:ext>
+            </a:extLst>
+          </p:cNvPr>
+          <p:cNvSpPr/>
+          <p:nvPr/>
+        </p:nvSpPr>
+        <p:spPr>
+          <a:xfrm>
+            <a:off x="7128921" y="3310029"/>
+            <a:ext cx="2388198" cy="369332"/>
+          </a:xfrm>
+          <a:prstGeom prst="accentCallout2">
+            <a:avLst>
+              <a:gd name="adj1" fmla="val 20506"/>
+              <a:gd name="adj2" fmla="val 1577"/>
+              <a:gd name="adj3" fmla="val 21663"/>
+              <a:gd name="adj4" fmla="val -6757"/>
+              <a:gd name="adj5" fmla="val 103762"/>
+              <a:gd name="adj6" fmla="val -42612"/>
+            </a:avLst>
+          </a:prstGeom>
+          <a:noFill/>
+        </p:spPr>
+        <p:style>
+          <a:lnRef idx="2">
+            <a:schemeClr val="accent1">
+              <a:shade val="50000"/>
+            </a:schemeClr>
+          </a:lnRef>
+          <a:fillRef idx="1">
+            <a:schemeClr val="accent1"/>
+          </a:fillRef>
+          <a:effectRef idx="0">
+            <a:schemeClr val="accent1"/>
+          </a:effectRef>
+          <a:fontRef idx="minor">
+            <a:schemeClr val="lt1"/>
+          </a:fontRef>
+        </p:style>
+        <p:txBody>
+          <a:bodyPr rtlCol="0" anchor="ctr"/>
+          <a:lstStyle/>
+          <a:p>
+            <a:r>
+              <a:rPr lang="ja-JP" altLang="en-US" sz="1600">
+                <a:solidFill>
+                  <a:schemeClr val="tx1"/>
+                </a:solidFill>
+              </a:rPr>
+              <a:t>内部</a:t>
+            </a:r>
+            <a:r>
+              <a:rPr lang="en-US" altLang="ja-JP" sz="1600" dirty="0">
+                <a:solidFill>
+                  <a:schemeClr val="tx1"/>
+                </a:solidFill>
+              </a:rPr>
+              <a:t>or</a:t>
+            </a:r>
+            <a:r>
+              <a:rPr lang="ja-JP" altLang="en-US" sz="1600">
+                <a:solidFill>
+                  <a:schemeClr val="tx1"/>
+                </a:solidFill>
+              </a:rPr>
+              <a:t>外部認証器</a:t>
+            </a:r>
+            <a:endParaRPr lang="en-JP" sz="1600" dirty="0">
+              <a:solidFill>
+                <a:schemeClr val="tx1"/>
+              </a:solidFill>
+            </a:endParaRPr>
+          </a:p>
+        </p:txBody>
+      </p:sp>
+      <p:cxnSp>
+        <p:nvCxnSpPr>
+          <p:cNvPr id="26" name="Straight Arrow Connector 25">
+            <a:extLst>
+              <a:ext uri="{FF2B5EF4-FFF2-40B4-BE49-F238E27FC236}">
+                <a16:creationId xmlns:a16="http://schemas.microsoft.com/office/drawing/2014/main" id="{D06D650B-AC34-664A-ABA0-FD0E4B513C23}"/>
+              </a:ext>
+            </a:extLst>
+          </p:cNvPr>
+          <p:cNvCxnSpPr/>
+          <p:nvPr/>
+        </p:nvCxnSpPr>
+        <p:spPr>
+          <a:xfrm>
+            <a:off x="5395933" y="2556348"/>
+            <a:ext cx="0" cy="778523"/>
+          </a:xfrm>
+          <a:prstGeom prst="straightConnector1">
+            <a:avLst/>
+          </a:prstGeom>
+          <a:ln w="28575">
+            <a:tailEnd type="triangle"/>
+          </a:ln>
+        </p:spPr>
+        <p:style>
+          <a:lnRef idx="1">
+            <a:schemeClr val="accent1"/>
+          </a:lnRef>
+          <a:fillRef idx="0">
+            <a:schemeClr val="accent1"/>
+          </a:fillRef>
+          <a:effectRef idx="0">
+            <a:schemeClr val="accent1"/>
+          </a:effectRef>
+          <a:fontRef idx="minor">
+            <a:schemeClr val="tx1"/>
+          </a:fontRef>
+        </p:style>
+      </p:cxnSp>
+      <p:cxnSp>
+        <p:nvCxnSpPr>
+          <p:cNvPr id="27" name="Straight Arrow Connector 26">
+            <a:extLst>
+              <a:ext uri="{FF2B5EF4-FFF2-40B4-BE49-F238E27FC236}">
+                <a16:creationId xmlns:a16="http://schemas.microsoft.com/office/drawing/2014/main" id="{B94D2508-49CF-3F42-8554-1C527E622574}"/>
+              </a:ext>
+            </a:extLst>
+          </p:cNvPr>
+          <p:cNvCxnSpPr>
+            <a:cxnSpLocks/>
+          </p:cNvCxnSpPr>
+          <p:nvPr/>
+        </p:nvCxnSpPr>
+        <p:spPr>
+          <a:xfrm flipV="1">
+            <a:off x="6360134" y="2556347"/>
+            <a:ext cx="0" cy="778524"/>
+          </a:xfrm>
+          <a:prstGeom prst="straightConnector1">
+            <a:avLst/>
+          </a:prstGeom>
+          <a:ln w="28575">
+            <a:tailEnd type="triangle"/>
+          </a:ln>
+        </p:spPr>
+        <p:style>
+          <a:lnRef idx="1">
+            <a:schemeClr val="accent1"/>
+          </a:lnRef>
+          <a:fillRef idx="0">
+            <a:schemeClr val="accent1"/>
+          </a:fillRef>
+          <a:effectRef idx="0">
+            <a:schemeClr val="accent1"/>
+          </a:effectRef>
+          <a:fontRef idx="minor">
+            <a:schemeClr val="tx1"/>
+          </a:fontRef>
+        </p:style>
+      </p:cxnSp>
+      <p:cxnSp>
+        <p:nvCxnSpPr>
+          <p:cNvPr id="30" name="Straight Arrow Connector 29">
+            <a:extLst>
+              <a:ext uri="{FF2B5EF4-FFF2-40B4-BE49-F238E27FC236}">
+                <a16:creationId xmlns:a16="http://schemas.microsoft.com/office/drawing/2014/main" id="{3C457037-A2E2-9244-A7BB-A6368A466CD0}"/>
+              </a:ext>
+            </a:extLst>
+          </p:cNvPr>
+          <p:cNvCxnSpPr/>
+          <p:nvPr/>
+        </p:nvCxnSpPr>
+        <p:spPr>
+          <a:xfrm>
+            <a:off x="5410848" y="1017644"/>
+            <a:ext cx="0" cy="778523"/>
+          </a:xfrm>
+          <a:prstGeom prst="straightConnector1">
+            <a:avLst/>
+          </a:prstGeom>
+          <a:ln w="28575">
+            <a:solidFill>
+              <a:schemeClr val="accent2"/>
+            </a:solidFill>
+            <a:tailEnd type="triangle"/>
+          </a:ln>
+        </p:spPr>
+        <p:style>
+          <a:lnRef idx="1">
+            <a:schemeClr val="accent1"/>
+          </a:lnRef>
+          <a:fillRef idx="0">
+            <a:schemeClr val="accent1"/>
+          </a:fillRef>
+          <a:effectRef idx="0">
+            <a:schemeClr val="accent1"/>
+          </a:effectRef>
+          <a:fontRef idx="minor">
+            <a:schemeClr val="tx1"/>
+          </a:fontRef>
+        </p:style>
+      </p:cxnSp>
+      <p:cxnSp>
+        <p:nvCxnSpPr>
+          <p:cNvPr id="31" name="Straight Arrow Connector 30">
+            <a:extLst>
+              <a:ext uri="{FF2B5EF4-FFF2-40B4-BE49-F238E27FC236}">
+                <a16:creationId xmlns:a16="http://schemas.microsoft.com/office/drawing/2014/main" id="{F6CE6DB4-17DF-5044-91B1-CD5CEAFEE478}"/>
+              </a:ext>
+            </a:extLst>
+          </p:cNvPr>
+          <p:cNvCxnSpPr>
+            <a:cxnSpLocks/>
+          </p:cNvCxnSpPr>
+          <p:nvPr/>
+        </p:nvCxnSpPr>
+        <p:spPr>
+          <a:xfrm flipV="1">
+            <a:off x="6375049" y="1017643"/>
+            <a:ext cx="0" cy="778524"/>
+          </a:xfrm>
+          <a:prstGeom prst="straightConnector1">
+            <a:avLst/>
+          </a:prstGeom>
+          <a:ln w="28575">
+            <a:solidFill>
+              <a:schemeClr val="accent2"/>
+            </a:solidFill>
+            <a:tailEnd type="triangle"/>
+          </a:ln>
+        </p:spPr>
+        <p:style>
+          <a:lnRef idx="1">
+            <a:schemeClr val="accent1"/>
+          </a:lnRef>
+          <a:fillRef idx="0">
+            <a:schemeClr val="accent1"/>
+          </a:fillRef>
+          <a:effectRef idx="0">
+            <a:schemeClr val="accent1"/>
+          </a:effectRef>
+          <a:fontRef idx="minor">
+            <a:schemeClr val="tx1"/>
+          </a:fontRef>
+        </p:style>
+      </p:cxnSp>
+      <p:sp>
+        <p:nvSpPr>
+          <p:cNvPr id="32" name="Left Brace 31">
+            <a:extLst>
+              <a:ext uri="{FF2B5EF4-FFF2-40B4-BE49-F238E27FC236}">
+                <a16:creationId xmlns:a16="http://schemas.microsoft.com/office/drawing/2014/main" id="{1E9F1046-623D-EE43-9C15-3193AB27C2BD}"/>
+              </a:ext>
+            </a:extLst>
+          </p:cNvPr>
+          <p:cNvSpPr/>
+          <p:nvPr/>
+        </p:nvSpPr>
+        <p:spPr>
+          <a:xfrm>
+            <a:off x="7336722" y="1980833"/>
+            <a:ext cx="333475" cy="401606"/>
+          </a:xfrm>
+          <a:prstGeom prst="leftBrace">
+            <a:avLst/>
+          </a:prstGeom>
+          <a:ln w="28575">
+            <a:solidFill>
+              <a:srgbClr val="FF0000"/>
+            </a:solidFill>
+          </a:ln>
+        </p:spPr>
+        <p:style>
+          <a:lnRef idx="1">
+            <a:schemeClr val="accent1"/>
+          </a:lnRef>
+          <a:fillRef idx="0">
+            <a:schemeClr val="accent1"/>
+          </a:fillRef>
+          <a:effectRef idx="0">
+            <a:schemeClr val="accent1"/>
+          </a:effectRef>
+          <a:fontRef idx="minor">
+            <a:schemeClr val="tx1"/>
+          </a:fontRef>
+        </p:style>
+        <p:txBody>
+          <a:bodyPr rtlCol="0" anchor="ctr"/>
+          <a:lstStyle/>
+          <a:p>
+            <a:pPr algn="ctr"/>
+            <a:endParaRPr lang="en-JP" dirty="0"/>
+          </a:p>
+        </p:txBody>
+      </p:sp>
+      <p:sp>
+        <p:nvSpPr>
+          <p:cNvPr id="33" name="TextBox 32">
+            <a:extLst>
+              <a:ext uri="{FF2B5EF4-FFF2-40B4-BE49-F238E27FC236}">
+                <a16:creationId xmlns:a16="http://schemas.microsoft.com/office/drawing/2014/main" id="{7D5866FB-8FC9-1140-9644-BAF710219278}"/>
+              </a:ext>
+            </a:extLst>
+          </p:cNvPr>
+          <p:cNvSpPr txBox="1"/>
+          <p:nvPr/>
+        </p:nvSpPr>
+        <p:spPr>
+          <a:xfrm>
+            <a:off x="7503459" y="1996970"/>
+            <a:ext cx="3648371" cy="369332"/>
+          </a:xfrm>
+          <a:prstGeom prst="rect">
+            <a:avLst/>
+          </a:prstGeom>
+          <a:noFill/>
+        </p:spPr>
+        <p:txBody>
+          <a:bodyPr wrap="none" rtlCol="0">
+            <a:spAutoFit/>
+          </a:bodyPr>
+          <a:lstStyle/>
+          <a:p>
+            <a:r>
+              <a:rPr lang="ja-JP" altLang="en-US">
+                <a:solidFill>
+                  <a:srgbClr val="FF0000"/>
+                </a:solidFill>
+              </a:rPr>
+              <a:t>この間を</a:t>
+            </a:r>
+            <a:r>
+              <a:rPr lang="en-US" altLang="ja-JP" dirty="0" err="1">
+                <a:solidFill>
+                  <a:srgbClr val="FF0000"/>
+                </a:solidFill>
+              </a:rPr>
+              <a:t>WebAuthn</a:t>
+            </a:r>
+            <a:r>
+              <a:rPr lang="en-US" altLang="ja-JP" dirty="0">
+                <a:solidFill>
+                  <a:srgbClr val="FF0000"/>
+                </a:solidFill>
+              </a:rPr>
+              <a:t> </a:t>
+            </a:r>
+            <a:r>
+              <a:rPr lang="en-US" altLang="ja-JP" dirty="0" err="1">
+                <a:solidFill>
+                  <a:srgbClr val="FF0000"/>
+                </a:solidFill>
+              </a:rPr>
+              <a:t>WebAPI</a:t>
+            </a:r>
+            <a:r>
+              <a:rPr lang="ja-JP" altLang="en-US">
+                <a:solidFill>
+                  <a:srgbClr val="FF0000"/>
+                </a:solidFill>
+              </a:rPr>
+              <a:t>が繋ぐ</a:t>
+            </a:r>
+            <a:endParaRPr lang="en-JP" dirty="0">
+              <a:solidFill>
+                <a:srgbClr val="FF0000"/>
+              </a:solidFill>
+            </a:endParaRPr>
+          </a:p>
+        </p:txBody>
+      </p:sp>
+      <p:sp>
+        <p:nvSpPr>
+          <p:cNvPr id="34" name="TextBox 33">
+            <a:extLst>
+              <a:ext uri="{FF2B5EF4-FFF2-40B4-BE49-F238E27FC236}">
+                <a16:creationId xmlns:a16="http://schemas.microsoft.com/office/drawing/2014/main" id="{1DDA840F-5FB3-DF42-B179-2C833D1D5F7B}"/>
+              </a:ext>
+            </a:extLst>
+          </p:cNvPr>
+          <p:cNvSpPr txBox="1"/>
+          <p:nvPr/>
+        </p:nvSpPr>
+        <p:spPr>
+          <a:xfrm>
+            <a:off x="4134050" y="1223610"/>
+            <a:ext cx="1261884" cy="276999"/>
+          </a:xfrm>
+          <a:prstGeom prst="rect">
+            <a:avLst/>
+          </a:prstGeom>
+          <a:noFill/>
+        </p:spPr>
+        <p:txBody>
+          <a:bodyPr wrap="none" rtlCol="0">
+            <a:spAutoFit/>
+          </a:bodyPr>
+          <a:lstStyle/>
+          <a:p>
+            <a:r>
+              <a:rPr lang="ja-JP" altLang="en-US" sz="1200"/>
+              <a:t>登録・認証要求</a:t>
+            </a:r>
+            <a:endParaRPr lang="en-JP" sz="1200" dirty="0"/>
+          </a:p>
+        </p:txBody>
+      </p:sp>
+      <p:sp>
+        <p:nvSpPr>
+          <p:cNvPr id="35" name="TextBox 34">
+            <a:extLst>
+              <a:ext uri="{FF2B5EF4-FFF2-40B4-BE49-F238E27FC236}">
+                <a16:creationId xmlns:a16="http://schemas.microsoft.com/office/drawing/2014/main" id="{735B5F0A-F058-5A4C-AD31-309F47451A0B}"/>
+              </a:ext>
+            </a:extLst>
+          </p:cNvPr>
+          <p:cNvSpPr txBox="1"/>
+          <p:nvPr/>
+        </p:nvSpPr>
+        <p:spPr>
+          <a:xfrm>
+            <a:off x="6375049" y="1208647"/>
+            <a:ext cx="1261884" cy="276999"/>
+          </a:xfrm>
+          <a:prstGeom prst="rect">
+            <a:avLst/>
+          </a:prstGeom>
+          <a:noFill/>
+        </p:spPr>
+        <p:txBody>
+          <a:bodyPr wrap="none" rtlCol="0">
+            <a:spAutoFit/>
+          </a:bodyPr>
+          <a:lstStyle/>
+          <a:p>
+            <a:r>
+              <a:rPr lang="ja-JP" altLang="en-US" sz="1200"/>
+              <a:t>登録・認証応答</a:t>
+            </a:r>
+            <a:endParaRPr lang="en-JP" sz="1200" dirty="0"/>
+          </a:p>
+        </p:txBody>
+      </p:sp>
+      <p:sp>
+        <p:nvSpPr>
+          <p:cNvPr id="36" name="TextBox 35">
+            <a:extLst>
+              <a:ext uri="{FF2B5EF4-FFF2-40B4-BE49-F238E27FC236}">
+                <a16:creationId xmlns:a16="http://schemas.microsoft.com/office/drawing/2014/main" id="{19353BCC-041C-F243-8186-255D5F552873}"/>
+              </a:ext>
+            </a:extLst>
+          </p:cNvPr>
+          <p:cNvSpPr txBox="1"/>
+          <p:nvPr/>
+        </p:nvSpPr>
+        <p:spPr>
+          <a:xfrm>
+            <a:off x="4230223" y="2659004"/>
+            <a:ext cx="1107996" cy="461665"/>
+          </a:xfrm>
+          <a:prstGeom prst="rect">
+            <a:avLst/>
+          </a:prstGeom>
+          <a:noFill/>
+        </p:spPr>
+        <p:txBody>
+          <a:bodyPr wrap="none" rtlCol="0">
+            <a:spAutoFit/>
+          </a:bodyPr>
+          <a:lstStyle/>
+          <a:p>
+            <a:r>
+              <a:rPr lang="ja-JP" altLang="en-US" sz="1200"/>
+              <a:t>証明書取得・</a:t>
+            </a:r>
+            <a:endParaRPr lang="en-US" altLang="ja-JP" sz="1200" dirty="0"/>
+          </a:p>
+          <a:p>
+            <a:r>
+              <a:rPr lang="ja-JP" altLang="en-US" sz="1200"/>
+              <a:t>署名生成要求</a:t>
+            </a:r>
+            <a:endParaRPr lang="en-JP" sz="1200" dirty="0"/>
+          </a:p>
+        </p:txBody>
+      </p:sp>
+      <p:sp>
+        <p:nvSpPr>
+          <p:cNvPr id="38" name="TextBox 37">
+            <a:extLst>
+              <a:ext uri="{FF2B5EF4-FFF2-40B4-BE49-F238E27FC236}">
+                <a16:creationId xmlns:a16="http://schemas.microsoft.com/office/drawing/2014/main" id="{2506FFA0-3E93-974B-83F8-0198D01D3EE9}"/>
+              </a:ext>
+            </a:extLst>
+          </p:cNvPr>
+          <p:cNvSpPr txBox="1"/>
+          <p:nvPr/>
+        </p:nvSpPr>
+        <p:spPr>
+          <a:xfrm>
+            <a:off x="6408313" y="2664927"/>
+            <a:ext cx="1107996" cy="461665"/>
+          </a:xfrm>
+          <a:prstGeom prst="rect">
+            <a:avLst/>
+          </a:prstGeom>
+          <a:noFill/>
+        </p:spPr>
+        <p:txBody>
+          <a:bodyPr wrap="none" rtlCol="0">
+            <a:spAutoFit/>
+          </a:bodyPr>
+          <a:lstStyle/>
+          <a:p>
+            <a:r>
+              <a:rPr lang="ja-JP" altLang="en-US" sz="1200"/>
+              <a:t>証明書取得・</a:t>
+            </a:r>
+            <a:endParaRPr lang="en-US" altLang="ja-JP" sz="1200" dirty="0"/>
+          </a:p>
+          <a:p>
+            <a:r>
+              <a:rPr lang="ja-JP" altLang="en-US" sz="1200"/>
+              <a:t>署名生成応答</a:t>
+            </a:r>
+            <a:endParaRPr lang="en-JP" sz="1200" dirty="0"/>
+          </a:p>
+        </p:txBody>
+      </p:sp>
+      <p:sp>
+        <p:nvSpPr>
+          <p:cNvPr id="39" name="Left Brace 38">
+            <a:extLst>
+              <a:ext uri="{FF2B5EF4-FFF2-40B4-BE49-F238E27FC236}">
+                <a16:creationId xmlns:a16="http://schemas.microsoft.com/office/drawing/2014/main" id="{B046B42F-C276-3349-92D7-EED77AD0F29F}"/>
+              </a:ext>
+            </a:extLst>
+          </p:cNvPr>
+          <p:cNvSpPr/>
+          <p:nvPr/>
+        </p:nvSpPr>
+        <p:spPr>
+          <a:xfrm>
+            <a:off x="4016183" y="1805961"/>
+            <a:ext cx="414425" cy="778524"/>
+          </a:xfrm>
+          <a:prstGeom prst="leftBrace">
+            <a:avLst/>
+          </a:prstGeom>
+        </p:spPr>
+        <p:style>
+          <a:lnRef idx="1">
+            <a:schemeClr val="accent1"/>
+          </a:lnRef>
+          <a:fillRef idx="0">
+            <a:schemeClr val="accent1"/>
+          </a:fillRef>
+          <a:effectRef idx="0">
+            <a:schemeClr val="accent1"/>
+          </a:effectRef>
+          <a:fontRef idx="minor">
+            <a:schemeClr val="tx1"/>
+          </a:fontRef>
+        </p:style>
+        <p:txBody>
+          <a:bodyPr rtlCol="0" anchor="ctr"/>
+          <a:lstStyle/>
+          <a:p>
+            <a:pPr algn="ctr"/>
+            <a:endParaRPr lang="en-JP"/>
+          </a:p>
+        </p:txBody>
+      </p:sp>
+      <p:sp>
+        <p:nvSpPr>
+          <p:cNvPr id="40" name="TextBox 39">
+            <a:extLst>
+              <a:ext uri="{FF2B5EF4-FFF2-40B4-BE49-F238E27FC236}">
+                <a16:creationId xmlns:a16="http://schemas.microsoft.com/office/drawing/2014/main" id="{66CCF75A-4BF2-354E-83BC-7375305F9C69}"/>
+              </a:ext>
+            </a:extLst>
+          </p:cNvPr>
+          <p:cNvSpPr txBox="1"/>
+          <p:nvPr/>
+        </p:nvSpPr>
+        <p:spPr>
+          <a:xfrm>
+            <a:off x="3939768" y="629908"/>
+            <a:ext cx="490840" cy="369332"/>
+          </a:xfrm>
+          <a:prstGeom prst="rect">
+            <a:avLst/>
+          </a:prstGeom>
+          <a:noFill/>
+        </p:spPr>
+        <p:txBody>
+          <a:bodyPr wrap="none" rtlCol="0">
+            <a:spAutoFit/>
+          </a:bodyPr>
+          <a:lstStyle/>
+          <a:p>
+            <a:r>
+              <a:rPr lang="en-JP" b="1" dirty="0"/>
+              <a:t>①</a:t>
+            </a:r>
+          </a:p>
+        </p:txBody>
+      </p:sp>
+      <p:sp>
+        <p:nvSpPr>
+          <p:cNvPr id="41" name="TextBox 40">
+            <a:extLst>
+              <a:ext uri="{FF2B5EF4-FFF2-40B4-BE49-F238E27FC236}">
+                <a16:creationId xmlns:a16="http://schemas.microsoft.com/office/drawing/2014/main" id="{49E13FF4-B5A5-1849-B681-A2B60658F1FB}"/>
+              </a:ext>
+            </a:extLst>
+          </p:cNvPr>
+          <p:cNvSpPr txBox="1"/>
+          <p:nvPr/>
+        </p:nvSpPr>
+        <p:spPr>
+          <a:xfrm>
+            <a:off x="3609669" y="2030402"/>
+            <a:ext cx="490840" cy="369332"/>
+          </a:xfrm>
+          <a:prstGeom prst="rect">
+            <a:avLst/>
+          </a:prstGeom>
+          <a:noFill/>
+        </p:spPr>
+        <p:txBody>
+          <a:bodyPr wrap="none" rtlCol="0">
+            <a:spAutoFit/>
+          </a:bodyPr>
+          <a:lstStyle/>
+          <a:p>
+            <a:r>
+              <a:rPr lang="en-JP" b="1" dirty="0"/>
+              <a:t>②</a:t>
+            </a:r>
+          </a:p>
+        </p:txBody>
+      </p:sp>
+      <p:sp>
+        <p:nvSpPr>
+          <p:cNvPr id="42" name="TextBox 41">
+            <a:extLst>
+              <a:ext uri="{FF2B5EF4-FFF2-40B4-BE49-F238E27FC236}">
+                <a16:creationId xmlns:a16="http://schemas.microsoft.com/office/drawing/2014/main" id="{E138BE85-F163-4943-9BFE-F2935A87BC33}"/>
+              </a:ext>
+            </a:extLst>
+          </p:cNvPr>
+          <p:cNvSpPr txBox="1"/>
+          <p:nvPr/>
+        </p:nvSpPr>
+        <p:spPr>
+          <a:xfrm>
+            <a:off x="3609669" y="3629048"/>
+            <a:ext cx="490840" cy="369332"/>
+          </a:xfrm>
+          <a:prstGeom prst="rect">
+            <a:avLst/>
+          </a:prstGeom>
+          <a:noFill/>
+        </p:spPr>
+        <p:txBody>
+          <a:bodyPr wrap="none" rtlCol="0">
+            <a:spAutoFit/>
+          </a:bodyPr>
+          <a:lstStyle/>
+          <a:p>
+            <a:r>
+              <a:rPr lang="en-JP" b="1" dirty="0"/>
+              <a:t>③</a:t>
+            </a:r>
+          </a:p>
+        </p:txBody>
+      </p:sp>
+      <p:pic>
+        <p:nvPicPr>
+          <p:cNvPr id="48" name="Picture 47">
+            <a:extLst>
+              <a:ext uri="{FF2B5EF4-FFF2-40B4-BE49-F238E27FC236}">
+                <a16:creationId xmlns:a16="http://schemas.microsoft.com/office/drawing/2014/main" id="{32CA28EF-623D-3549-A0DC-DC8BFED6868F}"/>
+              </a:ext>
+            </a:extLst>
+          </p:cNvPr>
+          <p:cNvPicPr>
+            <a:picLocks noChangeAspect="1"/>
+          </p:cNvPicPr>
+          <p:nvPr/>
+        </p:nvPicPr>
+        <p:blipFill>
+          <a:blip r:embed="rId3"/>
+          <a:stretch>
+            <a:fillRect/>
+          </a:stretch>
+        </p:blipFill>
+        <p:spPr>
+          <a:xfrm>
+            <a:off x="6408313" y="3837259"/>
+            <a:ext cx="577013" cy="720957"/>
+          </a:xfrm>
+          <a:prstGeom prst="rect">
+            <a:avLst/>
+          </a:prstGeom>
+        </p:spPr>
+      </p:pic>
+      <p:pic>
+        <p:nvPicPr>
+          <p:cNvPr id="50" name="Picture 49">
+            <a:extLst>
+              <a:ext uri="{FF2B5EF4-FFF2-40B4-BE49-F238E27FC236}">
+                <a16:creationId xmlns:a16="http://schemas.microsoft.com/office/drawing/2014/main" id="{426929A8-C05E-7E4A-8B84-603C54AB1B98}"/>
+              </a:ext>
+            </a:extLst>
+          </p:cNvPr>
+          <p:cNvPicPr>
+            <a:picLocks noChangeAspect="1"/>
+          </p:cNvPicPr>
+          <p:nvPr/>
+        </p:nvPicPr>
+        <p:blipFill>
+          <a:blip r:embed="rId4"/>
+          <a:stretch>
+            <a:fillRect/>
+          </a:stretch>
+        </p:blipFill>
+        <p:spPr>
+          <a:xfrm>
+            <a:off x="5894053" y="4027231"/>
+            <a:ext cx="365725" cy="369332"/>
+          </a:xfrm>
+          <a:prstGeom prst="rect">
+            <a:avLst/>
+          </a:prstGeom>
+        </p:spPr>
+      </p:pic>
+      <p:pic>
+        <p:nvPicPr>
+          <p:cNvPr id="52" name="Picture 51">
+            <a:extLst>
+              <a:ext uri="{FF2B5EF4-FFF2-40B4-BE49-F238E27FC236}">
+                <a16:creationId xmlns:a16="http://schemas.microsoft.com/office/drawing/2014/main" id="{68D8BDDE-1DB9-D044-83E4-F0C824126B32}"/>
+              </a:ext>
+            </a:extLst>
+          </p:cNvPr>
+          <p:cNvPicPr>
+            <a:picLocks noChangeAspect="1"/>
+          </p:cNvPicPr>
+          <p:nvPr/>
+        </p:nvPicPr>
+        <p:blipFill>
+          <a:blip r:embed="rId5"/>
+          <a:stretch>
+            <a:fillRect/>
+          </a:stretch>
+        </p:blipFill>
+        <p:spPr>
+          <a:xfrm>
+            <a:off x="6514830" y="4025235"/>
+            <a:ext cx="363978" cy="363978"/>
+          </a:xfrm>
+          <a:prstGeom prst="rect">
+            <a:avLst/>
+          </a:prstGeom>
+        </p:spPr>
+      </p:pic>
+      <p:sp>
+        <p:nvSpPr>
+          <p:cNvPr id="53" name="Left Brace 52">
+            <a:extLst>
+              <a:ext uri="{FF2B5EF4-FFF2-40B4-BE49-F238E27FC236}">
+                <a16:creationId xmlns:a16="http://schemas.microsoft.com/office/drawing/2014/main" id="{C36F312A-49B0-0247-8889-0072B9A2B18F}"/>
+              </a:ext>
+            </a:extLst>
+          </p:cNvPr>
+          <p:cNvSpPr/>
+          <p:nvPr/>
+        </p:nvSpPr>
+        <p:spPr>
+          <a:xfrm rot="16200000">
+            <a:off x="6287046" y="4056684"/>
+            <a:ext cx="288507" cy="1166936"/>
+          </a:xfrm>
+          <a:prstGeom prst="leftBrace">
+            <a:avLst>
+              <a:gd name="adj1" fmla="val 30705"/>
+              <a:gd name="adj2" fmla="val 50000"/>
+            </a:avLst>
+          </a:prstGeom>
+        </p:spPr>
+        <p:style>
+          <a:lnRef idx="1">
+            <a:schemeClr val="accent1"/>
+          </a:lnRef>
+          <a:fillRef idx="0">
+            <a:schemeClr val="accent1"/>
+          </a:fillRef>
+          <a:effectRef idx="0">
+            <a:schemeClr val="accent1"/>
+          </a:effectRef>
+          <a:fontRef idx="minor">
+            <a:schemeClr val="tx1"/>
+          </a:fontRef>
+        </p:style>
+        <p:txBody>
+          <a:bodyPr rtlCol="0" anchor="ctr"/>
+          <a:lstStyle/>
+          <a:p>
+            <a:pPr algn="ctr"/>
+            <a:endParaRPr lang="en-JP" dirty="0"/>
+          </a:p>
+        </p:txBody>
+      </p:sp>
+      <p:sp>
+        <p:nvSpPr>
+          <p:cNvPr id="54" name="TextBox 53">
+            <a:extLst>
+              <a:ext uri="{FF2B5EF4-FFF2-40B4-BE49-F238E27FC236}">
+                <a16:creationId xmlns:a16="http://schemas.microsoft.com/office/drawing/2014/main" id="{0D0D4A68-177E-184E-8AD0-672D83CAAF03}"/>
+              </a:ext>
+            </a:extLst>
+          </p:cNvPr>
+          <p:cNvSpPr txBox="1"/>
+          <p:nvPr/>
+        </p:nvSpPr>
+        <p:spPr>
+          <a:xfrm>
+            <a:off x="5650371" y="4675955"/>
+            <a:ext cx="1615442" cy="307777"/>
+          </a:xfrm>
+          <a:prstGeom prst="rect">
+            <a:avLst/>
+          </a:prstGeom>
+          <a:noFill/>
+        </p:spPr>
+        <p:txBody>
+          <a:bodyPr wrap="none" rtlCol="0">
+            <a:spAutoFit/>
+          </a:bodyPr>
+          <a:lstStyle/>
+          <a:p>
+            <a:pPr algn="ctr"/>
+            <a:r>
+              <a:rPr lang="en-JP" sz="1400" dirty="0"/>
+              <a:t>Attestation Key Pair</a:t>
+            </a:r>
+          </a:p>
+        </p:txBody>
+      </p:sp>
+      <p:sp>
+        <p:nvSpPr>
+          <p:cNvPr id="55" name="Line Callout 2 (Accent Bar) 54">
+            <a:extLst>
+              <a:ext uri="{FF2B5EF4-FFF2-40B4-BE49-F238E27FC236}">
+                <a16:creationId xmlns:a16="http://schemas.microsoft.com/office/drawing/2014/main" id="{4A1C439C-695D-684C-B9B0-26858A24D64D}"/>
+              </a:ext>
+            </a:extLst>
+          </p:cNvPr>
+          <p:cNvSpPr/>
+          <p:nvPr/>
+        </p:nvSpPr>
+        <p:spPr>
+          <a:xfrm>
+            <a:off x="7301660" y="3886120"/>
+            <a:ext cx="4207038" cy="388229"/>
+          </a:xfrm>
+          <a:prstGeom prst="accentCallout2">
+            <a:avLst>
+              <a:gd name="adj1" fmla="val 21891"/>
+              <a:gd name="adj2" fmla="val 43"/>
+              <a:gd name="adj3" fmla="val 21663"/>
+              <a:gd name="adj4" fmla="val -3177"/>
+              <a:gd name="adj5" fmla="val 93662"/>
+              <a:gd name="adj6" fmla="val -9829"/>
+            </a:avLst>
+          </a:prstGeom>
+          <a:noFill/>
+        </p:spPr>
+        <p:style>
+          <a:lnRef idx="2">
+            <a:schemeClr val="accent1">
+              <a:shade val="50000"/>
+            </a:schemeClr>
+          </a:lnRef>
+          <a:fillRef idx="1">
+            <a:schemeClr val="accent1"/>
+          </a:fillRef>
+          <a:effectRef idx="0">
+            <a:schemeClr val="accent1"/>
+          </a:effectRef>
+          <a:fontRef idx="minor">
+            <a:schemeClr val="lt1"/>
+          </a:fontRef>
+        </p:style>
+        <p:txBody>
+          <a:bodyPr rtlCol="0" anchor="ctr"/>
+          <a:lstStyle/>
+          <a:p>
+            <a:r>
+              <a:rPr lang="en-JP" sz="1400" dirty="0">
+                <a:solidFill>
+                  <a:srgbClr val="FF0000"/>
+                </a:solidFill>
+              </a:rPr>
+              <a:t>FIDO</a:t>
+            </a:r>
+            <a:r>
+              <a:rPr lang="ja-JP" altLang="en-US" sz="1400">
+                <a:solidFill>
+                  <a:srgbClr val="FF0000"/>
+                </a:solidFill>
+              </a:rPr>
+              <a:t>認証ベンダに署名された</a:t>
+            </a:r>
+            <a:r>
+              <a:rPr lang="en-JP" sz="1400" dirty="0">
+                <a:solidFill>
+                  <a:srgbClr val="FF0000"/>
+                </a:solidFill>
+              </a:rPr>
+              <a:t>Attestation Certificate</a:t>
+            </a:r>
+          </a:p>
+          <a:p>
+            <a:r>
+              <a:rPr lang="en-JP" sz="1400" dirty="0">
+                <a:solidFill>
+                  <a:schemeClr val="tx1"/>
+                </a:solidFill>
+              </a:rPr>
+              <a:t> (incl. Attestation Public Key)</a:t>
+            </a:r>
+          </a:p>
+        </p:txBody>
+      </p:sp>
+      <p:pic>
+        <p:nvPicPr>
+          <p:cNvPr id="57" name="Picture 56">
+            <a:extLst>
+              <a:ext uri="{FF2B5EF4-FFF2-40B4-BE49-F238E27FC236}">
+                <a16:creationId xmlns:a16="http://schemas.microsoft.com/office/drawing/2014/main" id="{9B2216E8-EF08-8243-8456-D9F0B80D8CC7}"/>
+              </a:ext>
+            </a:extLst>
+          </p:cNvPr>
+          <p:cNvPicPr>
+            <a:picLocks noChangeAspect="1"/>
+          </p:cNvPicPr>
+          <p:nvPr/>
+        </p:nvPicPr>
+        <p:blipFill>
+          <a:blip r:embed="rId6"/>
+          <a:stretch>
+            <a:fillRect/>
+          </a:stretch>
+        </p:blipFill>
+        <p:spPr>
+          <a:xfrm>
+            <a:off x="7292887" y="589864"/>
+            <a:ext cx="439705" cy="439705"/>
+          </a:xfrm>
+          <a:prstGeom prst="rect">
+            <a:avLst/>
+          </a:prstGeom>
+        </p:spPr>
+      </p:pic>
+      <p:sp>
+        <p:nvSpPr>
+          <p:cNvPr id="58" name="Line Callout 2 (Accent Bar) 57">
+            <a:extLst>
+              <a:ext uri="{FF2B5EF4-FFF2-40B4-BE49-F238E27FC236}">
+                <a16:creationId xmlns:a16="http://schemas.microsoft.com/office/drawing/2014/main" id="{C1A60DA1-3EEF-8A4A-8EBE-4597178F55F3}"/>
+              </a:ext>
+            </a:extLst>
+          </p:cNvPr>
+          <p:cNvSpPr/>
+          <p:nvPr/>
+        </p:nvSpPr>
+        <p:spPr>
+          <a:xfrm>
+            <a:off x="7989598" y="532495"/>
+            <a:ext cx="3262901" cy="476973"/>
+          </a:xfrm>
+          <a:prstGeom prst="accentCallout2">
+            <a:avLst>
+              <a:gd name="adj1" fmla="val 20506"/>
+              <a:gd name="adj2" fmla="val 1577"/>
+              <a:gd name="adj3" fmla="val 17152"/>
+              <a:gd name="adj4" fmla="val -4119"/>
+              <a:gd name="adj5" fmla="val 58189"/>
+              <a:gd name="adj6" fmla="val -13584"/>
+            </a:avLst>
+          </a:prstGeom>
+          <a:noFill/>
+        </p:spPr>
+        <p:style>
+          <a:lnRef idx="2">
+            <a:schemeClr val="accent1">
+              <a:shade val="50000"/>
+            </a:schemeClr>
+          </a:lnRef>
+          <a:fillRef idx="1">
+            <a:schemeClr val="accent1"/>
+          </a:fillRef>
+          <a:effectRef idx="0">
+            <a:schemeClr val="accent1"/>
+          </a:effectRef>
+          <a:fontRef idx="minor">
+            <a:schemeClr val="lt1"/>
+          </a:fontRef>
+        </p:style>
+        <p:txBody>
+          <a:bodyPr rtlCol="0" anchor="ctr"/>
+          <a:lstStyle/>
+          <a:p>
+            <a:r>
+              <a:rPr lang="en-US" altLang="ja-JP" sz="1400" dirty="0">
+                <a:solidFill>
+                  <a:schemeClr val="tx1"/>
+                </a:solidFill>
+              </a:rPr>
+              <a:t>Attestation Certificate</a:t>
+            </a:r>
+            <a:r>
+              <a:rPr lang="ja-JP" altLang="en-US" sz="1400">
+                <a:solidFill>
+                  <a:schemeClr val="tx1"/>
+                </a:solidFill>
+              </a:rPr>
+              <a:t>を検証できる、</a:t>
+            </a:r>
+            <a:r>
+              <a:rPr lang="en-US" altLang="ja-JP" sz="1400" dirty="0">
+                <a:solidFill>
+                  <a:schemeClr val="tx1"/>
+                </a:solidFill>
+              </a:rPr>
+              <a:t>FIDO</a:t>
+            </a:r>
+            <a:r>
+              <a:rPr lang="ja-JP" altLang="en-US" sz="1400">
+                <a:solidFill>
+                  <a:schemeClr val="tx1"/>
+                </a:solidFill>
+              </a:rPr>
+              <a:t>認証ベンダから配布された公開鍵</a:t>
+            </a:r>
+            <a:endParaRPr lang="en-JP" sz="1400" dirty="0">
+              <a:solidFill>
+                <a:schemeClr val="tx1"/>
+              </a:solidFill>
+            </a:endParaRPr>
+          </a:p>
+        </p:txBody>
+      </p:sp>
     </p:spTree>
     <p:extLst>
       <p:ext uri="{BB962C8B-B14F-4D97-AF65-F5344CB8AC3E}">

--- a/slides/Figs/figures.pptx
+++ b/slides/Figs/figures.pptx
@@ -13,6 +13,7 @@
     <p:sldId id="262" r:id="rId7"/>
     <p:sldId id="261" r:id="rId8"/>
     <p:sldId id="263" r:id="rId9"/>
+    <p:sldId id="264" r:id="rId10"/>
   </p:sldIdLst>
   <p:sldSz cx="12192000" cy="6858000"/>
   <p:notesSz cx="6858000" cy="9144000"/>
@@ -268,7 +269,7 @@
           <a:p>
             <a:fld id="{12806DCE-DF2A-A444-87A0-6650BF1B98E4}" type="datetimeFigureOut">
               <a:rPr lang="en-JP" smtClean="0"/>
-              <a:t>2020/04/29</a:t>
+              <a:t>2020/04/30</a:t>
             </a:fld>
             <a:endParaRPr lang="en-JP"/>
           </a:p>
@@ -468,7 +469,7 @@
           <a:p>
             <a:fld id="{12806DCE-DF2A-A444-87A0-6650BF1B98E4}" type="datetimeFigureOut">
               <a:rPr lang="en-JP" smtClean="0"/>
-              <a:t>2020/04/29</a:t>
+              <a:t>2020/04/30</a:t>
             </a:fld>
             <a:endParaRPr lang="en-JP"/>
           </a:p>
@@ -678,7 +679,7 @@
           <a:p>
             <a:fld id="{12806DCE-DF2A-A444-87A0-6650BF1B98E4}" type="datetimeFigureOut">
               <a:rPr lang="en-JP" smtClean="0"/>
-              <a:t>2020/04/29</a:t>
+              <a:t>2020/04/30</a:t>
             </a:fld>
             <a:endParaRPr lang="en-JP"/>
           </a:p>
@@ -878,7 +879,7 @@
           <a:p>
             <a:fld id="{12806DCE-DF2A-A444-87A0-6650BF1B98E4}" type="datetimeFigureOut">
               <a:rPr lang="en-JP" smtClean="0"/>
-              <a:t>2020/04/29</a:t>
+              <a:t>2020/04/30</a:t>
             </a:fld>
             <a:endParaRPr lang="en-JP"/>
           </a:p>
@@ -1154,7 +1155,7 @@
           <a:p>
             <a:fld id="{12806DCE-DF2A-A444-87A0-6650BF1B98E4}" type="datetimeFigureOut">
               <a:rPr lang="en-JP" smtClean="0"/>
-              <a:t>2020/04/29</a:t>
+              <a:t>2020/04/30</a:t>
             </a:fld>
             <a:endParaRPr lang="en-JP"/>
           </a:p>
@@ -1422,7 +1423,7 @@
           <a:p>
             <a:fld id="{12806DCE-DF2A-A444-87A0-6650BF1B98E4}" type="datetimeFigureOut">
               <a:rPr lang="en-JP" smtClean="0"/>
-              <a:t>2020/04/29</a:t>
+              <a:t>2020/04/30</a:t>
             </a:fld>
             <a:endParaRPr lang="en-JP"/>
           </a:p>
@@ -1837,7 +1838,7 @@
           <a:p>
             <a:fld id="{12806DCE-DF2A-A444-87A0-6650BF1B98E4}" type="datetimeFigureOut">
               <a:rPr lang="en-JP" smtClean="0"/>
-              <a:t>2020/04/29</a:t>
+              <a:t>2020/04/30</a:t>
             </a:fld>
             <a:endParaRPr lang="en-JP"/>
           </a:p>
@@ -1979,7 +1980,7 @@
           <a:p>
             <a:fld id="{12806DCE-DF2A-A444-87A0-6650BF1B98E4}" type="datetimeFigureOut">
               <a:rPr lang="en-JP" smtClean="0"/>
-              <a:t>2020/04/29</a:t>
+              <a:t>2020/04/30</a:t>
             </a:fld>
             <a:endParaRPr lang="en-JP"/>
           </a:p>
@@ -2092,7 +2093,7 @@
           <a:p>
             <a:fld id="{12806DCE-DF2A-A444-87A0-6650BF1B98E4}" type="datetimeFigureOut">
               <a:rPr lang="en-JP" smtClean="0"/>
-              <a:t>2020/04/29</a:t>
+              <a:t>2020/04/30</a:t>
             </a:fld>
             <a:endParaRPr lang="en-JP"/>
           </a:p>
@@ -2405,7 +2406,7 @@
           <a:p>
             <a:fld id="{12806DCE-DF2A-A444-87A0-6650BF1B98E4}" type="datetimeFigureOut">
               <a:rPr lang="en-JP" smtClean="0"/>
-              <a:t>2020/04/29</a:t>
+              <a:t>2020/04/30</a:t>
             </a:fld>
             <a:endParaRPr lang="en-JP"/>
           </a:p>
@@ -2694,7 +2695,7 @@
           <a:p>
             <a:fld id="{12806DCE-DF2A-A444-87A0-6650BF1B98E4}" type="datetimeFigureOut">
               <a:rPr lang="en-JP" smtClean="0"/>
-              <a:t>2020/04/29</a:t>
+              <a:t>2020/04/30</a:t>
             </a:fld>
             <a:endParaRPr lang="en-JP"/>
           </a:p>
@@ -2937,7 +2938,7 @@
           <a:p>
             <a:fld id="{12806DCE-DF2A-A444-87A0-6650BF1B98E4}" type="datetimeFigureOut">
               <a:rPr lang="en-JP" smtClean="0"/>
-              <a:t>2020/04/29</a:t>
+              <a:t>2020/04/30</a:t>
             </a:fld>
             <a:endParaRPr lang="en-JP"/>
           </a:p>
@@ -9376,6 +9377,1164 @@
 </p:sld>
 </file>
 
+<file path=ppt/slides/slide9.xml><?xml version="1.0" encoding="utf-8"?>
+<p:sld xmlns:a="http://schemas.openxmlformats.org/drawingml/2006/main" xmlns:r="http://schemas.openxmlformats.org/officeDocument/2006/relationships" xmlns:p="http://schemas.openxmlformats.org/presentationml/2006/main">
+  <p:cSld>
+    <p:spTree>
+      <p:nvGrpSpPr>
+        <p:cNvPr id="1" name=""/>
+        <p:cNvGrpSpPr/>
+        <p:nvPr/>
+      </p:nvGrpSpPr>
+      <p:grpSpPr>
+        <a:xfrm>
+          <a:off x="0" y="0"/>
+          <a:ext cx="0" cy="0"/>
+          <a:chOff x="0" y="0"/>
+          <a:chExt cx="0" cy="0"/>
+        </a:xfrm>
+      </p:grpSpPr>
+      <p:pic>
+        <p:nvPicPr>
+          <p:cNvPr id="4" name="Picture 3">
+            <a:extLst>
+              <a:ext uri="{FF2B5EF4-FFF2-40B4-BE49-F238E27FC236}">
+                <a16:creationId xmlns:a16="http://schemas.microsoft.com/office/drawing/2014/main" id="{F033FE03-FA3D-5D4F-927E-E1570AFA0A05}"/>
+              </a:ext>
+            </a:extLst>
+          </p:cNvPr>
+          <p:cNvPicPr>
+            <a:picLocks noChangeAspect="1"/>
+          </p:cNvPicPr>
+          <p:nvPr/>
+        </p:nvPicPr>
+        <p:blipFill>
+          <a:blip r:embed="rId2"/>
+          <a:stretch>
+            <a:fillRect/>
+          </a:stretch>
+        </p:blipFill>
+        <p:spPr>
+          <a:xfrm>
+            <a:off x="5297517" y="294980"/>
+            <a:ext cx="887988" cy="887988"/>
+          </a:xfrm>
+          <a:prstGeom prst="rect">
+            <a:avLst/>
+          </a:prstGeom>
+        </p:spPr>
+      </p:pic>
+      <p:sp>
+        <p:nvSpPr>
+          <p:cNvPr id="9" name="Left Brace 8">
+            <a:extLst>
+              <a:ext uri="{FF2B5EF4-FFF2-40B4-BE49-F238E27FC236}">
+                <a16:creationId xmlns:a16="http://schemas.microsoft.com/office/drawing/2014/main" id="{294AF245-8DDB-CB4F-B5EE-B4DAFDB7C0F4}"/>
+              </a:ext>
+            </a:extLst>
+          </p:cNvPr>
+          <p:cNvSpPr/>
+          <p:nvPr/>
+        </p:nvSpPr>
+        <p:spPr>
+          <a:xfrm rot="5400000">
+            <a:off x="6689668" y="-1037677"/>
+            <a:ext cx="288507" cy="4636914"/>
+          </a:xfrm>
+          <a:prstGeom prst="leftBrace">
+            <a:avLst>
+              <a:gd name="adj1" fmla="val 30705"/>
+              <a:gd name="adj2" fmla="val 76862"/>
+            </a:avLst>
+          </a:prstGeom>
+          <a:ln w="28575"/>
+        </p:spPr>
+        <p:style>
+          <a:lnRef idx="1">
+            <a:schemeClr val="accent1"/>
+          </a:lnRef>
+          <a:fillRef idx="0">
+            <a:schemeClr val="accent1"/>
+          </a:fillRef>
+          <a:effectRef idx="0">
+            <a:schemeClr val="accent1"/>
+          </a:effectRef>
+          <a:fontRef idx="minor">
+            <a:schemeClr val="tx1"/>
+          </a:fontRef>
+        </p:style>
+        <p:txBody>
+          <a:bodyPr rtlCol="0" anchor="ctr"/>
+          <a:lstStyle/>
+          <a:p>
+            <a:pPr algn="ctr"/>
+            <a:endParaRPr lang="en-JP" b="1" dirty="0"/>
+          </a:p>
+        </p:txBody>
+      </p:sp>
+      <p:sp>
+        <p:nvSpPr>
+          <p:cNvPr id="15" name="TextBox 14">
+            <a:extLst>
+              <a:ext uri="{FF2B5EF4-FFF2-40B4-BE49-F238E27FC236}">
+                <a16:creationId xmlns:a16="http://schemas.microsoft.com/office/drawing/2014/main" id="{F119FCA2-D8D3-8C4B-BC71-F69A199BE027}"/>
+              </a:ext>
+            </a:extLst>
+          </p:cNvPr>
+          <p:cNvSpPr txBox="1"/>
+          <p:nvPr/>
+        </p:nvSpPr>
+        <p:spPr>
+          <a:xfrm>
+            <a:off x="5756110" y="783751"/>
+            <a:ext cx="3219471" cy="307777"/>
+          </a:xfrm>
+          <a:prstGeom prst="rect">
+            <a:avLst/>
+          </a:prstGeom>
+          <a:noFill/>
+        </p:spPr>
+        <p:txBody>
+          <a:bodyPr wrap="none" rtlCol="0">
+            <a:spAutoFit/>
+          </a:bodyPr>
+          <a:lstStyle/>
+          <a:p>
+            <a:pPr algn="ctr"/>
+            <a:r>
+              <a:rPr lang="en-JP" sz="1400" b="1" dirty="0"/>
+              <a:t>(FIDO2-Certified) Authenticator</a:t>
+            </a:r>
+            <a:r>
+              <a:rPr lang="ja-JP" altLang="en-US" sz="1400" b="1"/>
+              <a:t> </a:t>
+            </a:r>
+            <a:r>
+              <a:rPr lang="en-US" altLang="ja-JP" sz="1400" b="1" dirty="0"/>
+              <a:t>(</a:t>
+            </a:r>
+            <a:r>
+              <a:rPr lang="ja-JP" altLang="en-US" sz="1400" b="1"/>
+              <a:t>認証器</a:t>
+            </a:r>
+            <a:r>
+              <a:rPr lang="en-US" altLang="ja-JP" sz="1400" b="1" dirty="0"/>
+              <a:t>)</a:t>
+            </a:r>
+            <a:endParaRPr lang="en-JP" sz="1400" b="1" dirty="0"/>
+          </a:p>
+        </p:txBody>
+      </p:sp>
+      <p:grpSp>
+        <p:nvGrpSpPr>
+          <p:cNvPr id="59" name="Group 58">
+            <a:extLst>
+              <a:ext uri="{FF2B5EF4-FFF2-40B4-BE49-F238E27FC236}">
+                <a16:creationId xmlns:a16="http://schemas.microsoft.com/office/drawing/2014/main" id="{BE0168B7-6A03-6849-A672-1407EE61C979}"/>
+              </a:ext>
+            </a:extLst>
+          </p:cNvPr>
+          <p:cNvGrpSpPr/>
+          <p:nvPr/>
+        </p:nvGrpSpPr>
+        <p:grpSpPr>
+          <a:xfrm>
+            <a:off x="4676518" y="1618805"/>
+            <a:ext cx="4475859" cy="1576762"/>
+            <a:chOff x="4676518" y="1618805"/>
+            <a:chExt cx="4475859" cy="1576762"/>
+          </a:xfrm>
+        </p:grpSpPr>
+        <p:sp>
+          <p:nvSpPr>
+            <p:cNvPr id="16" name="Rounded Rectangle 15">
+              <a:extLst>
+                <a:ext uri="{FF2B5EF4-FFF2-40B4-BE49-F238E27FC236}">
+                  <a16:creationId xmlns:a16="http://schemas.microsoft.com/office/drawing/2014/main" id="{33AD05DD-7968-344C-A442-433CDB6211A8}"/>
+                </a:ext>
+              </a:extLst>
+            </p:cNvPr>
+            <p:cNvSpPr/>
+            <p:nvPr/>
+          </p:nvSpPr>
+          <p:spPr>
+            <a:xfrm>
+              <a:off x="4676518" y="1806354"/>
+              <a:ext cx="4299063" cy="1389213"/>
+            </a:xfrm>
+            <a:prstGeom prst="roundRect">
+              <a:avLst/>
+            </a:prstGeom>
+            <a:solidFill>
+              <a:schemeClr val="accent4">
+                <a:lumMod val="20000"/>
+                <a:lumOff val="80000"/>
+              </a:schemeClr>
+            </a:solidFill>
+            <a:ln w="12700"/>
+          </p:spPr>
+          <p:style>
+            <a:lnRef idx="2">
+              <a:schemeClr val="accent1">
+                <a:shade val="50000"/>
+              </a:schemeClr>
+            </a:lnRef>
+            <a:fillRef idx="1">
+              <a:schemeClr val="accent1"/>
+            </a:fillRef>
+            <a:effectRef idx="0">
+              <a:schemeClr val="accent1"/>
+            </a:effectRef>
+            <a:fontRef idx="minor">
+              <a:schemeClr val="lt1"/>
+            </a:fontRef>
+          </p:style>
+          <p:txBody>
+            <a:bodyPr rtlCol="0" anchor="ctr"/>
+            <a:lstStyle/>
+            <a:p>
+              <a:pPr algn="ctr"/>
+              <a:endParaRPr lang="en-JP" dirty="0"/>
+            </a:p>
+          </p:txBody>
+        </p:sp>
+        <p:pic>
+          <p:nvPicPr>
+            <p:cNvPr id="6" name="Picture 5">
+              <a:extLst>
+                <a:ext uri="{FF2B5EF4-FFF2-40B4-BE49-F238E27FC236}">
+                  <a16:creationId xmlns:a16="http://schemas.microsoft.com/office/drawing/2014/main" id="{9168A529-914F-314F-B3CA-AEF7F3E152A9}"/>
+                </a:ext>
+              </a:extLst>
+            </p:cNvPr>
+            <p:cNvPicPr>
+              <a:picLocks noChangeAspect="1"/>
+            </p:cNvPicPr>
+            <p:nvPr/>
+          </p:nvPicPr>
+          <p:blipFill>
+            <a:blip r:embed="rId3"/>
+            <a:stretch>
+              <a:fillRect/>
+            </a:stretch>
+          </p:blipFill>
+          <p:spPr>
+            <a:xfrm>
+              <a:off x="5956298" y="2399076"/>
+              <a:ext cx="577013" cy="720957"/>
+            </a:xfrm>
+            <a:prstGeom prst="rect">
+              <a:avLst/>
+            </a:prstGeom>
+          </p:spPr>
+        </p:pic>
+        <p:pic>
+          <p:nvPicPr>
+            <p:cNvPr id="7" name="Picture 6">
+              <a:extLst>
+                <a:ext uri="{FF2B5EF4-FFF2-40B4-BE49-F238E27FC236}">
+                  <a16:creationId xmlns:a16="http://schemas.microsoft.com/office/drawing/2014/main" id="{DD409FC1-478F-3E4B-AA9F-8630689656D0}"/>
+                </a:ext>
+              </a:extLst>
+            </p:cNvPr>
+            <p:cNvPicPr>
+              <a:picLocks noChangeAspect="1"/>
+            </p:cNvPicPr>
+            <p:nvPr/>
+          </p:nvPicPr>
+          <p:blipFill>
+            <a:blip r:embed="rId4"/>
+            <a:stretch>
+              <a:fillRect/>
+            </a:stretch>
+          </p:blipFill>
+          <p:spPr>
+            <a:xfrm>
+              <a:off x="4991092" y="2564661"/>
+              <a:ext cx="365725" cy="369332"/>
+            </a:xfrm>
+            <a:prstGeom prst="rect">
+              <a:avLst/>
+            </a:prstGeom>
+          </p:spPr>
+        </p:pic>
+        <p:pic>
+          <p:nvPicPr>
+            <p:cNvPr id="8" name="Picture 7">
+              <a:extLst>
+                <a:ext uri="{FF2B5EF4-FFF2-40B4-BE49-F238E27FC236}">
+                  <a16:creationId xmlns:a16="http://schemas.microsoft.com/office/drawing/2014/main" id="{508EA4B6-A2F4-4C42-8C75-35C3F2EA2CD9}"/>
+                </a:ext>
+              </a:extLst>
+            </p:cNvPr>
+            <p:cNvPicPr>
+              <a:picLocks noChangeAspect="1"/>
+            </p:cNvPicPr>
+            <p:nvPr/>
+          </p:nvPicPr>
+          <p:blipFill>
+            <a:blip r:embed="rId5"/>
+            <a:stretch>
+              <a:fillRect/>
+            </a:stretch>
+          </p:blipFill>
+          <p:spPr>
+            <a:xfrm>
+              <a:off x="6062815" y="2587052"/>
+              <a:ext cx="363978" cy="363978"/>
+            </a:xfrm>
+            <a:prstGeom prst="rect">
+              <a:avLst/>
+            </a:prstGeom>
+          </p:spPr>
+        </p:pic>
+        <p:sp>
+          <p:nvSpPr>
+            <p:cNvPr id="10" name="TextBox 9">
+              <a:extLst>
+                <a:ext uri="{FF2B5EF4-FFF2-40B4-BE49-F238E27FC236}">
+                  <a16:creationId xmlns:a16="http://schemas.microsoft.com/office/drawing/2014/main" id="{00FE15AD-D740-0049-A7E9-56CC03E2232E}"/>
+                </a:ext>
+              </a:extLst>
+            </p:cNvPr>
+            <p:cNvSpPr txBox="1"/>
+            <p:nvPr/>
+          </p:nvSpPr>
+          <p:spPr>
+            <a:xfrm>
+              <a:off x="4995008" y="1618805"/>
+              <a:ext cx="1653401" cy="307777"/>
+            </a:xfrm>
+            <a:prstGeom prst="rect">
+              <a:avLst/>
+            </a:prstGeom>
+            <a:solidFill>
+              <a:schemeClr val="bg1"/>
+            </a:solidFill>
+            <a:ln>
+              <a:solidFill>
+                <a:srgbClr val="0070C0"/>
+              </a:solidFill>
+            </a:ln>
+          </p:spPr>
+          <p:txBody>
+            <a:bodyPr wrap="none" rtlCol="0">
+              <a:spAutoFit/>
+            </a:bodyPr>
+            <a:lstStyle/>
+            <a:p>
+              <a:pPr algn="ctr"/>
+              <a:r>
+                <a:rPr lang="en-JP" sz="1400" b="1" dirty="0"/>
+                <a:t>Attestation Key Pair</a:t>
+              </a:r>
+            </a:p>
+          </p:txBody>
+        </p:sp>
+        <p:sp>
+          <p:nvSpPr>
+            <p:cNvPr id="11" name="Line Callout 2 (Accent Bar) 10">
+              <a:extLst>
+                <a:ext uri="{FF2B5EF4-FFF2-40B4-BE49-F238E27FC236}">
+                  <a16:creationId xmlns:a16="http://schemas.microsoft.com/office/drawing/2014/main" id="{1C2D9461-30EB-5644-89B2-86A81E62A46D}"/>
+                </a:ext>
+              </a:extLst>
+            </p:cNvPr>
+            <p:cNvSpPr/>
+            <p:nvPr/>
+          </p:nvSpPr>
+          <p:spPr>
+            <a:xfrm>
+              <a:off x="6912817" y="2396967"/>
+              <a:ext cx="2239560" cy="668935"/>
+            </a:xfrm>
+            <a:prstGeom prst="accentCallout2">
+              <a:avLst>
+                <a:gd name="adj1" fmla="val 21891"/>
+                <a:gd name="adj2" fmla="val 43"/>
+                <a:gd name="adj3" fmla="val 21663"/>
+                <a:gd name="adj4" fmla="val -3177"/>
+                <a:gd name="adj5" fmla="val 70960"/>
+                <a:gd name="adj6" fmla="val -19642"/>
+              </a:avLst>
+            </a:prstGeom>
+            <a:noFill/>
+          </p:spPr>
+          <p:style>
+            <a:lnRef idx="2">
+              <a:schemeClr val="accent1">
+                <a:shade val="50000"/>
+              </a:schemeClr>
+            </a:lnRef>
+            <a:fillRef idx="1">
+              <a:schemeClr val="accent1"/>
+            </a:fillRef>
+            <a:effectRef idx="0">
+              <a:schemeClr val="accent1"/>
+            </a:effectRef>
+            <a:fontRef idx="minor">
+              <a:schemeClr val="lt1"/>
+            </a:fontRef>
+          </p:style>
+          <p:txBody>
+            <a:bodyPr rtlCol="0" anchor="ctr"/>
+            <a:lstStyle/>
+            <a:p>
+              <a:r>
+                <a:rPr lang="en-JP" sz="1400" b="1" dirty="0">
+                  <a:solidFill>
+                    <a:schemeClr val="tx1"/>
+                  </a:solidFill>
+                </a:rPr>
+                <a:t>FIDO</a:t>
+              </a:r>
+              <a:r>
+                <a:rPr lang="ja-JP" altLang="en-US" sz="1400" b="1">
+                  <a:solidFill>
+                    <a:schemeClr val="tx1"/>
+                  </a:solidFill>
+                </a:rPr>
+                <a:t>認証ベンダにより</a:t>
+              </a:r>
+              <a:endParaRPr lang="en-US" altLang="ja-JP" sz="1400" b="1" dirty="0">
+                <a:solidFill>
+                  <a:schemeClr val="tx1"/>
+                </a:solidFill>
+              </a:endParaRPr>
+            </a:p>
+            <a:p>
+              <a:r>
+                <a:rPr lang="ja-JP" altLang="en-US" sz="1400" b="1">
+                  <a:solidFill>
+                    <a:schemeClr val="tx1"/>
+                  </a:solidFill>
+                </a:rPr>
+                <a:t>署名された証明書</a:t>
+              </a:r>
+              <a:endParaRPr lang="en-US" altLang="ja-JP" sz="1400" b="1" dirty="0">
+                <a:solidFill>
+                  <a:schemeClr val="tx1"/>
+                </a:solidFill>
+              </a:endParaRPr>
+            </a:p>
+            <a:p>
+              <a:r>
+                <a:rPr lang="en-JP" sz="1400" b="1" dirty="0">
+                  <a:solidFill>
+                    <a:srgbClr val="FF0000"/>
+                  </a:solidFill>
+                </a:rPr>
+                <a:t>(Attestation Certificate)</a:t>
+              </a:r>
+              <a:endParaRPr lang="en-JP" sz="1400" b="1" dirty="0"/>
+            </a:p>
+          </p:txBody>
+        </p:sp>
+        <p:sp>
+          <p:nvSpPr>
+            <p:cNvPr id="12" name="TextBox 11">
+              <a:extLst>
+                <a:ext uri="{FF2B5EF4-FFF2-40B4-BE49-F238E27FC236}">
+                  <a16:creationId xmlns:a16="http://schemas.microsoft.com/office/drawing/2014/main" id="{544061CD-0E90-214D-835D-50C4B86D17C7}"/>
+                </a:ext>
+              </a:extLst>
+            </p:cNvPr>
+            <p:cNvSpPr txBox="1"/>
+            <p:nvPr/>
+          </p:nvSpPr>
+          <p:spPr>
+            <a:xfrm>
+              <a:off x="4690756" y="1920667"/>
+              <a:ext cx="1015856" cy="523220"/>
+            </a:xfrm>
+            <a:prstGeom prst="rect">
+              <a:avLst/>
+            </a:prstGeom>
+            <a:noFill/>
+          </p:spPr>
+          <p:txBody>
+            <a:bodyPr wrap="none" rtlCol="0">
+              <a:spAutoFit/>
+            </a:bodyPr>
+            <a:lstStyle/>
+            <a:p>
+              <a:pPr algn="ctr"/>
+              <a:r>
+                <a:rPr lang="en-US" altLang="ja-JP" sz="1400" b="1" dirty="0"/>
+                <a:t>Attestation</a:t>
+              </a:r>
+            </a:p>
+            <a:p>
+              <a:pPr algn="ctr"/>
+              <a:r>
+                <a:rPr lang="en-US" altLang="ja-JP" sz="1400" b="1" dirty="0"/>
+                <a:t>Private key</a:t>
+              </a:r>
+              <a:endParaRPr lang="en-JP" sz="1400" b="1" dirty="0"/>
+            </a:p>
+          </p:txBody>
+        </p:sp>
+        <p:sp>
+          <p:nvSpPr>
+            <p:cNvPr id="14" name="TextBox 13">
+              <a:extLst>
+                <a:ext uri="{FF2B5EF4-FFF2-40B4-BE49-F238E27FC236}">
+                  <a16:creationId xmlns:a16="http://schemas.microsoft.com/office/drawing/2014/main" id="{EA7AB039-6D22-1849-B59C-F2B1A78D0F7C}"/>
+                </a:ext>
+              </a:extLst>
+            </p:cNvPr>
+            <p:cNvSpPr txBox="1"/>
+            <p:nvPr/>
+          </p:nvSpPr>
+          <p:spPr>
+            <a:xfrm>
+              <a:off x="5706612" y="1919888"/>
+              <a:ext cx="1015856" cy="523220"/>
+            </a:xfrm>
+            <a:prstGeom prst="rect">
+              <a:avLst/>
+            </a:prstGeom>
+            <a:noFill/>
+          </p:spPr>
+          <p:txBody>
+            <a:bodyPr wrap="none" rtlCol="0">
+              <a:spAutoFit/>
+            </a:bodyPr>
+            <a:lstStyle/>
+            <a:p>
+              <a:pPr algn="ctr"/>
+              <a:r>
+                <a:rPr lang="en-US" altLang="ja-JP" sz="1400" b="1" dirty="0"/>
+                <a:t>Attestation</a:t>
+              </a:r>
+            </a:p>
+            <a:p>
+              <a:pPr algn="ctr"/>
+              <a:r>
+                <a:rPr lang="en-US" altLang="ja-JP" sz="1400" b="1" dirty="0"/>
+                <a:t>Public key</a:t>
+              </a:r>
+            </a:p>
+          </p:txBody>
+        </p:sp>
+      </p:grpSp>
+      <p:sp>
+        <p:nvSpPr>
+          <p:cNvPr id="29" name="TextBox 28">
+            <a:extLst>
+              <a:ext uri="{FF2B5EF4-FFF2-40B4-BE49-F238E27FC236}">
+                <a16:creationId xmlns:a16="http://schemas.microsoft.com/office/drawing/2014/main" id="{0DBC4662-F9D5-5240-9240-15E592626EBA}"/>
+              </a:ext>
+            </a:extLst>
+          </p:cNvPr>
+          <p:cNvSpPr txBox="1"/>
+          <p:nvPr/>
+        </p:nvSpPr>
+        <p:spPr>
+          <a:xfrm>
+            <a:off x="8989819" y="1740453"/>
+            <a:ext cx="2065933" cy="523220"/>
+          </a:xfrm>
+          <a:prstGeom prst="rect">
+            <a:avLst/>
+          </a:prstGeom>
+          <a:noFill/>
+        </p:spPr>
+        <p:txBody>
+          <a:bodyPr wrap="square" rtlCol="0">
+            <a:spAutoFit/>
+          </a:bodyPr>
+          <a:lstStyle/>
+          <a:p>
+            <a:r>
+              <a:rPr lang="ja-JP" altLang="en-US" sz="1400" b="1"/>
+              <a:t>出荷時にベンダにより</a:t>
+            </a:r>
+            <a:endParaRPr lang="en-US" altLang="ja-JP" sz="1400" b="1" dirty="0"/>
+          </a:p>
+          <a:p>
+            <a:r>
+              <a:rPr lang="ja-JP" altLang="en-US" sz="1400" b="1"/>
+              <a:t>セキュア領域へ埋込み</a:t>
+            </a:r>
+            <a:endParaRPr lang="en-JP" sz="1400" b="1" dirty="0"/>
+          </a:p>
+        </p:txBody>
+      </p:sp>
+      <p:sp>
+        <p:nvSpPr>
+          <p:cNvPr id="31" name="TextBox 30">
+            <a:extLst>
+              <a:ext uri="{FF2B5EF4-FFF2-40B4-BE49-F238E27FC236}">
+                <a16:creationId xmlns:a16="http://schemas.microsoft.com/office/drawing/2014/main" id="{534F6FC3-A6E6-3140-B831-97F45449BD69}"/>
+              </a:ext>
+            </a:extLst>
+          </p:cNvPr>
+          <p:cNvSpPr txBox="1"/>
+          <p:nvPr/>
+        </p:nvSpPr>
+        <p:spPr>
+          <a:xfrm>
+            <a:off x="8948515" y="3744044"/>
+            <a:ext cx="2478884" cy="523220"/>
+          </a:xfrm>
+          <a:prstGeom prst="rect">
+            <a:avLst/>
+          </a:prstGeom>
+          <a:noFill/>
+        </p:spPr>
+        <p:txBody>
+          <a:bodyPr wrap="none" rtlCol="0">
+            <a:spAutoFit/>
+          </a:bodyPr>
+          <a:lstStyle/>
+          <a:p>
+            <a:r>
+              <a:rPr lang="ja-JP" altLang="en-US" sz="1400" b="1"/>
+              <a:t>ユーザ登録時に</a:t>
+            </a:r>
+            <a:r>
+              <a:rPr lang="en-US" altLang="ja-JP" sz="1400" b="1" dirty="0"/>
+              <a:t>Authenticator</a:t>
+            </a:r>
+          </a:p>
+          <a:p>
+            <a:r>
+              <a:rPr lang="ja-JP" altLang="en-US" sz="1400" b="1"/>
+              <a:t>によりサービス毎に生成</a:t>
+            </a:r>
+            <a:endParaRPr lang="en-JP" sz="1400" b="1" dirty="0"/>
+          </a:p>
+        </p:txBody>
+      </p:sp>
+      <p:grpSp>
+        <p:nvGrpSpPr>
+          <p:cNvPr id="61" name="Group 60">
+            <a:extLst>
+              <a:ext uri="{FF2B5EF4-FFF2-40B4-BE49-F238E27FC236}">
+                <a16:creationId xmlns:a16="http://schemas.microsoft.com/office/drawing/2014/main" id="{76259DB8-BAA5-A246-A74F-E91973854AF5}"/>
+              </a:ext>
+            </a:extLst>
+          </p:cNvPr>
+          <p:cNvGrpSpPr/>
+          <p:nvPr/>
+        </p:nvGrpSpPr>
+        <p:grpSpPr>
+          <a:xfrm>
+            <a:off x="4683970" y="3590156"/>
+            <a:ext cx="4291611" cy="1554443"/>
+            <a:chOff x="4683970" y="3590156"/>
+            <a:chExt cx="4291611" cy="1554443"/>
+          </a:xfrm>
+        </p:grpSpPr>
+        <p:pic>
+          <p:nvPicPr>
+            <p:cNvPr id="28" name="Picture 27">
+              <a:extLst>
+                <a:ext uri="{FF2B5EF4-FFF2-40B4-BE49-F238E27FC236}">
+                  <a16:creationId xmlns:a16="http://schemas.microsoft.com/office/drawing/2014/main" id="{E3C2477E-9566-2D46-9EB4-6019908433D0}"/>
+                </a:ext>
+              </a:extLst>
+            </p:cNvPr>
+            <p:cNvPicPr>
+              <a:picLocks noChangeAspect="1"/>
+            </p:cNvPicPr>
+            <p:nvPr/>
+          </p:nvPicPr>
+          <p:blipFill>
+            <a:blip r:embed="rId3"/>
+            <a:stretch>
+              <a:fillRect/>
+            </a:stretch>
+          </p:blipFill>
+          <p:spPr>
+            <a:xfrm>
+              <a:off x="6008056" y="4339923"/>
+              <a:ext cx="577013" cy="720957"/>
+            </a:xfrm>
+            <a:prstGeom prst="rect">
+              <a:avLst/>
+            </a:prstGeom>
+          </p:spPr>
+        </p:pic>
+        <p:pic>
+          <p:nvPicPr>
+            <p:cNvPr id="18" name="Picture 17">
+              <a:extLst>
+                <a:ext uri="{FF2B5EF4-FFF2-40B4-BE49-F238E27FC236}">
+                  <a16:creationId xmlns:a16="http://schemas.microsoft.com/office/drawing/2014/main" id="{30C83B6D-1026-9846-8BDF-B67BE1C51920}"/>
+                </a:ext>
+              </a:extLst>
+            </p:cNvPr>
+            <p:cNvPicPr>
+              <a:picLocks noChangeAspect="1"/>
+            </p:cNvPicPr>
+            <p:nvPr/>
+          </p:nvPicPr>
+          <p:blipFill>
+            <a:blip r:embed="rId6"/>
+            <a:stretch>
+              <a:fillRect/>
+            </a:stretch>
+          </p:blipFill>
+          <p:spPr>
+            <a:xfrm>
+              <a:off x="6008056" y="4415994"/>
+              <a:ext cx="568817" cy="568817"/>
+            </a:xfrm>
+            <a:prstGeom prst="rect">
+              <a:avLst/>
+            </a:prstGeom>
+          </p:spPr>
+        </p:pic>
+        <p:pic>
+          <p:nvPicPr>
+            <p:cNvPr id="20" name="Picture 19">
+              <a:extLst>
+                <a:ext uri="{FF2B5EF4-FFF2-40B4-BE49-F238E27FC236}">
+                  <a16:creationId xmlns:a16="http://schemas.microsoft.com/office/drawing/2014/main" id="{EE144AEC-DCDB-4143-97E1-49975EBFB10D}"/>
+                </a:ext>
+              </a:extLst>
+            </p:cNvPr>
+            <p:cNvPicPr>
+              <a:picLocks noChangeAspect="1"/>
+            </p:cNvPicPr>
+            <p:nvPr/>
+          </p:nvPicPr>
+          <p:blipFill>
+            <a:blip r:embed="rId7"/>
+            <a:stretch>
+              <a:fillRect/>
+            </a:stretch>
+          </p:blipFill>
+          <p:spPr>
+            <a:xfrm>
+              <a:off x="4920725" y="4386030"/>
+              <a:ext cx="568816" cy="568816"/>
+            </a:xfrm>
+            <a:prstGeom prst="rect">
+              <a:avLst/>
+            </a:prstGeom>
+          </p:spPr>
+        </p:pic>
+        <p:sp>
+          <p:nvSpPr>
+            <p:cNvPr id="22" name="TextBox 21">
+              <a:extLst>
+                <a:ext uri="{FF2B5EF4-FFF2-40B4-BE49-F238E27FC236}">
+                  <a16:creationId xmlns:a16="http://schemas.microsoft.com/office/drawing/2014/main" id="{331BC21C-6A95-7A43-AA02-74743AF33CEE}"/>
+                </a:ext>
+              </a:extLst>
+            </p:cNvPr>
+            <p:cNvSpPr txBox="1"/>
+            <p:nvPr/>
+          </p:nvSpPr>
+          <p:spPr>
+            <a:xfrm>
+              <a:off x="4741745" y="3854617"/>
+              <a:ext cx="1003543" cy="523220"/>
+            </a:xfrm>
+            <a:prstGeom prst="rect">
+              <a:avLst/>
+            </a:prstGeom>
+            <a:noFill/>
+          </p:spPr>
+          <p:txBody>
+            <a:bodyPr wrap="none" rtlCol="0">
+              <a:spAutoFit/>
+            </a:bodyPr>
+            <a:lstStyle/>
+            <a:p>
+              <a:pPr algn="ctr"/>
+              <a:r>
+                <a:rPr lang="en-US" altLang="ja-JP" sz="1400" b="1" dirty="0"/>
+                <a:t>Credential</a:t>
+              </a:r>
+            </a:p>
+            <a:p>
+              <a:pPr algn="ctr"/>
+              <a:r>
+                <a:rPr lang="en-US" altLang="ja-JP" sz="1400" b="1" dirty="0"/>
+                <a:t>Private key</a:t>
+              </a:r>
+              <a:endParaRPr lang="en-JP" sz="1400" b="1" dirty="0"/>
+            </a:p>
+          </p:txBody>
+        </p:sp>
+        <p:sp>
+          <p:nvSpPr>
+            <p:cNvPr id="23" name="TextBox 22">
+              <a:extLst>
+                <a:ext uri="{FF2B5EF4-FFF2-40B4-BE49-F238E27FC236}">
+                  <a16:creationId xmlns:a16="http://schemas.microsoft.com/office/drawing/2014/main" id="{B66FE4EA-8FF1-D74F-8A3B-2919CB2D3924}"/>
+                </a:ext>
+              </a:extLst>
+            </p:cNvPr>
+            <p:cNvSpPr txBox="1"/>
+            <p:nvPr/>
+          </p:nvSpPr>
+          <p:spPr>
+            <a:xfrm>
+              <a:off x="5828119" y="3856175"/>
+              <a:ext cx="952056" cy="523220"/>
+            </a:xfrm>
+            <a:prstGeom prst="rect">
+              <a:avLst/>
+            </a:prstGeom>
+            <a:noFill/>
+          </p:spPr>
+          <p:txBody>
+            <a:bodyPr wrap="none" rtlCol="0">
+              <a:spAutoFit/>
+            </a:bodyPr>
+            <a:lstStyle/>
+            <a:p>
+              <a:pPr algn="ctr"/>
+              <a:r>
+                <a:rPr lang="en-US" altLang="ja-JP" sz="1400" b="1" dirty="0"/>
+                <a:t>Credential</a:t>
+              </a:r>
+            </a:p>
+            <a:p>
+              <a:pPr algn="ctr"/>
+              <a:r>
+                <a:rPr lang="en-US" altLang="ja-JP" sz="1400" b="1" dirty="0"/>
+                <a:t>Public key</a:t>
+              </a:r>
+              <a:endParaRPr lang="en-JP" sz="1400" b="1" dirty="0"/>
+            </a:p>
+          </p:txBody>
+        </p:sp>
+        <p:sp>
+          <p:nvSpPr>
+            <p:cNvPr id="30" name="Rounded Rectangle 29">
+              <a:extLst>
+                <a:ext uri="{FF2B5EF4-FFF2-40B4-BE49-F238E27FC236}">
+                  <a16:creationId xmlns:a16="http://schemas.microsoft.com/office/drawing/2014/main" id="{F6010BAC-1D0B-D942-9E79-DACFC19DB24C}"/>
+                </a:ext>
+              </a:extLst>
+            </p:cNvPr>
+            <p:cNvSpPr/>
+            <p:nvPr/>
+          </p:nvSpPr>
+          <p:spPr>
+            <a:xfrm>
+              <a:off x="4683970" y="3755386"/>
+              <a:ext cx="4291611" cy="1389213"/>
+            </a:xfrm>
+            <a:prstGeom prst="roundRect">
+              <a:avLst/>
+            </a:prstGeom>
+            <a:noFill/>
+            <a:ln w="12700"/>
+          </p:spPr>
+          <p:style>
+            <a:lnRef idx="2">
+              <a:schemeClr val="accent1">
+                <a:shade val="50000"/>
+              </a:schemeClr>
+            </a:lnRef>
+            <a:fillRef idx="1">
+              <a:schemeClr val="accent1"/>
+            </a:fillRef>
+            <a:effectRef idx="0">
+              <a:schemeClr val="accent1"/>
+            </a:effectRef>
+            <a:fontRef idx="minor">
+              <a:schemeClr val="lt1"/>
+            </a:fontRef>
+          </p:style>
+          <p:txBody>
+            <a:bodyPr rtlCol="0" anchor="ctr"/>
+            <a:lstStyle/>
+            <a:p>
+              <a:pPr algn="ctr"/>
+              <a:endParaRPr lang="en-JP" dirty="0"/>
+            </a:p>
+          </p:txBody>
+        </p:sp>
+        <p:sp>
+          <p:nvSpPr>
+            <p:cNvPr id="32" name="Line Callout 2 (Accent Bar) 31">
+              <a:extLst>
+                <a:ext uri="{FF2B5EF4-FFF2-40B4-BE49-F238E27FC236}">
+                  <a16:creationId xmlns:a16="http://schemas.microsoft.com/office/drawing/2014/main" id="{F80957EC-50FF-E64C-8166-9CD2D69657DC}"/>
+                </a:ext>
+              </a:extLst>
+            </p:cNvPr>
+            <p:cNvSpPr/>
+            <p:nvPr/>
+          </p:nvSpPr>
+          <p:spPr>
+            <a:xfrm>
+              <a:off x="6893162" y="4195582"/>
+              <a:ext cx="1942366" cy="865298"/>
+            </a:xfrm>
+            <a:prstGeom prst="accentCallout2">
+              <a:avLst>
+                <a:gd name="adj1" fmla="val 21891"/>
+                <a:gd name="adj2" fmla="val 43"/>
+                <a:gd name="adj3" fmla="val 21663"/>
+                <a:gd name="adj4" fmla="val -3177"/>
+                <a:gd name="adj5" fmla="val 70960"/>
+                <a:gd name="adj6" fmla="val -19642"/>
+              </a:avLst>
+            </a:prstGeom>
+            <a:noFill/>
+          </p:spPr>
+          <p:style>
+            <a:lnRef idx="2">
+              <a:schemeClr val="accent1">
+                <a:shade val="50000"/>
+              </a:schemeClr>
+            </a:lnRef>
+            <a:fillRef idx="1">
+              <a:schemeClr val="accent1"/>
+            </a:fillRef>
+            <a:effectRef idx="0">
+              <a:schemeClr val="accent1"/>
+            </a:effectRef>
+            <a:fontRef idx="minor">
+              <a:schemeClr val="lt1"/>
+            </a:fontRef>
+          </p:style>
+          <p:txBody>
+            <a:bodyPr rtlCol="0" anchor="ctr"/>
+            <a:lstStyle/>
+            <a:p>
+              <a:r>
+                <a:rPr lang="en-JP" sz="1400" b="1" dirty="0">
+                  <a:solidFill>
+                    <a:schemeClr val="tx1"/>
+                  </a:solidFill>
+                </a:rPr>
+                <a:t>Attestation Private Key</a:t>
+              </a:r>
+            </a:p>
+            <a:p>
+              <a:r>
+                <a:rPr lang="ja-JP" altLang="en-US" sz="1400" b="1">
+                  <a:solidFill>
+                    <a:schemeClr val="tx1"/>
+                  </a:solidFill>
+                </a:rPr>
+                <a:t>により署名</a:t>
+              </a:r>
+              <a:r>
+                <a:rPr lang="en-US" altLang="ja-JP" sz="1400" b="1" dirty="0">
+                  <a:solidFill>
+                    <a:schemeClr val="tx1"/>
+                  </a:solidFill>
+                </a:rPr>
+                <a:t>(=Attest)</a:t>
+              </a:r>
+            </a:p>
+            <a:p>
+              <a:r>
+                <a:rPr lang="ja-JP" altLang="en-US" sz="1400" b="1">
+                  <a:solidFill>
+                    <a:schemeClr val="tx1"/>
+                  </a:solidFill>
+                </a:rPr>
+                <a:t>された証明書</a:t>
+              </a:r>
+              <a:endParaRPr lang="en-US" altLang="ja-JP" sz="1400" b="1" dirty="0">
+                <a:solidFill>
+                  <a:schemeClr val="tx1"/>
+                </a:solidFill>
+              </a:endParaRPr>
+            </a:p>
+            <a:p>
+              <a:r>
+                <a:rPr lang="en-JP" sz="1400" b="1" dirty="0">
+                  <a:solidFill>
+                    <a:srgbClr val="FF0000"/>
+                  </a:solidFill>
+                </a:rPr>
+                <a:t>(Credential Certificate)</a:t>
+              </a:r>
+              <a:endParaRPr lang="en-JP" sz="1400" b="1" dirty="0"/>
+            </a:p>
+          </p:txBody>
+        </p:sp>
+        <p:sp>
+          <p:nvSpPr>
+            <p:cNvPr id="21" name="TextBox 20">
+              <a:extLst>
+                <a:ext uri="{FF2B5EF4-FFF2-40B4-BE49-F238E27FC236}">
+                  <a16:creationId xmlns:a16="http://schemas.microsoft.com/office/drawing/2014/main" id="{5C219976-DF1D-A245-BC33-D5831DF05D76}"/>
+                </a:ext>
+              </a:extLst>
+            </p:cNvPr>
+            <p:cNvSpPr txBox="1"/>
+            <p:nvPr/>
+          </p:nvSpPr>
+          <p:spPr>
+            <a:xfrm>
+              <a:off x="4989054" y="3590156"/>
+              <a:ext cx="1589602" cy="307777"/>
+            </a:xfrm>
+            <a:prstGeom prst="rect">
+              <a:avLst/>
+            </a:prstGeom>
+            <a:solidFill>
+              <a:schemeClr val="bg1"/>
+            </a:solidFill>
+            <a:ln>
+              <a:solidFill>
+                <a:srgbClr val="0070C0"/>
+              </a:solidFill>
+            </a:ln>
+          </p:spPr>
+          <p:txBody>
+            <a:bodyPr wrap="none" rtlCol="0">
+              <a:spAutoFit/>
+            </a:bodyPr>
+            <a:lstStyle/>
+            <a:p>
+              <a:pPr algn="ctr"/>
+              <a:r>
+                <a:rPr lang="en-JP" sz="1400" b="1" dirty="0"/>
+                <a:t>Credential Key Pair</a:t>
+              </a:r>
+            </a:p>
+          </p:txBody>
+        </p:sp>
+      </p:grpSp>
+      <p:cxnSp>
+        <p:nvCxnSpPr>
+          <p:cNvPr id="37" name="Elbow Connector 36">
+            <a:extLst>
+              <a:ext uri="{FF2B5EF4-FFF2-40B4-BE49-F238E27FC236}">
+                <a16:creationId xmlns:a16="http://schemas.microsoft.com/office/drawing/2014/main" id="{39CE3169-987C-D544-8318-66A8008CAA15}"/>
+              </a:ext>
+            </a:extLst>
+          </p:cNvPr>
+          <p:cNvCxnSpPr>
+            <a:cxnSpLocks/>
+            <a:stCxn id="7" idx="1"/>
+            <a:endCxn id="18" idx="2"/>
+          </p:cNvCxnSpPr>
+          <p:nvPr/>
+        </p:nvCxnSpPr>
+        <p:spPr>
+          <a:xfrm rot="10800000" flipH="1" flipV="1">
+            <a:off x="4991091" y="2749327"/>
+            <a:ext cx="1301373" cy="2235484"/>
+          </a:xfrm>
+          <a:prstGeom prst="bentConnector4">
+            <a:avLst>
+              <a:gd name="adj1" fmla="val -65820"/>
+              <a:gd name="adj2" fmla="val 117618"/>
+            </a:avLst>
+          </a:prstGeom>
+          <a:ln w="38100">
+            <a:solidFill>
+              <a:srgbClr val="002060"/>
+            </a:solidFill>
+            <a:tailEnd type="triangle"/>
+          </a:ln>
+        </p:spPr>
+        <p:style>
+          <a:lnRef idx="1">
+            <a:schemeClr val="accent1"/>
+          </a:lnRef>
+          <a:fillRef idx="0">
+            <a:schemeClr val="accent1"/>
+          </a:fillRef>
+          <a:effectRef idx="0">
+            <a:schemeClr val="accent1"/>
+          </a:effectRef>
+          <a:fontRef idx="minor">
+            <a:schemeClr val="tx1"/>
+          </a:fontRef>
+        </p:style>
+      </p:cxnSp>
+      <p:sp>
+        <p:nvSpPr>
+          <p:cNvPr id="43" name="TextBox 42">
+            <a:extLst>
+              <a:ext uri="{FF2B5EF4-FFF2-40B4-BE49-F238E27FC236}">
+                <a16:creationId xmlns:a16="http://schemas.microsoft.com/office/drawing/2014/main" id="{5B96E980-E587-5741-A721-52309C965B4D}"/>
+              </a:ext>
+            </a:extLst>
+          </p:cNvPr>
+          <p:cNvSpPr txBox="1"/>
+          <p:nvPr/>
+        </p:nvSpPr>
+        <p:spPr>
+          <a:xfrm>
+            <a:off x="3605785" y="4177181"/>
+            <a:ext cx="1040194" cy="523220"/>
+          </a:xfrm>
+          <a:prstGeom prst="rect">
+            <a:avLst/>
+          </a:prstGeom>
+          <a:solidFill>
+            <a:schemeClr val="bg1"/>
+          </a:solidFill>
+          <a:ln>
+            <a:noFill/>
+          </a:ln>
+        </p:spPr>
+        <p:txBody>
+          <a:bodyPr wrap="square" rtlCol="0">
+            <a:spAutoFit/>
+          </a:bodyPr>
+          <a:lstStyle/>
+          <a:p>
+            <a:pPr algn="ctr"/>
+            <a:r>
+              <a:rPr lang="en-US" altLang="ja-JP" sz="1400" b="1" dirty="0">
+                <a:solidFill>
+                  <a:srgbClr val="FF0000"/>
+                </a:solidFill>
+              </a:rPr>
+              <a:t>Attest!</a:t>
+            </a:r>
+          </a:p>
+          <a:p>
+            <a:pPr algn="ctr"/>
+            <a:r>
+              <a:rPr lang="en-US" altLang="ja-JP" sz="1400" b="1" dirty="0">
+                <a:solidFill>
+                  <a:srgbClr val="FF0000"/>
+                </a:solidFill>
+              </a:rPr>
+              <a:t>(</a:t>
+            </a:r>
+            <a:r>
+              <a:rPr lang="ja-JP" altLang="en-US" sz="1400" b="1">
+                <a:solidFill>
+                  <a:srgbClr val="FF0000"/>
+                </a:solidFill>
+              </a:rPr>
+              <a:t>出生証明</a:t>
+            </a:r>
+            <a:r>
+              <a:rPr lang="en-US" altLang="ja-JP" sz="1400" b="1" dirty="0">
+                <a:solidFill>
+                  <a:srgbClr val="FF0000"/>
+                </a:solidFill>
+              </a:rPr>
+              <a:t>)</a:t>
+            </a:r>
+          </a:p>
+        </p:txBody>
+      </p:sp>
+    </p:spTree>
+    <p:extLst>
+      <p:ext uri="{BB962C8B-B14F-4D97-AF65-F5344CB8AC3E}">
+        <p14:creationId xmlns:p14="http://schemas.microsoft.com/office/powerpoint/2010/main" val="3969077527"/>
+      </p:ext>
+    </p:extLst>
+  </p:cSld>
+  <p:clrMapOvr>
+    <a:masterClrMapping/>
+  </p:clrMapOvr>
+</p:sld>
+</file>
+
 <file path=ppt/theme/theme1.xml><?xml version="1.0" encoding="utf-8"?>
 <a:theme xmlns:a="http://schemas.openxmlformats.org/drawingml/2006/main" name="Office Theme">
   <a:themeElements>

--- a/slides/Figs/figures.pptx
+++ b/slides/Figs/figures.pptx
@@ -14,6 +14,8 @@
     <p:sldId id="261" r:id="rId8"/>
     <p:sldId id="263" r:id="rId9"/>
     <p:sldId id="264" r:id="rId10"/>
+    <p:sldId id="265" r:id="rId11"/>
+    <p:sldId id="266" r:id="rId12"/>
   </p:sldIdLst>
   <p:sldSz cx="12192000" cy="6858000"/>
   <p:notesSz cx="6858000" cy="9144000"/>
@@ -269,7 +271,7 @@
           <a:p>
             <a:fld id="{12806DCE-DF2A-A444-87A0-6650BF1B98E4}" type="datetimeFigureOut">
               <a:rPr lang="en-JP" smtClean="0"/>
-              <a:t>2020/04/30</a:t>
+              <a:t>2020/05/05</a:t>
             </a:fld>
             <a:endParaRPr lang="en-JP"/>
           </a:p>
@@ -469,7 +471,7 @@
           <a:p>
             <a:fld id="{12806DCE-DF2A-A444-87A0-6650BF1B98E4}" type="datetimeFigureOut">
               <a:rPr lang="en-JP" smtClean="0"/>
-              <a:t>2020/04/30</a:t>
+              <a:t>2020/05/05</a:t>
             </a:fld>
             <a:endParaRPr lang="en-JP"/>
           </a:p>
@@ -679,7 +681,7 @@
           <a:p>
             <a:fld id="{12806DCE-DF2A-A444-87A0-6650BF1B98E4}" type="datetimeFigureOut">
               <a:rPr lang="en-JP" smtClean="0"/>
-              <a:t>2020/04/30</a:t>
+              <a:t>2020/05/05</a:t>
             </a:fld>
             <a:endParaRPr lang="en-JP"/>
           </a:p>
@@ -879,7 +881,7 @@
           <a:p>
             <a:fld id="{12806DCE-DF2A-A444-87A0-6650BF1B98E4}" type="datetimeFigureOut">
               <a:rPr lang="en-JP" smtClean="0"/>
-              <a:t>2020/04/30</a:t>
+              <a:t>2020/05/05</a:t>
             </a:fld>
             <a:endParaRPr lang="en-JP"/>
           </a:p>
@@ -1155,7 +1157,7 @@
           <a:p>
             <a:fld id="{12806DCE-DF2A-A444-87A0-6650BF1B98E4}" type="datetimeFigureOut">
               <a:rPr lang="en-JP" smtClean="0"/>
-              <a:t>2020/04/30</a:t>
+              <a:t>2020/05/05</a:t>
             </a:fld>
             <a:endParaRPr lang="en-JP"/>
           </a:p>
@@ -1423,7 +1425,7 @@
           <a:p>
             <a:fld id="{12806DCE-DF2A-A444-87A0-6650BF1B98E4}" type="datetimeFigureOut">
               <a:rPr lang="en-JP" smtClean="0"/>
-              <a:t>2020/04/30</a:t>
+              <a:t>2020/05/05</a:t>
             </a:fld>
             <a:endParaRPr lang="en-JP"/>
           </a:p>
@@ -1838,7 +1840,7 @@
           <a:p>
             <a:fld id="{12806DCE-DF2A-A444-87A0-6650BF1B98E4}" type="datetimeFigureOut">
               <a:rPr lang="en-JP" smtClean="0"/>
-              <a:t>2020/04/30</a:t>
+              <a:t>2020/05/05</a:t>
             </a:fld>
             <a:endParaRPr lang="en-JP"/>
           </a:p>
@@ -1980,7 +1982,7 @@
           <a:p>
             <a:fld id="{12806DCE-DF2A-A444-87A0-6650BF1B98E4}" type="datetimeFigureOut">
               <a:rPr lang="en-JP" smtClean="0"/>
-              <a:t>2020/04/30</a:t>
+              <a:t>2020/05/05</a:t>
             </a:fld>
             <a:endParaRPr lang="en-JP"/>
           </a:p>
@@ -2093,7 +2095,7 @@
           <a:p>
             <a:fld id="{12806DCE-DF2A-A444-87A0-6650BF1B98E4}" type="datetimeFigureOut">
               <a:rPr lang="en-JP" smtClean="0"/>
-              <a:t>2020/04/30</a:t>
+              <a:t>2020/05/05</a:t>
             </a:fld>
             <a:endParaRPr lang="en-JP"/>
           </a:p>
@@ -2406,7 +2408,7 @@
           <a:p>
             <a:fld id="{12806DCE-DF2A-A444-87A0-6650BF1B98E4}" type="datetimeFigureOut">
               <a:rPr lang="en-JP" smtClean="0"/>
-              <a:t>2020/04/30</a:t>
+              <a:t>2020/05/05</a:t>
             </a:fld>
             <a:endParaRPr lang="en-JP"/>
           </a:p>
@@ -2695,7 +2697,7 @@
           <a:p>
             <a:fld id="{12806DCE-DF2A-A444-87A0-6650BF1B98E4}" type="datetimeFigureOut">
               <a:rPr lang="en-JP" smtClean="0"/>
-              <a:t>2020/04/30</a:t>
+              <a:t>2020/05/05</a:t>
             </a:fld>
             <a:endParaRPr lang="en-JP"/>
           </a:p>
@@ -2938,7 +2940,7 @@
           <a:p>
             <a:fld id="{12806DCE-DF2A-A444-87A0-6650BF1B98E4}" type="datetimeFigureOut">
               <a:rPr lang="en-JP" smtClean="0"/>
-              <a:t>2020/04/30</a:t>
+              <a:t>2020/05/05</a:t>
             </a:fld>
             <a:endParaRPr lang="en-JP"/>
           </a:p>
@@ -3409,6 +3411,2595 @@
     <p:extLst>
       <p:ext uri="{BB962C8B-B14F-4D97-AF65-F5344CB8AC3E}">
         <p14:creationId xmlns:p14="http://schemas.microsoft.com/office/powerpoint/2010/main" val="2390265918"/>
+      </p:ext>
+    </p:extLst>
+  </p:cSld>
+  <p:clrMapOvr>
+    <a:masterClrMapping/>
+  </p:clrMapOvr>
+</p:sld>
+</file>
+
+<file path=ppt/slides/slide10.xml><?xml version="1.0" encoding="utf-8"?>
+<p:sld xmlns:a="http://schemas.openxmlformats.org/drawingml/2006/main" xmlns:r="http://schemas.openxmlformats.org/officeDocument/2006/relationships" xmlns:p="http://schemas.openxmlformats.org/presentationml/2006/main">
+  <p:cSld>
+    <p:spTree>
+      <p:nvGrpSpPr>
+        <p:cNvPr id="1" name=""/>
+        <p:cNvGrpSpPr/>
+        <p:nvPr/>
+      </p:nvGrpSpPr>
+      <p:grpSpPr>
+        <a:xfrm>
+          <a:off x="0" y="0"/>
+          <a:ext cx="0" cy="0"/>
+          <a:chOff x="0" y="0"/>
+          <a:chExt cx="0" cy="0"/>
+        </a:xfrm>
+      </p:grpSpPr>
+      <p:pic>
+        <p:nvPicPr>
+          <p:cNvPr id="4" name="Picture 3">
+            <a:extLst>
+              <a:ext uri="{FF2B5EF4-FFF2-40B4-BE49-F238E27FC236}">
+                <a16:creationId xmlns:a16="http://schemas.microsoft.com/office/drawing/2014/main" id="{AE03593B-301A-F749-9424-2125A2FB84A1}"/>
+              </a:ext>
+            </a:extLst>
+          </p:cNvPr>
+          <p:cNvPicPr>
+            <a:picLocks noChangeAspect="1"/>
+          </p:cNvPicPr>
+          <p:nvPr/>
+        </p:nvPicPr>
+        <p:blipFill>
+          <a:blip r:embed="rId2"/>
+          <a:stretch>
+            <a:fillRect/>
+          </a:stretch>
+        </p:blipFill>
+        <p:spPr>
+          <a:xfrm>
+            <a:off x="6738971" y="3382023"/>
+            <a:ext cx="548837" cy="548837"/>
+          </a:xfrm>
+          <a:prstGeom prst="rect">
+            <a:avLst/>
+          </a:prstGeom>
+        </p:spPr>
+      </p:pic>
+      <p:sp>
+        <p:nvSpPr>
+          <p:cNvPr id="5" name="Rounded Rectangle 4">
+            <a:extLst>
+              <a:ext uri="{FF2B5EF4-FFF2-40B4-BE49-F238E27FC236}">
+                <a16:creationId xmlns:a16="http://schemas.microsoft.com/office/drawing/2014/main" id="{EB58D45E-4D0A-3942-9749-CE20C5578EFC}"/>
+              </a:ext>
+            </a:extLst>
+          </p:cNvPr>
+          <p:cNvSpPr/>
+          <p:nvPr/>
+        </p:nvSpPr>
+        <p:spPr>
+          <a:xfrm>
+            <a:off x="4530619" y="1796167"/>
+            <a:ext cx="2771041" cy="369332"/>
+          </a:xfrm>
+          <a:prstGeom prst="roundRect">
+            <a:avLst/>
+          </a:prstGeom>
+          <a:ln w="28575"/>
+        </p:spPr>
+        <p:style>
+          <a:lnRef idx="2">
+            <a:schemeClr val="accent2"/>
+          </a:lnRef>
+          <a:fillRef idx="1">
+            <a:schemeClr val="lt1"/>
+          </a:fillRef>
+          <a:effectRef idx="0">
+            <a:schemeClr val="accent2"/>
+          </a:effectRef>
+          <a:fontRef idx="minor">
+            <a:schemeClr val="dk1"/>
+          </a:fontRef>
+        </p:style>
+        <p:txBody>
+          <a:bodyPr rtlCol="0" anchor="ctr"/>
+          <a:lstStyle/>
+          <a:p>
+            <a:pPr algn="ctr"/>
+            <a:r>
+              <a:rPr lang="en-US" b="1" dirty="0"/>
+              <a:t>Web App</a:t>
+            </a:r>
+            <a:endParaRPr lang="en-JP" b="1" dirty="0"/>
+          </a:p>
+        </p:txBody>
+      </p:sp>
+      <p:sp>
+        <p:nvSpPr>
+          <p:cNvPr id="6" name="Rounded Rectangle 5">
+            <a:extLst>
+              <a:ext uri="{FF2B5EF4-FFF2-40B4-BE49-F238E27FC236}">
+                <a16:creationId xmlns:a16="http://schemas.microsoft.com/office/drawing/2014/main" id="{B31B3E5C-5FB7-4345-A472-77B556DFBE69}"/>
+              </a:ext>
+            </a:extLst>
+          </p:cNvPr>
+          <p:cNvSpPr/>
+          <p:nvPr/>
+        </p:nvSpPr>
+        <p:spPr>
+          <a:xfrm>
+            <a:off x="4530619" y="2323503"/>
+            <a:ext cx="2771041" cy="369332"/>
+          </a:xfrm>
+          <a:prstGeom prst="roundRect">
+            <a:avLst/>
+          </a:prstGeom>
+          <a:ln w="28575"/>
+        </p:spPr>
+        <p:style>
+          <a:lnRef idx="2">
+            <a:schemeClr val="accent1"/>
+          </a:lnRef>
+          <a:fillRef idx="1">
+            <a:schemeClr val="lt1"/>
+          </a:fillRef>
+          <a:effectRef idx="0">
+            <a:schemeClr val="accent1"/>
+          </a:effectRef>
+          <a:fontRef idx="minor">
+            <a:schemeClr val="dk1"/>
+          </a:fontRef>
+        </p:style>
+        <p:txBody>
+          <a:bodyPr rtlCol="0" anchor="ctr"/>
+          <a:lstStyle/>
+          <a:p>
+            <a:pPr algn="ctr"/>
+            <a:r>
+              <a:rPr lang="en-US" b="1" dirty="0"/>
+              <a:t>Browser</a:t>
+            </a:r>
+            <a:endParaRPr lang="en-JP" b="1" dirty="0"/>
+          </a:p>
+        </p:txBody>
+      </p:sp>
+      <p:sp>
+        <p:nvSpPr>
+          <p:cNvPr id="7" name="Rounded Rectangle 6">
+            <a:extLst>
+              <a:ext uri="{FF2B5EF4-FFF2-40B4-BE49-F238E27FC236}">
+                <a16:creationId xmlns:a16="http://schemas.microsoft.com/office/drawing/2014/main" id="{EA5A7AFF-8EA7-4240-A347-3993E3F185E3}"/>
+              </a:ext>
+            </a:extLst>
+          </p:cNvPr>
+          <p:cNvSpPr/>
+          <p:nvPr/>
+        </p:nvSpPr>
+        <p:spPr>
+          <a:xfrm>
+            <a:off x="4530619" y="626795"/>
+            <a:ext cx="2771041" cy="369332"/>
+          </a:xfrm>
+          <a:prstGeom prst="roundRect">
+            <a:avLst/>
+          </a:prstGeom>
+          <a:ln w="28575"/>
+        </p:spPr>
+        <p:style>
+          <a:lnRef idx="2">
+            <a:schemeClr val="dk1"/>
+          </a:lnRef>
+          <a:fillRef idx="1">
+            <a:schemeClr val="lt1"/>
+          </a:fillRef>
+          <a:effectRef idx="0">
+            <a:schemeClr val="dk1"/>
+          </a:effectRef>
+          <a:fontRef idx="minor">
+            <a:schemeClr val="dk1"/>
+          </a:fontRef>
+        </p:style>
+        <p:txBody>
+          <a:bodyPr rtlCol="0" anchor="ctr"/>
+          <a:lstStyle/>
+          <a:p>
+            <a:pPr algn="ctr"/>
+            <a:r>
+              <a:rPr lang="en-US" b="1" dirty="0"/>
+              <a:t>Relaying Party</a:t>
+            </a:r>
+            <a:r>
+              <a:rPr lang="ja-JP" altLang="en-US" b="1"/>
+              <a:t> </a:t>
+            </a:r>
+            <a:r>
+              <a:rPr lang="en-US" altLang="ja-JP" b="1" dirty="0"/>
+              <a:t>(RP)</a:t>
+            </a:r>
+            <a:endParaRPr lang="en-JP" b="1" dirty="0"/>
+          </a:p>
+        </p:txBody>
+      </p:sp>
+      <p:cxnSp>
+        <p:nvCxnSpPr>
+          <p:cNvPr id="11" name="Straight Arrow Connector 10">
+            <a:extLst>
+              <a:ext uri="{FF2B5EF4-FFF2-40B4-BE49-F238E27FC236}">
+                <a16:creationId xmlns:a16="http://schemas.microsoft.com/office/drawing/2014/main" id="{44560F26-4A23-E042-8743-933A7EB2FA7E}"/>
+              </a:ext>
+            </a:extLst>
+          </p:cNvPr>
+          <p:cNvCxnSpPr/>
+          <p:nvPr/>
+        </p:nvCxnSpPr>
+        <p:spPr>
+          <a:xfrm>
+            <a:off x="4961593" y="2709706"/>
+            <a:ext cx="0" cy="778523"/>
+          </a:xfrm>
+          <a:prstGeom prst="straightConnector1">
+            <a:avLst/>
+          </a:prstGeom>
+          <a:ln w="28575">
+            <a:tailEnd type="triangle"/>
+          </a:ln>
+        </p:spPr>
+        <p:style>
+          <a:lnRef idx="1">
+            <a:schemeClr val="accent1"/>
+          </a:lnRef>
+          <a:fillRef idx="0">
+            <a:schemeClr val="accent1"/>
+          </a:fillRef>
+          <a:effectRef idx="0">
+            <a:schemeClr val="accent1"/>
+          </a:effectRef>
+          <a:fontRef idx="minor">
+            <a:schemeClr val="tx1"/>
+          </a:fontRef>
+        </p:style>
+      </p:cxnSp>
+      <p:cxnSp>
+        <p:nvCxnSpPr>
+          <p:cNvPr id="12" name="Straight Arrow Connector 11">
+            <a:extLst>
+              <a:ext uri="{FF2B5EF4-FFF2-40B4-BE49-F238E27FC236}">
+                <a16:creationId xmlns:a16="http://schemas.microsoft.com/office/drawing/2014/main" id="{E676013E-0329-5744-BB09-5D0CC9443352}"/>
+              </a:ext>
+            </a:extLst>
+          </p:cNvPr>
+          <p:cNvCxnSpPr>
+            <a:cxnSpLocks/>
+          </p:cNvCxnSpPr>
+          <p:nvPr/>
+        </p:nvCxnSpPr>
+        <p:spPr>
+          <a:xfrm flipV="1">
+            <a:off x="6792475" y="2682077"/>
+            <a:ext cx="0" cy="778524"/>
+          </a:xfrm>
+          <a:prstGeom prst="straightConnector1">
+            <a:avLst/>
+          </a:prstGeom>
+          <a:ln w="28575">
+            <a:tailEnd type="triangle"/>
+          </a:ln>
+        </p:spPr>
+        <p:style>
+          <a:lnRef idx="1">
+            <a:schemeClr val="accent1"/>
+          </a:lnRef>
+          <a:fillRef idx="0">
+            <a:schemeClr val="accent1"/>
+          </a:fillRef>
+          <a:effectRef idx="0">
+            <a:schemeClr val="accent1"/>
+          </a:effectRef>
+          <a:fontRef idx="minor">
+            <a:schemeClr val="tx1"/>
+          </a:fontRef>
+        </p:style>
+      </p:cxnSp>
+      <p:cxnSp>
+        <p:nvCxnSpPr>
+          <p:cNvPr id="13" name="Straight Arrow Connector 12">
+            <a:extLst>
+              <a:ext uri="{FF2B5EF4-FFF2-40B4-BE49-F238E27FC236}">
+                <a16:creationId xmlns:a16="http://schemas.microsoft.com/office/drawing/2014/main" id="{974C945B-A0AB-AD43-A10C-56528FD87E3E}"/>
+              </a:ext>
+            </a:extLst>
+          </p:cNvPr>
+          <p:cNvCxnSpPr/>
+          <p:nvPr/>
+        </p:nvCxnSpPr>
+        <p:spPr>
+          <a:xfrm>
+            <a:off x="4961593" y="996127"/>
+            <a:ext cx="0" cy="778523"/>
+          </a:xfrm>
+          <a:prstGeom prst="straightConnector1">
+            <a:avLst/>
+          </a:prstGeom>
+          <a:ln w="28575">
+            <a:solidFill>
+              <a:schemeClr val="accent2"/>
+            </a:solidFill>
+            <a:tailEnd type="triangle"/>
+          </a:ln>
+        </p:spPr>
+        <p:style>
+          <a:lnRef idx="1">
+            <a:schemeClr val="accent1"/>
+          </a:lnRef>
+          <a:fillRef idx="0">
+            <a:schemeClr val="accent1"/>
+          </a:fillRef>
+          <a:effectRef idx="0">
+            <a:schemeClr val="accent1"/>
+          </a:effectRef>
+          <a:fontRef idx="minor">
+            <a:schemeClr val="tx1"/>
+          </a:fontRef>
+        </p:style>
+      </p:cxnSp>
+      <p:cxnSp>
+        <p:nvCxnSpPr>
+          <p:cNvPr id="14" name="Straight Arrow Connector 13">
+            <a:extLst>
+              <a:ext uri="{FF2B5EF4-FFF2-40B4-BE49-F238E27FC236}">
+                <a16:creationId xmlns:a16="http://schemas.microsoft.com/office/drawing/2014/main" id="{19311239-CA58-DA4F-89E2-501A635B4577}"/>
+              </a:ext>
+            </a:extLst>
+          </p:cNvPr>
+          <p:cNvCxnSpPr>
+            <a:cxnSpLocks/>
+          </p:cNvCxnSpPr>
+          <p:nvPr/>
+        </p:nvCxnSpPr>
+        <p:spPr>
+          <a:xfrm flipV="1">
+            <a:off x="6787421" y="996127"/>
+            <a:ext cx="0" cy="778524"/>
+          </a:xfrm>
+          <a:prstGeom prst="straightConnector1">
+            <a:avLst/>
+          </a:prstGeom>
+          <a:ln w="28575">
+            <a:solidFill>
+              <a:schemeClr val="accent2"/>
+            </a:solidFill>
+            <a:tailEnd type="triangle"/>
+          </a:ln>
+        </p:spPr>
+        <p:style>
+          <a:lnRef idx="1">
+            <a:schemeClr val="accent1"/>
+          </a:lnRef>
+          <a:fillRef idx="0">
+            <a:schemeClr val="accent1"/>
+          </a:fillRef>
+          <a:effectRef idx="0">
+            <a:schemeClr val="accent1"/>
+          </a:effectRef>
+          <a:fontRef idx="minor">
+            <a:schemeClr val="tx1"/>
+          </a:fontRef>
+        </p:style>
+      </p:cxnSp>
+      <p:pic>
+        <p:nvPicPr>
+          <p:cNvPr id="25" name="Picture 24">
+            <a:extLst>
+              <a:ext uri="{FF2B5EF4-FFF2-40B4-BE49-F238E27FC236}">
+                <a16:creationId xmlns:a16="http://schemas.microsoft.com/office/drawing/2014/main" id="{DA1C92FC-75E5-4D46-BF4F-170F8B2A51BE}"/>
+              </a:ext>
+            </a:extLst>
+          </p:cNvPr>
+          <p:cNvPicPr>
+            <a:picLocks noChangeAspect="1"/>
+          </p:cNvPicPr>
+          <p:nvPr/>
+        </p:nvPicPr>
+        <p:blipFill>
+          <a:blip r:embed="rId3"/>
+          <a:stretch>
+            <a:fillRect/>
+          </a:stretch>
+        </p:blipFill>
+        <p:spPr>
+          <a:xfrm>
+            <a:off x="6136745" y="3984439"/>
+            <a:ext cx="577013" cy="720957"/>
+          </a:xfrm>
+          <a:prstGeom prst="rect">
+            <a:avLst/>
+          </a:prstGeom>
+        </p:spPr>
+      </p:pic>
+      <p:pic>
+        <p:nvPicPr>
+          <p:cNvPr id="26" name="Picture 25">
+            <a:extLst>
+              <a:ext uri="{FF2B5EF4-FFF2-40B4-BE49-F238E27FC236}">
+                <a16:creationId xmlns:a16="http://schemas.microsoft.com/office/drawing/2014/main" id="{3AB77842-3B1E-A449-8307-510A829E474B}"/>
+              </a:ext>
+            </a:extLst>
+          </p:cNvPr>
+          <p:cNvPicPr>
+            <a:picLocks noChangeAspect="1"/>
+          </p:cNvPicPr>
+          <p:nvPr/>
+        </p:nvPicPr>
+        <p:blipFill>
+          <a:blip r:embed="rId4"/>
+          <a:stretch>
+            <a:fillRect/>
+          </a:stretch>
+        </p:blipFill>
+        <p:spPr>
+          <a:xfrm>
+            <a:off x="5160258" y="4215498"/>
+            <a:ext cx="365725" cy="369332"/>
+          </a:xfrm>
+          <a:prstGeom prst="rect">
+            <a:avLst/>
+          </a:prstGeom>
+        </p:spPr>
+      </p:pic>
+      <p:pic>
+        <p:nvPicPr>
+          <p:cNvPr id="27" name="Picture 26">
+            <a:extLst>
+              <a:ext uri="{FF2B5EF4-FFF2-40B4-BE49-F238E27FC236}">
+                <a16:creationId xmlns:a16="http://schemas.microsoft.com/office/drawing/2014/main" id="{24297743-4EEF-C14F-BF79-09FBD00EEB3D}"/>
+              </a:ext>
+            </a:extLst>
+          </p:cNvPr>
+          <p:cNvPicPr>
+            <a:picLocks noChangeAspect="1"/>
+          </p:cNvPicPr>
+          <p:nvPr/>
+        </p:nvPicPr>
+        <p:blipFill>
+          <a:blip r:embed="rId5"/>
+          <a:stretch>
+            <a:fillRect/>
+          </a:stretch>
+        </p:blipFill>
+        <p:spPr>
+          <a:xfrm>
+            <a:off x="6243262" y="4172415"/>
+            <a:ext cx="363978" cy="363978"/>
+          </a:xfrm>
+          <a:prstGeom prst="rect">
+            <a:avLst/>
+          </a:prstGeom>
+        </p:spPr>
+      </p:pic>
+      <p:sp>
+        <p:nvSpPr>
+          <p:cNvPr id="29" name="TextBox 28">
+            <a:extLst>
+              <a:ext uri="{FF2B5EF4-FFF2-40B4-BE49-F238E27FC236}">
+                <a16:creationId xmlns:a16="http://schemas.microsoft.com/office/drawing/2014/main" id="{C1C397F3-3698-D94C-B1EC-EBCE2AD7E5D0}"/>
+              </a:ext>
+            </a:extLst>
+          </p:cNvPr>
+          <p:cNvSpPr txBox="1"/>
+          <p:nvPr/>
+        </p:nvSpPr>
+        <p:spPr>
+          <a:xfrm>
+            <a:off x="4940355" y="4673177"/>
+            <a:ext cx="876137" cy="461665"/>
+          </a:xfrm>
+          <a:prstGeom prst="rect">
+            <a:avLst/>
+          </a:prstGeom>
+          <a:noFill/>
+        </p:spPr>
+        <p:txBody>
+          <a:bodyPr wrap="none" rtlCol="0">
+            <a:spAutoFit/>
+          </a:bodyPr>
+          <a:lstStyle/>
+          <a:p>
+            <a:pPr algn="ctr"/>
+            <a:r>
+              <a:rPr lang="en-JP" sz="1200" dirty="0"/>
+              <a:t>Attestation</a:t>
+            </a:r>
+          </a:p>
+          <a:p>
+            <a:pPr algn="ctr"/>
+            <a:r>
+              <a:rPr lang="en-JP" sz="1200" dirty="0"/>
+              <a:t>Private Key</a:t>
+            </a:r>
+          </a:p>
+        </p:txBody>
+      </p:sp>
+      <p:sp>
+        <p:nvSpPr>
+          <p:cNvPr id="30" name="Line Callout 2 (Accent Bar) 29">
+            <a:extLst>
+              <a:ext uri="{FF2B5EF4-FFF2-40B4-BE49-F238E27FC236}">
+                <a16:creationId xmlns:a16="http://schemas.microsoft.com/office/drawing/2014/main" id="{B6519E2A-2353-F144-9498-59ECA6F16B3F}"/>
+              </a:ext>
+            </a:extLst>
+          </p:cNvPr>
+          <p:cNvSpPr/>
+          <p:nvPr/>
+        </p:nvSpPr>
+        <p:spPr>
+          <a:xfrm>
+            <a:off x="6784517" y="4123766"/>
+            <a:ext cx="924839" cy="369332"/>
+          </a:xfrm>
+          <a:prstGeom prst="accentCallout2">
+            <a:avLst>
+              <a:gd name="adj1" fmla="val 21891"/>
+              <a:gd name="adj2" fmla="val 43"/>
+              <a:gd name="adj3" fmla="val 21663"/>
+              <a:gd name="adj4" fmla="val -3177"/>
+              <a:gd name="adj5" fmla="val 78941"/>
+              <a:gd name="adj6" fmla="val -17228"/>
+            </a:avLst>
+          </a:prstGeom>
+          <a:noFill/>
+        </p:spPr>
+        <p:style>
+          <a:lnRef idx="2">
+            <a:schemeClr val="accent1">
+              <a:shade val="50000"/>
+            </a:schemeClr>
+          </a:lnRef>
+          <a:fillRef idx="1">
+            <a:schemeClr val="accent1"/>
+          </a:fillRef>
+          <a:effectRef idx="0">
+            <a:schemeClr val="accent1"/>
+          </a:effectRef>
+          <a:fontRef idx="minor">
+            <a:schemeClr val="lt1"/>
+          </a:fontRef>
+        </p:style>
+        <p:txBody>
+          <a:bodyPr rtlCol="0" anchor="ctr"/>
+          <a:lstStyle/>
+          <a:p>
+            <a:r>
+              <a:rPr lang="en-JP" sz="1200" dirty="0">
+                <a:solidFill>
+                  <a:srgbClr val="FF0000"/>
+                </a:solidFill>
+              </a:rPr>
+              <a:t>Attestation Certificate</a:t>
+            </a:r>
+            <a:endParaRPr lang="en-JP" sz="1200" dirty="0">
+              <a:solidFill>
+                <a:schemeClr val="tx1"/>
+              </a:solidFill>
+            </a:endParaRPr>
+          </a:p>
+        </p:txBody>
+      </p:sp>
+      <p:pic>
+        <p:nvPicPr>
+          <p:cNvPr id="31" name="Picture 30">
+            <a:extLst>
+              <a:ext uri="{FF2B5EF4-FFF2-40B4-BE49-F238E27FC236}">
+                <a16:creationId xmlns:a16="http://schemas.microsoft.com/office/drawing/2014/main" id="{4EB3B679-DF2F-F24C-85E1-95E422B64B07}"/>
+              </a:ext>
+            </a:extLst>
+          </p:cNvPr>
+          <p:cNvPicPr>
+            <a:picLocks noChangeAspect="1"/>
+          </p:cNvPicPr>
+          <p:nvPr/>
+        </p:nvPicPr>
+        <p:blipFill>
+          <a:blip r:embed="rId6"/>
+          <a:stretch>
+            <a:fillRect/>
+          </a:stretch>
+        </p:blipFill>
+        <p:spPr>
+          <a:xfrm>
+            <a:off x="4894167" y="121651"/>
+            <a:ext cx="439705" cy="439705"/>
+          </a:xfrm>
+          <a:prstGeom prst="rect">
+            <a:avLst/>
+          </a:prstGeom>
+        </p:spPr>
+      </p:pic>
+      <p:sp>
+        <p:nvSpPr>
+          <p:cNvPr id="32" name="Line Callout 2 (Accent Bar) 31">
+            <a:extLst>
+              <a:ext uri="{FF2B5EF4-FFF2-40B4-BE49-F238E27FC236}">
+                <a16:creationId xmlns:a16="http://schemas.microsoft.com/office/drawing/2014/main" id="{F3721DAD-7296-6B40-B0E9-58B47CB7BA57}"/>
+              </a:ext>
+            </a:extLst>
+          </p:cNvPr>
+          <p:cNvSpPr/>
+          <p:nvPr/>
+        </p:nvSpPr>
+        <p:spPr>
+          <a:xfrm>
+            <a:off x="5435879" y="66191"/>
+            <a:ext cx="1603629" cy="369333"/>
+          </a:xfrm>
+          <a:prstGeom prst="accentCallout2">
+            <a:avLst>
+              <a:gd name="adj1" fmla="val 20506"/>
+              <a:gd name="adj2" fmla="val 1577"/>
+              <a:gd name="adj3" fmla="val 17152"/>
+              <a:gd name="adj4" fmla="val -4119"/>
+              <a:gd name="adj5" fmla="val 58189"/>
+              <a:gd name="adj6" fmla="val -13584"/>
+            </a:avLst>
+          </a:prstGeom>
+          <a:noFill/>
+        </p:spPr>
+        <p:style>
+          <a:lnRef idx="2">
+            <a:schemeClr val="accent1">
+              <a:shade val="50000"/>
+            </a:schemeClr>
+          </a:lnRef>
+          <a:fillRef idx="1">
+            <a:schemeClr val="accent1"/>
+          </a:fillRef>
+          <a:effectRef idx="0">
+            <a:schemeClr val="accent1"/>
+          </a:effectRef>
+          <a:fontRef idx="minor">
+            <a:schemeClr val="lt1"/>
+          </a:fontRef>
+        </p:style>
+        <p:txBody>
+          <a:bodyPr rtlCol="0" anchor="ctr"/>
+          <a:lstStyle/>
+          <a:p>
+            <a:r>
+              <a:rPr lang="en-US" altLang="ja-JP" sz="1200" dirty="0">
+                <a:solidFill>
+                  <a:schemeClr val="tx1"/>
+                </a:solidFill>
+              </a:rPr>
+              <a:t>Attestation Certificate</a:t>
+            </a:r>
+            <a:r>
+              <a:rPr lang="ja-JP" altLang="en-US" sz="1200">
+                <a:solidFill>
+                  <a:schemeClr val="tx1"/>
+                </a:solidFill>
+              </a:rPr>
+              <a:t>の検証鍵</a:t>
+            </a:r>
+            <a:endParaRPr lang="en-JP" sz="1200" dirty="0">
+              <a:solidFill>
+                <a:schemeClr val="tx1"/>
+              </a:solidFill>
+            </a:endParaRPr>
+          </a:p>
+        </p:txBody>
+      </p:sp>
+      <p:sp>
+        <p:nvSpPr>
+          <p:cNvPr id="33" name="TextBox 32">
+            <a:extLst>
+              <a:ext uri="{FF2B5EF4-FFF2-40B4-BE49-F238E27FC236}">
+                <a16:creationId xmlns:a16="http://schemas.microsoft.com/office/drawing/2014/main" id="{61A147C5-71D3-824C-A921-734620A699F1}"/>
+              </a:ext>
+            </a:extLst>
+          </p:cNvPr>
+          <p:cNvSpPr txBox="1"/>
+          <p:nvPr/>
+        </p:nvSpPr>
+        <p:spPr>
+          <a:xfrm>
+            <a:off x="5987440" y="4673177"/>
+            <a:ext cx="875624" cy="461665"/>
+          </a:xfrm>
+          <a:prstGeom prst="rect">
+            <a:avLst/>
+          </a:prstGeom>
+          <a:noFill/>
+        </p:spPr>
+        <p:txBody>
+          <a:bodyPr wrap="none" rtlCol="0">
+            <a:spAutoFit/>
+          </a:bodyPr>
+          <a:lstStyle/>
+          <a:p>
+            <a:pPr algn="ctr"/>
+            <a:r>
+              <a:rPr lang="en-JP" sz="1200" dirty="0"/>
+              <a:t>Attestation</a:t>
+            </a:r>
+          </a:p>
+          <a:p>
+            <a:pPr algn="ctr"/>
+            <a:r>
+              <a:rPr lang="en-JP" sz="1200" dirty="0"/>
+              <a:t>Public Key</a:t>
+            </a:r>
+          </a:p>
+        </p:txBody>
+      </p:sp>
+      <p:sp>
+        <p:nvSpPr>
+          <p:cNvPr id="34" name="Rounded Rectangle 33">
+            <a:extLst>
+              <a:ext uri="{FF2B5EF4-FFF2-40B4-BE49-F238E27FC236}">
+                <a16:creationId xmlns:a16="http://schemas.microsoft.com/office/drawing/2014/main" id="{AB548E91-B23A-8D47-AF62-5599E28A63BE}"/>
+              </a:ext>
+            </a:extLst>
+          </p:cNvPr>
+          <p:cNvSpPr/>
+          <p:nvPr/>
+        </p:nvSpPr>
+        <p:spPr>
+          <a:xfrm>
+            <a:off x="4530620" y="3467371"/>
+            <a:ext cx="2771040" cy="369332"/>
+          </a:xfrm>
+          <a:prstGeom prst="roundRect">
+            <a:avLst/>
+          </a:prstGeom>
+          <a:noFill/>
+          <a:ln w="28575"/>
+        </p:spPr>
+        <p:style>
+          <a:lnRef idx="2">
+            <a:schemeClr val="accent1">
+              <a:shade val="50000"/>
+            </a:schemeClr>
+          </a:lnRef>
+          <a:fillRef idx="1">
+            <a:schemeClr val="accent1"/>
+          </a:fillRef>
+          <a:effectRef idx="0">
+            <a:schemeClr val="accent1"/>
+          </a:effectRef>
+          <a:fontRef idx="minor">
+            <a:schemeClr val="lt1"/>
+          </a:fontRef>
+        </p:style>
+        <p:txBody>
+          <a:bodyPr rtlCol="0" anchor="ctr"/>
+          <a:lstStyle/>
+          <a:p>
+            <a:pPr algn="ctr"/>
+            <a:r>
+              <a:rPr lang="en-JP" b="1" dirty="0">
+                <a:solidFill>
+                  <a:schemeClr val="tx1"/>
+                </a:solidFill>
+              </a:rPr>
+              <a:t>Authenticator</a:t>
+            </a:r>
+          </a:p>
+        </p:txBody>
+      </p:sp>
+      <p:cxnSp>
+        <p:nvCxnSpPr>
+          <p:cNvPr id="40" name="Straight Arrow Connector 39">
+            <a:extLst>
+              <a:ext uri="{FF2B5EF4-FFF2-40B4-BE49-F238E27FC236}">
+                <a16:creationId xmlns:a16="http://schemas.microsoft.com/office/drawing/2014/main" id="{7424787D-CE28-0D48-B0B9-F620D5A9D14C}"/>
+              </a:ext>
+            </a:extLst>
+          </p:cNvPr>
+          <p:cNvCxnSpPr>
+            <a:cxnSpLocks/>
+          </p:cNvCxnSpPr>
+          <p:nvPr/>
+        </p:nvCxnSpPr>
+        <p:spPr>
+          <a:xfrm flipV="1">
+            <a:off x="5457173" y="996127"/>
+            <a:ext cx="0" cy="778524"/>
+          </a:xfrm>
+          <a:prstGeom prst="straightConnector1">
+            <a:avLst/>
+          </a:prstGeom>
+          <a:ln w="28575">
+            <a:solidFill>
+              <a:schemeClr val="accent2"/>
+            </a:solidFill>
+            <a:tailEnd type="triangle"/>
+          </a:ln>
+        </p:spPr>
+        <p:style>
+          <a:lnRef idx="1">
+            <a:schemeClr val="accent1"/>
+          </a:lnRef>
+          <a:fillRef idx="0">
+            <a:schemeClr val="accent1"/>
+          </a:fillRef>
+          <a:effectRef idx="0">
+            <a:schemeClr val="accent1"/>
+          </a:effectRef>
+          <a:fontRef idx="minor">
+            <a:schemeClr val="tx1"/>
+          </a:fontRef>
+        </p:style>
+      </p:cxnSp>
+      <p:sp>
+        <p:nvSpPr>
+          <p:cNvPr id="41" name="TextBox 40">
+            <a:extLst>
+              <a:ext uri="{FF2B5EF4-FFF2-40B4-BE49-F238E27FC236}">
+                <a16:creationId xmlns:a16="http://schemas.microsoft.com/office/drawing/2014/main" id="{1A8AB9DA-2C5F-BF46-B06E-90B1ADEB3E54}"/>
+              </a:ext>
+            </a:extLst>
+          </p:cNvPr>
+          <p:cNvSpPr txBox="1"/>
+          <p:nvPr/>
+        </p:nvSpPr>
+        <p:spPr>
+          <a:xfrm>
+            <a:off x="5435879" y="1218633"/>
+            <a:ext cx="989373" cy="276999"/>
+          </a:xfrm>
+          <a:prstGeom prst="rect">
+            <a:avLst/>
+          </a:prstGeom>
+          <a:noFill/>
+        </p:spPr>
+        <p:txBody>
+          <a:bodyPr wrap="none" rtlCol="0">
+            <a:spAutoFit/>
+          </a:bodyPr>
+          <a:lstStyle/>
+          <a:p>
+            <a:r>
+              <a:rPr lang="ja-JP" altLang="en-US" sz="1200" b="1"/>
+              <a:t>⓪</a:t>
+            </a:r>
+            <a:r>
+              <a:rPr lang="en-US" altLang="ja-JP" sz="1200" b="1" dirty="0"/>
+              <a:t> </a:t>
+            </a:r>
+            <a:r>
+              <a:rPr lang="ja-JP" altLang="en-US" sz="1200" b="1"/>
+              <a:t>登録要求</a:t>
+            </a:r>
+            <a:endParaRPr lang="en-JP" sz="1200" b="1" dirty="0"/>
+          </a:p>
+        </p:txBody>
+      </p:sp>
+      <p:sp>
+        <p:nvSpPr>
+          <p:cNvPr id="42" name="TextBox 41">
+            <a:extLst>
+              <a:ext uri="{FF2B5EF4-FFF2-40B4-BE49-F238E27FC236}">
+                <a16:creationId xmlns:a16="http://schemas.microsoft.com/office/drawing/2014/main" id="{52F46565-A348-654D-A7F7-D0F04362093D}"/>
+              </a:ext>
+            </a:extLst>
+          </p:cNvPr>
+          <p:cNvSpPr txBox="1"/>
+          <p:nvPr/>
+        </p:nvSpPr>
+        <p:spPr>
+          <a:xfrm>
+            <a:off x="2274083" y="1146538"/>
+            <a:ext cx="2691955" cy="461665"/>
+          </a:xfrm>
+          <a:prstGeom prst="rect">
+            <a:avLst/>
+          </a:prstGeom>
+          <a:noFill/>
+        </p:spPr>
+        <p:txBody>
+          <a:bodyPr wrap="none" rtlCol="0">
+            <a:spAutoFit/>
+          </a:bodyPr>
+          <a:lstStyle/>
+          <a:p>
+            <a:r>
+              <a:rPr lang="en-JP" sz="1200" b="1" dirty="0"/>
+              <a:t>① </a:t>
+            </a:r>
+            <a:r>
+              <a:rPr lang="en-US" altLang="ja-JP" sz="1200" b="1" dirty="0" err="1"/>
+              <a:t>PublicKeyCredentialCreationOption</a:t>
+            </a:r>
+            <a:endParaRPr lang="en-US" altLang="ja-JP" sz="1200" b="1" dirty="0"/>
+          </a:p>
+          <a:p>
+            <a:r>
+              <a:rPr lang="ja-JP" altLang="en-US" sz="1200" b="1"/>
+              <a:t>　  の送付</a:t>
+            </a:r>
+            <a:endParaRPr lang="en-JP" sz="1200" b="1" dirty="0"/>
+          </a:p>
+        </p:txBody>
+      </p:sp>
+      <p:sp>
+        <p:nvSpPr>
+          <p:cNvPr id="43" name="TextBox 42">
+            <a:extLst>
+              <a:ext uri="{FF2B5EF4-FFF2-40B4-BE49-F238E27FC236}">
+                <a16:creationId xmlns:a16="http://schemas.microsoft.com/office/drawing/2014/main" id="{2E2474DA-8F69-C444-9758-AE9D394452E4}"/>
+              </a:ext>
+            </a:extLst>
+          </p:cNvPr>
+          <p:cNvSpPr txBox="1"/>
+          <p:nvPr/>
+        </p:nvSpPr>
+        <p:spPr>
+          <a:xfrm>
+            <a:off x="5002771" y="2116612"/>
+            <a:ext cx="1853455" cy="276999"/>
+          </a:xfrm>
+          <a:prstGeom prst="rect">
+            <a:avLst/>
+          </a:prstGeom>
+          <a:solidFill>
+            <a:schemeClr val="bg1"/>
+          </a:solidFill>
+          <a:ln w="19050">
+            <a:solidFill>
+              <a:srgbClr val="FF0000"/>
+            </a:solidFill>
+          </a:ln>
+        </p:spPr>
+        <p:txBody>
+          <a:bodyPr wrap="square" rtlCol="0">
+            <a:spAutoFit/>
+          </a:bodyPr>
+          <a:lstStyle/>
+          <a:p>
+            <a:pPr algn="ctr"/>
+            <a:r>
+              <a:rPr lang="en-JP" sz="1200" b="1" dirty="0"/>
+              <a:t>WebAuthn API</a:t>
+            </a:r>
+          </a:p>
+        </p:txBody>
+      </p:sp>
+      <p:sp>
+        <p:nvSpPr>
+          <p:cNvPr id="44" name="TextBox 43">
+            <a:extLst>
+              <a:ext uri="{FF2B5EF4-FFF2-40B4-BE49-F238E27FC236}">
+                <a16:creationId xmlns:a16="http://schemas.microsoft.com/office/drawing/2014/main" id="{0867A35F-19A9-0142-8BD4-5538437EE95B}"/>
+              </a:ext>
+            </a:extLst>
+          </p:cNvPr>
+          <p:cNvSpPr txBox="1"/>
+          <p:nvPr/>
+        </p:nvSpPr>
+        <p:spPr>
+          <a:xfrm>
+            <a:off x="2849719" y="2995222"/>
+            <a:ext cx="2125967" cy="276999"/>
+          </a:xfrm>
+          <a:prstGeom prst="rect">
+            <a:avLst/>
+          </a:prstGeom>
+          <a:noFill/>
+        </p:spPr>
+        <p:txBody>
+          <a:bodyPr wrap="none" rtlCol="0">
+            <a:spAutoFit/>
+          </a:bodyPr>
+          <a:lstStyle/>
+          <a:p>
+            <a:r>
+              <a:rPr lang="en-JP" sz="1200" b="1" dirty="0"/>
+              <a:t>③Credential</a:t>
+            </a:r>
+            <a:r>
+              <a:rPr lang="ja-JP" altLang="en-US" sz="1200" b="1"/>
+              <a:t>生成要求の送付</a:t>
+            </a:r>
+            <a:endParaRPr lang="en-JP" sz="1200" b="1" dirty="0"/>
+          </a:p>
+        </p:txBody>
+      </p:sp>
+      <p:sp>
+        <p:nvSpPr>
+          <p:cNvPr id="45" name="TextBox 44">
+            <a:extLst>
+              <a:ext uri="{FF2B5EF4-FFF2-40B4-BE49-F238E27FC236}">
+                <a16:creationId xmlns:a16="http://schemas.microsoft.com/office/drawing/2014/main" id="{815841C5-BA76-694D-80ED-A2CED459B9F0}"/>
+              </a:ext>
+            </a:extLst>
+          </p:cNvPr>
+          <p:cNvSpPr txBox="1"/>
+          <p:nvPr/>
+        </p:nvSpPr>
+        <p:spPr>
+          <a:xfrm>
+            <a:off x="6787421" y="1118008"/>
+            <a:ext cx="2634439" cy="461665"/>
+          </a:xfrm>
+          <a:prstGeom prst="rect">
+            <a:avLst/>
+          </a:prstGeom>
+          <a:noFill/>
+        </p:spPr>
+        <p:txBody>
+          <a:bodyPr wrap="none" rtlCol="0">
+            <a:spAutoFit/>
+          </a:bodyPr>
+          <a:lstStyle/>
+          <a:p>
+            <a:r>
+              <a:rPr lang="en-JP" sz="1200" b="1" dirty="0"/>
+              <a:t>⑦ AuthenticatorAttestationResponse</a:t>
+            </a:r>
+          </a:p>
+          <a:p>
+            <a:r>
+              <a:rPr lang="ja-JP" altLang="en-US" sz="1200" b="1"/>
+              <a:t>　  の送付</a:t>
+            </a:r>
+            <a:endParaRPr lang="en-JP" sz="1200" b="1" dirty="0"/>
+          </a:p>
+        </p:txBody>
+      </p:sp>
+      <p:sp>
+        <p:nvSpPr>
+          <p:cNvPr id="46" name="TextBox 45">
+            <a:extLst>
+              <a:ext uri="{FF2B5EF4-FFF2-40B4-BE49-F238E27FC236}">
+                <a16:creationId xmlns:a16="http://schemas.microsoft.com/office/drawing/2014/main" id="{76EA66A1-4CC1-914A-9FB4-EC963D5CACD4}"/>
+              </a:ext>
+            </a:extLst>
+          </p:cNvPr>
+          <p:cNvSpPr txBox="1"/>
+          <p:nvPr/>
+        </p:nvSpPr>
+        <p:spPr>
+          <a:xfrm>
+            <a:off x="2677163" y="2037545"/>
+            <a:ext cx="1853456" cy="461665"/>
+          </a:xfrm>
+          <a:prstGeom prst="rect">
+            <a:avLst/>
+          </a:prstGeom>
+          <a:noFill/>
+        </p:spPr>
+        <p:txBody>
+          <a:bodyPr wrap="none" rtlCol="0">
+            <a:spAutoFit/>
+          </a:bodyPr>
+          <a:lstStyle/>
+          <a:p>
+            <a:r>
+              <a:rPr lang="en-JP" sz="1200" b="1" dirty="0"/>
+              <a:t>② </a:t>
+            </a:r>
+            <a:r>
+              <a:rPr lang="ja-JP" altLang="en-US" sz="1200" b="1"/>
+              <a:t>認証器への</a:t>
+            </a:r>
+            <a:r>
+              <a:rPr lang="en-US" altLang="ja-JP" sz="1200" b="1" dirty="0"/>
+              <a:t>Credential</a:t>
+            </a:r>
+          </a:p>
+          <a:p>
+            <a:r>
+              <a:rPr lang="ja-JP" altLang="en-US" sz="1200" b="1"/>
+              <a:t>　  生成要求の作成</a:t>
+            </a:r>
+            <a:endParaRPr lang="en-JP" sz="1200" b="1" dirty="0"/>
+          </a:p>
+        </p:txBody>
+      </p:sp>
+      <p:sp>
+        <p:nvSpPr>
+          <p:cNvPr id="47" name="TextBox 46">
+            <a:extLst>
+              <a:ext uri="{FF2B5EF4-FFF2-40B4-BE49-F238E27FC236}">
+                <a16:creationId xmlns:a16="http://schemas.microsoft.com/office/drawing/2014/main" id="{7677C081-4B65-1545-8150-8E8EED6847AE}"/>
+              </a:ext>
+            </a:extLst>
+          </p:cNvPr>
+          <p:cNvSpPr txBox="1"/>
+          <p:nvPr/>
+        </p:nvSpPr>
+        <p:spPr>
+          <a:xfrm>
+            <a:off x="7316861" y="3548062"/>
+            <a:ext cx="2554802" cy="461665"/>
+          </a:xfrm>
+          <a:prstGeom prst="rect">
+            <a:avLst/>
+          </a:prstGeom>
+          <a:noFill/>
+        </p:spPr>
+        <p:txBody>
+          <a:bodyPr wrap="none" rtlCol="0">
+            <a:spAutoFit/>
+          </a:bodyPr>
+          <a:lstStyle/>
+          <a:p>
+            <a:r>
+              <a:rPr lang="en-JP" sz="1200" b="1" dirty="0"/>
+              <a:t>④</a:t>
+            </a:r>
+            <a:r>
+              <a:rPr lang="en-US" sz="1200" b="1" dirty="0"/>
+              <a:t> Credential Key Pair</a:t>
+            </a:r>
+            <a:r>
+              <a:rPr lang="ja-JP" altLang="en-US" sz="1200" b="1"/>
+              <a:t>の新規生成、</a:t>
+            </a:r>
+            <a:endParaRPr lang="en-US" altLang="ja-JP" sz="1200" b="1" dirty="0"/>
+          </a:p>
+          <a:p>
+            <a:r>
+              <a:rPr lang="ja-JP" altLang="en-US" sz="1200" b="1"/>
+              <a:t>　   署名を付与</a:t>
+            </a:r>
+            <a:endParaRPr lang="en-JP" sz="1200" b="1" dirty="0"/>
+          </a:p>
+        </p:txBody>
+      </p:sp>
+      <p:sp>
+        <p:nvSpPr>
+          <p:cNvPr id="48" name="TextBox 47">
+            <a:extLst>
+              <a:ext uri="{FF2B5EF4-FFF2-40B4-BE49-F238E27FC236}">
+                <a16:creationId xmlns:a16="http://schemas.microsoft.com/office/drawing/2014/main" id="{7E9DEE9D-769B-C94D-9023-542E78468F13}"/>
+              </a:ext>
+            </a:extLst>
+          </p:cNvPr>
+          <p:cNvSpPr txBox="1"/>
+          <p:nvPr/>
+        </p:nvSpPr>
+        <p:spPr>
+          <a:xfrm>
+            <a:off x="6848499" y="2972358"/>
+            <a:ext cx="2004010" cy="276999"/>
+          </a:xfrm>
+          <a:prstGeom prst="rect">
+            <a:avLst/>
+          </a:prstGeom>
+          <a:noFill/>
+        </p:spPr>
+        <p:txBody>
+          <a:bodyPr wrap="none" rtlCol="0">
+            <a:spAutoFit/>
+          </a:bodyPr>
+          <a:lstStyle/>
+          <a:p>
+            <a:r>
+              <a:rPr lang="en-US" sz="1200" b="1" dirty="0"/>
+              <a:t>⑤ </a:t>
+            </a:r>
+            <a:r>
+              <a:rPr lang="en-US" sz="1200" b="1" dirty="0" err="1"/>
+              <a:t>attestationObject</a:t>
+            </a:r>
+            <a:r>
+              <a:rPr lang="ja-JP" altLang="en-US" sz="1200" b="1"/>
+              <a:t>の送付</a:t>
+            </a:r>
+            <a:endParaRPr lang="en-JP" sz="1200" b="1" dirty="0"/>
+          </a:p>
+        </p:txBody>
+      </p:sp>
+      <p:sp>
+        <p:nvSpPr>
+          <p:cNvPr id="51" name="TextBox 50">
+            <a:extLst>
+              <a:ext uri="{FF2B5EF4-FFF2-40B4-BE49-F238E27FC236}">
+                <a16:creationId xmlns:a16="http://schemas.microsoft.com/office/drawing/2014/main" id="{D264CFDB-B434-7849-B01A-E05318361B9E}"/>
+              </a:ext>
+            </a:extLst>
+          </p:cNvPr>
+          <p:cNvSpPr txBox="1"/>
+          <p:nvPr/>
+        </p:nvSpPr>
+        <p:spPr>
+          <a:xfrm>
+            <a:off x="7292182" y="2123346"/>
+            <a:ext cx="1670650" cy="276999"/>
+          </a:xfrm>
+          <a:prstGeom prst="rect">
+            <a:avLst/>
+          </a:prstGeom>
+          <a:noFill/>
+        </p:spPr>
+        <p:txBody>
+          <a:bodyPr wrap="none" rtlCol="0">
+            <a:spAutoFit/>
+          </a:bodyPr>
+          <a:lstStyle/>
+          <a:p>
+            <a:r>
+              <a:rPr lang="en-JP" sz="1200" b="1" dirty="0"/>
+              <a:t>⑥ RP</a:t>
+            </a:r>
+            <a:r>
+              <a:rPr lang="ja-JP" altLang="en-US" sz="1200" b="1"/>
+              <a:t>への応答の生成</a:t>
+            </a:r>
+            <a:endParaRPr lang="en-JP" sz="1200" b="1" dirty="0"/>
+          </a:p>
+        </p:txBody>
+      </p:sp>
+      <p:sp>
+        <p:nvSpPr>
+          <p:cNvPr id="52" name="TextBox 51">
+            <a:extLst>
+              <a:ext uri="{FF2B5EF4-FFF2-40B4-BE49-F238E27FC236}">
+                <a16:creationId xmlns:a16="http://schemas.microsoft.com/office/drawing/2014/main" id="{AA6D468C-3BCC-0C49-8005-00A1D91A6C0B}"/>
+              </a:ext>
+            </a:extLst>
+          </p:cNvPr>
+          <p:cNvSpPr txBox="1"/>
+          <p:nvPr/>
+        </p:nvSpPr>
+        <p:spPr>
+          <a:xfrm>
+            <a:off x="7186501" y="334305"/>
+            <a:ext cx="2264730" cy="461665"/>
+          </a:xfrm>
+          <a:prstGeom prst="rect">
+            <a:avLst/>
+          </a:prstGeom>
+          <a:noFill/>
+        </p:spPr>
+        <p:txBody>
+          <a:bodyPr wrap="square" rtlCol="0">
+            <a:spAutoFit/>
+          </a:bodyPr>
+          <a:lstStyle/>
+          <a:p>
+            <a:r>
+              <a:rPr lang="en-JP" sz="1200" b="1" dirty="0"/>
+              <a:t>⑧</a:t>
+            </a:r>
+            <a:r>
+              <a:rPr lang="ja-JP" altLang="en-US" sz="1200" b="1"/>
+              <a:t> </a:t>
+            </a:r>
+            <a:r>
+              <a:rPr lang="en-US" altLang="ja-JP" sz="1200" b="1" dirty="0" err="1"/>
+              <a:t>AttestationResponse</a:t>
+            </a:r>
+            <a:r>
+              <a:rPr lang="ja-JP" altLang="en-US" sz="1200" b="1"/>
+              <a:t>の検証</a:t>
+            </a:r>
+            <a:endParaRPr lang="en-US" altLang="ja-JP" sz="1200" b="1" dirty="0"/>
+          </a:p>
+          <a:p>
+            <a:r>
+              <a:rPr lang="ja-JP" altLang="en-US" sz="1200" b="1"/>
+              <a:t>　   </a:t>
+            </a:r>
+            <a:r>
+              <a:rPr lang="en-US" altLang="ja-JP" sz="1200" b="1" dirty="0"/>
+              <a:t>Credential Certificate</a:t>
+            </a:r>
+            <a:r>
+              <a:rPr lang="ja-JP" altLang="en-US" sz="1200" b="1"/>
+              <a:t>登録</a:t>
+            </a:r>
+            <a:endParaRPr lang="en-JP" sz="1200" b="1" dirty="0"/>
+          </a:p>
+        </p:txBody>
+      </p:sp>
+    </p:spTree>
+    <p:extLst>
+      <p:ext uri="{BB962C8B-B14F-4D97-AF65-F5344CB8AC3E}">
+        <p14:creationId xmlns:p14="http://schemas.microsoft.com/office/powerpoint/2010/main" val="1656249194"/>
+      </p:ext>
+    </p:extLst>
+  </p:cSld>
+  <p:clrMapOvr>
+    <a:masterClrMapping/>
+  </p:clrMapOvr>
+</p:sld>
+</file>
+
+<file path=ppt/slides/slide11.xml><?xml version="1.0" encoding="utf-8"?>
+<p:sld xmlns:a="http://schemas.openxmlformats.org/drawingml/2006/main" xmlns:r="http://schemas.openxmlformats.org/officeDocument/2006/relationships" xmlns:p="http://schemas.openxmlformats.org/presentationml/2006/main">
+  <p:cSld>
+    <p:spTree>
+      <p:nvGrpSpPr>
+        <p:cNvPr id="1" name=""/>
+        <p:cNvGrpSpPr/>
+        <p:nvPr/>
+      </p:nvGrpSpPr>
+      <p:grpSpPr>
+        <a:xfrm>
+          <a:off x="0" y="0"/>
+          <a:ext cx="0" cy="0"/>
+          <a:chOff x="0" y="0"/>
+          <a:chExt cx="0" cy="0"/>
+        </a:xfrm>
+      </p:grpSpPr>
+      <p:pic>
+        <p:nvPicPr>
+          <p:cNvPr id="4" name="Picture 3">
+            <a:extLst>
+              <a:ext uri="{FF2B5EF4-FFF2-40B4-BE49-F238E27FC236}">
+                <a16:creationId xmlns:a16="http://schemas.microsoft.com/office/drawing/2014/main" id="{7BB16E77-4C5A-EE4B-8951-017E2E34B25A}"/>
+              </a:ext>
+            </a:extLst>
+          </p:cNvPr>
+          <p:cNvPicPr>
+            <a:picLocks noChangeAspect="1"/>
+          </p:cNvPicPr>
+          <p:nvPr/>
+        </p:nvPicPr>
+        <p:blipFill>
+          <a:blip r:embed="rId2"/>
+          <a:stretch>
+            <a:fillRect/>
+          </a:stretch>
+        </p:blipFill>
+        <p:spPr>
+          <a:xfrm>
+            <a:off x="6738971" y="3382023"/>
+            <a:ext cx="548837" cy="548837"/>
+          </a:xfrm>
+          <a:prstGeom prst="rect">
+            <a:avLst/>
+          </a:prstGeom>
+        </p:spPr>
+      </p:pic>
+      <p:sp>
+        <p:nvSpPr>
+          <p:cNvPr id="5" name="Rounded Rectangle 4">
+            <a:extLst>
+              <a:ext uri="{FF2B5EF4-FFF2-40B4-BE49-F238E27FC236}">
+                <a16:creationId xmlns:a16="http://schemas.microsoft.com/office/drawing/2014/main" id="{DE13ECB7-BAE5-AE44-B6FA-E837ED650D36}"/>
+              </a:ext>
+            </a:extLst>
+          </p:cNvPr>
+          <p:cNvSpPr/>
+          <p:nvPr/>
+        </p:nvSpPr>
+        <p:spPr>
+          <a:xfrm>
+            <a:off x="4530619" y="1796167"/>
+            <a:ext cx="2771041" cy="369332"/>
+          </a:xfrm>
+          <a:prstGeom prst="roundRect">
+            <a:avLst/>
+          </a:prstGeom>
+          <a:ln w="28575"/>
+        </p:spPr>
+        <p:style>
+          <a:lnRef idx="2">
+            <a:schemeClr val="accent2"/>
+          </a:lnRef>
+          <a:fillRef idx="1">
+            <a:schemeClr val="lt1"/>
+          </a:fillRef>
+          <a:effectRef idx="0">
+            <a:schemeClr val="accent2"/>
+          </a:effectRef>
+          <a:fontRef idx="minor">
+            <a:schemeClr val="dk1"/>
+          </a:fontRef>
+        </p:style>
+        <p:txBody>
+          <a:bodyPr rtlCol="0" anchor="ctr"/>
+          <a:lstStyle/>
+          <a:p>
+            <a:pPr algn="ctr"/>
+            <a:r>
+              <a:rPr lang="en-US" b="1" dirty="0"/>
+              <a:t>Web App</a:t>
+            </a:r>
+            <a:endParaRPr lang="en-JP" b="1" dirty="0"/>
+          </a:p>
+        </p:txBody>
+      </p:sp>
+      <p:sp>
+        <p:nvSpPr>
+          <p:cNvPr id="6" name="Rounded Rectangle 5">
+            <a:extLst>
+              <a:ext uri="{FF2B5EF4-FFF2-40B4-BE49-F238E27FC236}">
+                <a16:creationId xmlns:a16="http://schemas.microsoft.com/office/drawing/2014/main" id="{7EC16796-AA12-7642-9453-F8A3E98CA0F1}"/>
+              </a:ext>
+            </a:extLst>
+          </p:cNvPr>
+          <p:cNvSpPr/>
+          <p:nvPr/>
+        </p:nvSpPr>
+        <p:spPr>
+          <a:xfrm>
+            <a:off x="4530619" y="2323503"/>
+            <a:ext cx="2771041" cy="369332"/>
+          </a:xfrm>
+          <a:prstGeom prst="roundRect">
+            <a:avLst/>
+          </a:prstGeom>
+          <a:ln w="28575"/>
+        </p:spPr>
+        <p:style>
+          <a:lnRef idx="2">
+            <a:schemeClr val="accent1"/>
+          </a:lnRef>
+          <a:fillRef idx="1">
+            <a:schemeClr val="lt1"/>
+          </a:fillRef>
+          <a:effectRef idx="0">
+            <a:schemeClr val="accent1"/>
+          </a:effectRef>
+          <a:fontRef idx="minor">
+            <a:schemeClr val="dk1"/>
+          </a:fontRef>
+        </p:style>
+        <p:txBody>
+          <a:bodyPr rtlCol="0" anchor="ctr"/>
+          <a:lstStyle/>
+          <a:p>
+            <a:pPr algn="ctr"/>
+            <a:r>
+              <a:rPr lang="en-US" b="1" dirty="0"/>
+              <a:t>Browser</a:t>
+            </a:r>
+            <a:endParaRPr lang="en-JP" b="1" dirty="0"/>
+          </a:p>
+        </p:txBody>
+      </p:sp>
+      <p:sp>
+        <p:nvSpPr>
+          <p:cNvPr id="7" name="Rounded Rectangle 6">
+            <a:extLst>
+              <a:ext uri="{FF2B5EF4-FFF2-40B4-BE49-F238E27FC236}">
+                <a16:creationId xmlns:a16="http://schemas.microsoft.com/office/drawing/2014/main" id="{667C2817-EB5F-234E-B260-12E87E4C5165}"/>
+              </a:ext>
+            </a:extLst>
+          </p:cNvPr>
+          <p:cNvSpPr/>
+          <p:nvPr/>
+        </p:nvSpPr>
+        <p:spPr>
+          <a:xfrm>
+            <a:off x="4530619" y="626795"/>
+            <a:ext cx="2771041" cy="369332"/>
+          </a:xfrm>
+          <a:prstGeom prst="roundRect">
+            <a:avLst/>
+          </a:prstGeom>
+          <a:ln w="28575"/>
+        </p:spPr>
+        <p:style>
+          <a:lnRef idx="2">
+            <a:schemeClr val="dk1"/>
+          </a:lnRef>
+          <a:fillRef idx="1">
+            <a:schemeClr val="lt1"/>
+          </a:fillRef>
+          <a:effectRef idx="0">
+            <a:schemeClr val="dk1"/>
+          </a:effectRef>
+          <a:fontRef idx="minor">
+            <a:schemeClr val="dk1"/>
+          </a:fontRef>
+        </p:style>
+        <p:txBody>
+          <a:bodyPr rtlCol="0" anchor="ctr"/>
+          <a:lstStyle/>
+          <a:p>
+            <a:pPr algn="ctr"/>
+            <a:r>
+              <a:rPr lang="en-US" b="1" dirty="0"/>
+              <a:t>Relaying Party</a:t>
+            </a:r>
+            <a:r>
+              <a:rPr lang="ja-JP" altLang="en-US" b="1"/>
+              <a:t> </a:t>
+            </a:r>
+            <a:r>
+              <a:rPr lang="en-US" altLang="ja-JP" b="1" dirty="0"/>
+              <a:t>(RP)</a:t>
+            </a:r>
+            <a:endParaRPr lang="en-JP" b="1" dirty="0"/>
+          </a:p>
+        </p:txBody>
+      </p:sp>
+      <p:cxnSp>
+        <p:nvCxnSpPr>
+          <p:cNvPr id="8" name="Straight Arrow Connector 7">
+            <a:extLst>
+              <a:ext uri="{FF2B5EF4-FFF2-40B4-BE49-F238E27FC236}">
+                <a16:creationId xmlns:a16="http://schemas.microsoft.com/office/drawing/2014/main" id="{E3E40130-3BED-B941-88CF-D1299972173E}"/>
+              </a:ext>
+            </a:extLst>
+          </p:cNvPr>
+          <p:cNvCxnSpPr/>
+          <p:nvPr/>
+        </p:nvCxnSpPr>
+        <p:spPr>
+          <a:xfrm>
+            <a:off x="4961593" y="2709706"/>
+            <a:ext cx="0" cy="778523"/>
+          </a:xfrm>
+          <a:prstGeom prst="straightConnector1">
+            <a:avLst/>
+          </a:prstGeom>
+          <a:ln w="28575">
+            <a:tailEnd type="triangle"/>
+          </a:ln>
+        </p:spPr>
+        <p:style>
+          <a:lnRef idx="1">
+            <a:schemeClr val="accent1"/>
+          </a:lnRef>
+          <a:fillRef idx="0">
+            <a:schemeClr val="accent1"/>
+          </a:fillRef>
+          <a:effectRef idx="0">
+            <a:schemeClr val="accent1"/>
+          </a:effectRef>
+          <a:fontRef idx="minor">
+            <a:schemeClr val="tx1"/>
+          </a:fontRef>
+        </p:style>
+      </p:cxnSp>
+      <p:cxnSp>
+        <p:nvCxnSpPr>
+          <p:cNvPr id="9" name="Straight Arrow Connector 8">
+            <a:extLst>
+              <a:ext uri="{FF2B5EF4-FFF2-40B4-BE49-F238E27FC236}">
+                <a16:creationId xmlns:a16="http://schemas.microsoft.com/office/drawing/2014/main" id="{9E3EB259-E7FF-D047-8D6B-D88B029D6503}"/>
+              </a:ext>
+            </a:extLst>
+          </p:cNvPr>
+          <p:cNvCxnSpPr>
+            <a:cxnSpLocks/>
+          </p:cNvCxnSpPr>
+          <p:nvPr/>
+        </p:nvCxnSpPr>
+        <p:spPr>
+          <a:xfrm flipV="1">
+            <a:off x="6792475" y="2682077"/>
+            <a:ext cx="0" cy="778524"/>
+          </a:xfrm>
+          <a:prstGeom prst="straightConnector1">
+            <a:avLst/>
+          </a:prstGeom>
+          <a:ln w="28575">
+            <a:tailEnd type="triangle"/>
+          </a:ln>
+        </p:spPr>
+        <p:style>
+          <a:lnRef idx="1">
+            <a:schemeClr val="accent1"/>
+          </a:lnRef>
+          <a:fillRef idx="0">
+            <a:schemeClr val="accent1"/>
+          </a:fillRef>
+          <a:effectRef idx="0">
+            <a:schemeClr val="accent1"/>
+          </a:effectRef>
+          <a:fontRef idx="minor">
+            <a:schemeClr val="tx1"/>
+          </a:fontRef>
+        </p:style>
+      </p:cxnSp>
+      <p:cxnSp>
+        <p:nvCxnSpPr>
+          <p:cNvPr id="10" name="Straight Arrow Connector 9">
+            <a:extLst>
+              <a:ext uri="{FF2B5EF4-FFF2-40B4-BE49-F238E27FC236}">
+                <a16:creationId xmlns:a16="http://schemas.microsoft.com/office/drawing/2014/main" id="{1493BA4F-6CA1-1749-8DEF-907D657C82A8}"/>
+              </a:ext>
+            </a:extLst>
+          </p:cNvPr>
+          <p:cNvCxnSpPr/>
+          <p:nvPr/>
+        </p:nvCxnSpPr>
+        <p:spPr>
+          <a:xfrm>
+            <a:off x="4961593" y="996127"/>
+            <a:ext cx="0" cy="778523"/>
+          </a:xfrm>
+          <a:prstGeom prst="straightConnector1">
+            <a:avLst/>
+          </a:prstGeom>
+          <a:ln w="28575">
+            <a:solidFill>
+              <a:schemeClr val="accent2"/>
+            </a:solidFill>
+            <a:tailEnd type="triangle"/>
+          </a:ln>
+        </p:spPr>
+        <p:style>
+          <a:lnRef idx="1">
+            <a:schemeClr val="accent1"/>
+          </a:lnRef>
+          <a:fillRef idx="0">
+            <a:schemeClr val="accent1"/>
+          </a:fillRef>
+          <a:effectRef idx="0">
+            <a:schemeClr val="accent1"/>
+          </a:effectRef>
+          <a:fontRef idx="minor">
+            <a:schemeClr val="tx1"/>
+          </a:fontRef>
+        </p:style>
+      </p:cxnSp>
+      <p:cxnSp>
+        <p:nvCxnSpPr>
+          <p:cNvPr id="11" name="Straight Arrow Connector 10">
+            <a:extLst>
+              <a:ext uri="{FF2B5EF4-FFF2-40B4-BE49-F238E27FC236}">
+                <a16:creationId xmlns:a16="http://schemas.microsoft.com/office/drawing/2014/main" id="{A0566FA4-7A0D-9347-9D4C-6667961C2B07}"/>
+              </a:ext>
+            </a:extLst>
+          </p:cNvPr>
+          <p:cNvCxnSpPr>
+            <a:cxnSpLocks/>
+          </p:cNvCxnSpPr>
+          <p:nvPr/>
+        </p:nvCxnSpPr>
+        <p:spPr>
+          <a:xfrm flipV="1">
+            <a:off x="6787421" y="996127"/>
+            <a:ext cx="0" cy="778524"/>
+          </a:xfrm>
+          <a:prstGeom prst="straightConnector1">
+            <a:avLst/>
+          </a:prstGeom>
+          <a:ln w="28575">
+            <a:solidFill>
+              <a:schemeClr val="accent2"/>
+            </a:solidFill>
+            <a:tailEnd type="triangle"/>
+          </a:ln>
+        </p:spPr>
+        <p:style>
+          <a:lnRef idx="1">
+            <a:schemeClr val="accent1"/>
+          </a:lnRef>
+          <a:fillRef idx="0">
+            <a:schemeClr val="accent1"/>
+          </a:fillRef>
+          <a:effectRef idx="0">
+            <a:schemeClr val="accent1"/>
+          </a:effectRef>
+          <a:fontRef idx="minor">
+            <a:schemeClr val="tx1"/>
+          </a:fontRef>
+        </p:style>
+      </p:cxnSp>
+      <p:sp>
+        <p:nvSpPr>
+          <p:cNvPr id="12" name="Rounded Rectangle 11">
+            <a:extLst>
+              <a:ext uri="{FF2B5EF4-FFF2-40B4-BE49-F238E27FC236}">
+                <a16:creationId xmlns:a16="http://schemas.microsoft.com/office/drawing/2014/main" id="{1A8FA66B-4F4F-6341-B599-4D64AD97C0A9}"/>
+              </a:ext>
+            </a:extLst>
+          </p:cNvPr>
+          <p:cNvSpPr/>
+          <p:nvPr/>
+        </p:nvSpPr>
+        <p:spPr>
+          <a:xfrm>
+            <a:off x="4530620" y="3467371"/>
+            <a:ext cx="2771040" cy="369332"/>
+          </a:xfrm>
+          <a:prstGeom prst="roundRect">
+            <a:avLst/>
+          </a:prstGeom>
+          <a:noFill/>
+          <a:ln w="28575"/>
+        </p:spPr>
+        <p:style>
+          <a:lnRef idx="2">
+            <a:schemeClr val="accent1">
+              <a:shade val="50000"/>
+            </a:schemeClr>
+          </a:lnRef>
+          <a:fillRef idx="1">
+            <a:schemeClr val="accent1"/>
+          </a:fillRef>
+          <a:effectRef idx="0">
+            <a:schemeClr val="accent1"/>
+          </a:effectRef>
+          <a:fontRef idx="minor">
+            <a:schemeClr val="lt1"/>
+          </a:fontRef>
+        </p:style>
+        <p:txBody>
+          <a:bodyPr rtlCol="0" anchor="ctr"/>
+          <a:lstStyle/>
+          <a:p>
+            <a:pPr algn="ctr"/>
+            <a:r>
+              <a:rPr lang="en-JP" b="1" dirty="0">
+                <a:solidFill>
+                  <a:schemeClr val="tx1"/>
+                </a:solidFill>
+              </a:rPr>
+              <a:t>Authenticator</a:t>
+            </a:r>
+          </a:p>
+        </p:txBody>
+      </p:sp>
+      <p:cxnSp>
+        <p:nvCxnSpPr>
+          <p:cNvPr id="13" name="Straight Arrow Connector 12">
+            <a:extLst>
+              <a:ext uri="{FF2B5EF4-FFF2-40B4-BE49-F238E27FC236}">
+                <a16:creationId xmlns:a16="http://schemas.microsoft.com/office/drawing/2014/main" id="{26E3324E-4537-B443-A408-263E62032076}"/>
+              </a:ext>
+            </a:extLst>
+          </p:cNvPr>
+          <p:cNvCxnSpPr>
+            <a:cxnSpLocks/>
+          </p:cNvCxnSpPr>
+          <p:nvPr/>
+        </p:nvCxnSpPr>
+        <p:spPr>
+          <a:xfrm flipV="1">
+            <a:off x="5457173" y="996127"/>
+            <a:ext cx="0" cy="778524"/>
+          </a:xfrm>
+          <a:prstGeom prst="straightConnector1">
+            <a:avLst/>
+          </a:prstGeom>
+          <a:ln w="28575">
+            <a:solidFill>
+              <a:schemeClr val="accent2"/>
+            </a:solidFill>
+            <a:tailEnd type="triangle"/>
+          </a:ln>
+        </p:spPr>
+        <p:style>
+          <a:lnRef idx="1">
+            <a:schemeClr val="accent1"/>
+          </a:lnRef>
+          <a:fillRef idx="0">
+            <a:schemeClr val="accent1"/>
+          </a:fillRef>
+          <a:effectRef idx="0">
+            <a:schemeClr val="accent1"/>
+          </a:effectRef>
+          <a:fontRef idx="minor">
+            <a:schemeClr val="tx1"/>
+          </a:fontRef>
+        </p:style>
+      </p:cxnSp>
+      <p:sp>
+        <p:nvSpPr>
+          <p:cNvPr id="14" name="TextBox 13">
+            <a:extLst>
+              <a:ext uri="{FF2B5EF4-FFF2-40B4-BE49-F238E27FC236}">
+                <a16:creationId xmlns:a16="http://schemas.microsoft.com/office/drawing/2014/main" id="{F4BB5431-8EB3-E940-8E58-C244A24ACCC5}"/>
+              </a:ext>
+            </a:extLst>
+          </p:cNvPr>
+          <p:cNvSpPr txBox="1"/>
+          <p:nvPr/>
+        </p:nvSpPr>
+        <p:spPr>
+          <a:xfrm>
+            <a:off x="5435879" y="1218633"/>
+            <a:ext cx="989373" cy="276999"/>
+          </a:xfrm>
+          <a:prstGeom prst="rect">
+            <a:avLst/>
+          </a:prstGeom>
+          <a:noFill/>
+        </p:spPr>
+        <p:txBody>
+          <a:bodyPr wrap="none" rtlCol="0">
+            <a:spAutoFit/>
+          </a:bodyPr>
+          <a:lstStyle/>
+          <a:p>
+            <a:r>
+              <a:rPr lang="ja-JP" altLang="en-US" sz="1200" b="1"/>
+              <a:t>⓪</a:t>
+            </a:r>
+            <a:r>
+              <a:rPr lang="en-US" altLang="ja-JP" sz="1200" b="1" dirty="0"/>
+              <a:t> </a:t>
+            </a:r>
+            <a:r>
+              <a:rPr lang="ja-JP" altLang="en-US" sz="1200" b="1"/>
+              <a:t>登録要求</a:t>
+            </a:r>
+            <a:endParaRPr lang="en-JP" sz="1200" b="1" dirty="0"/>
+          </a:p>
+        </p:txBody>
+      </p:sp>
+      <p:sp>
+        <p:nvSpPr>
+          <p:cNvPr id="15" name="TextBox 14">
+            <a:extLst>
+              <a:ext uri="{FF2B5EF4-FFF2-40B4-BE49-F238E27FC236}">
+                <a16:creationId xmlns:a16="http://schemas.microsoft.com/office/drawing/2014/main" id="{953F5260-C066-394D-B183-950B817A7BAB}"/>
+              </a:ext>
+            </a:extLst>
+          </p:cNvPr>
+          <p:cNvSpPr txBox="1"/>
+          <p:nvPr/>
+        </p:nvSpPr>
+        <p:spPr>
+          <a:xfrm>
+            <a:off x="2274083" y="1146538"/>
+            <a:ext cx="2691955" cy="461665"/>
+          </a:xfrm>
+          <a:prstGeom prst="rect">
+            <a:avLst/>
+          </a:prstGeom>
+          <a:noFill/>
+        </p:spPr>
+        <p:txBody>
+          <a:bodyPr wrap="none" rtlCol="0">
+            <a:spAutoFit/>
+          </a:bodyPr>
+          <a:lstStyle/>
+          <a:p>
+            <a:r>
+              <a:rPr lang="en-JP" sz="1200" b="1" dirty="0"/>
+              <a:t>① </a:t>
+            </a:r>
+            <a:r>
+              <a:rPr lang="en-US" altLang="ja-JP" sz="1200" b="1" dirty="0" err="1"/>
+              <a:t>PublicKeyCredentialCreationOption</a:t>
+            </a:r>
+            <a:endParaRPr lang="en-US" altLang="ja-JP" sz="1200" b="1" dirty="0"/>
+          </a:p>
+          <a:p>
+            <a:r>
+              <a:rPr lang="ja-JP" altLang="en-US" sz="1200" b="1"/>
+              <a:t>　  の送付</a:t>
+            </a:r>
+            <a:endParaRPr lang="en-JP" sz="1200" b="1" dirty="0"/>
+          </a:p>
+        </p:txBody>
+      </p:sp>
+      <p:sp>
+        <p:nvSpPr>
+          <p:cNvPr id="16" name="TextBox 15">
+            <a:extLst>
+              <a:ext uri="{FF2B5EF4-FFF2-40B4-BE49-F238E27FC236}">
+                <a16:creationId xmlns:a16="http://schemas.microsoft.com/office/drawing/2014/main" id="{070ED225-BE02-A14C-91BF-816B734C1B44}"/>
+              </a:ext>
+            </a:extLst>
+          </p:cNvPr>
+          <p:cNvSpPr txBox="1"/>
+          <p:nvPr/>
+        </p:nvSpPr>
+        <p:spPr>
+          <a:xfrm>
+            <a:off x="5002771" y="2116612"/>
+            <a:ext cx="1853455" cy="276999"/>
+          </a:xfrm>
+          <a:prstGeom prst="rect">
+            <a:avLst/>
+          </a:prstGeom>
+          <a:solidFill>
+            <a:schemeClr val="bg1"/>
+          </a:solidFill>
+          <a:ln w="19050">
+            <a:solidFill>
+              <a:srgbClr val="FF0000"/>
+            </a:solidFill>
+          </a:ln>
+        </p:spPr>
+        <p:txBody>
+          <a:bodyPr wrap="square" rtlCol="0">
+            <a:spAutoFit/>
+          </a:bodyPr>
+          <a:lstStyle/>
+          <a:p>
+            <a:pPr algn="ctr"/>
+            <a:r>
+              <a:rPr lang="en-JP" sz="1200" b="1" dirty="0"/>
+              <a:t>WebAuthn API</a:t>
+            </a:r>
+          </a:p>
+        </p:txBody>
+      </p:sp>
+      <p:sp>
+        <p:nvSpPr>
+          <p:cNvPr id="17" name="TextBox 16">
+            <a:extLst>
+              <a:ext uri="{FF2B5EF4-FFF2-40B4-BE49-F238E27FC236}">
+                <a16:creationId xmlns:a16="http://schemas.microsoft.com/office/drawing/2014/main" id="{511681B5-1931-004B-9856-198305101D77}"/>
+              </a:ext>
+            </a:extLst>
+          </p:cNvPr>
+          <p:cNvSpPr txBox="1"/>
+          <p:nvPr/>
+        </p:nvSpPr>
+        <p:spPr>
+          <a:xfrm>
+            <a:off x="2849719" y="2995222"/>
+            <a:ext cx="2125967" cy="276999"/>
+          </a:xfrm>
+          <a:prstGeom prst="rect">
+            <a:avLst/>
+          </a:prstGeom>
+          <a:noFill/>
+        </p:spPr>
+        <p:txBody>
+          <a:bodyPr wrap="none" rtlCol="0">
+            <a:spAutoFit/>
+          </a:bodyPr>
+          <a:lstStyle/>
+          <a:p>
+            <a:r>
+              <a:rPr lang="en-JP" sz="1200" b="1" dirty="0"/>
+              <a:t>③Credential</a:t>
+            </a:r>
+            <a:r>
+              <a:rPr lang="ja-JP" altLang="en-US" sz="1200" b="1"/>
+              <a:t>生成要求の送付</a:t>
+            </a:r>
+            <a:endParaRPr lang="en-JP" sz="1200" b="1" dirty="0"/>
+          </a:p>
+        </p:txBody>
+      </p:sp>
+      <p:sp>
+        <p:nvSpPr>
+          <p:cNvPr id="18" name="TextBox 17">
+            <a:extLst>
+              <a:ext uri="{FF2B5EF4-FFF2-40B4-BE49-F238E27FC236}">
+                <a16:creationId xmlns:a16="http://schemas.microsoft.com/office/drawing/2014/main" id="{52733BE3-D5D4-0040-B084-BEF2BD1EE342}"/>
+              </a:ext>
+            </a:extLst>
+          </p:cNvPr>
+          <p:cNvSpPr txBox="1"/>
+          <p:nvPr/>
+        </p:nvSpPr>
+        <p:spPr>
+          <a:xfrm>
+            <a:off x="7158170" y="1222085"/>
+            <a:ext cx="2634439" cy="461665"/>
+          </a:xfrm>
+          <a:prstGeom prst="rect">
+            <a:avLst/>
+          </a:prstGeom>
+          <a:noFill/>
+        </p:spPr>
+        <p:txBody>
+          <a:bodyPr wrap="none" rtlCol="0">
+            <a:spAutoFit/>
+          </a:bodyPr>
+          <a:lstStyle/>
+          <a:p>
+            <a:r>
+              <a:rPr lang="en-JP" sz="1200" b="1" dirty="0"/>
+              <a:t>⑦ AuthenticatorAttestationResponse</a:t>
+            </a:r>
+          </a:p>
+          <a:p>
+            <a:r>
+              <a:rPr lang="ja-JP" altLang="en-US" sz="1200" b="1"/>
+              <a:t>　  の送付</a:t>
+            </a:r>
+            <a:endParaRPr lang="en-JP" sz="1200" b="1" dirty="0"/>
+          </a:p>
+        </p:txBody>
+      </p:sp>
+      <p:sp>
+        <p:nvSpPr>
+          <p:cNvPr id="19" name="TextBox 18">
+            <a:extLst>
+              <a:ext uri="{FF2B5EF4-FFF2-40B4-BE49-F238E27FC236}">
+                <a16:creationId xmlns:a16="http://schemas.microsoft.com/office/drawing/2014/main" id="{C32BAFB0-CC41-7043-929D-41E53C4299CD}"/>
+              </a:ext>
+            </a:extLst>
+          </p:cNvPr>
+          <p:cNvSpPr txBox="1"/>
+          <p:nvPr/>
+        </p:nvSpPr>
+        <p:spPr>
+          <a:xfrm>
+            <a:off x="2677163" y="2037545"/>
+            <a:ext cx="1853456" cy="461665"/>
+          </a:xfrm>
+          <a:prstGeom prst="rect">
+            <a:avLst/>
+          </a:prstGeom>
+          <a:noFill/>
+        </p:spPr>
+        <p:txBody>
+          <a:bodyPr wrap="none" rtlCol="0">
+            <a:spAutoFit/>
+          </a:bodyPr>
+          <a:lstStyle/>
+          <a:p>
+            <a:r>
+              <a:rPr lang="en-JP" sz="1200" b="1" dirty="0"/>
+              <a:t>② </a:t>
+            </a:r>
+            <a:r>
+              <a:rPr lang="ja-JP" altLang="en-US" sz="1200" b="1"/>
+              <a:t>認証器への</a:t>
+            </a:r>
+            <a:r>
+              <a:rPr lang="en-US" altLang="ja-JP" sz="1200" b="1" dirty="0"/>
+              <a:t>Credential</a:t>
+            </a:r>
+          </a:p>
+          <a:p>
+            <a:r>
+              <a:rPr lang="ja-JP" altLang="en-US" sz="1200" b="1"/>
+              <a:t>　  生成要求の作成</a:t>
+            </a:r>
+            <a:endParaRPr lang="en-JP" sz="1200" b="1" dirty="0"/>
+          </a:p>
+        </p:txBody>
+      </p:sp>
+      <p:sp>
+        <p:nvSpPr>
+          <p:cNvPr id="20" name="TextBox 19">
+            <a:extLst>
+              <a:ext uri="{FF2B5EF4-FFF2-40B4-BE49-F238E27FC236}">
+                <a16:creationId xmlns:a16="http://schemas.microsoft.com/office/drawing/2014/main" id="{A1269EB4-2697-534A-B26E-312359FF4FC5}"/>
+              </a:ext>
+            </a:extLst>
+          </p:cNvPr>
+          <p:cNvSpPr txBox="1"/>
+          <p:nvPr/>
+        </p:nvSpPr>
+        <p:spPr>
+          <a:xfrm>
+            <a:off x="6707725" y="3909303"/>
+            <a:ext cx="2554802" cy="461665"/>
+          </a:xfrm>
+          <a:prstGeom prst="rect">
+            <a:avLst/>
+          </a:prstGeom>
+          <a:noFill/>
+        </p:spPr>
+        <p:txBody>
+          <a:bodyPr wrap="none" rtlCol="0">
+            <a:spAutoFit/>
+          </a:bodyPr>
+          <a:lstStyle/>
+          <a:p>
+            <a:r>
+              <a:rPr lang="en-JP" sz="1200" b="1" dirty="0"/>
+              <a:t>④</a:t>
+            </a:r>
+            <a:r>
+              <a:rPr lang="en-US" sz="1200" b="1" dirty="0"/>
+              <a:t> Credential Key Pair</a:t>
+            </a:r>
+            <a:r>
+              <a:rPr lang="ja-JP" altLang="en-US" sz="1200" b="1"/>
+              <a:t>の新規生成、</a:t>
+            </a:r>
+            <a:endParaRPr lang="en-US" altLang="ja-JP" sz="1200" b="1" dirty="0"/>
+          </a:p>
+          <a:p>
+            <a:r>
+              <a:rPr lang="ja-JP" altLang="en-US" sz="1200" b="1"/>
+              <a:t>　   署名を付与</a:t>
+            </a:r>
+            <a:endParaRPr lang="en-JP" sz="1200" b="1" dirty="0"/>
+          </a:p>
+        </p:txBody>
+      </p:sp>
+      <p:sp>
+        <p:nvSpPr>
+          <p:cNvPr id="21" name="TextBox 20">
+            <a:extLst>
+              <a:ext uri="{FF2B5EF4-FFF2-40B4-BE49-F238E27FC236}">
+                <a16:creationId xmlns:a16="http://schemas.microsoft.com/office/drawing/2014/main" id="{2A1A0A65-4FC6-7343-A487-93B65FE2AE12}"/>
+              </a:ext>
+            </a:extLst>
+          </p:cNvPr>
+          <p:cNvSpPr txBox="1"/>
+          <p:nvPr/>
+        </p:nvSpPr>
+        <p:spPr>
+          <a:xfrm>
+            <a:off x="7215470" y="2965539"/>
+            <a:ext cx="2004010" cy="276999"/>
+          </a:xfrm>
+          <a:prstGeom prst="rect">
+            <a:avLst/>
+          </a:prstGeom>
+          <a:noFill/>
+        </p:spPr>
+        <p:txBody>
+          <a:bodyPr wrap="none" rtlCol="0">
+            <a:spAutoFit/>
+          </a:bodyPr>
+          <a:lstStyle/>
+          <a:p>
+            <a:r>
+              <a:rPr lang="en-US" sz="1200" b="1" dirty="0"/>
+              <a:t>⑤ </a:t>
+            </a:r>
+            <a:r>
+              <a:rPr lang="en-US" sz="1200" b="1" dirty="0" err="1"/>
+              <a:t>attestationObject</a:t>
+            </a:r>
+            <a:r>
+              <a:rPr lang="ja-JP" altLang="en-US" sz="1200" b="1"/>
+              <a:t>の送付</a:t>
+            </a:r>
+            <a:endParaRPr lang="en-JP" sz="1200" b="1" dirty="0"/>
+          </a:p>
+        </p:txBody>
+      </p:sp>
+      <p:sp>
+        <p:nvSpPr>
+          <p:cNvPr id="22" name="TextBox 21">
+            <a:extLst>
+              <a:ext uri="{FF2B5EF4-FFF2-40B4-BE49-F238E27FC236}">
+                <a16:creationId xmlns:a16="http://schemas.microsoft.com/office/drawing/2014/main" id="{AB4378D1-3D72-0443-A137-64E51F2AEE9F}"/>
+              </a:ext>
+            </a:extLst>
+          </p:cNvPr>
+          <p:cNvSpPr txBox="1"/>
+          <p:nvPr/>
+        </p:nvSpPr>
+        <p:spPr>
+          <a:xfrm>
+            <a:off x="7292182" y="2123346"/>
+            <a:ext cx="1670650" cy="276999"/>
+          </a:xfrm>
+          <a:prstGeom prst="rect">
+            <a:avLst/>
+          </a:prstGeom>
+          <a:noFill/>
+        </p:spPr>
+        <p:txBody>
+          <a:bodyPr wrap="none" rtlCol="0">
+            <a:spAutoFit/>
+          </a:bodyPr>
+          <a:lstStyle/>
+          <a:p>
+            <a:r>
+              <a:rPr lang="en-JP" sz="1200" b="1" dirty="0"/>
+              <a:t>⑥ RP</a:t>
+            </a:r>
+            <a:r>
+              <a:rPr lang="ja-JP" altLang="en-US" sz="1200" b="1"/>
+              <a:t>への応答の生成</a:t>
+            </a:r>
+            <a:endParaRPr lang="en-JP" sz="1200" b="1" dirty="0"/>
+          </a:p>
+        </p:txBody>
+      </p:sp>
+      <p:sp>
+        <p:nvSpPr>
+          <p:cNvPr id="23" name="TextBox 22">
+            <a:extLst>
+              <a:ext uri="{FF2B5EF4-FFF2-40B4-BE49-F238E27FC236}">
+                <a16:creationId xmlns:a16="http://schemas.microsoft.com/office/drawing/2014/main" id="{A4AD18DD-7940-D446-A3F4-E64DF3918033}"/>
+              </a:ext>
+            </a:extLst>
+          </p:cNvPr>
+          <p:cNvSpPr txBox="1"/>
+          <p:nvPr/>
+        </p:nvSpPr>
+        <p:spPr>
+          <a:xfrm>
+            <a:off x="7186501" y="84255"/>
+            <a:ext cx="2264730" cy="461665"/>
+          </a:xfrm>
+          <a:prstGeom prst="rect">
+            <a:avLst/>
+          </a:prstGeom>
+          <a:noFill/>
+        </p:spPr>
+        <p:txBody>
+          <a:bodyPr wrap="square" rtlCol="0">
+            <a:spAutoFit/>
+          </a:bodyPr>
+          <a:lstStyle/>
+          <a:p>
+            <a:r>
+              <a:rPr lang="en-JP" sz="1200" b="1" dirty="0"/>
+              <a:t>⑧</a:t>
+            </a:r>
+            <a:r>
+              <a:rPr lang="ja-JP" altLang="en-US" sz="1200" b="1"/>
+              <a:t> </a:t>
+            </a:r>
+            <a:r>
+              <a:rPr lang="en-US" altLang="ja-JP" sz="1200" b="1" dirty="0" err="1"/>
+              <a:t>AttestationResponse</a:t>
+            </a:r>
+            <a:r>
+              <a:rPr lang="ja-JP" altLang="en-US" sz="1200" b="1"/>
+              <a:t>の検証</a:t>
+            </a:r>
+            <a:endParaRPr lang="en-US" altLang="ja-JP" sz="1200" b="1" dirty="0"/>
+          </a:p>
+          <a:p>
+            <a:r>
+              <a:rPr lang="ja-JP" altLang="en-US" sz="1200" b="1"/>
+              <a:t>　   </a:t>
+            </a:r>
+            <a:r>
+              <a:rPr lang="en-US" altLang="ja-JP" sz="1200" b="1" dirty="0"/>
+              <a:t>Credential Certificate</a:t>
+            </a:r>
+            <a:r>
+              <a:rPr lang="ja-JP" altLang="en-US" sz="1200" b="1"/>
+              <a:t>登録</a:t>
+            </a:r>
+            <a:endParaRPr lang="en-JP" sz="1200" b="1" dirty="0"/>
+          </a:p>
+        </p:txBody>
+      </p:sp>
+      <p:pic>
+        <p:nvPicPr>
+          <p:cNvPr id="29" name="Picture 28">
+            <a:extLst>
+              <a:ext uri="{FF2B5EF4-FFF2-40B4-BE49-F238E27FC236}">
+                <a16:creationId xmlns:a16="http://schemas.microsoft.com/office/drawing/2014/main" id="{7368AD10-BA72-2548-BD8D-481A34498B6D}"/>
+              </a:ext>
+            </a:extLst>
+          </p:cNvPr>
+          <p:cNvPicPr>
+            <a:picLocks noChangeAspect="1"/>
+          </p:cNvPicPr>
+          <p:nvPr/>
+        </p:nvPicPr>
+        <p:blipFill>
+          <a:blip r:embed="rId3"/>
+          <a:stretch>
+            <a:fillRect/>
+          </a:stretch>
+        </p:blipFill>
+        <p:spPr>
+          <a:xfrm>
+            <a:off x="5651832" y="3907718"/>
+            <a:ext cx="369490" cy="461665"/>
+          </a:xfrm>
+          <a:prstGeom prst="rect">
+            <a:avLst/>
+          </a:prstGeom>
+        </p:spPr>
+      </p:pic>
+      <p:pic>
+        <p:nvPicPr>
+          <p:cNvPr id="30" name="Picture 29">
+            <a:extLst>
+              <a:ext uri="{FF2B5EF4-FFF2-40B4-BE49-F238E27FC236}">
+                <a16:creationId xmlns:a16="http://schemas.microsoft.com/office/drawing/2014/main" id="{9DE219C0-1324-D14E-BEE1-126EAD00A687}"/>
+              </a:ext>
+            </a:extLst>
+          </p:cNvPr>
+          <p:cNvPicPr>
+            <a:picLocks noChangeAspect="1"/>
+          </p:cNvPicPr>
+          <p:nvPr/>
+        </p:nvPicPr>
+        <p:blipFill>
+          <a:blip r:embed="rId4"/>
+          <a:stretch>
+            <a:fillRect/>
+          </a:stretch>
+        </p:blipFill>
+        <p:spPr>
+          <a:xfrm>
+            <a:off x="5651831" y="3983789"/>
+            <a:ext cx="342327" cy="342327"/>
+          </a:xfrm>
+          <a:prstGeom prst="rect">
+            <a:avLst/>
+          </a:prstGeom>
+        </p:spPr>
+      </p:pic>
+      <p:pic>
+        <p:nvPicPr>
+          <p:cNvPr id="31" name="Picture 30">
+            <a:extLst>
+              <a:ext uri="{FF2B5EF4-FFF2-40B4-BE49-F238E27FC236}">
+                <a16:creationId xmlns:a16="http://schemas.microsoft.com/office/drawing/2014/main" id="{A66662D6-03CB-AB4A-87F8-3041B461665C}"/>
+              </a:ext>
+            </a:extLst>
+          </p:cNvPr>
+          <p:cNvPicPr>
+            <a:picLocks noChangeAspect="1"/>
+          </p:cNvPicPr>
+          <p:nvPr/>
+        </p:nvPicPr>
+        <p:blipFill>
+          <a:blip r:embed="rId5"/>
+          <a:stretch>
+            <a:fillRect/>
+          </a:stretch>
+        </p:blipFill>
+        <p:spPr>
+          <a:xfrm>
+            <a:off x="4530619" y="3956613"/>
+            <a:ext cx="407646" cy="407646"/>
+          </a:xfrm>
+          <a:prstGeom prst="rect">
+            <a:avLst/>
+          </a:prstGeom>
+        </p:spPr>
+      </p:pic>
+      <p:sp>
+        <p:nvSpPr>
+          <p:cNvPr id="32" name="TextBox 31">
+            <a:extLst>
+              <a:ext uri="{FF2B5EF4-FFF2-40B4-BE49-F238E27FC236}">
+                <a16:creationId xmlns:a16="http://schemas.microsoft.com/office/drawing/2014/main" id="{969BED74-38CB-4148-881C-135F38EE66F3}"/>
+              </a:ext>
+            </a:extLst>
+          </p:cNvPr>
+          <p:cNvSpPr txBox="1"/>
+          <p:nvPr/>
+        </p:nvSpPr>
+        <p:spPr>
+          <a:xfrm>
+            <a:off x="4836191" y="3937811"/>
+            <a:ext cx="838691" cy="430887"/>
+          </a:xfrm>
+          <a:prstGeom prst="rect">
+            <a:avLst/>
+          </a:prstGeom>
+          <a:noFill/>
+        </p:spPr>
+        <p:txBody>
+          <a:bodyPr wrap="none" rtlCol="0">
+            <a:spAutoFit/>
+          </a:bodyPr>
+          <a:lstStyle/>
+          <a:p>
+            <a:pPr algn="ctr"/>
+            <a:r>
+              <a:rPr lang="en-US" altLang="ja-JP" sz="1100" b="1" dirty="0"/>
+              <a:t>Credential</a:t>
+            </a:r>
+          </a:p>
+          <a:p>
+            <a:pPr algn="ctr"/>
+            <a:r>
+              <a:rPr lang="en-US" altLang="ja-JP" sz="1100" b="1" dirty="0"/>
+              <a:t>Private key</a:t>
+            </a:r>
+            <a:endParaRPr lang="en-JP" sz="1100" b="1" dirty="0"/>
+          </a:p>
+        </p:txBody>
+      </p:sp>
+      <p:sp>
+        <p:nvSpPr>
+          <p:cNvPr id="33" name="TextBox 32">
+            <a:extLst>
+              <a:ext uri="{FF2B5EF4-FFF2-40B4-BE49-F238E27FC236}">
+                <a16:creationId xmlns:a16="http://schemas.microsoft.com/office/drawing/2014/main" id="{635EA6E4-C0ED-A74A-B366-C5D526D7F5B8}"/>
+              </a:ext>
+            </a:extLst>
+          </p:cNvPr>
+          <p:cNvSpPr txBox="1"/>
+          <p:nvPr/>
+        </p:nvSpPr>
+        <p:spPr>
+          <a:xfrm>
+            <a:off x="5980454" y="3933768"/>
+            <a:ext cx="790601" cy="430887"/>
+          </a:xfrm>
+          <a:prstGeom prst="rect">
+            <a:avLst/>
+          </a:prstGeom>
+          <a:noFill/>
+        </p:spPr>
+        <p:txBody>
+          <a:bodyPr wrap="none" rtlCol="0">
+            <a:spAutoFit/>
+          </a:bodyPr>
+          <a:lstStyle/>
+          <a:p>
+            <a:pPr algn="ctr"/>
+            <a:r>
+              <a:rPr lang="en-US" altLang="ja-JP" sz="1100" b="1" dirty="0"/>
+              <a:t>Credential</a:t>
+            </a:r>
+            <a:br>
+              <a:rPr lang="en-US" altLang="ja-JP" sz="1100" b="1" dirty="0"/>
+            </a:br>
+            <a:r>
+              <a:rPr lang="en-US" altLang="ja-JP" sz="1100" b="1" dirty="0"/>
+              <a:t>Certificate</a:t>
+            </a:r>
+          </a:p>
+        </p:txBody>
+      </p:sp>
+      <p:pic>
+        <p:nvPicPr>
+          <p:cNvPr id="37" name="Picture 36">
+            <a:extLst>
+              <a:ext uri="{FF2B5EF4-FFF2-40B4-BE49-F238E27FC236}">
+                <a16:creationId xmlns:a16="http://schemas.microsoft.com/office/drawing/2014/main" id="{0BF9C03C-22E7-3A49-8433-C0F077261303}"/>
+              </a:ext>
+            </a:extLst>
+          </p:cNvPr>
+          <p:cNvPicPr>
+            <a:picLocks noChangeAspect="1"/>
+          </p:cNvPicPr>
+          <p:nvPr/>
+        </p:nvPicPr>
+        <p:blipFill>
+          <a:blip r:embed="rId3"/>
+          <a:stretch>
+            <a:fillRect/>
+          </a:stretch>
+        </p:blipFill>
+        <p:spPr>
+          <a:xfrm>
+            <a:off x="6845980" y="2849410"/>
+            <a:ext cx="369490" cy="461665"/>
+          </a:xfrm>
+          <a:prstGeom prst="rect">
+            <a:avLst/>
+          </a:prstGeom>
+        </p:spPr>
+      </p:pic>
+      <p:pic>
+        <p:nvPicPr>
+          <p:cNvPr id="38" name="Picture 37">
+            <a:extLst>
+              <a:ext uri="{FF2B5EF4-FFF2-40B4-BE49-F238E27FC236}">
+                <a16:creationId xmlns:a16="http://schemas.microsoft.com/office/drawing/2014/main" id="{7AABA3A2-EE0C-A645-950B-120C01208E76}"/>
+              </a:ext>
+            </a:extLst>
+          </p:cNvPr>
+          <p:cNvPicPr>
+            <a:picLocks noChangeAspect="1"/>
+          </p:cNvPicPr>
+          <p:nvPr/>
+        </p:nvPicPr>
+        <p:blipFill>
+          <a:blip r:embed="rId4"/>
+          <a:stretch>
+            <a:fillRect/>
+          </a:stretch>
+        </p:blipFill>
+        <p:spPr>
+          <a:xfrm>
+            <a:off x="6845979" y="2925481"/>
+            <a:ext cx="342327" cy="342327"/>
+          </a:xfrm>
+          <a:prstGeom prst="rect">
+            <a:avLst/>
+          </a:prstGeom>
+        </p:spPr>
+      </p:pic>
+      <p:pic>
+        <p:nvPicPr>
+          <p:cNvPr id="39" name="Picture 38">
+            <a:extLst>
+              <a:ext uri="{FF2B5EF4-FFF2-40B4-BE49-F238E27FC236}">
+                <a16:creationId xmlns:a16="http://schemas.microsoft.com/office/drawing/2014/main" id="{EAEAAB36-75E2-2D47-A977-EDF19F60A327}"/>
+              </a:ext>
+            </a:extLst>
+          </p:cNvPr>
+          <p:cNvPicPr>
+            <a:picLocks noChangeAspect="1"/>
+          </p:cNvPicPr>
+          <p:nvPr/>
+        </p:nvPicPr>
+        <p:blipFill>
+          <a:blip r:embed="rId3"/>
+          <a:stretch>
+            <a:fillRect/>
+          </a:stretch>
+        </p:blipFill>
+        <p:spPr>
+          <a:xfrm>
+            <a:off x="6844175" y="1157877"/>
+            <a:ext cx="369490" cy="461665"/>
+          </a:xfrm>
+          <a:prstGeom prst="rect">
+            <a:avLst/>
+          </a:prstGeom>
+        </p:spPr>
+      </p:pic>
+      <p:pic>
+        <p:nvPicPr>
+          <p:cNvPr id="40" name="Picture 39">
+            <a:extLst>
+              <a:ext uri="{FF2B5EF4-FFF2-40B4-BE49-F238E27FC236}">
+                <a16:creationId xmlns:a16="http://schemas.microsoft.com/office/drawing/2014/main" id="{3E319ED5-4EEC-E049-93AA-C8BF14A935E8}"/>
+              </a:ext>
+            </a:extLst>
+          </p:cNvPr>
+          <p:cNvPicPr>
+            <a:picLocks noChangeAspect="1"/>
+          </p:cNvPicPr>
+          <p:nvPr/>
+        </p:nvPicPr>
+        <p:blipFill>
+          <a:blip r:embed="rId4"/>
+          <a:stretch>
+            <a:fillRect/>
+          </a:stretch>
+        </p:blipFill>
+        <p:spPr>
+          <a:xfrm>
+            <a:off x="6844174" y="1233948"/>
+            <a:ext cx="342327" cy="342327"/>
+          </a:xfrm>
+          <a:prstGeom prst="rect">
+            <a:avLst/>
+          </a:prstGeom>
+        </p:spPr>
+      </p:pic>
+      <p:pic>
+        <p:nvPicPr>
+          <p:cNvPr id="41" name="Picture 40">
+            <a:extLst>
+              <a:ext uri="{FF2B5EF4-FFF2-40B4-BE49-F238E27FC236}">
+                <a16:creationId xmlns:a16="http://schemas.microsoft.com/office/drawing/2014/main" id="{5280AB8C-F5A4-5940-8ABF-B330E0A290B1}"/>
+              </a:ext>
+            </a:extLst>
+          </p:cNvPr>
+          <p:cNvPicPr>
+            <a:picLocks noChangeAspect="1"/>
+          </p:cNvPicPr>
+          <p:nvPr/>
+        </p:nvPicPr>
+        <p:blipFill>
+          <a:blip r:embed="rId3"/>
+          <a:stretch>
+            <a:fillRect/>
+          </a:stretch>
+        </p:blipFill>
+        <p:spPr>
+          <a:xfrm>
+            <a:off x="6856227" y="69719"/>
+            <a:ext cx="369490" cy="461665"/>
+          </a:xfrm>
+          <a:prstGeom prst="rect">
+            <a:avLst/>
+          </a:prstGeom>
+        </p:spPr>
+      </p:pic>
+      <p:pic>
+        <p:nvPicPr>
+          <p:cNvPr id="42" name="Picture 41">
+            <a:extLst>
+              <a:ext uri="{FF2B5EF4-FFF2-40B4-BE49-F238E27FC236}">
+                <a16:creationId xmlns:a16="http://schemas.microsoft.com/office/drawing/2014/main" id="{4A776D00-91B5-2F4D-84A9-7B951965CAB1}"/>
+              </a:ext>
+            </a:extLst>
+          </p:cNvPr>
+          <p:cNvPicPr>
+            <a:picLocks noChangeAspect="1"/>
+          </p:cNvPicPr>
+          <p:nvPr/>
+        </p:nvPicPr>
+        <p:blipFill>
+          <a:blip r:embed="rId4"/>
+          <a:stretch>
+            <a:fillRect/>
+          </a:stretch>
+        </p:blipFill>
+        <p:spPr>
+          <a:xfrm>
+            <a:off x="6856226" y="145790"/>
+            <a:ext cx="342327" cy="342327"/>
+          </a:xfrm>
+          <a:prstGeom prst="rect">
+            <a:avLst/>
+          </a:prstGeom>
+        </p:spPr>
+      </p:pic>
+    </p:spTree>
+    <p:extLst>
+      <p:ext uri="{BB962C8B-B14F-4D97-AF65-F5344CB8AC3E}">
+        <p14:creationId xmlns:p14="http://schemas.microsoft.com/office/powerpoint/2010/main" val="128891599"/>
       </p:ext>
     </p:extLst>
   </p:cSld>

--- a/slides/Figs/figures.pptx
+++ b/slides/Figs/figures.pptx
@@ -271,7 +271,7 @@
           <a:p>
             <a:fld id="{12806DCE-DF2A-A444-87A0-6650BF1B98E4}" type="datetimeFigureOut">
               <a:rPr lang="en-JP" smtClean="0"/>
-              <a:t>2020/05/05</a:t>
+              <a:t>2020/05/06</a:t>
             </a:fld>
             <a:endParaRPr lang="en-JP"/>
           </a:p>
@@ -471,7 +471,7 @@
           <a:p>
             <a:fld id="{12806DCE-DF2A-A444-87A0-6650BF1B98E4}" type="datetimeFigureOut">
               <a:rPr lang="en-JP" smtClean="0"/>
-              <a:t>2020/05/05</a:t>
+              <a:t>2020/05/06</a:t>
             </a:fld>
             <a:endParaRPr lang="en-JP"/>
           </a:p>
@@ -681,7 +681,7 @@
           <a:p>
             <a:fld id="{12806DCE-DF2A-A444-87A0-6650BF1B98E4}" type="datetimeFigureOut">
               <a:rPr lang="en-JP" smtClean="0"/>
-              <a:t>2020/05/05</a:t>
+              <a:t>2020/05/06</a:t>
             </a:fld>
             <a:endParaRPr lang="en-JP"/>
           </a:p>
@@ -881,7 +881,7 @@
           <a:p>
             <a:fld id="{12806DCE-DF2A-A444-87A0-6650BF1B98E4}" type="datetimeFigureOut">
               <a:rPr lang="en-JP" smtClean="0"/>
-              <a:t>2020/05/05</a:t>
+              <a:t>2020/05/06</a:t>
             </a:fld>
             <a:endParaRPr lang="en-JP"/>
           </a:p>
@@ -1157,7 +1157,7 @@
           <a:p>
             <a:fld id="{12806DCE-DF2A-A444-87A0-6650BF1B98E4}" type="datetimeFigureOut">
               <a:rPr lang="en-JP" smtClean="0"/>
-              <a:t>2020/05/05</a:t>
+              <a:t>2020/05/06</a:t>
             </a:fld>
             <a:endParaRPr lang="en-JP"/>
           </a:p>
@@ -1425,7 +1425,7 @@
           <a:p>
             <a:fld id="{12806DCE-DF2A-A444-87A0-6650BF1B98E4}" type="datetimeFigureOut">
               <a:rPr lang="en-JP" smtClean="0"/>
-              <a:t>2020/05/05</a:t>
+              <a:t>2020/05/06</a:t>
             </a:fld>
             <a:endParaRPr lang="en-JP"/>
           </a:p>
@@ -1840,7 +1840,7 @@
           <a:p>
             <a:fld id="{12806DCE-DF2A-A444-87A0-6650BF1B98E4}" type="datetimeFigureOut">
               <a:rPr lang="en-JP" smtClean="0"/>
-              <a:t>2020/05/05</a:t>
+              <a:t>2020/05/06</a:t>
             </a:fld>
             <a:endParaRPr lang="en-JP"/>
           </a:p>
@@ -1982,7 +1982,7 @@
           <a:p>
             <a:fld id="{12806DCE-DF2A-A444-87A0-6650BF1B98E4}" type="datetimeFigureOut">
               <a:rPr lang="en-JP" smtClean="0"/>
-              <a:t>2020/05/05</a:t>
+              <a:t>2020/05/06</a:t>
             </a:fld>
             <a:endParaRPr lang="en-JP"/>
           </a:p>
@@ -2095,7 +2095,7 @@
           <a:p>
             <a:fld id="{12806DCE-DF2A-A444-87A0-6650BF1B98E4}" type="datetimeFigureOut">
               <a:rPr lang="en-JP" smtClean="0"/>
-              <a:t>2020/05/05</a:t>
+              <a:t>2020/05/06</a:t>
             </a:fld>
             <a:endParaRPr lang="en-JP"/>
           </a:p>
@@ -2408,7 +2408,7 @@
           <a:p>
             <a:fld id="{12806DCE-DF2A-A444-87A0-6650BF1B98E4}" type="datetimeFigureOut">
               <a:rPr lang="en-JP" smtClean="0"/>
-              <a:t>2020/05/05</a:t>
+              <a:t>2020/05/06</a:t>
             </a:fld>
             <a:endParaRPr lang="en-JP"/>
           </a:p>
@@ -2697,7 +2697,7 @@
           <a:p>
             <a:fld id="{12806DCE-DF2A-A444-87A0-6650BF1B98E4}" type="datetimeFigureOut">
               <a:rPr lang="en-JP" smtClean="0"/>
-              <a:t>2020/05/05</a:t>
+              <a:t>2020/05/06</a:t>
             </a:fld>
             <a:endParaRPr lang="en-JP"/>
           </a:p>
@@ -2940,7 +2940,7 @@
           <a:p>
             <a:fld id="{12806DCE-DF2A-A444-87A0-6650BF1B98E4}" type="datetimeFigureOut">
               <a:rPr lang="en-JP" smtClean="0"/>
-              <a:t>2020/05/05</a:t>
+              <a:t>2020/05/06</a:t>
             </a:fld>
             <a:endParaRPr lang="en-JP"/>
           </a:p>
@@ -5996,6 +5996,47 @@
           </a:prstGeom>
         </p:spPr>
       </p:pic>
+      <p:sp>
+        <p:nvSpPr>
+          <p:cNvPr id="2" name="TextBox 1">
+            <a:extLst>
+              <a:ext uri="{FF2B5EF4-FFF2-40B4-BE49-F238E27FC236}">
+                <a16:creationId xmlns:a16="http://schemas.microsoft.com/office/drawing/2014/main" id="{1BBB916A-07E1-934E-8172-CA95599A153E}"/>
+              </a:ext>
+            </a:extLst>
+          </p:cNvPr>
+          <p:cNvSpPr txBox="1"/>
+          <p:nvPr/>
+        </p:nvSpPr>
+        <p:spPr>
+          <a:xfrm rot="19887843">
+            <a:off x="6691011" y="1574"/>
+            <a:ext cx="614271" cy="369332"/>
+          </a:xfrm>
+          <a:prstGeom prst="rect">
+            <a:avLst/>
+          </a:prstGeom>
+          <a:noFill/>
+        </p:spPr>
+        <p:txBody>
+          <a:bodyPr wrap="none" rtlCol="0">
+            <a:spAutoFit/>
+          </a:bodyPr>
+          <a:lstStyle/>
+          <a:p>
+            <a:r>
+              <a:rPr lang="en-JP" dirty="0">
+                <a:solidFill>
+                  <a:srgbClr val="FF0000"/>
+                </a:solidFill>
+                <a:latin typeface="Phosphate Inline" panose="02000506050000020004" pitchFamily="2" charset="77"/>
+                <a:cs typeface="Phosphate Inline" panose="02000506050000020004" pitchFamily="2" charset="77"/>
+              </a:rPr>
+              <a:t>OK !</a:t>
+            </a:r>
+          </a:p>
+        </p:txBody>
+      </p:sp>
     </p:spTree>
     <p:extLst>
       <p:ext uri="{BB962C8B-B14F-4D97-AF65-F5344CB8AC3E}">

--- a/slides/Figs/figures.pptx
+++ b/slides/Figs/figures.pptx
@@ -16,6 +16,8 @@
     <p:sldId id="264" r:id="rId10"/>
     <p:sldId id="265" r:id="rId11"/>
     <p:sldId id="266" r:id="rId12"/>
+    <p:sldId id="267" r:id="rId13"/>
+    <p:sldId id="268" r:id="rId14"/>
   </p:sldIdLst>
   <p:sldSz cx="12192000" cy="6858000"/>
   <p:notesSz cx="6858000" cy="9144000"/>
@@ -5233,8 +5235,8 @@
         </p:nvSpPr>
         <p:spPr>
           <a:xfrm>
-            <a:off x="2274083" y="1146538"/>
-            <a:ext cx="2691955" cy="461665"/>
+            <a:off x="2196176" y="1157877"/>
+            <a:ext cx="2698880" cy="461665"/>
           </a:xfrm>
           <a:prstGeom prst="rect">
             <a:avLst/>
@@ -5249,18 +5251,26 @@
           <a:p>
             <a:r>
               <a:rPr lang="en-JP" sz="1200" b="1" dirty="0"/>
-              <a:t>① </a:t>
-            </a:r>
-            <a:r>
-              <a:rPr lang="en-US" altLang="ja-JP" sz="1200" b="1" dirty="0" err="1"/>
-              <a:t>PublicKeyCredentialCreationOption</a:t>
+              <a:t>①</a:t>
+            </a:r>
+            <a:r>
+              <a:rPr lang="ja-JP" altLang="en-US" sz="1200" b="1"/>
+              <a:t> </a:t>
+            </a:r>
+            <a:r>
+              <a:rPr lang="en-US" altLang="ja-JP" sz="1200" b="1" dirty="0"/>
+              <a:t>Credential Certificate</a:t>
+            </a:r>
+            <a:r>
+              <a:rPr lang="ja-JP" altLang="en-US" sz="1200" b="1"/>
+              <a:t>生成のための</a:t>
             </a:r>
             <a:endParaRPr lang="en-US" altLang="ja-JP" sz="1200" b="1" dirty="0"/>
           </a:p>
           <a:p>
             <a:r>
               <a:rPr lang="ja-JP" altLang="en-US" sz="1200" b="1"/>
-              <a:t>　  の送付</a:t>
+              <a:t>　  パラメータ送付</a:t>
             </a:r>
             <a:endParaRPr lang="en-JP" sz="1200" b="1" dirty="0"/>
           </a:p>
@@ -5405,8 +5415,8 @@
         </p:nvSpPr>
         <p:spPr>
           <a:xfrm>
-            <a:off x="2677163" y="2037545"/>
-            <a:ext cx="1853456" cy="461665"/>
+            <a:off x="1574667" y="2012954"/>
+            <a:ext cx="3153620" cy="461665"/>
           </a:xfrm>
           <a:prstGeom prst="rect">
             <a:avLst/>
@@ -5424,18 +5434,27 @@
               <a:t>② </a:t>
             </a:r>
             <a:r>
+              <a:rPr lang="en-US" altLang="ja-JP" sz="1200" b="1" dirty="0" err="1"/>
+              <a:t>PublicKeyCredentialCreationOption</a:t>
+            </a:r>
+            <a:r>
               <a:rPr lang="ja-JP" altLang="en-US" sz="1200" b="1"/>
-              <a:t>認証器への</a:t>
+              <a:t>生成、</a:t>
+            </a:r>
+            <a:endParaRPr lang="en-US" altLang="ja-JP" sz="1200" b="1" dirty="0"/>
+          </a:p>
+          <a:p>
+            <a:r>
+              <a:rPr lang="ja-JP" altLang="en-US" sz="1200" b="1"/>
+              <a:t>　  認証器へ</a:t>
             </a:r>
             <a:r>
               <a:rPr lang="en-US" altLang="ja-JP" sz="1200" b="1" dirty="0"/>
               <a:t>Credential</a:t>
             </a:r>
-          </a:p>
-          <a:p>
             <a:r>
               <a:rPr lang="ja-JP" altLang="en-US" sz="1200" b="1"/>
-              <a:t>　  生成要求の作成</a:t>
+              <a:t>生成要求</a:t>
             </a:r>
             <a:endParaRPr lang="en-JP" sz="1200" b="1" dirty="0"/>
           </a:p>
@@ -5456,7 +5475,7 @@
         <p:spPr>
           <a:xfrm>
             <a:off x="6707725" y="3909303"/>
-            <a:ext cx="2554802" cy="461665"/>
+            <a:ext cx="3207929" cy="461665"/>
           </a:xfrm>
           <a:prstGeom prst="rect">
             <a:avLst/>
@@ -5475,18 +5494,42 @@
             </a:r>
             <a:r>
               <a:rPr lang="en-US" sz="1200" b="1" dirty="0"/>
-              <a:t> Credential Key Pair</a:t>
+              <a:t> </a:t>
             </a:r>
             <a:r>
               <a:rPr lang="ja-JP" altLang="en-US" sz="1200" b="1"/>
-              <a:t>の新規生成、</a:t>
-            </a:r>
-            <a:endParaRPr lang="en-US" altLang="ja-JP" sz="1200" b="1" dirty="0"/>
-          </a:p>
-          <a:p>
+              <a:t>要求ユーザのローカル認証</a:t>
+            </a:r>
+            <a:r>
+              <a:rPr lang="en-US" altLang="ja-JP" sz="1200" b="1" dirty="0"/>
+              <a:t>(PIN</a:t>
+            </a:r>
             <a:r>
               <a:rPr lang="ja-JP" altLang="en-US" sz="1200" b="1"/>
-              <a:t>　   署名を付与</a:t>
+              <a:t>や指紋</a:t>
+            </a:r>
+            <a:r>
+              <a:rPr lang="en-US" altLang="ja-JP" sz="1200" b="1" dirty="0"/>
+              <a:t>)</a:t>
+            </a:r>
+            <a:r>
+              <a:rPr lang="ja-JP" altLang="en-US" sz="1200" b="1"/>
+              <a:t>、</a:t>
+            </a:r>
+            <a:br>
+              <a:rPr lang="en-US" altLang="ja-JP" sz="1200" b="1" dirty="0"/>
+            </a:br>
+            <a:r>
+              <a:rPr lang="ja-JP" altLang="en-US" sz="1200" b="1"/>
+              <a:t>　  </a:t>
+            </a:r>
+            <a:r>
+              <a:rPr lang="en-US" sz="1200" b="1" dirty="0"/>
+              <a:t>Credential Key Pair</a:t>
+            </a:r>
+            <a:r>
+              <a:rPr lang="ja-JP" altLang="en-US" sz="1200" b="1"/>
+              <a:t>の新規生成・署名付与</a:t>
             </a:r>
             <a:endParaRPr lang="en-JP" sz="1200" b="1" dirty="0"/>
           </a:p>
@@ -6041,6 +6084,3364 @@
     <p:extLst>
       <p:ext uri="{BB962C8B-B14F-4D97-AF65-F5344CB8AC3E}">
         <p14:creationId xmlns:p14="http://schemas.microsoft.com/office/powerpoint/2010/main" val="128891599"/>
+      </p:ext>
+    </p:extLst>
+  </p:cSld>
+  <p:clrMapOvr>
+    <a:masterClrMapping/>
+  </p:clrMapOvr>
+</p:sld>
+</file>
+
+<file path=ppt/slides/slide12.xml><?xml version="1.0" encoding="utf-8"?>
+<p:sld xmlns:a="http://schemas.openxmlformats.org/drawingml/2006/main" xmlns:r="http://schemas.openxmlformats.org/officeDocument/2006/relationships" xmlns:p="http://schemas.openxmlformats.org/presentationml/2006/main">
+  <p:cSld>
+    <p:spTree>
+      <p:nvGrpSpPr>
+        <p:cNvPr id="1" name=""/>
+        <p:cNvGrpSpPr/>
+        <p:nvPr/>
+      </p:nvGrpSpPr>
+      <p:grpSpPr>
+        <a:xfrm>
+          <a:off x="0" y="0"/>
+          <a:ext cx="0" cy="0"/>
+          <a:chOff x="0" y="0"/>
+          <a:chExt cx="0" cy="0"/>
+        </a:xfrm>
+      </p:grpSpPr>
+      <p:pic>
+        <p:nvPicPr>
+          <p:cNvPr id="4" name="Picture 3">
+            <a:extLst>
+              <a:ext uri="{FF2B5EF4-FFF2-40B4-BE49-F238E27FC236}">
+                <a16:creationId xmlns:a16="http://schemas.microsoft.com/office/drawing/2014/main" id="{7BB16E77-4C5A-EE4B-8951-017E2E34B25A}"/>
+              </a:ext>
+            </a:extLst>
+          </p:cNvPr>
+          <p:cNvPicPr>
+            <a:picLocks noChangeAspect="1"/>
+          </p:cNvPicPr>
+          <p:nvPr/>
+        </p:nvPicPr>
+        <p:blipFill>
+          <a:blip r:embed="rId2"/>
+          <a:stretch>
+            <a:fillRect/>
+          </a:stretch>
+        </p:blipFill>
+        <p:spPr>
+          <a:xfrm>
+            <a:off x="6738971" y="3382023"/>
+            <a:ext cx="548837" cy="548837"/>
+          </a:xfrm>
+          <a:prstGeom prst="rect">
+            <a:avLst/>
+          </a:prstGeom>
+        </p:spPr>
+      </p:pic>
+      <p:sp>
+        <p:nvSpPr>
+          <p:cNvPr id="5" name="Rounded Rectangle 4">
+            <a:extLst>
+              <a:ext uri="{FF2B5EF4-FFF2-40B4-BE49-F238E27FC236}">
+                <a16:creationId xmlns:a16="http://schemas.microsoft.com/office/drawing/2014/main" id="{DE13ECB7-BAE5-AE44-B6FA-E837ED650D36}"/>
+              </a:ext>
+            </a:extLst>
+          </p:cNvPr>
+          <p:cNvSpPr/>
+          <p:nvPr/>
+        </p:nvSpPr>
+        <p:spPr>
+          <a:xfrm>
+            <a:off x="4530619" y="1796167"/>
+            <a:ext cx="2771041" cy="369332"/>
+          </a:xfrm>
+          <a:prstGeom prst="roundRect">
+            <a:avLst/>
+          </a:prstGeom>
+          <a:ln w="28575"/>
+        </p:spPr>
+        <p:style>
+          <a:lnRef idx="2">
+            <a:schemeClr val="accent2"/>
+          </a:lnRef>
+          <a:fillRef idx="1">
+            <a:schemeClr val="lt1"/>
+          </a:fillRef>
+          <a:effectRef idx="0">
+            <a:schemeClr val="accent2"/>
+          </a:effectRef>
+          <a:fontRef idx="minor">
+            <a:schemeClr val="dk1"/>
+          </a:fontRef>
+        </p:style>
+        <p:txBody>
+          <a:bodyPr rtlCol="0" anchor="ctr"/>
+          <a:lstStyle/>
+          <a:p>
+            <a:pPr algn="ctr"/>
+            <a:r>
+              <a:rPr lang="en-US" b="1" dirty="0"/>
+              <a:t>Web App</a:t>
+            </a:r>
+            <a:endParaRPr lang="en-JP" b="1" dirty="0"/>
+          </a:p>
+        </p:txBody>
+      </p:sp>
+      <p:sp>
+        <p:nvSpPr>
+          <p:cNvPr id="6" name="Rounded Rectangle 5">
+            <a:extLst>
+              <a:ext uri="{FF2B5EF4-FFF2-40B4-BE49-F238E27FC236}">
+                <a16:creationId xmlns:a16="http://schemas.microsoft.com/office/drawing/2014/main" id="{7EC16796-AA12-7642-9453-F8A3E98CA0F1}"/>
+              </a:ext>
+            </a:extLst>
+          </p:cNvPr>
+          <p:cNvSpPr/>
+          <p:nvPr/>
+        </p:nvSpPr>
+        <p:spPr>
+          <a:xfrm>
+            <a:off x="4530619" y="2323503"/>
+            <a:ext cx="2771041" cy="369332"/>
+          </a:xfrm>
+          <a:prstGeom prst="roundRect">
+            <a:avLst/>
+          </a:prstGeom>
+          <a:ln w="28575"/>
+        </p:spPr>
+        <p:style>
+          <a:lnRef idx="2">
+            <a:schemeClr val="accent1"/>
+          </a:lnRef>
+          <a:fillRef idx="1">
+            <a:schemeClr val="lt1"/>
+          </a:fillRef>
+          <a:effectRef idx="0">
+            <a:schemeClr val="accent1"/>
+          </a:effectRef>
+          <a:fontRef idx="minor">
+            <a:schemeClr val="dk1"/>
+          </a:fontRef>
+        </p:style>
+        <p:txBody>
+          <a:bodyPr rtlCol="0" anchor="ctr"/>
+          <a:lstStyle/>
+          <a:p>
+            <a:pPr algn="ctr"/>
+            <a:r>
+              <a:rPr lang="en-US" b="1" dirty="0"/>
+              <a:t>Browser</a:t>
+            </a:r>
+            <a:endParaRPr lang="en-JP" b="1" dirty="0"/>
+          </a:p>
+        </p:txBody>
+      </p:sp>
+      <p:sp>
+        <p:nvSpPr>
+          <p:cNvPr id="7" name="Rounded Rectangle 6">
+            <a:extLst>
+              <a:ext uri="{FF2B5EF4-FFF2-40B4-BE49-F238E27FC236}">
+                <a16:creationId xmlns:a16="http://schemas.microsoft.com/office/drawing/2014/main" id="{667C2817-EB5F-234E-B260-12E87E4C5165}"/>
+              </a:ext>
+            </a:extLst>
+          </p:cNvPr>
+          <p:cNvSpPr/>
+          <p:nvPr/>
+        </p:nvSpPr>
+        <p:spPr>
+          <a:xfrm>
+            <a:off x="4530619" y="626795"/>
+            <a:ext cx="2771041" cy="369332"/>
+          </a:xfrm>
+          <a:prstGeom prst="roundRect">
+            <a:avLst/>
+          </a:prstGeom>
+          <a:ln w="28575"/>
+        </p:spPr>
+        <p:style>
+          <a:lnRef idx="2">
+            <a:schemeClr val="dk1"/>
+          </a:lnRef>
+          <a:fillRef idx="1">
+            <a:schemeClr val="lt1"/>
+          </a:fillRef>
+          <a:effectRef idx="0">
+            <a:schemeClr val="dk1"/>
+          </a:effectRef>
+          <a:fontRef idx="minor">
+            <a:schemeClr val="dk1"/>
+          </a:fontRef>
+        </p:style>
+        <p:txBody>
+          <a:bodyPr rtlCol="0" anchor="ctr"/>
+          <a:lstStyle/>
+          <a:p>
+            <a:pPr algn="ctr"/>
+            <a:r>
+              <a:rPr lang="en-US" b="1" dirty="0"/>
+              <a:t>Relaying Party</a:t>
+            </a:r>
+            <a:r>
+              <a:rPr lang="ja-JP" altLang="en-US" b="1"/>
+              <a:t> </a:t>
+            </a:r>
+            <a:r>
+              <a:rPr lang="en-US" altLang="ja-JP" b="1" dirty="0"/>
+              <a:t>(RP)</a:t>
+            </a:r>
+            <a:endParaRPr lang="en-JP" b="1" dirty="0"/>
+          </a:p>
+        </p:txBody>
+      </p:sp>
+      <p:cxnSp>
+        <p:nvCxnSpPr>
+          <p:cNvPr id="8" name="Straight Arrow Connector 7">
+            <a:extLst>
+              <a:ext uri="{FF2B5EF4-FFF2-40B4-BE49-F238E27FC236}">
+                <a16:creationId xmlns:a16="http://schemas.microsoft.com/office/drawing/2014/main" id="{E3E40130-3BED-B941-88CF-D1299972173E}"/>
+              </a:ext>
+            </a:extLst>
+          </p:cNvPr>
+          <p:cNvCxnSpPr/>
+          <p:nvPr/>
+        </p:nvCxnSpPr>
+        <p:spPr>
+          <a:xfrm>
+            <a:off x="4961593" y="2709706"/>
+            <a:ext cx="0" cy="778523"/>
+          </a:xfrm>
+          <a:prstGeom prst="straightConnector1">
+            <a:avLst/>
+          </a:prstGeom>
+          <a:ln w="28575">
+            <a:tailEnd type="triangle"/>
+          </a:ln>
+        </p:spPr>
+        <p:style>
+          <a:lnRef idx="1">
+            <a:schemeClr val="accent1"/>
+          </a:lnRef>
+          <a:fillRef idx="0">
+            <a:schemeClr val="accent1"/>
+          </a:fillRef>
+          <a:effectRef idx="0">
+            <a:schemeClr val="accent1"/>
+          </a:effectRef>
+          <a:fontRef idx="minor">
+            <a:schemeClr val="tx1"/>
+          </a:fontRef>
+        </p:style>
+      </p:cxnSp>
+      <p:cxnSp>
+        <p:nvCxnSpPr>
+          <p:cNvPr id="9" name="Straight Arrow Connector 8">
+            <a:extLst>
+              <a:ext uri="{FF2B5EF4-FFF2-40B4-BE49-F238E27FC236}">
+                <a16:creationId xmlns:a16="http://schemas.microsoft.com/office/drawing/2014/main" id="{9E3EB259-E7FF-D047-8D6B-D88B029D6503}"/>
+              </a:ext>
+            </a:extLst>
+          </p:cNvPr>
+          <p:cNvCxnSpPr>
+            <a:cxnSpLocks/>
+          </p:cNvCxnSpPr>
+          <p:nvPr/>
+        </p:nvCxnSpPr>
+        <p:spPr>
+          <a:xfrm flipV="1">
+            <a:off x="6792475" y="2682077"/>
+            <a:ext cx="0" cy="778524"/>
+          </a:xfrm>
+          <a:prstGeom prst="straightConnector1">
+            <a:avLst/>
+          </a:prstGeom>
+          <a:ln w="28575">
+            <a:tailEnd type="triangle"/>
+          </a:ln>
+        </p:spPr>
+        <p:style>
+          <a:lnRef idx="1">
+            <a:schemeClr val="accent1"/>
+          </a:lnRef>
+          <a:fillRef idx="0">
+            <a:schemeClr val="accent1"/>
+          </a:fillRef>
+          <a:effectRef idx="0">
+            <a:schemeClr val="accent1"/>
+          </a:effectRef>
+          <a:fontRef idx="minor">
+            <a:schemeClr val="tx1"/>
+          </a:fontRef>
+        </p:style>
+      </p:cxnSp>
+      <p:cxnSp>
+        <p:nvCxnSpPr>
+          <p:cNvPr id="10" name="Straight Arrow Connector 9">
+            <a:extLst>
+              <a:ext uri="{FF2B5EF4-FFF2-40B4-BE49-F238E27FC236}">
+                <a16:creationId xmlns:a16="http://schemas.microsoft.com/office/drawing/2014/main" id="{1493BA4F-6CA1-1749-8DEF-907D657C82A8}"/>
+              </a:ext>
+            </a:extLst>
+          </p:cNvPr>
+          <p:cNvCxnSpPr/>
+          <p:nvPr/>
+        </p:nvCxnSpPr>
+        <p:spPr>
+          <a:xfrm>
+            <a:off x="4961593" y="996127"/>
+            <a:ext cx="0" cy="778523"/>
+          </a:xfrm>
+          <a:prstGeom prst="straightConnector1">
+            <a:avLst/>
+          </a:prstGeom>
+          <a:ln w="28575">
+            <a:solidFill>
+              <a:schemeClr val="accent2"/>
+            </a:solidFill>
+            <a:tailEnd type="triangle"/>
+          </a:ln>
+        </p:spPr>
+        <p:style>
+          <a:lnRef idx="1">
+            <a:schemeClr val="accent1"/>
+          </a:lnRef>
+          <a:fillRef idx="0">
+            <a:schemeClr val="accent1"/>
+          </a:fillRef>
+          <a:effectRef idx="0">
+            <a:schemeClr val="accent1"/>
+          </a:effectRef>
+          <a:fontRef idx="minor">
+            <a:schemeClr val="tx1"/>
+          </a:fontRef>
+        </p:style>
+      </p:cxnSp>
+      <p:cxnSp>
+        <p:nvCxnSpPr>
+          <p:cNvPr id="11" name="Straight Arrow Connector 10">
+            <a:extLst>
+              <a:ext uri="{FF2B5EF4-FFF2-40B4-BE49-F238E27FC236}">
+                <a16:creationId xmlns:a16="http://schemas.microsoft.com/office/drawing/2014/main" id="{A0566FA4-7A0D-9347-9D4C-6667961C2B07}"/>
+              </a:ext>
+            </a:extLst>
+          </p:cNvPr>
+          <p:cNvCxnSpPr>
+            <a:cxnSpLocks/>
+          </p:cNvCxnSpPr>
+          <p:nvPr/>
+        </p:nvCxnSpPr>
+        <p:spPr>
+          <a:xfrm flipV="1">
+            <a:off x="6787421" y="996127"/>
+            <a:ext cx="0" cy="778524"/>
+          </a:xfrm>
+          <a:prstGeom prst="straightConnector1">
+            <a:avLst/>
+          </a:prstGeom>
+          <a:ln w="28575">
+            <a:solidFill>
+              <a:schemeClr val="accent2"/>
+            </a:solidFill>
+            <a:tailEnd type="triangle"/>
+          </a:ln>
+        </p:spPr>
+        <p:style>
+          <a:lnRef idx="1">
+            <a:schemeClr val="accent1"/>
+          </a:lnRef>
+          <a:fillRef idx="0">
+            <a:schemeClr val="accent1"/>
+          </a:fillRef>
+          <a:effectRef idx="0">
+            <a:schemeClr val="accent1"/>
+          </a:effectRef>
+          <a:fontRef idx="minor">
+            <a:schemeClr val="tx1"/>
+          </a:fontRef>
+        </p:style>
+      </p:cxnSp>
+      <p:sp>
+        <p:nvSpPr>
+          <p:cNvPr id="12" name="Rounded Rectangle 11">
+            <a:extLst>
+              <a:ext uri="{FF2B5EF4-FFF2-40B4-BE49-F238E27FC236}">
+                <a16:creationId xmlns:a16="http://schemas.microsoft.com/office/drawing/2014/main" id="{1A8FA66B-4F4F-6341-B599-4D64AD97C0A9}"/>
+              </a:ext>
+            </a:extLst>
+          </p:cNvPr>
+          <p:cNvSpPr/>
+          <p:nvPr/>
+        </p:nvSpPr>
+        <p:spPr>
+          <a:xfrm>
+            <a:off x="4530620" y="3467371"/>
+            <a:ext cx="2771040" cy="369332"/>
+          </a:xfrm>
+          <a:prstGeom prst="roundRect">
+            <a:avLst/>
+          </a:prstGeom>
+          <a:noFill/>
+          <a:ln w="28575"/>
+        </p:spPr>
+        <p:style>
+          <a:lnRef idx="2">
+            <a:schemeClr val="accent1">
+              <a:shade val="50000"/>
+            </a:schemeClr>
+          </a:lnRef>
+          <a:fillRef idx="1">
+            <a:schemeClr val="accent1"/>
+          </a:fillRef>
+          <a:effectRef idx="0">
+            <a:schemeClr val="accent1"/>
+          </a:effectRef>
+          <a:fontRef idx="minor">
+            <a:schemeClr val="lt1"/>
+          </a:fontRef>
+        </p:style>
+        <p:txBody>
+          <a:bodyPr rtlCol="0" anchor="ctr"/>
+          <a:lstStyle/>
+          <a:p>
+            <a:pPr algn="ctr"/>
+            <a:r>
+              <a:rPr lang="en-JP" b="1" dirty="0">
+                <a:solidFill>
+                  <a:schemeClr val="tx1"/>
+                </a:solidFill>
+              </a:rPr>
+              <a:t>Authenticator</a:t>
+            </a:r>
+          </a:p>
+        </p:txBody>
+      </p:sp>
+      <p:cxnSp>
+        <p:nvCxnSpPr>
+          <p:cNvPr id="13" name="Straight Arrow Connector 12">
+            <a:extLst>
+              <a:ext uri="{FF2B5EF4-FFF2-40B4-BE49-F238E27FC236}">
+                <a16:creationId xmlns:a16="http://schemas.microsoft.com/office/drawing/2014/main" id="{26E3324E-4537-B443-A408-263E62032076}"/>
+              </a:ext>
+            </a:extLst>
+          </p:cNvPr>
+          <p:cNvCxnSpPr>
+            <a:cxnSpLocks/>
+          </p:cNvCxnSpPr>
+          <p:nvPr/>
+        </p:nvCxnSpPr>
+        <p:spPr>
+          <a:xfrm flipV="1">
+            <a:off x="5457173" y="996127"/>
+            <a:ext cx="0" cy="778524"/>
+          </a:xfrm>
+          <a:prstGeom prst="straightConnector1">
+            <a:avLst/>
+          </a:prstGeom>
+          <a:ln w="28575">
+            <a:solidFill>
+              <a:schemeClr val="accent2"/>
+            </a:solidFill>
+            <a:tailEnd type="triangle"/>
+          </a:ln>
+        </p:spPr>
+        <p:style>
+          <a:lnRef idx="1">
+            <a:schemeClr val="accent1"/>
+          </a:lnRef>
+          <a:fillRef idx="0">
+            <a:schemeClr val="accent1"/>
+          </a:fillRef>
+          <a:effectRef idx="0">
+            <a:schemeClr val="accent1"/>
+          </a:effectRef>
+          <a:fontRef idx="minor">
+            <a:schemeClr val="tx1"/>
+          </a:fontRef>
+        </p:style>
+      </p:cxnSp>
+      <p:sp>
+        <p:nvSpPr>
+          <p:cNvPr id="14" name="TextBox 13">
+            <a:extLst>
+              <a:ext uri="{FF2B5EF4-FFF2-40B4-BE49-F238E27FC236}">
+                <a16:creationId xmlns:a16="http://schemas.microsoft.com/office/drawing/2014/main" id="{F4BB5431-8EB3-E940-8E58-C244A24ACCC5}"/>
+              </a:ext>
+            </a:extLst>
+          </p:cNvPr>
+          <p:cNvSpPr txBox="1"/>
+          <p:nvPr/>
+        </p:nvSpPr>
+        <p:spPr>
+          <a:xfrm>
+            <a:off x="5435879" y="1218633"/>
+            <a:ext cx="989373" cy="276999"/>
+          </a:xfrm>
+          <a:prstGeom prst="rect">
+            <a:avLst/>
+          </a:prstGeom>
+          <a:noFill/>
+        </p:spPr>
+        <p:txBody>
+          <a:bodyPr wrap="none" rtlCol="0">
+            <a:spAutoFit/>
+          </a:bodyPr>
+          <a:lstStyle/>
+          <a:p>
+            <a:r>
+              <a:rPr lang="ja-JP" altLang="en-US" sz="1200" b="1">
+                <a:highlight>
+                  <a:srgbClr val="FFFF00"/>
+                </a:highlight>
+              </a:rPr>
+              <a:t>⓪</a:t>
+            </a:r>
+            <a:r>
+              <a:rPr lang="en-US" altLang="ja-JP" sz="1200" b="1" dirty="0">
+                <a:highlight>
+                  <a:srgbClr val="FFFF00"/>
+                </a:highlight>
+              </a:rPr>
+              <a:t> </a:t>
+            </a:r>
+            <a:r>
+              <a:rPr lang="ja-JP" altLang="en-US" sz="1200" b="1">
+                <a:highlight>
+                  <a:srgbClr val="FFFF00"/>
+                </a:highlight>
+              </a:rPr>
+              <a:t>登録要求</a:t>
+            </a:r>
+            <a:endParaRPr lang="en-JP" sz="1200" b="1" dirty="0">
+              <a:highlight>
+                <a:srgbClr val="FFFF00"/>
+              </a:highlight>
+            </a:endParaRPr>
+          </a:p>
+        </p:txBody>
+      </p:sp>
+      <p:sp>
+        <p:nvSpPr>
+          <p:cNvPr id="16" name="TextBox 15">
+            <a:extLst>
+              <a:ext uri="{FF2B5EF4-FFF2-40B4-BE49-F238E27FC236}">
+                <a16:creationId xmlns:a16="http://schemas.microsoft.com/office/drawing/2014/main" id="{070ED225-BE02-A14C-91BF-816B734C1B44}"/>
+              </a:ext>
+            </a:extLst>
+          </p:cNvPr>
+          <p:cNvSpPr txBox="1"/>
+          <p:nvPr/>
+        </p:nvSpPr>
+        <p:spPr>
+          <a:xfrm>
+            <a:off x="5002771" y="2116612"/>
+            <a:ext cx="1853455" cy="276999"/>
+          </a:xfrm>
+          <a:prstGeom prst="rect">
+            <a:avLst/>
+          </a:prstGeom>
+          <a:solidFill>
+            <a:schemeClr val="bg1"/>
+          </a:solidFill>
+          <a:ln w="19050">
+            <a:solidFill>
+              <a:srgbClr val="FF0000"/>
+            </a:solidFill>
+          </a:ln>
+        </p:spPr>
+        <p:txBody>
+          <a:bodyPr wrap="square" rtlCol="0">
+            <a:spAutoFit/>
+          </a:bodyPr>
+          <a:lstStyle/>
+          <a:p>
+            <a:pPr algn="ctr"/>
+            <a:r>
+              <a:rPr lang="en-JP" sz="1200" b="1" dirty="0"/>
+              <a:t>WebAuthn API</a:t>
+            </a:r>
+          </a:p>
+        </p:txBody>
+      </p:sp>
+      <p:sp>
+        <p:nvSpPr>
+          <p:cNvPr id="17" name="TextBox 16">
+            <a:extLst>
+              <a:ext uri="{FF2B5EF4-FFF2-40B4-BE49-F238E27FC236}">
+                <a16:creationId xmlns:a16="http://schemas.microsoft.com/office/drawing/2014/main" id="{511681B5-1931-004B-9856-198305101D77}"/>
+              </a:ext>
+            </a:extLst>
+          </p:cNvPr>
+          <p:cNvSpPr txBox="1"/>
+          <p:nvPr/>
+        </p:nvSpPr>
+        <p:spPr>
+          <a:xfrm>
+            <a:off x="2849719" y="2995222"/>
+            <a:ext cx="2125967" cy="276999"/>
+          </a:xfrm>
+          <a:prstGeom prst="rect">
+            <a:avLst/>
+          </a:prstGeom>
+          <a:noFill/>
+        </p:spPr>
+        <p:txBody>
+          <a:bodyPr wrap="none" rtlCol="0">
+            <a:spAutoFit/>
+          </a:bodyPr>
+          <a:lstStyle/>
+          <a:p>
+            <a:r>
+              <a:rPr lang="en-JP" sz="1200" b="1" dirty="0">
+                <a:solidFill>
+                  <a:schemeClr val="bg2">
+                    <a:lumMod val="90000"/>
+                  </a:schemeClr>
+                </a:solidFill>
+              </a:rPr>
+              <a:t>③Credential</a:t>
+            </a:r>
+            <a:r>
+              <a:rPr lang="ja-JP" altLang="en-US" sz="1200" b="1">
+                <a:solidFill>
+                  <a:schemeClr val="bg2">
+                    <a:lumMod val="90000"/>
+                  </a:schemeClr>
+                </a:solidFill>
+              </a:rPr>
+              <a:t>生成要求の送付</a:t>
+            </a:r>
+            <a:endParaRPr lang="en-JP" sz="1200" b="1" dirty="0">
+              <a:solidFill>
+                <a:schemeClr val="bg2">
+                  <a:lumMod val="90000"/>
+                </a:schemeClr>
+              </a:solidFill>
+            </a:endParaRPr>
+          </a:p>
+        </p:txBody>
+      </p:sp>
+      <p:sp>
+        <p:nvSpPr>
+          <p:cNvPr id="18" name="TextBox 17">
+            <a:extLst>
+              <a:ext uri="{FF2B5EF4-FFF2-40B4-BE49-F238E27FC236}">
+                <a16:creationId xmlns:a16="http://schemas.microsoft.com/office/drawing/2014/main" id="{52733BE3-D5D4-0040-B084-BEF2BD1EE342}"/>
+              </a:ext>
+            </a:extLst>
+          </p:cNvPr>
+          <p:cNvSpPr txBox="1"/>
+          <p:nvPr/>
+        </p:nvSpPr>
+        <p:spPr>
+          <a:xfrm>
+            <a:off x="7158170" y="1222085"/>
+            <a:ext cx="2634439" cy="461665"/>
+          </a:xfrm>
+          <a:prstGeom prst="rect">
+            <a:avLst/>
+          </a:prstGeom>
+          <a:noFill/>
+        </p:spPr>
+        <p:txBody>
+          <a:bodyPr wrap="none" rtlCol="0">
+            <a:spAutoFit/>
+          </a:bodyPr>
+          <a:lstStyle/>
+          <a:p>
+            <a:r>
+              <a:rPr lang="en-JP" sz="1200" b="1" dirty="0">
+                <a:solidFill>
+                  <a:schemeClr val="bg2">
+                    <a:lumMod val="90000"/>
+                  </a:schemeClr>
+                </a:solidFill>
+              </a:rPr>
+              <a:t>⑦ AuthenticatorAttestationResponse</a:t>
+            </a:r>
+          </a:p>
+          <a:p>
+            <a:r>
+              <a:rPr lang="ja-JP" altLang="en-US" sz="1200" b="1">
+                <a:solidFill>
+                  <a:schemeClr val="bg2">
+                    <a:lumMod val="90000"/>
+                  </a:schemeClr>
+                </a:solidFill>
+              </a:rPr>
+              <a:t>　  の送付</a:t>
+            </a:r>
+            <a:endParaRPr lang="en-JP" sz="1200" b="1" dirty="0">
+              <a:solidFill>
+                <a:schemeClr val="bg2">
+                  <a:lumMod val="90000"/>
+                </a:schemeClr>
+              </a:solidFill>
+            </a:endParaRPr>
+          </a:p>
+        </p:txBody>
+      </p:sp>
+      <p:sp>
+        <p:nvSpPr>
+          <p:cNvPr id="20" name="TextBox 19">
+            <a:extLst>
+              <a:ext uri="{FF2B5EF4-FFF2-40B4-BE49-F238E27FC236}">
+                <a16:creationId xmlns:a16="http://schemas.microsoft.com/office/drawing/2014/main" id="{A1269EB4-2697-534A-B26E-312359FF4FC5}"/>
+              </a:ext>
+            </a:extLst>
+          </p:cNvPr>
+          <p:cNvSpPr txBox="1"/>
+          <p:nvPr/>
+        </p:nvSpPr>
+        <p:spPr>
+          <a:xfrm>
+            <a:off x="6707725" y="3909303"/>
+            <a:ext cx="3207929" cy="461665"/>
+          </a:xfrm>
+          <a:prstGeom prst="rect">
+            <a:avLst/>
+          </a:prstGeom>
+          <a:noFill/>
+        </p:spPr>
+        <p:txBody>
+          <a:bodyPr wrap="none" rtlCol="0">
+            <a:spAutoFit/>
+          </a:bodyPr>
+          <a:lstStyle/>
+          <a:p>
+            <a:r>
+              <a:rPr lang="en-JP" sz="1200" b="1" dirty="0">
+                <a:solidFill>
+                  <a:schemeClr val="bg2">
+                    <a:lumMod val="90000"/>
+                  </a:schemeClr>
+                </a:solidFill>
+              </a:rPr>
+              <a:t>④</a:t>
+            </a:r>
+            <a:r>
+              <a:rPr lang="en-US" sz="1200" b="1" dirty="0">
+                <a:solidFill>
+                  <a:schemeClr val="bg2">
+                    <a:lumMod val="90000"/>
+                  </a:schemeClr>
+                </a:solidFill>
+              </a:rPr>
+              <a:t> </a:t>
+            </a:r>
+            <a:r>
+              <a:rPr lang="ja-JP" altLang="en-US" sz="1200" b="1">
+                <a:solidFill>
+                  <a:schemeClr val="bg2">
+                    <a:lumMod val="90000"/>
+                  </a:schemeClr>
+                </a:solidFill>
+              </a:rPr>
+              <a:t>要求ユーザのローカル認証</a:t>
+            </a:r>
+            <a:r>
+              <a:rPr lang="en-US" altLang="ja-JP" sz="1200" b="1" dirty="0">
+                <a:solidFill>
+                  <a:schemeClr val="bg2">
+                    <a:lumMod val="90000"/>
+                  </a:schemeClr>
+                </a:solidFill>
+              </a:rPr>
+              <a:t>(PIN</a:t>
+            </a:r>
+            <a:r>
+              <a:rPr lang="ja-JP" altLang="en-US" sz="1200" b="1">
+                <a:solidFill>
+                  <a:schemeClr val="bg2">
+                    <a:lumMod val="90000"/>
+                  </a:schemeClr>
+                </a:solidFill>
+              </a:rPr>
+              <a:t>や指紋</a:t>
+            </a:r>
+            <a:r>
+              <a:rPr lang="en-US" altLang="ja-JP" sz="1200" b="1" dirty="0">
+                <a:solidFill>
+                  <a:schemeClr val="bg2">
+                    <a:lumMod val="90000"/>
+                  </a:schemeClr>
+                </a:solidFill>
+              </a:rPr>
+              <a:t>)</a:t>
+            </a:r>
+            <a:r>
+              <a:rPr lang="ja-JP" altLang="en-US" sz="1200" b="1">
+                <a:solidFill>
+                  <a:schemeClr val="bg2">
+                    <a:lumMod val="90000"/>
+                  </a:schemeClr>
+                </a:solidFill>
+              </a:rPr>
+              <a:t>、</a:t>
+            </a:r>
+            <a:br>
+              <a:rPr lang="en-US" altLang="ja-JP" sz="1200" b="1" dirty="0">
+                <a:solidFill>
+                  <a:schemeClr val="bg2">
+                    <a:lumMod val="90000"/>
+                  </a:schemeClr>
+                </a:solidFill>
+              </a:rPr>
+            </a:br>
+            <a:r>
+              <a:rPr lang="ja-JP" altLang="en-US" sz="1200" b="1">
+                <a:solidFill>
+                  <a:schemeClr val="bg2">
+                    <a:lumMod val="90000"/>
+                  </a:schemeClr>
+                </a:solidFill>
+              </a:rPr>
+              <a:t>　  </a:t>
+            </a:r>
+            <a:r>
+              <a:rPr lang="en-US" sz="1200" b="1" dirty="0">
+                <a:solidFill>
+                  <a:schemeClr val="bg2">
+                    <a:lumMod val="90000"/>
+                  </a:schemeClr>
+                </a:solidFill>
+              </a:rPr>
+              <a:t>Credential Key Pair</a:t>
+            </a:r>
+            <a:r>
+              <a:rPr lang="ja-JP" altLang="en-US" sz="1200" b="1">
+                <a:solidFill>
+                  <a:schemeClr val="bg2">
+                    <a:lumMod val="90000"/>
+                  </a:schemeClr>
+                </a:solidFill>
+              </a:rPr>
+              <a:t>の新規生成・署名付与</a:t>
+            </a:r>
+            <a:endParaRPr lang="en-JP" sz="1200" b="1" dirty="0">
+              <a:solidFill>
+                <a:schemeClr val="bg2">
+                  <a:lumMod val="90000"/>
+                </a:schemeClr>
+              </a:solidFill>
+            </a:endParaRPr>
+          </a:p>
+        </p:txBody>
+      </p:sp>
+      <p:sp>
+        <p:nvSpPr>
+          <p:cNvPr id="21" name="TextBox 20">
+            <a:extLst>
+              <a:ext uri="{FF2B5EF4-FFF2-40B4-BE49-F238E27FC236}">
+                <a16:creationId xmlns:a16="http://schemas.microsoft.com/office/drawing/2014/main" id="{2A1A0A65-4FC6-7343-A487-93B65FE2AE12}"/>
+              </a:ext>
+            </a:extLst>
+          </p:cNvPr>
+          <p:cNvSpPr txBox="1"/>
+          <p:nvPr/>
+        </p:nvSpPr>
+        <p:spPr>
+          <a:xfrm>
+            <a:off x="7215470" y="2965539"/>
+            <a:ext cx="2004010" cy="276999"/>
+          </a:xfrm>
+          <a:prstGeom prst="rect">
+            <a:avLst/>
+          </a:prstGeom>
+          <a:noFill/>
+        </p:spPr>
+        <p:txBody>
+          <a:bodyPr wrap="none" rtlCol="0">
+            <a:spAutoFit/>
+          </a:bodyPr>
+          <a:lstStyle/>
+          <a:p>
+            <a:r>
+              <a:rPr lang="en-US" sz="1200" b="1" dirty="0">
+                <a:solidFill>
+                  <a:schemeClr val="bg2">
+                    <a:lumMod val="90000"/>
+                  </a:schemeClr>
+                </a:solidFill>
+              </a:rPr>
+              <a:t>⑤ </a:t>
+            </a:r>
+            <a:r>
+              <a:rPr lang="en-US" sz="1200" b="1" dirty="0" err="1">
+                <a:solidFill>
+                  <a:schemeClr val="bg2">
+                    <a:lumMod val="90000"/>
+                  </a:schemeClr>
+                </a:solidFill>
+              </a:rPr>
+              <a:t>attestationObject</a:t>
+            </a:r>
+            <a:r>
+              <a:rPr lang="ja-JP" altLang="en-US" sz="1200" b="1">
+                <a:solidFill>
+                  <a:schemeClr val="bg2">
+                    <a:lumMod val="90000"/>
+                  </a:schemeClr>
+                </a:solidFill>
+              </a:rPr>
+              <a:t>の送付</a:t>
+            </a:r>
+            <a:endParaRPr lang="en-JP" sz="1200" b="1" dirty="0">
+              <a:solidFill>
+                <a:schemeClr val="bg2">
+                  <a:lumMod val="90000"/>
+                </a:schemeClr>
+              </a:solidFill>
+            </a:endParaRPr>
+          </a:p>
+        </p:txBody>
+      </p:sp>
+      <p:sp>
+        <p:nvSpPr>
+          <p:cNvPr id="22" name="TextBox 21">
+            <a:extLst>
+              <a:ext uri="{FF2B5EF4-FFF2-40B4-BE49-F238E27FC236}">
+                <a16:creationId xmlns:a16="http://schemas.microsoft.com/office/drawing/2014/main" id="{AB4378D1-3D72-0443-A137-64E51F2AEE9F}"/>
+              </a:ext>
+            </a:extLst>
+          </p:cNvPr>
+          <p:cNvSpPr txBox="1"/>
+          <p:nvPr/>
+        </p:nvSpPr>
+        <p:spPr>
+          <a:xfrm>
+            <a:off x="7292182" y="2123346"/>
+            <a:ext cx="1670650" cy="276999"/>
+          </a:xfrm>
+          <a:prstGeom prst="rect">
+            <a:avLst/>
+          </a:prstGeom>
+          <a:noFill/>
+        </p:spPr>
+        <p:txBody>
+          <a:bodyPr wrap="none" rtlCol="0">
+            <a:spAutoFit/>
+          </a:bodyPr>
+          <a:lstStyle/>
+          <a:p>
+            <a:r>
+              <a:rPr lang="en-JP" sz="1200" b="1" dirty="0">
+                <a:solidFill>
+                  <a:schemeClr val="bg2">
+                    <a:lumMod val="90000"/>
+                  </a:schemeClr>
+                </a:solidFill>
+              </a:rPr>
+              <a:t>⑥ RP</a:t>
+            </a:r>
+            <a:r>
+              <a:rPr lang="ja-JP" altLang="en-US" sz="1200" b="1">
+                <a:solidFill>
+                  <a:schemeClr val="bg2">
+                    <a:lumMod val="90000"/>
+                  </a:schemeClr>
+                </a:solidFill>
+              </a:rPr>
+              <a:t>への応答の生成</a:t>
+            </a:r>
+            <a:endParaRPr lang="en-JP" sz="1200" b="1" dirty="0">
+              <a:solidFill>
+                <a:schemeClr val="bg2">
+                  <a:lumMod val="90000"/>
+                </a:schemeClr>
+              </a:solidFill>
+            </a:endParaRPr>
+          </a:p>
+        </p:txBody>
+      </p:sp>
+      <p:sp>
+        <p:nvSpPr>
+          <p:cNvPr id="23" name="TextBox 22">
+            <a:extLst>
+              <a:ext uri="{FF2B5EF4-FFF2-40B4-BE49-F238E27FC236}">
+                <a16:creationId xmlns:a16="http://schemas.microsoft.com/office/drawing/2014/main" id="{A4AD18DD-7940-D446-A3F4-E64DF3918033}"/>
+              </a:ext>
+            </a:extLst>
+          </p:cNvPr>
+          <p:cNvSpPr txBox="1"/>
+          <p:nvPr/>
+        </p:nvSpPr>
+        <p:spPr>
+          <a:xfrm>
+            <a:off x="7186501" y="84255"/>
+            <a:ext cx="2264730" cy="461665"/>
+          </a:xfrm>
+          <a:prstGeom prst="rect">
+            <a:avLst/>
+          </a:prstGeom>
+          <a:noFill/>
+        </p:spPr>
+        <p:txBody>
+          <a:bodyPr wrap="square" rtlCol="0">
+            <a:spAutoFit/>
+          </a:bodyPr>
+          <a:lstStyle/>
+          <a:p>
+            <a:r>
+              <a:rPr lang="en-JP" sz="1200" b="1" dirty="0">
+                <a:solidFill>
+                  <a:schemeClr val="bg2">
+                    <a:lumMod val="90000"/>
+                  </a:schemeClr>
+                </a:solidFill>
+              </a:rPr>
+              <a:t>⑧</a:t>
+            </a:r>
+            <a:r>
+              <a:rPr lang="ja-JP" altLang="en-US" sz="1200" b="1">
+                <a:solidFill>
+                  <a:schemeClr val="bg2">
+                    <a:lumMod val="90000"/>
+                  </a:schemeClr>
+                </a:solidFill>
+              </a:rPr>
+              <a:t> </a:t>
+            </a:r>
+            <a:r>
+              <a:rPr lang="en-US" altLang="ja-JP" sz="1200" b="1" dirty="0" err="1">
+                <a:solidFill>
+                  <a:schemeClr val="bg2">
+                    <a:lumMod val="90000"/>
+                  </a:schemeClr>
+                </a:solidFill>
+              </a:rPr>
+              <a:t>AttestationResponse</a:t>
+            </a:r>
+            <a:r>
+              <a:rPr lang="ja-JP" altLang="en-US" sz="1200" b="1">
+                <a:solidFill>
+                  <a:schemeClr val="bg2">
+                    <a:lumMod val="90000"/>
+                  </a:schemeClr>
+                </a:solidFill>
+              </a:rPr>
+              <a:t>の検証</a:t>
+            </a:r>
+            <a:endParaRPr lang="en-US" altLang="ja-JP" sz="1200" b="1" dirty="0">
+              <a:solidFill>
+                <a:schemeClr val="bg2">
+                  <a:lumMod val="90000"/>
+                </a:schemeClr>
+              </a:solidFill>
+            </a:endParaRPr>
+          </a:p>
+          <a:p>
+            <a:r>
+              <a:rPr lang="ja-JP" altLang="en-US" sz="1200" b="1">
+                <a:solidFill>
+                  <a:schemeClr val="bg2">
+                    <a:lumMod val="90000"/>
+                  </a:schemeClr>
+                </a:solidFill>
+              </a:rPr>
+              <a:t>　   </a:t>
+            </a:r>
+            <a:r>
+              <a:rPr lang="en-US" altLang="ja-JP" sz="1200" b="1" dirty="0">
+                <a:solidFill>
+                  <a:schemeClr val="bg2">
+                    <a:lumMod val="90000"/>
+                  </a:schemeClr>
+                </a:solidFill>
+              </a:rPr>
+              <a:t>Credential Certificate</a:t>
+            </a:r>
+            <a:r>
+              <a:rPr lang="ja-JP" altLang="en-US" sz="1200" b="1">
+                <a:solidFill>
+                  <a:schemeClr val="bg2">
+                    <a:lumMod val="90000"/>
+                  </a:schemeClr>
+                </a:solidFill>
+              </a:rPr>
+              <a:t>登録</a:t>
+            </a:r>
+            <a:endParaRPr lang="en-JP" sz="1200" b="1" dirty="0">
+              <a:solidFill>
+                <a:schemeClr val="bg2">
+                  <a:lumMod val="90000"/>
+                </a:schemeClr>
+              </a:solidFill>
+            </a:endParaRPr>
+          </a:p>
+        </p:txBody>
+      </p:sp>
+      <p:pic>
+        <p:nvPicPr>
+          <p:cNvPr id="29" name="Picture 28">
+            <a:extLst>
+              <a:ext uri="{FF2B5EF4-FFF2-40B4-BE49-F238E27FC236}">
+                <a16:creationId xmlns:a16="http://schemas.microsoft.com/office/drawing/2014/main" id="{7368AD10-BA72-2548-BD8D-481A34498B6D}"/>
+              </a:ext>
+            </a:extLst>
+          </p:cNvPr>
+          <p:cNvPicPr>
+            <a:picLocks noChangeAspect="1"/>
+          </p:cNvPicPr>
+          <p:nvPr/>
+        </p:nvPicPr>
+        <p:blipFill>
+          <a:blip r:embed="rId3"/>
+          <a:stretch>
+            <a:fillRect/>
+          </a:stretch>
+        </p:blipFill>
+        <p:spPr>
+          <a:xfrm>
+            <a:off x="5651832" y="3907718"/>
+            <a:ext cx="369490" cy="461665"/>
+          </a:xfrm>
+          <a:prstGeom prst="rect">
+            <a:avLst/>
+          </a:prstGeom>
+        </p:spPr>
+      </p:pic>
+      <p:pic>
+        <p:nvPicPr>
+          <p:cNvPr id="30" name="Picture 29">
+            <a:extLst>
+              <a:ext uri="{FF2B5EF4-FFF2-40B4-BE49-F238E27FC236}">
+                <a16:creationId xmlns:a16="http://schemas.microsoft.com/office/drawing/2014/main" id="{9DE219C0-1324-D14E-BEE1-126EAD00A687}"/>
+              </a:ext>
+            </a:extLst>
+          </p:cNvPr>
+          <p:cNvPicPr>
+            <a:picLocks noChangeAspect="1"/>
+          </p:cNvPicPr>
+          <p:nvPr/>
+        </p:nvPicPr>
+        <p:blipFill>
+          <a:blip r:embed="rId4"/>
+          <a:stretch>
+            <a:fillRect/>
+          </a:stretch>
+        </p:blipFill>
+        <p:spPr>
+          <a:xfrm>
+            <a:off x="5651831" y="3983789"/>
+            <a:ext cx="342327" cy="342327"/>
+          </a:xfrm>
+          <a:prstGeom prst="rect">
+            <a:avLst/>
+          </a:prstGeom>
+        </p:spPr>
+      </p:pic>
+      <p:pic>
+        <p:nvPicPr>
+          <p:cNvPr id="31" name="Picture 30">
+            <a:extLst>
+              <a:ext uri="{FF2B5EF4-FFF2-40B4-BE49-F238E27FC236}">
+                <a16:creationId xmlns:a16="http://schemas.microsoft.com/office/drawing/2014/main" id="{A66662D6-03CB-AB4A-87F8-3041B461665C}"/>
+              </a:ext>
+            </a:extLst>
+          </p:cNvPr>
+          <p:cNvPicPr>
+            <a:picLocks noChangeAspect="1"/>
+          </p:cNvPicPr>
+          <p:nvPr/>
+        </p:nvPicPr>
+        <p:blipFill>
+          <a:blip r:embed="rId5"/>
+          <a:stretch>
+            <a:fillRect/>
+          </a:stretch>
+        </p:blipFill>
+        <p:spPr>
+          <a:xfrm>
+            <a:off x="4530619" y="3956613"/>
+            <a:ext cx="407646" cy="407646"/>
+          </a:xfrm>
+          <a:prstGeom prst="rect">
+            <a:avLst/>
+          </a:prstGeom>
+        </p:spPr>
+      </p:pic>
+      <p:sp>
+        <p:nvSpPr>
+          <p:cNvPr id="32" name="TextBox 31">
+            <a:extLst>
+              <a:ext uri="{FF2B5EF4-FFF2-40B4-BE49-F238E27FC236}">
+                <a16:creationId xmlns:a16="http://schemas.microsoft.com/office/drawing/2014/main" id="{969BED74-38CB-4148-881C-135F38EE66F3}"/>
+              </a:ext>
+            </a:extLst>
+          </p:cNvPr>
+          <p:cNvSpPr txBox="1"/>
+          <p:nvPr/>
+        </p:nvSpPr>
+        <p:spPr>
+          <a:xfrm>
+            <a:off x="4836191" y="3937811"/>
+            <a:ext cx="838691" cy="430887"/>
+          </a:xfrm>
+          <a:prstGeom prst="rect">
+            <a:avLst/>
+          </a:prstGeom>
+          <a:noFill/>
+        </p:spPr>
+        <p:txBody>
+          <a:bodyPr wrap="none" rtlCol="0">
+            <a:spAutoFit/>
+          </a:bodyPr>
+          <a:lstStyle/>
+          <a:p>
+            <a:pPr algn="ctr"/>
+            <a:r>
+              <a:rPr lang="en-US" altLang="ja-JP" sz="1100" b="1" dirty="0"/>
+              <a:t>Credential</a:t>
+            </a:r>
+          </a:p>
+          <a:p>
+            <a:pPr algn="ctr"/>
+            <a:r>
+              <a:rPr lang="en-US" altLang="ja-JP" sz="1100" b="1" dirty="0"/>
+              <a:t>Private key</a:t>
+            </a:r>
+            <a:endParaRPr lang="en-JP" sz="1100" b="1" dirty="0"/>
+          </a:p>
+        </p:txBody>
+      </p:sp>
+      <p:sp>
+        <p:nvSpPr>
+          <p:cNvPr id="33" name="TextBox 32">
+            <a:extLst>
+              <a:ext uri="{FF2B5EF4-FFF2-40B4-BE49-F238E27FC236}">
+                <a16:creationId xmlns:a16="http://schemas.microsoft.com/office/drawing/2014/main" id="{635EA6E4-C0ED-A74A-B366-C5D526D7F5B8}"/>
+              </a:ext>
+            </a:extLst>
+          </p:cNvPr>
+          <p:cNvSpPr txBox="1"/>
+          <p:nvPr/>
+        </p:nvSpPr>
+        <p:spPr>
+          <a:xfrm>
+            <a:off x="5980454" y="3933768"/>
+            <a:ext cx="790601" cy="430887"/>
+          </a:xfrm>
+          <a:prstGeom prst="rect">
+            <a:avLst/>
+          </a:prstGeom>
+          <a:noFill/>
+        </p:spPr>
+        <p:txBody>
+          <a:bodyPr wrap="none" rtlCol="0">
+            <a:spAutoFit/>
+          </a:bodyPr>
+          <a:lstStyle/>
+          <a:p>
+            <a:pPr algn="ctr"/>
+            <a:r>
+              <a:rPr lang="en-US" altLang="ja-JP" sz="1100" b="1" dirty="0"/>
+              <a:t>Credential</a:t>
+            </a:r>
+            <a:br>
+              <a:rPr lang="en-US" altLang="ja-JP" sz="1100" b="1" dirty="0"/>
+            </a:br>
+            <a:r>
+              <a:rPr lang="en-US" altLang="ja-JP" sz="1100" b="1" dirty="0"/>
+              <a:t>Certificate</a:t>
+            </a:r>
+          </a:p>
+        </p:txBody>
+      </p:sp>
+      <p:pic>
+        <p:nvPicPr>
+          <p:cNvPr id="37" name="Picture 36">
+            <a:extLst>
+              <a:ext uri="{FF2B5EF4-FFF2-40B4-BE49-F238E27FC236}">
+                <a16:creationId xmlns:a16="http://schemas.microsoft.com/office/drawing/2014/main" id="{0BF9C03C-22E7-3A49-8433-C0F077261303}"/>
+              </a:ext>
+            </a:extLst>
+          </p:cNvPr>
+          <p:cNvPicPr>
+            <a:picLocks noChangeAspect="1"/>
+          </p:cNvPicPr>
+          <p:nvPr/>
+        </p:nvPicPr>
+        <p:blipFill>
+          <a:blip r:embed="rId3"/>
+          <a:stretch>
+            <a:fillRect/>
+          </a:stretch>
+        </p:blipFill>
+        <p:spPr>
+          <a:xfrm>
+            <a:off x="6845980" y="2849410"/>
+            <a:ext cx="369490" cy="461665"/>
+          </a:xfrm>
+          <a:prstGeom prst="rect">
+            <a:avLst/>
+          </a:prstGeom>
+        </p:spPr>
+      </p:pic>
+      <p:pic>
+        <p:nvPicPr>
+          <p:cNvPr id="38" name="Picture 37">
+            <a:extLst>
+              <a:ext uri="{FF2B5EF4-FFF2-40B4-BE49-F238E27FC236}">
+                <a16:creationId xmlns:a16="http://schemas.microsoft.com/office/drawing/2014/main" id="{7AABA3A2-EE0C-A645-950B-120C01208E76}"/>
+              </a:ext>
+            </a:extLst>
+          </p:cNvPr>
+          <p:cNvPicPr>
+            <a:picLocks noChangeAspect="1"/>
+          </p:cNvPicPr>
+          <p:nvPr/>
+        </p:nvPicPr>
+        <p:blipFill>
+          <a:blip r:embed="rId4"/>
+          <a:stretch>
+            <a:fillRect/>
+          </a:stretch>
+        </p:blipFill>
+        <p:spPr>
+          <a:xfrm>
+            <a:off x="6845979" y="2925481"/>
+            <a:ext cx="342327" cy="342327"/>
+          </a:xfrm>
+          <a:prstGeom prst="rect">
+            <a:avLst/>
+          </a:prstGeom>
+        </p:spPr>
+      </p:pic>
+      <p:pic>
+        <p:nvPicPr>
+          <p:cNvPr id="39" name="Picture 38">
+            <a:extLst>
+              <a:ext uri="{FF2B5EF4-FFF2-40B4-BE49-F238E27FC236}">
+                <a16:creationId xmlns:a16="http://schemas.microsoft.com/office/drawing/2014/main" id="{EAEAAB36-75E2-2D47-A977-EDF19F60A327}"/>
+              </a:ext>
+            </a:extLst>
+          </p:cNvPr>
+          <p:cNvPicPr>
+            <a:picLocks noChangeAspect="1"/>
+          </p:cNvPicPr>
+          <p:nvPr/>
+        </p:nvPicPr>
+        <p:blipFill>
+          <a:blip r:embed="rId3"/>
+          <a:stretch>
+            <a:fillRect/>
+          </a:stretch>
+        </p:blipFill>
+        <p:spPr>
+          <a:xfrm>
+            <a:off x="6844175" y="1157877"/>
+            <a:ext cx="369490" cy="461665"/>
+          </a:xfrm>
+          <a:prstGeom prst="rect">
+            <a:avLst/>
+          </a:prstGeom>
+        </p:spPr>
+      </p:pic>
+      <p:pic>
+        <p:nvPicPr>
+          <p:cNvPr id="40" name="Picture 39">
+            <a:extLst>
+              <a:ext uri="{FF2B5EF4-FFF2-40B4-BE49-F238E27FC236}">
+                <a16:creationId xmlns:a16="http://schemas.microsoft.com/office/drawing/2014/main" id="{3E319ED5-4EEC-E049-93AA-C8BF14A935E8}"/>
+              </a:ext>
+            </a:extLst>
+          </p:cNvPr>
+          <p:cNvPicPr>
+            <a:picLocks noChangeAspect="1"/>
+          </p:cNvPicPr>
+          <p:nvPr/>
+        </p:nvPicPr>
+        <p:blipFill>
+          <a:blip r:embed="rId4"/>
+          <a:stretch>
+            <a:fillRect/>
+          </a:stretch>
+        </p:blipFill>
+        <p:spPr>
+          <a:xfrm>
+            <a:off x="6844174" y="1233948"/>
+            <a:ext cx="342327" cy="342327"/>
+          </a:xfrm>
+          <a:prstGeom prst="rect">
+            <a:avLst/>
+          </a:prstGeom>
+        </p:spPr>
+      </p:pic>
+      <p:pic>
+        <p:nvPicPr>
+          <p:cNvPr id="41" name="Picture 40">
+            <a:extLst>
+              <a:ext uri="{FF2B5EF4-FFF2-40B4-BE49-F238E27FC236}">
+                <a16:creationId xmlns:a16="http://schemas.microsoft.com/office/drawing/2014/main" id="{5280AB8C-F5A4-5940-8ABF-B330E0A290B1}"/>
+              </a:ext>
+            </a:extLst>
+          </p:cNvPr>
+          <p:cNvPicPr>
+            <a:picLocks noChangeAspect="1"/>
+          </p:cNvPicPr>
+          <p:nvPr/>
+        </p:nvPicPr>
+        <p:blipFill>
+          <a:blip r:embed="rId3"/>
+          <a:stretch>
+            <a:fillRect/>
+          </a:stretch>
+        </p:blipFill>
+        <p:spPr>
+          <a:xfrm>
+            <a:off x="6856227" y="69719"/>
+            <a:ext cx="369490" cy="461665"/>
+          </a:xfrm>
+          <a:prstGeom prst="rect">
+            <a:avLst/>
+          </a:prstGeom>
+        </p:spPr>
+      </p:pic>
+      <p:pic>
+        <p:nvPicPr>
+          <p:cNvPr id="42" name="Picture 41">
+            <a:extLst>
+              <a:ext uri="{FF2B5EF4-FFF2-40B4-BE49-F238E27FC236}">
+                <a16:creationId xmlns:a16="http://schemas.microsoft.com/office/drawing/2014/main" id="{4A776D00-91B5-2F4D-84A9-7B951965CAB1}"/>
+              </a:ext>
+            </a:extLst>
+          </p:cNvPr>
+          <p:cNvPicPr>
+            <a:picLocks noChangeAspect="1"/>
+          </p:cNvPicPr>
+          <p:nvPr/>
+        </p:nvPicPr>
+        <p:blipFill>
+          <a:blip r:embed="rId4"/>
+          <a:stretch>
+            <a:fillRect/>
+          </a:stretch>
+        </p:blipFill>
+        <p:spPr>
+          <a:xfrm>
+            <a:off x="6856226" y="145790"/>
+            <a:ext cx="342327" cy="342327"/>
+          </a:xfrm>
+          <a:prstGeom prst="rect">
+            <a:avLst/>
+          </a:prstGeom>
+        </p:spPr>
+      </p:pic>
+      <p:sp>
+        <p:nvSpPr>
+          <p:cNvPr id="2" name="TextBox 1">
+            <a:extLst>
+              <a:ext uri="{FF2B5EF4-FFF2-40B4-BE49-F238E27FC236}">
+                <a16:creationId xmlns:a16="http://schemas.microsoft.com/office/drawing/2014/main" id="{1BBB916A-07E1-934E-8172-CA95599A153E}"/>
+              </a:ext>
+            </a:extLst>
+          </p:cNvPr>
+          <p:cNvSpPr txBox="1"/>
+          <p:nvPr/>
+        </p:nvSpPr>
+        <p:spPr>
+          <a:xfrm rot="19887843">
+            <a:off x="6691011" y="1574"/>
+            <a:ext cx="614271" cy="369332"/>
+          </a:xfrm>
+          <a:prstGeom prst="rect">
+            <a:avLst/>
+          </a:prstGeom>
+          <a:noFill/>
+        </p:spPr>
+        <p:txBody>
+          <a:bodyPr wrap="none" rtlCol="0">
+            <a:spAutoFit/>
+          </a:bodyPr>
+          <a:lstStyle/>
+          <a:p>
+            <a:r>
+              <a:rPr lang="en-JP" dirty="0">
+                <a:solidFill>
+                  <a:srgbClr val="FF0000"/>
+                </a:solidFill>
+                <a:latin typeface="Phosphate Inline" panose="02000506050000020004" pitchFamily="2" charset="77"/>
+                <a:cs typeface="Phosphate Inline" panose="02000506050000020004" pitchFamily="2" charset="77"/>
+              </a:rPr>
+              <a:t>OK !</a:t>
+            </a:r>
+          </a:p>
+        </p:txBody>
+      </p:sp>
+      <p:sp>
+        <p:nvSpPr>
+          <p:cNvPr id="34" name="TextBox 33">
+            <a:extLst>
+              <a:ext uri="{FF2B5EF4-FFF2-40B4-BE49-F238E27FC236}">
+                <a16:creationId xmlns:a16="http://schemas.microsoft.com/office/drawing/2014/main" id="{F2972BFC-D727-F54B-9014-D83BE51FA924}"/>
+              </a:ext>
+            </a:extLst>
+          </p:cNvPr>
+          <p:cNvSpPr txBox="1"/>
+          <p:nvPr/>
+        </p:nvSpPr>
+        <p:spPr>
+          <a:xfrm>
+            <a:off x="2196176" y="1157877"/>
+            <a:ext cx="2698880" cy="461665"/>
+          </a:xfrm>
+          <a:prstGeom prst="rect">
+            <a:avLst/>
+          </a:prstGeom>
+          <a:noFill/>
+        </p:spPr>
+        <p:txBody>
+          <a:bodyPr wrap="none" rtlCol="0">
+            <a:spAutoFit/>
+          </a:bodyPr>
+          <a:lstStyle/>
+          <a:p>
+            <a:r>
+              <a:rPr lang="en-JP" sz="1200" b="1" dirty="0">
+                <a:highlight>
+                  <a:srgbClr val="FFFF00"/>
+                </a:highlight>
+              </a:rPr>
+              <a:t>①</a:t>
+            </a:r>
+            <a:r>
+              <a:rPr lang="ja-JP" altLang="en-US" sz="1200" b="1">
+                <a:highlight>
+                  <a:srgbClr val="FFFF00"/>
+                </a:highlight>
+              </a:rPr>
+              <a:t> </a:t>
+            </a:r>
+            <a:r>
+              <a:rPr lang="en-US" altLang="ja-JP" sz="1200" b="1" dirty="0">
+                <a:highlight>
+                  <a:srgbClr val="FFFF00"/>
+                </a:highlight>
+              </a:rPr>
+              <a:t>Credential Certificate</a:t>
+            </a:r>
+            <a:r>
+              <a:rPr lang="ja-JP" altLang="en-US" sz="1200" b="1">
+                <a:highlight>
+                  <a:srgbClr val="FFFF00"/>
+                </a:highlight>
+              </a:rPr>
+              <a:t>生成のための</a:t>
+            </a:r>
+            <a:endParaRPr lang="en-US" altLang="ja-JP" sz="1200" b="1" dirty="0">
+              <a:highlight>
+                <a:srgbClr val="FFFF00"/>
+              </a:highlight>
+            </a:endParaRPr>
+          </a:p>
+          <a:p>
+            <a:r>
+              <a:rPr lang="ja-JP" altLang="en-US" sz="1200" b="1">
+                <a:highlight>
+                  <a:srgbClr val="FFFF00"/>
+                </a:highlight>
+              </a:rPr>
+              <a:t>　  パラメータ送付</a:t>
+            </a:r>
+            <a:endParaRPr lang="en-JP" sz="1200" b="1" dirty="0">
+              <a:highlight>
+                <a:srgbClr val="FFFF00"/>
+              </a:highlight>
+            </a:endParaRPr>
+          </a:p>
+        </p:txBody>
+      </p:sp>
+      <p:sp>
+        <p:nvSpPr>
+          <p:cNvPr id="35" name="TextBox 34">
+            <a:extLst>
+              <a:ext uri="{FF2B5EF4-FFF2-40B4-BE49-F238E27FC236}">
+                <a16:creationId xmlns:a16="http://schemas.microsoft.com/office/drawing/2014/main" id="{494F0802-E491-7D49-BDC3-35331A5543E0}"/>
+              </a:ext>
+            </a:extLst>
+          </p:cNvPr>
+          <p:cNvSpPr txBox="1"/>
+          <p:nvPr/>
+        </p:nvSpPr>
+        <p:spPr>
+          <a:xfrm>
+            <a:off x="1574667" y="2012954"/>
+            <a:ext cx="3153620" cy="461665"/>
+          </a:xfrm>
+          <a:prstGeom prst="rect">
+            <a:avLst/>
+          </a:prstGeom>
+          <a:noFill/>
+        </p:spPr>
+        <p:txBody>
+          <a:bodyPr wrap="none" rtlCol="0">
+            <a:spAutoFit/>
+          </a:bodyPr>
+          <a:lstStyle/>
+          <a:p>
+            <a:r>
+              <a:rPr lang="en-JP" sz="1200" b="1" dirty="0">
+                <a:solidFill>
+                  <a:schemeClr val="bg2">
+                    <a:lumMod val="90000"/>
+                  </a:schemeClr>
+                </a:solidFill>
+              </a:rPr>
+              <a:t>② </a:t>
+            </a:r>
+            <a:r>
+              <a:rPr lang="en-US" altLang="ja-JP" sz="1200" b="1" dirty="0" err="1">
+                <a:solidFill>
+                  <a:schemeClr val="bg2">
+                    <a:lumMod val="90000"/>
+                  </a:schemeClr>
+                </a:solidFill>
+              </a:rPr>
+              <a:t>PublicKeyCredentialCreationOption</a:t>
+            </a:r>
+            <a:r>
+              <a:rPr lang="ja-JP" altLang="en-US" sz="1200" b="1">
+                <a:solidFill>
+                  <a:schemeClr val="bg2">
+                    <a:lumMod val="90000"/>
+                  </a:schemeClr>
+                </a:solidFill>
+              </a:rPr>
+              <a:t>生成、</a:t>
+            </a:r>
+            <a:endParaRPr lang="en-US" altLang="ja-JP" sz="1200" b="1" dirty="0">
+              <a:solidFill>
+                <a:schemeClr val="bg2">
+                  <a:lumMod val="90000"/>
+                </a:schemeClr>
+              </a:solidFill>
+            </a:endParaRPr>
+          </a:p>
+          <a:p>
+            <a:r>
+              <a:rPr lang="ja-JP" altLang="en-US" sz="1200" b="1">
+                <a:solidFill>
+                  <a:schemeClr val="bg2">
+                    <a:lumMod val="90000"/>
+                  </a:schemeClr>
+                </a:solidFill>
+              </a:rPr>
+              <a:t>　  認証器へ</a:t>
+            </a:r>
+            <a:r>
+              <a:rPr lang="en-US" altLang="ja-JP" sz="1200" b="1" dirty="0">
+                <a:solidFill>
+                  <a:schemeClr val="bg2">
+                    <a:lumMod val="90000"/>
+                  </a:schemeClr>
+                </a:solidFill>
+              </a:rPr>
+              <a:t>Credential</a:t>
+            </a:r>
+            <a:r>
+              <a:rPr lang="ja-JP" altLang="en-US" sz="1200" b="1">
+                <a:solidFill>
+                  <a:schemeClr val="bg2">
+                    <a:lumMod val="90000"/>
+                  </a:schemeClr>
+                </a:solidFill>
+              </a:rPr>
+              <a:t>生成要求</a:t>
+            </a:r>
+            <a:endParaRPr lang="en-JP" sz="1200" b="1" dirty="0">
+              <a:solidFill>
+                <a:schemeClr val="bg2">
+                  <a:lumMod val="90000"/>
+                </a:schemeClr>
+              </a:solidFill>
+            </a:endParaRPr>
+          </a:p>
+        </p:txBody>
+      </p:sp>
+    </p:spTree>
+    <p:extLst>
+      <p:ext uri="{BB962C8B-B14F-4D97-AF65-F5344CB8AC3E}">
+        <p14:creationId xmlns:p14="http://schemas.microsoft.com/office/powerpoint/2010/main" val="3527202046"/>
+      </p:ext>
+    </p:extLst>
+  </p:cSld>
+  <p:clrMapOvr>
+    <a:masterClrMapping/>
+  </p:clrMapOvr>
+</p:sld>
+</file>
+
+<file path=ppt/slides/slide13.xml><?xml version="1.0" encoding="utf-8"?>
+<p:sld xmlns:a="http://schemas.openxmlformats.org/drawingml/2006/main" xmlns:r="http://schemas.openxmlformats.org/officeDocument/2006/relationships" xmlns:p="http://schemas.openxmlformats.org/presentationml/2006/main">
+  <p:cSld>
+    <p:spTree>
+      <p:nvGrpSpPr>
+        <p:cNvPr id="1" name=""/>
+        <p:cNvGrpSpPr/>
+        <p:nvPr/>
+      </p:nvGrpSpPr>
+      <p:grpSpPr>
+        <a:xfrm>
+          <a:off x="0" y="0"/>
+          <a:ext cx="0" cy="0"/>
+          <a:chOff x="0" y="0"/>
+          <a:chExt cx="0" cy="0"/>
+        </a:xfrm>
+      </p:grpSpPr>
+      <p:pic>
+        <p:nvPicPr>
+          <p:cNvPr id="4" name="Picture 3">
+            <a:extLst>
+              <a:ext uri="{FF2B5EF4-FFF2-40B4-BE49-F238E27FC236}">
+                <a16:creationId xmlns:a16="http://schemas.microsoft.com/office/drawing/2014/main" id="{7BB16E77-4C5A-EE4B-8951-017E2E34B25A}"/>
+              </a:ext>
+            </a:extLst>
+          </p:cNvPr>
+          <p:cNvPicPr>
+            <a:picLocks noChangeAspect="1"/>
+          </p:cNvPicPr>
+          <p:nvPr/>
+        </p:nvPicPr>
+        <p:blipFill>
+          <a:blip r:embed="rId2"/>
+          <a:stretch>
+            <a:fillRect/>
+          </a:stretch>
+        </p:blipFill>
+        <p:spPr>
+          <a:xfrm>
+            <a:off x="6738971" y="3382023"/>
+            <a:ext cx="548837" cy="548837"/>
+          </a:xfrm>
+          <a:prstGeom prst="rect">
+            <a:avLst/>
+          </a:prstGeom>
+        </p:spPr>
+      </p:pic>
+      <p:sp>
+        <p:nvSpPr>
+          <p:cNvPr id="5" name="Rounded Rectangle 4">
+            <a:extLst>
+              <a:ext uri="{FF2B5EF4-FFF2-40B4-BE49-F238E27FC236}">
+                <a16:creationId xmlns:a16="http://schemas.microsoft.com/office/drawing/2014/main" id="{DE13ECB7-BAE5-AE44-B6FA-E837ED650D36}"/>
+              </a:ext>
+            </a:extLst>
+          </p:cNvPr>
+          <p:cNvSpPr/>
+          <p:nvPr/>
+        </p:nvSpPr>
+        <p:spPr>
+          <a:xfrm>
+            <a:off x="4530619" y="1796167"/>
+            <a:ext cx="2771041" cy="369332"/>
+          </a:xfrm>
+          <a:prstGeom prst="roundRect">
+            <a:avLst/>
+          </a:prstGeom>
+          <a:ln w="28575"/>
+        </p:spPr>
+        <p:style>
+          <a:lnRef idx="2">
+            <a:schemeClr val="accent2"/>
+          </a:lnRef>
+          <a:fillRef idx="1">
+            <a:schemeClr val="lt1"/>
+          </a:fillRef>
+          <a:effectRef idx="0">
+            <a:schemeClr val="accent2"/>
+          </a:effectRef>
+          <a:fontRef idx="minor">
+            <a:schemeClr val="dk1"/>
+          </a:fontRef>
+        </p:style>
+        <p:txBody>
+          <a:bodyPr rtlCol="0" anchor="ctr"/>
+          <a:lstStyle/>
+          <a:p>
+            <a:pPr algn="ctr"/>
+            <a:r>
+              <a:rPr lang="en-US" b="1" dirty="0"/>
+              <a:t>Web App</a:t>
+            </a:r>
+            <a:endParaRPr lang="en-JP" b="1" dirty="0"/>
+          </a:p>
+        </p:txBody>
+      </p:sp>
+      <p:sp>
+        <p:nvSpPr>
+          <p:cNvPr id="6" name="Rounded Rectangle 5">
+            <a:extLst>
+              <a:ext uri="{FF2B5EF4-FFF2-40B4-BE49-F238E27FC236}">
+                <a16:creationId xmlns:a16="http://schemas.microsoft.com/office/drawing/2014/main" id="{7EC16796-AA12-7642-9453-F8A3E98CA0F1}"/>
+              </a:ext>
+            </a:extLst>
+          </p:cNvPr>
+          <p:cNvSpPr/>
+          <p:nvPr/>
+        </p:nvSpPr>
+        <p:spPr>
+          <a:xfrm>
+            <a:off x="4530619" y="2323503"/>
+            <a:ext cx="2771041" cy="369332"/>
+          </a:xfrm>
+          <a:prstGeom prst="roundRect">
+            <a:avLst/>
+          </a:prstGeom>
+          <a:ln w="28575"/>
+        </p:spPr>
+        <p:style>
+          <a:lnRef idx="2">
+            <a:schemeClr val="accent1"/>
+          </a:lnRef>
+          <a:fillRef idx="1">
+            <a:schemeClr val="lt1"/>
+          </a:fillRef>
+          <a:effectRef idx="0">
+            <a:schemeClr val="accent1"/>
+          </a:effectRef>
+          <a:fontRef idx="minor">
+            <a:schemeClr val="dk1"/>
+          </a:fontRef>
+        </p:style>
+        <p:txBody>
+          <a:bodyPr rtlCol="0" anchor="ctr"/>
+          <a:lstStyle/>
+          <a:p>
+            <a:pPr algn="ctr"/>
+            <a:r>
+              <a:rPr lang="en-US" b="1" dirty="0"/>
+              <a:t>Browser</a:t>
+            </a:r>
+            <a:endParaRPr lang="en-JP" b="1" dirty="0"/>
+          </a:p>
+        </p:txBody>
+      </p:sp>
+      <p:sp>
+        <p:nvSpPr>
+          <p:cNvPr id="7" name="Rounded Rectangle 6">
+            <a:extLst>
+              <a:ext uri="{FF2B5EF4-FFF2-40B4-BE49-F238E27FC236}">
+                <a16:creationId xmlns:a16="http://schemas.microsoft.com/office/drawing/2014/main" id="{667C2817-EB5F-234E-B260-12E87E4C5165}"/>
+              </a:ext>
+            </a:extLst>
+          </p:cNvPr>
+          <p:cNvSpPr/>
+          <p:nvPr/>
+        </p:nvSpPr>
+        <p:spPr>
+          <a:xfrm>
+            <a:off x="4530619" y="626795"/>
+            <a:ext cx="2771041" cy="369332"/>
+          </a:xfrm>
+          <a:prstGeom prst="roundRect">
+            <a:avLst/>
+          </a:prstGeom>
+          <a:ln w="28575"/>
+        </p:spPr>
+        <p:style>
+          <a:lnRef idx="2">
+            <a:schemeClr val="dk1"/>
+          </a:lnRef>
+          <a:fillRef idx="1">
+            <a:schemeClr val="lt1"/>
+          </a:fillRef>
+          <a:effectRef idx="0">
+            <a:schemeClr val="dk1"/>
+          </a:effectRef>
+          <a:fontRef idx="minor">
+            <a:schemeClr val="dk1"/>
+          </a:fontRef>
+        </p:style>
+        <p:txBody>
+          <a:bodyPr rtlCol="0" anchor="ctr"/>
+          <a:lstStyle/>
+          <a:p>
+            <a:pPr algn="ctr"/>
+            <a:r>
+              <a:rPr lang="en-US" b="1" dirty="0"/>
+              <a:t>Relaying Party</a:t>
+            </a:r>
+            <a:r>
+              <a:rPr lang="ja-JP" altLang="en-US" b="1"/>
+              <a:t> </a:t>
+            </a:r>
+            <a:r>
+              <a:rPr lang="en-US" altLang="ja-JP" b="1" dirty="0"/>
+              <a:t>(RP)</a:t>
+            </a:r>
+            <a:endParaRPr lang="en-JP" b="1" dirty="0"/>
+          </a:p>
+        </p:txBody>
+      </p:sp>
+      <p:cxnSp>
+        <p:nvCxnSpPr>
+          <p:cNvPr id="8" name="Straight Arrow Connector 7">
+            <a:extLst>
+              <a:ext uri="{FF2B5EF4-FFF2-40B4-BE49-F238E27FC236}">
+                <a16:creationId xmlns:a16="http://schemas.microsoft.com/office/drawing/2014/main" id="{E3E40130-3BED-B941-88CF-D1299972173E}"/>
+              </a:ext>
+            </a:extLst>
+          </p:cNvPr>
+          <p:cNvCxnSpPr/>
+          <p:nvPr/>
+        </p:nvCxnSpPr>
+        <p:spPr>
+          <a:xfrm>
+            <a:off x="4961593" y="2709706"/>
+            <a:ext cx="0" cy="778523"/>
+          </a:xfrm>
+          <a:prstGeom prst="straightConnector1">
+            <a:avLst/>
+          </a:prstGeom>
+          <a:ln w="28575">
+            <a:tailEnd type="triangle"/>
+          </a:ln>
+        </p:spPr>
+        <p:style>
+          <a:lnRef idx="1">
+            <a:schemeClr val="accent1"/>
+          </a:lnRef>
+          <a:fillRef idx="0">
+            <a:schemeClr val="accent1"/>
+          </a:fillRef>
+          <a:effectRef idx="0">
+            <a:schemeClr val="accent1"/>
+          </a:effectRef>
+          <a:fontRef idx="minor">
+            <a:schemeClr val="tx1"/>
+          </a:fontRef>
+        </p:style>
+      </p:cxnSp>
+      <p:cxnSp>
+        <p:nvCxnSpPr>
+          <p:cNvPr id="9" name="Straight Arrow Connector 8">
+            <a:extLst>
+              <a:ext uri="{FF2B5EF4-FFF2-40B4-BE49-F238E27FC236}">
+                <a16:creationId xmlns:a16="http://schemas.microsoft.com/office/drawing/2014/main" id="{9E3EB259-E7FF-D047-8D6B-D88B029D6503}"/>
+              </a:ext>
+            </a:extLst>
+          </p:cNvPr>
+          <p:cNvCxnSpPr>
+            <a:cxnSpLocks/>
+          </p:cNvCxnSpPr>
+          <p:nvPr/>
+        </p:nvCxnSpPr>
+        <p:spPr>
+          <a:xfrm flipV="1">
+            <a:off x="6792475" y="2682077"/>
+            <a:ext cx="0" cy="778524"/>
+          </a:xfrm>
+          <a:prstGeom prst="straightConnector1">
+            <a:avLst/>
+          </a:prstGeom>
+          <a:ln w="28575">
+            <a:tailEnd type="triangle"/>
+          </a:ln>
+        </p:spPr>
+        <p:style>
+          <a:lnRef idx="1">
+            <a:schemeClr val="accent1"/>
+          </a:lnRef>
+          <a:fillRef idx="0">
+            <a:schemeClr val="accent1"/>
+          </a:fillRef>
+          <a:effectRef idx="0">
+            <a:schemeClr val="accent1"/>
+          </a:effectRef>
+          <a:fontRef idx="minor">
+            <a:schemeClr val="tx1"/>
+          </a:fontRef>
+        </p:style>
+      </p:cxnSp>
+      <p:cxnSp>
+        <p:nvCxnSpPr>
+          <p:cNvPr id="10" name="Straight Arrow Connector 9">
+            <a:extLst>
+              <a:ext uri="{FF2B5EF4-FFF2-40B4-BE49-F238E27FC236}">
+                <a16:creationId xmlns:a16="http://schemas.microsoft.com/office/drawing/2014/main" id="{1493BA4F-6CA1-1749-8DEF-907D657C82A8}"/>
+              </a:ext>
+            </a:extLst>
+          </p:cNvPr>
+          <p:cNvCxnSpPr/>
+          <p:nvPr/>
+        </p:nvCxnSpPr>
+        <p:spPr>
+          <a:xfrm>
+            <a:off x="4961593" y="996127"/>
+            <a:ext cx="0" cy="778523"/>
+          </a:xfrm>
+          <a:prstGeom prst="straightConnector1">
+            <a:avLst/>
+          </a:prstGeom>
+          <a:ln w="28575">
+            <a:solidFill>
+              <a:schemeClr val="accent2"/>
+            </a:solidFill>
+            <a:tailEnd type="triangle"/>
+          </a:ln>
+        </p:spPr>
+        <p:style>
+          <a:lnRef idx="1">
+            <a:schemeClr val="accent1"/>
+          </a:lnRef>
+          <a:fillRef idx="0">
+            <a:schemeClr val="accent1"/>
+          </a:fillRef>
+          <a:effectRef idx="0">
+            <a:schemeClr val="accent1"/>
+          </a:effectRef>
+          <a:fontRef idx="minor">
+            <a:schemeClr val="tx1"/>
+          </a:fontRef>
+        </p:style>
+      </p:cxnSp>
+      <p:cxnSp>
+        <p:nvCxnSpPr>
+          <p:cNvPr id="11" name="Straight Arrow Connector 10">
+            <a:extLst>
+              <a:ext uri="{FF2B5EF4-FFF2-40B4-BE49-F238E27FC236}">
+                <a16:creationId xmlns:a16="http://schemas.microsoft.com/office/drawing/2014/main" id="{A0566FA4-7A0D-9347-9D4C-6667961C2B07}"/>
+              </a:ext>
+            </a:extLst>
+          </p:cNvPr>
+          <p:cNvCxnSpPr>
+            <a:cxnSpLocks/>
+          </p:cNvCxnSpPr>
+          <p:nvPr/>
+        </p:nvCxnSpPr>
+        <p:spPr>
+          <a:xfrm flipV="1">
+            <a:off x="6787421" y="996127"/>
+            <a:ext cx="0" cy="778524"/>
+          </a:xfrm>
+          <a:prstGeom prst="straightConnector1">
+            <a:avLst/>
+          </a:prstGeom>
+          <a:ln w="28575">
+            <a:solidFill>
+              <a:schemeClr val="accent2"/>
+            </a:solidFill>
+            <a:tailEnd type="triangle"/>
+          </a:ln>
+        </p:spPr>
+        <p:style>
+          <a:lnRef idx="1">
+            <a:schemeClr val="accent1"/>
+          </a:lnRef>
+          <a:fillRef idx="0">
+            <a:schemeClr val="accent1"/>
+          </a:fillRef>
+          <a:effectRef idx="0">
+            <a:schemeClr val="accent1"/>
+          </a:effectRef>
+          <a:fontRef idx="minor">
+            <a:schemeClr val="tx1"/>
+          </a:fontRef>
+        </p:style>
+      </p:cxnSp>
+      <p:sp>
+        <p:nvSpPr>
+          <p:cNvPr id="12" name="Rounded Rectangle 11">
+            <a:extLst>
+              <a:ext uri="{FF2B5EF4-FFF2-40B4-BE49-F238E27FC236}">
+                <a16:creationId xmlns:a16="http://schemas.microsoft.com/office/drawing/2014/main" id="{1A8FA66B-4F4F-6341-B599-4D64AD97C0A9}"/>
+              </a:ext>
+            </a:extLst>
+          </p:cNvPr>
+          <p:cNvSpPr/>
+          <p:nvPr/>
+        </p:nvSpPr>
+        <p:spPr>
+          <a:xfrm>
+            <a:off x="4530620" y="3467371"/>
+            <a:ext cx="2771040" cy="369332"/>
+          </a:xfrm>
+          <a:prstGeom prst="roundRect">
+            <a:avLst/>
+          </a:prstGeom>
+          <a:noFill/>
+          <a:ln w="28575"/>
+        </p:spPr>
+        <p:style>
+          <a:lnRef idx="2">
+            <a:schemeClr val="accent1">
+              <a:shade val="50000"/>
+            </a:schemeClr>
+          </a:lnRef>
+          <a:fillRef idx="1">
+            <a:schemeClr val="accent1"/>
+          </a:fillRef>
+          <a:effectRef idx="0">
+            <a:schemeClr val="accent1"/>
+          </a:effectRef>
+          <a:fontRef idx="minor">
+            <a:schemeClr val="lt1"/>
+          </a:fontRef>
+        </p:style>
+        <p:txBody>
+          <a:bodyPr rtlCol="0" anchor="ctr"/>
+          <a:lstStyle/>
+          <a:p>
+            <a:pPr algn="ctr"/>
+            <a:r>
+              <a:rPr lang="en-JP" b="1" dirty="0">
+                <a:solidFill>
+                  <a:schemeClr val="tx1"/>
+                </a:solidFill>
+              </a:rPr>
+              <a:t>Authenticator</a:t>
+            </a:r>
+          </a:p>
+        </p:txBody>
+      </p:sp>
+      <p:cxnSp>
+        <p:nvCxnSpPr>
+          <p:cNvPr id="13" name="Straight Arrow Connector 12">
+            <a:extLst>
+              <a:ext uri="{FF2B5EF4-FFF2-40B4-BE49-F238E27FC236}">
+                <a16:creationId xmlns:a16="http://schemas.microsoft.com/office/drawing/2014/main" id="{26E3324E-4537-B443-A408-263E62032076}"/>
+              </a:ext>
+            </a:extLst>
+          </p:cNvPr>
+          <p:cNvCxnSpPr>
+            <a:cxnSpLocks/>
+          </p:cNvCxnSpPr>
+          <p:nvPr/>
+        </p:nvCxnSpPr>
+        <p:spPr>
+          <a:xfrm flipV="1">
+            <a:off x="5457173" y="996127"/>
+            <a:ext cx="0" cy="778524"/>
+          </a:xfrm>
+          <a:prstGeom prst="straightConnector1">
+            <a:avLst/>
+          </a:prstGeom>
+          <a:ln w="28575">
+            <a:solidFill>
+              <a:schemeClr val="accent2"/>
+            </a:solidFill>
+            <a:tailEnd type="triangle"/>
+          </a:ln>
+        </p:spPr>
+        <p:style>
+          <a:lnRef idx="1">
+            <a:schemeClr val="accent1"/>
+          </a:lnRef>
+          <a:fillRef idx="0">
+            <a:schemeClr val="accent1"/>
+          </a:fillRef>
+          <a:effectRef idx="0">
+            <a:schemeClr val="accent1"/>
+          </a:effectRef>
+          <a:fontRef idx="minor">
+            <a:schemeClr val="tx1"/>
+          </a:fontRef>
+        </p:style>
+      </p:cxnSp>
+      <p:sp>
+        <p:nvSpPr>
+          <p:cNvPr id="14" name="TextBox 13">
+            <a:extLst>
+              <a:ext uri="{FF2B5EF4-FFF2-40B4-BE49-F238E27FC236}">
+                <a16:creationId xmlns:a16="http://schemas.microsoft.com/office/drawing/2014/main" id="{F4BB5431-8EB3-E940-8E58-C244A24ACCC5}"/>
+              </a:ext>
+            </a:extLst>
+          </p:cNvPr>
+          <p:cNvSpPr txBox="1"/>
+          <p:nvPr/>
+        </p:nvSpPr>
+        <p:spPr>
+          <a:xfrm>
+            <a:off x="5435879" y="1218633"/>
+            <a:ext cx="989373" cy="276999"/>
+          </a:xfrm>
+          <a:prstGeom prst="rect">
+            <a:avLst/>
+          </a:prstGeom>
+          <a:noFill/>
+        </p:spPr>
+        <p:txBody>
+          <a:bodyPr wrap="none" rtlCol="0">
+            <a:spAutoFit/>
+          </a:bodyPr>
+          <a:lstStyle/>
+          <a:p>
+            <a:r>
+              <a:rPr lang="ja-JP" altLang="en-US" sz="1200" b="1">
+                <a:solidFill>
+                  <a:schemeClr val="bg2">
+                    <a:lumMod val="90000"/>
+                  </a:schemeClr>
+                </a:solidFill>
+              </a:rPr>
+              <a:t>⓪</a:t>
+            </a:r>
+            <a:r>
+              <a:rPr lang="en-US" altLang="ja-JP" sz="1200" b="1" dirty="0">
+                <a:solidFill>
+                  <a:schemeClr val="bg2">
+                    <a:lumMod val="90000"/>
+                  </a:schemeClr>
+                </a:solidFill>
+              </a:rPr>
+              <a:t> </a:t>
+            </a:r>
+            <a:r>
+              <a:rPr lang="ja-JP" altLang="en-US" sz="1200" b="1">
+                <a:solidFill>
+                  <a:schemeClr val="bg2">
+                    <a:lumMod val="90000"/>
+                  </a:schemeClr>
+                </a:solidFill>
+              </a:rPr>
+              <a:t>登録要求</a:t>
+            </a:r>
+            <a:endParaRPr lang="en-JP" sz="1200" b="1" dirty="0">
+              <a:solidFill>
+                <a:schemeClr val="bg2">
+                  <a:lumMod val="90000"/>
+                </a:schemeClr>
+              </a:solidFill>
+            </a:endParaRPr>
+          </a:p>
+        </p:txBody>
+      </p:sp>
+      <p:sp>
+        <p:nvSpPr>
+          <p:cNvPr id="16" name="TextBox 15">
+            <a:extLst>
+              <a:ext uri="{FF2B5EF4-FFF2-40B4-BE49-F238E27FC236}">
+                <a16:creationId xmlns:a16="http://schemas.microsoft.com/office/drawing/2014/main" id="{070ED225-BE02-A14C-91BF-816B734C1B44}"/>
+              </a:ext>
+            </a:extLst>
+          </p:cNvPr>
+          <p:cNvSpPr txBox="1"/>
+          <p:nvPr/>
+        </p:nvSpPr>
+        <p:spPr>
+          <a:xfrm>
+            <a:off x="5002771" y="2116612"/>
+            <a:ext cx="1853455" cy="276999"/>
+          </a:xfrm>
+          <a:prstGeom prst="rect">
+            <a:avLst/>
+          </a:prstGeom>
+          <a:solidFill>
+            <a:schemeClr val="bg1"/>
+          </a:solidFill>
+          <a:ln w="19050">
+            <a:solidFill>
+              <a:srgbClr val="FF0000"/>
+            </a:solidFill>
+          </a:ln>
+        </p:spPr>
+        <p:txBody>
+          <a:bodyPr wrap="square" rtlCol="0">
+            <a:spAutoFit/>
+          </a:bodyPr>
+          <a:lstStyle/>
+          <a:p>
+            <a:pPr algn="ctr"/>
+            <a:r>
+              <a:rPr lang="en-JP" sz="1200" b="1" dirty="0"/>
+              <a:t>WebAuthn API</a:t>
+            </a:r>
+          </a:p>
+        </p:txBody>
+      </p:sp>
+      <p:sp>
+        <p:nvSpPr>
+          <p:cNvPr id="17" name="TextBox 16">
+            <a:extLst>
+              <a:ext uri="{FF2B5EF4-FFF2-40B4-BE49-F238E27FC236}">
+                <a16:creationId xmlns:a16="http://schemas.microsoft.com/office/drawing/2014/main" id="{511681B5-1931-004B-9856-198305101D77}"/>
+              </a:ext>
+            </a:extLst>
+          </p:cNvPr>
+          <p:cNvSpPr txBox="1"/>
+          <p:nvPr/>
+        </p:nvSpPr>
+        <p:spPr>
+          <a:xfrm>
+            <a:off x="2849719" y="2995222"/>
+            <a:ext cx="2125967" cy="276999"/>
+          </a:xfrm>
+          <a:prstGeom prst="rect">
+            <a:avLst/>
+          </a:prstGeom>
+          <a:noFill/>
+        </p:spPr>
+        <p:txBody>
+          <a:bodyPr wrap="none" rtlCol="0">
+            <a:spAutoFit/>
+          </a:bodyPr>
+          <a:lstStyle/>
+          <a:p>
+            <a:r>
+              <a:rPr lang="en-JP" sz="1200" b="1" dirty="0">
+                <a:highlight>
+                  <a:srgbClr val="FFFF00"/>
+                </a:highlight>
+              </a:rPr>
+              <a:t>③Credential</a:t>
+            </a:r>
+            <a:r>
+              <a:rPr lang="ja-JP" altLang="en-US" sz="1200" b="1">
+                <a:highlight>
+                  <a:srgbClr val="FFFF00"/>
+                </a:highlight>
+              </a:rPr>
+              <a:t>生成要求の送付</a:t>
+            </a:r>
+            <a:endParaRPr lang="en-JP" sz="1200" b="1" dirty="0">
+              <a:highlight>
+                <a:srgbClr val="FFFF00"/>
+              </a:highlight>
+            </a:endParaRPr>
+          </a:p>
+        </p:txBody>
+      </p:sp>
+      <p:sp>
+        <p:nvSpPr>
+          <p:cNvPr id="18" name="TextBox 17">
+            <a:extLst>
+              <a:ext uri="{FF2B5EF4-FFF2-40B4-BE49-F238E27FC236}">
+                <a16:creationId xmlns:a16="http://schemas.microsoft.com/office/drawing/2014/main" id="{52733BE3-D5D4-0040-B084-BEF2BD1EE342}"/>
+              </a:ext>
+            </a:extLst>
+          </p:cNvPr>
+          <p:cNvSpPr txBox="1"/>
+          <p:nvPr/>
+        </p:nvSpPr>
+        <p:spPr>
+          <a:xfrm>
+            <a:off x="7158170" y="1222085"/>
+            <a:ext cx="2634439" cy="461665"/>
+          </a:xfrm>
+          <a:prstGeom prst="rect">
+            <a:avLst/>
+          </a:prstGeom>
+          <a:noFill/>
+        </p:spPr>
+        <p:txBody>
+          <a:bodyPr wrap="none" rtlCol="0">
+            <a:spAutoFit/>
+          </a:bodyPr>
+          <a:lstStyle/>
+          <a:p>
+            <a:r>
+              <a:rPr lang="en-JP" sz="1200" b="1" dirty="0">
+                <a:solidFill>
+                  <a:schemeClr val="bg2">
+                    <a:lumMod val="90000"/>
+                  </a:schemeClr>
+                </a:solidFill>
+              </a:rPr>
+              <a:t>⑦ AuthenticatorAttestationResponse</a:t>
+            </a:r>
+          </a:p>
+          <a:p>
+            <a:r>
+              <a:rPr lang="ja-JP" altLang="en-US" sz="1200" b="1">
+                <a:solidFill>
+                  <a:schemeClr val="bg2">
+                    <a:lumMod val="90000"/>
+                  </a:schemeClr>
+                </a:solidFill>
+              </a:rPr>
+              <a:t>　  の送付</a:t>
+            </a:r>
+            <a:endParaRPr lang="en-JP" sz="1200" b="1" dirty="0">
+              <a:solidFill>
+                <a:schemeClr val="bg2">
+                  <a:lumMod val="90000"/>
+                </a:schemeClr>
+              </a:solidFill>
+            </a:endParaRPr>
+          </a:p>
+        </p:txBody>
+      </p:sp>
+      <p:sp>
+        <p:nvSpPr>
+          <p:cNvPr id="20" name="TextBox 19">
+            <a:extLst>
+              <a:ext uri="{FF2B5EF4-FFF2-40B4-BE49-F238E27FC236}">
+                <a16:creationId xmlns:a16="http://schemas.microsoft.com/office/drawing/2014/main" id="{A1269EB4-2697-534A-B26E-312359FF4FC5}"/>
+              </a:ext>
+            </a:extLst>
+          </p:cNvPr>
+          <p:cNvSpPr txBox="1"/>
+          <p:nvPr/>
+        </p:nvSpPr>
+        <p:spPr>
+          <a:xfrm>
+            <a:off x="6707725" y="3909303"/>
+            <a:ext cx="3207929" cy="461665"/>
+          </a:xfrm>
+          <a:prstGeom prst="rect">
+            <a:avLst/>
+          </a:prstGeom>
+          <a:noFill/>
+        </p:spPr>
+        <p:txBody>
+          <a:bodyPr wrap="none" rtlCol="0">
+            <a:spAutoFit/>
+          </a:bodyPr>
+          <a:lstStyle/>
+          <a:p>
+            <a:r>
+              <a:rPr lang="en-JP" sz="1200" b="1" dirty="0">
+                <a:solidFill>
+                  <a:schemeClr val="bg2">
+                    <a:lumMod val="90000"/>
+                  </a:schemeClr>
+                </a:solidFill>
+              </a:rPr>
+              <a:t>④</a:t>
+            </a:r>
+            <a:r>
+              <a:rPr lang="en-US" sz="1200" b="1" dirty="0">
+                <a:solidFill>
+                  <a:schemeClr val="bg2">
+                    <a:lumMod val="90000"/>
+                  </a:schemeClr>
+                </a:solidFill>
+              </a:rPr>
+              <a:t> </a:t>
+            </a:r>
+            <a:r>
+              <a:rPr lang="ja-JP" altLang="en-US" sz="1200" b="1">
+                <a:solidFill>
+                  <a:schemeClr val="bg2">
+                    <a:lumMod val="90000"/>
+                  </a:schemeClr>
+                </a:solidFill>
+              </a:rPr>
+              <a:t>要求ユーザのローカル認証</a:t>
+            </a:r>
+            <a:r>
+              <a:rPr lang="en-US" altLang="ja-JP" sz="1200" b="1" dirty="0">
+                <a:solidFill>
+                  <a:schemeClr val="bg2">
+                    <a:lumMod val="90000"/>
+                  </a:schemeClr>
+                </a:solidFill>
+              </a:rPr>
+              <a:t>(PIN</a:t>
+            </a:r>
+            <a:r>
+              <a:rPr lang="ja-JP" altLang="en-US" sz="1200" b="1">
+                <a:solidFill>
+                  <a:schemeClr val="bg2">
+                    <a:lumMod val="90000"/>
+                  </a:schemeClr>
+                </a:solidFill>
+              </a:rPr>
+              <a:t>や指紋</a:t>
+            </a:r>
+            <a:r>
+              <a:rPr lang="en-US" altLang="ja-JP" sz="1200" b="1" dirty="0">
+                <a:solidFill>
+                  <a:schemeClr val="bg2">
+                    <a:lumMod val="90000"/>
+                  </a:schemeClr>
+                </a:solidFill>
+              </a:rPr>
+              <a:t>)</a:t>
+            </a:r>
+            <a:r>
+              <a:rPr lang="ja-JP" altLang="en-US" sz="1200" b="1">
+                <a:solidFill>
+                  <a:schemeClr val="bg2">
+                    <a:lumMod val="90000"/>
+                  </a:schemeClr>
+                </a:solidFill>
+              </a:rPr>
+              <a:t>、</a:t>
+            </a:r>
+            <a:br>
+              <a:rPr lang="en-US" altLang="ja-JP" sz="1200" b="1" dirty="0">
+                <a:solidFill>
+                  <a:schemeClr val="bg2">
+                    <a:lumMod val="90000"/>
+                  </a:schemeClr>
+                </a:solidFill>
+              </a:rPr>
+            </a:br>
+            <a:r>
+              <a:rPr lang="ja-JP" altLang="en-US" sz="1200" b="1">
+                <a:solidFill>
+                  <a:schemeClr val="bg2">
+                    <a:lumMod val="90000"/>
+                  </a:schemeClr>
+                </a:solidFill>
+              </a:rPr>
+              <a:t>　  </a:t>
+            </a:r>
+            <a:r>
+              <a:rPr lang="en-US" sz="1200" b="1" dirty="0">
+                <a:solidFill>
+                  <a:schemeClr val="bg2">
+                    <a:lumMod val="90000"/>
+                  </a:schemeClr>
+                </a:solidFill>
+              </a:rPr>
+              <a:t>Credential Key Pair</a:t>
+            </a:r>
+            <a:r>
+              <a:rPr lang="ja-JP" altLang="en-US" sz="1200" b="1">
+                <a:solidFill>
+                  <a:schemeClr val="bg2">
+                    <a:lumMod val="90000"/>
+                  </a:schemeClr>
+                </a:solidFill>
+              </a:rPr>
+              <a:t>の新規生成・署名付与</a:t>
+            </a:r>
+            <a:endParaRPr lang="en-JP" sz="1200" b="1" dirty="0">
+              <a:solidFill>
+                <a:schemeClr val="bg2">
+                  <a:lumMod val="90000"/>
+                </a:schemeClr>
+              </a:solidFill>
+            </a:endParaRPr>
+          </a:p>
+        </p:txBody>
+      </p:sp>
+      <p:sp>
+        <p:nvSpPr>
+          <p:cNvPr id="21" name="TextBox 20">
+            <a:extLst>
+              <a:ext uri="{FF2B5EF4-FFF2-40B4-BE49-F238E27FC236}">
+                <a16:creationId xmlns:a16="http://schemas.microsoft.com/office/drawing/2014/main" id="{2A1A0A65-4FC6-7343-A487-93B65FE2AE12}"/>
+              </a:ext>
+            </a:extLst>
+          </p:cNvPr>
+          <p:cNvSpPr txBox="1"/>
+          <p:nvPr/>
+        </p:nvSpPr>
+        <p:spPr>
+          <a:xfrm>
+            <a:off x="7215470" y="2965539"/>
+            <a:ext cx="2004010" cy="276999"/>
+          </a:xfrm>
+          <a:prstGeom prst="rect">
+            <a:avLst/>
+          </a:prstGeom>
+          <a:noFill/>
+        </p:spPr>
+        <p:txBody>
+          <a:bodyPr wrap="none" rtlCol="0">
+            <a:spAutoFit/>
+          </a:bodyPr>
+          <a:lstStyle/>
+          <a:p>
+            <a:r>
+              <a:rPr lang="en-US" sz="1200" b="1" dirty="0">
+                <a:solidFill>
+                  <a:schemeClr val="bg2">
+                    <a:lumMod val="90000"/>
+                  </a:schemeClr>
+                </a:solidFill>
+              </a:rPr>
+              <a:t>⑤ </a:t>
+            </a:r>
+            <a:r>
+              <a:rPr lang="en-US" sz="1200" b="1" dirty="0" err="1">
+                <a:solidFill>
+                  <a:schemeClr val="bg2">
+                    <a:lumMod val="90000"/>
+                  </a:schemeClr>
+                </a:solidFill>
+              </a:rPr>
+              <a:t>attestationObject</a:t>
+            </a:r>
+            <a:r>
+              <a:rPr lang="ja-JP" altLang="en-US" sz="1200" b="1">
+                <a:solidFill>
+                  <a:schemeClr val="bg2">
+                    <a:lumMod val="90000"/>
+                  </a:schemeClr>
+                </a:solidFill>
+              </a:rPr>
+              <a:t>の送付</a:t>
+            </a:r>
+            <a:endParaRPr lang="en-JP" sz="1200" b="1" dirty="0">
+              <a:solidFill>
+                <a:schemeClr val="bg2">
+                  <a:lumMod val="90000"/>
+                </a:schemeClr>
+              </a:solidFill>
+            </a:endParaRPr>
+          </a:p>
+        </p:txBody>
+      </p:sp>
+      <p:sp>
+        <p:nvSpPr>
+          <p:cNvPr id="22" name="TextBox 21">
+            <a:extLst>
+              <a:ext uri="{FF2B5EF4-FFF2-40B4-BE49-F238E27FC236}">
+                <a16:creationId xmlns:a16="http://schemas.microsoft.com/office/drawing/2014/main" id="{AB4378D1-3D72-0443-A137-64E51F2AEE9F}"/>
+              </a:ext>
+            </a:extLst>
+          </p:cNvPr>
+          <p:cNvSpPr txBox="1"/>
+          <p:nvPr/>
+        </p:nvSpPr>
+        <p:spPr>
+          <a:xfrm>
+            <a:off x="7292182" y="2123346"/>
+            <a:ext cx="1670650" cy="276999"/>
+          </a:xfrm>
+          <a:prstGeom prst="rect">
+            <a:avLst/>
+          </a:prstGeom>
+          <a:noFill/>
+        </p:spPr>
+        <p:txBody>
+          <a:bodyPr wrap="none" rtlCol="0">
+            <a:spAutoFit/>
+          </a:bodyPr>
+          <a:lstStyle/>
+          <a:p>
+            <a:r>
+              <a:rPr lang="en-JP" sz="1200" b="1" dirty="0">
+                <a:solidFill>
+                  <a:schemeClr val="bg2">
+                    <a:lumMod val="90000"/>
+                  </a:schemeClr>
+                </a:solidFill>
+              </a:rPr>
+              <a:t>⑥ RP</a:t>
+            </a:r>
+            <a:r>
+              <a:rPr lang="ja-JP" altLang="en-US" sz="1200" b="1">
+                <a:solidFill>
+                  <a:schemeClr val="bg2">
+                    <a:lumMod val="90000"/>
+                  </a:schemeClr>
+                </a:solidFill>
+              </a:rPr>
+              <a:t>への応答の生成</a:t>
+            </a:r>
+            <a:endParaRPr lang="en-JP" sz="1200" b="1" dirty="0">
+              <a:solidFill>
+                <a:schemeClr val="bg2">
+                  <a:lumMod val="90000"/>
+                </a:schemeClr>
+              </a:solidFill>
+            </a:endParaRPr>
+          </a:p>
+        </p:txBody>
+      </p:sp>
+      <p:sp>
+        <p:nvSpPr>
+          <p:cNvPr id="23" name="TextBox 22">
+            <a:extLst>
+              <a:ext uri="{FF2B5EF4-FFF2-40B4-BE49-F238E27FC236}">
+                <a16:creationId xmlns:a16="http://schemas.microsoft.com/office/drawing/2014/main" id="{A4AD18DD-7940-D446-A3F4-E64DF3918033}"/>
+              </a:ext>
+            </a:extLst>
+          </p:cNvPr>
+          <p:cNvSpPr txBox="1"/>
+          <p:nvPr/>
+        </p:nvSpPr>
+        <p:spPr>
+          <a:xfrm>
+            <a:off x="7186501" y="84255"/>
+            <a:ext cx="2264730" cy="461665"/>
+          </a:xfrm>
+          <a:prstGeom prst="rect">
+            <a:avLst/>
+          </a:prstGeom>
+          <a:noFill/>
+        </p:spPr>
+        <p:txBody>
+          <a:bodyPr wrap="square" rtlCol="0">
+            <a:spAutoFit/>
+          </a:bodyPr>
+          <a:lstStyle/>
+          <a:p>
+            <a:r>
+              <a:rPr lang="en-JP" sz="1200" b="1" dirty="0">
+                <a:solidFill>
+                  <a:schemeClr val="bg2">
+                    <a:lumMod val="90000"/>
+                  </a:schemeClr>
+                </a:solidFill>
+              </a:rPr>
+              <a:t>⑧</a:t>
+            </a:r>
+            <a:r>
+              <a:rPr lang="ja-JP" altLang="en-US" sz="1200" b="1">
+                <a:solidFill>
+                  <a:schemeClr val="bg2">
+                    <a:lumMod val="90000"/>
+                  </a:schemeClr>
+                </a:solidFill>
+              </a:rPr>
+              <a:t> </a:t>
+            </a:r>
+            <a:r>
+              <a:rPr lang="en-US" altLang="ja-JP" sz="1200" b="1" dirty="0" err="1">
+                <a:solidFill>
+                  <a:schemeClr val="bg2">
+                    <a:lumMod val="90000"/>
+                  </a:schemeClr>
+                </a:solidFill>
+              </a:rPr>
+              <a:t>AttestationResponse</a:t>
+            </a:r>
+            <a:r>
+              <a:rPr lang="ja-JP" altLang="en-US" sz="1200" b="1">
+                <a:solidFill>
+                  <a:schemeClr val="bg2">
+                    <a:lumMod val="90000"/>
+                  </a:schemeClr>
+                </a:solidFill>
+              </a:rPr>
+              <a:t>の検証</a:t>
+            </a:r>
+            <a:endParaRPr lang="en-US" altLang="ja-JP" sz="1200" b="1" dirty="0">
+              <a:solidFill>
+                <a:schemeClr val="bg2">
+                  <a:lumMod val="90000"/>
+                </a:schemeClr>
+              </a:solidFill>
+            </a:endParaRPr>
+          </a:p>
+          <a:p>
+            <a:r>
+              <a:rPr lang="ja-JP" altLang="en-US" sz="1200" b="1">
+                <a:solidFill>
+                  <a:schemeClr val="bg2">
+                    <a:lumMod val="90000"/>
+                  </a:schemeClr>
+                </a:solidFill>
+              </a:rPr>
+              <a:t>　   </a:t>
+            </a:r>
+            <a:r>
+              <a:rPr lang="en-US" altLang="ja-JP" sz="1200" b="1" dirty="0">
+                <a:solidFill>
+                  <a:schemeClr val="bg2">
+                    <a:lumMod val="90000"/>
+                  </a:schemeClr>
+                </a:solidFill>
+              </a:rPr>
+              <a:t>Credential Certificate</a:t>
+            </a:r>
+            <a:r>
+              <a:rPr lang="ja-JP" altLang="en-US" sz="1200" b="1">
+                <a:solidFill>
+                  <a:schemeClr val="bg2">
+                    <a:lumMod val="90000"/>
+                  </a:schemeClr>
+                </a:solidFill>
+              </a:rPr>
+              <a:t>登録</a:t>
+            </a:r>
+            <a:endParaRPr lang="en-JP" sz="1200" b="1" dirty="0">
+              <a:solidFill>
+                <a:schemeClr val="bg2">
+                  <a:lumMod val="90000"/>
+                </a:schemeClr>
+              </a:solidFill>
+            </a:endParaRPr>
+          </a:p>
+        </p:txBody>
+      </p:sp>
+      <p:pic>
+        <p:nvPicPr>
+          <p:cNvPr id="29" name="Picture 28">
+            <a:extLst>
+              <a:ext uri="{FF2B5EF4-FFF2-40B4-BE49-F238E27FC236}">
+                <a16:creationId xmlns:a16="http://schemas.microsoft.com/office/drawing/2014/main" id="{7368AD10-BA72-2548-BD8D-481A34498B6D}"/>
+              </a:ext>
+            </a:extLst>
+          </p:cNvPr>
+          <p:cNvPicPr>
+            <a:picLocks noChangeAspect="1"/>
+          </p:cNvPicPr>
+          <p:nvPr/>
+        </p:nvPicPr>
+        <p:blipFill>
+          <a:blip r:embed="rId3"/>
+          <a:stretch>
+            <a:fillRect/>
+          </a:stretch>
+        </p:blipFill>
+        <p:spPr>
+          <a:xfrm>
+            <a:off x="5651832" y="3907718"/>
+            <a:ext cx="369490" cy="461665"/>
+          </a:xfrm>
+          <a:prstGeom prst="rect">
+            <a:avLst/>
+          </a:prstGeom>
+        </p:spPr>
+      </p:pic>
+      <p:pic>
+        <p:nvPicPr>
+          <p:cNvPr id="30" name="Picture 29">
+            <a:extLst>
+              <a:ext uri="{FF2B5EF4-FFF2-40B4-BE49-F238E27FC236}">
+                <a16:creationId xmlns:a16="http://schemas.microsoft.com/office/drawing/2014/main" id="{9DE219C0-1324-D14E-BEE1-126EAD00A687}"/>
+              </a:ext>
+            </a:extLst>
+          </p:cNvPr>
+          <p:cNvPicPr>
+            <a:picLocks noChangeAspect="1"/>
+          </p:cNvPicPr>
+          <p:nvPr/>
+        </p:nvPicPr>
+        <p:blipFill>
+          <a:blip r:embed="rId4"/>
+          <a:stretch>
+            <a:fillRect/>
+          </a:stretch>
+        </p:blipFill>
+        <p:spPr>
+          <a:xfrm>
+            <a:off x="5651831" y="3983789"/>
+            <a:ext cx="342327" cy="342327"/>
+          </a:xfrm>
+          <a:prstGeom prst="rect">
+            <a:avLst/>
+          </a:prstGeom>
+        </p:spPr>
+      </p:pic>
+      <p:pic>
+        <p:nvPicPr>
+          <p:cNvPr id="31" name="Picture 30">
+            <a:extLst>
+              <a:ext uri="{FF2B5EF4-FFF2-40B4-BE49-F238E27FC236}">
+                <a16:creationId xmlns:a16="http://schemas.microsoft.com/office/drawing/2014/main" id="{A66662D6-03CB-AB4A-87F8-3041B461665C}"/>
+              </a:ext>
+            </a:extLst>
+          </p:cNvPr>
+          <p:cNvPicPr>
+            <a:picLocks noChangeAspect="1"/>
+          </p:cNvPicPr>
+          <p:nvPr/>
+        </p:nvPicPr>
+        <p:blipFill>
+          <a:blip r:embed="rId5"/>
+          <a:stretch>
+            <a:fillRect/>
+          </a:stretch>
+        </p:blipFill>
+        <p:spPr>
+          <a:xfrm>
+            <a:off x="4530619" y="3956613"/>
+            <a:ext cx="407646" cy="407646"/>
+          </a:xfrm>
+          <a:prstGeom prst="rect">
+            <a:avLst/>
+          </a:prstGeom>
+        </p:spPr>
+      </p:pic>
+      <p:sp>
+        <p:nvSpPr>
+          <p:cNvPr id="32" name="TextBox 31">
+            <a:extLst>
+              <a:ext uri="{FF2B5EF4-FFF2-40B4-BE49-F238E27FC236}">
+                <a16:creationId xmlns:a16="http://schemas.microsoft.com/office/drawing/2014/main" id="{969BED74-38CB-4148-881C-135F38EE66F3}"/>
+              </a:ext>
+            </a:extLst>
+          </p:cNvPr>
+          <p:cNvSpPr txBox="1"/>
+          <p:nvPr/>
+        </p:nvSpPr>
+        <p:spPr>
+          <a:xfrm>
+            <a:off x="4836191" y="3937811"/>
+            <a:ext cx="838691" cy="430887"/>
+          </a:xfrm>
+          <a:prstGeom prst="rect">
+            <a:avLst/>
+          </a:prstGeom>
+          <a:noFill/>
+        </p:spPr>
+        <p:txBody>
+          <a:bodyPr wrap="none" rtlCol="0">
+            <a:spAutoFit/>
+          </a:bodyPr>
+          <a:lstStyle/>
+          <a:p>
+            <a:pPr algn="ctr"/>
+            <a:r>
+              <a:rPr lang="en-US" altLang="ja-JP" sz="1100" b="1" dirty="0"/>
+              <a:t>Credential</a:t>
+            </a:r>
+          </a:p>
+          <a:p>
+            <a:pPr algn="ctr"/>
+            <a:r>
+              <a:rPr lang="en-US" altLang="ja-JP" sz="1100" b="1" dirty="0"/>
+              <a:t>Private key</a:t>
+            </a:r>
+            <a:endParaRPr lang="en-JP" sz="1100" b="1" dirty="0"/>
+          </a:p>
+        </p:txBody>
+      </p:sp>
+      <p:sp>
+        <p:nvSpPr>
+          <p:cNvPr id="33" name="TextBox 32">
+            <a:extLst>
+              <a:ext uri="{FF2B5EF4-FFF2-40B4-BE49-F238E27FC236}">
+                <a16:creationId xmlns:a16="http://schemas.microsoft.com/office/drawing/2014/main" id="{635EA6E4-C0ED-A74A-B366-C5D526D7F5B8}"/>
+              </a:ext>
+            </a:extLst>
+          </p:cNvPr>
+          <p:cNvSpPr txBox="1"/>
+          <p:nvPr/>
+        </p:nvSpPr>
+        <p:spPr>
+          <a:xfrm>
+            <a:off x="5980454" y="3933768"/>
+            <a:ext cx="790601" cy="430887"/>
+          </a:xfrm>
+          <a:prstGeom prst="rect">
+            <a:avLst/>
+          </a:prstGeom>
+          <a:noFill/>
+        </p:spPr>
+        <p:txBody>
+          <a:bodyPr wrap="none" rtlCol="0">
+            <a:spAutoFit/>
+          </a:bodyPr>
+          <a:lstStyle/>
+          <a:p>
+            <a:pPr algn="ctr"/>
+            <a:r>
+              <a:rPr lang="en-US" altLang="ja-JP" sz="1100" b="1" dirty="0"/>
+              <a:t>Credential</a:t>
+            </a:r>
+            <a:br>
+              <a:rPr lang="en-US" altLang="ja-JP" sz="1100" b="1" dirty="0"/>
+            </a:br>
+            <a:r>
+              <a:rPr lang="en-US" altLang="ja-JP" sz="1100" b="1" dirty="0"/>
+              <a:t>Certificate</a:t>
+            </a:r>
+          </a:p>
+        </p:txBody>
+      </p:sp>
+      <p:pic>
+        <p:nvPicPr>
+          <p:cNvPr id="37" name="Picture 36">
+            <a:extLst>
+              <a:ext uri="{FF2B5EF4-FFF2-40B4-BE49-F238E27FC236}">
+                <a16:creationId xmlns:a16="http://schemas.microsoft.com/office/drawing/2014/main" id="{0BF9C03C-22E7-3A49-8433-C0F077261303}"/>
+              </a:ext>
+            </a:extLst>
+          </p:cNvPr>
+          <p:cNvPicPr>
+            <a:picLocks noChangeAspect="1"/>
+          </p:cNvPicPr>
+          <p:nvPr/>
+        </p:nvPicPr>
+        <p:blipFill>
+          <a:blip r:embed="rId3"/>
+          <a:stretch>
+            <a:fillRect/>
+          </a:stretch>
+        </p:blipFill>
+        <p:spPr>
+          <a:xfrm>
+            <a:off x="6845980" y="2849410"/>
+            <a:ext cx="369490" cy="461665"/>
+          </a:xfrm>
+          <a:prstGeom prst="rect">
+            <a:avLst/>
+          </a:prstGeom>
+        </p:spPr>
+      </p:pic>
+      <p:pic>
+        <p:nvPicPr>
+          <p:cNvPr id="38" name="Picture 37">
+            <a:extLst>
+              <a:ext uri="{FF2B5EF4-FFF2-40B4-BE49-F238E27FC236}">
+                <a16:creationId xmlns:a16="http://schemas.microsoft.com/office/drawing/2014/main" id="{7AABA3A2-EE0C-A645-950B-120C01208E76}"/>
+              </a:ext>
+            </a:extLst>
+          </p:cNvPr>
+          <p:cNvPicPr>
+            <a:picLocks noChangeAspect="1"/>
+          </p:cNvPicPr>
+          <p:nvPr/>
+        </p:nvPicPr>
+        <p:blipFill>
+          <a:blip r:embed="rId4"/>
+          <a:stretch>
+            <a:fillRect/>
+          </a:stretch>
+        </p:blipFill>
+        <p:spPr>
+          <a:xfrm>
+            <a:off x="6845979" y="2925481"/>
+            <a:ext cx="342327" cy="342327"/>
+          </a:xfrm>
+          <a:prstGeom prst="rect">
+            <a:avLst/>
+          </a:prstGeom>
+        </p:spPr>
+      </p:pic>
+      <p:pic>
+        <p:nvPicPr>
+          <p:cNvPr id="39" name="Picture 38">
+            <a:extLst>
+              <a:ext uri="{FF2B5EF4-FFF2-40B4-BE49-F238E27FC236}">
+                <a16:creationId xmlns:a16="http://schemas.microsoft.com/office/drawing/2014/main" id="{EAEAAB36-75E2-2D47-A977-EDF19F60A327}"/>
+              </a:ext>
+            </a:extLst>
+          </p:cNvPr>
+          <p:cNvPicPr>
+            <a:picLocks noChangeAspect="1"/>
+          </p:cNvPicPr>
+          <p:nvPr/>
+        </p:nvPicPr>
+        <p:blipFill>
+          <a:blip r:embed="rId3"/>
+          <a:stretch>
+            <a:fillRect/>
+          </a:stretch>
+        </p:blipFill>
+        <p:spPr>
+          <a:xfrm>
+            <a:off x="6844175" y="1157877"/>
+            <a:ext cx="369490" cy="461665"/>
+          </a:xfrm>
+          <a:prstGeom prst="rect">
+            <a:avLst/>
+          </a:prstGeom>
+        </p:spPr>
+      </p:pic>
+      <p:pic>
+        <p:nvPicPr>
+          <p:cNvPr id="40" name="Picture 39">
+            <a:extLst>
+              <a:ext uri="{FF2B5EF4-FFF2-40B4-BE49-F238E27FC236}">
+                <a16:creationId xmlns:a16="http://schemas.microsoft.com/office/drawing/2014/main" id="{3E319ED5-4EEC-E049-93AA-C8BF14A935E8}"/>
+              </a:ext>
+            </a:extLst>
+          </p:cNvPr>
+          <p:cNvPicPr>
+            <a:picLocks noChangeAspect="1"/>
+          </p:cNvPicPr>
+          <p:nvPr/>
+        </p:nvPicPr>
+        <p:blipFill>
+          <a:blip r:embed="rId4"/>
+          <a:stretch>
+            <a:fillRect/>
+          </a:stretch>
+        </p:blipFill>
+        <p:spPr>
+          <a:xfrm>
+            <a:off x="6844174" y="1233948"/>
+            <a:ext cx="342327" cy="342327"/>
+          </a:xfrm>
+          <a:prstGeom prst="rect">
+            <a:avLst/>
+          </a:prstGeom>
+        </p:spPr>
+      </p:pic>
+      <p:pic>
+        <p:nvPicPr>
+          <p:cNvPr id="41" name="Picture 40">
+            <a:extLst>
+              <a:ext uri="{FF2B5EF4-FFF2-40B4-BE49-F238E27FC236}">
+                <a16:creationId xmlns:a16="http://schemas.microsoft.com/office/drawing/2014/main" id="{5280AB8C-F5A4-5940-8ABF-B330E0A290B1}"/>
+              </a:ext>
+            </a:extLst>
+          </p:cNvPr>
+          <p:cNvPicPr>
+            <a:picLocks noChangeAspect="1"/>
+          </p:cNvPicPr>
+          <p:nvPr/>
+        </p:nvPicPr>
+        <p:blipFill>
+          <a:blip r:embed="rId3"/>
+          <a:stretch>
+            <a:fillRect/>
+          </a:stretch>
+        </p:blipFill>
+        <p:spPr>
+          <a:xfrm>
+            <a:off x="6856227" y="69719"/>
+            <a:ext cx="369490" cy="461665"/>
+          </a:xfrm>
+          <a:prstGeom prst="rect">
+            <a:avLst/>
+          </a:prstGeom>
+        </p:spPr>
+      </p:pic>
+      <p:pic>
+        <p:nvPicPr>
+          <p:cNvPr id="42" name="Picture 41">
+            <a:extLst>
+              <a:ext uri="{FF2B5EF4-FFF2-40B4-BE49-F238E27FC236}">
+                <a16:creationId xmlns:a16="http://schemas.microsoft.com/office/drawing/2014/main" id="{4A776D00-91B5-2F4D-84A9-7B951965CAB1}"/>
+              </a:ext>
+            </a:extLst>
+          </p:cNvPr>
+          <p:cNvPicPr>
+            <a:picLocks noChangeAspect="1"/>
+          </p:cNvPicPr>
+          <p:nvPr/>
+        </p:nvPicPr>
+        <p:blipFill>
+          <a:blip r:embed="rId4"/>
+          <a:stretch>
+            <a:fillRect/>
+          </a:stretch>
+        </p:blipFill>
+        <p:spPr>
+          <a:xfrm>
+            <a:off x="6856226" y="145790"/>
+            <a:ext cx="342327" cy="342327"/>
+          </a:xfrm>
+          <a:prstGeom prst="rect">
+            <a:avLst/>
+          </a:prstGeom>
+        </p:spPr>
+      </p:pic>
+      <p:sp>
+        <p:nvSpPr>
+          <p:cNvPr id="2" name="TextBox 1">
+            <a:extLst>
+              <a:ext uri="{FF2B5EF4-FFF2-40B4-BE49-F238E27FC236}">
+                <a16:creationId xmlns:a16="http://schemas.microsoft.com/office/drawing/2014/main" id="{1BBB916A-07E1-934E-8172-CA95599A153E}"/>
+              </a:ext>
+            </a:extLst>
+          </p:cNvPr>
+          <p:cNvSpPr txBox="1"/>
+          <p:nvPr/>
+        </p:nvSpPr>
+        <p:spPr>
+          <a:xfrm rot="19887843">
+            <a:off x="6691011" y="1574"/>
+            <a:ext cx="614271" cy="369332"/>
+          </a:xfrm>
+          <a:prstGeom prst="rect">
+            <a:avLst/>
+          </a:prstGeom>
+          <a:noFill/>
+        </p:spPr>
+        <p:txBody>
+          <a:bodyPr wrap="none" rtlCol="0">
+            <a:spAutoFit/>
+          </a:bodyPr>
+          <a:lstStyle/>
+          <a:p>
+            <a:r>
+              <a:rPr lang="en-JP" dirty="0">
+                <a:solidFill>
+                  <a:srgbClr val="FF0000"/>
+                </a:solidFill>
+                <a:latin typeface="Phosphate Inline" panose="02000506050000020004" pitchFamily="2" charset="77"/>
+                <a:cs typeface="Phosphate Inline" panose="02000506050000020004" pitchFamily="2" charset="77"/>
+              </a:rPr>
+              <a:t>OK !</a:t>
+            </a:r>
+          </a:p>
+        </p:txBody>
+      </p:sp>
+      <p:sp>
+        <p:nvSpPr>
+          <p:cNvPr id="34" name="TextBox 33">
+            <a:extLst>
+              <a:ext uri="{FF2B5EF4-FFF2-40B4-BE49-F238E27FC236}">
+                <a16:creationId xmlns:a16="http://schemas.microsoft.com/office/drawing/2014/main" id="{F2972BFC-D727-F54B-9014-D83BE51FA924}"/>
+              </a:ext>
+            </a:extLst>
+          </p:cNvPr>
+          <p:cNvSpPr txBox="1"/>
+          <p:nvPr/>
+        </p:nvSpPr>
+        <p:spPr>
+          <a:xfrm>
+            <a:off x="2196176" y="1157877"/>
+            <a:ext cx="2698880" cy="461665"/>
+          </a:xfrm>
+          <a:prstGeom prst="rect">
+            <a:avLst/>
+          </a:prstGeom>
+          <a:noFill/>
+        </p:spPr>
+        <p:txBody>
+          <a:bodyPr wrap="none" rtlCol="0">
+            <a:spAutoFit/>
+          </a:bodyPr>
+          <a:lstStyle/>
+          <a:p>
+            <a:r>
+              <a:rPr lang="en-JP" sz="1200" b="1" dirty="0">
+                <a:solidFill>
+                  <a:schemeClr val="bg2">
+                    <a:lumMod val="90000"/>
+                  </a:schemeClr>
+                </a:solidFill>
+              </a:rPr>
+              <a:t>①</a:t>
+            </a:r>
+            <a:r>
+              <a:rPr lang="ja-JP" altLang="en-US" sz="1200" b="1">
+                <a:solidFill>
+                  <a:schemeClr val="bg2">
+                    <a:lumMod val="90000"/>
+                  </a:schemeClr>
+                </a:solidFill>
+              </a:rPr>
+              <a:t> </a:t>
+            </a:r>
+            <a:r>
+              <a:rPr lang="en-US" altLang="ja-JP" sz="1200" b="1" dirty="0">
+                <a:solidFill>
+                  <a:schemeClr val="bg2">
+                    <a:lumMod val="90000"/>
+                  </a:schemeClr>
+                </a:solidFill>
+              </a:rPr>
+              <a:t>Credential Certificate</a:t>
+            </a:r>
+            <a:r>
+              <a:rPr lang="ja-JP" altLang="en-US" sz="1200" b="1">
+                <a:solidFill>
+                  <a:schemeClr val="bg2">
+                    <a:lumMod val="90000"/>
+                  </a:schemeClr>
+                </a:solidFill>
+              </a:rPr>
+              <a:t>生成のための</a:t>
+            </a:r>
+            <a:endParaRPr lang="en-US" altLang="ja-JP" sz="1200" b="1" dirty="0">
+              <a:solidFill>
+                <a:schemeClr val="bg2">
+                  <a:lumMod val="90000"/>
+                </a:schemeClr>
+              </a:solidFill>
+            </a:endParaRPr>
+          </a:p>
+          <a:p>
+            <a:r>
+              <a:rPr lang="ja-JP" altLang="en-US" sz="1200" b="1">
+                <a:solidFill>
+                  <a:schemeClr val="bg2">
+                    <a:lumMod val="90000"/>
+                  </a:schemeClr>
+                </a:solidFill>
+              </a:rPr>
+              <a:t>　  パラメータ送付</a:t>
+            </a:r>
+            <a:endParaRPr lang="en-JP" sz="1200" b="1" dirty="0">
+              <a:solidFill>
+                <a:schemeClr val="bg2">
+                  <a:lumMod val="90000"/>
+                </a:schemeClr>
+              </a:solidFill>
+            </a:endParaRPr>
+          </a:p>
+        </p:txBody>
+      </p:sp>
+      <p:sp>
+        <p:nvSpPr>
+          <p:cNvPr id="35" name="TextBox 34">
+            <a:extLst>
+              <a:ext uri="{FF2B5EF4-FFF2-40B4-BE49-F238E27FC236}">
+                <a16:creationId xmlns:a16="http://schemas.microsoft.com/office/drawing/2014/main" id="{494F0802-E491-7D49-BDC3-35331A5543E0}"/>
+              </a:ext>
+            </a:extLst>
+          </p:cNvPr>
+          <p:cNvSpPr txBox="1"/>
+          <p:nvPr/>
+        </p:nvSpPr>
+        <p:spPr>
+          <a:xfrm>
+            <a:off x="1574667" y="2012954"/>
+            <a:ext cx="3153620" cy="461665"/>
+          </a:xfrm>
+          <a:prstGeom prst="rect">
+            <a:avLst/>
+          </a:prstGeom>
+          <a:noFill/>
+        </p:spPr>
+        <p:txBody>
+          <a:bodyPr wrap="none" rtlCol="0">
+            <a:spAutoFit/>
+          </a:bodyPr>
+          <a:lstStyle/>
+          <a:p>
+            <a:r>
+              <a:rPr lang="en-JP" sz="1200" b="1" dirty="0">
+                <a:highlight>
+                  <a:srgbClr val="FFFF00"/>
+                </a:highlight>
+              </a:rPr>
+              <a:t>② </a:t>
+            </a:r>
+            <a:r>
+              <a:rPr lang="en-US" altLang="ja-JP" sz="1200" b="1" dirty="0" err="1">
+                <a:highlight>
+                  <a:srgbClr val="FFFF00"/>
+                </a:highlight>
+              </a:rPr>
+              <a:t>PublicKeyCredentialCreationOption</a:t>
+            </a:r>
+            <a:r>
+              <a:rPr lang="ja-JP" altLang="en-US" sz="1200" b="1">
+                <a:highlight>
+                  <a:srgbClr val="FFFF00"/>
+                </a:highlight>
+              </a:rPr>
+              <a:t>生成、</a:t>
+            </a:r>
+            <a:endParaRPr lang="en-US" altLang="ja-JP" sz="1200" b="1" dirty="0">
+              <a:highlight>
+                <a:srgbClr val="FFFF00"/>
+              </a:highlight>
+            </a:endParaRPr>
+          </a:p>
+          <a:p>
+            <a:r>
+              <a:rPr lang="ja-JP" altLang="en-US" sz="1200" b="1">
+                <a:highlight>
+                  <a:srgbClr val="FFFF00"/>
+                </a:highlight>
+              </a:rPr>
+              <a:t>　  認証器へ</a:t>
+            </a:r>
+            <a:r>
+              <a:rPr lang="en-US" altLang="ja-JP" sz="1200" b="1" dirty="0">
+                <a:highlight>
+                  <a:srgbClr val="FFFF00"/>
+                </a:highlight>
+              </a:rPr>
+              <a:t>Credential</a:t>
+            </a:r>
+            <a:r>
+              <a:rPr lang="ja-JP" altLang="en-US" sz="1200" b="1">
+                <a:highlight>
+                  <a:srgbClr val="FFFF00"/>
+                </a:highlight>
+              </a:rPr>
+              <a:t>生成要求</a:t>
+            </a:r>
+            <a:endParaRPr lang="en-JP" sz="1200" b="1" dirty="0">
+              <a:highlight>
+                <a:srgbClr val="FFFF00"/>
+              </a:highlight>
+            </a:endParaRPr>
+          </a:p>
+        </p:txBody>
+      </p:sp>
+    </p:spTree>
+    <p:extLst>
+      <p:ext uri="{BB962C8B-B14F-4D97-AF65-F5344CB8AC3E}">
+        <p14:creationId xmlns:p14="http://schemas.microsoft.com/office/powerpoint/2010/main" val="2306602359"/>
       </p:ext>
     </p:extLst>
   </p:cSld>

--- a/slides/Figs/figures.pptx
+++ b/slides/Figs/figures.pptx
@@ -18,6 +18,8 @@
     <p:sldId id="266" r:id="rId12"/>
     <p:sldId id="267" r:id="rId13"/>
     <p:sldId id="268" r:id="rId14"/>
+    <p:sldId id="269" r:id="rId15"/>
+    <p:sldId id="270" r:id="rId16"/>
   </p:sldIdLst>
   <p:sldSz cx="12192000" cy="6858000"/>
   <p:notesSz cx="6858000" cy="9144000"/>
@@ -3610,7 +3612,7 @@
             <a:pPr algn="ctr"/>
             <a:r>
               <a:rPr lang="en-US" b="1" dirty="0"/>
-              <a:t>Relaying Party</a:t>
+              <a:t>Relying Party</a:t>
             </a:r>
             <a:r>
               <a:rPr lang="ja-JP" altLang="en-US" b="1"/>
@@ -4898,7 +4900,7 @@
             <a:pPr algn="ctr"/>
             <a:r>
               <a:rPr lang="en-US" b="1" dirty="0"/>
-              <a:t>Relaying Party</a:t>
+              <a:t>Relying Party</a:t>
             </a:r>
             <a:r>
               <a:rPr lang="ja-JP" altLang="en-US" b="1"/>
@@ -6281,7 +6283,7 @@
             <a:pPr algn="ctr"/>
             <a:r>
               <a:rPr lang="en-US" b="1" dirty="0"/>
-              <a:t>Relaying Party</a:t>
+              <a:t>Relying Party</a:t>
             </a:r>
             <a:r>
               <a:rPr lang="ja-JP" altLang="en-US" b="1"/>
@@ -7960,7 +7962,7 @@
             <a:pPr algn="ctr"/>
             <a:r>
               <a:rPr lang="en-US" b="1" dirty="0"/>
-              <a:t>Relaying Party</a:t>
+              <a:t>Relying Party</a:t>
             </a:r>
             <a:r>
               <a:rPr lang="ja-JP" altLang="en-US" b="1"/>
@@ -9442,6 +9444,3314 @@
     <p:extLst>
       <p:ext uri="{BB962C8B-B14F-4D97-AF65-F5344CB8AC3E}">
         <p14:creationId xmlns:p14="http://schemas.microsoft.com/office/powerpoint/2010/main" val="2306602359"/>
+      </p:ext>
+    </p:extLst>
+  </p:cSld>
+  <p:clrMapOvr>
+    <a:masterClrMapping/>
+  </p:clrMapOvr>
+</p:sld>
+</file>
+
+<file path=ppt/slides/slide14.xml><?xml version="1.0" encoding="utf-8"?>
+<p:sld xmlns:a="http://schemas.openxmlformats.org/drawingml/2006/main" xmlns:r="http://schemas.openxmlformats.org/officeDocument/2006/relationships" xmlns:p="http://schemas.openxmlformats.org/presentationml/2006/main">
+  <p:cSld>
+    <p:spTree>
+      <p:nvGrpSpPr>
+        <p:cNvPr id="1" name=""/>
+        <p:cNvGrpSpPr/>
+        <p:nvPr/>
+      </p:nvGrpSpPr>
+      <p:grpSpPr>
+        <a:xfrm>
+          <a:off x="0" y="0"/>
+          <a:ext cx="0" cy="0"/>
+          <a:chOff x="0" y="0"/>
+          <a:chExt cx="0" cy="0"/>
+        </a:xfrm>
+      </p:grpSpPr>
+      <p:pic>
+        <p:nvPicPr>
+          <p:cNvPr id="4" name="Picture 3">
+            <a:extLst>
+              <a:ext uri="{FF2B5EF4-FFF2-40B4-BE49-F238E27FC236}">
+                <a16:creationId xmlns:a16="http://schemas.microsoft.com/office/drawing/2014/main" id="{7BB16E77-4C5A-EE4B-8951-017E2E34B25A}"/>
+              </a:ext>
+            </a:extLst>
+          </p:cNvPr>
+          <p:cNvPicPr>
+            <a:picLocks noChangeAspect="1"/>
+          </p:cNvPicPr>
+          <p:nvPr/>
+        </p:nvPicPr>
+        <p:blipFill>
+          <a:blip r:embed="rId2"/>
+          <a:stretch>
+            <a:fillRect/>
+          </a:stretch>
+        </p:blipFill>
+        <p:spPr>
+          <a:xfrm>
+            <a:off x="6738971" y="3382023"/>
+            <a:ext cx="548837" cy="548837"/>
+          </a:xfrm>
+          <a:prstGeom prst="rect">
+            <a:avLst/>
+          </a:prstGeom>
+        </p:spPr>
+      </p:pic>
+      <p:sp>
+        <p:nvSpPr>
+          <p:cNvPr id="5" name="Rounded Rectangle 4">
+            <a:extLst>
+              <a:ext uri="{FF2B5EF4-FFF2-40B4-BE49-F238E27FC236}">
+                <a16:creationId xmlns:a16="http://schemas.microsoft.com/office/drawing/2014/main" id="{DE13ECB7-BAE5-AE44-B6FA-E837ED650D36}"/>
+              </a:ext>
+            </a:extLst>
+          </p:cNvPr>
+          <p:cNvSpPr/>
+          <p:nvPr/>
+        </p:nvSpPr>
+        <p:spPr>
+          <a:xfrm>
+            <a:off x="4530619" y="1796167"/>
+            <a:ext cx="2771041" cy="369332"/>
+          </a:xfrm>
+          <a:prstGeom prst="roundRect">
+            <a:avLst/>
+          </a:prstGeom>
+          <a:ln w="28575"/>
+        </p:spPr>
+        <p:style>
+          <a:lnRef idx="2">
+            <a:schemeClr val="accent2"/>
+          </a:lnRef>
+          <a:fillRef idx="1">
+            <a:schemeClr val="lt1"/>
+          </a:fillRef>
+          <a:effectRef idx="0">
+            <a:schemeClr val="accent2"/>
+          </a:effectRef>
+          <a:fontRef idx="minor">
+            <a:schemeClr val="dk1"/>
+          </a:fontRef>
+        </p:style>
+        <p:txBody>
+          <a:bodyPr rtlCol="0" anchor="ctr"/>
+          <a:lstStyle/>
+          <a:p>
+            <a:pPr algn="ctr"/>
+            <a:r>
+              <a:rPr lang="en-US" b="1" dirty="0"/>
+              <a:t>Web App</a:t>
+            </a:r>
+            <a:endParaRPr lang="en-JP" b="1" dirty="0"/>
+          </a:p>
+        </p:txBody>
+      </p:sp>
+      <p:sp>
+        <p:nvSpPr>
+          <p:cNvPr id="6" name="Rounded Rectangle 5">
+            <a:extLst>
+              <a:ext uri="{FF2B5EF4-FFF2-40B4-BE49-F238E27FC236}">
+                <a16:creationId xmlns:a16="http://schemas.microsoft.com/office/drawing/2014/main" id="{7EC16796-AA12-7642-9453-F8A3E98CA0F1}"/>
+              </a:ext>
+            </a:extLst>
+          </p:cNvPr>
+          <p:cNvSpPr/>
+          <p:nvPr/>
+        </p:nvSpPr>
+        <p:spPr>
+          <a:xfrm>
+            <a:off x="4530619" y="2323503"/>
+            <a:ext cx="2771041" cy="369332"/>
+          </a:xfrm>
+          <a:prstGeom prst="roundRect">
+            <a:avLst/>
+          </a:prstGeom>
+          <a:ln w="28575"/>
+        </p:spPr>
+        <p:style>
+          <a:lnRef idx="2">
+            <a:schemeClr val="accent1"/>
+          </a:lnRef>
+          <a:fillRef idx="1">
+            <a:schemeClr val="lt1"/>
+          </a:fillRef>
+          <a:effectRef idx="0">
+            <a:schemeClr val="accent1"/>
+          </a:effectRef>
+          <a:fontRef idx="minor">
+            <a:schemeClr val="dk1"/>
+          </a:fontRef>
+        </p:style>
+        <p:txBody>
+          <a:bodyPr rtlCol="0" anchor="ctr"/>
+          <a:lstStyle/>
+          <a:p>
+            <a:pPr algn="ctr"/>
+            <a:r>
+              <a:rPr lang="en-US" b="1" dirty="0"/>
+              <a:t>Browser</a:t>
+            </a:r>
+            <a:endParaRPr lang="en-JP" b="1" dirty="0"/>
+          </a:p>
+        </p:txBody>
+      </p:sp>
+      <p:sp>
+        <p:nvSpPr>
+          <p:cNvPr id="7" name="Rounded Rectangle 6">
+            <a:extLst>
+              <a:ext uri="{FF2B5EF4-FFF2-40B4-BE49-F238E27FC236}">
+                <a16:creationId xmlns:a16="http://schemas.microsoft.com/office/drawing/2014/main" id="{667C2817-EB5F-234E-B260-12E87E4C5165}"/>
+              </a:ext>
+            </a:extLst>
+          </p:cNvPr>
+          <p:cNvSpPr/>
+          <p:nvPr/>
+        </p:nvSpPr>
+        <p:spPr>
+          <a:xfrm>
+            <a:off x="4530619" y="626795"/>
+            <a:ext cx="2771041" cy="369332"/>
+          </a:xfrm>
+          <a:prstGeom prst="roundRect">
+            <a:avLst/>
+          </a:prstGeom>
+          <a:ln w="28575"/>
+        </p:spPr>
+        <p:style>
+          <a:lnRef idx="2">
+            <a:schemeClr val="dk1"/>
+          </a:lnRef>
+          <a:fillRef idx="1">
+            <a:schemeClr val="lt1"/>
+          </a:fillRef>
+          <a:effectRef idx="0">
+            <a:schemeClr val="dk1"/>
+          </a:effectRef>
+          <a:fontRef idx="minor">
+            <a:schemeClr val="dk1"/>
+          </a:fontRef>
+        </p:style>
+        <p:txBody>
+          <a:bodyPr rtlCol="0" anchor="ctr"/>
+          <a:lstStyle/>
+          <a:p>
+            <a:pPr algn="ctr"/>
+            <a:r>
+              <a:rPr lang="en-US" b="1" dirty="0"/>
+              <a:t>Relying Party</a:t>
+            </a:r>
+            <a:r>
+              <a:rPr lang="ja-JP" altLang="en-US" b="1"/>
+              <a:t> </a:t>
+            </a:r>
+            <a:r>
+              <a:rPr lang="en-US" altLang="ja-JP" b="1" dirty="0"/>
+              <a:t>(RP)</a:t>
+            </a:r>
+            <a:endParaRPr lang="en-JP" b="1" dirty="0"/>
+          </a:p>
+        </p:txBody>
+      </p:sp>
+      <p:cxnSp>
+        <p:nvCxnSpPr>
+          <p:cNvPr id="8" name="Straight Arrow Connector 7">
+            <a:extLst>
+              <a:ext uri="{FF2B5EF4-FFF2-40B4-BE49-F238E27FC236}">
+                <a16:creationId xmlns:a16="http://schemas.microsoft.com/office/drawing/2014/main" id="{E3E40130-3BED-B941-88CF-D1299972173E}"/>
+              </a:ext>
+            </a:extLst>
+          </p:cNvPr>
+          <p:cNvCxnSpPr/>
+          <p:nvPr/>
+        </p:nvCxnSpPr>
+        <p:spPr>
+          <a:xfrm>
+            <a:off x="4961593" y="2709706"/>
+            <a:ext cx="0" cy="778523"/>
+          </a:xfrm>
+          <a:prstGeom prst="straightConnector1">
+            <a:avLst/>
+          </a:prstGeom>
+          <a:ln w="28575">
+            <a:tailEnd type="triangle"/>
+          </a:ln>
+        </p:spPr>
+        <p:style>
+          <a:lnRef idx="1">
+            <a:schemeClr val="accent1"/>
+          </a:lnRef>
+          <a:fillRef idx="0">
+            <a:schemeClr val="accent1"/>
+          </a:fillRef>
+          <a:effectRef idx="0">
+            <a:schemeClr val="accent1"/>
+          </a:effectRef>
+          <a:fontRef idx="minor">
+            <a:schemeClr val="tx1"/>
+          </a:fontRef>
+        </p:style>
+      </p:cxnSp>
+      <p:cxnSp>
+        <p:nvCxnSpPr>
+          <p:cNvPr id="9" name="Straight Arrow Connector 8">
+            <a:extLst>
+              <a:ext uri="{FF2B5EF4-FFF2-40B4-BE49-F238E27FC236}">
+                <a16:creationId xmlns:a16="http://schemas.microsoft.com/office/drawing/2014/main" id="{9E3EB259-E7FF-D047-8D6B-D88B029D6503}"/>
+              </a:ext>
+            </a:extLst>
+          </p:cNvPr>
+          <p:cNvCxnSpPr>
+            <a:cxnSpLocks/>
+          </p:cNvCxnSpPr>
+          <p:nvPr/>
+        </p:nvCxnSpPr>
+        <p:spPr>
+          <a:xfrm flipV="1">
+            <a:off x="6792475" y="2682077"/>
+            <a:ext cx="0" cy="778524"/>
+          </a:xfrm>
+          <a:prstGeom prst="straightConnector1">
+            <a:avLst/>
+          </a:prstGeom>
+          <a:ln w="28575">
+            <a:tailEnd type="triangle"/>
+          </a:ln>
+        </p:spPr>
+        <p:style>
+          <a:lnRef idx="1">
+            <a:schemeClr val="accent1"/>
+          </a:lnRef>
+          <a:fillRef idx="0">
+            <a:schemeClr val="accent1"/>
+          </a:fillRef>
+          <a:effectRef idx="0">
+            <a:schemeClr val="accent1"/>
+          </a:effectRef>
+          <a:fontRef idx="minor">
+            <a:schemeClr val="tx1"/>
+          </a:fontRef>
+        </p:style>
+      </p:cxnSp>
+      <p:cxnSp>
+        <p:nvCxnSpPr>
+          <p:cNvPr id="10" name="Straight Arrow Connector 9">
+            <a:extLst>
+              <a:ext uri="{FF2B5EF4-FFF2-40B4-BE49-F238E27FC236}">
+                <a16:creationId xmlns:a16="http://schemas.microsoft.com/office/drawing/2014/main" id="{1493BA4F-6CA1-1749-8DEF-907D657C82A8}"/>
+              </a:ext>
+            </a:extLst>
+          </p:cNvPr>
+          <p:cNvCxnSpPr/>
+          <p:nvPr/>
+        </p:nvCxnSpPr>
+        <p:spPr>
+          <a:xfrm>
+            <a:off x="4961593" y="996127"/>
+            <a:ext cx="0" cy="778523"/>
+          </a:xfrm>
+          <a:prstGeom prst="straightConnector1">
+            <a:avLst/>
+          </a:prstGeom>
+          <a:ln w="28575">
+            <a:solidFill>
+              <a:schemeClr val="accent2"/>
+            </a:solidFill>
+            <a:tailEnd type="triangle"/>
+          </a:ln>
+        </p:spPr>
+        <p:style>
+          <a:lnRef idx="1">
+            <a:schemeClr val="accent1"/>
+          </a:lnRef>
+          <a:fillRef idx="0">
+            <a:schemeClr val="accent1"/>
+          </a:fillRef>
+          <a:effectRef idx="0">
+            <a:schemeClr val="accent1"/>
+          </a:effectRef>
+          <a:fontRef idx="minor">
+            <a:schemeClr val="tx1"/>
+          </a:fontRef>
+        </p:style>
+      </p:cxnSp>
+      <p:cxnSp>
+        <p:nvCxnSpPr>
+          <p:cNvPr id="11" name="Straight Arrow Connector 10">
+            <a:extLst>
+              <a:ext uri="{FF2B5EF4-FFF2-40B4-BE49-F238E27FC236}">
+                <a16:creationId xmlns:a16="http://schemas.microsoft.com/office/drawing/2014/main" id="{A0566FA4-7A0D-9347-9D4C-6667961C2B07}"/>
+              </a:ext>
+            </a:extLst>
+          </p:cNvPr>
+          <p:cNvCxnSpPr>
+            <a:cxnSpLocks/>
+          </p:cNvCxnSpPr>
+          <p:nvPr/>
+        </p:nvCxnSpPr>
+        <p:spPr>
+          <a:xfrm flipV="1">
+            <a:off x="6787421" y="996127"/>
+            <a:ext cx="0" cy="778524"/>
+          </a:xfrm>
+          <a:prstGeom prst="straightConnector1">
+            <a:avLst/>
+          </a:prstGeom>
+          <a:ln w="28575">
+            <a:solidFill>
+              <a:schemeClr val="accent2"/>
+            </a:solidFill>
+            <a:tailEnd type="triangle"/>
+          </a:ln>
+        </p:spPr>
+        <p:style>
+          <a:lnRef idx="1">
+            <a:schemeClr val="accent1"/>
+          </a:lnRef>
+          <a:fillRef idx="0">
+            <a:schemeClr val="accent1"/>
+          </a:fillRef>
+          <a:effectRef idx="0">
+            <a:schemeClr val="accent1"/>
+          </a:effectRef>
+          <a:fontRef idx="minor">
+            <a:schemeClr val="tx1"/>
+          </a:fontRef>
+        </p:style>
+      </p:cxnSp>
+      <p:sp>
+        <p:nvSpPr>
+          <p:cNvPr id="12" name="Rounded Rectangle 11">
+            <a:extLst>
+              <a:ext uri="{FF2B5EF4-FFF2-40B4-BE49-F238E27FC236}">
+                <a16:creationId xmlns:a16="http://schemas.microsoft.com/office/drawing/2014/main" id="{1A8FA66B-4F4F-6341-B599-4D64AD97C0A9}"/>
+              </a:ext>
+            </a:extLst>
+          </p:cNvPr>
+          <p:cNvSpPr/>
+          <p:nvPr/>
+        </p:nvSpPr>
+        <p:spPr>
+          <a:xfrm>
+            <a:off x="4530620" y="3467371"/>
+            <a:ext cx="2771040" cy="369332"/>
+          </a:xfrm>
+          <a:prstGeom prst="roundRect">
+            <a:avLst/>
+          </a:prstGeom>
+          <a:noFill/>
+          <a:ln w="28575"/>
+        </p:spPr>
+        <p:style>
+          <a:lnRef idx="2">
+            <a:schemeClr val="accent1">
+              <a:shade val="50000"/>
+            </a:schemeClr>
+          </a:lnRef>
+          <a:fillRef idx="1">
+            <a:schemeClr val="accent1"/>
+          </a:fillRef>
+          <a:effectRef idx="0">
+            <a:schemeClr val="accent1"/>
+          </a:effectRef>
+          <a:fontRef idx="minor">
+            <a:schemeClr val="lt1"/>
+          </a:fontRef>
+        </p:style>
+        <p:txBody>
+          <a:bodyPr rtlCol="0" anchor="ctr"/>
+          <a:lstStyle/>
+          <a:p>
+            <a:pPr algn="ctr"/>
+            <a:r>
+              <a:rPr lang="en-JP" b="1" dirty="0">
+                <a:solidFill>
+                  <a:schemeClr val="tx1"/>
+                </a:solidFill>
+              </a:rPr>
+              <a:t>Authenticator</a:t>
+            </a:r>
+          </a:p>
+        </p:txBody>
+      </p:sp>
+      <p:cxnSp>
+        <p:nvCxnSpPr>
+          <p:cNvPr id="13" name="Straight Arrow Connector 12">
+            <a:extLst>
+              <a:ext uri="{FF2B5EF4-FFF2-40B4-BE49-F238E27FC236}">
+                <a16:creationId xmlns:a16="http://schemas.microsoft.com/office/drawing/2014/main" id="{26E3324E-4537-B443-A408-263E62032076}"/>
+              </a:ext>
+            </a:extLst>
+          </p:cNvPr>
+          <p:cNvCxnSpPr>
+            <a:cxnSpLocks/>
+          </p:cNvCxnSpPr>
+          <p:nvPr/>
+        </p:nvCxnSpPr>
+        <p:spPr>
+          <a:xfrm flipV="1">
+            <a:off x="5457173" y="996127"/>
+            <a:ext cx="0" cy="778524"/>
+          </a:xfrm>
+          <a:prstGeom prst="straightConnector1">
+            <a:avLst/>
+          </a:prstGeom>
+          <a:ln w="28575">
+            <a:solidFill>
+              <a:schemeClr val="accent2"/>
+            </a:solidFill>
+            <a:tailEnd type="triangle"/>
+          </a:ln>
+        </p:spPr>
+        <p:style>
+          <a:lnRef idx="1">
+            <a:schemeClr val="accent1"/>
+          </a:lnRef>
+          <a:fillRef idx="0">
+            <a:schemeClr val="accent1"/>
+          </a:fillRef>
+          <a:effectRef idx="0">
+            <a:schemeClr val="accent1"/>
+          </a:effectRef>
+          <a:fontRef idx="minor">
+            <a:schemeClr val="tx1"/>
+          </a:fontRef>
+        </p:style>
+      </p:cxnSp>
+      <p:sp>
+        <p:nvSpPr>
+          <p:cNvPr id="14" name="TextBox 13">
+            <a:extLst>
+              <a:ext uri="{FF2B5EF4-FFF2-40B4-BE49-F238E27FC236}">
+                <a16:creationId xmlns:a16="http://schemas.microsoft.com/office/drawing/2014/main" id="{F4BB5431-8EB3-E940-8E58-C244A24ACCC5}"/>
+              </a:ext>
+            </a:extLst>
+          </p:cNvPr>
+          <p:cNvSpPr txBox="1"/>
+          <p:nvPr/>
+        </p:nvSpPr>
+        <p:spPr>
+          <a:xfrm>
+            <a:off x="5435879" y="1218633"/>
+            <a:ext cx="989373" cy="276999"/>
+          </a:xfrm>
+          <a:prstGeom prst="rect">
+            <a:avLst/>
+          </a:prstGeom>
+          <a:noFill/>
+        </p:spPr>
+        <p:txBody>
+          <a:bodyPr wrap="none" rtlCol="0">
+            <a:spAutoFit/>
+          </a:bodyPr>
+          <a:lstStyle/>
+          <a:p>
+            <a:r>
+              <a:rPr lang="ja-JP" altLang="en-US" sz="1200" b="1">
+                <a:solidFill>
+                  <a:schemeClr val="bg2">
+                    <a:lumMod val="90000"/>
+                  </a:schemeClr>
+                </a:solidFill>
+              </a:rPr>
+              <a:t>⓪</a:t>
+            </a:r>
+            <a:r>
+              <a:rPr lang="en-US" altLang="ja-JP" sz="1200" b="1" dirty="0">
+                <a:solidFill>
+                  <a:schemeClr val="bg2">
+                    <a:lumMod val="90000"/>
+                  </a:schemeClr>
+                </a:solidFill>
+              </a:rPr>
+              <a:t> </a:t>
+            </a:r>
+            <a:r>
+              <a:rPr lang="ja-JP" altLang="en-US" sz="1200" b="1">
+                <a:solidFill>
+                  <a:schemeClr val="bg2">
+                    <a:lumMod val="90000"/>
+                  </a:schemeClr>
+                </a:solidFill>
+              </a:rPr>
+              <a:t>登録要求</a:t>
+            </a:r>
+            <a:endParaRPr lang="en-JP" sz="1200" b="1" dirty="0">
+              <a:solidFill>
+                <a:schemeClr val="bg2">
+                  <a:lumMod val="90000"/>
+                </a:schemeClr>
+              </a:solidFill>
+            </a:endParaRPr>
+          </a:p>
+        </p:txBody>
+      </p:sp>
+      <p:sp>
+        <p:nvSpPr>
+          <p:cNvPr id="16" name="TextBox 15">
+            <a:extLst>
+              <a:ext uri="{FF2B5EF4-FFF2-40B4-BE49-F238E27FC236}">
+                <a16:creationId xmlns:a16="http://schemas.microsoft.com/office/drawing/2014/main" id="{070ED225-BE02-A14C-91BF-816B734C1B44}"/>
+              </a:ext>
+            </a:extLst>
+          </p:cNvPr>
+          <p:cNvSpPr txBox="1"/>
+          <p:nvPr/>
+        </p:nvSpPr>
+        <p:spPr>
+          <a:xfrm>
+            <a:off x="5002771" y="2116612"/>
+            <a:ext cx="1853455" cy="276999"/>
+          </a:xfrm>
+          <a:prstGeom prst="rect">
+            <a:avLst/>
+          </a:prstGeom>
+          <a:solidFill>
+            <a:schemeClr val="bg1"/>
+          </a:solidFill>
+          <a:ln w="19050">
+            <a:solidFill>
+              <a:srgbClr val="FF0000"/>
+            </a:solidFill>
+          </a:ln>
+        </p:spPr>
+        <p:txBody>
+          <a:bodyPr wrap="square" rtlCol="0">
+            <a:spAutoFit/>
+          </a:bodyPr>
+          <a:lstStyle/>
+          <a:p>
+            <a:pPr algn="ctr"/>
+            <a:r>
+              <a:rPr lang="en-JP" sz="1200" b="1" dirty="0"/>
+              <a:t>WebAuthn API</a:t>
+            </a:r>
+          </a:p>
+        </p:txBody>
+      </p:sp>
+      <p:sp>
+        <p:nvSpPr>
+          <p:cNvPr id="17" name="TextBox 16">
+            <a:extLst>
+              <a:ext uri="{FF2B5EF4-FFF2-40B4-BE49-F238E27FC236}">
+                <a16:creationId xmlns:a16="http://schemas.microsoft.com/office/drawing/2014/main" id="{511681B5-1931-004B-9856-198305101D77}"/>
+              </a:ext>
+            </a:extLst>
+          </p:cNvPr>
+          <p:cNvSpPr txBox="1"/>
+          <p:nvPr/>
+        </p:nvSpPr>
+        <p:spPr>
+          <a:xfrm>
+            <a:off x="2849719" y="2995222"/>
+            <a:ext cx="2125967" cy="276999"/>
+          </a:xfrm>
+          <a:prstGeom prst="rect">
+            <a:avLst/>
+          </a:prstGeom>
+          <a:noFill/>
+        </p:spPr>
+        <p:txBody>
+          <a:bodyPr wrap="none" rtlCol="0">
+            <a:spAutoFit/>
+          </a:bodyPr>
+          <a:lstStyle/>
+          <a:p>
+            <a:r>
+              <a:rPr lang="en-JP" sz="1200" b="1" dirty="0">
+                <a:solidFill>
+                  <a:schemeClr val="bg2">
+                    <a:lumMod val="90000"/>
+                  </a:schemeClr>
+                </a:solidFill>
+              </a:rPr>
+              <a:t>③Credential</a:t>
+            </a:r>
+            <a:r>
+              <a:rPr lang="ja-JP" altLang="en-US" sz="1200" b="1">
+                <a:solidFill>
+                  <a:schemeClr val="bg2">
+                    <a:lumMod val="90000"/>
+                  </a:schemeClr>
+                </a:solidFill>
+              </a:rPr>
+              <a:t>生成要求の送付</a:t>
+            </a:r>
+            <a:endParaRPr lang="en-JP" sz="1200" b="1" dirty="0">
+              <a:solidFill>
+                <a:schemeClr val="bg2">
+                  <a:lumMod val="90000"/>
+                </a:schemeClr>
+              </a:solidFill>
+            </a:endParaRPr>
+          </a:p>
+        </p:txBody>
+      </p:sp>
+      <p:sp>
+        <p:nvSpPr>
+          <p:cNvPr id="18" name="TextBox 17">
+            <a:extLst>
+              <a:ext uri="{FF2B5EF4-FFF2-40B4-BE49-F238E27FC236}">
+                <a16:creationId xmlns:a16="http://schemas.microsoft.com/office/drawing/2014/main" id="{52733BE3-D5D4-0040-B084-BEF2BD1EE342}"/>
+              </a:ext>
+            </a:extLst>
+          </p:cNvPr>
+          <p:cNvSpPr txBox="1"/>
+          <p:nvPr/>
+        </p:nvSpPr>
+        <p:spPr>
+          <a:xfrm>
+            <a:off x="7158170" y="1222085"/>
+            <a:ext cx="2634439" cy="461665"/>
+          </a:xfrm>
+          <a:prstGeom prst="rect">
+            <a:avLst/>
+          </a:prstGeom>
+          <a:noFill/>
+        </p:spPr>
+        <p:txBody>
+          <a:bodyPr wrap="none" rtlCol="0">
+            <a:spAutoFit/>
+          </a:bodyPr>
+          <a:lstStyle/>
+          <a:p>
+            <a:r>
+              <a:rPr lang="en-JP" sz="1200" b="1" dirty="0">
+                <a:solidFill>
+                  <a:schemeClr val="bg2">
+                    <a:lumMod val="90000"/>
+                  </a:schemeClr>
+                </a:solidFill>
+              </a:rPr>
+              <a:t>⑦ AuthenticatorAttestationResponse</a:t>
+            </a:r>
+          </a:p>
+          <a:p>
+            <a:r>
+              <a:rPr lang="ja-JP" altLang="en-US" sz="1200" b="1">
+                <a:solidFill>
+                  <a:schemeClr val="bg2">
+                    <a:lumMod val="90000"/>
+                  </a:schemeClr>
+                </a:solidFill>
+              </a:rPr>
+              <a:t>　  の送付</a:t>
+            </a:r>
+            <a:endParaRPr lang="en-JP" sz="1200" b="1" dirty="0">
+              <a:solidFill>
+                <a:schemeClr val="bg2">
+                  <a:lumMod val="90000"/>
+                </a:schemeClr>
+              </a:solidFill>
+            </a:endParaRPr>
+          </a:p>
+        </p:txBody>
+      </p:sp>
+      <p:sp>
+        <p:nvSpPr>
+          <p:cNvPr id="20" name="TextBox 19">
+            <a:extLst>
+              <a:ext uri="{FF2B5EF4-FFF2-40B4-BE49-F238E27FC236}">
+                <a16:creationId xmlns:a16="http://schemas.microsoft.com/office/drawing/2014/main" id="{A1269EB4-2697-534A-B26E-312359FF4FC5}"/>
+              </a:ext>
+            </a:extLst>
+          </p:cNvPr>
+          <p:cNvSpPr txBox="1"/>
+          <p:nvPr/>
+        </p:nvSpPr>
+        <p:spPr>
+          <a:xfrm>
+            <a:off x="6707725" y="3909303"/>
+            <a:ext cx="3207929" cy="461665"/>
+          </a:xfrm>
+          <a:prstGeom prst="rect">
+            <a:avLst/>
+          </a:prstGeom>
+          <a:noFill/>
+        </p:spPr>
+        <p:txBody>
+          <a:bodyPr wrap="none" rtlCol="0">
+            <a:spAutoFit/>
+          </a:bodyPr>
+          <a:lstStyle/>
+          <a:p>
+            <a:r>
+              <a:rPr lang="en-JP" sz="1200" b="1" dirty="0">
+                <a:highlight>
+                  <a:srgbClr val="FFFF00"/>
+                </a:highlight>
+              </a:rPr>
+              <a:t>④</a:t>
+            </a:r>
+            <a:r>
+              <a:rPr lang="en-US" sz="1200" b="1" dirty="0">
+                <a:highlight>
+                  <a:srgbClr val="FFFF00"/>
+                </a:highlight>
+              </a:rPr>
+              <a:t> </a:t>
+            </a:r>
+            <a:r>
+              <a:rPr lang="ja-JP" altLang="en-US" sz="1200" b="1">
+                <a:highlight>
+                  <a:srgbClr val="FFFF00"/>
+                </a:highlight>
+              </a:rPr>
+              <a:t>要求ユーザのローカル認証</a:t>
+            </a:r>
+            <a:r>
+              <a:rPr lang="en-US" altLang="ja-JP" sz="1200" b="1" dirty="0">
+                <a:highlight>
+                  <a:srgbClr val="FFFF00"/>
+                </a:highlight>
+              </a:rPr>
+              <a:t>(PIN</a:t>
+            </a:r>
+            <a:r>
+              <a:rPr lang="ja-JP" altLang="en-US" sz="1200" b="1">
+                <a:highlight>
+                  <a:srgbClr val="FFFF00"/>
+                </a:highlight>
+              </a:rPr>
+              <a:t>や指紋</a:t>
+            </a:r>
+            <a:r>
+              <a:rPr lang="en-US" altLang="ja-JP" sz="1200" b="1" dirty="0">
+                <a:highlight>
+                  <a:srgbClr val="FFFF00"/>
+                </a:highlight>
+              </a:rPr>
+              <a:t>)</a:t>
+            </a:r>
+            <a:r>
+              <a:rPr lang="ja-JP" altLang="en-US" sz="1200" b="1">
+                <a:highlight>
+                  <a:srgbClr val="FFFF00"/>
+                </a:highlight>
+              </a:rPr>
+              <a:t>、</a:t>
+            </a:r>
+            <a:br>
+              <a:rPr lang="en-US" altLang="ja-JP" sz="1200" b="1" dirty="0">
+                <a:highlight>
+                  <a:srgbClr val="FFFF00"/>
+                </a:highlight>
+              </a:rPr>
+            </a:br>
+            <a:r>
+              <a:rPr lang="ja-JP" altLang="en-US" sz="1200" b="1">
+                <a:highlight>
+                  <a:srgbClr val="FFFF00"/>
+                </a:highlight>
+              </a:rPr>
+              <a:t>　  </a:t>
+            </a:r>
+            <a:r>
+              <a:rPr lang="en-US" sz="1200" b="1" dirty="0">
+                <a:highlight>
+                  <a:srgbClr val="FFFF00"/>
+                </a:highlight>
+              </a:rPr>
+              <a:t>Credential Key Pair</a:t>
+            </a:r>
+            <a:r>
+              <a:rPr lang="ja-JP" altLang="en-US" sz="1200" b="1">
+                <a:highlight>
+                  <a:srgbClr val="FFFF00"/>
+                </a:highlight>
+              </a:rPr>
+              <a:t>の新規生成・署名付与</a:t>
+            </a:r>
+            <a:endParaRPr lang="en-JP" sz="1200" b="1" dirty="0">
+              <a:highlight>
+                <a:srgbClr val="FFFF00"/>
+              </a:highlight>
+            </a:endParaRPr>
+          </a:p>
+        </p:txBody>
+      </p:sp>
+      <p:sp>
+        <p:nvSpPr>
+          <p:cNvPr id="21" name="TextBox 20">
+            <a:extLst>
+              <a:ext uri="{FF2B5EF4-FFF2-40B4-BE49-F238E27FC236}">
+                <a16:creationId xmlns:a16="http://schemas.microsoft.com/office/drawing/2014/main" id="{2A1A0A65-4FC6-7343-A487-93B65FE2AE12}"/>
+              </a:ext>
+            </a:extLst>
+          </p:cNvPr>
+          <p:cNvSpPr txBox="1"/>
+          <p:nvPr/>
+        </p:nvSpPr>
+        <p:spPr>
+          <a:xfrm>
+            <a:off x="7215470" y="2965539"/>
+            <a:ext cx="2004010" cy="276999"/>
+          </a:xfrm>
+          <a:prstGeom prst="rect">
+            <a:avLst/>
+          </a:prstGeom>
+          <a:noFill/>
+        </p:spPr>
+        <p:txBody>
+          <a:bodyPr wrap="none" rtlCol="0">
+            <a:spAutoFit/>
+          </a:bodyPr>
+          <a:lstStyle/>
+          <a:p>
+            <a:r>
+              <a:rPr lang="en-US" sz="1200" b="1" dirty="0">
+                <a:highlight>
+                  <a:srgbClr val="FFFF00"/>
+                </a:highlight>
+              </a:rPr>
+              <a:t>⑤ </a:t>
+            </a:r>
+            <a:r>
+              <a:rPr lang="en-US" sz="1200" b="1" dirty="0" err="1">
+                <a:highlight>
+                  <a:srgbClr val="FFFF00"/>
+                </a:highlight>
+              </a:rPr>
+              <a:t>attestationObject</a:t>
+            </a:r>
+            <a:r>
+              <a:rPr lang="ja-JP" altLang="en-US" sz="1200" b="1">
+                <a:highlight>
+                  <a:srgbClr val="FFFF00"/>
+                </a:highlight>
+              </a:rPr>
+              <a:t>の送付</a:t>
+            </a:r>
+            <a:endParaRPr lang="en-JP" sz="1200" b="1" dirty="0">
+              <a:highlight>
+                <a:srgbClr val="FFFF00"/>
+              </a:highlight>
+            </a:endParaRPr>
+          </a:p>
+        </p:txBody>
+      </p:sp>
+      <p:sp>
+        <p:nvSpPr>
+          <p:cNvPr id="22" name="TextBox 21">
+            <a:extLst>
+              <a:ext uri="{FF2B5EF4-FFF2-40B4-BE49-F238E27FC236}">
+                <a16:creationId xmlns:a16="http://schemas.microsoft.com/office/drawing/2014/main" id="{AB4378D1-3D72-0443-A137-64E51F2AEE9F}"/>
+              </a:ext>
+            </a:extLst>
+          </p:cNvPr>
+          <p:cNvSpPr txBox="1"/>
+          <p:nvPr/>
+        </p:nvSpPr>
+        <p:spPr>
+          <a:xfrm>
+            <a:off x="7292182" y="2123346"/>
+            <a:ext cx="1670650" cy="276999"/>
+          </a:xfrm>
+          <a:prstGeom prst="rect">
+            <a:avLst/>
+          </a:prstGeom>
+          <a:noFill/>
+        </p:spPr>
+        <p:txBody>
+          <a:bodyPr wrap="none" rtlCol="0">
+            <a:spAutoFit/>
+          </a:bodyPr>
+          <a:lstStyle/>
+          <a:p>
+            <a:r>
+              <a:rPr lang="en-JP" sz="1200" b="1" dirty="0">
+                <a:solidFill>
+                  <a:schemeClr val="bg2">
+                    <a:lumMod val="90000"/>
+                  </a:schemeClr>
+                </a:solidFill>
+              </a:rPr>
+              <a:t>⑥ RP</a:t>
+            </a:r>
+            <a:r>
+              <a:rPr lang="ja-JP" altLang="en-US" sz="1200" b="1">
+                <a:solidFill>
+                  <a:schemeClr val="bg2">
+                    <a:lumMod val="90000"/>
+                  </a:schemeClr>
+                </a:solidFill>
+              </a:rPr>
+              <a:t>への応答の生成</a:t>
+            </a:r>
+            <a:endParaRPr lang="en-JP" sz="1200" b="1" dirty="0">
+              <a:solidFill>
+                <a:schemeClr val="bg2">
+                  <a:lumMod val="90000"/>
+                </a:schemeClr>
+              </a:solidFill>
+            </a:endParaRPr>
+          </a:p>
+        </p:txBody>
+      </p:sp>
+      <p:sp>
+        <p:nvSpPr>
+          <p:cNvPr id="23" name="TextBox 22">
+            <a:extLst>
+              <a:ext uri="{FF2B5EF4-FFF2-40B4-BE49-F238E27FC236}">
+                <a16:creationId xmlns:a16="http://schemas.microsoft.com/office/drawing/2014/main" id="{A4AD18DD-7940-D446-A3F4-E64DF3918033}"/>
+              </a:ext>
+            </a:extLst>
+          </p:cNvPr>
+          <p:cNvSpPr txBox="1"/>
+          <p:nvPr/>
+        </p:nvSpPr>
+        <p:spPr>
+          <a:xfrm>
+            <a:off x="7186501" y="84255"/>
+            <a:ext cx="2264730" cy="461665"/>
+          </a:xfrm>
+          <a:prstGeom prst="rect">
+            <a:avLst/>
+          </a:prstGeom>
+          <a:noFill/>
+        </p:spPr>
+        <p:txBody>
+          <a:bodyPr wrap="square" rtlCol="0">
+            <a:spAutoFit/>
+          </a:bodyPr>
+          <a:lstStyle/>
+          <a:p>
+            <a:r>
+              <a:rPr lang="en-JP" sz="1200" b="1" dirty="0">
+                <a:solidFill>
+                  <a:schemeClr val="bg2">
+                    <a:lumMod val="90000"/>
+                  </a:schemeClr>
+                </a:solidFill>
+              </a:rPr>
+              <a:t>⑧</a:t>
+            </a:r>
+            <a:r>
+              <a:rPr lang="ja-JP" altLang="en-US" sz="1200" b="1">
+                <a:solidFill>
+                  <a:schemeClr val="bg2">
+                    <a:lumMod val="90000"/>
+                  </a:schemeClr>
+                </a:solidFill>
+              </a:rPr>
+              <a:t> </a:t>
+            </a:r>
+            <a:r>
+              <a:rPr lang="en-US" altLang="ja-JP" sz="1200" b="1" dirty="0" err="1">
+                <a:solidFill>
+                  <a:schemeClr val="bg2">
+                    <a:lumMod val="90000"/>
+                  </a:schemeClr>
+                </a:solidFill>
+              </a:rPr>
+              <a:t>AttestationResponse</a:t>
+            </a:r>
+            <a:r>
+              <a:rPr lang="ja-JP" altLang="en-US" sz="1200" b="1">
+                <a:solidFill>
+                  <a:schemeClr val="bg2">
+                    <a:lumMod val="90000"/>
+                  </a:schemeClr>
+                </a:solidFill>
+              </a:rPr>
+              <a:t>の検証</a:t>
+            </a:r>
+            <a:endParaRPr lang="en-US" altLang="ja-JP" sz="1200" b="1" dirty="0">
+              <a:solidFill>
+                <a:schemeClr val="bg2">
+                  <a:lumMod val="90000"/>
+                </a:schemeClr>
+              </a:solidFill>
+            </a:endParaRPr>
+          </a:p>
+          <a:p>
+            <a:r>
+              <a:rPr lang="ja-JP" altLang="en-US" sz="1200" b="1">
+                <a:solidFill>
+                  <a:schemeClr val="bg2">
+                    <a:lumMod val="90000"/>
+                  </a:schemeClr>
+                </a:solidFill>
+              </a:rPr>
+              <a:t>　   </a:t>
+            </a:r>
+            <a:r>
+              <a:rPr lang="en-US" altLang="ja-JP" sz="1200" b="1" dirty="0">
+                <a:solidFill>
+                  <a:schemeClr val="bg2">
+                    <a:lumMod val="90000"/>
+                  </a:schemeClr>
+                </a:solidFill>
+              </a:rPr>
+              <a:t>Credential Certificate</a:t>
+            </a:r>
+            <a:r>
+              <a:rPr lang="ja-JP" altLang="en-US" sz="1200" b="1">
+                <a:solidFill>
+                  <a:schemeClr val="bg2">
+                    <a:lumMod val="90000"/>
+                  </a:schemeClr>
+                </a:solidFill>
+              </a:rPr>
+              <a:t>登録</a:t>
+            </a:r>
+            <a:endParaRPr lang="en-JP" sz="1200" b="1" dirty="0">
+              <a:solidFill>
+                <a:schemeClr val="bg2">
+                  <a:lumMod val="90000"/>
+                </a:schemeClr>
+              </a:solidFill>
+            </a:endParaRPr>
+          </a:p>
+        </p:txBody>
+      </p:sp>
+      <p:pic>
+        <p:nvPicPr>
+          <p:cNvPr id="29" name="Picture 28">
+            <a:extLst>
+              <a:ext uri="{FF2B5EF4-FFF2-40B4-BE49-F238E27FC236}">
+                <a16:creationId xmlns:a16="http://schemas.microsoft.com/office/drawing/2014/main" id="{7368AD10-BA72-2548-BD8D-481A34498B6D}"/>
+              </a:ext>
+            </a:extLst>
+          </p:cNvPr>
+          <p:cNvPicPr>
+            <a:picLocks noChangeAspect="1"/>
+          </p:cNvPicPr>
+          <p:nvPr/>
+        </p:nvPicPr>
+        <p:blipFill>
+          <a:blip r:embed="rId3"/>
+          <a:stretch>
+            <a:fillRect/>
+          </a:stretch>
+        </p:blipFill>
+        <p:spPr>
+          <a:xfrm>
+            <a:off x="5651832" y="3907718"/>
+            <a:ext cx="369490" cy="461665"/>
+          </a:xfrm>
+          <a:prstGeom prst="rect">
+            <a:avLst/>
+          </a:prstGeom>
+        </p:spPr>
+      </p:pic>
+      <p:pic>
+        <p:nvPicPr>
+          <p:cNvPr id="30" name="Picture 29">
+            <a:extLst>
+              <a:ext uri="{FF2B5EF4-FFF2-40B4-BE49-F238E27FC236}">
+                <a16:creationId xmlns:a16="http://schemas.microsoft.com/office/drawing/2014/main" id="{9DE219C0-1324-D14E-BEE1-126EAD00A687}"/>
+              </a:ext>
+            </a:extLst>
+          </p:cNvPr>
+          <p:cNvPicPr>
+            <a:picLocks noChangeAspect="1"/>
+          </p:cNvPicPr>
+          <p:nvPr/>
+        </p:nvPicPr>
+        <p:blipFill>
+          <a:blip r:embed="rId4"/>
+          <a:stretch>
+            <a:fillRect/>
+          </a:stretch>
+        </p:blipFill>
+        <p:spPr>
+          <a:xfrm>
+            <a:off x="5651831" y="3983789"/>
+            <a:ext cx="342327" cy="342327"/>
+          </a:xfrm>
+          <a:prstGeom prst="rect">
+            <a:avLst/>
+          </a:prstGeom>
+        </p:spPr>
+      </p:pic>
+      <p:pic>
+        <p:nvPicPr>
+          <p:cNvPr id="31" name="Picture 30">
+            <a:extLst>
+              <a:ext uri="{FF2B5EF4-FFF2-40B4-BE49-F238E27FC236}">
+                <a16:creationId xmlns:a16="http://schemas.microsoft.com/office/drawing/2014/main" id="{A66662D6-03CB-AB4A-87F8-3041B461665C}"/>
+              </a:ext>
+            </a:extLst>
+          </p:cNvPr>
+          <p:cNvPicPr>
+            <a:picLocks noChangeAspect="1"/>
+          </p:cNvPicPr>
+          <p:nvPr/>
+        </p:nvPicPr>
+        <p:blipFill>
+          <a:blip r:embed="rId5"/>
+          <a:stretch>
+            <a:fillRect/>
+          </a:stretch>
+        </p:blipFill>
+        <p:spPr>
+          <a:xfrm>
+            <a:off x="4530619" y="3956613"/>
+            <a:ext cx="407646" cy="407646"/>
+          </a:xfrm>
+          <a:prstGeom prst="rect">
+            <a:avLst/>
+          </a:prstGeom>
+        </p:spPr>
+      </p:pic>
+      <p:sp>
+        <p:nvSpPr>
+          <p:cNvPr id="32" name="TextBox 31">
+            <a:extLst>
+              <a:ext uri="{FF2B5EF4-FFF2-40B4-BE49-F238E27FC236}">
+                <a16:creationId xmlns:a16="http://schemas.microsoft.com/office/drawing/2014/main" id="{969BED74-38CB-4148-881C-135F38EE66F3}"/>
+              </a:ext>
+            </a:extLst>
+          </p:cNvPr>
+          <p:cNvSpPr txBox="1"/>
+          <p:nvPr/>
+        </p:nvSpPr>
+        <p:spPr>
+          <a:xfrm>
+            <a:off x="4836191" y="3937811"/>
+            <a:ext cx="838691" cy="430887"/>
+          </a:xfrm>
+          <a:prstGeom prst="rect">
+            <a:avLst/>
+          </a:prstGeom>
+          <a:noFill/>
+        </p:spPr>
+        <p:txBody>
+          <a:bodyPr wrap="none" rtlCol="0">
+            <a:spAutoFit/>
+          </a:bodyPr>
+          <a:lstStyle/>
+          <a:p>
+            <a:pPr algn="ctr"/>
+            <a:r>
+              <a:rPr lang="en-US" altLang="ja-JP" sz="1100" b="1" dirty="0"/>
+              <a:t>Credential</a:t>
+            </a:r>
+          </a:p>
+          <a:p>
+            <a:pPr algn="ctr"/>
+            <a:r>
+              <a:rPr lang="en-US" altLang="ja-JP" sz="1100" b="1" dirty="0"/>
+              <a:t>Private key</a:t>
+            </a:r>
+            <a:endParaRPr lang="en-JP" sz="1100" b="1" dirty="0"/>
+          </a:p>
+        </p:txBody>
+      </p:sp>
+      <p:sp>
+        <p:nvSpPr>
+          <p:cNvPr id="33" name="TextBox 32">
+            <a:extLst>
+              <a:ext uri="{FF2B5EF4-FFF2-40B4-BE49-F238E27FC236}">
+                <a16:creationId xmlns:a16="http://schemas.microsoft.com/office/drawing/2014/main" id="{635EA6E4-C0ED-A74A-B366-C5D526D7F5B8}"/>
+              </a:ext>
+            </a:extLst>
+          </p:cNvPr>
+          <p:cNvSpPr txBox="1"/>
+          <p:nvPr/>
+        </p:nvSpPr>
+        <p:spPr>
+          <a:xfrm>
+            <a:off x="5980454" y="3933768"/>
+            <a:ext cx="790601" cy="430887"/>
+          </a:xfrm>
+          <a:prstGeom prst="rect">
+            <a:avLst/>
+          </a:prstGeom>
+          <a:noFill/>
+        </p:spPr>
+        <p:txBody>
+          <a:bodyPr wrap="none" rtlCol="0">
+            <a:spAutoFit/>
+          </a:bodyPr>
+          <a:lstStyle/>
+          <a:p>
+            <a:pPr algn="ctr"/>
+            <a:r>
+              <a:rPr lang="en-US" altLang="ja-JP" sz="1100" b="1" dirty="0"/>
+              <a:t>Credential</a:t>
+            </a:r>
+            <a:br>
+              <a:rPr lang="en-US" altLang="ja-JP" sz="1100" b="1" dirty="0"/>
+            </a:br>
+            <a:r>
+              <a:rPr lang="en-US" altLang="ja-JP" sz="1100" b="1" dirty="0"/>
+              <a:t>Certificate</a:t>
+            </a:r>
+          </a:p>
+        </p:txBody>
+      </p:sp>
+      <p:pic>
+        <p:nvPicPr>
+          <p:cNvPr id="37" name="Picture 36">
+            <a:extLst>
+              <a:ext uri="{FF2B5EF4-FFF2-40B4-BE49-F238E27FC236}">
+                <a16:creationId xmlns:a16="http://schemas.microsoft.com/office/drawing/2014/main" id="{0BF9C03C-22E7-3A49-8433-C0F077261303}"/>
+              </a:ext>
+            </a:extLst>
+          </p:cNvPr>
+          <p:cNvPicPr>
+            <a:picLocks noChangeAspect="1"/>
+          </p:cNvPicPr>
+          <p:nvPr/>
+        </p:nvPicPr>
+        <p:blipFill>
+          <a:blip r:embed="rId3"/>
+          <a:stretch>
+            <a:fillRect/>
+          </a:stretch>
+        </p:blipFill>
+        <p:spPr>
+          <a:xfrm>
+            <a:off x="6845980" y="2849410"/>
+            <a:ext cx="369490" cy="461665"/>
+          </a:xfrm>
+          <a:prstGeom prst="rect">
+            <a:avLst/>
+          </a:prstGeom>
+        </p:spPr>
+      </p:pic>
+      <p:pic>
+        <p:nvPicPr>
+          <p:cNvPr id="38" name="Picture 37">
+            <a:extLst>
+              <a:ext uri="{FF2B5EF4-FFF2-40B4-BE49-F238E27FC236}">
+                <a16:creationId xmlns:a16="http://schemas.microsoft.com/office/drawing/2014/main" id="{7AABA3A2-EE0C-A645-950B-120C01208E76}"/>
+              </a:ext>
+            </a:extLst>
+          </p:cNvPr>
+          <p:cNvPicPr>
+            <a:picLocks noChangeAspect="1"/>
+          </p:cNvPicPr>
+          <p:nvPr/>
+        </p:nvPicPr>
+        <p:blipFill>
+          <a:blip r:embed="rId4"/>
+          <a:stretch>
+            <a:fillRect/>
+          </a:stretch>
+        </p:blipFill>
+        <p:spPr>
+          <a:xfrm>
+            <a:off x="6845979" y="2925481"/>
+            <a:ext cx="342327" cy="342327"/>
+          </a:xfrm>
+          <a:prstGeom prst="rect">
+            <a:avLst/>
+          </a:prstGeom>
+        </p:spPr>
+      </p:pic>
+      <p:pic>
+        <p:nvPicPr>
+          <p:cNvPr id="39" name="Picture 38">
+            <a:extLst>
+              <a:ext uri="{FF2B5EF4-FFF2-40B4-BE49-F238E27FC236}">
+                <a16:creationId xmlns:a16="http://schemas.microsoft.com/office/drawing/2014/main" id="{EAEAAB36-75E2-2D47-A977-EDF19F60A327}"/>
+              </a:ext>
+            </a:extLst>
+          </p:cNvPr>
+          <p:cNvPicPr>
+            <a:picLocks noChangeAspect="1"/>
+          </p:cNvPicPr>
+          <p:nvPr/>
+        </p:nvPicPr>
+        <p:blipFill>
+          <a:blip r:embed="rId3"/>
+          <a:stretch>
+            <a:fillRect/>
+          </a:stretch>
+        </p:blipFill>
+        <p:spPr>
+          <a:xfrm>
+            <a:off x="6844175" y="1157877"/>
+            <a:ext cx="369490" cy="461665"/>
+          </a:xfrm>
+          <a:prstGeom prst="rect">
+            <a:avLst/>
+          </a:prstGeom>
+        </p:spPr>
+      </p:pic>
+      <p:pic>
+        <p:nvPicPr>
+          <p:cNvPr id="40" name="Picture 39">
+            <a:extLst>
+              <a:ext uri="{FF2B5EF4-FFF2-40B4-BE49-F238E27FC236}">
+                <a16:creationId xmlns:a16="http://schemas.microsoft.com/office/drawing/2014/main" id="{3E319ED5-4EEC-E049-93AA-C8BF14A935E8}"/>
+              </a:ext>
+            </a:extLst>
+          </p:cNvPr>
+          <p:cNvPicPr>
+            <a:picLocks noChangeAspect="1"/>
+          </p:cNvPicPr>
+          <p:nvPr/>
+        </p:nvPicPr>
+        <p:blipFill>
+          <a:blip r:embed="rId4"/>
+          <a:stretch>
+            <a:fillRect/>
+          </a:stretch>
+        </p:blipFill>
+        <p:spPr>
+          <a:xfrm>
+            <a:off x="6844174" y="1233948"/>
+            <a:ext cx="342327" cy="342327"/>
+          </a:xfrm>
+          <a:prstGeom prst="rect">
+            <a:avLst/>
+          </a:prstGeom>
+        </p:spPr>
+      </p:pic>
+      <p:pic>
+        <p:nvPicPr>
+          <p:cNvPr id="41" name="Picture 40">
+            <a:extLst>
+              <a:ext uri="{FF2B5EF4-FFF2-40B4-BE49-F238E27FC236}">
+                <a16:creationId xmlns:a16="http://schemas.microsoft.com/office/drawing/2014/main" id="{5280AB8C-F5A4-5940-8ABF-B330E0A290B1}"/>
+              </a:ext>
+            </a:extLst>
+          </p:cNvPr>
+          <p:cNvPicPr>
+            <a:picLocks noChangeAspect="1"/>
+          </p:cNvPicPr>
+          <p:nvPr/>
+        </p:nvPicPr>
+        <p:blipFill>
+          <a:blip r:embed="rId3"/>
+          <a:stretch>
+            <a:fillRect/>
+          </a:stretch>
+        </p:blipFill>
+        <p:spPr>
+          <a:xfrm>
+            <a:off x="6856227" y="69719"/>
+            <a:ext cx="369490" cy="461665"/>
+          </a:xfrm>
+          <a:prstGeom prst="rect">
+            <a:avLst/>
+          </a:prstGeom>
+        </p:spPr>
+      </p:pic>
+      <p:pic>
+        <p:nvPicPr>
+          <p:cNvPr id="42" name="Picture 41">
+            <a:extLst>
+              <a:ext uri="{FF2B5EF4-FFF2-40B4-BE49-F238E27FC236}">
+                <a16:creationId xmlns:a16="http://schemas.microsoft.com/office/drawing/2014/main" id="{4A776D00-91B5-2F4D-84A9-7B951965CAB1}"/>
+              </a:ext>
+            </a:extLst>
+          </p:cNvPr>
+          <p:cNvPicPr>
+            <a:picLocks noChangeAspect="1"/>
+          </p:cNvPicPr>
+          <p:nvPr/>
+        </p:nvPicPr>
+        <p:blipFill>
+          <a:blip r:embed="rId4"/>
+          <a:stretch>
+            <a:fillRect/>
+          </a:stretch>
+        </p:blipFill>
+        <p:spPr>
+          <a:xfrm>
+            <a:off x="6856226" y="145790"/>
+            <a:ext cx="342327" cy="342327"/>
+          </a:xfrm>
+          <a:prstGeom prst="rect">
+            <a:avLst/>
+          </a:prstGeom>
+        </p:spPr>
+      </p:pic>
+      <p:sp>
+        <p:nvSpPr>
+          <p:cNvPr id="2" name="TextBox 1">
+            <a:extLst>
+              <a:ext uri="{FF2B5EF4-FFF2-40B4-BE49-F238E27FC236}">
+                <a16:creationId xmlns:a16="http://schemas.microsoft.com/office/drawing/2014/main" id="{1BBB916A-07E1-934E-8172-CA95599A153E}"/>
+              </a:ext>
+            </a:extLst>
+          </p:cNvPr>
+          <p:cNvSpPr txBox="1"/>
+          <p:nvPr/>
+        </p:nvSpPr>
+        <p:spPr>
+          <a:xfrm rot="19887843">
+            <a:off x="6691011" y="1574"/>
+            <a:ext cx="614271" cy="369332"/>
+          </a:xfrm>
+          <a:prstGeom prst="rect">
+            <a:avLst/>
+          </a:prstGeom>
+          <a:noFill/>
+        </p:spPr>
+        <p:txBody>
+          <a:bodyPr wrap="none" rtlCol="0">
+            <a:spAutoFit/>
+          </a:bodyPr>
+          <a:lstStyle/>
+          <a:p>
+            <a:r>
+              <a:rPr lang="en-JP" dirty="0">
+                <a:solidFill>
+                  <a:srgbClr val="FF0000"/>
+                </a:solidFill>
+                <a:latin typeface="Phosphate Inline" panose="02000506050000020004" pitchFamily="2" charset="77"/>
+                <a:cs typeface="Phosphate Inline" panose="02000506050000020004" pitchFamily="2" charset="77"/>
+              </a:rPr>
+              <a:t>OK !</a:t>
+            </a:r>
+          </a:p>
+        </p:txBody>
+      </p:sp>
+      <p:sp>
+        <p:nvSpPr>
+          <p:cNvPr id="34" name="TextBox 33">
+            <a:extLst>
+              <a:ext uri="{FF2B5EF4-FFF2-40B4-BE49-F238E27FC236}">
+                <a16:creationId xmlns:a16="http://schemas.microsoft.com/office/drawing/2014/main" id="{F2972BFC-D727-F54B-9014-D83BE51FA924}"/>
+              </a:ext>
+            </a:extLst>
+          </p:cNvPr>
+          <p:cNvSpPr txBox="1"/>
+          <p:nvPr/>
+        </p:nvSpPr>
+        <p:spPr>
+          <a:xfrm>
+            <a:off x="2196176" y="1157877"/>
+            <a:ext cx="2698880" cy="461665"/>
+          </a:xfrm>
+          <a:prstGeom prst="rect">
+            <a:avLst/>
+          </a:prstGeom>
+          <a:noFill/>
+        </p:spPr>
+        <p:txBody>
+          <a:bodyPr wrap="none" rtlCol="0">
+            <a:spAutoFit/>
+          </a:bodyPr>
+          <a:lstStyle/>
+          <a:p>
+            <a:r>
+              <a:rPr lang="en-JP" sz="1200" b="1" dirty="0">
+                <a:solidFill>
+                  <a:schemeClr val="bg2">
+                    <a:lumMod val="90000"/>
+                  </a:schemeClr>
+                </a:solidFill>
+              </a:rPr>
+              <a:t>①</a:t>
+            </a:r>
+            <a:r>
+              <a:rPr lang="ja-JP" altLang="en-US" sz="1200" b="1">
+                <a:solidFill>
+                  <a:schemeClr val="bg2">
+                    <a:lumMod val="90000"/>
+                  </a:schemeClr>
+                </a:solidFill>
+              </a:rPr>
+              <a:t> </a:t>
+            </a:r>
+            <a:r>
+              <a:rPr lang="en-US" altLang="ja-JP" sz="1200" b="1" dirty="0">
+                <a:solidFill>
+                  <a:schemeClr val="bg2">
+                    <a:lumMod val="90000"/>
+                  </a:schemeClr>
+                </a:solidFill>
+              </a:rPr>
+              <a:t>Credential Certificate</a:t>
+            </a:r>
+            <a:r>
+              <a:rPr lang="ja-JP" altLang="en-US" sz="1200" b="1">
+                <a:solidFill>
+                  <a:schemeClr val="bg2">
+                    <a:lumMod val="90000"/>
+                  </a:schemeClr>
+                </a:solidFill>
+              </a:rPr>
+              <a:t>生成のための</a:t>
+            </a:r>
+            <a:endParaRPr lang="en-US" altLang="ja-JP" sz="1200" b="1" dirty="0">
+              <a:solidFill>
+                <a:schemeClr val="bg2">
+                  <a:lumMod val="90000"/>
+                </a:schemeClr>
+              </a:solidFill>
+            </a:endParaRPr>
+          </a:p>
+          <a:p>
+            <a:r>
+              <a:rPr lang="ja-JP" altLang="en-US" sz="1200" b="1">
+                <a:solidFill>
+                  <a:schemeClr val="bg2">
+                    <a:lumMod val="90000"/>
+                  </a:schemeClr>
+                </a:solidFill>
+              </a:rPr>
+              <a:t>　  パラメータ送付</a:t>
+            </a:r>
+            <a:endParaRPr lang="en-JP" sz="1200" b="1" dirty="0">
+              <a:solidFill>
+                <a:schemeClr val="bg2">
+                  <a:lumMod val="90000"/>
+                </a:schemeClr>
+              </a:solidFill>
+            </a:endParaRPr>
+          </a:p>
+        </p:txBody>
+      </p:sp>
+      <p:sp>
+        <p:nvSpPr>
+          <p:cNvPr id="35" name="TextBox 34">
+            <a:extLst>
+              <a:ext uri="{FF2B5EF4-FFF2-40B4-BE49-F238E27FC236}">
+                <a16:creationId xmlns:a16="http://schemas.microsoft.com/office/drawing/2014/main" id="{494F0802-E491-7D49-BDC3-35331A5543E0}"/>
+              </a:ext>
+            </a:extLst>
+          </p:cNvPr>
+          <p:cNvSpPr txBox="1"/>
+          <p:nvPr/>
+        </p:nvSpPr>
+        <p:spPr>
+          <a:xfrm>
+            <a:off x="1574667" y="2012954"/>
+            <a:ext cx="3153620" cy="461665"/>
+          </a:xfrm>
+          <a:prstGeom prst="rect">
+            <a:avLst/>
+          </a:prstGeom>
+          <a:noFill/>
+        </p:spPr>
+        <p:txBody>
+          <a:bodyPr wrap="none" rtlCol="0">
+            <a:spAutoFit/>
+          </a:bodyPr>
+          <a:lstStyle/>
+          <a:p>
+            <a:r>
+              <a:rPr lang="en-JP" sz="1200" b="1" dirty="0">
+                <a:solidFill>
+                  <a:schemeClr val="bg2">
+                    <a:lumMod val="90000"/>
+                  </a:schemeClr>
+                </a:solidFill>
+              </a:rPr>
+              <a:t>② </a:t>
+            </a:r>
+            <a:r>
+              <a:rPr lang="en-US" altLang="ja-JP" sz="1200" b="1" dirty="0" err="1">
+                <a:solidFill>
+                  <a:schemeClr val="bg2">
+                    <a:lumMod val="90000"/>
+                  </a:schemeClr>
+                </a:solidFill>
+              </a:rPr>
+              <a:t>PublicKeyCredentialCreationOption</a:t>
+            </a:r>
+            <a:r>
+              <a:rPr lang="ja-JP" altLang="en-US" sz="1200" b="1">
+                <a:solidFill>
+                  <a:schemeClr val="bg2">
+                    <a:lumMod val="90000"/>
+                  </a:schemeClr>
+                </a:solidFill>
+              </a:rPr>
+              <a:t>生成、</a:t>
+            </a:r>
+            <a:endParaRPr lang="en-US" altLang="ja-JP" sz="1200" b="1" dirty="0">
+              <a:solidFill>
+                <a:schemeClr val="bg2">
+                  <a:lumMod val="90000"/>
+                </a:schemeClr>
+              </a:solidFill>
+            </a:endParaRPr>
+          </a:p>
+          <a:p>
+            <a:r>
+              <a:rPr lang="ja-JP" altLang="en-US" sz="1200" b="1">
+                <a:solidFill>
+                  <a:schemeClr val="bg2">
+                    <a:lumMod val="90000"/>
+                  </a:schemeClr>
+                </a:solidFill>
+              </a:rPr>
+              <a:t>　  認証器へ</a:t>
+            </a:r>
+            <a:r>
+              <a:rPr lang="en-US" altLang="ja-JP" sz="1200" b="1" dirty="0">
+                <a:solidFill>
+                  <a:schemeClr val="bg2">
+                    <a:lumMod val="90000"/>
+                  </a:schemeClr>
+                </a:solidFill>
+              </a:rPr>
+              <a:t>Credential</a:t>
+            </a:r>
+            <a:r>
+              <a:rPr lang="ja-JP" altLang="en-US" sz="1200" b="1">
+                <a:solidFill>
+                  <a:schemeClr val="bg2">
+                    <a:lumMod val="90000"/>
+                  </a:schemeClr>
+                </a:solidFill>
+              </a:rPr>
+              <a:t>生成要求</a:t>
+            </a:r>
+            <a:endParaRPr lang="en-JP" sz="1200" b="1" dirty="0">
+              <a:solidFill>
+                <a:schemeClr val="bg2">
+                  <a:lumMod val="90000"/>
+                </a:schemeClr>
+              </a:solidFill>
+            </a:endParaRPr>
+          </a:p>
+        </p:txBody>
+      </p:sp>
+    </p:spTree>
+    <p:extLst>
+      <p:ext uri="{BB962C8B-B14F-4D97-AF65-F5344CB8AC3E}">
+        <p14:creationId xmlns:p14="http://schemas.microsoft.com/office/powerpoint/2010/main" val="1841344675"/>
+      </p:ext>
+    </p:extLst>
+  </p:cSld>
+  <p:clrMapOvr>
+    <a:masterClrMapping/>
+  </p:clrMapOvr>
+</p:sld>
+</file>
+
+<file path=ppt/slides/slide15.xml><?xml version="1.0" encoding="utf-8"?>
+<p:sld xmlns:a="http://schemas.openxmlformats.org/drawingml/2006/main" xmlns:r="http://schemas.openxmlformats.org/officeDocument/2006/relationships" xmlns:p="http://schemas.openxmlformats.org/presentationml/2006/main">
+  <p:cSld>
+    <p:spTree>
+      <p:nvGrpSpPr>
+        <p:cNvPr id="1" name=""/>
+        <p:cNvGrpSpPr/>
+        <p:nvPr/>
+      </p:nvGrpSpPr>
+      <p:grpSpPr>
+        <a:xfrm>
+          <a:off x="0" y="0"/>
+          <a:ext cx="0" cy="0"/>
+          <a:chOff x="0" y="0"/>
+          <a:chExt cx="0" cy="0"/>
+        </a:xfrm>
+      </p:grpSpPr>
+      <p:pic>
+        <p:nvPicPr>
+          <p:cNvPr id="4" name="Picture 3">
+            <a:extLst>
+              <a:ext uri="{FF2B5EF4-FFF2-40B4-BE49-F238E27FC236}">
+                <a16:creationId xmlns:a16="http://schemas.microsoft.com/office/drawing/2014/main" id="{7BB16E77-4C5A-EE4B-8951-017E2E34B25A}"/>
+              </a:ext>
+            </a:extLst>
+          </p:cNvPr>
+          <p:cNvPicPr>
+            <a:picLocks noChangeAspect="1"/>
+          </p:cNvPicPr>
+          <p:nvPr/>
+        </p:nvPicPr>
+        <p:blipFill>
+          <a:blip r:embed="rId2"/>
+          <a:stretch>
+            <a:fillRect/>
+          </a:stretch>
+        </p:blipFill>
+        <p:spPr>
+          <a:xfrm>
+            <a:off x="6738971" y="3382023"/>
+            <a:ext cx="548837" cy="548837"/>
+          </a:xfrm>
+          <a:prstGeom prst="rect">
+            <a:avLst/>
+          </a:prstGeom>
+        </p:spPr>
+      </p:pic>
+      <p:sp>
+        <p:nvSpPr>
+          <p:cNvPr id="5" name="Rounded Rectangle 4">
+            <a:extLst>
+              <a:ext uri="{FF2B5EF4-FFF2-40B4-BE49-F238E27FC236}">
+                <a16:creationId xmlns:a16="http://schemas.microsoft.com/office/drawing/2014/main" id="{DE13ECB7-BAE5-AE44-B6FA-E837ED650D36}"/>
+              </a:ext>
+            </a:extLst>
+          </p:cNvPr>
+          <p:cNvSpPr/>
+          <p:nvPr/>
+        </p:nvSpPr>
+        <p:spPr>
+          <a:xfrm>
+            <a:off x="4530619" y="1796167"/>
+            <a:ext cx="2771041" cy="369332"/>
+          </a:xfrm>
+          <a:prstGeom prst="roundRect">
+            <a:avLst/>
+          </a:prstGeom>
+          <a:ln w="28575"/>
+        </p:spPr>
+        <p:style>
+          <a:lnRef idx="2">
+            <a:schemeClr val="accent2"/>
+          </a:lnRef>
+          <a:fillRef idx="1">
+            <a:schemeClr val="lt1"/>
+          </a:fillRef>
+          <a:effectRef idx="0">
+            <a:schemeClr val="accent2"/>
+          </a:effectRef>
+          <a:fontRef idx="minor">
+            <a:schemeClr val="dk1"/>
+          </a:fontRef>
+        </p:style>
+        <p:txBody>
+          <a:bodyPr rtlCol="0" anchor="ctr"/>
+          <a:lstStyle/>
+          <a:p>
+            <a:pPr algn="ctr"/>
+            <a:r>
+              <a:rPr lang="en-US" b="1" dirty="0"/>
+              <a:t>Web App</a:t>
+            </a:r>
+            <a:endParaRPr lang="en-JP" b="1" dirty="0"/>
+          </a:p>
+        </p:txBody>
+      </p:sp>
+      <p:sp>
+        <p:nvSpPr>
+          <p:cNvPr id="6" name="Rounded Rectangle 5">
+            <a:extLst>
+              <a:ext uri="{FF2B5EF4-FFF2-40B4-BE49-F238E27FC236}">
+                <a16:creationId xmlns:a16="http://schemas.microsoft.com/office/drawing/2014/main" id="{7EC16796-AA12-7642-9453-F8A3E98CA0F1}"/>
+              </a:ext>
+            </a:extLst>
+          </p:cNvPr>
+          <p:cNvSpPr/>
+          <p:nvPr/>
+        </p:nvSpPr>
+        <p:spPr>
+          <a:xfrm>
+            <a:off x="4530619" y="2323503"/>
+            <a:ext cx="2771041" cy="369332"/>
+          </a:xfrm>
+          <a:prstGeom prst="roundRect">
+            <a:avLst/>
+          </a:prstGeom>
+          <a:ln w="28575"/>
+        </p:spPr>
+        <p:style>
+          <a:lnRef idx="2">
+            <a:schemeClr val="accent1"/>
+          </a:lnRef>
+          <a:fillRef idx="1">
+            <a:schemeClr val="lt1"/>
+          </a:fillRef>
+          <a:effectRef idx="0">
+            <a:schemeClr val="accent1"/>
+          </a:effectRef>
+          <a:fontRef idx="minor">
+            <a:schemeClr val="dk1"/>
+          </a:fontRef>
+        </p:style>
+        <p:txBody>
+          <a:bodyPr rtlCol="0" anchor="ctr"/>
+          <a:lstStyle/>
+          <a:p>
+            <a:pPr algn="ctr"/>
+            <a:r>
+              <a:rPr lang="en-US" b="1" dirty="0"/>
+              <a:t>Browser</a:t>
+            </a:r>
+            <a:endParaRPr lang="en-JP" b="1" dirty="0"/>
+          </a:p>
+        </p:txBody>
+      </p:sp>
+      <p:sp>
+        <p:nvSpPr>
+          <p:cNvPr id="7" name="Rounded Rectangle 6">
+            <a:extLst>
+              <a:ext uri="{FF2B5EF4-FFF2-40B4-BE49-F238E27FC236}">
+                <a16:creationId xmlns:a16="http://schemas.microsoft.com/office/drawing/2014/main" id="{667C2817-EB5F-234E-B260-12E87E4C5165}"/>
+              </a:ext>
+            </a:extLst>
+          </p:cNvPr>
+          <p:cNvSpPr/>
+          <p:nvPr/>
+        </p:nvSpPr>
+        <p:spPr>
+          <a:xfrm>
+            <a:off x="4530619" y="626795"/>
+            <a:ext cx="2771041" cy="369332"/>
+          </a:xfrm>
+          <a:prstGeom prst="roundRect">
+            <a:avLst/>
+          </a:prstGeom>
+          <a:ln w="28575"/>
+        </p:spPr>
+        <p:style>
+          <a:lnRef idx="2">
+            <a:schemeClr val="dk1"/>
+          </a:lnRef>
+          <a:fillRef idx="1">
+            <a:schemeClr val="lt1"/>
+          </a:fillRef>
+          <a:effectRef idx="0">
+            <a:schemeClr val="dk1"/>
+          </a:effectRef>
+          <a:fontRef idx="minor">
+            <a:schemeClr val="dk1"/>
+          </a:fontRef>
+        </p:style>
+        <p:txBody>
+          <a:bodyPr rtlCol="0" anchor="ctr"/>
+          <a:lstStyle/>
+          <a:p>
+            <a:pPr algn="ctr"/>
+            <a:r>
+              <a:rPr lang="en-US" b="1" dirty="0"/>
+              <a:t>Relying Party</a:t>
+            </a:r>
+            <a:r>
+              <a:rPr lang="ja-JP" altLang="en-US" b="1"/>
+              <a:t> </a:t>
+            </a:r>
+            <a:r>
+              <a:rPr lang="en-US" altLang="ja-JP" b="1" dirty="0"/>
+              <a:t>(RP)</a:t>
+            </a:r>
+            <a:endParaRPr lang="en-JP" b="1" dirty="0"/>
+          </a:p>
+        </p:txBody>
+      </p:sp>
+      <p:cxnSp>
+        <p:nvCxnSpPr>
+          <p:cNvPr id="8" name="Straight Arrow Connector 7">
+            <a:extLst>
+              <a:ext uri="{FF2B5EF4-FFF2-40B4-BE49-F238E27FC236}">
+                <a16:creationId xmlns:a16="http://schemas.microsoft.com/office/drawing/2014/main" id="{E3E40130-3BED-B941-88CF-D1299972173E}"/>
+              </a:ext>
+            </a:extLst>
+          </p:cNvPr>
+          <p:cNvCxnSpPr/>
+          <p:nvPr/>
+        </p:nvCxnSpPr>
+        <p:spPr>
+          <a:xfrm>
+            <a:off x="4961593" y="2709706"/>
+            <a:ext cx="0" cy="778523"/>
+          </a:xfrm>
+          <a:prstGeom prst="straightConnector1">
+            <a:avLst/>
+          </a:prstGeom>
+          <a:ln w="28575">
+            <a:tailEnd type="triangle"/>
+          </a:ln>
+        </p:spPr>
+        <p:style>
+          <a:lnRef idx="1">
+            <a:schemeClr val="accent1"/>
+          </a:lnRef>
+          <a:fillRef idx="0">
+            <a:schemeClr val="accent1"/>
+          </a:fillRef>
+          <a:effectRef idx="0">
+            <a:schemeClr val="accent1"/>
+          </a:effectRef>
+          <a:fontRef idx="minor">
+            <a:schemeClr val="tx1"/>
+          </a:fontRef>
+        </p:style>
+      </p:cxnSp>
+      <p:cxnSp>
+        <p:nvCxnSpPr>
+          <p:cNvPr id="9" name="Straight Arrow Connector 8">
+            <a:extLst>
+              <a:ext uri="{FF2B5EF4-FFF2-40B4-BE49-F238E27FC236}">
+                <a16:creationId xmlns:a16="http://schemas.microsoft.com/office/drawing/2014/main" id="{9E3EB259-E7FF-D047-8D6B-D88B029D6503}"/>
+              </a:ext>
+            </a:extLst>
+          </p:cNvPr>
+          <p:cNvCxnSpPr>
+            <a:cxnSpLocks/>
+          </p:cNvCxnSpPr>
+          <p:nvPr/>
+        </p:nvCxnSpPr>
+        <p:spPr>
+          <a:xfrm flipV="1">
+            <a:off x="6792475" y="2682077"/>
+            <a:ext cx="0" cy="778524"/>
+          </a:xfrm>
+          <a:prstGeom prst="straightConnector1">
+            <a:avLst/>
+          </a:prstGeom>
+          <a:ln w="28575">
+            <a:tailEnd type="triangle"/>
+          </a:ln>
+        </p:spPr>
+        <p:style>
+          <a:lnRef idx="1">
+            <a:schemeClr val="accent1"/>
+          </a:lnRef>
+          <a:fillRef idx="0">
+            <a:schemeClr val="accent1"/>
+          </a:fillRef>
+          <a:effectRef idx="0">
+            <a:schemeClr val="accent1"/>
+          </a:effectRef>
+          <a:fontRef idx="minor">
+            <a:schemeClr val="tx1"/>
+          </a:fontRef>
+        </p:style>
+      </p:cxnSp>
+      <p:cxnSp>
+        <p:nvCxnSpPr>
+          <p:cNvPr id="10" name="Straight Arrow Connector 9">
+            <a:extLst>
+              <a:ext uri="{FF2B5EF4-FFF2-40B4-BE49-F238E27FC236}">
+                <a16:creationId xmlns:a16="http://schemas.microsoft.com/office/drawing/2014/main" id="{1493BA4F-6CA1-1749-8DEF-907D657C82A8}"/>
+              </a:ext>
+            </a:extLst>
+          </p:cNvPr>
+          <p:cNvCxnSpPr/>
+          <p:nvPr/>
+        </p:nvCxnSpPr>
+        <p:spPr>
+          <a:xfrm>
+            <a:off x="4961593" y="996127"/>
+            <a:ext cx="0" cy="778523"/>
+          </a:xfrm>
+          <a:prstGeom prst="straightConnector1">
+            <a:avLst/>
+          </a:prstGeom>
+          <a:ln w="28575">
+            <a:solidFill>
+              <a:schemeClr val="accent2"/>
+            </a:solidFill>
+            <a:tailEnd type="triangle"/>
+          </a:ln>
+        </p:spPr>
+        <p:style>
+          <a:lnRef idx="1">
+            <a:schemeClr val="accent1"/>
+          </a:lnRef>
+          <a:fillRef idx="0">
+            <a:schemeClr val="accent1"/>
+          </a:fillRef>
+          <a:effectRef idx="0">
+            <a:schemeClr val="accent1"/>
+          </a:effectRef>
+          <a:fontRef idx="minor">
+            <a:schemeClr val="tx1"/>
+          </a:fontRef>
+        </p:style>
+      </p:cxnSp>
+      <p:cxnSp>
+        <p:nvCxnSpPr>
+          <p:cNvPr id="11" name="Straight Arrow Connector 10">
+            <a:extLst>
+              <a:ext uri="{FF2B5EF4-FFF2-40B4-BE49-F238E27FC236}">
+                <a16:creationId xmlns:a16="http://schemas.microsoft.com/office/drawing/2014/main" id="{A0566FA4-7A0D-9347-9D4C-6667961C2B07}"/>
+              </a:ext>
+            </a:extLst>
+          </p:cNvPr>
+          <p:cNvCxnSpPr>
+            <a:cxnSpLocks/>
+          </p:cNvCxnSpPr>
+          <p:nvPr/>
+        </p:nvCxnSpPr>
+        <p:spPr>
+          <a:xfrm flipV="1">
+            <a:off x="6787421" y="996127"/>
+            <a:ext cx="0" cy="778524"/>
+          </a:xfrm>
+          <a:prstGeom prst="straightConnector1">
+            <a:avLst/>
+          </a:prstGeom>
+          <a:ln w="28575">
+            <a:solidFill>
+              <a:schemeClr val="accent2"/>
+            </a:solidFill>
+            <a:tailEnd type="triangle"/>
+          </a:ln>
+        </p:spPr>
+        <p:style>
+          <a:lnRef idx="1">
+            <a:schemeClr val="accent1"/>
+          </a:lnRef>
+          <a:fillRef idx="0">
+            <a:schemeClr val="accent1"/>
+          </a:fillRef>
+          <a:effectRef idx="0">
+            <a:schemeClr val="accent1"/>
+          </a:effectRef>
+          <a:fontRef idx="minor">
+            <a:schemeClr val="tx1"/>
+          </a:fontRef>
+        </p:style>
+      </p:cxnSp>
+      <p:sp>
+        <p:nvSpPr>
+          <p:cNvPr id="12" name="Rounded Rectangle 11">
+            <a:extLst>
+              <a:ext uri="{FF2B5EF4-FFF2-40B4-BE49-F238E27FC236}">
+                <a16:creationId xmlns:a16="http://schemas.microsoft.com/office/drawing/2014/main" id="{1A8FA66B-4F4F-6341-B599-4D64AD97C0A9}"/>
+              </a:ext>
+            </a:extLst>
+          </p:cNvPr>
+          <p:cNvSpPr/>
+          <p:nvPr/>
+        </p:nvSpPr>
+        <p:spPr>
+          <a:xfrm>
+            <a:off x="4530620" y="3467371"/>
+            <a:ext cx="2771040" cy="369332"/>
+          </a:xfrm>
+          <a:prstGeom prst="roundRect">
+            <a:avLst/>
+          </a:prstGeom>
+          <a:noFill/>
+          <a:ln w="28575"/>
+        </p:spPr>
+        <p:style>
+          <a:lnRef idx="2">
+            <a:schemeClr val="accent1">
+              <a:shade val="50000"/>
+            </a:schemeClr>
+          </a:lnRef>
+          <a:fillRef idx="1">
+            <a:schemeClr val="accent1"/>
+          </a:fillRef>
+          <a:effectRef idx="0">
+            <a:schemeClr val="accent1"/>
+          </a:effectRef>
+          <a:fontRef idx="minor">
+            <a:schemeClr val="lt1"/>
+          </a:fontRef>
+        </p:style>
+        <p:txBody>
+          <a:bodyPr rtlCol="0" anchor="ctr"/>
+          <a:lstStyle/>
+          <a:p>
+            <a:pPr algn="ctr"/>
+            <a:r>
+              <a:rPr lang="en-JP" b="1" dirty="0">
+                <a:solidFill>
+                  <a:schemeClr val="tx1"/>
+                </a:solidFill>
+              </a:rPr>
+              <a:t>Authenticator</a:t>
+            </a:r>
+          </a:p>
+        </p:txBody>
+      </p:sp>
+      <p:cxnSp>
+        <p:nvCxnSpPr>
+          <p:cNvPr id="13" name="Straight Arrow Connector 12">
+            <a:extLst>
+              <a:ext uri="{FF2B5EF4-FFF2-40B4-BE49-F238E27FC236}">
+                <a16:creationId xmlns:a16="http://schemas.microsoft.com/office/drawing/2014/main" id="{26E3324E-4537-B443-A408-263E62032076}"/>
+              </a:ext>
+            </a:extLst>
+          </p:cNvPr>
+          <p:cNvCxnSpPr>
+            <a:cxnSpLocks/>
+          </p:cNvCxnSpPr>
+          <p:nvPr/>
+        </p:nvCxnSpPr>
+        <p:spPr>
+          <a:xfrm flipV="1">
+            <a:off x="5457173" y="996127"/>
+            <a:ext cx="0" cy="778524"/>
+          </a:xfrm>
+          <a:prstGeom prst="straightConnector1">
+            <a:avLst/>
+          </a:prstGeom>
+          <a:ln w="28575">
+            <a:solidFill>
+              <a:schemeClr val="accent2"/>
+            </a:solidFill>
+            <a:tailEnd type="triangle"/>
+          </a:ln>
+        </p:spPr>
+        <p:style>
+          <a:lnRef idx="1">
+            <a:schemeClr val="accent1"/>
+          </a:lnRef>
+          <a:fillRef idx="0">
+            <a:schemeClr val="accent1"/>
+          </a:fillRef>
+          <a:effectRef idx="0">
+            <a:schemeClr val="accent1"/>
+          </a:effectRef>
+          <a:fontRef idx="minor">
+            <a:schemeClr val="tx1"/>
+          </a:fontRef>
+        </p:style>
+      </p:cxnSp>
+      <p:sp>
+        <p:nvSpPr>
+          <p:cNvPr id="14" name="TextBox 13">
+            <a:extLst>
+              <a:ext uri="{FF2B5EF4-FFF2-40B4-BE49-F238E27FC236}">
+                <a16:creationId xmlns:a16="http://schemas.microsoft.com/office/drawing/2014/main" id="{F4BB5431-8EB3-E940-8E58-C244A24ACCC5}"/>
+              </a:ext>
+            </a:extLst>
+          </p:cNvPr>
+          <p:cNvSpPr txBox="1"/>
+          <p:nvPr/>
+        </p:nvSpPr>
+        <p:spPr>
+          <a:xfrm>
+            <a:off x="5435879" y="1218633"/>
+            <a:ext cx="989373" cy="276999"/>
+          </a:xfrm>
+          <a:prstGeom prst="rect">
+            <a:avLst/>
+          </a:prstGeom>
+          <a:noFill/>
+        </p:spPr>
+        <p:txBody>
+          <a:bodyPr wrap="none" rtlCol="0">
+            <a:spAutoFit/>
+          </a:bodyPr>
+          <a:lstStyle/>
+          <a:p>
+            <a:r>
+              <a:rPr lang="ja-JP" altLang="en-US" sz="1200" b="1">
+                <a:solidFill>
+                  <a:schemeClr val="bg2">
+                    <a:lumMod val="90000"/>
+                  </a:schemeClr>
+                </a:solidFill>
+              </a:rPr>
+              <a:t>⓪</a:t>
+            </a:r>
+            <a:r>
+              <a:rPr lang="en-US" altLang="ja-JP" sz="1200" b="1" dirty="0">
+                <a:solidFill>
+                  <a:schemeClr val="bg2">
+                    <a:lumMod val="90000"/>
+                  </a:schemeClr>
+                </a:solidFill>
+              </a:rPr>
+              <a:t> </a:t>
+            </a:r>
+            <a:r>
+              <a:rPr lang="ja-JP" altLang="en-US" sz="1200" b="1">
+                <a:solidFill>
+                  <a:schemeClr val="bg2">
+                    <a:lumMod val="90000"/>
+                  </a:schemeClr>
+                </a:solidFill>
+              </a:rPr>
+              <a:t>登録要求</a:t>
+            </a:r>
+            <a:endParaRPr lang="en-JP" sz="1200" b="1" dirty="0">
+              <a:solidFill>
+                <a:schemeClr val="bg2">
+                  <a:lumMod val="90000"/>
+                </a:schemeClr>
+              </a:solidFill>
+            </a:endParaRPr>
+          </a:p>
+        </p:txBody>
+      </p:sp>
+      <p:sp>
+        <p:nvSpPr>
+          <p:cNvPr id="16" name="TextBox 15">
+            <a:extLst>
+              <a:ext uri="{FF2B5EF4-FFF2-40B4-BE49-F238E27FC236}">
+                <a16:creationId xmlns:a16="http://schemas.microsoft.com/office/drawing/2014/main" id="{070ED225-BE02-A14C-91BF-816B734C1B44}"/>
+              </a:ext>
+            </a:extLst>
+          </p:cNvPr>
+          <p:cNvSpPr txBox="1"/>
+          <p:nvPr/>
+        </p:nvSpPr>
+        <p:spPr>
+          <a:xfrm>
+            <a:off x="5002771" y="2116612"/>
+            <a:ext cx="1853455" cy="276999"/>
+          </a:xfrm>
+          <a:prstGeom prst="rect">
+            <a:avLst/>
+          </a:prstGeom>
+          <a:solidFill>
+            <a:schemeClr val="bg1"/>
+          </a:solidFill>
+          <a:ln w="19050">
+            <a:solidFill>
+              <a:srgbClr val="FF0000"/>
+            </a:solidFill>
+          </a:ln>
+        </p:spPr>
+        <p:txBody>
+          <a:bodyPr wrap="square" rtlCol="0">
+            <a:spAutoFit/>
+          </a:bodyPr>
+          <a:lstStyle/>
+          <a:p>
+            <a:pPr algn="ctr"/>
+            <a:r>
+              <a:rPr lang="en-JP" sz="1200" b="1" dirty="0"/>
+              <a:t>WebAuthn API</a:t>
+            </a:r>
+          </a:p>
+        </p:txBody>
+      </p:sp>
+      <p:sp>
+        <p:nvSpPr>
+          <p:cNvPr id="17" name="TextBox 16">
+            <a:extLst>
+              <a:ext uri="{FF2B5EF4-FFF2-40B4-BE49-F238E27FC236}">
+                <a16:creationId xmlns:a16="http://schemas.microsoft.com/office/drawing/2014/main" id="{511681B5-1931-004B-9856-198305101D77}"/>
+              </a:ext>
+            </a:extLst>
+          </p:cNvPr>
+          <p:cNvSpPr txBox="1"/>
+          <p:nvPr/>
+        </p:nvSpPr>
+        <p:spPr>
+          <a:xfrm>
+            <a:off x="2849719" y="2995222"/>
+            <a:ext cx="2125967" cy="276999"/>
+          </a:xfrm>
+          <a:prstGeom prst="rect">
+            <a:avLst/>
+          </a:prstGeom>
+          <a:noFill/>
+        </p:spPr>
+        <p:txBody>
+          <a:bodyPr wrap="none" rtlCol="0">
+            <a:spAutoFit/>
+          </a:bodyPr>
+          <a:lstStyle/>
+          <a:p>
+            <a:r>
+              <a:rPr lang="en-JP" sz="1200" b="1" dirty="0">
+                <a:solidFill>
+                  <a:schemeClr val="bg2">
+                    <a:lumMod val="90000"/>
+                  </a:schemeClr>
+                </a:solidFill>
+              </a:rPr>
+              <a:t>③Credential</a:t>
+            </a:r>
+            <a:r>
+              <a:rPr lang="ja-JP" altLang="en-US" sz="1200" b="1">
+                <a:solidFill>
+                  <a:schemeClr val="bg2">
+                    <a:lumMod val="90000"/>
+                  </a:schemeClr>
+                </a:solidFill>
+              </a:rPr>
+              <a:t>生成要求の送付</a:t>
+            </a:r>
+            <a:endParaRPr lang="en-JP" sz="1200" b="1" dirty="0">
+              <a:solidFill>
+                <a:schemeClr val="bg2">
+                  <a:lumMod val="90000"/>
+                </a:schemeClr>
+              </a:solidFill>
+            </a:endParaRPr>
+          </a:p>
+        </p:txBody>
+      </p:sp>
+      <p:sp>
+        <p:nvSpPr>
+          <p:cNvPr id="18" name="TextBox 17">
+            <a:extLst>
+              <a:ext uri="{FF2B5EF4-FFF2-40B4-BE49-F238E27FC236}">
+                <a16:creationId xmlns:a16="http://schemas.microsoft.com/office/drawing/2014/main" id="{52733BE3-D5D4-0040-B084-BEF2BD1EE342}"/>
+              </a:ext>
+            </a:extLst>
+          </p:cNvPr>
+          <p:cNvSpPr txBox="1"/>
+          <p:nvPr/>
+        </p:nvSpPr>
+        <p:spPr>
+          <a:xfrm>
+            <a:off x="7158170" y="1222085"/>
+            <a:ext cx="2634439" cy="461665"/>
+          </a:xfrm>
+          <a:prstGeom prst="rect">
+            <a:avLst/>
+          </a:prstGeom>
+          <a:noFill/>
+        </p:spPr>
+        <p:txBody>
+          <a:bodyPr wrap="none" rtlCol="0">
+            <a:spAutoFit/>
+          </a:bodyPr>
+          <a:lstStyle/>
+          <a:p>
+            <a:r>
+              <a:rPr lang="en-JP" sz="1200" b="1" dirty="0">
+                <a:highlight>
+                  <a:srgbClr val="FFFF00"/>
+                </a:highlight>
+              </a:rPr>
+              <a:t>⑦ AuthenticatorAttestationResponse</a:t>
+            </a:r>
+          </a:p>
+          <a:p>
+            <a:r>
+              <a:rPr lang="ja-JP" altLang="en-US" sz="1200" b="1">
+                <a:highlight>
+                  <a:srgbClr val="FFFF00"/>
+                </a:highlight>
+              </a:rPr>
+              <a:t>　  の送付</a:t>
+            </a:r>
+            <a:endParaRPr lang="en-JP" sz="1200" b="1" dirty="0">
+              <a:highlight>
+                <a:srgbClr val="FFFF00"/>
+              </a:highlight>
+            </a:endParaRPr>
+          </a:p>
+        </p:txBody>
+      </p:sp>
+      <p:sp>
+        <p:nvSpPr>
+          <p:cNvPr id="20" name="TextBox 19">
+            <a:extLst>
+              <a:ext uri="{FF2B5EF4-FFF2-40B4-BE49-F238E27FC236}">
+                <a16:creationId xmlns:a16="http://schemas.microsoft.com/office/drawing/2014/main" id="{A1269EB4-2697-534A-B26E-312359FF4FC5}"/>
+              </a:ext>
+            </a:extLst>
+          </p:cNvPr>
+          <p:cNvSpPr txBox="1"/>
+          <p:nvPr/>
+        </p:nvSpPr>
+        <p:spPr>
+          <a:xfrm>
+            <a:off x="6707725" y="3909303"/>
+            <a:ext cx="3207929" cy="461665"/>
+          </a:xfrm>
+          <a:prstGeom prst="rect">
+            <a:avLst/>
+          </a:prstGeom>
+          <a:noFill/>
+        </p:spPr>
+        <p:txBody>
+          <a:bodyPr wrap="none" rtlCol="0">
+            <a:spAutoFit/>
+          </a:bodyPr>
+          <a:lstStyle/>
+          <a:p>
+            <a:r>
+              <a:rPr lang="en-JP" sz="1200" b="1" dirty="0">
+                <a:solidFill>
+                  <a:schemeClr val="bg2"/>
+                </a:solidFill>
+              </a:rPr>
+              <a:t>④</a:t>
+            </a:r>
+            <a:r>
+              <a:rPr lang="en-US" sz="1200" b="1" dirty="0">
+                <a:solidFill>
+                  <a:schemeClr val="bg2"/>
+                </a:solidFill>
+              </a:rPr>
+              <a:t> </a:t>
+            </a:r>
+            <a:r>
+              <a:rPr lang="ja-JP" altLang="en-US" sz="1200" b="1">
+                <a:solidFill>
+                  <a:schemeClr val="bg2"/>
+                </a:solidFill>
+              </a:rPr>
+              <a:t>要求ユーザのローカル認証</a:t>
+            </a:r>
+            <a:r>
+              <a:rPr lang="en-US" altLang="ja-JP" sz="1200" b="1" dirty="0">
+                <a:solidFill>
+                  <a:schemeClr val="bg2"/>
+                </a:solidFill>
+              </a:rPr>
+              <a:t>(PIN</a:t>
+            </a:r>
+            <a:r>
+              <a:rPr lang="ja-JP" altLang="en-US" sz="1200" b="1">
+                <a:solidFill>
+                  <a:schemeClr val="bg2"/>
+                </a:solidFill>
+              </a:rPr>
+              <a:t>や指紋</a:t>
+            </a:r>
+            <a:r>
+              <a:rPr lang="en-US" altLang="ja-JP" sz="1200" b="1" dirty="0">
+                <a:solidFill>
+                  <a:schemeClr val="bg2"/>
+                </a:solidFill>
+              </a:rPr>
+              <a:t>)</a:t>
+            </a:r>
+            <a:r>
+              <a:rPr lang="ja-JP" altLang="en-US" sz="1200" b="1">
+                <a:solidFill>
+                  <a:schemeClr val="bg2"/>
+                </a:solidFill>
+              </a:rPr>
+              <a:t>、</a:t>
+            </a:r>
+            <a:br>
+              <a:rPr lang="en-US" altLang="ja-JP" sz="1200" b="1" dirty="0">
+                <a:solidFill>
+                  <a:schemeClr val="bg2"/>
+                </a:solidFill>
+              </a:rPr>
+            </a:br>
+            <a:r>
+              <a:rPr lang="ja-JP" altLang="en-US" sz="1200" b="1">
+                <a:solidFill>
+                  <a:schemeClr val="bg2"/>
+                </a:solidFill>
+              </a:rPr>
+              <a:t>　  </a:t>
+            </a:r>
+            <a:r>
+              <a:rPr lang="en-US" sz="1200" b="1" dirty="0">
+                <a:solidFill>
+                  <a:schemeClr val="bg2"/>
+                </a:solidFill>
+              </a:rPr>
+              <a:t>Credential Key Pair</a:t>
+            </a:r>
+            <a:r>
+              <a:rPr lang="ja-JP" altLang="en-US" sz="1200" b="1">
+                <a:solidFill>
+                  <a:schemeClr val="bg2"/>
+                </a:solidFill>
+              </a:rPr>
+              <a:t>の新規生成・署名付与</a:t>
+            </a:r>
+            <a:endParaRPr lang="en-JP" sz="1200" b="1" dirty="0">
+              <a:solidFill>
+                <a:schemeClr val="bg2"/>
+              </a:solidFill>
+            </a:endParaRPr>
+          </a:p>
+        </p:txBody>
+      </p:sp>
+      <p:sp>
+        <p:nvSpPr>
+          <p:cNvPr id="21" name="TextBox 20">
+            <a:extLst>
+              <a:ext uri="{FF2B5EF4-FFF2-40B4-BE49-F238E27FC236}">
+                <a16:creationId xmlns:a16="http://schemas.microsoft.com/office/drawing/2014/main" id="{2A1A0A65-4FC6-7343-A487-93B65FE2AE12}"/>
+              </a:ext>
+            </a:extLst>
+          </p:cNvPr>
+          <p:cNvSpPr txBox="1"/>
+          <p:nvPr/>
+        </p:nvSpPr>
+        <p:spPr>
+          <a:xfrm>
+            <a:off x="7215470" y="2965539"/>
+            <a:ext cx="2004010" cy="276999"/>
+          </a:xfrm>
+          <a:prstGeom prst="rect">
+            <a:avLst/>
+          </a:prstGeom>
+          <a:noFill/>
+        </p:spPr>
+        <p:txBody>
+          <a:bodyPr wrap="none" rtlCol="0">
+            <a:spAutoFit/>
+          </a:bodyPr>
+          <a:lstStyle/>
+          <a:p>
+            <a:r>
+              <a:rPr lang="en-US" sz="1200" b="1" dirty="0">
+                <a:solidFill>
+                  <a:schemeClr val="bg2"/>
+                </a:solidFill>
+              </a:rPr>
+              <a:t>⑤ </a:t>
+            </a:r>
+            <a:r>
+              <a:rPr lang="en-US" sz="1200" b="1" dirty="0" err="1">
+                <a:solidFill>
+                  <a:schemeClr val="bg2"/>
+                </a:solidFill>
+              </a:rPr>
+              <a:t>attestationObject</a:t>
+            </a:r>
+            <a:r>
+              <a:rPr lang="ja-JP" altLang="en-US" sz="1200" b="1">
+                <a:solidFill>
+                  <a:schemeClr val="bg2"/>
+                </a:solidFill>
+              </a:rPr>
+              <a:t>の送付</a:t>
+            </a:r>
+            <a:endParaRPr lang="en-JP" sz="1200" b="1" dirty="0">
+              <a:solidFill>
+                <a:schemeClr val="bg2"/>
+              </a:solidFill>
+            </a:endParaRPr>
+          </a:p>
+        </p:txBody>
+      </p:sp>
+      <p:sp>
+        <p:nvSpPr>
+          <p:cNvPr id="22" name="TextBox 21">
+            <a:extLst>
+              <a:ext uri="{FF2B5EF4-FFF2-40B4-BE49-F238E27FC236}">
+                <a16:creationId xmlns:a16="http://schemas.microsoft.com/office/drawing/2014/main" id="{AB4378D1-3D72-0443-A137-64E51F2AEE9F}"/>
+              </a:ext>
+            </a:extLst>
+          </p:cNvPr>
+          <p:cNvSpPr txBox="1"/>
+          <p:nvPr/>
+        </p:nvSpPr>
+        <p:spPr>
+          <a:xfrm>
+            <a:off x="7292182" y="2123346"/>
+            <a:ext cx="1670650" cy="276999"/>
+          </a:xfrm>
+          <a:prstGeom prst="rect">
+            <a:avLst/>
+          </a:prstGeom>
+          <a:noFill/>
+        </p:spPr>
+        <p:txBody>
+          <a:bodyPr wrap="none" rtlCol="0">
+            <a:spAutoFit/>
+          </a:bodyPr>
+          <a:lstStyle/>
+          <a:p>
+            <a:r>
+              <a:rPr lang="en-JP" sz="1200" b="1" dirty="0">
+                <a:highlight>
+                  <a:srgbClr val="FFFF00"/>
+                </a:highlight>
+              </a:rPr>
+              <a:t>⑥ RP</a:t>
+            </a:r>
+            <a:r>
+              <a:rPr lang="ja-JP" altLang="en-US" sz="1200" b="1">
+                <a:highlight>
+                  <a:srgbClr val="FFFF00"/>
+                </a:highlight>
+              </a:rPr>
+              <a:t>への応答の生成</a:t>
+            </a:r>
+            <a:endParaRPr lang="en-JP" sz="1200" b="1" dirty="0">
+              <a:highlight>
+                <a:srgbClr val="FFFF00"/>
+              </a:highlight>
+            </a:endParaRPr>
+          </a:p>
+        </p:txBody>
+      </p:sp>
+      <p:sp>
+        <p:nvSpPr>
+          <p:cNvPr id="23" name="TextBox 22">
+            <a:extLst>
+              <a:ext uri="{FF2B5EF4-FFF2-40B4-BE49-F238E27FC236}">
+                <a16:creationId xmlns:a16="http://schemas.microsoft.com/office/drawing/2014/main" id="{A4AD18DD-7940-D446-A3F4-E64DF3918033}"/>
+              </a:ext>
+            </a:extLst>
+          </p:cNvPr>
+          <p:cNvSpPr txBox="1"/>
+          <p:nvPr/>
+        </p:nvSpPr>
+        <p:spPr>
+          <a:xfrm>
+            <a:off x="7186501" y="84255"/>
+            <a:ext cx="2264730" cy="461665"/>
+          </a:xfrm>
+          <a:prstGeom prst="rect">
+            <a:avLst/>
+          </a:prstGeom>
+          <a:noFill/>
+        </p:spPr>
+        <p:txBody>
+          <a:bodyPr wrap="square" rtlCol="0">
+            <a:spAutoFit/>
+          </a:bodyPr>
+          <a:lstStyle/>
+          <a:p>
+            <a:r>
+              <a:rPr lang="en-JP" sz="1200" b="1" dirty="0">
+                <a:highlight>
+                  <a:srgbClr val="FFFF00"/>
+                </a:highlight>
+              </a:rPr>
+              <a:t>⑧</a:t>
+            </a:r>
+            <a:r>
+              <a:rPr lang="ja-JP" altLang="en-US" sz="1200" b="1">
+                <a:highlight>
+                  <a:srgbClr val="FFFF00"/>
+                </a:highlight>
+              </a:rPr>
+              <a:t> </a:t>
+            </a:r>
+            <a:r>
+              <a:rPr lang="en-US" altLang="ja-JP" sz="1200" b="1" dirty="0" err="1">
+                <a:highlight>
+                  <a:srgbClr val="FFFF00"/>
+                </a:highlight>
+              </a:rPr>
+              <a:t>AttestationResponse</a:t>
+            </a:r>
+            <a:r>
+              <a:rPr lang="ja-JP" altLang="en-US" sz="1200" b="1">
+                <a:highlight>
+                  <a:srgbClr val="FFFF00"/>
+                </a:highlight>
+              </a:rPr>
+              <a:t>の検証</a:t>
+            </a:r>
+            <a:endParaRPr lang="en-US" altLang="ja-JP" sz="1200" b="1" dirty="0">
+              <a:highlight>
+                <a:srgbClr val="FFFF00"/>
+              </a:highlight>
+            </a:endParaRPr>
+          </a:p>
+          <a:p>
+            <a:r>
+              <a:rPr lang="ja-JP" altLang="en-US" sz="1200" b="1">
+                <a:highlight>
+                  <a:srgbClr val="FFFF00"/>
+                </a:highlight>
+              </a:rPr>
+              <a:t>　   </a:t>
+            </a:r>
+            <a:r>
+              <a:rPr lang="en-US" altLang="ja-JP" sz="1200" b="1" dirty="0">
+                <a:highlight>
+                  <a:srgbClr val="FFFF00"/>
+                </a:highlight>
+              </a:rPr>
+              <a:t>Credential Certificate</a:t>
+            </a:r>
+            <a:r>
+              <a:rPr lang="ja-JP" altLang="en-US" sz="1200" b="1">
+                <a:highlight>
+                  <a:srgbClr val="FFFF00"/>
+                </a:highlight>
+              </a:rPr>
+              <a:t>登録</a:t>
+            </a:r>
+            <a:endParaRPr lang="en-JP" sz="1200" b="1" dirty="0">
+              <a:highlight>
+                <a:srgbClr val="FFFF00"/>
+              </a:highlight>
+            </a:endParaRPr>
+          </a:p>
+        </p:txBody>
+      </p:sp>
+      <p:pic>
+        <p:nvPicPr>
+          <p:cNvPr id="29" name="Picture 28">
+            <a:extLst>
+              <a:ext uri="{FF2B5EF4-FFF2-40B4-BE49-F238E27FC236}">
+                <a16:creationId xmlns:a16="http://schemas.microsoft.com/office/drawing/2014/main" id="{7368AD10-BA72-2548-BD8D-481A34498B6D}"/>
+              </a:ext>
+            </a:extLst>
+          </p:cNvPr>
+          <p:cNvPicPr>
+            <a:picLocks noChangeAspect="1"/>
+          </p:cNvPicPr>
+          <p:nvPr/>
+        </p:nvPicPr>
+        <p:blipFill>
+          <a:blip r:embed="rId3"/>
+          <a:stretch>
+            <a:fillRect/>
+          </a:stretch>
+        </p:blipFill>
+        <p:spPr>
+          <a:xfrm>
+            <a:off x="5651832" y="3907718"/>
+            <a:ext cx="369490" cy="461665"/>
+          </a:xfrm>
+          <a:prstGeom prst="rect">
+            <a:avLst/>
+          </a:prstGeom>
+        </p:spPr>
+      </p:pic>
+      <p:pic>
+        <p:nvPicPr>
+          <p:cNvPr id="30" name="Picture 29">
+            <a:extLst>
+              <a:ext uri="{FF2B5EF4-FFF2-40B4-BE49-F238E27FC236}">
+                <a16:creationId xmlns:a16="http://schemas.microsoft.com/office/drawing/2014/main" id="{9DE219C0-1324-D14E-BEE1-126EAD00A687}"/>
+              </a:ext>
+            </a:extLst>
+          </p:cNvPr>
+          <p:cNvPicPr>
+            <a:picLocks noChangeAspect="1"/>
+          </p:cNvPicPr>
+          <p:nvPr/>
+        </p:nvPicPr>
+        <p:blipFill>
+          <a:blip r:embed="rId4"/>
+          <a:stretch>
+            <a:fillRect/>
+          </a:stretch>
+        </p:blipFill>
+        <p:spPr>
+          <a:xfrm>
+            <a:off x="5651831" y="3983789"/>
+            <a:ext cx="342327" cy="342327"/>
+          </a:xfrm>
+          <a:prstGeom prst="rect">
+            <a:avLst/>
+          </a:prstGeom>
+        </p:spPr>
+      </p:pic>
+      <p:pic>
+        <p:nvPicPr>
+          <p:cNvPr id="31" name="Picture 30">
+            <a:extLst>
+              <a:ext uri="{FF2B5EF4-FFF2-40B4-BE49-F238E27FC236}">
+                <a16:creationId xmlns:a16="http://schemas.microsoft.com/office/drawing/2014/main" id="{A66662D6-03CB-AB4A-87F8-3041B461665C}"/>
+              </a:ext>
+            </a:extLst>
+          </p:cNvPr>
+          <p:cNvPicPr>
+            <a:picLocks noChangeAspect="1"/>
+          </p:cNvPicPr>
+          <p:nvPr/>
+        </p:nvPicPr>
+        <p:blipFill>
+          <a:blip r:embed="rId5"/>
+          <a:stretch>
+            <a:fillRect/>
+          </a:stretch>
+        </p:blipFill>
+        <p:spPr>
+          <a:xfrm>
+            <a:off x="4530619" y="3956613"/>
+            <a:ext cx="407646" cy="407646"/>
+          </a:xfrm>
+          <a:prstGeom prst="rect">
+            <a:avLst/>
+          </a:prstGeom>
+        </p:spPr>
+      </p:pic>
+      <p:sp>
+        <p:nvSpPr>
+          <p:cNvPr id="32" name="TextBox 31">
+            <a:extLst>
+              <a:ext uri="{FF2B5EF4-FFF2-40B4-BE49-F238E27FC236}">
+                <a16:creationId xmlns:a16="http://schemas.microsoft.com/office/drawing/2014/main" id="{969BED74-38CB-4148-881C-135F38EE66F3}"/>
+              </a:ext>
+            </a:extLst>
+          </p:cNvPr>
+          <p:cNvSpPr txBox="1"/>
+          <p:nvPr/>
+        </p:nvSpPr>
+        <p:spPr>
+          <a:xfrm>
+            <a:off x="4836191" y="3937811"/>
+            <a:ext cx="838691" cy="430887"/>
+          </a:xfrm>
+          <a:prstGeom prst="rect">
+            <a:avLst/>
+          </a:prstGeom>
+          <a:noFill/>
+        </p:spPr>
+        <p:txBody>
+          <a:bodyPr wrap="none" rtlCol="0">
+            <a:spAutoFit/>
+          </a:bodyPr>
+          <a:lstStyle/>
+          <a:p>
+            <a:pPr algn="ctr"/>
+            <a:r>
+              <a:rPr lang="en-US" altLang="ja-JP" sz="1100" b="1" dirty="0"/>
+              <a:t>Credential</a:t>
+            </a:r>
+          </a:p>
+          <a:p>
+            <a:pPr algn="ctr"/>
+            <a:r>
+              <a:rPr lang="en-US" altLang="ja-JP" sz="1100" b="1" dirty="0"/>
+              <a:t>Private key</a:t>
+            </a:r>
+            <a:endParaRPr lang="en-JP" sz="1100" b="1" dirty="0"/>
+          </a:p>
+        </p:txBody>
+      </p:sp>
+      <p:sp>
+        <p:nvSpPr>
+          <p:cNvPr id="33" name="TextBox 32">
+            <a:extLst>
+              <a:ext uri="{FF2B5EF4-FFF2-40B4-BE49-F238E27FC236}">
+                <a16:creationId xmlns:a16="http://schemas.microsoft.com/office/drawing/2014/main" id="{635EA6E4-C0ED-A74A-B366-C5D526D7F5B8}"/>
+              </a:ext>
+            </a:extLst>
+          </p:cNvPr>
+          <p:cNvSpPr txBox="1"/>
+          <p:nvPr/>
+        </p:nvSpPr>
+        <p:spPr>
+          <a:xfrm>
+            <a:off x="5980454" y="3933768"/>
+            <a:ext cx="790601" cy="430887"/>
+          </a:xfrm>
+          <a:prstGeom prst="rect">
+            <a:avLst/>
+          </a:prstGeom>
+          <a:noFill/>
+        </p:spPr>
+        <p:txBody>
+          <a:bodyPr wrap="none" rtlCol="0">
+            <a:spAutoFit/>
+          </a:bodyPr>
+          <a:lstStyle/>
+          <a:p>
+            <a:pPr algn="ctr"/>
+            <a:r>
+              <a:rPr lang="en-US" altLang="ja-JP" sz="1100" b="1" dirty="0"/>
+              <a:t>Credential</a:t>
+            </a:r>
+            <a:br>
+              <a:rPr lang="en-US" altLang="ja-JP" sz="1100" b="1" dirty="0"/>
+            </a:br>
+            <a:r>
+              <a:rPr lang="en-US" altLang="ja-JP" sz="1100" b="1" dirty="0"/>
+              <a:t>Certificate</a:t>
+            </a:r>
+          </a:p>
+        </p:txBody>
+      </p:sp>
+      <p:pic>
+        <p:nvPicPr>
+          <p:cNvPr id="37" name="Picture 36">
+            <a:extLst>
+              <a:ext uri="{FF2B5EF4-FFF2-40B4-BE49-F238E27FC236}">
+                <a16:creationId xmlns:a16="http://schemas.microsoft.com/office/drawing/2014/main" id="{0BF9C03C-22E7-3A49-8433-C0F077261303}"/>
+              </a:ext>
+            </a:extLst>
+          </p:cNvPr>
+          <p:cNvPicPr>
+            <a:picLocks noChangeAspect="1"/>
+          </p:cNvPicPr>
+          <p:nvPr/>
+        </p:nvPicPr>
+        <p:blipFill>
+          <a:blip r:embed="rId3"/>
+          <a:stretch>
+            <a:fillRect/>
+          </a:stretch>
+        </p:blipFill>
+        <p:spPr>
+          <a:xfrm>
+            <a:off x="6845980" y="2849410"/>
+            <a:ext cx="369490" cy="461665"/>
+          </a:xfrm>
+          <a:prstGeom prst="rect">
+            <a:avLst/>
+          </a:prstGeom>
+        </p:spPr>
+      </p:pic>
+      <p:pic>
+        <p:nvPicPr>
+          <p:cNvPr id="38" name="Picture 37">
+            <a:extLst>
+              <a:ext uri="{FF2B5EF4-FFF2-40B4-BE49-F238E27FC236}">
+                <a16:creationId xmlns:a16="http://schemas.microsoft.com/office/drawing/2014/main" id="{7AABA3A2-EE0C-A645-950B-120C01208E76}"/>
+              </a:ext>
+            </a:extLst>
+          </p:cNvPr>
+          <p:cNvPicPr>
+            <a:picLocks noChangeAspect="1"/>
+          </p:cNvPicPr>
+          <p:nvPr/>
+        </p:nvPicPr>
+        <p:blipFill>
+          <a:blip r:embed="rId4"/>
+          <a:stretch>
+            <a:fillRect/>
+          </a:stretch>
+        </p:blipFill>
+        <p:spPr>
+          <a:xfrm>
+            <a:off x="6845979" y="2925481"/>
+            <a:ext cx="342327" cy="342327"/>
+          </a:xfrm>
+          <a:prstGeom prst="rect">
+            <a:avLst/>
+          </a:prstGeom>
+        </p:spPr>
+      </p:pic>
+      <p:pic>
+        <p:nvPicPr>
+          <p:cNvPr id="39" name="Picture 38">
+            <a:extLst>
+              <a:ext uri="{FF2B5EF4-FFF2-40B4-BE49-F238E27FC236}">
+                <a16:creationId xmlns:a16="http://schemas.microsoft.com/office/drawing/2014/main" id="{EAEAAB36-75E2-2D47-A977-EDF19F60A327}"/>
+              </a:ext>
+            </a:extLst>
+          </p:cNvPr>
+          <p:cNvPicPr>
+            <a:picLocks noChangeAspect="1"/>
+          </p:cNvPicPr>
+          <p:nvPr/>
+        </p:nvPicPr>
+        <p:blipFill>
+          <a:blip r:embed="rId3"/>
+          <a:stretch>
+            <a:fillRect/>
+          </a:stretch>
+        </p:blipFill>
+        <p:spPr>
+          <a:xfrm>
+            <a:off x="6844175" y="1157877"/>
+            <a:ext cx="369490" cy="461665"/>
+          </a:xfrm>
+          <a:prstGeom prst="rect">
+            <a:avLst/>
+          </a:prstGeom>
+        </p:spPr>
+      </p:pic>
+      <p:pic>
+        <p:nvPicPr>
+          <p:cNvPr id="40" name="Picture 39">
+            <a:extLst>
+              <a:ext uri="{FF2B5EF4-FFF2-40B4-BE49-F238E27FC236}">
+                <a16:creationId xmlns:a16="http://schemas.microsoft.com/office/drawing/2014/main" id="{3E319ED5-4EEC-E049-93AA-C8BF14A935E8}"/>
+              </a:ext>
+            </a:extLst>
+          </p:cNvPr>
+          <p:cNvPicPr>
+            <a:picLocks noChangeAspect="1"/>
+          </p:cNvPicPr>
+          <p:nvPr/>
+        </p:nvPicPr>
+        <p:blipFill>
+          <a:blip r:embed="rId4"/>
+          <a:stretch>
+            <a:fillRect/>
+          </a:stretch>
+        </p:blipFill>
+        <p:spPr>
+          <a:xfrm>
+            <a:off x="6844174" y="1233948"/>
+            <a:ext cx="342327" cy="342327"/>
+          </a:xfrm>
+          <a:prstGeom prst="rect">
+            <a:avLst/>
+          </a:prstGeom>
+        </p:spPr>
+      </p:pic>
+      <p:pic>
+        <p:nvPicPr>
+          <p:cNvPr id="41" name="Picture 40">
+            <a:extLst>
+              <a:ext uri="{FF2B5EF4-FFF2-40B4-BE49-F238E27FC236}">
+                <a16:creationId xmlns:a16="http://schemas.microsoft.com/office/drawing/2014/main" id="{5280AB8C-F5A4-5940-8ABF-B330E0A290B1}"/>
+              </a:ext>
+            </a:extLst>
+          </p:cNvPr>
+          <p:cNvPicPr>
+            <a:picLocks noChangeAspect="1"/>
+          </p:cNvPicPr>
+          <p:nvPr/>
+        </p:nvPicPr>
+        <p:blipFill>
+          <a:blip r:embed="rId3"/>
+          <a:stretch>
+            <a:fillRect/>
+          </a:stretch>
+        </p:blipFill>
+        <p:spPr>
+          <a:xfrm>
+            <a:off x="6856227" y="69719"/>
+            <a:ext cx="369490" cy="461665"/>
+          </a:xfrm>
+          <a:prstGeom prst="rect">
+            <a:avLst/>
+          </a:prstGeom>
+        </p:spPr>
+      </p:pic>
+      <p:pic>
+        <p:nvPicPr>
+          <p:cNvPr id="42" name="Picture 41">
+            <a:extLst>
+              <a:ext uri="{FF2B5EF4-FFF2-40B4-BE49-F238E27FC236}">
+                <a16:creationId xmlns:a16="http://schemas.microsoft.com/office/drawing/2014/main" id="{4A776D00-91B5-2F4D-84A9-7B951965CAB1}"/>
+              </a:ext>
+            </a:extLst>
+          </p:cNvPr>
+          <p:cNvPicPr>
+            <a:picLocks noChangeAspect="1"/>
+          </p:cNvPicPr>
+          <p:nvPr/>
+        </p:nvPicPr>
+        <p:blipFill>
+          <a:blip r:embed="rId4"/>
+          <a:stretch>
+            <a:fillRect/>
+          </a:stretch>
+        </p:blipFill>
+        <p:spPr>
+          <a:xfrm>
+            <a:off x="6856226" y="145790"/>
+            <a:ext cx="342327" cy="342327"/>
+          </a:xfrm>
+          <a:prstGeom prst="rect">
+            <a:avLst/>
+          </a:prstGeom>
+        </p:spPr>
+      </p:pic>
+      <p:sp>
+        <p:nvSpPr>
+          <p:cNvPr id="2" name="TextBox 1">
+            <a:extLst>
+              <a:ext uri="{FF2B5EF4-FFF2-40B4-BE49-F238E27FC236}">
+                <a16:creationId xmlns:a16="http://schemas.microsoft.com/office/drawing/2014/main" id="{1BBB916A-07E1-934E-8172-CA95599A153E}"/>
+              </a:ext>
+            </a:extLst>
+          </p:cNvPr>
+          <p:cNvSpPr txBox="1"/>
+          <p:nvPr/>
+        </p:nvSpPr>
+        <p:spPr>
+          <a:xfrm rot="19887843">
+            <a:off x="6691011" y="1574"/>
+            <a:ext cx="614271" cy="369332"/>
+          </a:xfrm>
+          <a:prstGeom prst="rect">
+            <a:avLst/>
+          </a:prstGeom>
+          <a:noFill/>
+        </p:spPr>
+        <p:txBody>
+          <a:bodyPr wrap="none" rtlCol="0">
+            <a:spAutoFit/>
+          </a:bodyPr>
+          <a:lstStyle/>
+          <a:p>
+            <a:r>
+              <a:rPr lang="en-JP" dirty="0">
+                <a:solidFill>
+                  <a:srgbClr val="FF0000"/>
+                </a:solidFill>
+                <a:latin typeface="Phosphate Inline" panose="02000506050000020004" pitchFamily="2" charset="77"/>
+                <a:cs typeface="Phosphate Inline" panose="02000506050000020004" pitchFamily="2" charset="77"/>
+              </a:rPr>
+              <a:t>OK !</a:t>
+            </a:r>
+          </a:p>
+        </p:txBody>
+      </p:sp>
+      <p:sp>
+        <p:nvSpPr>
+          <p:cNvPr id="34" name="TextBox 33">
+            <a:extLst>
+              <a:ext uri="{FF2B5EF4-FFF2-40B4-BE49-F238E27FC236}">
+                <a16:creationId xmlns:a16="http://schemas.microsoft.com/office/drawing/2014/main" id="{F2972BFC-D727-F54B-9014-D83BE51FA924}"/>
+              </a:ext>
+            </a:extLst>
+          </p:cNvPr>
+          <p:cNvSpPr txBox="1"/>
+          <p:nvPr/>
+        </p:nvSpPr>
+        <p:spPr>
+          <a:xfrm>
+            <a:off x="2196176" y="1157877"/>
+            <a:ext cx="2698880" cy="461665"/>
+          </a:xfrm>
+          <a:prstGeom prst="rect">
+            <a:avLst/>
+          </a:prstGeom>
+          <a:noFill/>
+        </p:spPr>
+        <p:txBody>
+          <a:bodyPr wrap="none" rtlCol="0">
+            <a:spAutoFit/>
+          </a:bodyPr>
+          <a:lstStyle/>
+          <a:p>
+            <a:r>
+              <a:rPr lang="en-JP" sz="1200" b="1" dirty="0">
+                <a:solidFill>
+                  <a:schemeClr val="bg2">
+                    <a:lumMod val="90000"/>
+                  </a:schemeClr>
+                </a:solidFill>
+              </a:rPr>
+              <a:t>①</a:t>
+            </a:r>
+            <a:r>
+              <a:rPr lang="ja-JP" altLang="en-US" sz="1200" b="1">
+                <a:solidFill>
+                  <a:schemeClr val="bg2">
+                    <a:lumMod val="90000"/>
+                  </a:schemeClr>
+                </a:solidFill>
+              </a:rPr>
+              <a:t> </a:t>
+            </a:r>
+            <a:r>
+              <a:rPr lang="en-US" altLang="ja-JP" sz="1200" b="1" dirty="0">
+                <a:solidFill>
+                  <a:schemeClr val="bg2">
+                    <a:lumMod val="90000"/>
+                  </a:schemeClr>
+                </a:solidFill>
+              </a:rPr>
+              <a:t>Credential Certificate</a:t>
+            </a:r>
+            <a:r>
+              <a:rPr lang="ja-JP" altLang="en-US" sz="1200" b="1">
+                <a:solidFill>
+                  <a:schemeClr val="bg2">
+                    <a:lumMod val="90000"/>
+                  </a:schemeClr>
+                </a:solidFill>
+              </a:rPr>
+              <a:t>生成のための</a:t>
+            </a:r>
+            <a:endParaRPr lang="en-US" altLang="ja-JP" sz="1200" b="1" dirty="0">
+              <a:solidFill>
+                <a:schemeClr val="bg2">
+                  <a:lumMod val="90000"/>
+                </a:schemeClr>
+              </a:solidFill>
+            </a:endParaRPr>
+          </a:p>
+          <a:p>
+            <a:r>
+              <a:rPr lang="ja-JP" altLang="en-US" sz="1200" b="1">
+                <a:solidFill>
+                  <a:schemeClr val="bg2">
+                    <a:lumMod val="90000"/>
+                  </a:schemeClr>
+                </a:solidFill>
+              </a:rPr>
+              <a:t>　  パラメータ送付</a:t>
+            </a:r>
+            <a:endParaRPr lang="en-JP" sz="1200" b="1" dirty="0">
+              <a:solidFill>
+                <a:schemeClr val="bg2">
+                  <a:lumMod val="90000"/>
+                </a:schemeClr>
+              </a:solidFill>
+            </a:endParaRPr>
+          </a:p>
+        </p:txBody>
+      </p:sp>
+      <p:sp>
+        <p:nvSpPr>
+          <p:cNvPr id="35" name="TextBox 34">
+            <a:extLst>
+              <a:ext uri="{FF2B5EF4-FFF2-40B4-BE49-F238E27FC236}">
+                <a16:creationId xmlns:a16="http://schemas.microsoft.com/office/drawing/2014/main" id="{494F0802-E491-7D49-BDC3-35331A5543E0}"/>
+              </a:ext>
+            </a:extLst>
+          </p:cNvPr>
+          <p:cNvSpPr txBox="1"/>
+          <p:nvPr/>
+        </p:nvSpPr>
+        <p:spPr>
+          <a:xfrm>
+            <a:off x="1574667" y="2012954"/>
+            <a:ext cx="3153620" cy="461665"/>
+          </a:xfrm>
+          <a:prstGeom prst="rect">
+            <a:avLst/>
+          </a:prstGeom>
+          <a:noFill/>
+        </p:spPr>
+        <p:txBody>
+          <a:bodyPr wrap="none" rtlCol="0">
+            <a:spAutoFit/>
+          </a:bodyPr>
+          <a:lstStyle/>
+          <a:p>
+            <a:r>
+              <a:rPr lang="en-JP" sz="1200" b="1" dirty="0">
+                <a:solidFill>
+                  <a:schemeClr val="bg2">
+                    <a:lumMod val="90000"/>
+                  </a:schemeClr>
+                </a:solidFill>
+              </a:rPr>
+              <a:t>② </a:t>
+            </a:r>
+            <a:r>
+              <a:rPr lang="en-US" altLang="ja-JP" sz="1200" b="1" dirty="0" err="1">
+                <a:solidFill>
+                  <a:schemeClr val="bg2">
+                    <a:lumMod val="90000"/>
+                  </a:schemeClr>
+                </a:solidFill>
+              </a:rPr>
+              <a:t>PublicKeyCredentialCreationOption</a:t>
+            </a:r>
+            <a:r>
+              <a:rPr lang="ja-JP" altLang="en-US" sz="1200" b="1">
+                <a:solidFill>
+                  <a:schemeClr val="bg2">
+                    <a:lumMod val="90000"/>
+                  </a:schemeClr>
+                </a:solidFill>
+              </a:rPr>
+              <a:t>生成、</a:t>
+            </a:r>
+            <a:endParaRPr lang="en-US" altLang="ja-JP" sz="1200" b="1" dirty="0">
+              <a:solidFill>
+                <a:schemeClr val="bg2">
+                  <a:lumMod val="90000"/>
+                </a:schemeClr>
+              </a:solidFill>
+            </a:endParaRPr>
+          </a:p>
+          <a:p>
+            <a:r>
+              <a:rPr lang="ja-JP" altLang="en-US" sz="1200" b="1">
+                <a:solidFill>
+                  <a:schemeClr val="bg2">
+                    <a:lumMod val="90000"/>
+                  </a:schemeClr>
+                </a:solidFill>
+              </a:rPr>
+              <a:t>　  認証器へ</a:t>
+            </a:r>
+            <a:r>
+              <a:rPr lang="en-US" altLang="ja-JP" sz="1200" b="1" dirty="0">
+                <a:solidFill>
+                  <a:schemeClr val="bg2">
+                    <a:lumMod val="90000"/>
+                  </a:schemeClr>
+                </a:solidFill>
+              </a:rPr>
+              <a:t>Credential</a:t>
+            </a:r>
+            <a:r>
+              <a:rPr lang="ja-JP" altLang="en-US" sz="1200" b="1">
+                <a:solidFill>
+                  <a:schemeClr val="bg2">
+                    <a:lumMod val="90000"/>
+                  </a:schemeClr>
+                </a:solidFill>
+              </a:rPr>
+              <a:t>生成要求</a:t>
+            </a:r>
+            <a:endParaRPr lang="en-JP" sz="1200" b="1" dirty="0">
+              <a:solidFill>
+                <a:schemeClr val="bg2">
+                  <a:lumMod val="90000"/>
+                </a:schemeClr>
+              </a:solidFill>
+            </a:endParaRPr>
+          </a:p>
+        </p:txBody>
+      </p:sp>
+    </p:spTree>
+    <p:extLst>
+      <p:ext uri="{BB962C8B-B14F-4D97-AF65-F5344CB8AC3E}">
+        <p14:creationId xmlns:p14="http://schemas.microsoft.com/office/powerpoint/2010/main" val="1805898838"/>
       </p:ext>
     </p:extLst>
   </p:cSld>
@@ -10904,7 +14214,7 @@
             <a:pPr algn="ctr"/>
             <a:r>
               <a:rPr lang="en-US" b="1" dirty="0"/>
-              <a:t> (Relaying Party Web App)</a:t>
+              <a:t> (Relying Party Web App)</a:t>
             </a:r>
             <a:endParaRPr lang="en-JP" b="1" dirty="0"/>
           </a:p>
@@ -11375,7 +14685,7 @@
             <a:pPr algn="ctr"/>
             <a:r>
               <a:rPr lang="en-US" b="1" dirty="0"/>
-              <a:t>Server (Relaying Party)</a:t>
+              <a:t>Server (Relying Party)</a:t>
             </a:r>
             <a:endParaRPr lang="en-JP" b="1" dirty="0"/>
           </a:p>
@@ -13199,7 +16509,7 @@
             <a:pPr algn="ctr"/>
             <a:r>
               <a:rPr lang="en-US" b="1" dirty="0"/>
-              <a:t> (Relaying Party Web App)</a:t>
+              <a:t> (Relying Party Web App)</a:t>
             </a:r>
             <a:endParaRPr lang="en-JP" b="1" dirty="0"/>
           </a:p>
@@ -13670,7 +16980,7 @@
             <a:pPr algn="ctr"/>
             <a:r>
               <a:rPr lang="en-US" b="1" dirty="0"/>
-              <a:t>Server (Relaying Party)</a:t>
+              <a:t>Server (Relying Party)</a:t>
             </a:r>
             <a:endParaRPr lang="en-JP" b="1" dirty="0"/>
           </a:p>
@@ -14226,7 +17536,7 @@
             <a:pPr algn="ctr"/>
             <a:r>
               <a:rPr lang="en-US" b="1" dirty="0"/>
-              <a:t>Relaying Party</a:t>
+              <a:t>Relying Party</a:t>
             </a:r>
             <a:r>
               <a:rPr lang="ja-JP" altLang="en-US" b="1"/>

--- a/slides/Figs/figures.pptx
+++ b/slides/Figs/figures.pptx
@@ -275,7 +275,7 @@
           <a:p>
             <a:fld id="{12806DCE-DF2A-A444-87A0-6650BF1B98E4}" type="datetimeFigureOut">
               <a:rPr lang="en-JP" smtClean="0"/>
-              <a:t>2020/05/06</a:t>
+              <a:t>2020/05/08</a:t>
             </a:fld>
             <a:endParaRPr lang="en-JP"/>
           </a:p>
@@ -475,7 +475,7 @@
           <a:p>
             <a:fld id="{12806DCE-DF2A-A444-87A0-6650BF1B98E4}" type="datetimeFigureOut">
               <a:rPr lang="en-JP" smtClean="0"/>
-              <a:t>2020/05/06</a:t>
+              <a:t>2020/05/08</a:t>
             </a:fld>
             <a:endParaRPr lang="en-JP"/>
           </a:p>
@@ -685,7 +685,7 @@
           <a:p>
             <a:fld id="{12806DCE-DF2A-A444-87A0-6650BF1B98E4}" type="datetimeFigureOut">
               <a:rPr lang="en-JP" smtClean="0"/>
-              <a:t>2020/05/06</a:t>
+              <a:t>2020/05/08</a:t>
             </a:fld>
             <a:endParaRPr lang="en-JP"/>
           </a:p>
@@ -885,7 +885,7 @@
           <a:p>
             <a:fld id="{12806DCE-DF2A-A444-87A0-6650BF1B98E4}" type="datetimeFigureOut">
               <a:rPr lang="en-JP" smtClean="0"/>
-              <a:t>2020/05/06</a:t>
+              <a:t>2020/05/08</a:t>
             </a:fld>
             <a:endParaRPr lang="en-JP"/>
           </a:p>
@@ -1161,7 +1161,7 @@
           <a:p>
             <a:fld id="{12806DCE-DF2A-A444-87A0-6650BF1B98E4}" type="datetimeFigureOut">
               <a:rPr lang="en-JP" smtClean="0"/>
-              <a:t>2020/05/06</a:t>
+              <a:t>2020/05/08</a:t>
             </a:fld>
             <a:endParaRPr lang="en-JP"/>
           </a:p>
@@ -1429,7 +1429,7 @@
           <a:p>
             <a:fld id="{12806DCE-DF2A-A444-87A0-6650BF1B98E4}" type="datetimeFigureOut">
               <a:rPr lang="en-JP" smtClean="0"/>
-              <a:t>2020/05/06</a:t>
+              <a:t>2020/05/08</a:t>
             </a:fld>
             <a:endParaRPr lang="en-JP"/>
           </a:p>
@@ -1844,7 +1844,7 @@
           <a:p>
             <a:fld id="{12806DCE-DF2A-A444-87A0-6650BF1B98E4}" type="datetimeFigureOut">
               <a:rPr lang="en-JP" smtClean="0"/>
-              <a:t>2020/05/06</a:t>
+              <a:t>2020/05/08</a:t>
             </a:fld>
             <a:endParaRPr lang="en-JP"/>
           </a:p>
@@ -1986,7 +1986,7 @@
           <a:p>
             <a:fld id="{12806DCE-DF2A-A444-87A0-6650BF1B98E4}" type="datetimeFigureOut">
               <a:rPr lang="en-JP" smtClean="0"/>
-              <a:t>2020/05/06</a:t>
+              <a:t>2020/05/08</a:t>
             </a:fld>
             <a:endParaRPr lang="en-JP"/>
           </a:p>
@@ -2099,7 +2099,7 @@
           <a:p>
             <a:fld id="{12806DCE-DF2A-A444-87A0-6650BF1B98E4}" type="datetimeFigureOut">
               <a:rPr lang="en-JP" smtClean="0"/>
-              <a:t>2020/05/06</a:t>
+              <a:t>2020/05/08</a:t>
             </a:fld>
             <a:endParaRPr lang="en-JP"/>
           </a:p>
@@ -2412,7 +2412,7 @@
           <a:p>
             <a:fld id="{12806DCE-DF2A-A444-87A0-6650BF1B98E4}" type="datetimeFigureOut">
               <a:rPr lang="en-JP" smtClean="0"/>
-              <a:t>2020/05/06</a:t>
+              <a:t>2020/05/08</a:t>
             </a:fld>
             <a:endParaRPr lang="en-JP"/>
           </a:p>
@@ -2701,7 +2701,7 @@
           <a:p>
             <a:fld id="{12806DCE-DF2A-A444-87A0-6650BF1B98E4}" type="datetimeFigureOut">
               <a:rPr lang="en-JP" smtClean="0"/>
-              <a:t>2020/05/06</a:t>
+              <a:t>2020/05/08</a:t>
             </a:fld>
             <a:endParaRPr lang="en-JP"/>
           </a:p>
@@ -2944,7 +2944,7 @@
           <a:p>
             <a:fld id="{12806DCE-DF2A-A444-87A0-6650BF1B98E4}" type="datetimeFigureOut">
               <a:rPr lang="en-JP" smtClean="0"/>
-              <a:t>2020/05/06</a:t>
+              <a:t>2020/05/08</a:t>
             </a:fld>
             <a:endParaRPr lang="en-JP"/>
           </a:p>
@@ -3443,10 +3443,10 @@
       </p:grpSpPr>
       <p:pic>
         <p:nvPicPr>
-          <p:cNvPr id="4" name="Picture 3">
-            <a:extLst>
-              <a:ext uri="{FF2B5EF4-FFF2-40B4-BE49-F238E27FC236}">
-                <a16:creationId xmlns:a16="http://schemas.microsoft.com/office/drawing/2014/main" id="{AE03593B-301A-F749-9424-2125A2FB84A1}"/>
+          <p:cNvPr id="70" name="Picture 69">
+            <a:extLst>
+              <a:ext uri="{FF2B5EF4-FFF2-40B4-BE49-F238E27FC236}">
+                <a16:creationId xmlns:a16="http://schemas.microsoft.com/office/drawing/2014/main" id="{ED9A81C0-19BB-6446-B090-A17DE2D0BDFC}"/>
               </a:ext>
             </a:extLst>
           </p:cNvPr>
@@ -3457,6 +3457,47 @@
         </p:nvPicPr>
         <p:blipFill>
           <a:blip r:embed="rId2"/>
+          <a:stretch>
+            <a:fillRect/>
+          </a:stretch>
+        </p:blipFill>
+        <p:spPr>
+          <a:xfrm>
+            <a:off x="6047048" y="4520730"/>
+            <a:ext cx="756408" cy="176724"/>
+          </a:xfrm>
+          <a:prstGeom prst="rect">
+            <a:avLst/>
+          </a:prstGeom>
+          <a:solidFill>
+            <a:schemeClr val="accent6">
+              <a:lumMod val="20000"/>
+              <a:lumOff val="80000"/>
+            </a:schemeClr>
+          </a:solidFill>
+          <a:ln w="38100">
+            <a:solidFill>
+              <a:schemeClr val="accent6"/>
+            </a:solidFill>
+          </a:ln>
+        </p:spPr>
+      </p:pic>
+      <p:pic>
+        <p:nvPicPr>
+          <p:cNvPr id="4" name="Picture 3">
+            <a:extLst>
+              <a:ext uri="{FF2B5EF4-FFF2-40B4-BE49-F238E27FC236}">
+                <a16:creationId xmlns:a16="http://schemas.microsoft.com/office/drawing/2014/main" id="{AE03593B-301A-F749-9424-2125A2FB84A1}"/>
+              </a:ext>
+            </a:extLst>
+          </p:cNvPr>
+          <p:cNvPicPr>
+            <a:picLocks noChangeAspect="1"/>
+          </p:cNvPicPr>
+          <p:nvPr/>
+        </p:nvPicPr>
+        <p:blipFill>
+          <a:blip r:embed="rId3"/>
           <a:stretch>
             <a:fillRect/>
           </a:stretch>
@@ -3794,36 +3835,6 @@
       </p:cxnSp>
       <p:pic>
         <p:nvPicPr>
-          <p:cNvPr id="25" name="Picture 24">
-            <a:extLst>
-              <a:ext uri="{FF2B5EF4-FFF2-40B4-BE49-F238E27FC236}">
-                <a16:creationId xmlns:a16="http://schemas.microsoft.com/office/drawing/2014/main" id="{DA1C92FC-75E5-4D46-BF4F-170F8B2A51BE}"/>
-              </a:ext>
-            </a:extLst>
-          </p:cNvPr>
-          <p:cNvPicPr>
-            <a:picLocks noChangeAspect="1"/>
-          </p:cNvPicPr>
-          <p:nvPr/>
-        </p:nvPicPr>
-        <p:blipFill>
-          <a:blip r:embed="rId3"/>
-          <a:stretch>
-            <a:fillRect/>
-          </a:stretch>
-        </p:blipFill>
-        <p:spPr>
-          <a:xfrm>
-            <a:off x="6136745" y="3984439"/>
-            <a:ext cx="577013" cy="720957"/>
-          </a:xfrm>
-          <a:prstGeom prst="rect">
-            <a:avLst/>
-          </a:prstGeom>
-        </p:spPr>
-      </p:pic>
-      <p:pic>
-        <p:nvPicPr>
           <p:cNvPr id="26" name="Picture 25">
             <a:extLst>
               <a:ext uri="{FF2B5EF4-FFF2-40B4-BE49-F238E27FC236}">
@@ -3874,7 +3885,7 @@
         </p:blipFill>
         <p:spPr>
           <a:xfrm>
-            <a:off x="6243262" y="4172415"/>
+            <a:off x="6289457" y="4218175"/>
             <a:ext cx="363978" cy="363978"/>
           </a:xfrm>
           <a:prstGeom prst="rect">
@@ -3939,8 +3950,8 @@
         </p:nvSpPr>
         <p:spPr>
           <a:xfrm>
-            <a:off x="6784517" y="4123766"/>
-            <a:ext cx="924839" cy="369332"/>
+            <a:off x="6925665" y="4336064"/>
+            <a:ext cx="1410813" cy="369332"/>
           </a:xfrm>
           <a:prstGeom prst="accentCallout2">
             <a:avLst>
@@ -3977,10 +3988,18 @@
             <a:r>
               <a:rPr lang="en-JP" sz="1200" dirty="0">
                 <a:solidFill>
-                  <a:srgbClr val="FF0000"/>
+                  <a:schemeClr val="tx1"/>
                 </a:solidFill>
               </a:rPr>
-              <a:t>Attestation Certificate</a:t>
+              <a:t>Attestation Private Key</a:t>
+            </a:r>
+            <a:r>
+              <a:rPr lang="ja-JP" altLang="en-US" sz="1200">
+                <a:solidFill>
+                  <a:schemeClr val="tx1"/>
+                </a:solidFill>
+              </a:rPr>
+              <a:t>による署名</a:t>
             </a:r>
             <a:endParaRPr lang="en-JP" sz="1200" dirty="0">
               <a:solidFill>
@@ -4651,7 +4670,7 @@
         <p:spPr>
           <a:xfrm>
             <a:off x="7186501" y="334305"/>
-            <a:ext cx="2264730" cy="461665"/>
+            <a:ext cx="2966902" cy="461665"/>
           </a:xfrm>
           <a:prstGeom prst="rect">
             <a:avLst/>
@@ -4685,15 +4704,15 @@
           <a:p>
             <a:r>
               <a:rPr lang="ja-JP" altLang="en-US" sz="1200" b="1"/>
-              <a:t>　   </a:t>
+              <a:t>　  </a:t>
             </a:r>
             <a:r>
               <a:rPr lang="en-US" altLang="ja-JP" sz="1200" b="1" dirty="0"/>
-              <a:t>Credential Certificate</a:t>
+              <a:t>Attested Credential Public Key</a:t>
             </a:r>
             <a:r>
               <a:rPr lang="ja-JP" altLang="en-US" sz="1200" b="1"/>
-              <a:t>登録</a:t>
+              <a:t>を登録</a:t>
             </a:r>
             <a:endParaRPr lang="en-JP" sz="1200" b="1" dirty="0"/>
           </a:p>
@@ -5476,7 +5495,7 @@
         </p:nvSpPr>
         <p:spPr>
           <a:xfrm>
-            <a:off x="6707725" y="3909303"/>
+            <a:off x="6871424" y="3897402"/>
             <a:ext cx="3207929" cy="461665"/>
           </a:xfrm>
           <a:prstGeom prst="rect">
@@ -5636,7 +5655,7 @@
         <p:spPr>
           <a:xfrm>
             <a:off x="7186501" y="84255"/>
-            <a:ext cx="2264730" cy="461665"/>
+            <a:ext cx="2771040" cy="461665"/>
           </a:xfrm>
           <a:prstGeom prst="rect">
             <a:avLst/>
@@ -5670,15 +5689,23 @@
           <a:p>
             <a:r>
               <a:rPr lang="ja-JP" altLang="en-US" sz="1200" b="1"/>
-              <a:t>　   </a:t>
+              <a:t>　  </a:t>
             </a:r>
             <a:r>
               <a:rPr lang="en-US" altLang="ja-JP" sz="1200" b="1" dirty="0"/>
-              <a:t>Credential Certificate</a:t>
+              <a:t>Attested</a:t>
             </a:r>
             <a:r>
               <a:rPr lang="ja-JP" altLang="en-US" sz="1200" b="1"/>
-              <a:t>登録</a:t>
+              <a:t> </a:t>
+            </a:r>
+            <a:r>
+              <a:rPr lang="en-US" altLang="ja-JP" sz="1200" b="1" dirty="0"/>
+              <a:t>Credential Public Key</a:t>
+            </a:r>
+            <a:r>
+              <a:rPr lang="ja-JP" altLang="en-US" sz="1200" b="1"/>
+              <a:t>の登録</a:t>
             </a:r>
             <a:endParaRPr lang="en-JP" sz="1200" b="1" dirty="0"/>
           </a:p>
@@ -5686,10 +5713,10 @@
       </p:sp>
       <p:pic>
         <p:nvPicPr>
-          <p:cNvPr id="29" name="Picture 28">
-            <a:extLst>
-              <a:ext uri="{FF2B5EF4-FFF2-40B4-BE49-F238E27FC236}">
-                <a16:creationId xmlns:a16="http://schemas.microsoft.com/office/drawing/2014/main" id="{7368AD10-BA72-2548-BD8D-481A34498B6D}"/>
+          <p:cNvPr id="31" name="Picture 30">
+            <a:extLst>
+              <a:ext uri="{FF2B5EF4-FFF2-40B4-BE49-F238E27FC236}">
+                <a16:creationId xmlns:a16="http://schemas.microsoft.com/office/drawing/2014/main" id="{A66662D6-03CB-AB4A-87F8-3041B461665C}"/>
               </a:ext>
             </a:extLst>
           </p:cNvPr>
@@ -5706,20 +5733,107 @@
         </p:blipFill>
         <p:spPr>
           <a:xfrm>
-            <a:off x="5651832" y="3907718"/>
-            <a:ext cx="369490" cy="461665"/>
+            <a:off x="4530619" y="3956613"/>
+            <a:ext cx="407646" cy="407646"/>
           </a:xfrm>
           <a:prstGeom prst="rect">
             <a:avLst/>
           </a:prstGeom>
         </p:spPr>
       </p:pic>
+      <p:sp>
+        <p:nvSpPr>
+          <p:cNvPr id="32" name="TextBox 31">
+            <a:extLst>
+              <a:ext uri="{FF2B5EF4-FFF2-40B4-BE49-F238E27FC236}">
+                <a16:creationId xmlns:a16="http://schemas.microsoft.com/office/drawing/2014/main" id="{969BED74-38CB-4148-881C-135F38EE66F3}"/>
+              </a:ext>
+            </a:extLst>
+          </p:cNvPr>
+          <p:cNvSpPr txBox="1"/>
+          <p:nvPr/>
+        </p:nvSpPr>
+        <p:spPr>
+          <a:xfrm>
+            <a:off x="4836191" y="3937811"/>
+            <a:ext cx="838691" cy="430887"/>
+          </a:xfrm>
+          <a:prstGeom prst="rect">
+            <a:avLst/>
+          </a:prstGeom>
+          <a:noFill/>
+        </p:spPr>
+        <p:txBody>
+          <a:bodyPr wrap="none" rtlCol="0">
+            <a:spAutoFit/>
+          </a:bodyPr>
+          <a:lstStyle/>
+          <a:p>
+            <a:pPr algn="ctr"/>
+            <a:r>
+              <a:rPr lang="en-US" altLang="ja-JP" sz="1100" b="1" dirty="0"/>
+              <a:t>Credential</a:t>
+            </a:r>
+          </a:p>
+          <a:p>
+            <a:pPr algn="ctr"/>
+            <a:r>
+              <a:rPr lang="en-US" altLang="ja-JP" sz="1100" b="1" dirty="0"/>
+              <a:t>Private key</a:t>
+            </a:r>
+            <a:endParaRPr lang="en-JP" sz="1100" b="1" dirty="0"/>
+          </a:p>
+        </p:txBody>
+      </p:sp>
+      <p:sp>
+        <p:nvSpPr>
+          <p:cNvPr id="33" name="TextBox 32">
+            <a:extLst>
+              <a:ext uri="{FF2B5EF4-FFF2-40B4-BE49-F238E27FC236}">
+                <a16:creationId xmlns:a16="http://schemas.microsoft.com/office/drawing/2014/main" id="{635EA6E4-C0ED-A74A-B366-C5D526D7F5B8}"/>
+              </a:ext>
+            </a:extLst>
+          </p:cNvPr>
+          <p:cNvSpPr txBox="1"/>
+          <p:nvPr/>
+        </p:nvSpPr>
+        <p:spPr>
+          <a:xfrm>
+            <a:off x="6190972" y="3944992"/>
+            <a:ext cx="790601" cy="430887"/>
+          </a:xfrm>
+          <a:prstGeom prst="rect">
+            <a:avLst/>
+          </a:prstGeom>
+          <a:noFill/>
+        </p:spPr>
+        <p:txBody>
+          <a:bodyPr wrap="none" rtlCol="0">
+            <a:spAutoFit/>
+          </a:bodyPr>
+          <a:lstStyle/>
+          <a:p>
+            <a:pPr algn="ctr"/>
+            <a:r>
+              <a:rPr lang="en-US" altLang="ja-JP" sz="1100" b="1" dirty="0"/>
+              <a:t>Credential</a:t>
+            </a:r>
+            <a:br>
+              <a:rPr lang="en-US" altLang="ja-JP" sz="1100" b="1" dirty="0"/>
+            </a:br>
+            <a:r>
+              <a:rPr lang="en-US" altLang="ja-JP" sz="1100" b="1" dirty="0"/>
+              <a:t>Public Key</a:t>
+            </a:r>
+          </a:p>
+        </p:txBody>
+      </p:sp>
       <p:pic>
         <p:nvPicPr>
-          <p:cNvPr id="30" name="Picture 29">
-            <a:extLst>
-              <a:ext uri="{FF2B5EF4-FFF2-40B4-BE49-F238E27FC236}">
-                <a16:creationId xmlns:a16="http://schemas.microsoft.com/office/drawing/2014/main" id="{9DE219C0-1324-D14E-BEE1-126EAD00A687}"/>
+          <p:cNvPr id="34" name="Picture 33">
+            <a:extLst>
+              <a:ext uri="{FF2B5EF4-FFF2-40B4-BE49-F238E27FC236}">
+                <a16:creationId xmlns:a16="http://schemas.microsoft.com/office/drawing/2014/main" id="{CB4927AA-DF97-6D42-ADF2-DF1B7FD806FB}"/>
               </a:ext>
             </a:extLst>
           </p:cNvPr>
@@ -5736,20 +5850,31 @@
         </p:blipFill>
         <p:spPr>
           <a:xfrm>
-            <a:off x="5651831" y="3983789"/>
-            <a:ext cx="342327" cy="342327"/>
+            <a:off x="5651831" y="4219422"/>
+            <a:ext cx="539141" cy="125963"/>
           </a:xfrm>
           <a:prstGeom prst="rect">
             <a:avLst/>
           </a:prstGeom>
+          <a:solidFill>
+            <a:schemeClr val="accent6">
+              <a:lumMod val="20000"/>
+              <a:lumOff val="80000"/>
+            </a:schemeClr>
+          </a:solidFill>
+          <a:ln w="38100">
+            <a:solidFill>
+              <a:schemeClr val="accent6"/>
+            </a:solidFill>
+          </a:ln>
         </p:spPr>
       </p:pic>
       <p:pic>
         <p:nvPicPr>
-          <p:cNvPr id="31" name="Picture 30">
-            <a:extLst>
-              <a:ext uri="{FF2B5EF4-FFF2-40B4-BE49-F238E27FC236}">
-                <a16:creationId xmlns:a16="http://schemas.microsoft.com/office/drawing/2014/main" id="{A66662D6-03CB-AB4A-87F8-3041B461665C}"/>
+          <p:cNvPr id="30" name="Picture 29">
+            <a:extLst>
+              <a:ext uri="{FF2B5EF4-FFF2-40B4-BE49-F238E27FC236}">
+                <a16:creationId xmlns:a16="http://schemas.microsoft.com/office/drawing/2014/main" id="{9DE219C0-1324-D14E-BEE1-126EAD00A687}"/>
               </a:ext>
             </a:extLst>
           </p:cNvPr>
@@ -5766,125 +5891,8 @@
         </p:blipFill>
         <p:spPr>
           <a:xfrm>
-            <a:off x="4530619" y="3956613"/>
-            <a:ext cx="407646" cy="407646"/>
-          </a:xfrm>
-          <a:prstGeom prst="rect">
-            <a:avLst/>
-          </a:prstGeom>
-        </p:spPr>
-      </p:pic>
-      <p:sp>
-        <p:nvSpPr>
-          <p:cNvPr id="32" name="TextBox 31">
-            <a:extLst>
-              <a:ext uri="{FF2B5EF4-FFF2-40B4-BE49-F238E27FC236}">
-                <a16:creationId xmlns:a16="http://schemas.microsoft.com/office/drawing/2014/main" id="{969BED74-38CB-4148-881C-135F38EE66F3}"/>
-              </a:ext>
-            </a:extLst>
-          </p:cNvPr>
-          <p:cNvSpPr txBox="1"/>
-          <p:nvPr/>
-        </p:nvSpPr>
-        <p:spPr>
-          <a:xfrm>
-            <a:off x="4836191" y="3937811"/>
-            <a:ext cx="838691" cy="430887"/>
-          </a:xfrm>
-          <a:prstGeom prst="rect">
-            <a:avLst/>
-          </a:prstGeom>
-          <a:noFill/>
-        </p:spPr>
-        <p:txBody>
-          <a:bodyPr wrap="none" rtlCol="0">
-            <a:spAutoFit/>
-          </a:bodyPr>
-          <a:lstStyle/>
-          <a:p>
-            <a:pPr algn="ctr"/>
-            <a:r>
-              <a:rPr lang="en-US" altLang="ja-JP" sz="1100" b="1" dirty="0"/>
-              <a:t>Credential</a:t>
-            </a:r>
-          </a:p>
-          <a:p>
-            <a:pPr algn="ctr"/>
-            <a:r>
-              <a:rPr lang="en-US" altLang="ja-JP" sz="1100" b="1" dirty="0"/>
-              <a:t>Private key</a:t>
-            </a:r>
-            <a:endParaRPr lang="en-JP" sz="1100" b="1" dirty="0"/>
-          </a:p>
-        </p:txBody>
-      </p:sp>
-      <p:sp>
-        <p:nvSpPr>
-          <p:cNvPr id="33" name="TextBox 32">
-            <a:extLst>
-              <a:ext uri="{FF2B5EF4-FFF2-40B4-BE49-F238E27FC236}">
-                <a16:creationId xmlns:a16="http://schemas.microsoft.com/office/drawing/2014/main" id="{635EA6E4-C0ED-A74A-B366-C5D526D7F5B8}"/>
-              </a:ext>
-            </a:extLst>
-          </p:cNvPr>
-          <p:cNvSpPr txBox="1"/>
-          <p:nvPr/>
-        </p:nvSpPr>
-        <p:spPr>
-          <a:xfrm>
-            <a:off x="5980454" y="3933768"/>
-            <a:ext cx="790601" cy="430887"/>
-          </a:xfrm>
-          <a:prstGeom prst="rect">
-            <a:avLst/>
-          </a:prstGeom>
-          <a:noFill/>
-        </p:spPr>
-        <p:txBody>
-          <a:bodyPr wrap="none" rtlCol="0">
-            <a:spAutoFit/>
-          </a:bodyPr>
-          <a:lstStyle/>
-          <a:p>
-            <a:pPr algn="ctr"/>
-            <a:r>
-              <a:rPr lang="en-US" altLang="ja-JP" sz="1100" b="1" dirty="0"/>
-              <a:t>Credential</a:t>
-            </a:r>
-            <a:br>
-              <a:rPr lang="en-US" altLang="ja-JP" sz="1100" b="1" dirty="0"/>
-            </a:br>
-            <a:r>
-              <a:rPr lang="en-US" altLang="ja-JP" sz="1100" b="1" dirty="0"/>
-              <a:t>Certificate</a:t>
-            </a:r>
-          </a:p>
-        </p:txBody>
-      </p:sp>
-      <p:pic>
-        <p:nvPicPr>
-          <p:cNvPr id="37" name="Picture 36">
-            <a:extLst>
-              <a:ext uri="{FF2B5EF4-FFF2-40B4-BE49-F238E27FC236}">
-                <a16:creationId xmlns:a16="http://schemas.microsoft.com/office/drawing/2014/main" id="{0BF9C03C-22E7-3A49-8433-C0F077261303}"/>
-              </a:ext>
-            </a:extLst>
-          </p:cNvPr>
-          <p:cNvPicPr>
-            <a:picLocks noChangeAspect="1"/>
-          </p:cNvPicPr>
-          <p:nvPr/>
-        </p:nvPicPr>
-        <p:blipFill>
-          <a:blip r:embed="rId3"/>
-          <a:stretch>
-            <a:fillRect/>
-          </a:stretch>
-        </p:blipFill>
-        <p:spPr>
-          <a:xfrm>
-            <a:off x="6845980" y="2849410"/>
-            <a:ext cx="369490" cy="461665"/>
+            <a:off x="5765474" y="3940076"/>
+            <a:ext cx="342327" cy="342327"/>
           </a:xfrm>
           <a:prstGeom prst="rect">
             <a:avLst/>
@@ -5893,10 +5901,10 @@
       </p:pic>
       <p:pic>
         <p:nvPicPr>
-          <p:cNvPr id="38" name="Picture 37">
-            <a:extLst>
-              <a:ext uri="{FF2B5EF4-FFF2-40B4-BE49-F238E27FC236}">
-                <a16:creationId xmlns:a16="http://schemas.microsoft.com/office/drawing/2014/main" id="{7AABA3A2-EE0C-A645-950B-120C01208E76}"/>
+          <p:cNvPr id="36" name="Picture 35">
+            <a:extLst>
+              <a:ext uri="{FF2B5EF4-FFF2-40B4-BE49-F238E27FC236}">
+                <a16:creationId xmlns:a16="http://schemas.microsoft.com/office/drawing/2014/main" id="{13FE219C-F4FA-D246-B8A9-C2B23B2AA6FF}"/>
               </a:ext>
             </a:extLst>
           </p:cNvPr>
@@ -5913,20 +5921,31 @@
         </p:blipFill>
         <p:spPr>
           <a:xfrm>
-            <a:off x="6845979" y="2925481"/>
-            <a:ext cx="342327" cy="342327"/>
+            <a:off x="6704038" y="3126189"/>
+            <a:ext cx="539141" cy="125963"/>
           </a:xfrm>
           <a:prstGeom prst="rect">
             <a:avLst/>
           </a:prstGeom>
+          <a:solidFill>
+            <a:schemeClr val="accent6">
+              <a:lumMod val="20000"/>
+              <a:lumOff val="80000"/>
+            </a:schemeClr>
+          </a:solidFill>
+          <a:ln w="38100">
+            <a:solidFill>
+              <a:schemeClr val="accent6"/>
+            </a:solidFill>
+          </a:ln>
         </p:spPr>
       </p:pic>
       <p:pic>
         <p:nvPicPr>
-          <p:cNvPr id="39" name="Picture 38">
-            <a:extLst>
-              <a:ext uri="{FF2B5EF4-FFF2-40B4-BE49-F238E27FC236}">
-                <a16:creationId xmlns:a16="http://schemas.microsoft.com/office/drawing/2014/main" id="{EAEAAB36-75E2-2D47-A977-EDF19F60A327}"/>
+          <p:cNvPr id="43" name="Picture 42">
+            <a:extLst>
+              <a:ext uri="{FF2B5EF4-FFF2-40B4-BE49-F238E27FC236}">
+                <a16:creationId xmlns:a16="http://schemas.microsoft.com/office/drawing/2014/main" id="{87D8CD30-CDB4-7443-8D5E-BCAD0212B0EB}"/>
               </a:ext>
             </a:extLst>
           </p:cNvPr>
@@ -5936,15 +5955,15 @@
           <p:nvPr/>
         </p:nvPicPr>
         <p:blipFill>
-          <a:blip r:embed="rId3"/>
+          <a:blip r:embed="rId5"/>
           <a:stretch>
             <a:fillRect/>
           </a:stretch>
         </p:blipFill>
         <p:spPr>
           <a:xfrm>
-            <a:off x="6844175" y="1157877"/>
-            <a:ext cx="369490" cy="461665"/>
+            <a:off x="6817681" y="2846843"/>
+            <a:ext cx="342327" cy="342327"/>
           </a:xfrm>
           <a:prstGeom prst="rect">
             <a:avLst/>
@@ -5953,10 +5972,10 @@
       </p:pic>
       <p:pic>
         <p:nvPicPr>
-          <p:cNvPr id="40" name="Picture 39">
-            <a:extLst>
-              <a:ext uri="{FF2B5EF4-FFF2-40B4-BE49-F238E27FC236}">
-                <a16:creationId xmlns:a16="http://schemas.microsoft.com/office/drawing/2014/main" id="{3E319ED5-4EEC-E049-93AA-C8BF14A935E8}"/>
+          <p:cNvPr id="44" name="Picture 43">
+            <a:extLst>
+              <a:ext uri="{FF2B5EF4-FFF2-40B4-BE49-F238E27FC236}">
+                <a16:creationId xmlns:a16="http://schemas.microsoft.com/office/drawing/2014/main" id="{0A7198CA-4B04-8A48-8DD7-0DA6BDAE6590}"/>
               </a:ext>
             </a:extLst>
           </p:cNvPr>
@@ -5973,20 +5992,31 @@
         </p:blipFill>
         <p:spPr>
           <a:xfrm>
-            <a:off x="6844174" y="1233948"/>
-            <a:ext cx="342327" cy="342327"/>
+            <a:off x="6696766" y="1436908"/>
+            <a:ext cx="539141" cy="125963"/>
           </a:xfrm>
           <a:prstGeom prst="rect">
             <a:avLst/>
           </a:prstGeom>
+          <a:solidFill>
+            <a:schemeClr val="accent6">
+              <a:lumMod val="20000"/>
+              <a:lumOff val="80000"/>
+            </a:schemeClr>
+          </a:solidFill>
+          <a:ln w="38100">
+            <a:solidFill>
+              <a:schemeClr val="accent6"/>
+            </a:solidFill>
+          </a:ln>
         </p:spPr>
       </p:pic>
       <p:pic>
         <p:nvPicPr>
-          <p:cNvPr id="41" name="Picture 40">
-            <a:extLst>
-              <a:ext uri="{FF2B5EF4-FFF2-40B4-BE49-F238E27FC236}">
-                <a16:creationId xmlns:a16="http://schemas.microsoft.com/office/drawing/2014/main" id="{5280AB8C-F5A4-5940-8ABF-B330E0A290B1}"/>
+          <p:cNvPr id="45" name="Picture 44">
+            <a:extLst>
+              <a:ext uri="{FF2B5EF4-FFF2-40B4-BE49-F238E27FC236}">
+                <a16:creationId xmlns:a16="http://schemas.microsoft.com/office/drawing/2014/main" id="{B4C08914-B8A6-EE4F-A8A8-DB6EE1319D25}"/>
               </a:ext>
             </a:extLst>
           </p:cNvPr>
@@ -5996,15 +6026,15 @@
           <p:nvPr/>
         </p:nvPicPr>
         <p:blipFill>
-          <a:blip r:embed="rId3"/>
+          <a:blip r:embed="rId5"/>
           <a:stretch>
             <a:fillRect/>
           </a:stretch>
         </p:blipFill>
         <p:spPr>
           <a:xfrm>
-            <a:off x="6856227" y="69719"/>
-            <a:ext cx="369490" cy="461665"/>
+            <a:off x="6810409" y="1157562"/>
+            <a:ext cx="342327" cy="342327"/>
           </a:xfrm>
           <a:prstGeom prst="rect">
             <a:avLst/>
@@ -6013,10 +6043,10 @@
       </p:pic>
       <p:pic>
         <p:nvPicPr>
-          <p:cNvPr id="42" name="Picture 41">
-            <a:extLst>
-              <a:ext uri="{FF2B5EF4-FFF2-40B4-BE49-F238E27FC236}">
-                <a16:creationId xmlns:a16="http://schemas.microsoft.com/office/drawing/2014/main" id="{4A776D00-91B5-2F4D-84A9-7B951965CAB1}"/>
+          <p:cNvPr id="46" name="Picture 45">
+            <a:extLst>
+              <a:ext uri="{FF2B5EF4-FFF2-40B4-BE49-F238E27FC236}">
+                <a16:creationId xmlns:a16="http://schemas.microsoft.com/office/drawing/2014/main" id="{96162302-A3B6-5041-9523-E359CB3F2014}"/>
               </a:ext>
             </a:extLst>
           </p:cNvPr>
@@ -6033,7 +6063,48 @@
         </p:blipFill>
         <p:spPr>
           <a:xfrm>
-            <a:off x="6856226" y="145790"/>
+            <a:off x="6708028" y="371413"/>
+            <a:ext cx="539141" cy="125963"/>
+          </a:xfrm>
+          <a:prstGeom prst="rect">
+            <a:avLst/>
+          </a:prstGeom>
+          <a:solidFill>
+            <a:schemeClr val="accent6">
+              <a:lumMod val="20000"/>
+              <a:lumOff val="80000"/>
+            </a:schemeClr>
+          </a:solidFill>
+          <a:ln w="38100">
+            <a:solidFill>
+              <a:schemeClr val="accent6"/>
+            </a:solidFill>
+          </a:ln>
+        </p:spPr>
+      </p:pic>
+      <p:pic>
+        <p:nvPicPr>
+          <p:cNvPr id="47" name="Picture 46">
+            <a:extLst>
+              <a:ext uri="{FF2B5EF4-FFF2-40B4-BE49-F238E27FC236}">
+                <a16:creationId xmlns:a16="http://schemas.microsoft.com/office/drawing/2014/main" id="{8030818F-769D-5947-BEBC-9365317D023A}"/>
+              </a:ext>
+            </a:extLst>
+          </p:cNvPr>
+          <p:cNvPicPr>
+            <a:picLocks noChangeAspect="1"/>
+          </p:cNvPicPr>
+          <p:nvPr/>
+        </p:nvPicPr>
+        <p:blipFill>
+          <a:blip r:embed="rId5"/>
+          <a:stretch>
+            <a:fillRect/>
+          </a:stretch>
+        </p:blipFill>
+        <p:spPr>
+          <a:xfrm>
+            <a:off x="6821671" y="92067"/>
             <a:ext cx="342327" cy="342327"/>
           </a:xfrm>
           <a:prstGeom prst="rect">
@@ -6112,12 +6183,260 @@
           <a:chExt cx="0" cy="0"/>
         </a:xfrm>
       </p:grpSpPr>
+      <p:sp>
+        <p:nvSpPr>
+          <p:cNvPr id="17" name="TextBox 16">
+            <a:extLst>
+              <a:ext uri="{FF2B5EF4-FFF2-40B4-BE49-F238E27FC236}">
+                <a16:creationId xmlns:a16="http://schemas.microsoft.com/office/drawing/2014/main" id="{511681B5-1931-004B-9856-198305101D77}"/>
+              </a:ext>
+            </a:extLst>
+          </p:cNvPr>
+          <p:cNvSpPr txBox="1"/>
+          <p:nvPr/>
+        </p:nvSpPr>
+        <p:spPr>
+          <a:xfrm>
+            <a:off x="2849719" y="2995222"/>
+            <a:ext cx="2125967" cy="276999"/>
+          </a:xfrm>
+          <a:prstGeom prst="rect">
+            <a:avLst/>
+          </a:prstGeom>
+          <a:noFill/>
+        </p:spPr>
+        <p:txBody>
+          <a:bodyPr wrap="none" rtlCol="0">
+            <a:spAutoFit/>
+          </a:bodyPr>
+          <a:lstStyle/>
+          <a:p>
+            <a:r>
+              <a:rPr lang="en-JP" sz="1200" b="1" dirty="0">
+                <a:solidFill>
+                  <a:schemeClr val="bg2">
+                    <a:lumMod val="90000"/>
+                  </a:schemeClr>
+                </a:solidFill>
+              </a:rPr>
+              <a:t>③Credential</a:t>
+            </a:r>
+            <a:r>
+              <a:rPr lang="ja-JP" altLang="en-US" sz="1200" b="1">
+                <a:solidFill>
+                  <a:schemeClr val="bg2">
+                    <a:lumMod val="90000"/>
+                  </a:schemeClr>
+                </a:solidFill>
+              </a:rPr>
+              <a:t>生成要求の送付</a:t>
+            </a:r>
+            <a:endParaRPr lang="en-JP" sz="1200" b="1" dirty="0">
+              <a:solidFill>
+                <a:schemeClr val="bg2">
+                  <a:lumMod val="90000"/>
+                </a:schemeClr>
+              </a:solidFill>
+            </a:endParaRPr>
+          </a:p>
+        </p:txBody>
+      </p:sp>
+      <p:sp>
+        <p:nvSpPr>
+          <p:cNvPr id="34" name="TextBox 33">
+            <a:extLst>
+              <a:ext uri="{FF2B5EF4-FFF2-40B4-BE49-F238E27FC236}">
+                <a16:creationId xmlns:a16="http://schemas.microsoft.com/office/drawing/2014/main" id="{F2972BFC-D727-F54B-9014-D83BE51FA924}"/>
+              </a:ext>
+            </a:extLst>
+          </p:cNvPr>
+          <p:cNvSpPr txBox="1"/>
+          <p:nvPr/>
+        </p:nvSpPr>
+        <p:spPr>
+          <a:xfrm>
+            <a:off x="2196176" y="1157877"/>
+            <a:ext cx="2698880" cy="461665"/>
+          </a:xfrm>
+          <a:prstGeom prst="rect">
+            <a:avLst/>
+          </a:prstGeom>
+          <a:noFill/>
+        </p:spPr>
+        <p:txBody>
+          <a:bodyPr wrap="none" rtlCol="0">
+            <a:spAutoFit/>
+          </a:bodyPr>
+          <a:lstStyle/>
+          <a:p>
+            <a:r>
+              <a:rPr lang="en-JP" sz="1200" b="1" dirty="0">
+                <a:highlight>
+                  <a:srgbClr val="FFFF00"/>
+                </a:highlight>
+              </a:rPr>
+              <a:t>①</a:t>
+            </a:r>
+            <a:r>
+              <a:rPr lang="ja-JP" altLang="en-US" sz="1200" b="1">
+                <a:highlight>
+                  <a:srgbClr val="FFFF00"/>
+                </a:highlight>
+              </a:rPr>
+              <a:t> </a:t>
+            </a:r>
+            <a:r>
+              <a:rPr lang="en-US" altLang="ja-JP" sz="1200" b="1" dirty="0">
+                <a:highlight>
+                  <a:srgbClr val="FFFF00"/>
+                </a:highlight>
+              </a:rPr>
+              <a:t>Credential Certificate</a:t>
+            </a:r>
+            <a:r>
+              <a:rPr lang="ja-JP" altLang="en-US" sz="1200" b="1">
+                <a:highlight>
+                  <a:srgbClr val="FFFF00"/>
+                </a:highlight>
+              </a:rPr>
+              <a:t>生成のための</a:t>
+            </a:r>
+            <a:endParaRPr lang="en-US" altLang="ja-JP" sz="1200" b="1" dirty="0">
+              <a:highlight>
+                <a:srgbClr val="FFFF00"/>
+              </a:highlight>
+            </a:endParaRPr>
+          </a:p>
+          <a:p>
+            <a:r>
+              <a:rPr lang="ja-JP" altLang="en-US" sz="1200" b="1">
+                <a:highlight>
+                  <a:srgbClr val="FFFF00"/>
+                </a:highlight>
+              </a:rPr>
+              <a:t>　  パラメータ送付</a:t>
+            </a:r>
+            <a:endParaRPr lang="en-JP" sz="1200" b="1" dirty="0">
+              <a:highlight>
+                <a:srgbClr val="FFFF00"/>
+              </a:highlight>
+            </a:endParaRPr>
+          </a:p>
+        </p:txBody>
+      </p:sp>
+      <p:sp>
+        <p:nvSpPr>
+          <p:cNvPr id="35" name="TextBox 34">
+            <a:extLst>
+              <a:ext uri="{FF2B5EF4-FFF2-40B4-BE49-F238E27FC236}">
+                <a16:creationId xmlns:a16="http://schemas.microsoft.com/office/drawing/2014/main" id="{494F0802-E491-7D49-BDC3-35331A5543E0}"/>
+              </a:ext>
+            </a:extLst>
+          </p:cNvPr>
+          <p:cNvSpPr txBox="1"/>
+          <p:nvPr/>
+        </p:nvSpPr>
+        <p:spPr>
+          <a:xfrm>
+            <a:off x="1574667" y="2012954"/>
+            <a:ext cx="3153620" cy="461665"/>
+          </a:xfrm>
+          <a:prstGeom prst="rect">
+            <a:avLst/>
+          </a:prstGeom>
+          <a:noFill/>
+        </p:spPr>
+        <p:txBody>
+          <a:bodyPr wrap="none" rtlCol="0">
+            <a:spAutoFit/>
+          </a:bodyPr>
+          <a:lstStyle/>
+          <a:p>
+            <a:r>
+              <a:rPr lang="en-JP" sz="1200" b="1" dirty="0">
+                <a:solidFill>
+                  <a:schemeClr val="bg2">
+                    <a:lumMod val="90000"/>
+                  </a:schemeClr>
+                </a:solidFill>
+              </a:rPr>
+              <a:t>② </a:t>
+            </a:r>
+            <a:r>
+              <a:rPr lang="en-US" altLang="ja-JP" sz="1200" b="1" dirty="0" err="1">
+                <a:solidFill>
+                  <a:schemeClr val="bg2">
+                    <a:lumMod val="90000"/>
+                  </a:schemeClr>
+                </a:solidFill>
+              </a:rPr>
+              <a:t>PublicKeyCredentialCreationOption</a:t>
+            </a:r>
+            <a:r>
+              <a:rPr lang="ja-JP" altLang="en-US" sz="1200" b="1">
+                <a:solidFill>
+                  <a:schemeClr val="bg2">
+                    <a:lumMod val="90000"/>
+                  </a:schemeClr>
+                </a:solidFill>
+              </a:rPr>
+              <a:t>生成、</a:t>
+            </a:r>
+            <a:endParaRPr lang="en-US" altLang="ja-JP" sz="1200" b="1" dirty="0">
+              <a:solidFill>
+                <a:schemeClr val="bg2">
+                  <a:lumMod val="90000"/>
+                </a:schemeClr>
+              </a:solidFill>
+            </a:endParaRPr>
+          </a:p>
+          <a:p>
+            <a:r>
+              <a:rPr lang="ja-JP" altLang="en-US" sz="1200" b="1">
+                <a:solidFill>
+                  <a:schemeClr val="bg2">
+                    <a:lumMod val="90000"/>
+                  </a:schemeClr>
+                </a:solidFill>
+              </a:rPr>
+              <a:t>　  認証器へ</a:t>
+            </a:r>
+            <a:r>
+              <a:rPr lang="en-US" altLang="ja-JP" sz="1200" b="1" dirty="0">
+                <a:solidFill>
+                  <a:schemeClr val="bg2">
+                    <a:lumMod val="90000"/>
+                  </a:schemeClr>
+                </a:solidFill>
+              </a:rPr>
+              <a:t>Credential</a:t>
+            </a:r>
+            <a:r>
+              <a:rPr lang="ja-JP" altLang="en-US" sz="1200" b="1">
+                <a:solidFill>
+                  <a:schemeClr val="bg2">
+                    <a:lumMod val="90000"/>
+                  </a:schemeClr>
+                </a:solidFill>
+              </a:rPr>
+              <a:t>生成要求</a:t>
+            </a:r>
+            <a:endParaRPr lang="en-JP" sz="1200" b="1" dirty="0">
+              <a:solidFill>
+                <a:schemeClr val="bg2">
+                  <a:lumMod val="90000"/>
+                </a:schemeClr>
+              </a:solidFill>
+            </a:endParaRPr>
+          </a:p>
+        </p:txBody>
+      </p:sp>
       <p:pic>
         <p:nvPicPr>
-          <p:cNvPr id="4" name="Picture 3">
-            <a:extLst>
-              <a:ext uri="{FF2B5EF4-FFF2-40B4-BE49-F238E27FC236}">
-                <a16:creationId xmlns:a16="http://schemas.microsoft.com/office/drawing/2014/main" id="{7BB16E77-4C5A-EE4B-8951-017E2E34B25A}"/>
+          <p:cNvPr id="36" name="Picture 35">
+            <a:extLst>
+              <a:ext uri="{FF2B5EF4-FFF2-40B4-BE49-F238E27FC236}">
+                <a16:creationId xmlns:a16="http://schemas.microsoft.com/office/drawing/2014/main" id="{4FA91516-414C-3D40-96D4-13A67EABF887}"/>
               </a:ext>
             </a:extLst>
           </p:cNvPr>
@@ -6144,10 +6463,10 @@
       </p:pic>
       <p:sp>
         <p:nvSpPr>
-          <p:cNvPr id="5" name="Rounded Rectangle 4">
-            <a:extLst>
-              <a:ext uri="{FF2B5EF4-FFF2-40B4-BE49-F238E27FC236}">
-                <a16:creationId xmlns:a16="http://schemas.microsoft.com/office/drawing/2014/main" id="{DE13ECB7-BAE5-AE44-B6FA-E837ED650D36}"/>
+          <p:cNvPr id="43" name="Rounded Rectangle 42">
+            <a:extLst>
+              <a:ext uri="{FF2B5EF4-FFF2-40B4-BE49-F238E27FC236}">
+                <a16:creationId xmlns:a16="http://schemas.microsoft.com/office/drawing/2014/main" id="{42EAED36-01D1-0D40-A069-DFC5D2C9A6F6}"/>
               </a:ext>
             </a:extLst>
           </p:cNvPr>
@@ -6193,10 +6512,10 @@
       </p:sp>
       <p:sp>
         <p:nvSpPr>
-          <p:cNvPr id="6" name="Rounded Rectangle 5">
-            <a:extLst>
-              <a:ext uri="{FF2B5EF4-FFF2-40B4-BE49-F238E27FC236}">
-                <a16:creationId xmlns:a16="http://schemas.microsoft.com/office/drawing/2014/main" id="{7EC16796-AA12-7642-9453-F8A3E98CA0F1}"/>
+          <p:cNvPr id="44" name="Rounded Rectangle 43">
+            <a:extLst>
+              <a:ext uri="{FF2B5EF4-FFF2-40B4-BE49-F238E27FC236}">
+                <a16:creationId xmlns:a16="http://schemas.microsoft.com/office/drawing/2014/main" id="{2F784A98-D53D-2A44-8A79-163BE6CCCD74}"/>
               </a:ext>
             </a:extLst>
           </p:cNvPr>
@@ -6242,10 +6561,10 @@
       </p:sp>
       <p:sp>
         <p:nvSpPr>
-          <p:cNvPr id="7" name="Rounded Rectangle 6">
-            <a:extLst>
-              <a:ext uri="{FF2B5EF4-FFF2-40B4-BE49-F238E27FC236}">
-                <a16:creationId xmlns:a16="http://schemas.microsoft.com/office/drawing/2014/main" id="{667C2817-EB5F-234E-B260-12E87E4C5165}"/>
+          <p:cNvPr id="45" name="Rounded Rectangle 44">
+            <a:extLst>
+              <a:ext uri="{FF2B5EF4-FFF2-40B4-BE49-F238E27FC236}">
+                <a16:creationId xmlns:a16="http://schemas.microsoft.com/office/drawing/2014/main" id="{5EEE6D65-619A-4D4F-A206-85AD165C1DCC}"/>
               </a:ext>
             </a:extLst>
           </p:cNvPr>
@@ -6299,10 +6618,10 @@
       </p:sp>
       <p:cxnSp>
         <p:nvCxnSpPr>
-          <p:cNvPr id="8" name="Straight Arrow Connector 7">
-            <a:extLst>
-              <a:ext uri="{FF2B5EF4-FFF2-40B4-BE49-F238E27FC236}">
-                <a16:creationId xmlns:a16="http://schemas.microsoft.com/office/drawing/2014/main" id="{E3E40130-3BED-B941-88CF-D1299972173E}"/>
+          <p:cNvPr id="46" name="Straight Arrow Connector 45">
+            <a:extLst>
+              <a:ext uri="{FF2B5EF4-FFF2-40B4-BE49-F238E27FC236}">
+                <a16:creationId xmlns:a16="http://schemas.microsoft.com/office/drawing/2014/main" id="{C1890649-DE08-A146-BB1E-D13D2B7A6D40}"/>
               </a:ext>
             </a:extLst>
           </p:cNvPr>
@@ -6338,10 +6657,10 @@
       </p:cxnSp>
       <p:cxnSp>
         <p:nvCxnSpPr>
-          <p:cNvPr id="9" name="Straight Arrow Connector 8">
-            <a:extLst>
-              <a:ext uri="{FF2B5EF4-FFF2-40B4-BE49-F238E27FC236}">
-                <a16:creationId xmlns:a16="http://schemas.microsoft.com/office/drawing/2014/main" id="{9E3EB259-E7FF-D047-8D6B-D88B029D6503}"/>
+          <p:cNvPr id="47" name="Straight Arrow Connector 46">
+            <a:extLst>
+              <a:ext uri="{FF2B5EF4-FFF2-40B4-BE49-F238E27FC236}">
+                <a16:creationId xmlns:a16="http://schemas.microsoft.com/office/drawing/2014/main" id="{8CA9A4C8-573D-8E4D-B4C9-F2437ECFA22B}"/>
               </a:ext>
             </a:extLst>
           </p:cNvPr>
@@ -6379,10 +6698,10 @@
       </p:cxnSp>
       <p:cxnSp>
         <p:nvCxnSpPr>
-          <p:cNvPr id="10" name="Straight Arrow Connector 9">
-            <a:extLst>
-              <a:ext uri="{FF2B5EF4-FFF2-40B4-BE49-F238E27FC236}">
-                <a16:creationId xmlns:a16="http://schemas.microsoft.com/office/drawing/2014/main" id="{1493BA4F-6CA1-1749-8DEF-907D657C82A8}"/>
+          <p:cNvPr id="48" name="Straight Arrow Connector 47">
+            <a:extLst>
+              <a:ext uri="{FF2B5EF4-FFF2-40B4-BE49-F238E27FC236}">
+                <a16:creationId xmlns:a16="http://schemas.microsoft.com/office/drawing/2014/main" id="{F989FD96-5614-FE4A-8D49-527E596C34FF}"/>
               </a:ext>
             </a:extLst>
           </p:cNvPr>
@@ -6421,10 +6740,10 @@
       </p:cxnSp>
       <p:cxnSp>
         <p:nvCxnSpPr>
-          <p:cNvPr id="11" name="Straight Arrow Connector 10">
-            <a:extLst>
-              <a:ext uri="{FF2B5EF4-FFF2-40B4-BE49-F238E27FC236}">
-                <a16:creationId xmlns:a16="http://schemas.microsoft.com/office/drawing/2014/main" id="{A0566FA4-7A0D-9347-9D4C-6667961C2B07}"/>
+          <p:cNvPr id="49" name="Straight Arrow Connector 48">
+            <a:extLst>
+              <a:ext uri="{FF2B5EF4-FFF2-40B4-BE49-F238E27FC236}">
+                <a16:creationId xmlns:a16="http://schemas.microsoft.com/office/drawing/2014/main" id="{B71EC634-9AF9-DA4E-A67C-2F3105DBFF10}"/>
               </a:ext>
             </a:extLst>
           </p:cNvPr>
@@ -6465,10 +6784,10 @@
       </p:cxnSp>
       <p:sp>
         <p:nvSpPr>
-          <p:cNvPr id="12" name="Rounded Rectangle 11">
-            <a:extLst>
-              <a:ext uri="{FF2B5EF4-FFF2-40B4-BE49-F238E27FC236}">
-                <a16:creationId xmlns:a16="http://schemas.microsoft.com/office/drawing/2014/main" id="{1A8FA66B-4F4F-6341-B599-4D64AD97C0A9}"/>
+          <p:cNvPr id="50" name="Rounded Rectangle 49">
+            <a:extLst>
+              <a:ext uri="{FF2B5EF4-FFF2-40B4-BE49-F238E27FC236}">
+                <a16:creationId xmlns:a16="http://schemas.microsoft.com/office/drawing/2014/main" id="{9ABE1B87-1822-8643-8B5C-C6DC23353570}"/>
               </a:ext>
             </a:extLst>
           </p:cNvPr>
@@ -6520,10 +6839,10 @@
       </p:sp>
       <p:cxnSp>
         <p:nvCxnSpPr>
-          <p:cNvPr id="13" name="Straight Arrow Connector 12">
-            <a:extLst>
-              <a:ext uri="{FF2B5EF4-FFF2-40B4-BE49-F238E27FC236}">
-                <a16:creationId xmlns:a16="http://schemas.microsoft.com/office/drawing/2014/main" id="{26E3324E-4537-B443-A408-263E62032076}"/>
+          <p:cNvPr id="51" name="Straight Arrow Connector 50">
+            <a:extLst>
+              <a:ext uri="{FF2B5EF4-FFF2-40B4-BE49-F238E27FC236}">
+                <a16:creationId xmlns:a16="http://schemas.microsoft.com/office/drawing/2014/main" id="{EAFA100D-B2D4-7947-88BA-92B247F22C11}"/>
               </a:ext>
             </a:extLst>
           </p:cNvPr>
@@ -6564,10 +6883,10 @@
       </p:cxnSp>
       <p:sp>
         <p:nvSpPr>
-          <p:cNvPr id="14" name="TextBox 13">
-            <a:extLst>
-              <a:ext uri="{FF2B5EF4-FFF2-40B4-BE49-F238E27FC236}">
-                <a16:creationId xmlns:a16="http://schemas.microsoft.com/office/drawing/2014/main" id="{F4BB5431-8EB3-E940-8E58-C244A24ACCC5}"/>
+          <p:cNvPr id="52" name="TextBox 51">
+            <a:extLst>
+              <a:ext uri="{FF2B5EF4-FFF2-40B4-BE49-F238E27FC236}">
+                <a16:creationId xmlns:a16="http://schemas.microsoft.com/office/drawing/2014/main" id="{D4CB43D1-1729-0C4C-ADFD-2F24F434651A}"/>
               </a:ext>
             </a:extLst>
           </p:cNvPr>
@@ -6624,10 +6943,10 @@
       </p:sp>
       <p:sp>
         <p:nvSpPr>
-          <p:cNvPr id="16" name="TextBox 15">
-            <a:extLst>
-              <a:ext uri="{FF2B5EF4-FFF2-40B4-BE49-F238E27FC236}">
-                <a16:creationId xmlns:a16="http://schemas.microsoft.com/office/drawing/2014/main" id="{070ED225-BE02-A14C-91BF-816B734C1B44}"/>
+          <p:cNvPr id="53" name="TextBox 52">
+            <a:extLst>
+              <a:ext uri="{FF2B5EF4-FFF2-40B4-BE49-F238E27FC236}">
+                <a16:creationId xmlns:a16="http://schemas.microsoft.com/office/drawing/2014/main" id="{94E9F6E3-9EF9-A54B-A3F2-9BF36D0FEAAD}"/>
               </a:ext>
             </a:extLst>
           </p:cNvPr>
@@ -6667,10 +6986,10 @@
       </p:sp>
       <p:sp>
         <p:nvSpPr>
-          <p:cNvPr id="17" name="TextBox 16">
-            <a:extLst>
-              <a:ext uri="{FF2B5EF4-FFF2-40B4-BE49-F238E27FC236}">
-                <a16:creationId xmlns:a16="http://schemas.microsoft.com/office/drawing/2014/main" id="{511681B5-1931-004B-9856-198305101D77}"/>
+          <p:cNvPr id="54" name="TextBox 53">
+            <a:extLst>
+              <a:ext uri="{FF2B5EF4-FFF2-40B4-BE49-F238E27FC236}">
+                <a16:creationId xmlns:a16="http://schemas.microsoft.com/office/drawing/2014/main" id="{7BD8A55E-89BA-7442-9604-743D6AAD7F99}"/>
               </a:ext>
             </a:extLst>
           </p:cNvPr>
@@ -6679,8 +6998,8 @@
         </p:nvSpPr>
         <p:spPr>
           <a:xfrm>
-            <a:off x="2849719" y="2995222"/>
-            <a:ext cx="2125967" cy="276999"/>
+            <a:off x="7158170" y="1222085"/>
+            <a:ext cx="2634439" cy="461665"/>
           </a:xfrm>
           <a:prstGeom prst="rect">
             <a:avLst/>
@@ -6701,8 +7020,10 @@
                   </a:schemeClr>
                 </a:solidFill>
               </a:rPr>
-              <a:t>③Credential</a:t>
-            </a:r>
+              <a:t>⑦ AuthenticatorAttestationResponse</a:t>
+            </a:r>
+          </a:p>
+          <a:p>
             <a:r>
               <a:rPr lang="ja-JP" altLang="en-US" sz="1200" b="1">
                 <a:solidFill>
@@ -6711,7 +7032,7 @@
                   </a:schemeClr>
                 </a:solidFill>
               </a:rPr>
-              <a:t>生成要求の送付</a:t>
+              <a:t>　  の送付</a:t>
             </a:r>
             <a:endParaRPr lang="en-JP" sz="1200" b="1" dirty="0">
               <a:solidFill>
@@ -6725,10 +7046,10 @@
       </p:sp>
       <p:sp>
         <p:nvSpPr>
-          <p:cNvPr id="18" name="TextBox 17">
-            <a:extLst>
-              <a:ext uri="{FF2B5EF4-FFF2-40B4-BE49-F238E27FC236}">
-                <a16:creationId xmlns:a16="http://schemas.microsoft.com/office/drawing/2014/main" id="{52733BE3-D5D4-0040-B084-BEF2BD1EE342}"/>
+          <p:cNvPr id="55" name="TextBox 54">
+            <a:extLst>
+              <a:ext uri="{FF2B5EF4-FFF2-40B4-BE49-F238E27FC236}">
+                <a16:creationId xmlns:a16="http://schemas.microsoft.com/office/drawing/2014/main" id="{1E8F04A9-F42A-A047-83DF-5A3E478B5326}"/>
               </a:ext>
             </a:extLst>
           </p:cNvPr>
@@ -6737,8 +7058,8 @@
         </p:nvSpPr>
         <p:spPr>
           <a:xfrm>
-            <a:off x="7158170" y="1222085"/>
-            <a:ext cx="2634439" cy="461665"/>
+            <a:off x="6871424" y="3897402"/>
+            <a:ext cx="3207929" cy="461665"/>
           </a:xfrm>
           <a:prstGeom prst="rect">
             <a:avLst/>
@@ -6759,10 +7080,18 @@
                   </a:schemeClr>
                 </a:solidFill>
               </a:rPr>
-              <a:t>⑦ AuthenticatorAttestationResponse</a:t>
-            </a:r>
-          </a:p>
-          <a:p>
+              <a:t>④</a:t>
+            </a:r>
+            <a:r>
+              <a:rPr lang="en-US" sz="1200" b="1" dirty="0">
+                <a:solidFill>
+                  <a:schemeClr val="bg2">
+                    <a:lumMod val="90000"/>
+                  </a:schemeClr>
+                </a:solidFill>
+              </a:rPr>
+              <a:t> </a:t>
+            </a:r>
             <a:r>
               <a:rPr lang="ja-JP" altLang="en-US" sz="1200" b="1">
                 <a:solidFill>
@@ -6771,7 +7100,86 @@
                   </a:schemeClr>
                 </a:solidFill>
               </a:rPr>
-              <a:t>　  の送付</a:t>
+              <a:t>要求ユーザのローカル認証</a:t>
+            </a:r>
+            <a:r>
+              <a:rPr lang="en-US" altLang="ja-JP" sz="1200" b="1" dirty="0">
+                <a:solidFill>
+                  <a:schemeClr val="bg2">
+                    <a:lumMod val="90000"/>
+                  </a:schemeClr>
+                </a:solidFill>
+              </a:rPr>
+              <a:t>(PIN</a:t>
+            </a:r>
+            <a:r>
+              <a:rPr lang="ja-JP" altLang="en-US" sz="1200" b="1">
+                <a:solidFill>
+                  <a:schemeClr val="bg2">
+                    <a:lumMod val="90000"/>
+                  </a:schemeClr>
+                </a:solidFill>
+              </a:rPr>
+              <a:t>や指紋</a:t>
+            </a:r>
+            <a:r>
+              <a:rPr lang="en-US" altLang="ja-JP" sz="1200" b="1" dirty="0">
+                <a:solidFill>
+                  <a:schemeClr val="bg2">
+                    <a:lumMod val="90000"/>
+                  </a:schemeClr>
+                </a:solidFill>
+              </a:rPr>
+              <a:t>)</a:t>
+            </a:r>
+            <a:r>
+              <a:rPr lang="ja-JP" altLang="en-US" sz="1200" b="1">
+                <a:solidFill>
+                  <a:schemeClr val="bg2">
+                    <a:lumMod val="90000"/>
+                  </a:schemeClr>
+                </a:solidFill>
+              </a:rPr>
+              <a:t>、</a:t>
+            </a:r>
+            <a:br>
+              <a:rPr lang="en-US" altLang="ja-JP" sz="1200" b="1" dirty="0">
+                <a:solidFill>
+                  <a:schemeClr val="bg2">
+                    <a:lumMod val="90000"/>
+                  </a:schemeClr>
+                </a:solidFill>
+              </a:rPr>
+            </a:br>
+            <a:r>
+              <a:rPr lang="ja-JP" altLang="en-US" sz="1200" b="1">
+                <a:solidFill>
+                  <a:schemeClr val="bg2">
+                    <a:lumMod val="90000"/>
+                  </a:schemeClr>
+                </a:solidFill>
+              </a:rPr>
+              <a:t>　  </a:t>
+            </a:r>
+            <a:r>
+              <a:rPr lang="en-US" sz="1200" b="1" dirty="0">
+                <a:solidFill>
+                  <a:schemeClr val="bg2">
+                    <a:lumMod val="90000"/>
+                  </a:schemeClr>
+                </a:solidFill>
+              </a:rPr>
+              <a:t>Credential Key Pair</a:t>
+            </a:r>
+            <a:r>
+              <a:rPr lang="ja-JP" altLang="en-US" sz="1200" b="1">
+                <a:solidFill>
+                  <a:schemeClr val="bg2">
+                    <a:lumMod val="90000"/>
+                  </a:schemeClr>
+                </a:solidFill>
+              </a:rPr>
+              <a:t>の新規生成・署名付与</a:t>
             </a:r>
             <a:endParaRPr lang="en-JP" sz="1200" b="1" dirty="0">
               <a:solidFill>
@@ -6785,10 +7193,10 @@
       </p:sp>
       <p:sp>
         <p:nvSpPr>
-          <p:cNvPr id="20" name="TextBox 19">
-            <a:extLst>
-              <a:ext uri="{FF2B5EF4-FFF2-40B4-BE49-F238E27FC236}">
-                <a16:creationId xmlns:a16="http://schemas.microsoft.com/office/drawing/2014/main" id="{A1269EB4-2697-534A-B26E-312359FF4FC5}"/>
+          <p:cNvPr id="56" name="TextBox 55">
+            <a:extLst>
+              <a:ext uri="{FF2B5EF4-FFF2-40B4-BE49-F238E27FC236}">
+                <a16:creationId xmlns:a16="http://schemas.microsoft.com/office/drawing/2014/main" id="{380E7ABE-20CA-1B45-9F6F-603451A6AC72}"/>
               </a:ext>
             </a:extLst>
           </p:cNvPr>
@@ -6797,8 +7205,8 @@
         </p:nvSpPr>
         <p:spPr>
           <a:xfrm>
-            <a:off x="6707725" y="3909303"/>
-            <a:ext cx="3207929" cy="461665"/>
+            <a:off x="7215470" y="2965539"/>
+            <a:ext cx="2004010" cy="276999"/>
           </a:xfrm>
           <a:prstGeom prst="rect">
             <a:avLst/>
@@ -6811,16 +7219,6 @@
           </a:bodyPr>
           <a:lstStyle/>
           <a:p>
-            <a:r>
-              <a:rPr lang="en-JP" sz="1200" b="1" dirty="0">
-                <a:solidFill>
-                  <a:schemeClr val="bg2">
-                    <a:lumMod val="90000"/>
-                  </a:schemeClr>
-                </a:solidFill>
-              </a:rPr>
-              <a:t>④</a:t>
-            </a:r>
             <a:r>
               <a:rPr lang="en-US" sz="1200" b="1" dirty="0">
                 <a:solidFill>
@@ -6829,7 +7227,17 @@
                   </a:schemeClr>
                 </a:solidFill>
               </a:rPr>
-              <a:t> </a:t>
+              <a:t>⑤ </a:t>
+            </a:r>
+            <a:r>
+              <a:rPr lang="en-US" sz="1200" b="1" dirty="0" err="1">
+                <a:solidFill>
+                  <a:schemeClr val="bg2">
+                    <a:lumMod val="90000"/>
+                  </a:schemeClr>
+                </a:solidFill>
+              </a:rPr>
+              <a:t>attestationObject</a:t>
             </a:r>
             <a:r>
               <a:rPr lang="ja-JP" altLang="en-US" sz="1200" b="1">
@@ -6839,86 +7247,7 @@
                   </a:schemeClr>
                 </a:solidFill>
               </a:rPr>
-              <a:t>要求ユーザのローカル認証</a:t>
-            </a:r>
-            <a:r>
-              <a:rPr lang="en-US" altLang="ja-JP" sz="1200" b="1" dirty="0">
-                <a:solidFill>
-                  <a:schemeClr val="bg2">
-                    <a:lumMod val="90000"/>
-                  </a:schemeClr>
-                </a:solidFill>
-              </a:rPr>
-              <a:t>(PIN</a:t>
-            </a:r>
-            <a:r>
-              <a:rPr lang="ja-JP" altLang="en-US" sz="1200" b="1">
-                <a:solidFill>
-                  <a:schemeClr val="bg2">
-                    <a:lumMod val="90000"/>
-                  </a:schemeClr>
-                </a:solidFill>
-              </a:rPr>
-              <a:t>や指紋</a:t>
-            </a:r>
-            <a:r>
-              <a:rPr lang="en-US" altLang="ja-JP" sz="1200" b="1" dirty="0">
-                <a:solidFill>
-                  <a:schemeClr val="bg2">
-                    <a:lumMod val="90000"/>
-                  </a:schemeClr>
-                </a:solidFill>
-              </a:rPr>
-              <a:t>)</a:t>
-            </a:r>
-            <a:r>
-              <a:rPr lang="ja-JP" altLang="en-US" sz="1200" b="1">
-                <a:solidFill>
-                  <a:schemeClr val="bg2">
-                    <a:lumMod val="90000"/>
-                  </a:schemeClr>
-                </a:solidFill>
-              </a:rPr>
-              <a:t>、</a:t>
-            </a:r>
-            <a:br>
-              <a:rPr lang="en-US" altLang="ja-JP" sz="1200" b="1" dirty="0">
-                <a:solidFill>
-                  <a:schemeClr val="bg2">
-                    <a:lumMod val="90000"/>
-                  </a:schemeClr>
-                </a:solidFill>
-              </a:rPr>
-            </a:br>
-            <a:r>
-              <a:rPr lang="ja-JP" altLang="en-US" sz="1200" b="1">
-                <a:solidFill>
-                  <a:schemeClr val="bg2">
-                    <a:lumMod val="90000"/>
-                  </a:schemeClr>
-                </a:solidFill>
-              </a:rPr>
-              <a:t>　  </a:t>
-            </a:r>
-            <a:r>
-              <a:rPr lang="en-US" sz="1200" b="1" dirty="0">
-                <a:solidFill>
-                  <a:schemeClr val="bg2">
-                    <a:lumMod val="90000"/>
-                  </a:schemeClr>
-                </a:solidFill>
-              </a:rPr>
-              <a:t>Credential Key Pair</a:t>
-            </a:r>
-            <a:r>
-              <a:rPr lang="ja-JP" altLang="en-US" sz="1200" b="1">
-                <a:solidFill>
-                  <a:schemeClr val="bg2">
-                    <a:lumMod val="90000"/>
-                  </a:schemeClr>
-                </a:solidFill>
-              </a:rPr>
-              <a:t>の新規生成・署名付与</a:t>
+              <a:t>の送付</a:t>
             </a:r>
             <a:endParaRPr lang="en-JP" sz="1200" b="1" dirty="0">
               <a:solidFill>
@@ -6932,10 +7261,10 @@
       </p:sp>
       <p:sp>
         <p:nvSpPr>
-          <p:cNvPr id="21" name="TextBox 20">
-            <a:extLst>
-              <a:ext uri="{FF2B5EF4-FFF2-40B4-BE49-F238E27FC236}">
-                <a16:creationId xmlns:a16="http://schemas.microsoft.com/office/drawing/2014/main" id="{2A1A0A65-4FC6-7343-A487-93B65FE2AE12}"/>
+          <p:cNvPr id="57" name="TextBox 56">
+            <a:extLst>
+              <a:ext uri="{FF2B5EF4-FFF2-40B4-BE49-F238E27FC236}">
+                <a16:creationId xmlns:a16="http://schemas.microsoft.com/office/drawing/2014/main" id="{DA50842B-D2A1-8B47-9159-C7D133D3E9E2}"/>
               </a:ext>
             </a:extLst>
           </p:cNvPr>
@@ -6944,8 +7273,8 @@
         </p:nvSpPr>
         <p:spPr>
           <a:xfrm>
-            <a:off x="7215470" y="2965539"/>
-            <a:ext cx="2004010" cy="276999"/>
+            <a:off x="7292182" y="2123346"/>
+            <a:ext cx="1670650" cy="276999"/>
           </a:xfrm>
           <a:prstGeom prst="rect">
             <a:avLst/>
@@ -6959,24 +7288,14 @@
           <a:lstStyle/>
           <a:p>
             <a:r>
-              <a:rPr lang="en-US" sz="1200" b="1" dirty="0">
+              <a:rPr lang="en-JP" sz="1200" b="1" dirty="0">
                 <a:solidFill>
                   <a:schemeClr val="bg2">
                     <a:lumMod val="90000"/>
                   </a:schemeClr>
                 </a:solidFill>
               </a:rPr>
-              <a:t>⑤ </a:t>
-            </a:r>
-            <a:r>
-              <a:rPr lang="en-US" sz="1200" b="1" dirty="0" err="1">
-                <a:solidFill>
-                  <a:schemeClr val="bg2">
-                    <a:lumMod val="90000"/>
-                  </a:schemeClr>
-                </a:solidFill>
-              </a:rPr>
-              <a:t>attestationObject</a:t>
+              <a:t>⑥ RP</a:t>
             </a:r>
             <a:r>
               <a:rPr lang="ja-JP" altLang="en-US" sz="1200" b="1">
@@ -6986,7 +7305,7 @@
                   </a:schemeClr>
                 </a:solidFill>
               </a:rPr>
-              <a:t>の送付</a:t>
+              <a:t>への応答の生成</a:t>
             </a:r>
             <a:endParaRPr lang="en-JP" sz="1200" b="1" dirty="0">
               <a:solidFill>
@@ -7000,10 +7319,10 @@
       </p:sp>
       <p:sp>
         <p:nvSpPr>
-          <p:cNvPr id="22" name="TextBox 21">
-            <a:extLst>
-              <a:ext uri="{FF2B5EF4-FFF2-40B4-BE49-F238E27FC236}">
-                <a16:creationId xmlns:a16="http://schemas.microsoft.com/office/drawing/2014/main" id="{AB4378D1-3D72-0443-A137-64E51F2AEE9F}"/>
+          <p:cNvPr id="58" name="TextBox 57">
+            <a:extLst>
+              <a:ext uri="{FF2B5EF4-FFF2-40B4-BE49-F238E27FC236}">
+                <a16:creationId xmlns:a16="http://schemas.microsoft.com/office/drawing/2014/main" id="{8DDA6165-2B92-EE42-9CFC-0D436A7DBDB6}"/>
               </a:ext>
             </a:extLst>
           </p:cNvPr>
@@ -7012,8 +7331,8 @@
         </p:nvSpPr>
         <p:spPr>
           <a:xfrm>
-            <a:off x="7292182" y="2123346"/>
-            <a:ext cx="1670650" cy="276999"/>
+            <a:off x="7186501" y="84255"/>
+            <a:ext cx="2771040" cy="461665"/>
           </a:xfrm>
           <a:prstGeom prst="rect">
             <a:avLst/>
@@ -7021,7 +7340,7 @@
           <a:noFill/>
         </p:spPr>
         <p:txBody>
-          <a:bodyPr wrap="none" rtlCol="0">
+          <a:bodyPr wrap="square" rtlCol="0">
             <a:spAutoFit/>
           </a:bodyPr>
           <a:lstStyle/>
@@ -7034,7 +7353,7 @@
                   </a:schemeClr>
                 </a:solidFill>
               </a:rPr>
-              <a:t>⑥ RP</a:t>
+              <a:t>⑧</a:t>
             </a:r>
             <a:r>
               <a:rPr lang="ja-JP" altLang="en-US" sz="1200" b="1">
@@ -7044,7 +7363,86 @@
                   </a:schemeClr>
                 </a:solidFill>
               </a:rPr>
-              <a:t>への応答の生成</a:t>
+              <a:t> </a:t>
+            </a:r>
+            <a:r>
+              <a:rPr lang="en-US" altLang="ja-JP" sz="1200" b="1" dirty="0" err="1">
+                <a:solidFill>
+                  <a:schemeClr val="bg2">
+                    <a:lumMod val="90000"/>
+                  </a:schemeClr>
+                </a:solidFill>
+              </a:rPr>
+              <a:t>AttestationResponse</a:t>
+            </a:r>
+            <a:r>
+              <a:rPr lang="ja-JP" altLang="en-US" sz="1200" b="1">
+                <a:solidFill>
+                  <a:schemeClr val="bg2">
+                    <a:lumMod val="90000"/>
+                  </a:schemeClr>
+                </a:solidFill>
+              </a:rPr>
+              <a:t>の検証</a:t>
+            </a:r>
+            <a:endParaRPr lang="en-US" altLang="ja-JP" sz="1200" b="1" dirty="0">
+              <a:solidFill>
+                <a:schemeClr val="bg2">
+                  <a:lumMod val="90000"/>
+                </a:schemeClr>
+              </a:solidFill>
+            </a:endParaRPr>
+          </a:p>
+          <a:p>
+            <a:r>
+              <a:rPr lang="ja-JP" altLang="en-US" sz="1200" b="1">
+                <a:solidFill>
+                  <a:schemeClr val="bg2">
+                    <a:lumMod val="90000"/>
+                  </a:schemeClr>
+                </a:solidFill>
+              </a:rPr>
+              <a:t>　  </a:t>
+            </a:r>
+            <a:r>
+              <a:rPr lang="en-US" altLang="ja-JP" sz="1200" b="1" dirty="0">
+                <a:solidFill>
+                  <a:schemeClr val="bg2">
+                    <a:lumMod val="90000"/>
+                  </a:schemeClr>
+                </a:solidFill>
+              </a:rPr>
+              <a:t>Attested</a:t>
+            </a:r>
+            <a:r>
+              <a:rPr lang="ja-JP" altLang="en-US" sz="1200" b="1">
+                <a:solidFill>
+                  <a:schemeClr val="bg2">
+                    <a:lumMod val="90000"/>
+                  </a:schemeClr>
+                </a:solidFill>
+              </a:rPr>
+              <a:t> </a:t>
+            </a:r>
+            <a:r>
+              <a:rPr lang="en-US" altLang="ja-JP" sz="1200" b="1" dirty="0">
+                <a:solidFill>
+                  <a:schemeClr val="bg2">
+                    <a:lumMod val="90000"/>
+                  </a:schemeClr>
+                </a:solidFill>
+              </a:rPr>
+              <a:t>Credential Public Key</a:t>
+            </a:r>
+            <a:r>
+              <a:rPr lang="ja-JP" altLang="en-US" sz="1200" b="1">
+                <a:solidFill>
+                  <a:schemeClr val="bg2">
+                    <a:lumMod val="90000"/>
+                  </a:schemeClr>
+                </a:solidFill>
+              </a:rPr>
+              <a:t>の登録</a:t>
             </a:r>
             <a:endParaRPr lang="en-JP" sz="1200" b="1" dirty="0">
               <a:solidFill>
@@ -7056,129 +7454,12 @@
           </a:p>
         </p:txBody>
       </p:sp>
-      <p:sp>
-        <p:nvSpPr>
-          <p:cNvPr id="23" name="TextBox 22">
-            <a:extLst>
-              <a:ext uri="{FF2B5EF4-FFF2-40B4-BE49-F238E27FC236}">
-                <a16:creationId xmlns:a16="http://schemas.microsoft.com/office/drawing/2014/main" id="{A4AD18DD-7940-D446-A3F4-E64DF3918033}"/>
-              </a:ext>
-            </a:extLst>
-          </p:cNvPr>
-          <p:cNvSpPr txBox="1"/>
-          <p:nvPr/>
-        </p:nvSpPr>
-        <p:spPr>
-          <a:xfrm>
-            <a:off x="7186501" y="84255"/>
-            <a:ext cx="2264730" cy="461665"/>
-          </a:xfrm>
-          <a:prstGeom prst="rect">
-            <a:avLst/>
-          </a:prstGeom>
-          <a:noFill/>
-        </p:spPr>
-        <p:txBody>
-          <a:bodyPr wrap="square" rtlCol="0">
-            <a:spAutoFit/>
-          </a:bodyPr>
-          <a:lstStyle/>
-          <a:p>
-            <a:r>
-              <a:rPr lang="en-JP" sz="1200" b="1" dirty="0">
-                <a:solidFill>
-                  <a:schemeClr val="bg2">
-                    <a:lumMod val="90000"/>
-                  </a:schemeClr>
-                </a:solidFill>
-              </a:rPr>
-              <a:t>⑧</a:t>
-            </a:r>
-            <a:r>
-              <a:rPr lang="ja-JP" altLang="en-US" sz="1200" b="1">
-                <a:solidFill>
-                  <a:schemeClr val="bg2">
-                    <a:lumMod val="90000"/>
-                  </a:schemeClr>
-                </a:solidFill>
-              </a:rPr>
-              <a:t> </a:t>
-            </a:r>
-            <a:r>
-              <a:rPr lang="en-US" altLang="ja-JP" sz="1200" b="1" dirty="0" err="1">
-                <a:solidFill>
-                  <a:schemeClr val="bg2">
-                    <a:lumMod val="90000"/>
-                  </a:schemeClr>
-                </a:solidFill>
-              </a:rPr>
-              <a:t>AttestationResponse</a:t>
-            </a:r>
-            <a:r>
-              <a:rPr lang="ja-JP" altLang="en-US" sz="1200" b="1">
-                <a:solidFill>
-                  <a:schemeClr val="bg2">
-                    <a:lumMod val="90000"/>
-                  </a:schemeClr>
-                </a:solidFill>
-              </a:rPr>
-              <a:t>の検証</a:t>
-            </a:r>
-            <a:endParaRPr lang="en-US" altLang="ja-JP" sz="1200" b="1" dirty="0">
-              <a:solidFill>
-                <a:schemeClr val="bg2">
-                  <a:lumMod val="90000"/>
-                </a:schemeClr>
-              </a:solidFill>
-            </a:endParaRPr>
-          </a:p>
-          <a:p>
-            <a:r>
-              <a:rPr lang="ja-JP" altLang="en-US" sz="1200" b="1">
-                <a:solidFill>
-                  <a:schemeClr val="bg2">
-                    <a:lumMod val="90000"/>
-                  </a:schemeClr>
-                </a:solidFill>
-              </a:rPr>
-              <a:t>　   </a:t>
-            </a:r>
-            <a:r>
-              <a:rPr lang="en-US" altLang="ja-JP" sz="1200" b="1" dirty="0">
-                <a:solidFill>
-                  <a:schemeClr val="bg2">
-                    <a:lumMod val="90000"/>
-                  </a:schemeClr>
-                </a:solidFill>
-              </a:rPr>
-              <a:t>Credential Certificate</a:t>
-            </a:r>
-            <a:r>
-              <a:rPr lang="ja-JP" altLang="en-US" sz="1200" b="1">
-                <a:solidFill>
-                  <a:schemeClr val="bg2">
-                    <a:lumMod val="90000"/>
-                  </a:schemeClr>
-                </a:solidFill>
-              </a:rPr>
-              <a:t>登録</a:t>
-            </a:r>
-            <a:endParaRPr lang="en-JP" sz="1200" b="1" dirty="0">
-              <a:solidFill>
-                <a:schemeClr val="bg2">
-                  <a:lumMod val="90000"/>
-                </a:schemeClr>
-              </a:solidFill>
-            </a:endParaRPr>
-          </a:p>
-        </p:txBody>
-      </p:sp>
       <p:pic>
         <p:nvPicPr>
-          <p:cNvPr id="29" name="Picture 28">
-            <a:extLst>
-              <a:ext uri="{FF2B5EF4-FFF2-40B4-BE49-F238E27FC236}">
-                <a16:creationId xmlns:a16="http://schemas.microsoft.com/office/drawing/2014/main" id="{7368AD10-BA72-2548-BD8D-481A34498B6D}"/>
+          <p:cNvPr id="59" name="Picture 58">
+            <a:extLst>
+              <a:ext uri="{FF2B5EF4-FFF2-40B4-BE49-F238E27FC236}">
+                <a16:creationId xmlns:a16="http://schemas.microsoft.com/office/drawing/2014/main" id="{2350CCE7-5F6B-6D45-8CAB-2D48A299CB00}"/>
               </a:ext>
             </a:extLst>
           </p:cNvPr>
@@ -7195,20 +7476,107 @@
         </p:blipFill>
         <p:spPr>
           <a:xfrm>
-            <a:off x="5651832" y="3907718"/>
-            <a:ext cx="369490" cy="461665"/>
+            <a:off x="4530619" y="3956613"/>
+            <a:ext cx="407646" cy="407646"/>
           </a:xfrm>
           <a:prstGeom prst="rect">
             <a:avLst/>
           </a:prstGeom>
         </p:spPr>
       </p:pic>
+      <p:sp>
+        <p:nvSpPr>
+          <p:cNvPr id="60" name="TextBox 59">
+            <a:extLst>
+              <a:ext uri="{FF2B5EF4-FFF2-40B4-BE49-F238E27FC236}">
+                <a16:creationId xmlns:a16="http://schemas.microsoft.com/office/drawing/2014/main" id="{03AF3564-6900-DC4E-8213-7E93F029653D}"/>
+              </a:ext>
+            </a:extLst>
+          </p:cNvPr>
+          <p:cNvSpPr txBox="1"/>
+          <p:nvPr/>
+        </p:nvSpPr>
+        <p:spPr>
+          <a:xfrm>
+            <a:off x="4836191" y="3937811"/>
+            <a:ext cx="838691" cy="430887"/>
+          </a:xfrm>
+          <a:prstGeom prst="rect">
+            <a:avLst/>
+          </a:prstGeom>
+          <a:noFill/>
+        </p:spPr>
+        <p:txBody>
+          <a:bodyPr wrap="none" rtlCol="0">
+            <a:spAutoFit/>
+          </a:bodyPr>
+          <a:lstStyle/>
+          <a:p>
+            <a:pPr algn="ctr"/>
+            <a:r>
+              <a:rPr lang="en-US" altLang="ja-JP" sz="1100" b="1" dirty="0"/>
+              <a:t>Credential</a:t>
+            </a:r>
+          </a:p>
+          <a:p>
+            <a:pPr algn="ctr"/>
+            <a:r>
+              <a:rPr lang="en-US" altLang="ja-JP" sz="1100" b="1" dirty="0"/>
+              <a:t>Private key</a:t>
+            </a:r>
+            <a:endParaRPr lang="en-JP" sz="1100" b="1" dirty="0"/>
+          </a:p>
+        </p:txBody>
+      </p:sp>
+      <p:sp>
+        <p:nvSpPr>
+          <p:cNvPr id="61" name="TextBox 60">
+            <a:extLst>
+              <a:ext uri="{FF2B5EF4-FFF2-40B4-BE49-F238E27FC236}">
+                <a16:creationId xmlns:a16="http://schemas.microsoft.com/office/drawing/2014/main" id="{8283DB77-BCF9-8940-81C9-05833A29B5C8}"/>
+              </a:ext>
+            </a:extLst>
+          </p:cNvPr>
+          <p:cNvSpPr txBox="1"/>
+          <p:nvPr/>
+        </p:nvSpPr>
+        <p:spPr>
+          <a:xfrm>
+            <a:off x="6190972" y="3944992"/>
+            <a:ext cx="790601" cy="430887"/>
+          </a:xfrm>
+          <a:prstGeom prst="rect">
+            <a:avLst/>
+          </a:prstGeom>
+          <a:noFill/>
+        </p:spPr>
+        <p:txBody>
+          <a:bodyPr wrap="none" rtlCol="0">
+            <a:spAutoFit/>
+          </a:bodyPr>
+          <a:lstStyle/>
+          <a:p>
+            <a:pPr algn="ctr"/>
+            <a:r>
+              <a:rPr lang="en-US" altLang="ja-JP" sz="1100" b="1" dirty="0"/>
+              <a:t>Credential</a:t>
+            </a:r>
+            <a:br>
+              <a:rPr lang="en-US" altLang="ja-JP" sz="1100" b="1" dirty="0"/>
+            </a:br>
+            <a:r>
+              <a:rPr lang="en-US" altLang="ja-JP" sz="1100" b="1" dirty="0"/>
+              <a:t>Public Key</a:t>
+            </a:r>
+          </a:p>
+        </p:txBody>
+      </p:sp>
       <p:pic>
         <p:nvPicPr>
-          <p:cNvPr id="30" name="Picture 29">
-            <a:extLst>
-              <a:ext uri="{FF2B5EF4-FFF2-40B4-BE49-F238E27FC236}">
-                <a16:creationId xmlns:a16="http://schemas.microsoft.com/office/drawing/2014/main" id="{9DE219C0-1324-D14E-BEE1-126EAD00A687}"/>
+          <p:cNvPr id="62" name="Picture 61">
+            <a:extLst>
+              <a:ext uri="{FF2B5EF4-FFF2-40B4-BE49-F238E27FC236}">
+                <a16:creationId xmlns:a16="http://schemas.microsoft.com/office/drawing/2014/main" id="{63B4C796-2B6F-F947-B4E9-A3B3EEA0C849}"/>
               </a:ext>
             </a:extLst>
           </p:cNvPr>
@@ -7225,20 +7593,31 @@
         </p:blipFill>
         <p:spPr>
           <a:xfrm>
-            <a:off x="5651831" y="3983789"/>
-            <a:ext cx="342327" cy="342327"/>
+            <a:off x="5651831" y="4219422"/>
+            <a:ext cx="539141" cy="125963"/>
           </a:xfrm>
           <a:prstGeom prst="rect">
             <a:avLst/>
           </a:prstGeom>
+          <a:solidFill>
+            <a:schemeClr val="accent6">
+              <a:lumMod val="20000"/>
+              <a:lumOff val="80000"/>
+            </a:schemeClr>
+          </a:solidFill>
+          <a:ln w="38100">
+            <a:solidFill>
+              <a:schemeClr val="accent6"/>
+            </a:solidFill>
+          </a:ln>
         </p:spPr>
       </p:pic>
       <p:pic>
         <p:nvPicPr>
-          <p:cNvPr id="31" name="Picture 30">
-            <a:extLst>
-              <a:ext uri="{FF2B5EF4-FFF2-40B4-BE49-F238E27FC236}">
-                <a16:creationId xmlns:a16="http://schemas.microsoft.com/office/drawing/2014/main" id="{A66662D6-03CB-AB4A-87F8-3041B461665C}"/>
+          <p:cNvPr id="63" name="Picture 62">
+            <a:extLst>
+              <a:ext uri="{FF2B5EF4-FFF2-40B4-BE49-F238E27FC236}">
+                <a16:creationId xmlns:a16="http://schemas.microsoft.com/office/drawing/2014/main" id="{E9643367-C545-EE48-82ED-2B1CE51419E4}"/>
               </a:ext>
             </a:extLst>
           </p:cNvPr>
@@ -7255,125 +7634,8 @@
         </p:blipFill>
         <p:spPr>
           <a:xfrm>
-            <a:off x="4530619" y="3956613"/>
-            <a:ext cx="407646" cy="407646"/>
-          </a:xfrm>
-          <a:prstGeom prst="rect">
-            <a:avLst/>
-          </a:prstGeom>
-        </p:spPr>
-      </p:pic>
-      <p:sp>
-        <p:nvSpPr>
-          <p:cNvPr id="32" name="TextBox 31">
-            <a:extLst>
-              <a:ext uri="{FF2B5EF4-FFF2-40B4-BE49-F238E27FC236}">
-                <a16:creationId xmlns:a16="http://schemas.microsoft.com/office/drawing/2014/main" id="{969BED74-38CB-4148-881C-135F38EE66F3}"/>
-              </a:ext>
-            </a:extLst>
-          </p:cNvPr>
-          <p:cNvSpPr txBox="1"/>
-          <p:nvPr/>
-        </p:nvSpPr>
-        <p:spPr>
-          <a:xfrm>
-            <a:off x="4836191" y="3937811"/>
-            <a:ext cx="838691" cy="430887"/>
-          </a:xfrm>
-          <a:prstGeom prst="rect">
-            <a:avLst/>
-          </a:prstGeom>
-          <a:noFill/>
-        </p:spPr>
-        <p:txBody>
-          <a:bodyPr wrap="none" rtlCol="0">
-            <a:spAutoFit/>
-          </a:bodyPr>
-          <a:lstStyle/>
-          <a:p>
-            <a:pPr algn="ctr"/>
-            <a:r>
-              <a:rPr lang="en-US" altLang="ja-JP" sz="1100" b="1" dirty="0"/>
-              <a:t>Credential</a:t>
-            </a:r>
-          </a:p>
-          <a:p>
-            <a:pPr algn="ctr"/>
-            <a:r>
-              <a:rPr lang="en-US" altLang="ja-JP" sz="1100" b="1" dirty="0"/>
-              <a:t>Private key</a:t>
-            </a:r>
-            <a:endParaRPr lang="en-JP" sz="1100" b="1" dirty="0"/>
-          </a:p>
-        </p:txBody>
-      </p:sp>
-      <p:sp>
-        <p:nvSpPr>
-          <p:cNvPr id="33" name="TextBox 32">
-            <a:extLst>
-              <a:ext uri="{FF2B5EF4-FFF2-40B4-BE49-F238E27FC236}">
-                <a16:creationId xmlns:a16="http://schemas.microsoft.com/office/drawing/2014/main" id="{635EA6E4-C0ED-A74A-B366-C5D526D7F5B8}"/>
-              </a:ext>
-            </a:extLst>
-          </p:cNvPr>
-          <p:cNvSpPr txBox="1"/>
-          <p:nvPr/>
-        </p:nvSpPr>
-        <p:spPr>
-          <a:xfrm>
-            <a:off x="5980454" y="3933768"/>
-            <a:ext cx="790601" cy="430887"/>
-          </a:xfrm>
-          <a:prstGeom prst="rect">
-            <a:avLst/>
-          </a:prstGeom>
-          <a:noFill/>
-        </p:spPr>
-        <p:txBody>
-          <a:bodyPr wrap="none" rtlCol="0">
-            <a:spAutoFit/>
-          </a:bodyPr>
-          <a:lstStyle/>
-          <a:p>
-            <a:pPr algn="ctr"/>
-            <a:r>
-              <a:rPr lang="en-US" altLang="ja-JP" sz="1100" b="1" dirty="0"/>
-              <a:t>Credential</a:t>
-            </a:r>
-            <a:br>
-              <a:rPr lang="en-US" altLang="ja-JP" sz="1100" b="1" dirty="0"/>
-            </a:br>
-            <a:r>
-              <a:rPr lang="en-US" altLang="ja-JP" sz="1100" b="1" dirty="0"/>
-              <a:t>Certificate</a:t>
-            </a:r>
-          </a:p>
-        </p:txBody>
-      </p:sp>
-      <p:pic>
-        <p:nvPicPr>
-          <p:cNvPr id="37" name="Picture 36">
-            <a:extLst>
-              <a:ext uri="{FF2B5EF4-FFF2-40B4-BE49-F238E27FC236}">
-                <a16:creationId xmlns:a16="http://schemas.microsoft.com/office/drawing/2014/main" id="{0BF9C03C-22E7-3A49-8433-C0F077261303}"/>
-              </a:ext>
-            </a:extLst>
-          </p:cNvPr>
-          <p:cNvPicPr>
-            <a:picLocks noChangeAspect="1"/>
-          </p:cNvPicPr>
-          <p:nvPr/>
-        </p:nvPicPr>
-        <p:blipFill>
-          <a:blip r:embed="rId3"/>
-          <a:stretch>
-            <a:fillRect/>
-          </a:stretch>
-        </p:blipFill>
-        <p:spPr>
-          <a:xfrm>
-            <a:off x="6845980" y="2849410"/>
-            <a:ext cx="369490" cy="461665"/>
+            <a:off x="5765474" y="3940076"/>
+            <a:ext cx="342327" cy="342327"/>
           </a:xfrm>
           <a:prstGeom prst="rect">
             <a:avLst/>
@@ -7382,10 +7644,10 @@
       </p:pic>
       <p:pic>
         <p:nvPicPr>
-          <p:cNvPr id="38" name="Picture 37">
-            <a:extLst>
-              <a:ext uri="{FF2B5EF4-FFF2-40B4-BE49-F238E27FC236}">
-                <a16:creationId xmlns:a16="http://schemas.microsoft.com/office/drawing/2014/main" id="{7AABA3A2-EE0C-A645-950B-120C01208E76}"/>
+          <p:cNvPr id="64" name="Picture 63">
+            <a:extLst>
+              <a:ext uri="{FF2B5EF4-FFF2-40B4-BE49-F238E27FC236}">
+                <a16:creationId xmlns:a16="http://schemas.microsoft.com/office/drawing/2014/main" id="{7B446FC9-37A9-6A4B-B246-768ED3959DD6}"/>
               </a:ext>
             </a:extLst>
           </p:cNvPr>
@@ -7402,20 +7664,31 @@
         </p:blipFill>
         <p:spPr>
           <a:xfrm>
-            <a:off x="6845979" y="2925481"/>
-            <a:ext cx="342327" cy="342327"/>
+            <a:off x="6704038" y="3126189"/>
+            <a:ext cx="539141" cy="125963"/>
           </a:xfrm>
           <a:prstGeom prst="rect">
             <a:avLst/>
           </a:prstGeom>
+          <a:solidFill>
+            <a:schemeClr val="accent6">
+              <a:lumMod val="20000"/>
+              <a:lumOff val="80000"/>
+            </a:schemeClr>
+          </a:solidFill>
+          <a:ln w="38100">
+            <a:solidFill>
+              <a:schemeClr val="accent6"/>
+            </a:solidFill>
+          </a:ln>
         </p:spPr>
       </p:pic>
       <p:pic>
         <p:nvPicPr>
-          <p:cNvPr id="39" name="Picture 38">
-            <a:extLst>
-              <a:ext uri="{FF2B5EF4-FFF2-40B4-BE49-F238E27FC236}">
-                <a16:creationId xmlns:a16="http://schemas.microsoft.com/office/drawing/2014/main" id="{EAEAAB36-75E2-2D47-A977-EDF19F60A327}"/>
+          <p:cNvPr id="65" name="Picture 64">
+            <a:extLst>
+              <a:ext uri="{FF2B5EF4-FFF2-40B4-BE49-F238E27FC236}">
+                <a16:creationId xmlns:a16="http://schemas.microsoft.com/office/drawing/2014/main" id="{E78DDD2F-6E4C-8E48-8409-B8E543727C1D}"/>
               </a:ext>
             </a:extLst>
           </p:cNvPr>
@@ -7425,15 +7698,15 @@
           <p:nvPr/>
         </p:nvPicPr>
         <p:blipFill>
-          <a:blip r:embed="rId3"/>
+          <a:blip r:embed="rId5"/>
           <a:stretch>
             <a:fillRect/>
           </a:stretch>
         </p:blipFill>
         <p:spPr>
           <a:xfrm>
-            <a:off x="6844175" y="1157877"/>
-            <a:ext cx="369490" cy="461665"/>
+            <a:off x="6817681" y="2846843"/>
+            <a:ext cx="342327" cy="342327"/>
           </a:xfrm>
           <a:prstGeom prst="rect">
             <a:avLst/>
@@ -7442,10 +7715,10 @@
       </p:pic>
       <p:pic>
         <p:nvPicPr>
-          <p:cNvPr id="40" name="Picture 39">
-            <a:extLst>
-              <a:ext uri="{FF2B5EF4-FFF2-40B4-BE49-F238E27FC236}">
-                <a16:creationId xmlns:a16="http://schemas.microsoft.com/office/drawing/2014/main" id="{3E319ED5-4EEC-E049-93AA-C8BF14A935E8}"/>
+          <p:cNvPr id="66" name="Picture 65">
+            <a:extLst>
+              <a:ext uri="{FF2B5EF4-FFF2-40B4-BE49-F238E27FC236}">
+                <a16:creationId xmlns:a16="http://schemas.microsoft.com/office/drawing/2014/main" id="{7178DBEF-74A4-B741-B909-747C73320B76}"/>
               </a:ext>
             </a:extLst>
           </p:cNvPr>
@@ -7462,20 +7735,31 @@
         </p:blipFill>
         <p:spPr>
           <a:xfrm>
-            <a:off x="6844174" y="1233948"/>
-            <a:ext cx="342327" cy="342327"/>
+            <a:off x="6696766" y="1436908"/>
+            <a:ext cx="539141" cy="125963"/>
           </a:xfrm>
           <a:prstGeom prst="rect">
             <a:avLst/>
           </a:prstGeom>
+          <a:solidFill>
+            <a:schemeClr val="accent6">
+              <a:lumMod val="20000"/>
+              <a:lumOff val="80000"/>
+            </a:schemeClr>
+          </a:solidFill>
+          <a:ln w="38100">
+            <a:solidFill>
+              <a:schemeClr val="accent6"/>
+            </a:solidFill>
+          </a:ln>
         </p:spPr>
       </p:pic>
       <p:pic>
         <p:nvPicPr>
-          <p:cNvPr id="41" name="Picture 40">
-            <a:extLst>
-              <a:ext uri="{FF2B5EF4-FFF2-40B4-BE49-F238E27FC236}">
-                <a16:creationId xmlns:a16="http://schemas.microsoft.com/office/drawing/2014/main" id="{5280AB8C-F5A4-5940-8ABF-B330E0A290B1}"/>
+          <p:cNvPr id="67" name="Picture 66">
+            <a:extLst>
+              <a:ext uri="{FF2B5EF4-FFF2-40B4-BE49-F238E27FC236}">
+                <a16:creationId xmlns:a16="http://schemas.microsoft.com/office/drawing/2014/main" id="{F9EED717-65DB-0745-A7DB-0F7EC21F514E}"/>
               </a:ext>
             </a:extLst>
           </p:cNvPr>
@@ -7485,15 +7769,15 @@
           <p:nvPr/>
         </p:nvPicPr>
         <p:blipFill>
-          <a:blip r:embed="rId3"/>
+          <a:blip r:embed="rId5"/>
           <a:stretch>
             <a:fillRect/>
           </a:stretch>
         </p:blipFill>
         <p:spPr>
           <a:xfrm>
-            <a:off x="6856227" y="69719"/>
-            <a:ext cx="369490" cy="461665"/>
+            <a:off x="6810409" y="1157562"/>
+            <a:ext cx="342327" cy="342327"/>
           </a:xfrm>
           <a:prstGeom prst="rect">
             <a:avLst/>
@@ -7502,10 +7786,10 @@
       </p:pic>
       <p:pic>
         <p:nvPicPr>
-          <p:cNvPr id="42" name="Picture 41">
-            <a:extLst>
-              <a:ext uri="{FF2B5EF4-FFF2-40B4-BE49-F238E27FC236}">
-                <a16:creationId xmlns:a16="http://schemas.microsoft.com/office/drawing/2014/main" id="{4A776D00-91B5-2F4D-84A9-7B951965CAB1}"/>
+          <p:cNvPr id="68" name="Picture 67">
+            <a:extLst>
+              <a:ext uri="{FF2B5EF4-FFF2-40B4-BE49-F238E27FC236}">
+                <a16:creationId xmlns:a16="http://schemas.microsoft.com/office/drawing/2014/main" id="{EFF48F47-D4E2-C949-AAD5-9368278C2A58}"/>
               </a:ext>
             </a:extLst>
           </p:cNvPr>
@@ -7522,7 +7806,48 @@
         </p:blipFill>
         <p:spPr>
           <a:xfrm>
-            <a:off x="6856226" y="145790"/>
+            <a:off x="6708028" y="371413"/>
+            <a:ext cx="539141" cy="125963"/>
+          </a:xfrm>
+          <a:prstGeom prst="rect">
+            <a:avLst/>
+          </a:prstGeom>
+          <a:solidFill>
+            <a:schemeClr val="accent6">
+              <a:lumMod val="20000"/>
+              <a:lumOff val="80000"/>
+            </a:schemeClr>
+          </a:solidFill>
+          <a:ln w="38100">
+            <a:solidFill>
+              <a:schemeClr val="accent6"/>
+            </a:solidFill>
+          </a:ln>
+        </p:spPr>
+      </p:pic>
+      <p:pic>
+        <p:nvPicPr>
+          <p:cNvPr id="69" name="Picture 68">
+            <a:extLst>
+              <a:ext uri="{FF2B5EF4-FFF2-40B4-BE49-F238E27FC236}">
+                <a16:creationId xmlns:a16="http://schemas.microsoft.com/office/drawing/2014/main" id="{ADFAE131-2CCD-FF42-932D-B3882CAEFD5B}"/>
+              </a:ext>
+            </a:extLst>
+          </p:cNvPr>
+          <p:cNvPicPr>
+            <a:picLocks noChangeAspect="1"/>
+          </p:cNvPicPr>
+          <p:nvPr/>
+        </p:nvPicPr>
+        <p:blipFill>
+          <a:blip r:embed="rId5"/>
+          <a:stretch>
+            <a:fillRect/>
+          </a:stretch>
+        </p:blipFill>
+        <p:spPr>
+          <a:xfrm>
+            <a:off x="6821671" y="92067"/>
             <a:ext cx="342327" cy="342327"/>
           </a:xfrm>
           <a:prstGeom prst="rect">
@@ -7532,10 +7857,10 @@
       </p:pic>
       <p:sp>
         <p:nvSpPr>
-          <p:cNvPr id="2" name="TextBox 1">
-            <a:extLst>
-              <a:ext uri="{FF2B5EF4-FFF2-40B4-BE49-F238E27FC236}">
-                <a16:creationId xmlns:a16="http://schemas.microsoft.com/office/drawing/2014/main" id="{1BBB916A-07E1-934E-8172-CA95599A153E}"/>
+          <p:cNvPr id="70" name="TextBox 69">
+            <a:extLst>
+              <a:ext uri="{FF2B5EF4-FFF2-40B4-BE49-F238E27FC236}">
+                <a16:creationId xmlns:a16="http://schemas.microsoft.com/office/drawing/2014/main" id="{1D9D6518-B8BC-F241-A3D1-4FFC0DA0656D}"/>
               </a:ext>
             </a:extLst>
           </p:cNvPr>
@@ -7568,196 +7893,6 @@
               </a:rPr>
               <a:t>OK !</a:t>
             </a:r>
-          </a:p>
-        </p:txBody>
-      </p:sp>
-      <p:sp>
-        <p:nvSpPr>
-          <p:cNvPr id="34" name="TextBox 33">
-            <a:extLst>
-              <a:ext uri="{FF2B5EF4-FFF2-40B4-BE49-F238E27FC236}">
-                <a16:creationId xmlns:a16="http://schemas.microsoft.com/office/drawing/2014/main" id="{F2972BFC-D727-F54B-9014-D83BE51FA924}"/>
-              </a:ext>
-            </a:extLst>
-          </p:cNvPr>
-          <p:cNvSpPr txBox="1"/>
-          <p:nvPr/>
-        </p:nvSpPr>
-        <p:spPr>
-          <a:xfrm>
-            <a:off x="2196176" y="1157877"/>
-            <a:ext cx="2698880" cy="461665"/>
-          </a:xfrm>
-          <a:prstGeom prst="rect">
-            <a:avLst/>
-          </a:prstGeom>
-          <a:noFill/>
-        </p:spPr>
-        <p:txBody>
-          <a:bodyPr wrap="none" rtlCol="0">
-            <a:spAutoFit/>
-          </a:bodyPr>
-          <a:lstStyle/>
-          <a:p>
-            <a:r>
-              <a:rPr lang="en-JP" sz="1200" b="1" dirty="0">
-                <a:highlight>
-                  <a:srgbClr val="FFFF00"/>
-                </a:highlight>
-              </a:rPr>
-              <a:t>①</a:t>
-            </a:r>
-            <a:r>
-              <a:rPr lang="ja-JP" altLang="en-US" sz="1200" b="1">
-                <a:highlight>
-                  <a:srgbClr val="FFFF00"/>
-                </a:highlight>
-              </a:rPr>
-              <a:t> </a:t>
-            </a:r>
-            <a:r>
-              <a:rPr lang="en-US" altLang="ja-JP" sz="1200" b="1" dirty="0">
-                <a:highlight>
-                  <a:srgbClr val="FFFF00"/>
-                </a:highlight>
-              </a:rPr>
-              <a:t>Credential Certificate</a:t>
-            </a:r>
-            <a:r>
-              <a:rPr lang="ja-JP" altLang="en-US" sz="1200" b="1">
-                <a:highlight>
-                  <a:srgbClr val="FFFF00"/>
-                </a:highlight>
-              </a:rPr>
-              <a:t>生成のための</a:t>
-            </a:r>
-            <a:endParaRPr lang="en-US" altLang="ja-JP" sz="1200" b="1" dirty="0">
-              <a:highlight>
-                <a:srgbClr val="FFFF00"/>
-              </a:highlight>
-            </a:endParaRPr>
-          </a:p>
-          <a:p>
-            <a:r>
-              <a:rPr lang="ja-JP" altLang="en-US" sz="1200" b="1">
-                <a:highlight>
-                  <a:srgbClr val="FFFF00"/>
-                </a:highlight>
-              </a:rPr>
-              <a:t>　  パラメータ送付</a:t>
-            </a:r>
-            <a:endParaRPr lang="en-JP" sz="1200" b="1" dirty="0">
-              <a:highlight>
-                <a:srgbClr val="FFFF00"/>
-              </a:highlight>
-            </a:endParaRPr>
-          </a:p>
-        </p:txBody>
-      </p:sp>
-      <p:sp>
-        <p:nvSpPr>
-          <p:cNvPr id="35" name="TextBox 34">
-            <a:extLst>
-              <a:ext uri="{FF2B5EF4-FFF2-40B4-BE49-F238E27FC236}">
-                <a16:creationId xmlns:a16="http://schemas.microsoft.com/office/drawing/2014/main" id="{494F0802-E491-7D49-BDC3-35331A5543E0}"/>
-              </a:ext>
-            </a:extLst>
-          </p:cNvPr>
-          <p:cNvSpPr txBox="1"/>
-          <p:nvPr/>
-        </p:nvSpPr>
-        <p:spPr>
-          <a:xfrm>
-            <a:off x="1574667" y="2012954"/>
-            <a:ext cx="3153620" cy="461665"/>
-          </a:xfrm>
-          <a:prstGeom prst="rect">
-            <a:avLst/>
-          </a:prstGeom>
-          <a:noFill/>
-        </p:spPr>
-        <p:txBody>
-          <a:bodyPr wrap="none" rtlCol="0">
-            <a:spAutoFit/>
-          </a:bodyPr>
-          <a:lstStyle/>
-          <a:p>
-            <a:r>
-              <a:rPr lang="en-JP" sz="1200" b="1" dirty="0">
-                <a:solidFill>
-                  <a:schemeClr val="bg2">
-                    <a:lumMod val="90000"/>
-                  </a:schemeClr>
-                </a:solidFill>
-              </a:rPr>
-              <a:t>② </a:t>
-            </a:r>
-            <a:r>
-              <a:rPr lang="en-US" altLang="ja-JP" sz="1200" b="1" dirty="0" err="1">
-                <a:solidFill>
-                  <a:schemeClr val="bg2">
-                    <a:lumMod val="90000"/>
-                  </a:schemeClr>
-                </a:solidFill>
-              </a:rPr>
-              <a:t>PublicKeyCredentialCreationOption</a:t>
-            </a:r>
-            <a:r>
-              <a:rPr lang="ja-JP" altLang="en-US" sz="1200" b="1">
-                <a:solidFill>
-                  <a:schemeClr val="bg2">
-                    <a:lumMod val="90000"/>
-                  </a:schemeClr>
-                </a:solidFill>
-              </a:rPr>
-              <a:t>生成、</a:t>
-            </a:r>
-            <a:endParaRPr lang="en-US" altLang="ja-JP" sz="1200" b="1" dirty="0">
-              <a:solidFill>
-                <a:schemeClr val="bg2">
-                  <a:lumMod val="90000"/>
-                </a:schemeClr>
-              </a:solidFill>
-            </a:endParaRPr>
-          </a:p>
-          <a:p>
-            <a:r>
-              <a:rPr lang="ja-JP" altLang="en-US" sz="1200" b="1">
-                <a:solidFill>
-                  <a:schemeClr val="bg2">
-                    <a:lumMod val="90000"/>
-                  </a:schemeClr>
-                </a:solidFill>
-              </a:rPr>
-              <a:t>　  認証器へ</a:t>
-            </a:r>
-            <a:r>
-              <a:rPr lang="en-US" altLang="ja-JP" sz="1200" b="1" dirty="0">
-                <a:solidFill>
-                  <a:schemeClr val="bg2">
-                    <a:lumMod val="90000"/>
-                  </a:schemeClr>
-                </a:solidFill>
-              </a:rPr>
-              <a:t>Credential</a:t>
-            </a:r>
-            <a:r>
-              <a:rPr lang="ja-JP" altLang="en-US" sz="1200" b="1">
-                <a:solidFill>
-                  <a:schemeClr val="bg2">
-                    <a:lumMod val="90000"/>
-                  </a:schemeClr>
-                </a:solidFill>
-              </a:rPr>
-              <a:t>生成要求</a:t>
-            </a:r>
-            <a:endParaRPr lang="en-JP" sz="1200" b="1" dirty="0">
-              <a:solidFill>
-                <a:schemeClr val="bg2">
-                  <a:lumMod val="90000"/>
-                </a:schemeClr>
-              </a:solidFill>
-            </a:endParaRPr>
           </a:p>
         </p:txBody>
       </p:sp>
@@ -7791,12 +7926,252 @@
           <a:chExt cx="0" cy="0"/>
         </a:xfrm>
       </p:grpSpPr>
+      <p:sp>
+        <p:nvSpPr>
+          <p:cNvPr id="17" name="TextBox 16">
+            <a:extLst>
+              <a:ext uri="{FF2B5EF4-FFF2-40B4-BE49-F238E27FC236}">
+                <a16:creationId xmlns:a16="http://schemas.microsoft.com/office/drawing/2014/main" id="{511681B5-1931-004B-9856-198305101D77}"/>
+              </a:ext>
+            </a:extLst>
+          </p:cNvPr>
+          <p:cNvSpPr txBox="1"/>
+          <p:nvPr/>
+        </p:nvSpPr>
+        <p:spPr>
+          <a:xfrm>
+            <a:off x="2849719" y="2995222"/>
+            <a:ext cx="2125967" cy="276999"/>
+          </a:xfrm>
+          <a:prstGeom prst="rect">
+            <a:avLst/>
+          </a:prstGeom>
+          <a:noFill/>
+        </p:spPr>
+        <p:txBody>
+          <a:bodyPr wrap="none" rtlCol="0">
+            <a:spAutoFit/>
+          </a:bodyPr>
+          <a:lstStyle/>
+          <a:p>
+            <a:r>
+              <a:rPr lang="en-JP" sz="1200" b="1" dirty="0">
+                <a:highlight>
+                  <a:srgbClr val="FFFF00"/>
+                </a:highlight>
+              </a:rPr>
+              <a:t>③Credential</a:t>
+            </a:r>
+            <a:r>
+              <a:rPr lang="ja-JP" altLang="en-US" sz="1200" b="1">
+                <a:highlight>
+                  <a:srgbClr val="FFFF00"/>
+                </a:highlight>
+              </a:rPr>
+              <a:t>生成要求の送付</a:t>
+            </a:r>
+            <a:endParaRPr lang="en-JP" sz="1200" b="1" dirty="0">
+              <a:highlight>
+                <a:srgbClr val="FFFF00"/>
+              </a:highlight>
+            </a:endParaRPr>
+          </a:p>
+        </p:txBody>
+      </p:sp>
+      <p:sp>
+        <p:nvSpPr>
+          <p:cNvPr id="34" name="TextBox 33">
+            <a:extLst>
+              <a:ext uri="{FF2B5EF4-FFF2-40B4-BE49-F238E27FC236}">
+                <a16:creationId xmlns:a16="http://schemas.microsoft.com/office/drawing/2014/main" id="{F2972BFC-D727-F54B-9014-D83BE51FA924}"/>
+              </a:ext>
+            </a:extLst>
+          </p:cNvPr>
+          <p:cNvSpPr txBox="1"/>
+          <p:nvPr/>
+        </p:nvSpPr>
+        <p:spPr>
+          <a:xfrm>
+            <a:off x="2196176" y="1157877"/>
+            <a:ext cx="2698880" cy="461665"/>
+          </a:xfrm>
+          <a:prstGeom prst="rect">
+            <a:avLst/>
+          </a:prstGeom>
+          <a:noFill/>
+        </p:spPr>
+        <p:txBody>
+          <a:bodyPr wrap="none" rtlCol="0">
+            <a:spAutoFit/>
+          </a:bodyPr>
+          <a:lstStyle/>
+          <a:p>
+            <a:r>
+              <a:rPr lang="en-JP" sz="1200" b="1" dirty="0">
+                <a:solidFill>
+                  <a:schemeClr val="bg2">
+                    <a:lumMod val="90000"/>
+                  </a:schemeClr>
+                </a:solidFill>
+              </a:rPr>
+              <a:t>①</a:t>
+            </a:r>
+            <a:r>
+              <a:rPr lang="ja-JP" altLang="en-US" sz="1200" b="1">
+                <a:solidFill>
+                  <a:schemeClr val="bg2">
+                    <a:lumMod val="90000"/>
+                  </a:schemeClr>
+                </a:solidFill>
+              </a:rPr>
+              <a:t> </a:t>
+            </a:r>
+            <a:r>
+              <a:rPr lang="en-US" altLang="ja-JP" sz="1200" b="1" dirty="0">
+                <a:solidFill>
+                  <a:schemeClr val="bg2">
+                    <a:lumMod val="90000"/>
+                  </a:schemeClr>
+                </a:solidFill>
+              </a:rPr>
+              <a:t>Credential Certificate</a:t>
+            </a:r>
+            <a:r>
+              <a:rPr lang="ja-JP" altLang="en-US" sz="1200" b="1">
+                <a:solidFill>
+                  <a:schemeClr val="bg2">
+                    <a:lumMod val="90000"/>
+                  </a:schemeClr>
+                </a:solidFill>
+              </a:rPr>
+              <a:t>生成のための</a:t>
+            </a:r>
+            <a:endParaRPr lang="en-US" altLang="ja-JP" sz="1200" b="1" dirty="0">
+              <a:solidFill>
+                <a:schemeClr val="bg2">
+                  <a:lumMod val="90000"/>
+                </a:schemeClr>
+              </a:solidFill>
+            </a:endParaRPr>
+          </a:p>
+          <a:p>
+            <a:r>
+              <a:rPr lang="ja-JP" altLang="en-US" sz="1200" b="1">
+                <a:solidFill>
+                  <a:schemeClr val="bg2">
+                    <a:lumMod val="90000"/>
+                  </a:schemeClr>
+                </a:solidFill>
+              </a:rPr>
+              <a:t>　  パラメータ送付</a:t>
+            </a:r>
+            <a:endParaRPr lang="en-JP" sz="1200" b="1" dirty="0">
+              <a:solidFill>
+                <a:schemeClr val="bg2">
+                  <a:lumMod val="90000"/>
+                </a:schemeClr>
+              </a:solidFill>
+            </a:endParaRPr>
+          </a:p>
+        </p:txBody>
+      </p:sp>
+      <p:sp>
+        <p:nvSpPr>
+          <p:cNvPr id="35" name="TextBox 34">
+            <a:extLst>
+              <a:ext uri="{FF2B5EF4-FFF2-40B4-BE49-F238E27FC236}">
+                <a16:creationId xmlns:a16="http://schemas.microsoft.com/office/drawing/2014/main" id="{494F0802-E491-7D49-BDC3-35331A5543E0}"/>
+              </a:ext>
+            </a:extLst>
+          </p:cNvPr>
+          <p:cNvSpPr txBox="1"/>
+          <p:nvPr/>
+        </p:nvSpPr>
+        <p:spPr>
+          <a:xfrm>
+            <a:off x="1574667" y="2012954"/>
+            <a:ext cx="3153620" cy="461665"/>
+          </a:xfrm>
+          <a:prstGeom prst="rect">
+            <a:avLst/>
+          </a:prstGeom>
+          <a:noFill/>
+        </p:spPr>
+        <p:txBody>
+          <a:bodyPr wrap="none" rtlCol="0">
+            <a:spAutoFit/>
+          </a:bodyPr>
+          <a:lstStyle/>
+          <a:p>
+            <a:r>
+              <a:rPr lang="en-JP" sz="1200" b="1" dirty="0">
+                <a:highlight>
+                  <a:srgbClr val="FFFF00"/>
+                </a:highlight>
+              </a:rPr>
+              <a:t>② </a:t>
+            </a:r>
+            <a:r>
+              <a:rPr lang="en-US" altLang="ja-JP" sz="1200" b="1" dirty="0" err="1">
+                <a:highlight>
+                  <a:srgbClr val="FFFF00"/>
+                </a:highlight>
+              </a:rPr>
+              <a:t>PublicKeyCredentialCreationOption</a:t>
+            </a:r>
+            <a:r>
+              <a:rPr lang="ja-JP" altLang="en-US" sz="1200" b="1">
+                <a:highlight>
+                  <a:srgbClr val="FFFF00"/>
+                </a:highlight>
+              </a:rPr>
+              <a:t>生成、</a:t>
+            </a:r>
+            <a:endParaRPr lang="en-US" altLang="ja-JP" sz="1200" b="1" dirty="0">
+              <a:highlight>
+                <a:srgbClr val="FFFF00"/>
+              </a:highlight>
+            </a:endParaRPr>
+          </a:p>
+          <a:p>
+            <a:r>
+              <a:rPr lang="ja-JP" altLang="en-US" sz="1200" b="1">
+                <a:highlight>
+                  <a:srgbClr val="FFFF00"/>
+                </a:highlight>
+              </a:rPr>
+              <a:t>　  認証器へ</a:t>
+            </a:r>
+            <a:r>
+              <a:rPr lang="en-US" altLang="ja-JP" sz="1200" b="1" dirty="0">
+                <a:highlight>
+                  <a:srgbClr val="FFFF00"/>
+                </a:highlight>
+              </a:rPr>
+              <a:t>Credential</a:t>
+            </a:r>
+            <a:r>
+              <a:rPr lang="ja-JP" altLang="en-US" sz="1200" b="1">
+                <a:highlight>
+                  <a:srgbClr val="FFFF00"/>
+                </a:highlight>
+              </a:rPr>
+              <a:t>生成要求</a:t>
+            </a:r>
+            <a:endParaRPr lang="en-JP" sz="1200" b="1" dirty="0">
+              <a:highlight>
+                <a:srgbClr val="FFFF00"/>
+              </a:highlight>
+            </a:endParaRPr>
+          </a:p>
+        </p:txBody>
+      </p:sp>
       <p:pic>
         <p:nvPicPr>
-          <p:cNvPr id="4" name="Picture 3">
-            <a:extLst>
-              <a:ext uri="{FF2B5EF4-FFF2-40B4-BE49-F238E27FC236}">
-                <a16:creationId xmlns:a16="http://schemas.microsoft.com/office/drawing/2014/main" id="{7BB16E77-4C5A-EE4B-8951-017E2E34B25A}"/>
+          <p:cNvPr id="36" name="Picture 35">
+            <a:extLst>
+              <a:ext uri="{FF2B5EF4-FFF2-40B4-BE49-F238E27FC236}">
+                <a16:creationId xmlns:a16="http://schemas.microsoft.com/office/drawing/2014/main" id="{BCB79F22-F99F-3F4B-A387-19C23639F9FE}"/>
               </a:ext>
             </a:extLst>
           </p:cNvPr>
@@ -7823,10 +8198,10 @@
       </p:pic>
       <p:sp>
         <p:nvSpPr>
-          <p:cNvPr id="5" name="Rounded Rectangle 4">
-            <a:extLst>
-              <a:ext uri="{FF2B5EF4-FFF2-40B4-BE49-F238E27FC236}">
-                <a16:creationId xmlns:a16="http://schemas.microsoft.com/office/drawing/2014/main" id="{DE13ECB7-BAE5-AE44-B6FA-E837ED650D36}"/>
+          <p:cNvPr id="43" name="Rounded Rectangle 42">
+            <a:extLst>
+              <a:ext uri="{FF2B5EF4-FFF2-40B4-BE49-F238E27FC236}">
+                <a16:creationId xmlns:a16="http://schemas.microsoft.com/office/drawing/2014/main" id="{B05A6A9F-05FB-AF43-969E-AF8979F55C35}"/>
               </a:ext>
             </a:extLst>
           </p:cNvPr>
@@ -7872,10 +8247,10 @@
       </p:sp>
       <p:sp>
         <p:nvSpPr>
-          <p:cNvPr id="6" name="Rounded Rectangle 5">
-            <a:extLst>
-              <a:ext uri="{FF2B5EF4-FFF2-40B4-BE49-F238E27FC236}">
-                <a16:creationId xmlns:a16="http://schemas.microsoft.com/office/drawing/2014/main" id="{7EC16796-AA12-7642-9453-F8A3E98CA0F1}"/>
+          <p:cNvPr id="44" name="Rounded Rectangle 43">
+            <a:extLst>
+              <a:ext uri="{FF2B5EF4-FFF2-40B4-BE49-F238E27FC236}">
+                <a16:creationId xmlns:a16="http://schemas.microsoft.com/office/drawing/2014/main" id="{78DA4510-6FC7-9B4B-93DE-F7A32EF2F754}"/>
               </a:ext>
             </a:extLst>
           </p:cNvPr>
@@ -7921,10 +8296,10 @@
       </p:sp>
       <p:sp>
         <p:nvSpPr>
-          <p:cNvPr id="7" name="Rounded Rectangle 6">
-            <a:extLst>
-              <a:ext uri="{FF2B5EF4-FFF2-40B4-BE49-F238E27FC236}">
-                <a16:creationId xmlns:a16="http://schemas.microsoft.com/office/drawing/2014/main" id="{667C2817-EB5F-234E-B260-12E87E4C5165}"/>
+          <p:cNvPr id="45" name="Rounded Rectangle 44">
+            <a:extLst>
+              <a:ext uri="{FF2B5EF4-FFF2-40B4-BE49-F238E27FC236}">
+                <a16:creationId xmlns:a16="http://schemas.microsoft.com/office/drawing/2014/main" id="{FC5F14CB-B470-2A43-B917-941CDDE5539E}"/>
               </a:ext>
             </a:extLst>
           </p:cNvPr>
@@ -7978,10 +8353,10 @@
       </p:sp>
       <p:cxnSp>
         <p:nvCxnSpPr>
-          <p:cNvPr id="8" name="Straight Arrow Connector 7">
-            <a:extLst>
-              <a:ext uri="{FF2B5EF4-FFF2-40B4-BE49-F238E27FC236}">
-                <a16:creationId xmlns:a16="http://schemas.microsoft.com/office/drawing/2014/main" id="{E3E40130-3BED-B941-88CF-D1299972173E}"/>
+          <p:cNvPr id="46" name="Straight Arrow Connector 45">
+            <a:extLst>
+              <a:ext uri="{FF2B5EF4-FFF2-40B4-BE49-F238E27FC236}">
+                <a16:creationId xmlns:a16="http://schemas.microsoft.com/office/drawing/2014/main" id="{E9EA391B-A31D-7649-9190-25862B0F9DA1}"/>
               </a:ext>
             </a:extLst>
           </p:cNvPr>
@@ -8017,10 +8392,10 @@
       </p:cxnSp>
       <p:cxnSp>
         <p:nvCxnSpPr>
-          <p:cNvPr id="9" name="Straight Arrow Connector 8">
-            <a:extLst>
-              <a:ext uri="{FF2B5EF4-FFF2-40B4-BE49-F238E27FC236}">
-                <a16:creationId xmlns:a16="http://schemas.microsoft.com/office/drawing/2014/main" id="{9E3EB259-E7FF-D047-8D6B-D88B029D6503}"/>
+          <p:cNvPr id="47" name="Straight Arrow Connector 46">
+            <a:extLst>
+              <a:ext uri="{FF2B5EF4-FFF2-40B4-BE49-F238E27FC236}">
+                <a16:creationId xmlns:a16="http://schemas.microsoft.com/office/drawing/2014/main" id="{B2315DA6-1B35-4C4F-9CB1-6175B92AF32F}"/>
               </a:ext>
             </a:extLst>
           </p:cNvPr>
@@ -8058,10 +8433,10 @@
       </p:cxnSp>
       <p:cxnSp>
         <p:nvCxnSpPr>
-          <p:cNvPr id="10" name="Straight Arrow Connector 9">
-            <a:extLst>
-              <a:ext uri="{FF2B5EF4-FFF2-40B4-BE49-F238E27FC236}">
-                <a16:creationId xmlns:a16="http://schemas.microsoft.com/office/drawing/2014/main" id="{1493BA4F-6CA1-1749-8DEF-907D657C82A8}"/>
+          <p:cNvPr id="48" name="Straight Arrow Connector 47">
+            <a:extLst>
+              <a:ext uri="{FF2B5EF4-FFF2-40B4-BE49-F238E27FC236}">
+                <a16:creationId xmlns:a16="http://schemas.microsoft.com/office/drawing/2014/main" id="{A77851E3-1DC6-DE45-A7A2-B2CA4DF6F7D4}"/>
               </a:ext>
             </a:extLst>
           </p:cNvPr>
@@ -8100,10 +8475,10 @@
       </p:cxnSp>
       <p:cxnSp>
         <p:nvCxnSpPr>
-          <p:cNvPr id="11" name="Straight Arrow Connector 10">
-            <a:extLst>
-              <a:ext uri="{FF2B5EF4-FFF2-40B4-BE49-F238E27FC236}">
-                <a16:creationId xmlns:a16="http://schemas.microsoft.com/office/drawing/2014/main" id="{A0566FA4-7A0D-9347-9D4C-6667961C2B07}"/>
+          <p:cNvPr id="49" name="Straight Arrow Connector 48">
+            <a:extLst>
+              <a:ext uri="{FF2B5EF4-FFF2-40B4-BE49-F238E27FC236}">
+                <a16:creationId xmlns:a16="http://schemas.microsoft.com/office/drawing/2014/main" id="{93F05664-6B41-494F-901E-A10DCDE77254}"/>
               </a:ext>
             </a:extLst>
           </p:cNvPr>
@@ -8144,10 +8519,10 @@
       </p:cxnSp>
       <p:sp>
         <p:nvSpPr>
-          <p:cNvPr id="12" name="Rounded Rectangle 11">
-            <a:extLst>
-              <a:ext uri="{FF2B5EF4-FFF2-40B4-BE49-F238E27FC236}">
-                <a16:creationId xmlns:a16="http://schemas.microsoft.com/office/drawing/2014/main" id="{1A8FA66B-4F4F-6341-B599-4D64AD97C0A9}"/>
+          <p:cNvPr id="50" name="Rounded Rectangle 49">
+            <a:extLst>
+              <a:ext uri="{FF2B5EF4-FFF2-40B4-BE49-F238E27FC236}">
+                <a16:creationId xmlns:a16="http://schemas.microsoft.com/office/drawing/2014/main" id="{6FB765F7-7061-F146-AF5E-E5AE357991B0}"/>
               </a:ext>
             </a:extLst>
           </p:cNvPr>
@@ -8199,10 +8574,10 @@
       </p:sp>
       <p:cxnSp>
         <p:nvCxnSpPr>
-          <p:cNvPr id="13" name="Straight Arrow Connector 12">
-            <a:extLst>
-              <a:ext uri="{FF2B5EF4-FFF2-40B4-BE49-F238E27FC236}">
-                <a16:creationId xmlns:a16="http://schemas.microsoft.com/office/drawing/2014/main" id="{26E3324E-4537-B443-A408-263E62032076}"/>
+          <p:cNvPr id="51" name="Straight Arrow Connector 50">
+            <a:extLst>
+              <a:ext uri="{FF2B5EF4-FFF2-40B4-BE49-F238E27FC236}">
+                <a16:creationId xmlns:a16="http://schemas.microsoft.com/office/drawing/2014/main" id="{06B18891-0760-A94D-B686-DDCCB7FCA545}"/>
               </a:ext>
             </a:extLst>
           </p:cNvPr>
@@ -8243,10 +8618,10 @@
       </p:cxnSp>
       <p:sp>
         <p:nvSpPr>
-          <p:cNvPr id="14" name="TextBox 13">
-            <a:extLst>
-              <a:ext uri="{FF2B5EF4-FFF2-40B4-BE49-F238E27FC236}">
-                <a16:creationId xmlns:a16="http://schemas.microsoft.com/office/drawing/2014/main" id="{F4BB5431-8EB3-E940-8E58-C244A24ACCC5}"/>
+          <p:cNvPr id="52" name="TextBox 51">
+            <a:extLst>
+              <a:ext uri="{FF2B5EF4-FFF2-40B4-BE49-F238E27FC236}">
+                <a16:creationId xmlns:a16="http://schemas.microsoft.com/office/drawing/2014/main" id="{4717C4AB-5DD0-6244-B8EE-8E8F75D991B3}"/>
               </a:ext>
             </a:extLst>
           </p:cNvPr>
@@ -8270,51 +8645,27 @@
           <a:lstStyle/>
           <a:p>
             <a:r>
-              <a:rPr lang="ja-JP" altLang="en-US" sz="1200" b="1">
-                <a:solidFill>
-                  <a:schemeClr val="bg2">
-                    <a:lumMod val="90000"/>
-                  </a:schemeClr>
-                </a:solidFill>
-              </a:rPr>
+              <a:rPr lang="ja-JP" altLang="en-US" sz="1200" b="1"/>
               <a:t>⓪</a:t>
             </a:r>
             <a:r>
-              <a:rPr lang="en-US" altLang="ja-JP" sz="1200" b="1" dirty="0">
-                <a:solidFill>
-                  <a:schemeClr val="bg2">
-                    <a:lumMod val="90000"/>
-                  </a:schemeClr>
-                </a:solidFill>
-              </a:rPr>
+              <a:rPr lang="en-US" altLang="ja-JP" sz="1200" b="1" dirty="0"/>
               <a:t> </a:t>
             </a:r>
             <a:r>
-              <a:rPr lang="ja-JP" altLang="en-US" sz="1200" b="1">
-                <a:solidFill>
-                  <a:schemeClr val="bg2">
-                    <a:lumMod val="90000"/>
-                  </a:schemeClr>
-                </a:solidFill>
-              </a:rPr>
+              <a:rPr lang="ja-JP" altLang="en-US" sz="1200" b="1"/>
               <a:t>登録要求</a:t>
             </a:r>
-            <a:endParaRPr lang="en-JP" sz="1200" b="1" dirty="0">
-              <a:solidFill>
-                <a:schemeClr val="bg2">
-                  <a:lumMod val="90000"/>
-                </a:schemeClr>
-              </a:solidFill>
-            </a:endParaRPr>
-          </a:p>
-        </p:txBody>
-      </p:sp>
-      <p:sp>
-        <p:nvSpPr>
-          <p:cNvPr id="16" name="TextBox 15">
-            <a:extLst>
-              <a:ext uri="{FF2B5EF4-FFF2-40B4-BE49-F238E27FC236}">
-                <a16:creationId xmlns:a16="http://schemas.microsoft.com/office/drawing/2014/main" id="{070ED225-BE02-A14C-91BF-816B734C1B44}"/>
+            <a:endParaRPr lang="en-JP" sz="1200" b="1" dirty="0"/>
+          </a:p>
+        </p:txBody>
+      </p:sp>
+      <p:sp>
+        <p:nvSpPr>
+          <p:cNvPr id="53" name="TextBox 52">
+            <a:extLst>
+              <a:ext uri="{FF2B5EF4-FFF2-40B4-BE49-F238E27FC236}">
+                <a16:creationId xmlns:a16="http://schemas.microsoft.com/office/drawing/2014/main" id="{BF2C2C7D-19CF-FD4F-94CE-7B4B0880BE95}"/>
               </a:ext>
             </a:extLst>
           </p:cNvPr>
@@ -8354,62 +8705,10 @@
       </p:sp>
       <p:sp>
         <p:nvSpPr>
-          <p:cNvPr id="17" name="TextBox 16">
-            <a:extLst>
-              <a:ext uri="{FF2B5EF4-FFF2-40B4-BE49-F238E27FC236}">
-                <a16:creationId xmlns:a16="http://schemas.microsoft.com/office/drawing/2014/main" id="{511681B5-1931-004B-9856-198305101D77}"/>
-              </a:ext>
-            </a:extLst>
-          </p:cNvPr>
-          <p:cNvSpPr txBox="1"/>
-          <p:nvPr/>
-        </p:nvSpPr>
-        <p:spPr>
-          <a:xfrm>
-            <a:off x="2849719" y="2995222"/>
-            <a:ext cx="2125967" cy="276999"/>
-          </a:xfrm>
-          <a:prstGeom prst="rect">
-            <a:avLst/>
-          </a:prstGeom>
-          <a:noFill/>
-        </p:spPr>
-        <p:txBody>
-          <a:bodyPr wrap="none" rtlCol="0">
-            <a:spAutoFit/>
-          </a:bodyPr>
-          <a:lstStyle/>
-          <a:p>
-            <a:r>
-              <a:rPr lang="en-JP" sz="1200" b="1" dirty="0">
-                <a:highlight>
-                  <a:srgbClr val="FFFF00"/>
-                </a:highlight>
-              </a:rPr>
-              <a:t>③Credential</a:t>
-            </a:r>
-            <a:r>
-              <a:rPr lang="ja-JP" altLang="en-US" sz="1200" b="1">
-                <a:highlight>
-                  <a:srgbClr val="FFFF00"/>
-                </a:highlight>
-              </a:rPr>
-              <a:t>生成要求の送付</a:t>
-            </a:r>
-            <a:endParaRPr lang="en-JP" sz="1200" b="1" dirty="0">
-              <a:highlight>
-                <a:srgbClr val="FFFF00"/>
-              </a:highlight>
-            </a:endParaRPr>
-          </a:p>
-        </p:txBody>
-      </p:sp>
-      <p:sp>
-        <p:nvSpPr>
-          <p:cNvPr id="18" name="TextBox 17">
-            <a:extLst>
-              <a:ext uri="{FF2B5EF4-FFF2-40B4-BE49-F238E27FC236}">
-                <a16:creationId xmlns:a16="http://schemas.microsoft.com/office/drawing/2014/main" id="{52733BE3-D5D4-0040-B084-BEF2BD1EE342}"/>
+          <p:cNvPr id="54" name="TextBox 53">
+            <a:extLst>
+              <a:ext uri="{FF2B5EF4-FFF2-40B4-BE49-F238E27FC236}">
+                <a16:creationId xmlns:a16="http://schemas.microsoft.com/office/drawing/2014/main" id="{C2F90B9C-3CE5-9A4C-B730-993507637DBA}"/>
               </a:ext>
             </a:extLst>
           </p:cNvPr>
@@ -8466,10 +8765,10 @@
       </p:sp>
       <p:sp>
         <p:nvSpPr>
-          <p:cNvPr id="20" name="TextBox 19">
-            <a:extLst>
-              <a:ext uri="{FF2B5EF4-FFF2-40B4-BE49-F238E27FC236}">
-                <a16:creationId xmlns:a16="http://schemas.microsoft.com/office/drawing/2014/main" id="{A1269EB4-2697-534A-B26E-312359FF4FC5}"/>
+          <p:cNvPr id="55" name="TextBox 54">
+            <a:extLst>
+              <a:ext uri="{FF2B5EF4-FFF2-40B4-BE49-F238E27FC236}">
+                <a16:creationId xmlns:a16="http://schemas.microsoft.com/office/drawing/2014/main" id="{98F6CE05-C35C-684D-90A3-916112162D99}"/>
               </a:ext>
             </a:extLst>
           </p:cNvPr>
@@ -8478,7 +8777,7 @@
         </p:nvSpPr>
         <p:spPr>
           <a:xfrm>
-            <a:off x="6707725" y="3909303"/>
+            <a:off x="6871424" y="3897402"/>
             <a:ext cx="3207929" cy="461665"/>
           </a:xfrm>
           <a:prstGeom prst="rect">
@@ -8613,10 +8912,10 @@
       </p:sp>
       <p:sp>
         <p:nvSpPr>
-          <p:cNvPr id="21" name="TextBox 20">
-            <a:extLst>
-              <a:ext uri="{FF2B5EF4-FFF2-40B4-BE49-F238E27FC236}">
-                <a16:creationId xmlns:a16="http://schemas.microsoft.com/office/drawing/2014/main" id="{2A1A0A65-4FC6-7343-A487-93B65FE2AE12}"/>
+          <p:cNvPr id="56" name="TextBox 55">
+            <a:extLst>
+              <a:ext uri="{FF2B5EF4-FFF2-40B4-BE49-F238E27FC236}">
+                <a16:creationId xmlns:a16="http://schemas.microsoft.com/office/drawing/2014/main" id="{BD075600-5714-7145-9657-6BC430384A0D}"/>
               </a:ext>
             </a:extLst>
           </p:cNvPr>
@@ -8681,10 +8980,10 @@
       </p:sp>
       <p:sp>
         <p:nvSpPr>
-          <p:cNvPr id="22" name="TextBox 21">
-            <a:extLst>
-              <a:ext uri="{FF2B5EF4-FFF2-40B4-BE49-F238E27FC236}">
-                <a16:creationId xmlns:a16="http://schemas.microsoft.com/office/drawing/2014/main" id="{AB4378D1-3D72-0443-A137-64E51F2AEE9F}"/>
+          <p:cNvPr id="57" name="TextBox 56">
+            <a:extLst>
+              <a:ext uri="{FF2B5EF4-FFF2-40B4-BE49-F238E27FC236}">
+                <a16:creationId xmlns:a16="http://schemas.microsoft.com/office/drawing/2014/main" id="{71FAC09E-10C6-9941-8DDA-9B1235AC92A4}"/>
               </a:ext>
             </a:extLst>
           </p:cNvPr>
@@ -8739,10 +9038,10 @@
       </p:sp>
       <p:sp>
         <p:nvSpPr>
-          <p:cNvPr id="23" name="TextBox 22">
-            <a:extLst>
-              <a:ext uri="{FF2B5EF4-FFF2-40B4-BE49-F238E27FC236}">
-                <a16:creationId xmlns:a16="http://schemas.microsoft.com/office/drawing/2014/main" id="{A4AD18DD-7940-D446-A3F4-E64DF3918033}"/>
+          <p:cNvPr id="58" name="TextBox 57">
+            <a:extLst>
+              <a:ext uri="{FF2B5EF4-FFF2-40B4-BE49-F238E27FC236}">
+                <a16:creationId xmlns:a16="http://schemas.microsoft.com/office/drawing/2014/main" id="{A0469127-08BD-504B-9E9C-E08A9CCEF360}"/>
               </a:ext>
             </a:extLst>
           </p:cNvPr>
@@ -8752,7 +9051,7 @@
         <p:spPr>
           <a:xfrm>
             <a:off x="7186501" y="84255"/>
-            <a:ext cx="2264730" cy="461665"/>
+            <a:ext cx="2771040" cy="461665"/>
           </a:xfrm>
           <a:prstGeom prst="rect">
             <a:avLst/>
@@ -8822,7 +9121,7 @@
                   </a:schemeClr>
                 </a:solidFill>
               </a:rPr>
-              <a:t>　   </a:t>
+              <a:t>　  </a:t>
             </a:r>
             <a:r>
               <a:rPr lang="en-US" altLang="ja-JP" sz="1200" b="1" dirty="0">
@@ -8832,7 +9131,7 @@
                   </a:schemeClr>
                 </a:solidFill>
               </a:rPr>
-              <a:t>Credential Certificate</a:t>
+              <a:t>Attested</a:t>
             </a:r>
             <a:r>
               <a:rPr lang="ja-JP" altLang="en-US" sz="1200" b="1">
@@ -8842,7 +9141,27 @@
                   </a:schemeClr>
                 </a:solidFill>
               </a:rPr>
-              <a:t>登録</a:t>
+              <a:t> </a:t>
+            </a:r>
+            <a:r>
+              <a:rPr lang="en-US" altLang="ja-JP" sz="1200" b="1" dirty="0">
+                <a:solidFill>
+                  <a:schemeClr val="bg2">
+                    <a:lumMod val="90000"/>
+                  </a:schemeClr>
+                </a:solidFill>
+              </a:rPr>
+              <a:t>Credential Public Key</a:t>
+            </a:r>
+            <a:r>
+              <a:rPr lang="ja-JP" altLang="en-US" sz="1200" b="1">
+                <a:solidFill>
+                  <a:schemeClr val="bg2">
+                    <a:lumMod val="90000"/>
+                  </a:schemeClr>
+                </a:solidFill>
+              </a:rPr>
+              <a:t>の登録</a:t>
             </a:r>
             <a:endParaRPr lang="en-JP" sz="1200" b="1" dirty="0">
               <a:solidFill>
@@ -8856,10 +9175,10 @@
       </p:sp>
       <p:pic>
         <p:nvPicPr>
-          <p:cNvPr id="29" name="Picture 28">
-            <a:extLst>
-              <a:ext uri="{FF2B5EF4-FFF2-40B4-BE49-F238E27FC236}">
-                <a16:creationId xmlns:a16="http://schemas.microsoft.com/office/drawing/2014/main" id="{7368AD10-BA72-2548-BD8D-481A34498B6D}"/>
+          <p:cNvPr id="59" name="Picture 58">
+            <a:extLst>
+              <a:ext uri="{FF2B5EF4-FFF2-40B4-BE49-F238E27FC236}">
+                <a16:creationId xmlns:a16="http://schemas.microsoft.com/office/drawing/2014/main" id="{346D06AE-8B03-BA45-A6EB-D0B2A93CFB9A}"/>
               </a:ext>
             </a:extLst>
           </p:cNvPr>
@@ -8876,20 +9195,107 @@
         </p:blipFill>
         <p:spPr>
           <a:xfrm>
-            <a:off x="5651832" y="3907718"/>
-            <a:ext cx="369490" cy="461665"/>
+            <a:off x="4530619" y="3956613"/>
+            <a:ext cx="407646" cy="407646"/>
           </a:xfrm>
           <a:prstGeom prst="rect">
             <a:avLst/>
           </a:prstGeom>
         </p:spPr>
       </p:pic>
+      <p:sp>
+        <p:nvSpPr>
+          <p:cNvPr id="60" name="TextBox 59">
+            <a:extLst>
+              <a:ext uri="{FF2B5EF4-FFF2-40B4-BE49-F238E27FC236}">
+                <a16:creationId xmlns:a16="http://schemas.microsoft.com/office/drawing/2014/main" id="{BE69870B-6F24-5E40-93B0-953527739A6E}"/>
+              </a:ext>
+            </a:extLst>
+          </p:cNvPr>
+          <p:cNvSpPr txBox="1"/>
+          <p:nvPr/>
+        </p:nvSpPr>
+        <p:spPr>
+          <a:xfrm>
+            <a:off x="4836191" y="3937811"/>
+            <a:ext cx="838691" cy="430887"/>
+          </a:xfrm>
+          <a:prstGeom prst="rect">
+            <a:avLst/>
+          </a:prstGeom>
+          <a:noFill/>
+        </p:spPr>
+        <p:txBody>
+          <a:bodyPr wrap="none" rtlCol="0">
+            <a:spAutoFit/>
+          </a:bodyPr>
+          <a:lstStyle/>
+          <a:p>
+            <a:pPr algn="ctr"/>
+            <a:r>
+              <a:rPr lang="en-US" altLang="ja-JP" sz="1100" b="1" dirty="0"/>
+              <a:t>Credential</a:t>
+            </a:r>
+          </a:p>
+          <a:p>
+            <a:pPr algn="ctr"/>
+            <a:r>
+              <a:rPr lang="en-US" altLang="ja-JP" sz="1100" b="1" dirty="0"/>
+              <a:t>Private key</a:t>
+            </a:r>
+            <a:endParaRPr lang="en-JP" sz="1100" b="1" dirty="0"/>
+          </a:p>
+        </p:txBody>
+      </p:sp>
+      <p:sp>
+        <p:nvSpPr>
+          <p:cNvPr id="61" name="TextBox 60">
+            <a:extLst>
+              <a:ext uri="{FF2B5EF4-FFF2-40B4-BE49-F238E27FC236}">
+                <a16:creationId xmlns:a16="http://schemas.microsoft.com/office/drawing/2014/main" id="{204519EB-C982-EA41-AC3B-A033226B87E0}"/>
+              </a:ext>
+            </a:extLst>
+          </p:cNvPr>
+          <p:cNvSpPr txBox="1"/>
+          <p:nvPr/>
+        </p:nvSpPr>
+        <p:spPr>
+          <a:xfrm>
+            <a:off x="6190972" y="3944992"/>
+            <a:ext cx="790601" cy="430887"/>
+          </a:xfrm>
+          <a:prstGeom prst="rect">
+            <a:avLst/>
+          </a:prstGeom>
+          <a:noFill/>
+        </p:spPr>
+        <p:txBody>
+          <a:bodyPr wrap="none" rtlCol="0">
+            <a:spAutoFit/>
+          </a:bodyPr>
+          <a:lstStyle/>
+          <a:p>
+            <a:pPr algn="ctr"/>
+            <a:r>
+              <a:rPr lang="en-US" altLang="ja-JP" sz="1100" b="1" dirty="0"/>
+              <a:t>Credential</a:t>
+            </a:r>
+            <a:br>
+              <a:rPr lang="en-US" altLang="ja-JP" sz="1100" b="1" dirty="0"/>
+            </a:br>
+            <a:r>
+              <a:rPr lang="en-US" altLang="ja-JP" sz="1100" b="1" dirty="0"/>
+              <a:t>Public Key</a:t>
+            </a:r>
+          </a:p>
+        </p:txBody>
+      </p:sp>
       <p:pic>
         <p:nvPicPr>
-          <p:cNvPr id="30" name="Picture 29">
-            <a:extLst>
-              <a:ext uri="{FF2B5EF4-FFF2-40B4-BE49-F238E27FC236}">
-                <a16:creationId xmlns:a16="http://schemas.microsoft.com/office/drawing/2014/main" id="{9DE219C0-1324-D14E-BEE1-126EAD00A687}"/>
+          <p:cNvPr id="62" name="Picture 61">
+            <a:extLst>
+              <a:ext uri="{FF2B5EF4-FFF2-40B4-BE49-F238E27FC236}">
+                <a16:creationId xmlns:a16="http://schemas.microsoft.com/office/drawing/2014/main" id="{2332E183-9D4E-D34F-98A3-B9325C456FD4}"/>
               </a:ext>
             </a:extLst>
           </p:cNvPr>
@@ -8906,20 +9312,31 @@
         </p:blipFill>
         <p:spPr>
           <a:xfrm>
-            <a:off x="5651831" y="3983789"/>
-            <a:ext cx="342327" cy="342327"/>
+            <a:off x="5651831" y="4219422"/>
+            <a:ext cx="539141" cy="125963"/>
           </a:xfrm>
           <a:prstGeom prst="rect">
             <a:avLst/>
           </a:prstGeom>
+          <a:solidFill>
+            <a:schemeClr val="accent6">
+              <a:lumMod val="20000"/>
+              <a:lumOff val="80000"/>
+            </a:schemeClr>
+          </a:solidFill>
+          <a:ln w="38100">
+            <a:solidFill>
+              <a:schemeClr val="accent6"/>
+            </a:solidFill>
+          </a:ln>
         </p:spPr>
       </p:pic>
       <p:pic>
         <p:nvPicPr>
-          <p:cNvPr id="31" name="Picture 30">
-            <a:extLst>
-              <a:ext uri="{FF2B5EF4-FFF2-40B4-BE49-F238E27FC236}">
-                <a16:creationId xmlns:a16="http://schemas.microsoft.com/office/drawing/2014/main" id="{A66662D6-03CB-AB4A-87F8-3041B461665C}"/>
+          <p:cNvPr id="63" name="Picture 62">
+            <a:extLst>
+              <a:ext uri="{FF2B5EF4-FFF2-40B4-BE49-F238E27FC236}">
+                <a16:creationId xmlns:a16="http://schemas.microsoft.com/office/drawing/2014/main" id="{A78EB4FC-A8DE-8E43-97F8-654E0FF9EFA8}"/>
               </a:ext>
             </a:extLst>
           </p:cNvPr>
@@ -8936,125 +9353,8 @@
         </p:blipFill>
         <p:spPr>
           <a:xfrm>
-            <a:off x="4530619" y="3956613"/>
-            <a:ext cx="407646" cy="407646"/>
-          </a:xfrm>
-          <a:prstGeom prst="rect">
-            <a:avLst/>
-          </a:prstGeom>
-        </p:spPr>
-      </p:pic>
-      <p:sp>
-        <p:nvSpPr>
-          <p:cNvPr id="32" name="TextBox 31">
-            <a:extLst>
-              <a:ext uri="{FF2B5EF4-FFF2-40B4-BE49-F238E27FC236}">
-                <a16:creationId xmlns:a16="http://schemas.microsoft.com/office/drawing/2014/main" id="{969BED74-38CB-4148-881C-135F38EE66F3}"/>
-              </a:ext>
-            </a:extLst>
-          </p:cNvPr>
-          <p:cNvSpPr txBox="1"/>
-          <p:nvPr/>
-        </p:nvSpPr>
-        <p:spPr>
-          <a:xfrm>
-            <a:off x="4836191" y="3937811"/>
-            <a:ext cx="838691" cy="430887"/>
-          </a:xfrm>
-          <a:prstGeom prst="rect">
-            <a:avLst/>
-          </a:prstGeom>
-          <a:noFill/>
-        </p:spPr>
-        <p:txBody>
-          <a:bodyPr wrap="none" rtlCol="0">
-            <a:spAutoFit/>
-          </a:bodyPr>
-          <a:lstStyle/>
-          <a:p>
-            <a:pPr algn="ctr"/>
-            <a:r>
-              <a:rPr lang="en-US" altLang="ja-JP" sz="1100" b="1" dirty="0"/>
-              <a:t>Credential</a:t>
-            </a:r>
-          </a:p>
-          <a:p>
-            <a:pPr algn="ctr"/>
-            <a:r>
-              <a:rPr lang="en-US" altLang="ja-JP" sz="1100" b="1" dirty="0"/>
-              <a:t>Private key</a:t>
-            </a:r>
-            <a:endParaRPr lang="en-JP" sz="1100" b="1" dirty="0"/>
-          </a:p>
-        </p:txBody>
-      </p:sp>
-      <p:sp>
-        <p:nvSpPr>
-          <p:cNvPr id="33" name="TextBox 32">
-            <a:extLst>
-              <a:ext uri="{FF2B5EF4-FFF2-40B4-BE49-F238E27FC236}">
-                <a16:creationId xmlns:a16="http://schemas.microsoft.com/office/drawing/2014/main" id="{635EA6E4-C0ED-A74A-B366-C5D526D7F5B8}"/>
-              </a:ext>
-            </a:extLst>
-          </p:cNvPr>
-          <p:cNvSpPr txBox="1"/>
-          <p:nvPr/>
-        </p:nvSpPr>
-        <p:spPr>
-          <a:xfrm>
-            <a:off x="5980454" y="3933768"/>
-            <a:ext cx="790601" cy="430887"/>
-          </a:xfrm>
-          <a:prstGeom prst="rect">
-            <a:avLst/>
-          </a:prstGeom>
-          <a:noFill/>
-        </p:spPr>
-        <p:txBody>
-          <a:bodyPr wrap="none" rtlCol="0">
-            <a:spAutoFit/>
-          </a:bodyPr>
-          <a:lstStyle/>
-          <a:p>
-            <a:pPr algn="ctr"/>
-            <a:r>
-              <a:rPr lang="en-US" altLang="ja-JP" sz="1100" b="1" dirty="0"/>
-              <a:t>Credential</a:t>
-            </a:r>
-            <a:br>
-              <a:rPr lang="en-US" altLang="ja-JP" sz="1100" b="1" dirty="0"/>
-            </a:br>
-            <a:r>
-              <a:rPr lang="en-US" altLang="ja-JP" sz="1100" b="1" dirty="0"/>
-              <a:t>Certificate</a:t>
-            </a:r>
-          </a:p>
-        </p:txBody>
-      </p:sp>
-      <p:pic>
-        <p:nvPicPr>
-          <p:cNvPr id="37" name="Picture 36">
-            <a:extLst>
-              <a:ext uri="{FF2B5EF4-FFF2-40B4-BE49-F238E27FC236}">
-                <a16:creationId xmlns:a16="http://schemas.microsoft.com/office/drawing/2014/main" id="{0BF9C03C-22E7-3A49-8433-C0F077261303}"/>
-              </a:ext>
-            </a:extLst>
-          </p:cNvPr>
-          <p:cNvPicPr>
-            <a:picLocks noChangeAspect="1"/>
-          </p:cNvPicPr>
-          <p:nvPr/>
-        </p:nvPicPr>
-        <p:blipFill>
-          <a:blip r:embed="rId3"/>
-          <a:stretch>
-            <a:fillRect/>
-          </a:stretch>
-        </p:blipFill>
-        <p:spPr>
-          <a:xfrm>
-            <a:off x="6845980" y="2849410"/>
-            <a:ext cx="369490" cy="461665"/>
+            <a:off x="5765474" y="3940076"/>
+            <a:ext cx="342327" cy="342327"/>
           </a:xfrm>
           <a:prstGeom prst="rect">
             <a:avLst/>
@@ -9063,10 +9363,10 @@
       </p:pic>
       <p:pic>
         <p:nvPicPr>
-          <p:cNvPr id="38" name="Picture 37">
-            <a:extLst>
-              <a:ext uri="{FF2B5EF4-FFF2-40B4-BE49-F238E27FC236}">
-                <a16:creationId xmlns:a16="http://schemas.microsoft.com/office/drawing/2014/main" id="{7AABA3A2-EE0C-A645-950B-120C01208E76}"/>
+          <p:cNvPr id="64" name="Picture 63">
+            <a:extLst>
+              <a:ext uri="{FF2B5EF4-FFF2-40B4-BE49-F238E27FC236}">
+                <a16:creationId xmlns:a16="http://schemas.microsoft.com/office/drawing/2014/main" id="{B3B6E4FE-6130-B248-93A5-0722EF9645B5}"/>
               </a:ext>
             </a:extLst>
           </p:cNvPr>
@@ -9083,20 +9383,31 @@
         </p:blipFill>
         <p:spPr>
           <a:xfrm>
-            <a:off x="6845979" y="2925481"/>
-            <a:ext cx="342327" cy="342327"/>
+            <a:off x="6704038" y="3126189"/>
+            <a:ext cx="539141" cy="125963"/>
           </a:xfrm>
           <a:prstGeom prst="rect">
             <a:avLst/>
           </a:prstGeom>
+          <a:solidFill>
+            <a:schemeClr val="accent6">
+              <a:lumMod val="20000"/>
+              <a:lumOff val="80000"/>
+            </a:schemeClr>
+          </a:solidFill>
+          <a:ln w="38100">
+            <a:solidFill>
+              <a:schemeClr val="accent6"/>
+            </a:solidFill>
+          </a:ln>
         </p:spPr>
       </p:pic>
       <p:pic>
         <p:nvPicPr>
-          <p:cNvPr id="39" name="Picture 38">
-            <a:extLst>
-              <a:ext uri="{FF2B5EF4-FFF2-40B4-BE49-F238E27FC236}">
-                <a16:creationId xmlns:a16="http://schemas.microsoft.com/office/drawing/2014/main" id="{EAEAAB36-75E2-2D47-A977-EDF19F60A327}"/>
+          <p:cNvPr id="65" name="Picture 64">
+            <a:extLst>
+              <a:ext uri="{FF2B5EF4-FFF2-40B4-BE49-F238E27FC236}">
+                <a16:creationId xmlns:a16="http://schemas.microsoft.com/office/drawing/2014/main" id="{A4E2392F-AA07-354B-94E4-3CC057223747}"/>
               </a:ext>
             </a:extLst>
           </p:cNvPr>
@@ -9106,15 +9417,15 @@
           <p:nvPr/>
         </p:nvPicPr>
         <p:blipFill>
-          <a:blip r:embed="rId3"/>
+          <a:blip r:embed="rId5"/>
           <a:stretch>
             <a:fillRect/>
           </a:stretch>
         </p:blipFill>
         <p:spPr>
           <a:xfrm>
-            <a:off x="6844175" y="1157877"/>
-            <a:ext cx="369490" cy="461665"/>
+            <a:off x="6817681" y="2846843"/>
+            <a:ext cx="342327" cy="342327"/>
           </a:xfrm>
           <a:prstGeom prst="rect">
             <a:avLst/>
@@ -9123,10 +9434,10 @@
       </p:pic>
       <p:pic>
         <p:nvPicPr>
-          <p:cNvPr id="40" name="Picture 39">
-            <a:extLst>
-              <a:ext uri="{FF2B5EF4-FFF2-40B4-BE49-F238E27FC236}">
-                <a16:creationId xmlns:a16="http://schemas.microsoft.com/office/drawing/2014/main" id="{3E319ED5-4EEC-E049-93AA-C8BF14A935E8}"/>
+          <p:cNvPr id="66" name="Picture 65">
+            <a:extLst>
+              <a:ext uri="{FF2B5EF4-FFF2-40B4-BE49-F238E27FC236}">
+                <a16:creationId xmlns:a16="http://schemas.microsoft.com/office/drawing/2014/main" id="{9D970551-DD4C-FE42-A1A7-F1EEA6BAE5A8}"/>
               </a:ext>
             </a:extLst>
           </p:cNvPr>
@@ -9143,20 +9454,31 @@
         </p:blipFill>
         <p:spPr>
           <a:xfrm>
-            <a:off x="6844174" y="1233948"/>
-            <a:ext cx="342327" cy="342327"/>
+            <a:off x="6696766" y="1436908"/>
+            <a:ext cx="539141" cy="125963"/>
           </a:xfrm>
           <a:prstGeom prst="rect">
             <a:avLst/>
           </a:prstGeom>
+          <a:solidFill>
+            <a:schemeClr val="accent6">
+              <a:lumMod val="20000"/>
+              <a:lumOff val="80000"/>
+            </a:schemeClr>
+          </a:solidFill>
+          <a:ln w="38100">
+            <a:solidFill>
+              <a:schemeClr val="accent6"/>
+            </a:solidFill>
+          </a:ln>
         </p:spPr>
       </p:pic>
       <p:pic>
         <p:nvPicPr>
-          <p:cNvPr id="41" name="Picture 40">
-            <a:extLst>
-              <a:ext uri="{FF2B5EF4-FFF2-40B4-BE49-F238E27FC236}">
-                <a16:creationId xmlns:a16="http://schemas.microsoft.com/office/drawing/2014/main" id="{5280AB8C-F5A4-5940-8ABF-B330E0A290B1}"/>
+          <p:cNvPr id="67" name="Picture 66">
+            <a:extLst>
+              <a:ext uri="{FF2B5EF4-FFF2-40B4-BE49-F238E27FC236}">
+                <a16:creationId xmlns:a16="http://schemas.microsoft.com/office/drawing/2014/main" id="{4642A0FC-2CC7-6B4D-AAB1-0B5AEDA287DF}"/>
               </a:ext>
             </a:extLst>
           </p:cNvPr>
@@ -9166,15 +9488,15 @@
           <p:nvPr/>
         </p:nvPicPr>
         <p:blipFill>
-          <a:blip r:embed="rId3"/>
+          <a:blip r:embed="rId5"/>
           <a:stretch>
             <a:fillRect/>
           </a:stretch>
         </p:blipFill>
         <p:spPr>
           <a:xfrm>
-            <a:off x="6856227" y="69719"/>
-            <a:ext cx="369490" cy="461665"/>
+            <a:off x="6810409" y="1157562"/>
+            <a:ext cx="342327" cy="342327"/>
           </a:xfrm>
           <a:prstGeom prst="rect">
             <a:avLst/>
@@ -9183,10 +9505,10 @@
       </p:pic>
       <p:pic>
         <p:nvPicPr>
-          <p:cNvPr id="42" name="Picture 41">
-            <a:extLst>
-              <a:ext uri="{FF2B5EF4-FFF2-40B4-BE49-F238E27FC236}">
-                <a16:creationId xmlns:a16="http://schemas.microsoft.com/office/drawing/2014/main" id="{4A776D00-91B5-2F4D-84A9-7B951965CAB1}"/>
+          <p:cNvPr id="68" name="Picture 67">
+            <a:extLst>
+              <a:ext uri="{FF2B5EF4-FFF2-40B4-BE49-F238E27FC236}">
+                <a16:creationId xmlns:a16="http://schemas.microsoft.com/office/drawing/2014/main" id="{36A82CB8-0ED9-3C40-8758-51DE65B2A274}"/>
               </a:ext>
             </a:extLst>
           </p:cNvPr>
@@ -9203,7 +9525,48 @@
         </p:blipFill>
         <p:spPr>
           <a:xfrm>
-            <a:off x="6856226" y="145790"/>
+            <a:off x="6708028" y="371413"/>
+            <a:ext cx="539141" cy="125963"/>
+          </a:xfrm>
+          <a:prstGeom prst="rect">
+            <a:avLst/>
+          </a:prstGeom>
+          <a:solidFill>
+            <a:schemeClr val="accent6">
+              <a:lumMod val="20000"/>
+              <a:lumOff val="80000"/>
+            </a:schemeClr>
+          </a:solidFill>
+          <a:ln w="38100">
+            <a:solidFill>
+              <a:schemeClr val="accent6"/>
+            </a:solidFill>
+          </a:ln>
+        </p:spPr>
+      </p:pic>
+      <p:pic>
+        <p:nvPicPr>
+          <p:cNvPr id="69" name="Picture 68">
+            <a:extLst>
+              <a:ext uri="{FF2B5EF4-FFF2-40B4-BE49-F238E27FC236}">
+                <a16:creationId xmlns:a16="http://schemas.microsoft.com/office/drawing/2014/main" id="{59EB41E5-5436-944A-A1C5-FA961766A275}"/>
+              </a:ext>
+            </a:extLst>
+          </p:cNvPr>
+          <p:cNvPicPr>
+            <a:picLocks noChangeAspect="1"/>
+          </p:cNvPicPr>
+          <p:nvPr/>
+        </p:nvPicPr>
+        <p:blipFill>
+          <a:blip r:embed="rId5"/>
+          <a:stretch>
+            <a:fillRect/>
+          </a:stretch>
+        </p:blipFill>
+        <p:spPr>
+          <a:xfrm>
+            <a:off x="6821671" y="92067"/>
             <a:ext cx="342327" cy="342327"/>
           </a:xfrm>
           <a:prstGeom prst="rect">
@@ -9213,10 +9576,10 @@
       </p:pic>
       <p:sp>
         <p:nvSpPr>
-          <p:cNvPr id="2" name="TextBox 1">
-            <a:extLst>
-              <a:ext uri="{FF2B5EF4-FFF2-40B4-BE49-F238E27FC236}">
-                <a16:creationId xmlns:a16="http://schemas.microsoft.com/office/drawing/2014/main" id="{1BBB916A-07E1-934E-8172-CA95599A153E}"/>
+          <p:cNvPr id="70" name="TextBox 69">
+            <a:extLst>
+              <a:ext uri="{FF2B5EF4-FFF2-40B4-BE49-F238E27FC236}">
+                <a16:creationId xmlns:a16="http://schemas.microsoft.com/office/drawing/2014/main" id="{C157E8EF-3DAF-9C46-84BC-F817E1BF999A}"/>
               </a:ext>
             </a:extLst>
           </p:cNvPr>
@@ -9249,194 +9612,6 @@
               </a:rPr>
               <a:t>OK !</a:t>
             </a:r>
-          </a:p>
-        </p:txBody>
-      </p:sp>
-      <p:sp>
-        <p:nvSpPr>
-          <p:cNvPr id="34" name="TextBox 33">
-            <a:extLst>
-              <a:ext uri="{FF2B5EF4-FFF2-40B4-BE49-F238E27FC236}">
-                <a16:creationId xmlns:a16="http://schemas.microsoft.com/office/drawing/2014/main" id="{F2972BFC-D727-F54B-9014-D83BE51FA924}"/>
-              </a:ext>
-            </a:extLst>
-          </p:cNvPr>
-          <p:cNvSpPr txBox="1"/>
-          <p:nvPr/>
-        </p:nvSpPr>
-        <p:spPr>
-          <a:xfrm>
-            <a:off x="2196176" y="1157877"/>
-            <a:ext cx="2698880" cy="461665"/>
-          </a:xfrm>
-          <a:prstGeom prst="rect">
-            <a:avLst/>
-          </a:prstGeom>
-          <a:noFill/>
-        </p:spPr>
-        <p:txBody>
-          <a:bodyPr wrap="none" rtlCol="0">
-            <a:spAutoFit/>
-          </a:bodyPr>
-          <a:lstStyle/>
-          <a:p>
-            <a:r>
-              <a:rPr lang="en-JP" sz="1200" b="1" dirty="0">
-                <a:solidFill>
-                  <a:schemeClr val="bg2">
-                    <a:lumMod val="90000"/>
-                  </a:schemeClr>
-                </a:solidFill>
-              </a:rPr>
-              <a:t>①</a:t>
-            </a:r>
-            <a:r>
-              <a:rPr lang="ja-JP" altLang="en-US" sz="1200" b="1">
-                <a:solidFill>
-                  <a:schemeClr val="bg2">
-                    <a:lumMod val="90000"/>
-                  </a:schemeClr>
-                </a:solidFill>
-              </a:rPr>
-              <a:t> </a:t>
-            </a:r>
-            <a:r>
-              <a:rPr lang="en-US" altLang="ja-JP" sz="1200" b="1" dirty="0">
-                <a:solidFill>
-                  <a:schemeClr val="bg2">
-                    <a:lumMod val="90000"/>
-                  </a:schemeClr>
-                </a:solidFill>
-              </a:rPr>
-              <a:t>Credential Certificate</a:t>
-            </a:r>
-            <a:r>
-              <a:rPr lang="ja-JP" altLang="en-US" sz="1200" b="1">
-                <a:solidFill>
-                  <a:schemeClr val="bg2">
-                    <a:lumMod val="90000"/>
-                  </a:schemeClr>
-                </a:solidFill>
-              </a:rPr>
-              <a:t>生成のための</a:t>
-            </a:r>
-            <a:endParaRPr lang="en-US" altLang="ja-JP" sz="1200" b="1" dirty="0">
-              <a:solidFill>
-                <a:schemeClr val="bg2">
-                  <a:lumMod val="90000"/>
-                </a:schemeClr>
-              </a:solidFill>
-            </a:endParaRPr>
-          </a:p>
-          <a:p>
-            <a:r>
-              <a:rPr lang="ja-JP" altLang="en-US" sz="1200" b="1">
-                <a:solidFill>
-                  <a:schemeClr val="bg2">
-                    <a:lumMod val="90000"/>
-                  </a:schemeClr>
-                </a:solidFill>
-              </a:rPr>
-              <a:t>　  パラメータ送付</a:t>
-            </a:r>
-            <a:endParaRPr lang="en-JP" sz="1200" b="1" dirty="0">
-              <a:solidFill>
-                <a:schemeClr val="bg2">
-                  <a:lumMod val="90000"/>
-                </a:schemeClr>
-              </a:solidFill>
-            </a:endParaRPr>
-          </a:p>
-        </p:txBody>
-      </p:sp>
-      <p:sp>
-        <p:nvSpPr>
-          <p:cNvPr id="35" name="TextBox 34">
-            <a:extLst>
-              <a:ext uri="{FF2B5EF4-FFF2-40B4-BE49-F238E27FC236}">
-                <a16:creationId xmlns:a16="http://schemas.microsoft.com/office/drawing/2014/main" id="{494F0802-E491-7D49-BDC3-35331A5543E0}"/>
-              </a:ext>
-            </a:extLst>
-          </p:cNvPr>
-          <p:cNvSpPr txBox="1"/>
-          <p:nvPr/>
-        </p:nvSpPr>
-        <p:spPr>
-          <a:xfrm>
-            <a:off x="1574667" y="2012954"/>
-            <a:ext cx="3153620" cy="461665"/>
-          </a:xfrm>
-          <a:prstGeom prst="rect">
-            <a:avLst/>
-          </a:prstGeom>
-          <a:noFill/>
-        </p:spPr>
-        <p:txBody>
-          <a:bodyPr wrap="none" rtlCol="0">
-            <a:spAutoFit/>
-          </a:bodyPr>
-          <a:lstStyle/>
-          <a:p>
-            <a:r>
-              <a:rPr lang="en-JP" sz="1200" b="1" dirty="0">
-                <a:highlight>
-                  <a:srgbClr val="FFFF00"/>
-                </a:highlight>
-              </a:rPr>
-              <a:t>② </a:t>
-            </a:r>
-            <a:r>
-              <a:rPr lang="en-US" altLang="ja-JP" sz="1200" b="1" dirty="0" err="1">
-                <a:highlight>
-                  <a:srgbClr val="FFFF00"/>
-                </a:highlight>
-              </a:rPr>
-              <a:t>PublicKeyCredentialCreationOption</a:t>
-            </a:r>
-            <a:r>
-              <a:rPr lang="ja-JP" altLang="en-US" sz="1200" b="1">
-                <a:highlight>
-                  <a:srgbClr val="FFFF00"/>
-                </a:highlight>
-              </a:rPr>
-              <a:t>生成、</a:t>
-            </a:r>
-            <a:endParaRPr lang="en-US" altLang="ja-JP" sz="1200" b="1" dirty="0">
-              <a:highlight>
-                <a:srgbClr val="FFFF00"/>
-              </a:highlight>
-            </a:endParaRPr>
-          </a:p>
-          <a:p>
-            <a:r>
-              <a:rPr lang="ja-JP" altLang="en-US" sz="1200" b="1">
-                <a:highlight>
-                  <a:srgbClr val="FFFF00"/>
-                </a:highlight>
-              </a:rPr>
-              <a:t>　  認証器へ</a:t>
-            </a:r>
-            <a:r>
-              <a:rPr lang="en-US" altLang="ja-JP" sz="1200" b="1" dirty="0">
-                <a:highlight>
-                  <a:srgbClr val="FFFF00"/>
-                </a:highlight>
-              </a:rPr>
-              <a:t>Credential</a:t>
-            </a:r>
-            <a:r>
-              <a:rPr lang="ja-JP" altLang="en-US" sz="1200" b="1">
-                <a:highlight>
-                  <a:srgbClr val="FFFF00"/>
-                </a:highlight>
-              </a:rPr>
-              <a:t>生成要求</a:t>
-            </a:r>
-            <a:endParaRPr lang="en-JP" sz="1200" b="1" dirty="0">
-              <a:highlight>
-                <a:srgbClr val="FFFF00"/>
-              </a:highlight>
-            </a:endParaRPr>
           </a:p>
         </p:txBody>
       </p:sp>
@@ -9470,12 +9645,274 @@
           <a:chExt cx="0" cy="0"/>
         </a:xfrm>
       </p:grpSpPr>
+      <p:sp>
+        <p:nvSpPr>
+          <p:cNvPr id="17" name="TextBox 16">
+            <a:extLst>
+              <a:ext uri="{FF2B5EF4-FFF2-40B4-BE49-F238E27FC236}">
+                <a16:creationId xmlns:a16="http://schemas.microsoft.com/office/drawing/2014/main" id="{511681B5-1931-004B-9856-198305101D77}"/>
+              </a:ext>
+            </a:extLst>
+          </p:cNvPr>
+          <p:cNvSpPr txBox="1"/>
+          <p:nvPr/>
+        </p:nvSpPr>
+        <p:spPr>
+          <a:xfrm>
+            <a:off x="2849719" y="2995222"/>
+            <a:ext cx="2125967" cy="276999"/>
+          </a:xfrm>
+          <a:prstGeom prst="rect">
+            <a:avLst/>
+          </a:prstGeom>
+          <a:noFill/>
+        </p:spPr>
+        <p:txBody>
+          <a:bodyPr wrap="none" rtlCol="0">
+            <a:spAutoFit/>
+          </a:bodyPr>
+          <a:lstStyle/>
+          <a:p>
+            <a:r>
+              <a:rPr lang="en-JP" sz="1200" b="1" dirty="0">
+                <a:solidFill>
+                  <a:schemeClr val="bg2">
+                    <a:lumMod val="90000"/>
+                  </a:schemeClr>
+                </a:solidFill>
+              </a:rPr>
+              <a:t>③Credential</a:t>
+            </a:r>
+            <a:r>
+              <a:rPr lang="ja-JP" altLang="en-US" sz="1200" b="1">
+                <a:solidFill>
+                  <a:schemeClr val="bg2">
+                    <a:lumMod val="90000"/>
+                  </a:schemeClr>
+                </a:solidFill>
+              </a:rPr>
+              <a:t>生成要求の送付</a:t>
+            </a:r>
+            <a:endParaRPr lang="en-JP" sz="1200" b="1" dirty="0">
+              <a:solidFill>
+                <a:schemeClr val="bg2">
+                  <a:lumMod val="90000"/>
+                </a:schemeClr>
+              </a:solidFill>
+            </a:endParaRPr>
+          </a:p>
+        </p:txBody>
+      </p:sp>
+      <p:sp>
+        <p:nvSpPr>
+          <p:cNvPr id="34" name="TextBox 33">
+            <a:extLst>
+              <a:ext uri="{FF2B5EF4-FFF2-40B4-BE49-F238E27FC236}">
+                <a16:creationId xmlns:a16="http://schemas.microsoft.com/office/drawing/2014/main" id="{F2972BFC-D727-F54B-9014-D83BE51FA924}"/>
+              </a:ext>
+            </a:extLst>
+          </p:cNvPr>
+          <p:cNvSpPr txBox="1"/>
+          <p:nvPr/>
+        </p:nvSpPr>
+        <p:spPr>
+          <a:xfrm>
+            <a:off x="2196176" y="1157877"/>
+            <a:ext cx="2698880" cy="461665"/>
+          </a:xfrm>
+          <a:prstGeom prst="rect">
+            <a:avLst/>
+          </a:prstGeom>
+          <a:noFill/>
+        </p:spPr>
+        <p:txBody>
+          <a:bodyPr wrap="none" rtlCol="0">
+            <a:spAutoFit/>
+          </a:bodyPr>
+          <a:lstStyle/>
+          <a:p>
+            <a:r>
+              <a:rPr lang="en-JP" sz="1200" b="1" dirty="0">
+                <a:solidFill>
+                  <a:schemeClr val="bg2">
+                    <a:lumMod val="90000"/>
+                  </a:schemeClr>
+                </a:solidFill>
+              </a:rPr>
+              <a:t>①</a:t>
+            </a:r>
+            <a:r>
+              <a:rPr lang="ja-JP" altLang="en-US" sz="1200" b="1">
+                <a:solidFill>
+                  <a:schemeClr val="bg2">
+                    <a:lumMod val="90000"/>
+                  </a:schemeClr>
+                </a:solidFill>
+              </a:rPr>
+              <a:t> </a:t>
+            </a:r>
+            <a:r>
+              <a:rPr lang="en-US" altLang="ja-JP" sz="1200" b="1" dirty="0">
+                <a:solidFill>
+                  <a:schemeClr val="bg2">
+                    <a:lumMod val="90000"/>
+                  </a:schemeClr>
+                </a:solidFill>
+              </a:rPr>
+              <a:t>Credential Certificate</a:t>
+            </a:r>
+            <a:r>
+              <a:rPr lang="ja-JP" altLang="en-US" sz="1200" b="1">
+                <a:solidFill>
+                  <a:schemeClr val="bg2">
+                    <a:lumMod val="90000"/>
+                  </a:schemeClr>
+                </a:solidFill>
+              </a:rPr>
+              <a:t>生成のための</a:t>
+            </a:r>
+            <a:endParaRPr lang="en-US" altLang="ja-JP" sz="1200" b="1" dirty="0">
+              <a:solidFill>
+                <a:schemeClr val="bg2">
+                  <a:lumMod val="90000"/>
+                </a:schemeClr>
+              </a:solidFill>
+            </a:endParaRPr>
+          </a:p>
+          <a:p>
+            <a:r>
+              <a:rPr lang="ja-JP" altLang="en-US" sz="1200" b="1">
+                <a:solidFill>
+                  <a:schemeClr val="bg2">
+                    <a:lumMod val="90000"/>
+                  </a:schemeClr>
+                </a:solidFill>
+              </a:rPr>
+              <a:t>　  パラメータ送付</a:t>
+            </a:r>
+            <a:endParaRPr lang="en-JP" sz="1200" b="1" dirty="0">
+              <a:solidFill>
+                <a:schemeClr val="bg2">
+                  <a:lumMod val="90000"/>
+                </a:schemeClr>
+              </a:solidFill>
+            </a:endParaRPr>
+          </a:p>
+        </p:txBody>
+      </p:sp>
+      <p:sp>
+        <p:nvSpPr>
+          <p:cNvPr id="35" name="TextBox 34">
+            <a:extLst>
+              <a:ext uri="{FF2B5EF4-FFF2-40B4-BE49-F238E27FC236}">
+                <a16:creationId xmlns:a16="http://schemas.microsoft.com/office/drawing/2014/main" id="{494F0802-E491-7D49-BDC3-35331A5543E0}"/>
+              </a:ext>
+            </a:extLst>
+          </p:cNvPr>
+          <p:cNvSpPr txBox="1"/>
+          <p:nvPr/>
+        </p:nvSpPr>
+        <p:spPr>
+          <a:xfrm>
+            <a:off x="1574667" y="2012954"/>
+            <a:ext cx="3153620" cy="461665"/>
+          </a:xfrm>
+          <a:prstGeom prst="rect">
+            <a:avLst/>
+          </a:prstGeom>
+          <a:noFill/>
+        </p:spPr>
+        <p:txBody>
+          <a:bodyPr wrap="none" rtlCol="0">
+            <a:spAutoFit/>
+          </a:bodyPr>
+          <a:lstStyle/>
+          <a:p>
+            <a:r>
+              <a:rPr lang="en-JP" sz="1200" b="1" dirty="0">
+                <a:solidFill>
+                  <a:schemeClr val="bg2">
+                    <a:lumMod val="90000"/>
+                  </a:schemeClr>
+                </a:solidFill>
+              </a:rPr>
+              <a:t>② </a:t>
+            </a:r>
+            <a:r>
+              <a:rPr lang="en-US" altLang="ja-JP" sz="1200" b="1" dirty="0" err="1">
+                <a:solidFill>
+                  <a:schemeClr val="bg2">
+                    <a:lumMod val="90000"/>
+                  </a:schemeClr>
+                </a:solidFill>
+              </a:rPr>
+              <a:t>PublicKeyCredentialCreationOption</a:t>
+            </a:r>
+            <a:r>
+              <a:rPr lang="ja-JP" altLang="en-US" sz="1200" b="1">
+                <a:solidFill>
+                  <a:schemeClr val="bg2">
+                    <a:lumMod val="90000"/>
+                  </a:schemeClr>
+                </a:solidFill>
+              </a:rPr>
+              <a:t>生成、</a:t>
+            </a:r>
+            <a:endParaRPr lang="en-US" altLang="ja-JP" sz="1200" b="1" dirty="0">
+              <a:solidFill>
+                <a:schemeClr val="bg2">
+                  <a:lumMod val="90000"/>
+                </a:schemeClr>
+              </a:solidFill>
+            </a:endParaRPr>
+          </a:p>
+          <a:p>
+            <a:r>
+              <a:rPr lang="ja-JP" altLang="en-US" sz="1200" b="1">
+                <a:solidFill>
+                  <a:schemeClr val="bg2">
+                    <a:lumMod val="90000"/>
+                  </a:schemeClr>
+                </a:solidFill>
+              </a:rPr>
+              <a:t>　  認証器へ</a:t>
+            </a:r>
+            <a:r>
+              <a:rPr lang="en-US" altLang="ja-JP" sz="1200" b="1" dirty="0">
+                <a:solidFill>
+                  <a:schemeClr val="bg2">
+                    <a:lumMod val="90000"/>
+                  </a:schemeClr>
+                </a:solidFill>
+              </a:rPr>
+              <a:t>Credential</a:t>
+            </a:r>
+            <a:r>
+              <a:rPr lang="ja-JP" altLang="en-US" sz="1200" b="1">
+                <a:solidFill>
+                  <a:schemeClr val="bg2">
+                    <a:lumMod val="90000"/>
+                  </a:schemeClr>
+                </a:solidFill>
+              </a:rPr>
+              <a:t>生成要求</a:t>
+            </a:r>
+            <a:endParaRPr lang="en-JP" sz="1200" b="1" dirty="0">
+              <a:solidFill>
+                <a:schemeClr val="bg2">
+                  <a:lumMod val="90000"/>
+                </a:schemeClr>
+              </a:solidFill>
+            </a:endParaRPr>
+          </a:p>
+        </p:txBody>
+      </p:sp>
       <p:pic>
         <p:nvPicPr>
-          <p:cNvPr id="4" name="Picture 3">
-            <a:extLst>
-              <a:ext uri="{FF2B5EF4-FFF2-40B4-BE49-F238E27FC236}">
-                <a16:creationId xmlns:a16="http://schemas.microsoft.com/office/drawing/2014/main" id="{7BB16E77-4C5A-EE4B-8951-017E2E34B25A}"/>
+          <p:cNvPr id="36" name="Picture 35">
+            <a:extLst>
+              <a:ext uri="{FF2B5EF4-FFF2-40B4-BE49-F238E27FC236}">
+                <a16:creationId xmlns:a16="http://schemas.microsoft.com/office/drawing/2014/main" id="{335E2674-4B22-7B40-947F-5594FBDE49B7}"/>
               </a:ext>
             </a:extLst>
           </p:cNvPr>
@@ -9502,10 +9939,10 @@
       </p:pic>
       <p:sp>
         <p:nvSpPr>
-          <p:cNvPr id="5" name="Rounded Rectangle 4">
-            <a:extLst>
-              <a:ext uri="{FF2B5EF4-FFF2-40B4-BE49-F238E27FC236}">
-                <a16:creationId xmlns:a16="http://schemas.microsoft.com/office/drawing/2014/main" id="{DE13ECB7-BAE5-AE44-B6FA-E837ED650D36}"/>
+          <p:cNvPr id="43" name="Rounded Rectangle 42">
+            <a:extLst>
+              <a:ext uri="{FF2B5EF4-FFF2-40B4-BE49-F238E27FC236}">
+                <a16:creationId xmlns:a16="http://schemas.microsoft.com/office/drawing/2014/main" id="{32655445-8449-0140-9A1D-EC917C35E608}"/>
               </a:ext>
             </a:extLst>
           </p:cNvPr>
@@ -9551,10 +9988,10 @@
       </p:sp>
       <p:sp>
         <p:nvSpPr>
-          <p:cNvPr id="6" name="Rounded Rectangle 5">
-            <a:extLst>
-              <a:ext uri="{FF2B5EF4-FFF2-40B4-BE49-F238E27FC236}">
-                <a16:creationId xmlns:a16="http://schemas.microsoft.com/office/drawing/2014/main" id="{7EC16796-AA12-7642-9453-F8A3E98CA0F1}"/>
+          <p:cNvPr id="44" name="Rounded Rectangle 43">
+            <a:extLst>
+              <a:ext uri="{FF2B5EF4-FFF2-40B4-BE49-F238E27FC236}">
+                <a16:creationId xmlns:a16="http://schemas.microsoft.com/office/drawing/2014/main" id="{089B80B8-A831-E547-80A1-93948487813E}"/>
               </a:ext>
             </a:extLst>
           </p:cNvPr>
@@ -9600,10 +10037,10 @@
       </p:sp>
       <p:sp>
         <p:nvSpPr>
-          <p:cNvPr id="7" name="Rounded Rectangle 6">
-            <a:extLst>
-              <a:ext uri="{FF2B5EF4-FFF2-40B4-BE49-F238E27FC236}">
-                <a16:creationId xmlns:a16="http://schemas.microsoft.com/office/drawing/2014/main" id="{667C2817-EB5F-234E-B260-12E87E4C5165}"/>
+          <p:cNvPr id="45" name="Rounded Rectangle 44">
+            <a:extLst>
+              <a:ext uri="{FF2B5EF4-FFF2-40B4-BE49-F238E27FC236}">
+                <a16:creationId xmlns:a16="http://schemas.microsoft.com/office/drawing/2014/main" id="{0A7431D8-20FD-F346-A7B9-1B1615DD051A}"/>
               </a:ext>
             </a:extLst>
           </p:cNvPr>
@@ -9657,10 +10094,10 @@
       </p:sp>
       <p:cxnSp>
         <p:nvCxnSpPr>
-          <p:cNvPr id="8" name="Straight Arrow Connector 7">
-            <a:extLst>
-              <a:ext uri="{FF2B5EF4-FFF2-40B4-BE49-F238E27FC236}">
-                <a16:creationId xmlns:a16="http://schemas.microsoft.com/office/drawing/2014/main" id="{E3E40130-3BED-B941-88CF-D1299972173E}"/>
+          <p:cNvPr id="46" name="Straight Arrow Connector 45">
+            <a:extLst>
+              <a:ext uri="{FF2B5EF4-FFF2-40B4-BE49-F238E27FC236}">
+                <a16:creationId xmlns:a16="http://schemas.microsoft.com/office/drawing/2014/main" id="{EE868E2D-2366-DF4B-B656-4151C8A2CF0B}"/>
               </a:ext>
             </a:extLst>
           </p:cNvPr>
@@ -9696,10 +10133,10 @@
       </p:cxnSp>
       <p:cxnSp>
         <p:nvCxnSpPr>
-          <p:cNvPr id="9" name="Straight Arrow Connector 8">
-            <a:extLst>
-              <a:ext uri="{FF2B5EF4-FFF2-40B4-BE49-F238E27FC236}">
-                <a16:creationId xmlns:a16="http://schemas.microsoft.com/office/drawing/2014/main" id="{9E3EB259-E7FF-D047-8D6B-D88B029D6503}"/>
+          <p:cNvPr id="47" name="Straight Arrow Connector 46">
+            <a:extLst>
+              <a:ext uri="{FF2B5EF4-FFF2-40B4-BE49-F238E27FC236}">
+                <a16:creationId xmlns:a16="http://schemas.microsoft.com/office/drawing/2014/main" id="{602056BD-9867-EB4C-B459-1D8498C9C753}"/>
               </a:ext>
             </a:extLst>
           </p:cNvPr>
@@ -9737,10 +10174,10 @@
       </p:cxnSp>
       <p:cxnSp>
         <p:nvCxnSpPr>
-          <p:cNvPr id="10" name="Straight Arrow Connector 9">
-            <a:extLst>
-              <a:ext uri="{FF2B5EF4-FFF2-40B4-BE49-F238E27FC236}">
-                <a16:creationId xmlns:a16="http://schemas.microsoft.com/office/drawing/2014/main" id="{1493BA4F-6CA1-1749-8DEF-907D657C82A8}"/>
+          <p:cNvPr id="48" name="Straight Arrow Connector 47">
+            <a:extLst>
+              <a:ext uri="{FF2B5EF4-FFF2-40B4-BE49-F238E27FC236}">
+                <a16:creationId xmlns:a16="http://schemas.microsoft.com/office/drawing/2014/main" id="{170028E6-437A-8547-8A82-4FA58F00B97E}"/>
               </a:ext>
             </a:extLst>
           </p:cNvPr>
@@ -9779,10 +10216,10 @@
       </p:cxnSp>
       <p:cxnSp>
         <p:nvCxnSpPr>
-          <p:cNvPr id="11" name="Straight Arrow Connector 10">
-            <a:extLst>
-              <a:ext uri="{FF2B5EF4-FFF2-40B4-BE49-F238E27FC236}">
-                <a16:creationId xmlns:a16="http://schemas.microsoft.com/office/drawing/2014/main" id="{A0566FA4-7A0D-9347-9D4C-6667961C2B07}"/>
+          <p:cNvPr id="49" name="Straight Arrow Connector 48">
+            <a:extLst>
+              <a:ext uri="{FF2B5EF4-FFF2-40B4-BE49-F238E27FC236}">
+                <a16:creationId xmlns:a16="http://schemas.microsoft.com/office/drawing/2014/main" id="{C15D8092-6347-FA40-8963-8285948B5548}"/>
               </a:ext>
             </a:extLst>
           </p:cNvPr>
@@ -9823,10 +10260,10 @@
       </p:cxnSp>
       <p:sp>
         <p:nvSpPr>
-          <p:cNvPr id="12" name="Rounded Rectangle 11">
-            <a:extLst>
-              <a:ext uri="{FF2B5EF4-FFF2-40B4-BE49-F238E27FC236}">
-                <a16:creationId xmlns:a16="http://schemas.microsoft.com/office/drawing/2014/main" id="{1A8FA66B-4F4F-6341-B599-4D64AD97C0A9}"/>
+          <p:cNvPr id="50" name="Rounded Rectangle 49">
+            <a:extLst>
+              <a:ext uri="{FF2B5EF4-FFF2-40B4-BE49-F238E27FC236}">
+                <a16:creationId xmlns:a16="http://schemas.microsoft.com/office/drawing/2014/main" id="{39023822-B808-0846-B9AF-42CF969CD870}"/>
               </a:ext>
             </a:extLst>
           </p:cNvPr>
@@ -9878,10 +10315,10 @@
       </p:sp>
       <p:cxnSp>
         <p:nvCxnSpPr>
-          <p:cNvPr id="13" name="Straight Arrow Connector 12">
-            <a:extLst>
-              <a:ext uri="{FF2B5EF4-FFF2-40B4-BE49-F238E27FC236}">
-                <a16:creationId xmlns:a16="http://schemas.microsoft.com/office/drawing/2014/main" id="{26E3324E-4537-B443-A408-263E62032076}"/>
+          <p:cNvPr id="51" name="Straight Arrow Connector 50">
+            <a:extLst>
+              <a:ext uri="{FF2B5EF4-FFF2-40B4-BE49-F238E27FC236}">
+                <a16:creationId xmlns:a16="http://schemas.microsoft.com/office/drawing/2014/main" id="{7F40D8C3-6563-8F4D-AC1F-9FFD42625BF9}"/>
               </a:ext>
             </a:extLst>
           </p:cNvPr>
@@ -9922,10 +10359,10 @@
       </p:cxnSp>
       <p:sp>
         <p:nvSpPr>
-          <p:cNvPr id="14" name="TextBox 13">
-            <a:extLst>
-              <a:ext uri="{FF2B5EF4-FFF2-40B4-BE49-F238E27FC236}">
-                <a16:creationId xmlns:a16="http://schemas.microsoft.com/office/drawing/2014/main" id="{F4BB5431-8EB3-E940-8E58-C244A24ACCC5}"/>
+          <p:cNvPr id="52" name="TextBox 51">
+            <a:extLst>
+              <a:ext uri="{FF2B5EF4-FFF2-40B4-BE49-F238E27FC236}">
+                <a16:creationId xmlns:a16="http://schemas.microsoft.com/office/drawing/2014/main" id="{52FF965D-6CCD-0F44-AA4A-0D810932BE16}"/>
               </a:ext>
             </a:extLst>
           </p:cNvPr>
@@ -9949,51 +10386,27 @@
           <a:lstStyle/>
           <a:p>
             <a:r>
-              <a:rPr lang="ja-JP" altLang="en-US" sz="1200" b="1">
-                <a:solidFill>
-                  <a:schemeClr val="bg2">
-                    <a:lumMod val="90000"/>
-                  </a:schemeClr>
-                </a:solidFill>
-              </a:rPr>
+              <a:rPr lang="ja-JP" altLang="en-US" sz="1200" b="1"/>
               <a:t>⓪</a:t>
             </a:r>
             <a:r>
-              <a:rPr lang="en-US" altLang="ja-JP" sz="1200" b="1" dirty="0">
-                <a:solidFill>
-                  <a:schemeClr val="bg2">
-                    <a:lumMod val="90000"/>
-                  </a:schemeClr>
-                </a:solidFill>
-              </a:rPr>
+              <a:rPr lang="en-US" altLang="ja-JP" sz="1200" b="1" dirty="0"/>
               <a:t> </a:t>
             </a:r>
             <a:r>
-              <a:rPr lang="ja-JP" altLang="en-US" sz="1200" b="1">
-                <a:solidFill>
-                  <a:schemeClr val="bg2">
-                    <a:lumMod val="90000"/>
-                  </a:schemeClr>
-                </a:solidFill>
-              </a:rPr>
+              <a:rPr lang="ja-JP" altLang="en-US" sz="1200" b="1"/>
               <a:t>登録要求</a:t>
             </a:r>
-            <a:endParaRPr lang="en-JP" sz="1200" b="1" dirty="0">
-              <a:solidFill>
-                <a:schemeClr val="bg2">
-                  <a:lumMod val="90000"/>
-                </a:schemeClr>
-              </a:solidFill>
-            </a:endParaRPr>
-          </a:p>
-        </p:txBody>
-      </p:sp>
-      <p:sp>
-        <p:nvSpPr>
-          <p:cNvPr id="16" name="TextBox 15">
-            <a:extLst>
-              <a:ext uri="{FF2B5EF4-FFF2-40B4-BE49-F238E27FC236}">
-                <a16:creationId xmlns:a16="http://schemas.microsoft.com/office/drawing/2014/main" id="{070ED225-BE02-A14C-91BF-816B734C1B44}"/>
+            <a:endParaRPr lang="en-JP" sz="1200" b="1" dirty="0"/>
+          </a:p>
+        </p:txBody>
+      </p:sp>
+      <p:sp>
+        <p:nvSpPr>
+          <p:cNvPr id="53" name="TextBox 52">
+            <a:extLst>
+              <a:ext uri="{FF2B5EF4-FFF2-40B4-BE49-F238E27FC236}">
+                <a16:creationId xmlns:a16="http://schemas.microsoft.com/office/drawing/2014/main" id="{6EEC8D4E-B467-114D-A7AB-6D862E72D953}"/>
               </a:ext>
             </a:extLst>
           </p:cNvPr>
@@ -10033,10 +10446,10 @@
       </p:sp>
       <p:sp>
         <p:nvSpPr>
-          <p:cNvPr id="17" name="TextBox 16">
-            <a:extLst>
-              <a:ext uri="{FF2B5EF4-FFF2-40B4-BE49-F238E27FC236}">
-                <a16:creationId xmlns:a16="http://schemas.microsoft.com/office/drawing/2014/main" id="{511681B5-1931-004B-9856-198305101D77}"/>
+          <p:cNvPr id="54" name="TextBox 53">
+            <a:extLst>
+              <a:ext uri="{FF2B5EF4-FFF2-40B4-BE49-F238E27FC236}">
+                <a16:creationId xmlns:a16="http://schemas.microsoft.com/office/drawing/2014/main" id="{E21598DB-039A-F547-A97B-94CD471F8331}"/>
               </a:ext>
             </a:extLst>
           </p:cNvPr>
@@ -10045,8 +10458,8 @@
         </p:nvSpPr>
         <p:spPr>
           <a:xfrm>
-            <a:off x="2849719" y="2995222"/>
-            <a:ext cx="2125967" cy="276999"/>
+            <a:off x="7158170" y="1222085"/>
+            <a:ext cx="2634439" cy="461665"/>
           </a:xfrm>
           <a:prstGeom prst="rect">
             <a:avLst/>
@@ -10067,8 +10480,10 @@
                   </a:schemeClr>
                 </a:solidFill>
               </a:rPr>
-              <a:t>③Credential</a:t>
-            </a:r>
+              <a:t>⑦ AuthenticatorAttestationResponse</a:t>
+            </a:r>
+          </a:p>
+          <a:p>
             <a:r>
               <a:rPr lang="ja-JP" altLang="en-US" sz="1200" b="1">
                 <a:solidFill>
@@ -10077,7 +10492,7 @@
                   </a:schemeClr>
                 </a:solidFill>
               </a:rPr>
-              <a:t>生成要求の送付</a:t>
+              <a:t>　  の送付</a:t>
             </a:r>
             <a:endParaRPr lang="en-JP" sz="1200" b="1" dirty="0">
               <a:solidFill>
@@ -10091,10 +10506,10 @@
       </p:sp>
       <p:sp>
         <p:nvSpPr>
-          <p:cNvPr id="18" name="TextBox 17">
-            <a:extLst>
-              <a:ext uri="{FF2B5EF4-FFF2-40B4-BE49-F238E27FC236}">
-                <a16:creationId xmlns:a16="http://schemas.microsoft.com/office/drawing/2014/main" id="{52733BE3-D5D4-0040-B084-BEF2BD1EE342}"/>
+          <p:cNvPr id="55" name="TextBox 54">
+            <a:extLst>
+              <a:ext uri="{FF2B5EF4-FFF2-40B4-BE49-F238E27FC236}">
+                <a16:creationId xmlns:a16="http://schemas.microsoft.com/office/drawing/2014/main" id="{F029D80D-A733-8C43-9477-0A26E67121ED}"/>
               </a:ext>
             </a:extLst>
           </p:cNvPr>
@@ -10103,8 +10518,191 @@
         </p:nvSpPr>
         <p:spPr>
           <a:xfrm>
-            <a:off x="7158170" y="1222085"/>
-            <a:ext cx="2634439" cy="461665"/>
+            <a:off x="6871424" y="3897402"/>
+            <a:ext cx="3207929" cy="461665"/>
+          </a:xfrm>
+          <a:prstGeom prst="rect">
+            <a:avLst/>
+          </a:prstGeom>
+          <a:noFill/>
+        </p:spPr>
+        <p:txBody>
+          <a:bodyPr wrap="none" rtlCol="0">
+            <a:spAutoFit/>
+          </a:bodyPr>
+          <a:lstStyle/>
+          <a:p>
+            <a:r>
+              <a:rPr lang="en-JP" sz="1200" b="1" dirty="0">
+                <a:highlight>
+                  <a:srgbClr val="FFFF00"/>
+                </a:highlight>
+              </a:rPr>
+              <a:t>④</a:t>
+            </a:r>
+            <a:r>
+              <a:rPr lang="en-US" sz="1200" b="1" dirty="0">
+                <a:highlight>
+                  <a:srgbClr val="FFFF00"/>
+                </a:highlight>
+              </a:rPr>
+              <a:t> </a:t>
+            </a:r>
+            <a:r>
+              <a:rPr lang="ja-JP" altLang="en-US" sz="1200" b="1">
+                <a:highlight>
+                  <a:srgbClr val="FFFF00"/>
+                </a:highlight>
+              </a:rPr>
+              <a:t>要求ユーザのローカル認証</a:t>
+            </a:r>
+            <a:r>
+              <a:rPr lang="en-US" altLang="ja-JP" sz="1200" b="1" dirty="0">
+                <a:highlight>
+                  <a:srgbClr val="FFFF00"/>
+                </a:highlight>
+              </a:rPr>
+              <a:t>(PIN</a:t>
+            </a:r>
+            <a:r>
+              <a:rPr lang="ja-JP" altLang="en-US" sz="1200" b="1">
+                <a:highlight>
+                  <a:srgbClr val="FFFF00"/>
+                </a:highlight>
+              </a:rPr>
+              <a:t>や指紋</a:t>
+            </a:r>
+            <a:r>
+              <a:rPr lang="en-US" altLang="ja-JP" sz="1200" b="1" dirty="0">
+                <a:highlight>
+                  <a:srgbClr val="FFFF00"/>
+                </a:highlight>
+              </a:rPr>
+              <a:t>)</a:t>
+            </a:r>
+            <a:r>
+              <a:rPr lang="ja-JP" altLang="en-US" sz="1200" b="1">
+                <a:highlight>
+                  <a:srgbClr val="FFFF00"/>
+                </a:highlight>
+              </a:rPr>
+              <a:t>、</a:t>
+            </a:r>
+            <a:br>
+              <a:rPr lang="en-US" altLang="ja-JP" sz="1200" b="1" dirty="0">
+                <a:highlight>
+                  <a:srgbClr val="FFFF00"/>
+                </a:highlight>
+              </a:rPr>
+            </a:br>
+            <a:r>
+              <a:rPr lang="ja-JP" altLang="en-US" sz="1200" b="1">
+                <a:highlight>
+                  <a:srgbClr val="FFFF00"/>
+                </a:highlight>
+              </a:rPr>
+              <a:t>　  </a:t>
+            </a:r>
+            <a:r>
+              <a:rPr lang="en-US" sz="1200" b="1" dirty="0">
+                <a:highlight>
+                  <a:srgbClr val="FFFF00"/>
+                </a:highlight>
+              </a:rPr>
+              <a:t>Credential Key Pair</a:t>
+            </a:r>
+            <a:r>
+              <a:rPr lang="ja-JP" altLang="en-US" sz="1200" b="1">
+                <a:highlight>
+                  <a:srgbClr val="FFFF00"/>
+                </a:highlight>
+              </a:rPr>
+              <a:t>の新規生成・署名付与</a:t>
+            </a:r>
+            <a:endParaRPr lang="en-JP" sz="1200" b="1" dirty="0">
+              <a:highlight>
+                <a:srgbClr val="FFFF00"/>
+              </a:highlight>
+            </a:endParaRPr>
+          </a:p>
+        </p:txBody>
+      </p:sp>
+      <p:sp>
+        <p:nvSpPr>
+          <p:cNvPr id="56" name="TextBox 55">
+            <a:extLst>
+              <a:ext uri="{FF2B5EF4-FFF2-40B4-BE49-F238E27FC236}">
+                <a16:creationId xmlns:a16="http://schemas.microsoft.com/office/drawing/2014/main" id="{83926521-6E8E-A842-A839-B0619DFCD0F7}"/>
+              </a:ext>
+            </a:extLst>
+          </p:cNvPr>
+          <p:cNvSpPr txBox="1"/>
+          <p:nvPr/>
+        </p:nvSpPr>
+        <p:spPr>
+          <a:xfrm>
+            <a:off x="7215470" y="2965539"/>
+            <a:ext cx="2004010" cy="276999"/>
+          </a:xfrm>
+          <a:prstGeom prst="rect">
+            <a:avLst/>
+          </a:prstGeom>
+          <a:noFill/>
+        </p:spPr>
+        <p:txBody>
+          <a:bodyPr wrap="none" rtlCol="0">
+            <a:spAutoFit/>
+          </a:bodyPr>
+          <a:lstStyle/>
+          <a:p>
+            <a:r>
+              <a:rPr lang="en-US" sz="1200" b="1" dirty="0">
+                <a:highlight>
+                  <a:srgbClr val="FFFF00"/>
+                </a:highlight>
+              </a:rPr>
+              <a:t>⑤ </a:t>
+            </a:r>
+            <a:r>
+              <a:rPr lang="en-US" sz="1200" b="1" dirty="0" err="1">
+                <a:highlight>
+                  <a:srgbClr val="FFFF00"/>
+                </a:highlight>
+              </a:rPr>
+              <a:t>attestationObject</a:t>
+            </a:r>
+            <a:r>
+              <a:rPr lang="ja-JP" altLang="en-US" sz="1200" b="1">
+                <a:highlight>
+                  <a:srgbClr val="FFFF00"/>
+                </a:highlight>
+              </a:rPr>
+              <a:t>の送付</a:t>
+            </a:r>
+            <a:endParaRPr lang="en-JP" sz="1200" b="1" dirty="0">
+              <a:highlight>
+                <a:srgbClr val="FFFF00"/>
+              </a:highlight>
+            </a:endParaRPr>
+          </a:p>
+        </p:txBody>
+      </p:sp>
+      <p:sp>
+        <p:nvSpPr>
+          <p:cNvPr id="57" name="TextBox 56">
+            <a:extLst>
+              <a:ext uri="{FF2B5EF4-FFF2-40B4-BE49-F238E27FC236}">
+                <a16:creationId xmlns:a16="http://schemas.microsoft.com/office/drawing/2014/main" id="{C2D717A9-B3EC-4E4A-9C44-1A2AC23C4984}"/>
+              </a:ext>
+            </a:extLst>
+          </p:cNvPr>
+          <p:cNvSpPr txBox="1"/>
+          <p:nvPr/>
+        </p:nvSpPr>
+        <p:spPr>
+          <a:xfrm>
+            <a:off x="7292182" y="2123346"/>
+            <a:ext cx="1670650" cy="276999"/>
           </a:xfrm>
           <a:prstGeom prst="rect">
             <a:avLst/>
@@ -10125,10 +10723,8 @@
                   </a:schemeClr>
                 </a:solidFill>
               </a:rPr>
-              <a:t>⑦ AuthenticatorAttestationResponse</a:t>
-            </a:r>
-          </a:p>
-          <a:p>
+              <a:t>⑥ RP</a:t>
+            </a:r>
             <a:r>
               <a:rPr lang="ja-JP" altLang="en-US" sz="1200" b="1">
                 <a:solidFill>
@@ -10137,7 +10733,7 @@
                   </a:schemeClr>
                 </a:solidFill>
               </a:rPr>
-              <a:t>　  の送付</a:t>
+              <a:t>への応答の生成</a:t>
             </a:r>
             <a:endParaRPr lang="en-JP" sz="1200" b="1" dirty="0">
               <a:solidFill>
@@ -10151,10 +10747,10 @@
       </p:sp>
       <p:sp>
         <p:nvSpPr>
-          <p:cNvPr id="20" name="TextBox 19">
-            <a:extLst>
-              <a:ext uri="{FF2B5EF4-FFF2-40B4-BE49-F238E27FC236}">
-                <a16:creationId xmlns:a16="http://schemas.microsoft.com/office/drawing/2014/main" id="{A1269EB4-2697-534A-B26E-312359FF4FC5}"/>
+          <p:cNvPr id="58" name="TextBox 57">
+            <a:extLst>
+              <a:ext uri="{FF2B5EF4-FFF2-40B4-BE49-F238E27FC236}">
+                <a16:creationId xmlns:a16="http://schemas.microsoft.com/office/drawing/2014/main" id="{F19F22D1-605F-C849-ADD7-6BC799974C3A}"/>
               </a:ext>
             </a:extLst>
           </p:cNvPr>
@@ -10163,8 +10759,8 @@
         </p:nvSpPr>
         <p:spPr>
           <a:xfrm>
-            <a:off x="6707725" y="3909303"/>
-            <a:ext cx="3207929" cy="461665"/>
+            <a:off x="7186501" y="84255"/>
+            <a:ext cx="2771040" cy="461665"/>
           </a:xfrm>
           <a:prstGeom prst="rect">
             <a:avLst/>
@@ -10172,190 +10768,7 @@
           <a:noFill/>
         </p:spPr>
         <p:txBody>
-          <a:bodyPr wrap="none" rtlCol="0">
-            <a:spAutoFit/>
-          </a:bodyPr>
-          <a:lstStyle/>
-          <a:p>
-            <a:r>
-              <a:rPr lang="en-JP" sz="1200" b="1" dirty="0">
-                <a:highlight>
-                  <a:srgbClr val="FFFF00"/>
-                </a:highlight>
-              </a:rPr>
-              <a:t>④</a:t>
-            </a:r>
-            <a:r>
-              <a:rPr lang="en-US" sz="1200" b="1" dirty="0">
-                <a:highlight>
-                  <a:srgbClr val="FFFF00"/>
-                </a:highlight>
-              </a:rPr>
-              <a:t> </a:t>
-            </a:r>
-            <a:r>
-              <a:rPr lang="ja-JP" altLang="en-US" sz="1200" b="1">
-                <a:highlight>
-                  <a:srgbClr val="FFFF00"/>
-                </a:highlight>
-              </a:rPr>
-              <a:t>要求ユーザのローカル認証</a:t>
-            </a:r>
-            <a:r>
-              <a:rPr lang="en-US" altLang="ja-JP" sz="1200" b="1" dirty="0">
-                <a:highlight>
-                  <a:srgbClr val="FFFF00"/>
-                </a:highlight>
-              </a:rPr>
-              <a:t>(PIN</a:t>
-            </a:r>
-            <a:r>
-              <a:rPr lang="ja-JP" altLang="en-US" sz="1200" b="1">
-                <a:highlight>
-                  <a:srgbClr val="FFFF00"/>
-                </a:highlight>
-              </a:rPr>
-              <a:t>や指紋</a:t>
-            </a:r>
-            <a:r>
-              <a:rPr lang="en-US" altLang="ja-JP" sz="1200" b="1" dirty="0">
-                <a:highlight>
-                  <a:srgbClr val="FFFF00"/>
-                </a:highlight>
-              </a:rPr>
-              <a:t>)</a:t>
-            </a:r>
-            <a:r>
-              <a:rPr lang="ja-JP" altLang="en-US" sz="1200" b="1">
-                <a:highlight>
-                  <a:srgbClr val="FFFF00"/>
-                </a:highlight>
-              </a:rPr>
-              <a:t>、</a:t>
-            </a:r>
-            <a:br>
-              <a:rPr lang="en-US" altLang="ja-JP" sz="1200" b="1" dirty="0">
-                <a:highlight>
-                  <a:srgbClr val="FFFF00"/>
-                </a:highlight>
-              </a:rPr>
-            </a:br>
-            <a:r>
-              <a:rPr lang="ja-JP" altLang="en-US" sz="1200" b="1">
-                <a:highlight>
-                  <a:srgbClr val="FFFF00"/>
-                </a:highlight>
-              </a:rPr>
-              <a:t>　  </a:t>
-            </a:r>
-            <a:r>
-              <a:rPr lang="en-US" sz="1200" b="1" dirty="0">
-                <a:highlight>
-                  <a:srgbClr val="FFFF00"/>
-                </a:highlight>
-              </a:rPr>
-              <a:t>Credential Key Pair</a:t>
-            </a:r>
-            <a:r>
-              <a:rPr lang="ja-JP" altLang="en-US" sz="1200" b="1">
-                <a:highlight>
-                  <a:srgbClr val="FFFF00"/>
-                </a:highlight>
-              </a:rPr>
-              <a:t>の新規生成・署名付与</a:t>
-            </a:r>
-            <a:endParaRPr lang="en-JP" sz="1200" b="1" dirty="0">
-              <a:highlight>
-                <a:srgbClr val="FFFF00"/>
-              </a:highlight>
-            </a:endParaRPr>
-          </a:p>
-        </p:txBody>
-      </p:sp>
-      <p:sp>
-        <p:nvSpPr>
-          <p:cNvPr id="21" name="TextBox 20">
-            <a:extLst>
-              <a:ext uri="{FF2B5EF4-FFF2-40B4-BE49-F238E27FC236}">
-                <a16:creationId xmlns:a16="http://schemas.microsoft.com/office/drawing/2014/main" id="{2A1A0A65-4FC6-7343-A487-93B65FE2AE12}"/>
-              </a:ext>
-            </a:extLst>
-          </p:cNvPr>
-          <p:cNvSpPr txBox="1"/>
-          <p:nvPr/>
-        </p:nvSpPr>
-        <p:spPr>
-          <a:xfrm>
-            <a:off x="7215470" y="2965539"/>
-            <a:ext cx="2004010" cy="276999"/>
-          </a:xfrm>
-          <a:prstGeom prst="rect">
-            <a:avLst/>
-          </a:prstGeom>
-          <a:noFill/>
-        </p:spPr>
-        <p:txBody>
-          <a:bodyPr wrap="none" rtlCol="0">
-            <a:spAutoFit/>
-          </a:bodyPr>
-          <a:lstStyle/>
-          <a:p>
-            <a:r>
-              <a:rPr lang="en-US" sz="1200" b="1" dirty="0">
-                <a:highlight>
-                  <a:srgbClr val="FFFF00"/>
-                </a:highlight>
-              </a:rPr>
-              <a:t>⑤ </a:t>
-            </a:r>
-            <a:r>
-              <a:rPr lang="en-US" sz="1200" b="1" dirty="0" err="1">
-                <a:highlight>
-                  <a:srgbClr val="FFFF00"/>
-                </a:highlight>
-              </a:rPr>
-              <a:t>attestationObject</a:t>
-            </a:r>
-            <a:r>
-              <a:rPr lang="ja-JP" altLang="en-US" sz="1200" b="1">
-                <a:highlight>
-                  <a:srgbClr val="FFFF00"/>
-                </a:highlight>
-              </a:rPr>
-              <a:t>の送付</a:t>
-            </a:r>
-            <a:endParaRPr lang="en-JP" sz="1200" b="1" dirty="0">
-              <a:highlight>
-                <a:srgbClr val="FFFF00"/>
-              </a:highlight>
-            </a:endParaRPr>
-          </a:p>
-        </p:txBody>
-      </p:sp>
-      <p:sp>
-        <p:nvSpPr>
-          <p:cNvPr id="22" name="TextBox 21">
-            <a:extLst>
-              <a:ext uri="{FF2B5EF4-FFF2-40B4-BE49-F238E27FC236}">
-                <a16:creationId xmlns:a16="http://schemas.microsoft.com/office/drawing/2014/main" id="{AB4378D1-3D72-0443-A137-64E51F2AEE9F}"/>
-              </a:ext>
-            </a:extLst>
-          </p:cNvPr>
-          <p:cNvSpPr txBox="1"/>
-          <p:nvPr/>
-        </p:nvSpPr>
-        <p:spPr>
-          <a:xfrm>
-            <a:off x="7292182" y="2123346"/>
-            <a:ext cx="1670650" cy="276999"/>
-          </a:xfrm>
-          <a:prstGeom prst="rect">
-            <a:avLst/>
-          </a:prstGeom>
-          <a:noFill/>
-        </p:spPr>
-        <p:txBody>
-          <a:bodyPr wrap="none" rtlCol="0">
+          <a:bodyPr wrap="square" rtlCol="0">
             <a:spAutoFit/>
           </a:bodyPr>
           <a:lstStyle/>
@@ -10368,7 +10781,7 @@
                   </a:schemeClr>
                 </a:solidFill>
               </a:rPr>
-              <a:t>⑥ RP</a:t>
+              <a:t>⑧</a:t>
             </a:r>
             <a:r>
               <a:rPr lang="ja-JP" altLang="en-US" sz="1200" b="1">
@@ -10378,7 +10791,86 @@
                   </a:schemeClr>
                 </a:solidFill>
               </a:rPr>
-              <a:t>への応答の生成</a:t>
+              <a:t> </a:t>
+            </a:r>
+            <a:r>
+              <a:rPr lang="en-US" altLang="ja-JP" sz="1200" b="1" dirty="0" err="1">
+                <a:solidFill>
+                  <a:schemeClr val="bg2">
+                    <a:lumMod val="90000"/>
+                  </a:schemeClr>
+                </a:solidFill>
+              </a:rPr>
+              <a:t>AttestationResponse</a:t>
+            </a:r>
+            <a:r>
+              <a:rPr lang="ja-JP" altLang="en-US" sz="1200" b="1">
+                <a:solidFill>
+                  <a:schemeClr val="bg2">
+                    <a:lumMod val="90000"/>
+                  </a:schemeClr>
+                </a:solidFill>
+              </a:rPr>
+              <a:t>の検証</a:t>
+            </a:r>
+            <a:endParaRPr lang="en-US" altLang="ja-JP" sz="1200" b="1" dirty="0">
+              <a:solidFill>
+                <a:schemeClr val="bg2">
+                  <a:lumMod val="90000"/>
+                </a:schemeClr>
+              </a:solidFill>
+            </a:endParaRPr>
+          </a:p>
+          <a:p>
+            <a:r>
+              <a:rPr lang="ja-JP" altLang="en-US" sz="1200" b="1">
+                <a:solidFill>
+                  <a:schemeClr val="bg2">
+                    <a:lumMod val="90000"/>
+                  </a:schemeClr>
+                </a:solidFill>
+              </a:rPr>
+              <a:t>　  </a:t>
+            </a:r>
+            <a:r>
+              <a:rPr lang="en-US" altLang="ja-JP" sz="1200" b="1" dirty="0">
+                <a:solidFill>
+                  <a:schemeClr val="bg2">
+                    <a:lumMod val="90000"/>
+                  </a:schemeClr>
+                </a:solidFill>
+              </a:rPr>
+              <a:t>Attested</a:t>
+            </a:r>
+            <a:r>
+              <a:rPr lang="ja-JP" altLang="en-US" sz="1200" b="1">
+                <a:solidFill>
+                  <a:schemeClr val="bg2">
+                    <a:lumMod val="90000"/>
+                  </a:schemeClr>
+                </a:solidFill>
+              </a:rPr>
+              <a:t> </a:t>
+            </a:r>
+            <a:r>
+              <a:rPr lang="en-US" altLang="ja-JP" sz="1200" b="1" dirty="0">
+                <a:solidFill>
+                  <a:schemeClr val="bg2">
+                    <a:lumMod val="90000"/>
+                  </a:schemeClr>
+                </a:solidFill>
+              </a:rPr>
+              <a:t>Credential Public Key</a:t>
+            </a:r>
+            <a:r>
+              <a:rPr lang="ja-JP" altLang="en-US" sz="1200" b="1">
+                <a:solidFill>
+                  <a:schemeClr val="bg2">
+                    <a:lumMod val="90000"/>
+                  </a:schemeClr>
+                </a:solidFill>
+              </a:rPr>
+              <a:t>の登録</a:t>
             </a:r>
             <a:endParaRPr lang="en-JP" sz="1200" b="1" dirty="0">
               <a:solidFill>
@@ -10390,129 +10882,12 @@
           </a:p>
         </p:txBody>
       </p:sp>
-      <p:sp>
-        <p:nvSpPr>
-          <p:cNvPr id="23" name="TextBox 22">
-            <a:extLst>
-              <a:ext uri="{FF2B5EF4-FFF2-40B4-BE49-F238E27FC236}">
-                <a16:creationId xmlns:a16="http://schemas.microsoft.com/office/drawing/2014/main" id="{A4AD18DD-7940-D446-A3F4-E64DF3918033}"/>
-              </a:ext>
-            </a:extLst>
-          </p:cNvPr>
-          <p:cNvSpPr txBox="1"/>
-          <p:nvPr/>
-        </p:nvSpPr>
-        <p:spPr>
-          <a:xfrm>
-            <a:off x="7186501" y="84255"/>
-            <a:ext cx="2264730" cy="461665"/>
-          </a:xfrm>
-          <a:prstGeom prst="rect">
-            <a:avLst/>
-          </a:prstGeom>
-          <a:noFill/>
-        </p:spPr>
-        <p:txBody>
-          <a:bodyPr wrap="square" rtlCol="0">
-            <a:spAutoFit/>
-          </a:bodyPr>
-          <a:lstStyle/>
-          <a:p>
-            <a:r>
-              <a:rPr lang="en-JP" sz="1200" b="1" dirty="0">
-                <a:solidFill>
-                  <a:schemeClr val="bg2">
-                    <a:lumMod val="90000"/>
-                  </a:schemeClr>
-                </a:solidFill>
-              </a:rPr>
-              <a:t>⑧</a:t>
-            </a:r>
-            <a:r>
-              <a:rPr lang="ja-JP" altLang="en-US" sz="1200" b="1">
-                <a:solidFill>
-                  <a:schemeClr val="bg2">
-                    <a:lumMod val="90000"/>
-                  </a:schemeClr>
-                </a:solidFill>
-              </a:rPr>
-              <a:t> </a:t>
-            </a:r>
-            <a:r>
-              <a:rPr lang="en-US" altLang="ja-JP" sz="1200" b="1" dirty="0" err="1">
-                <a:solidFill>
-                  <a:schemeClr val="bg2">
-                    <a:lumMod val="90000"/>
-                  </a:schemeClr>
-                </a:solidFill>
-              </a:rPr>
-              <a:t>AttestationResponse</a:t>
-            </a:r>
-            <a:r>
-              <a:rPr lang="ja-JP" altLang="en-US" sz="1200" b="1">
-                <a:solidFill>
-                  <a:schemeClr val="bg2">
-                    <a:lumMod val="90000"/>
-                  </a:schemeClr>
-                </a:solidFill>
-              </a:rPr>
-              <a:t>の検証</a:t>
-            </a:r>
-            <a:endParaRPr lang="en-US" altLang="ja-JP" sz="1200" b="1" dirty="0">
-              <a:solidFill>
-                <a:schemeClr val="bg2">
-                  <a:lumMod val="90000"/>
-                </a:schemeClr>
-              </a:solidFill>
-            </a:endParaRPr>
-          </a:p>
-          <a:p>
-            <a:r>
-              <a:rPr lang="ja-JP" altLang="en-US" sz="1200" b="1">
-                <a:solidFill>
-                  <a:schemeClr val="bg2">
-                    <a:lumMod val="90000"/>
-                  </a:schemeClr>
-                </a:solidFill>
-              </a:rPr>
-              <a:t>　   </a:t>
-            </a:r>
-            <a:r>
-              <a:rPr lang="en-US" altLang="ja-JP" sz="1200" b="1" dirty="0">
-                <a:solidFill>
-                  <a:schemeClr val="bg2">
-                    <a:lumMod val="90000"/>
-                  </a:schemeClr>
-                </a:solidFill>
-              </a:rPr>
-              <a:t>Credential Certificate</a:t>
-            </a:r>
-            <a:r>
-              <a:rPr lang="ja-JP" altLang="en-US" sz="1200" b="1">
-                <a:solidFill>
-                  <a:schemeClr val="bg2">
-                    <a:lumMod val="90000"/>
-                  </a:schemeClr>
-                </a:solidFill>
-              </a:rPr>
-              <a:t>登録</a:t>
-            </a:r>
-            <a:endParaRPr lang="en-JP" sz="1200" b="1" dirty="0">
-              <a:solidFill>
-                <a:schemeClr val="bg2">
-                  <a:lumMod val="90000"/>
-                </a:schemeClr>
-              </a:solidFill>
-            </a:endParaRPr>
-          </a:p>
-        </p:txBody>
-      </p:sp>
       <p:pic>
         <p:nvPicPr>
-          <p:cNvPr id="29" name="Picture 28">
-            <a:extLst>
-              <a:ext uri="{FF2B5EF4-FFF2-40B4-BE49-F238E27FC236}">
-                <a16:creationId xmlns:a16="http://schemas.microsoft.com/office/drawing/2014/main" id="{7368AD10-BA72-2548-BD8D-481A34498B6D}"/>
+          <p:cNvPr id="59" name="Picture 58">
+            <a:extLst>
+              <a:ext uri="{FF2B5EF4-FFF2-40B4-BE49-F238E27FC236}">
+                <a16:creationId xmlns:a16="http://schemas.microsoft.com/office/drawing/2014/main" id="{6DFB47FF-813E-5F44-8019-21544C7596B6}"/>
               </a:ext>
             </a:extLst>
           </p:cNvPr>
@@ -10529,20 +10904,107 @@
         </p:blipFill>
         <p:spPr>
           <a:xfrm>
-            <a:off x="5651832" y="3907718"/>
-            <a:ext cx="369490" cy="461665"/>
+            <a:off x="4530619" y="3956613"/>
+            <a:ext cx="407646" cy="407646"/>
           </a:xfrm>
           <a:prstGeom prst="rect">
             <a:avLst/>
           </a:prstGeom>
         </p:spPr>
       </p:pic>
+      <p:sp>
+        <p:nvSpPr>
+          <p:cNvPr id="60" name="TextBox 59">
+            <a:extLst>
+              <a:ext uri="{FF2B5EF4-FFF2-40B4-BE49-F238E27FC236}">
+                <a16:creationId xmlns:a16="http://schemas.microsoft.com/office/drawing/2014/main" id="{0B38F758-A1D7-A749-8F64-54FCE55BBC2E}"/>
+              </a:ext>
+            </a:extLst>
+          </p:cNvPr>
+          <p:cNvSpPr txBox="1"/>
+          <p:nvPr/>
+        </p:nvSpPr>
+        <p:spPr>
+          <a:xfrm>
+            <a:off x="4836191" y="3937811"/>
+            <a:ext cx="838691" cy="430887"/>
+          </a:xfrm>
+          <a:prstGeom prst="rect">
+            <a:avLst/>
+          </a:prstGeom>
+          <a:noFill/>
+        </p:spPr>
+        <p:txBody>
+          <a:bodyPr wrap="none" rtlCol="0">
+            <a:spAutoFit/>
+          </a:bodyPr>
+          <a:lstStyle/>
+          <a:p>
+            <a:pPr algn="ctr"/>
+            <a:r>
+              <a:rPr lang="en-US" altLang="ja-JP" sz="1100" b="1" dirty="0"/>
+              <a:t>Credential</a:t>
+            </a:r>
+          </a:p>
+          <a:p>
+            <a:pPr algn="ctr"/>
+            <a:r>
+              <a:rPr lang="en-US" altLang="ja-JP" sz="1100" b="1" dirty="0"/>
+              <a:t>Private key</a:t>
+            </a:r>
+            <a:endParaRPr lang="en-JP" sz="1100" b="1" dirty="0"/>
+          </a:p>
+        </p:txBody>
+      </p:sp>
+      <p:sp>
+        <p:nvSpPr>
+          <p:cNvPr id="61" name="TextBox 60">
+            <a:extLst>
+              <a:ext uri="{FF2B5EF4-FFF2-40B4-BE49-F238E27FC236}">
+                <a16:creationId xmlns:a16="http://schemas.microsoft.com/office/drawing/2014/main" id="{BAB97E64-8AF7-E14A-8CD6-837FC48BA9F9}"/>
+              </a:ext>
+            </a:extLst>
+          </p:cNvPr>
+          <p:cNvSpPr txBox="1"/>
+          <p:nvPr/>
+        </p:nvSpPr>
+        <p:spPr>
+          <a:xfrm>
+            <a:off x="6190972" y="3944992"/>
+            <a:ext cx="790601" cy="430887"/>
+          </a:xfrm>
+          <a:prstGeom prst="rect">
+            <a:avLst/>
+          </a:prstGeom>
+          <a:noFill/>
+        </p:spPr>
+        <p:txBody>
+          <a:bodyPr wrap="none" rtlCol="0">
+            <a:spAutoFit/>
+          </a:bodyPr>
+          <a:lstStyle/>
+          <a:p>
+            <a:pPr algn="ctr"/>
+            <a:r>
+              <a:rPr lang="en-US" altLang="ja-JP" sz="1100" b="1" dirty="0"/>
+              <a:t>Credential</a:t>
+            </a:r>
+            <a:br>
+              <a:rPr lang="en-US" altLang="ja-JP" sz="1100" b="1" dirty="0"/>
+            </a:br>
+            <a:r>
+              <a:rPr lang="en-US" altLang="ja-JP" sz="1100" b="1" dirty="0"/>
+              <a:t>Public Key</a:t>
+            </a:r>
+          </a:p>
+        </p:txBody>
+      </p:sp>
       <p:pic>
         <p:nvPicPr>
-          <p:cNvPr id="30" name="Picture 29">
-            <a:extLst>
-              <a:ext uri="{FF2B5EF4-FFF2-40B4-BE49-F238E27FC236}">
-                <a16:creationId xmlns:a16="http://schemas.microsoft.com/office/drawing/2014/main" id="{9DE219C0-1324-D14E-BEE1-126EAD00A687}"/>
+          <p:cNvPr id="62" name="Picture 61">
+            <a:extLst>
+              <a:ext uri="{FF2B5EF4-FFF2-40B4-BE49-F238E27FC236}">
+                <a16:creationId xmlns:a16="http://schemas.microsoft.com/office/drawing/2014/main" id="{1FE12E9A-96B5-4C41-A801-00F8727837E2}"/>
               </a:ext>
             </a:extLst>
           </p:cNvPr>
@@ -10559,20 +11021,31 @@
         </p:blipFill>
         <p:spPr>
           <a:xfrm>
-            <a:off x="5651831" y="3983789"/>
-            <a:ext cx="342327" cy="342327"/>
+            <a:off x="5651831" y="4219422"/>
+            <a:ext cx="539141" cy="125963"/>
           </a:xfrm>
           <a:prstGeom prst="rect">
             <a:avLst/>
           </a:prstGeom>
+          <a:solidFill>
+            <a:schemeClr val="accent6">
+              <a:lumMod val="20000"/>
+              <a:lumOff val="80000"/>
+            </a:schemeClr>
+          </a:solidFill>
+          <a:ln w="38100">
+            <a:solidFill>
+              <a:schemeClr val="accent6"/>
+            </a:solidFill>
+          </a:ln>
         </p:spPr>
       </p:pic>
       <p:pic>
         <p:nvPicPr>
-          <p:cNvPr id="31" name="Picture 30">
-            <a:extLst>
-              <a:ext uri="{FF2B5EF4-FFF2-40B4-BE49-F238E27FC236}">
-                <a16:creationId xmlns:a16="http://schemas.microsoft.com/office/drawing/2014/main" id="{A66662D6-03CB-AB4A-87F8-3041B461665C}"/>
+          <p:cNvPr id="63" name="Picture 62">
+            <a:extLst>
+              <a:ext uri="{FF2B5EF4-FFF2-40B4-BE49-F238E27FC236}">
+                <a16:creationId xmlns:a16="http://schemas.microsoft.com/office/drawing/2014/main" id="{E5C80032-9F72-064C-9CE7-BD8241BD09E0}"/>
               </a:ext>
             </a:extLst>
           </p:cNvPr>
@@ -10589,125 +11062,8 @@
         </p:blipFill>
         <p:spPr>
           <a:xfrm>
-            <a:off x="4530619" y="3956613"/>
-            <a:ext cx="407646" cy="407646"/>
-          </a:xfrm>
-          <a:prstGeom prst="rect">
-            <a:avLst/>
-          </a:prstGeom>
-        </p:spPr>
-      </p:pic>
-      <p:sp>
-        <p:nvSpPr>
-          <p:cNvPr id="32" name="TextBox 31">
-            <a:extLst>
-              <a:ext uri="{FF2B5EF4-FFF2-40B4-BE49-F238E27FC236}">
-                <a16:creationId xmlns:a16="http://schemas.microsoft.com/office/drawing/2014/main" id="{969BED74-38CB-4148-881C-135F38EE66F3}"/>
-              </a:ext>
-            </a:extLst>
-          </p:cNvPr>
-          <p:cNvSpPr txBox="1"/>
-          <p:nvPr/>
-        </p:nvSpPr>
-        <p:spPr>
-          <a:xfrm>
-            <a:off x="4836191" y="3937811"/>
-            <a:ext cx="838691" cy="430887"/>
-          </a:xfrm>
-          <a:prstGeom prst="rect">
-            <a:avLst/>
-          </a:prstGeom>
-          <a:noFill/>
-        </p:spPr>
-        <p:txBody>
-          <a:bodyPr wrap="none" rtlCol="0">
-            <a:spAutoFit/>
-          </a:bodyPr>
-          <a:lstStyle/>
-          <a:p>
-            <a:pPr algn="ctr"/>
-            <a:r>
-              <a:rPr lang="en-US" altLang="ja-JP" sz="1100" b="1" dirty="0"/>
-              <a:t>Credential</a:t>
-            </a:r>
-          </a:p>
-          <a:p>
-            <a:pPr algn="ctr"/>
-            <a:r>
-              <a:rPr lang="en-US" altLang="ja-JP" sz="1100" b="1" dirty="0"/>
-              <a:t>Private key</a:t>
-            </a:r>
-            <a:endParaRPr lang="en-JP" sz="1100" b="1" dirty="0"/>
-          </a:p>
-        </p:txBody>
-      </p:sp>
-      <p:sp>
-        <p:nvSpPr>
-          <p:cNvPr id="33" name="TextBox 32">
-            <a:extLst>
-              <a:ext uri="{FF2B5EF4-FFF2-40B4-BE49-F238E27FC236}">
-                <a16:creationId xmlns:a16="http://schemas.microsoft.com/office/drawing/2014/main" id="{635EA6E4-C0ED-A74A-B366-C5D526D7F5B8}"/>
-              </a:ext>
-            </a:extLst>
-          </p:cNvPr>
-          <p:cNvSpPr txBox="1"/>
-          <p:nvPr/>
-        </p:nvSpPr>
-        <p:spPr>
-          <a:xfrm>
-            <a:off x="5980454" y="3933768"/>
-            <a:ext cx="790601" cy="430887"/>
-          </a:xfrm>
-          <a:prstGeom prst="rect">
-            <a:avLst/>
-          </a:prstGeom>
-          <a:noFill/>
-        </p:spPr>
-        <p:txBody>
-          <a:bodyPr wrap="none" rtlCol="0">
-            <a:spAutoFit/>
-          </a:bodyPr>
-          <a:lstStyle/>
-          <a:p>
-            <a:pPr algn="ctr"/>
-            <a:r>
-              <a:rPr lang="en-US" altLang="ja-JP" sz="1100" b="1" dirty="0"/>
-              <a:t>Credential</a:t>
-            </a:r>
-            <a:br>
-              <a:rPr lang="en-US" altLang="ja-JP" sz="1100" b="1" dirty="0"/>
-            </a:br>
-            <a:r>
-              <a:rPr lang="en-US" altLang="ja-JP" sz="1100" b="1" dirty="0"/>
-              <a:t>Certificate</a:t>
-            </a:r>
-          </a:p>
-        </p:txBody>
-      </p:sp>
-      <p:pic>
-        <p:nvPicPr>
-          <p:cNvPr id="37" name="Picture 36">
-            <a:extLst>
-              <a:ext uri="{FF2B5EF4-FFF2-40B4-BE49-F238E27FC236}">
-                <a16:creationId xmlns:a16="http://schemas.microsoft.com/office/drawing/2014/main" id="{0BF9C03C-22E7-3A49-8433-C0F077261303}"/>
-              </a:ext>
-            </a:extLst>
-          </p:cNvPr>
-          <p:cNvPicPr>
-            <a:picLocks noChangeAspect="1"/>
-          </p:cNvPicPr>
-          <p:nvPr/>
-        </p:nvPicPr>
-        <p:blipFill>
-          <a:blip r:embed="rId3"/>
-          <a:stretch>
-            <a:fillRect/>
-          </a:stretch>
-        </p:blipFill>
-        <p:spPr>
-          <a:xfrm>
-            <a:off x="6845980" y="2849410"/>
-            <a:ext cx="369490" cy="461665"/>
+            <a:off x="5765474" y="3940076"/>
+            <a:ext cx="342327" cy="342327"/>
           </a:xfrm>
           <a:prstGeom prst="rect">
             <a:avLst/>
@@ -10716,10 +11072,10 @@
       </p:pic>
       <p:pic>
         <p:nvPicPr>
-          <p:cNvPr id="38" name="Picture 37">
-            <a:extLst>
-              <a:ext uri="{FF2B5EF4-FFF2-40B4-BE49-F238E27FC236}">
-                <a16:creationId xmlns:a16="http://schemas.microsoft.com/office/drawing/2014/main" id="{7AABA3A2-EE0C-A645-950B-120C01208E76}"/>
+          <p:cNvPr id="64" name="Picture 63">
+            <a:extLst>
+              <a:ext uri="{FF2B5EF4-FFF2-40B4-BE49-F238E27FC236}">
+                <a16:creationId xmlns:a16="http://schemas.microsoft.com/office/drawing/2014/main" id="{A447AF62-4487-EF4A-AE15-7F7FABD9354D}"/>
               </a:ext>
             </a:extLst>
           </p:cNvPr>
@@ -10736,20 +11092,31 @@
         </p:blipFill>
         <p:spPr>
           <a:xfrm>
-            <a:off x="6845979" y="2925481"/>
-            <a:ext cx="342327" cy="342327"/>
+            <a:off x="6704038" y="3126189"/>
+            <a:ext cx="539141" cy="125963"/>
           </a:xfrm>
           <a:prstGeom prst="rect">
             <a:avLst/>
           </a:prstGeom>
+          <a:solidFill>
+            <a:schemeClr val="accent6">
+              <a:lumMod val="20000"/>
+              <a:lumOff val="80000"/>
+            </a:schemeClr>
+          </a:solidFill>
+          <a:ln w="38100">
+            <a:solidFill>
+              <a:schemeClr val="accent6"/>
+            </a:solidFill>
+          </a:ln>
         </p:spPr>
       </p:pic>
       <p:pic>
         <p:nvPicPr>
-          <p:cNvPr id="39" name="Picture 38">
-            <a:extLst>
-              <a:ext uri="{FF2B5EF4-FFF2-40B4-BE49-F238E27FC236}">
-                <a16:creationId xmlns:a16="http://schemas.microsoft.com/office/drawing/2014/main" id="{EAEAAB36-75E2-2D47-A977-EDF19F60A327}"/>
+          <p:cNvPr id="65" name="Picture 64">
+            <a:extLst>
+              <a:ext uri="{FF2B5EF4-FFF2-40B4-BE49-F238E27FC236}">
+                <a16:creationId xmlns:a16="http://schemas.microsoft.com/office/drawing/2014/main" id="{555C6CF5-E446-8B43-B306-DD75FA459B24}"/>
               </a:ext>
             </a:extLst>
           </p:cNvPr>
@@ -10759,15 +11126,15 @@
           <p:nvPr/>
         </p:nvPicPr>
         <p:blipFill>
-          <a:blip r:embed="rId3"/>
+          <a:blip r:embed="rId5"/>
           <a:stretch>
             <a:fillRect/>
           </a:stretch>
         </p:blipFill>
         <p:spPr>
           <a:xfrm>
-            <a:off x="6844175" y="1157877"/>
-            <a:ext cx="369490" cy="461665"/>
+            <a:off x="6817681" y="2846843"/>
+            <a:ext cx="342327" cy="342327"/>
           </a:xfrm>
           <a:prstGeom prst="rect">
             <a:avLst/>
@@ -10776,10 +11143,10 @@
       </p:pic>
       <p:pic>
         <p:nvPicPr>
-          <p:cNvPr id="40" name="Picture 39">
-            <a:extLst>
-              <a:ext uri="{FF2B5EF4-FFF2-40B4-BE49-F238E27FC236}">
-                <a16:creationId xmlns:a16="http://schemas.microsoft.com/office/drawing/2014/main" id="{3E319ED5-4EEC-E049-93AA-C8BF14A935E8}"/>
+          <p:cNvPr id="66" name="Picture 65">
+            <a:extLst>
+              <a:ext uri="{FF2B5EF4-FFF2-40B4-BE49-F238E27FC236}">
+                <a16:creationId xmlns:a16="http://schemas.microsoft.com/office/drawing/2014/main" id="{8CEFCCD6-D8A9-9046-AB12-FA85B0D02E01}"/>
               </a:ext>
             </a:extLst>
           </p:cNvPr>
@@ -10796,20 +11163,31 @@
         </p:blipFill>
         <p:spPr>
           <a:xfrm>
-            <a:off x="6844174" y="1233948"/>
-            <a:ext cx="342327" cy="342327"/>
+            <a:off x="6696766" y="1436908"/>
+            <a:ext cx="539141" cy="125963"/>
           </a:xfrm>
           <a:prstGeom prst="rect">
             <a:avLst/>
           </a:prstGeom>
+          <a:solidFill>
+            <a:schemeClr val="accent6">
+              <a:lumMod val="20000"/>
+              <a:lumOff val="80000"/>
+            </a:schemeClr>
+          </a:solidFill>
+          <a:ln w="38100">
+            <a:solidFill>
+              <a:schemeClr val="accent6"/>
+            </a:solidFill>
+          </a:ln>
         </p:spPr>
       </p:pic>
       <p:pic>
         <p:nvPicPr>
-          <p:cNvPr id="41" name="Picture 40">
-            <a:extLst>
-              <a:ext uri="{FF2B5EF4-FFF2-40B4-BE49-F238E27FC236}">
-                <a16:creationId xmlns:a16="http://schemas.microsoft.com/office/drawing/2014/main" id="{5280AB8C-F5A4-5940-8ABF-B330E0A290B1}"/>
+          <p:cNvPr id="67" name="Picture 66">
+            <a:extLst>
+              <a:ext uri="{FF2B5EF4-FFF2-40B4-BE49-F238E27FC236}">
+                <a16:creationId xmlns:a16="http://schemas.microsoft.com/office/drawing/2014/main" id="{A1F0CE9F-E796-6E48-AA29-C4ED646B9C43}"/>
               </a:ext>
             </a:extLst>
           </p:cNvPr>
@@ -10819,15 +11197,15 @@
           <p:nvPr/>
         </p:nvPicPr>
         <p:blipFill>
-          <a:blip r:embed="rId3"/>
+          <a:blip r:embed="rId5"/>
           <a:stretch>
             <a:fillRect/>
           </a:stretch>
         </p:blipFill>
         <p:spPr>
           <a:xfrm>
-            <a:off x="6856227" y="69719"/>
-            <a:ext cx="369490" cy="461665"/>
+            <a:off x="6810409" y="1157562"/>
+            <a:ext cx="342327" cy="342327"/>
           </a:xfrm>
           <a:prstGeom prst="rect">
             <a:avLst/>
@@ -10836,10 +11214,10 @@
       </p:pic>
       <p:pic>
         <p:nvPicPr>
-          <p:cNvPr id="42" name="Picture 41">
-            <a:extLst>
-              <a:ext uri="{FF2B5EF4-FFF2-40B4-BE49-F238E27FC236}">
-                <a16:creationId xmlns:a16="http://schemas.microsoft.com/office/drawing/2014/main" id="{4A776D00-91B5-2F4D-84A9-7B951965CAB1}"/>
+          <p:cNvPr id="68" name="Picture 67">
+            <a:extLst>
+              <a:ext uri="{FF2B5EF4-FFF2-40B4-BE49-F238E27FC236}">
+                <a16:creationId xmlns:a16="http://schemas.microsoft.com/office/drawing/2014/main" id="{9342D7F9-A608-7E4D-A2FC-A974D23F1A19}"/>
               </a:ext>
             </a:extLst>
           </p:cNvPr>
@@ -10856,7 +11234,48 @@
         </p:blipFill>
         <p:spPr>
           <a:xfrm>
-            <a:off x="6856226" y="145790"/>
+            <a:off x="6708028" y="371413"/>
+            <a:ext cx="539141" cy="125963"/>
+          </a:xfrm>
+          <a:prstGeom prst="rect">
+            <a:avLst/>
+          </a:prstGeom>
+          <a:solidFill>
+            <a:schemeClr val="accent6">
+              <a:lumMod val="20000"/>
+              <a:lumOff val="80000"/>
+            </a:schemeClr>
+          </a:solidFill>
+          <a:ln w="38100">
+            <a:solidFill>
+              <a:schemeClr val="accent6"/>
+            </a:solidFill>
+          </a:ln>
+        </p:spPr>
+      </p:pic>
+      <p:pic>
+        <p:nvPicPr>
+          <p:cNvPr id="69" name="Picture 68">
+            <a:extLst>
+              <a:ext uri="{FF2B5EF4-FFF2-40B4-BE49-F238E27FC236}">
+                <a16:creationId xmlns:a16="http://schemas.microsoft.com/office/drawing/2014/main" id="{76E59BFA-231A-1744-8BFA-48FB5F9B0B10}"/>
+              </a:ext>
+            </a:extLst>
+          </p:cNvPr>
+          <p:cNvPicPr>
+            <a:picLocks noChangeAspect="1"/>
+          </p:cNvPicPr>
+          <p:nvPr/>
+        </p:nvPicPr>
+        <p:blipFill>
+          <a:blip r:embed="rId5"/>
+          <a:stretch>
+            <a:fillRect/>
+          </a:stretch>
+        </p:blipFill>
+        <p:spPr>
+          <a:xfrm>
+            <a:off x="6821671" y="92067"/>
             <a:ext cx="342327" cy="342327"/>
           </a:xfrm>
           <a:prstGeom prst="rect">
@@ -10866,10 +11285,10 @@
       </p:pic>
       <p:sp>
         <p:nvSpPr>
-          <p:cNvPr id="2" name="TextBox 1">
-            <a:extLst>
-              <a:ext uri="{FF2B5EF4-FFF2-40B4-BE49-F238E27FC236}">
-                <a16:creationId xmlns:a16="http://schemas.microsoft.com/office/drawing/2014/main" id="{1BBB916A-07E1-934E-8172-CA95599A153E}"/>
+          <p:cNvPr id="70" name="TextBox 69">
+            <a:extLst>
+              <a:ext uri="{FF2B5EF4-FFF2-40B4-BE49-F238E27FC236}">
+                <a16:creationId xmlns:a16="http://schemas.microsoft.com/office/drawing/2014/main" id="{8BCD57FA-40FA-D545-AB9C-5811FBC83B10}"/>
               </a:ext>
             </a:extLst>
           </p:cNvPr>
@@ -10902,210 +11321,6 @@
               </a:rPr>
               <a:t>OK !</a:t>
             </a:r>
-          </a:p>
-        </p:txBody>
-      </p:sp>
-      <p:sp>
-        <p:nvSpPr>
-          <p:cNvPr id="34" name="TextBox 33">
-            <a:extLst>
-              <a:ext uri="{FF2B5EF4-FFF2-40B4-BE49-F238E27FC236}">
-                <a16:creationId xmlns:a16="http://schemas.microsoft.com/office/drawing/2014/main" id="{F2972BFC-D727-F54B-9014-D83BE51FA924}"/>
-              </a:ext>
-            </a:extLst>
-          </p:cNvPr>
-          <p:cNvSpPr txBox="1"/>
-          <p:nvPr/>
-        </p:nvSpPr>
-        <p:spPr>
-          <a:xfrm>
-            <a:off x="2196176" y="1157877"/>
-            <a:ext cx="2698880" cy="461665"/>
-          </a:xfrm>
-          <a:prstGeom prst="rect">
-            <a:avLst/>
-          </a:prstGeom>
-          <a:noFill/>
-        </p:spPr>
-        <p:txBody>
-          <a:bodyPr wrap="none" rtlCol="0">
-            <a:spAutoFit/>
-          </a:bodyPr>
-          <a:lstStyle/>
-          <a:p>
-            <a:r>
-              <a:rPr lang="en-JP" sz="1200" b="1" dirty="0">
-                <a:solidFill>
-                  <a:schemeClr val="bg2">
-                    <a:lumMod val="90000"/>
-                  </a:schemeClr>
-                </a:solidFill>
-              </a:rPr>
-              <a:t>①</a:t>
-            </a:r>
-            <a:r>
-              <a:rPr lang="ja-JP" altLang="en-US" sz="1200" b="1">
-                <a:solidFill>
-                  <a:schemeClr val="bg2">
-                    <a:lumMod val="90000"/>
-                  </a:schemeClr>
-                </a:solidFill>
-              </a:rPr>
-              <a:t> </a:t>
-            </a:r>
-            <a:r>
-              <a:rPr lang="en-US" altLang="ja-JP" sz="1200" b="1" dirty="0">
-                <a:solidFill>
-                  <a:schemeClr val="bg2">
-                    <a:lumMod val="90000"/>
-                  </a:schemeClr>
-                </a:solidFill>
-              </a:rPr>
-              <a:t>Credential Certificate</a:t>
-            </a:r>
-            <a:r>
-              <a:rPr lang="ja-JP" altLang="en-US" sz="1200" b="1">
-                <a:solidFill>
-                  <a:schemeClr val="bg2">
-                    <a:lumMod val="90000"/>
-                  </a:schemeClr>
-                </a:solidFill>
-              </a:rPr>
-              <a:t>生成のための</a:t>
-            </a:r>
-            <a:endParaRPr lang="en-US" altLang="ja-JP" sz="1200" b="1" dirty="0">
-              <a:solidFill>
-                <a:schemeClr val="bg2">
-                  <a:lumMod val="90000"/>
-                </a:schemeClr>
-              </a:solidFill>
-            </a:endParaRPr>
-          </a:p>
-          <a:p>
-            <a:r>
-              <a:rPr lang="ja-JP" altLang="en-US" sz="1200" b="1">
-                <a:solidFill>
-                  <a:schemeClr val="bg2">
-                    <a:lumMod val="90000"/>
-                  </a:schemeClr>
-                </a:solidFill>
-              </a:rPr>
-              <a:t>　  パラメータ送付</a:t>
-            </a:r>
-            <a:endParaRPr lang="en-JP" sz="1200" b="1" dirty="0">
-              <a:solidFill>
-                <a:schemeClr val="bg2">
-                  <a:lumMod val="90000"/>
-                </a:schemeClr>
-              </a:solidFill>
-            </a:endParaRPr>
-          </a:p>
-        </p:txBody>
-      </p:sp>
-      <p:sp>
-        <p:nvSpPr>
-          <p:cNvPr id="35" name="TextBox 34">
-            <a:extLst>
-              <a:ext uri="{FF2B5EF4-FFF2-40B4-BE49-F238E27FC236}">
-                <a16:creationId xmlns:a16="http://schemas.microsoft.com/office/drawing/2014/main" id="{494F0802-E491-7D49-BDC3-35331A5543E0}"/>
-              </a:ext>
-            </a:extLst>
-          </p:cNvPr>
-          <p:cNvSpPr txBox="1"/>
-          <p:nvPr/>
-        </p:nvSpPr>
-        <p:spPr>
-          <a:xfrm>
-            <a:off x="1574667" y="2012954"/>
-            <a:ext cx="3153620" cy="461665"/>
-          </a:xfrm>
-          <a:prstGeom prst="rect">
-            <a:avLst/>
-          </a:prstGeom>
-          <a:noFill/>
-        </p:spPr>
-        <p:txBody>
-          <a:bodyPr wrap="none" rtlCol="0">
-            <a:spAutoFit/>
-          </a:bodyPr>
-          <a:lstStyle/>
-          <a:p>
-            <a:r>
-              <a:rPr lang="en-JP" sz="1200" b="1" dirty="0">
-                <a:solidFill>
-                  <a:schemeClr val="bg2">
-                    <a:lumMod val="90000"/>
-                  </a:schemeClr>
-                </a:solidFill>
-              </a:rPr>
-              <a:t>② </a:t>
-            </a:r>
-            <a:r>
-              <a:rPr lang="en-US" altLang="ja-JP" sz="1200" b="1" dirty="0" err="1">
-                <a:solidFill>
-                  <a:schemeClr val="bg2">
-                    <a:lumMod val="90000"/>
-                  </a:schemeClr>
-                </a:solidFill>
-              </a:rPr>
-              <a:t>PublicKeyCredentialCreationOption</a:t>
-            </a:r>
-            <a:r>
-              <a:rPr lang="ja-JP" altLang="en-US" sz="1200" b="1">
-                <a:solidFill>
-                  <a:schemeClr val="bg2">
-                    <a:lumMod val="90000"/>
-                  </a:schemeClr>
-                </a:solidFill>
-              </a:rPr>
-              <a:t>生成、</a:t>
-            </a:r>
-            <a:endParaRPr lang="en-US" altLang="ja-JP" sz="1200" b="1" dirty="0">
-              <a:solidFill>
-                <a:schemeClr val="bg2">
-                  <a:lumMod val="90000"/>
-                </a:schemeClr>
-              </a:solidFill>
-            </a:endParaRPr>
-          </a:p>
-          <a:p>
-            <a:r>
-              <a:rPr lang="ja-JP" altLang="en-US" sz="1200" b="1">
-                <a:solidFill>
-                  <a:schemeClr val="bg2">
-                    <a:lumMod val="90000"/>
-                  </a:schemeClr>
-                </a:solidFill>
-              </a:rPr>
-              <a:t>　  認証器へ</a:t>
-            </a:r>
-            <a:r>
-              <a:rPr lang="en-US" altLang="ja-JP" sz="1200" b="1" dirty="0">
-                <a:solidFill>
-                  <a:schemeClr val="bg2">
-                    <a:lumMod val="90000"/>
-                  </a:schemeClr>
-                </a:solidFill>
-              </a:rPr>
-              <a:t>Credential</a:t>
-            </a:r>
-            <a:r>
-              <a:rPr lang="ja-JP" altLang="en-US" sz="1200" b="1">
-                <a:solidFill>
-                  <a:schemeClr val="bg2">
-                    <a:lumMod val="90000"/>
-                  </a:schemeClr>
-                </a:solidFill>
-              </a:rPr>
-              <a:t>生成要求</a:t>
-            </a:r>
-            <a:endParaRPr lang="en-JP" sz="1200" b="1" dirty="0">
-              <a:solidFill>
-                <a:schemeClr val="bg2">
-                  <a:lumMod val="90000"/>
-                </a:schemeClr>
-              </a:solidFill>
-            </a:endParaRPr>
           </a:p>
         </p:txBody>
       </p:sp>
@@ -11139,12 +11354,274 @@
           <a:chExt cx="0" cy="0"/>
         </a:xfrm>
       </p:grpSpPr>
+      <p:sp>
+        <p:nvSpPr>
+          <p:cNvPr id="17" name="TextBox 16">
+            <a:extLst>
+              <a:ext uri="{FF2B5EF4-FFF2-40B4-BE49-F238E27FC236}">
+                <a16:creationId xmlns:a16="http://schemas.microsoft.com/office/drawing/2014/main" id="{511681B5-1931-004B-9856-198305101D77}"/>
+              </a:ext>
+            </a:extLst>
+          </p:cNvPr>
+          <p:cNvSpPr txBox="1"/>
+          <p:nvPr/>
+        </p:nvSpPr>
+        <p:spPr>
+          <a:xfrm>
+            <a:off x="2849719" y="2995222"/>
+            <a:ext cx="2125967" cy="276999"/>
+          </a:xfrm>
+          <a:prstGeom prst="rect">
+            <a:avLst/>
+          </a:prstGeom>
+          <a:noFill/>
+        </p:spPr>
+        <p:txBody>
+          <a:bodyPr wrap="none" rtlCol="0">
+            <a:spAutoFit/>
+          </a:bodyPr>
+          <a:lstStyle/>
+          <a:p>
+            <a:r>
+              <a:rPr lang="en-JP" sz="1200" b="1" dirty="0">
+                <a:solidFill>
+                  <a:schemeClr val="bg2">
+                    <a:lumMod val="90000"/>
+                  </a:schemeClr>
+                </a:solidFill>
+              </a:rPr>
+              <a:t>③Credential</a:t>
+            </a:r>
+            <a:r>
+              <a:rPr lang="ja-JP" altLang="en-US" sz="1200" b="1">
+                <a:solidFill>
+                  <a:schemeClr val="bg2">
+                    <a:lumMod val="90000"/>
+                  </a:schemeClr>
+                </a:solidFill>
+              </a:rPr>
+              <a:t>生成要求の送付</a:t>
+            </a:r>
+            <a:endParaRPr lang="en-JP" sz="1200" b="1" dirty="0">
+              <a:solidFill>
+                <a:schemeClr val="bg2">
+                  <a:lumMod val="90000"/>
+                </a:schemeClr>
+              </a:solidFill>
+            </a:endParaRPr>
+          </a:p>
+        </p:txBody>
+      </p:sp>
+      <p:sp>
+        <p:nvSpPr>
+          <p:cNvPr id="34" name="TextBox 33">
+            <a:extLst>
+              <a:ext uri="{FF2B5EF4-FFF2-40B4-BE49-F238E27FC236}">
+                <a16:creationId xmlns:a16="http://schemas.microsoft.com/office/drawing/2014/main" id="{F2972BFC-D727-F54B-9014-D83BE51FA924}"/>
+              </a:ext>
+            </a:extLst>
+          </p:cNvPr>
+          <p:cNvSpPr txBox="1"/>
+          <p:nvPr/>
+        </p:nvSpPr>
+        <p:spPr>
+          <a:xfrm>
+            <a:off x="2196176" y="1157877"/>
+            <a:ext cx="2698880" cy="461665"/>
+          </a:xfrm>
+          <a:prstGeom prst="rect">
+            <a:avLst/>
+          </a:prstGeom>
+          <a:noFill/>
+        </p:spPr>
+        <p:txBody>
+          <a:bodyPr wrap="none" rtlCol="0">
+            <a:spAutoFit/>
+          </a:bodyPr>
+          <a:lstStyle/>
+          <a:p>
+            <a:r>
+              <a:rPr lang="en-JP" sz="1200" b="1" dirty="0">
+                <a:solidFill>
+                  <a:schemeClr val="bg2">
+                    <a:lumMod val="90000"/>
+                  </a:schemeClr>
+                </a:solidFill>
+              </a:rPr>
+              <a:t>①</a:t>
+            </a:r>
+            <a:r>
+              <a:rPr lang="ja-JP" altLang="en-US" sz="1200" b="1">
+                <a:solidFill>
+                  <a:schemeClr val="bg2">
+                    <a:lumMod val="90000"/>
+                  </a:schemeClr>
+                </a:solidFill>
+              </a:rPr>
+              <a:t> </a:t>
+            </a:r>
+            <a:r>
+              <a:rPr lang="en-US" altLang="ja-JP" sz="1200" b="1" dirty="0">
+                <a:solidFill>
+                  <a:schemeClr val="bg2">
+                    <a:lumMod val="90000"/>
+                  </a:schemeClr>
+                </a:solidFill>
+              </a:rPr>
+              <a:t>Credential Certificate</a:t>
+            </a:r>
+            <a:r>
+              <a:rPr lang="ja-JP" altLang="en-US" sz="1200" b="1">
+                <a:solidFill>
+                  <a:schemeClr val="bg2">
+                    <a:lumMod val="90000"/>
+                  </a:schemeClr>
+                </a:solidFill>
+              </a:rPr>
+              <a:t>生成のための</a:t>
+            </a:r>
+            <a:endParaRPr lang="en-US" altLang="ja-JP" sz="1200" b="1" dirty="0">
+              <a:solidFill>
+                <a:schemeClr val="bg2">
+                  <a:lumMod val="90000"/>
+                </a:schemeClr>
+              </a:solidFill>
+            </a:endParaRPr>
+          </a:p>
+          <a:p>
+            <a:r>
+              <a:rPr lang="ja-JP" altLang="en-US" sz="1200" b="1">
+                <a:solidFill>
+                  <a:schemeClr val="bg2">
+                    <a:lumMod val="90000"/>
+                  </a:schemeClr>
+                </a:solidFill>
+              </a:rPr>
+              <a:t>　  パラメータ送付</a:t>
+            </a:r>
+            <a:endParaRPr lang="en-JP" sz="1200" b="1" dirty="0">
+              <a:solidFill>
+                <a:schemeClr val="bg2">
+                  <a:lumMod val="90000"/>
+                </a:schemeClr>
+              </a:solidFill>
+            </a:endParaRPr>
+          </a:p>
+        </p:txBody>
+      </p:sp>
+      <p:sp>
+        <p:nvSpPr>
+          <p:cNvPr id="35" name="TextBox 34">
+            <a:extLst>
+              <a:ext uri="{FF2B5EF4-FFF2-40B4-BE49-F238E27FC236}">
+                <a16:creationId xmlns:a16="http://schemas.microsoft.com/office/drawing/2014/main" id="{494F0802-E491-7D49-BDC3-35331A5543E0}"/>
+              </a:ext>
+            </a:extLst>
+          </p:cNvPr>
+          <p:cNvSpPr txBox="1"/>
+          <p:nvPr/>
+        </p:nvSpPr>
+        <p:spPr>
+          <a:xfrm>
+            <a:off x="1574667" y="2012954"/>
+            <a:ext cx="3153620" cy="461665"/>
+          </a:xfrm>
+          <a:prstGeom prst="rect">
+            <a:avLst/>
+          </a:prstGeom>
+          <a:noFill/>
+        </p:spPr>
+        <p:txBody>
+          <a:bodyPr wrap="none" rtlCol="0">
+            <a:spAutoFit/>
+          </a:bodyPr>
+          <a:lstStyle/>
+          <a:p>
+            <a:r>
+              <a:rPr lang="en-JP" sz="1200" b="1" dirty="0">
+                <a:solidFill>
+                  <a:schemeClr val="bg2">
+                    <a:lumMod val="90000"/>
+                  </a:schemeClr>
+                </a:solidFill>
+              </a:rPr>
+              <a:t>② </a:t>
+            </a:r>
+            <a:r>
+              <a:rPr lang="en-US" altLang="ja-JP" sz="1200" b="1" dirty="0" err="1">
+                <a:solidFill>
+                  <a:schemeClr val="bg2">
+                    <a:lumMod val="90000"/>
+                  </a:schemeClr>
+                </a:solidFill>
+              </a:rPr>
+              <a:t>PublicKeyCredentialCreationOption</a:t>
+            </a:r>
+            <a:r>
+              <a:rPr lang="ja-JP" altLang="en-US" sz="1200" b="1">
+                <a:solidFill>
+                  <a:schemeClr val="bg2">
+                    <a:lumMod val="90000"/>
+                  </a:schemeClr>
+                </a:solidFill>
+              </a:rPr>
+              <a:t>生成、</a:t>
+            </a:r>
+            <a:endParaRPr lang="en-US" altLang="ja-JP" sz="1200" b="1" dirty="0">
+              <a:solidFill>
+                <a:schemeClr val="bg2">
+                  <a:lumMod val="90000"/>
+                </a:schemeClr>
+              </a:solidFill>
+            </a:endParaRPr>
+          </a:p>
+          <a:p>
+            <a:r>
+              <a:rPr lang="ja-JP" altLang="en-US" sz="1200" b="1">
+                <a:solidFill>
+                  <a:schemeClr val="bg2">
+                    <a:lumMod val="90000"/>
+                  </a:schemeClr>
+                </a:solidFill>
+              </a:rPr>
+              <a:t>　  認証器へ</a:t>
+            </a:r>
+            <a:r>
+              <a:rPr lang="en-US" altLang="ja-JP" sz="1200" b="1" dirty="0">
+                <a:solidFill>
+                  <a:schemeClr val="bg2">
+                    <a:lumMod val="90000"/>
+                  </a:schemeClr>
+                </a:solidFill>
+              </a:rPr>
+              <a:t>Credential</a:t>
+            </a:r>
+            <a:r>
+              <a:rPr lang="ja-JP" altLang="en-US" sz="1200" b="1">
+                <a:solidFill>
+                  <a:schemeClr val="bg2">
+                    <a:lumMod val="90000"/>
+                  </a:schemeClr>
+                </a:solidFill>
+              </a:rPr>
+              <a:t>生成要求</a:t>
+            </a:r>
+            <a:endParaRPr lang="en-JP" sz="1200" b="1" dirty="0">
+              <a:solidFill>
+                <a:schemeClr val="bg2">
+                  <a:lumMod val="90000"/>
+                </a:schemeClr>
+              </a:solidFill>
+            </a:endParaRPr>
+          </a:p>
+        </p:txBody>
+      </p:sp>
       <p:pic>
         <p:nvPicPr>
-          <p:cNvPr id="4" name="Picture 3">
-            <a:extLst>
-              <a:ext uri="{FF2B5EF4-FFF2-40B4-BE49-F238E27FC236}">
-                <a16:creationId xmlns:a16="http://schemas.microsoft.com/office/drawing/2014/main" id="{7BB16E77-4C5A-EE4B-8951-017E2E34B25A}"/>
+          <p:cNvPr id="36" name="Picture 35">
+            <a:extLst>
+              <a:ext uri="{FF2B5EF4-FFF2-40B4-BE49-F238E27FC236}">
+                <a16:creationId xmlns:a16="http://schemas.microsoft.com/office/drawing/2014/main" id="{C9871CA9-7875-8D48-AD72-109F259F58AD}"/>
               </a:ext>
             </a:extLst>
           </p:cNvPr>
@@ -11171,10 +11648,10 @@
       </p:pic>
       <p:sp>
         <p:nvSpPr>
-          <p:cNvPr id="5" name="Rounded Rectangle 4">
-            <a:extLst>
-              <a:ext uri="{FF2B5EF4-FFF2-40B4-BE49-F238E27FC236}">
-                <a16:creationId xmlns:a16="http://schemas.microsoft.com/office/drawing/2014/main" id="{DE13ECB7-BAE5-AE44-B6FA-E837ED650D36}"/>
+          <p:cNvPr id="43" name="Rounded Rectangle 42">
+            <a:extLst>
+              <a:ext uri="{FF2B5EF4-FFF2-40B4-BE49-F238E27FC236}">
+                <a16:creationId xmlns:a16="http://schemas.microsoft.com/office/drawing/2014/main" id="{27A96DFF-DC29-6F45-B3E7-1A76D599F881}"/>
               </a:ext>
             </a:extLst>
           </p:cNvPr>
@@ -11220,10 +11697,10 @@
       </p:sp>
       <p:sp>
         <p:nvSpPr>
-          <p:cNvPr id="6" name="Rounded Rectangle 5">
-            <a:extLst>
-              <a:ext uri="{FF2B5EF4-FFF2-40B4-BE49-F238E27FC236}">
-                <a16:creationId xmlns:a16="http://schemas.microsoft.com/office/drawing/2014/main" id="{7EC16796-AA12-7642-9453-F8A3E98CA0F1}"/>
+          <p:cNvPr id="44" name="Rounded Rectangle 43">
+            <a:extLst>
+              <a:ext uri="{FF2B5EF4-FFF2-40B4-BE49-F238E27FC236}">
+                <a16:creationId xmlns:a16="http://schemas.microsoft.com/office/drawing/2014/main" id="{6C2AC42D-8AA0-1F4E-B2D3-1FC3331F3142}"/>
               </a:ext>
             </a:extLst>
           </p:cNvPr>
@@ -11269,10 +11746,10 @@
       </p:sp>
       <p:sp>
         <p:nvSpPr>
-          <p:cNvPr id="7" name="Rounded Rectangle 6">
-            <a:extLst>
-              <a:ext uri="{FF2B5EF4-FFF2-40B4-BE49-F238E27FC236}">
-                <a16:creationId xmlns:a16="http://schemas.microsoft.com/office/drawing/2014/main" id="{667C2817-EB5F-234E-B260-12E87E4C5165}"/>
+          <p:cNvPr id="45" name="Rounded Rectangle 44">
+            <a:extLst>
+              <a:ext uri="{FF2B5EF4-FFF2-40B4-BE49-F238E27FC236}">
+                <a16:creationId xmlns:a16="http://schemas.microsoft.com/office/drawing/2014/main" id="{21ABD15C-D77E-3B4B-ABE5-135203757C89}"/>
               </a:ext>
             </a:extLst>
           </p:cNvPr>
@@ -11326,10 +11803,10 @@
       </p:sp>
       <p:cxnSp>
         <p:nvCxnSpPr>
-          <p:cNvPr id="8" name="Straight Arrow Connector 7">
-            <a:extLst>
-              <a:ext uri="{FF2B5EF4-FFF2-40B4-BE49-F238E27FC236}">
-                <a16:creationId xmlns:a16="http://schemas.microsoft.com/office/drawing/2014/main" id="{E3E40130-3BED-B941-88CF-D1299972173E}"/>
+          <p:cNvPr id="46" name="Straight Arrow Connector 45">
+            <a:extLst>
+              <a:ext uri="{FF2B5EF4-FFF2-40B4-BE49-F238E27FC236}">
+                <a16:creationId xmlns:a16="http://schemas.microsoft.com/office/drawing/2014/main" id="{8C66E078-C96F-CF49-A3FE-A042BB12557B}"/>
               </a:ext>
             </a:extLst>
           </p:cNvPr>
@@ -11365,10 +11842,10 @@
       </p:cxnSp>
       <p:cxnSp>
         <p:nvCxnSpPr>
-          <p:cNvPr id="9" name="Straight Arrow Connector 8">
-            <a:extLst>
-              <a:ext uri="{FF2B5EF4-FFF2-40B4-BE49-F238E27FC236}">
-                <a16:creationId xmlns:a16="http://schemas.microsoft.com/office/drawing/2014/main" id="{9E3EB259-E7FF-D047-8D6B-D88B029D6503}"/>
+          <p:cNvPr id="47" name="Straight Arrow Connector 46">
+            <a:extLst>
+              <a:ext uri="{FF2B5EF4-FFF2-40B4-BE49-F238E27FC236}">
+                <a16:creationId xmlns:a16="http://schemas.microsoft.com/office/drawing/2014/main" id="{D55C187C-3F80-674A-BFBA-A19A033C1FA7}"/>
               </a:ext>
             </a:extLst>
           </p:cNvPr>
@@ -11406,10 +11883,10 @@
       </p:cxnSp>
       <p:cxnSp>
         <p:nvCxnSpPr>
-          <p:cNvPr id="10" name="Straight Arrow Connector 9">
-            <a:extLst>
-              <a:ext uri="{FF2B5EF4-FFF2-40B4-BE49-F238E27FC236}">
-                <a16:creationId xmlns:a16="http://schemas.microsoft.com/office/drawing/2014/main" id="{1493BA4F-6CA1-1749-8DEF-907D657C82A8}"/>
+          <p:cNvPr id="48" name="Straight Arrow Connector 47">
+            <a:extLst>
+              <a:ext uri="{FF2B5EF4-FFF2-40B4-BE49-F238E27FC236}">
+                <a16:creationId xmlns:a16="http://schemas.microsoft.com/office/drawing/2014/main" id="{6BA28764-057F-5145-8CFA-C684706FD9E4}"/>
               </a:ext>
             </a:extLst>
           </p:cNvPr>
@@ -11448,10 +11925,10 @@
       </p:cxnSp>
       <p:cxnSp>
         <p:nvCxnSpPr>
-          <p:cNvPr id="11" name="Straight Arrow Connector 10">
-            <a:extLst>
-              <a:ext uri="{FF2B5EF4-FFF2-40B4-BE49-F238E27FC236}">
-                <a16:creationId xmlns:a16="http://schemas.microsoft.com/office/drawing/2014/main" id="{A0566FA4-7A0D-9347-9D4C-6667961C2B07}"/>
+          <p:cNvPr id="49" name="Straight Arrow Connector 48">
+            <a:extLst>
+              <a:ext uri="{FF2B5EF4-FFF2-40B4-BE49-F238E27FC236}">
+                <a16:creationId xmlns:a16="http://schemas.microsoft.com/office/drawing/2014/main" id="{CDC7DC4A-5978-A24E-9217-F5FD27B497E5}"/>
               </a:ext>
             </a:extLst>
           </p:cNvPr>
@@ -11492,10 +11969,10 @@
       </p:cxnSp>
       <p:sp>
         <p:nvSpPr>
-          <p:cNvPr id="12" name="Rounded Rectangle 11">
-            <a:extLst>
-              <a:ext uri="{FF2B5EF4-FFF2-40B4-BE49-F238E27FC236}">
-                <a16:creationId xmlns:a16="http://schemas.microsoft.com/office/drawing/2014/main" id="{1A8FA66B-4F4F-6341-B599-4D64AD97C0A9}"/>
+          <p:cNvPr id="50" name="Rounded Rectangle 49">
+            <a:extLst>
+              <a:ext uri="{FF2B5EF4-FFF2-40B4-BE49-F238E27FC236}">
+                <a16:creationId xmlns:a16="http://schemas.microsoft.com/office/drawing/2014/main" id="{95C4DB98-0520-BC49-AE90-2EF1A5637942}"/>
               </a:ext>
             </a:extLst>
           </p:cNvPr>
@@ -11547,10 +12024,10 @@
       </p:sp>
       <p:cxnSp>
         <p:nvCxnSpPr>
-          <p:cNvPr id="13" name="Straight Arrow Connector 12">
-            <a:extLst>
-              <a:ext uri="{FF2B5EF4-FFF2-40B4-BE49-F238E27FC236}">
-                <a16:creationId xmlns:a16="http://schemas.microsoft.com/office/drawing/2014/main" id="{26E3324E-4537-B443-A408-263E62032076}"/>
+          <p:cNvPr id="51" name="Straight Arrow Connector 50">
+            <a:extLst>
+              <a:ext uri="{FF2B5EF4-FFF2-40B4-BE49-F238E27FC236}">
+                <a16:creationId xmlns:a16="http://schemas.microsoft.com/office/drawing/2014/main" id="{545445CF-44F2-F245-BB4E-63BC27494D7C}"/>
               </a:ext>
             </a:extLst>
           </p:cNvPr>
@@ -11591,10 +12068,10 @@
       </p:cxnSp>
       <p:sp>
         <p:nvSpPr>
-          <p:cNvPr id="14" name="TextBox 13">
-            <a:extLst>
-              <a:ext uri="{FF2B5EF4-FFF2-40B4-BE49-F238E27FC236}">
-                <a16:creationId xmlns:a16="http://schemas.microsoft.com/office/drawing/2014/main" id="{F4BB5431-8EB3-E940-8E58-C244A24ACCC5}"/>
+          <p:cNvPr id="52" name="TextBox 51">
+            <a:extLst>
+              <a:ext uri="{FF2B5EF4-FFF2-40B4-BE49-F238E27FC236}">
+                <a16:creationId xmlns:a16="http://schemas.microsoft.com/office/drawing/2014/main" id="{F7E25FAF-0F5C-174F-8100-9CF15F80099C}"/>
               </a:ext>
             </a:extLst>
           </p:cNvPr>
@@ -11618,51 +12095,27 @@
           <a:lstStyle/>
           <a:p>
             <a:r>
-              <a:rPr lang="ja-JP" altLang="en-US" sz="1200" b="1">
-                <a:solidFill>
-                  <a:schemeClr val="bg2">
-                    <a:lumMod val="90000"/>
-                  </a:schemeClr>
-                </a:solidFill>
-              </a:rPr>
+              <a:rPr lang="ja-JP" altLang="en-US" sz="1200" b="1"/>
               <a:t>⓪</a:t>
             </a:r>
             <a:r>
-              <a:rPr lang="en-US" altLang="ja-JP" sz="1200" b="1" dirty="0">
-                <a:solidFill>
-                  <a:schemeClr val="bg2">
-                    <a:lumMod val="90000"/>
-                  </a:schemeClr>
-                </a:solidFill>
-              </a:rPr>
+              <a:rPr lang="en-US" altLang="ja-JP" sz="1200" b="1" dirty="0"/>
               <a:t> </a:t>
             </a:r>
             <a:r>
-              <a:rPr lang="ja-JP" altLang="en-US" sz="1200" b="1">
-                <a:solidFill>
-                  <a:schemeClr val="bg2">
-                    <a:lumMod val="90000"/>
-                  </a:schemeClr>
-                </a:solidFill>
-              </a:rPr>
+              <a:rPr lang="ja-JP" altLang="en-US" sz="1200" b="1"/>
               <a:t>登録要求</a:t>
             </a:r>
-            <a:endParaRPr lang="en-JP" sz="1200" b="1" dirty="0">
-              <a:solidFill>
-                <a:schemeClr val="bg2">
-                  <a:lumMod val="90000"/>
-                </a:schemeClr>
-              </a:solidFill>
-            </a:endParaRPr>
-          </a:p>
-        </p:txBody>
-      </p:sp>
-      <p:sp>
-        <p:nvSpPr>
-          <p:cNvPr id="16" name="TextBox 15">
-            <a:extLst>
-              <a:ext uri="{FF2B5EF4-FFF2-40B4-BE49-F238E27FC236}">
-                <a16:creationId xmlns:a16="http://schemas.microsoft.com/office/drawing/2014/main" id="{070ED225-BE02-A14C-91BF-816B734C1B44}"/>
+            <a:endParaRPr lang="en-JP" sz="1200" b="1" dirty="0"/>
+          </a:p>
+        </p:txBody>
+      </p:sp>
+      <p:sp>
+        <p:nvSpPr>
+          <p:cNvPr id="53" name="TextBox 52">
+            <a:extLst>
+              <a:ext uri="{FF2B5EF4-FFF2-40B4-BE49-F238E27FC236}">
+                <a16:creationId xmlns:a16="http://schemas.microsoft.com/office/drawing/2014/main" id="{141F2A92-14C3-4B4D-94B6-134886A2B0D5}"/>
               </a:ext>
             </a:extLst>
           </p:cNvPr>
@@ -11702,10 +12155,10 @@
       </p:sp>
       <p:sp>
         <p:nvSpPr>
-          <p:cNvPr id="17" name="TextBox 16">
-            <a:extLst>
-              <a:ext uri="{FF2B5EF4-FFF2-40B4-BE49-F238E27FC236}">
-                <a16:creationId xmlns:a16="http://schemas.microsoft.com/office/drawing/2014/main" id="{511681B5-1931-004B-9856-198305101D77}"/>
+          <p:cNvPr id="54" name="TextBox 53">
+            <a:extLst>
+              <a:ext uri="{FF2B5EF4-FFF2-40B4-BE49-F238E27FC236}">
+                <a16:creationId xmlns:a16="http://schemas.microsoft.com/office/drawing/2014/main" id="{4C95CB67-08FF-3044-9616-A1B71FD034A1}"/>
               </a:ext>
             </a:extLst>
           </p:cNvPr>
@@ -11714,8 +12167,62 @@
         </p:nvSpPr>
         <p:spPr>
           <a:xfrm>
-            <a:off x="2849719" y="2995222"/>
-            <a:ext cx="2125967" cy="276999"/>
+            <a:off x="7158170" y="1222085"/>
+            <a:ext cx="2634439" cy="461665"/>
+          </a:xfrm>
+          <a:prstGeom prst="rect">
+            <a:avLst/>
+          </a:prstGeom>
+          <a:noFill/>
+        </p:spPr>
+        <p:txBody>
+          <a:bodyPr wrap="none" rtlCol="0">
+            <a:spAutoFit/>
+          </a:bodyPr>
+          <a:lstStyle/>
+          <a:p>
+            <a:r>
+              <a:rPr lang="en-JP" sz="1200" b="1" dirty="0">
+                <a:highlight>
+                  <a:srgbClr val="FFFF00"/>
+                </a:highlight>
+              </a:rPr>
+              <a:t>⑦ AuthenticatorAttestationResponse</a:t>
+            </a:r>
+          </a:p>
+          <a:p>
+            <a:r>
+              <a:rPr lang="ja-JP" altLang="en-US" sz="1200" b="1">
+                <a:highlight>
+                  <a:srgbClr val="FFFF00"/>
+                </a:highlight>
+              </a:rPr>
+              <a:t>　  の送付</a:t>
+            </a:r>
+            <a:endParaRPr lang="en-JP" sz="1200" b="1" dirty="0">
+              <a:highlight>
+                <a:srgbClr val="FFFF00"/>
+              </a:highlight>
+            </a:endParaRPr>
+          </a:p>
+        </p:txBody>
+      </p:sp>
+      <p:sp>
+        <p:nvSpPr>
+          <p:cNvPr id="55" name="TextBox 54">
+            <a:extLst>
+              <a:ext uri="{FF2B5EF4-FFF2-40B4-BE49-F238E27FC236}">
+                <a16:creationId xmlns:a16="http://schemas.microsoft.com/office/drawing/2014/main" id="{D41F9183-BC04-D64E-AD82-581AE918D503}"/>
+              </a:ext>
+            </a:extLst>
+          </p:cNvPr>
+          <p:cNvSpPr txBox="1"/>
+          <p:nvPr/>
+        </p:nvSpPr>
+        <p:spPr>
+          <a:xfrm>
+            <a:off x="6871424" y="3897402"/>
+            <a:ext cx="3207929" cy="461665"/>
           </a:xfrm>
           <a:prstGeom prst="rect">
             <a:avLst/>
@@ -11736,7 +12243,17 @@
                   </a:schemeClr>
                 </a:solidFill>
               </a:rPr>
-              <a:t>③Credential</a:t>
+              <a:t>④</a:t>
+            </a:r>
+            <a:r>
+              <a:rPr lang="en-US" sz="1200" b="1" dirty="0">
+                <a:solidFill>
+                  <a:schemeClr val="bg2">
+                    <a:lumMod val="90000"/>
+                  </a:schemeClr>
+                </a:solidFill>
+              </a:rPr>
+              <a:t> </a:t>
             </a:r>
             <a:r>
               <a:rPr lang="ja-JP" altLang="en-US" sz="1200" b="1">
@@ -11746,7 +12263,86 @@
                   </a:schemeClr>
                 </a:solidFill>
               </a:rPr>
-              <a:t>生成要求の送付</a:t>
+              <a:t>要求ユーザのローカル認証</a:t>
+            </a:r>
+            <a:r>
+              <a:rPr lang="en-US" altLang="ja-JP" sz="1200" b="1" dirty="0">
+                <a:solidFill>
+                  <a:schemeClr val="bg2">
+                    <a:lumMod val="90000"/>
+                  </a:schemeClr>
+                </a:solidFill>
+              </a:rPr>
+              <a:t>(PIN</a:t>
+            </a:r>
+            <a:r>
+              <a:rPr lang="ja-JP" altLang="en-US" sz="1200" b="1">
+                <a:solidFill>
+                  <a:schemeClr val="bg2">
+                    <a:lumMod val="90000"/>
+                  </a:schemeClr>
+                </a:solidFill>
+              </a:rPr>
+              <a:t>や指紋</a:t>
+            </a:r>
+            <a:r>
+              <a:rPr lang="en-US" altLang="ja-JP" sz="1200" b="1" dirty="0">
+                <a:solidFill>
+                  <a:schemeClr val="bg2">
+                    <a:lumMod val="90000"/>
+                  </a:schemeClr>
+                </a:solidFill>
+              </a:rPr>
+              <a:t>)</a:t>
+            </a:r>
+            <a:r>
+              <a:rPr lang="ja-JP" altLang="en-US" sz="1200" b="1">
+                <a:solidFill>
+                  <a:schemeClr val="bg2">
+                    <a:lumMod val="90000"/>
+                  </a:schemeClr>
+                </a:solidFill>
+              </a:rPr>
+              <a:t>、</a:t>
+            </a:r>
+            <a:br>
+              <a:rPr lang="en-US" altLang="ja-JP" sz="1200" b="1" dirty="0">
+                <a:solidFill>
+                  <a:schemeClr val="bg2">
+                    <a:lumMod val="90000"/>
+                  </a:schemeClr>
+                </a:solidFill>
+              </a:rPr>
+            </a:br>
+            <a:r>
+              <a:rPr lang="ja-JP" altLang="en-US" sz="1200" b="1">
+                <a:solidFill>
+                  <a:schemeClr val="bg2">
+                    <a:lumMod val="90000"/>
+                  </a:schemeClr>
+                </a:solidFill>
+              </a:rPr>
+              <a:t>　  </a:t>
+            </a:r>
+            <a:r>
+              <a:rPr lang="en-US" sz="1200" b="1" dirty="0">
+                <a:solidFill>
+                  <a:schemeClr val="bg2">
+                    <a:lumMod val="90000"/>
+                  </a:schemeClr>
+                </a:solidFill>
+              </a:rPr>
+              <a:t>Credential Key Pair</a:t>
+            </a:r>
+            <a:r>
+              <a:rPr lang="ja-JP" altLang="en-US" sz="1200" b="1">
+                <a:solidFill>
+                  <a:schemeClr val="bg2">
+                    <a:lumMod val="90000"/>
+                  </a:schemeClr>
+                </a:solidFill>
+              </a:rPr>
+              <a:t>の新規生成・署名付与</a:t>
             </a:r>
             <a:endParaRPr lang="en-JP" sz="1200" b="1" dirty="0">
               <a:solidFill>
@@ -11760,10 +12356,10 @@
       </p:sp>
       <p:sp>
         <p:nvSpPr>
-          <p:cNvPr id="18" name="TextBox 17">
-            <a:extLst>
-              <a:ext uri="{FF2B5EF4-FFF2-40B4-BE49-F238E27FC236}">
-                <a16:creationId xmlns:a16="http://schemas.microsoft.com/office/drawing/2014/main" id="{52733BE3-D5D4-0040-B084-BEF2BD1EE342}"/>
+          <p:cNvPr id="56" name="TextBox 55">
+            <a:extLst>
+              <a:ext uri="{FF2B5EF4-FFF2-40B4-BE49-F238E27FC236}">
+                <a16:creationId xmlns:a16="http://schemas.microsoft.com/office/drawing/2014/main" id="{0F584079-CCC8-C84D-AC2C-086BF57933AE}"/>
               </a:ext>
             </a:extLst>
           </p:cNvPr>
@@ -11772,8 +12368,76 @@
         </p:nvSpPr>
         <p:spPr>
           <a:xfrm>
-            <a:off x="7158170" y="1222085"/>
-            <a:ext cx="2634439" cy="461665"/>
+            <a:off x="7215470" y="2965539"/>
+            <a:ext cx="2004010" cy="276999"/>
+          </a:xfrm>
+          <a:prstGeom prst="rect">
+            <a:avLst/>
+          </a:prstGeom>
+          <a:noFill/>
+        </p:spPr>
+        <p:txBody>
+          <a:bodyPr wrap="none" rtlCol="0">
+            <a:spAutoFit/>
+          </a:bodyPr>
+          <a:lstStyle/>
+          <a:p>
+            <a:r>
+              <a:rPr lang="en-US" sz="1200" b="1" dirty="0">
+                <a:solidFill>
+                  <a:schemeClr val="bg2">
+                    <a:lumMod val="90000"/>
+                  </a:schemeClr>
+                </a:solidFill>
+              </a:rPr>
+              <a:t>⑤ </a:t>
+            </a:r>
+            <a:r>
+              <a:rPr lang="en-US" sz="1200" b="1" dirty="0" err="1">
+                <a:solidFill>
+                  <a:schemeClr val="bg2">
+                    <a:lumMod val="90000"/>
+                  </a:schemeClr>
+                </a:solidFill>
+              </a:rPr>
+              <a:t>attestationObject</a:t>
+            </a:r>
+            <a:r>
+              <a:rPr lang="ja-JP" altLang="en-US" sz="1200" b="1">
+                <a:solidFill>
+                  <a:schemeClr val="bg2">
+                    <a:lumMod val="90000"/>
+                  </a:schemeClr>
+                </a:solidFill>
+              </a:rPr>
+              <a:t>の送付</a:t>
+            </a:r>
+            <a:endParaRPr lang="en-JP" sz="1200" b="1" dirty="0">
+              <a:solidFill>
+                <a:schemeClr val="bg2">
+                  <a:lumMod val="90000"/>
+                </a:schemeClr>
+              </a:solidFill>
+            </a:endParaRPr>
+          </a:p>
+        </p:txBody>
+      </p:sp>
+      <p:sp>
+        <p:nvSpPr>
+          <p:cNvPr id="57" name="TextBox 56">
+            <a:extLst>
+              <a:ext uri="{FF2B5EF4-FFF2-40B4-BE49-F238E27FC236}">
+                <a16:creationId xmlns:a16="http://schemas.microsoft.com/office/drawing/2014/main" id="{D800C77F-EBE0-5844-9624-E9F1031BF669}"/>
+              </a:ext>
+            </a:extLst>
+          </p:cNvPr>
+          <p:cNvSpPr txBox="1"/>
+          <p:nvPr/>
+        </p:nvSpPr>
+        <p:spPr>
+          <a:xfrm>
+            <a:off x="7292182" y="2123346"/>
+            <a:ext cx="1670650" cy="276999"/>
           </a:xfrm>
           <a:prstGeom prst="rect">
             <a:avLst/>
@@ -11792,17 +12456,15 @@
                   <a:srgbClr val="FFFF00"/>
                 </a:highlight>
               </a:rPr>
-              <a:t>⑦ AuthenticatorAttestationResponse</a:t>
-            </a:r>
-          </a:p>
-          <a:p>
+              <a:t>⑥ RP</a:t>
+            </a:r>
             <a:r>
               <a:rPr lang="ja-JP" altLang="en-US" sz="1200" b="1">
                 <a:highlight>
                   <a:srgbClr val="FFFF00"/>
                 </a:highlight>
               </a:rPr>
-              <a:t>　  の送付</a:t>
+              <a:t>への応答の生成</a:t>
             </a:r>
             <a:endParaRPr lang="en-JP" sz="1200" b="1" dirty="0">
               <a:highlight>
@@ -11814,10 +12476,10 @@
       </p:sp>
       <p:sp>
         <p:nvSpPr>
-          <p:cNvPr id="20" name="TextBox 19">
-            <a:extLst>
-              <a:ext uri="{FF2B5EF4-FFF2-40B4-BE49-F238E27FC236}">
-                <a16:creationId xmlns:a16="http://schemas.microsoft.com/office/drawing/2014/main" id="{A1269EB4-2697-534A-B26E-312359FF4FC5}"/>
+          <p:cNvPr id="58" name="TextBox 57">
+            <a:extLst>
+              <a:ext uri="{FF2B5EF4-FFF2-40B4-BE49-F238E27FC236}">
+                <a16:creationId xmlns:a16="http://schemas.microsoft.com/office/drawing/2014/main" id="{A9BD28F5-A1AD-494C-9139-FA39A4D8D45A}"/>
               </a:ext>
             </a:extLst>
           </p:cNvPr>
@@ -11826,8 +12488,8 @@
         </p:nvSpPr>
         <p:spPr>
           <a:xfrm>
-            <a:off x="6707725" y="3909303"/>
-            <a:ext cx="3207929" cy="461665"/>
+            <a:off x="7186501" y="84255"/>
+            <a:ext cx="2771040" cy="461665"/>
           </a:xfrm>
           <a:prstGeom prst="rect">
             <a:avLst/>
@@ -11835,190 +12497,7 @@
           <a:noFill/>
         </p:spPr>
         <p:txBody>
-          <a:bodyPr wrap="none" rtlCol="0">
-            <a:spAutoFit/>
-          </a:bodyPr>
-          <a:lstStyle/>
-          <a:p>
-            <a:r>
-              <a:rPr lang="en-JP" sz="1200" b="1" dirty="0">
-                <a:solidFill>
-                  <a:schemeClr val="bg2"/>
-                </a:solidFill>
-              </a:rPr>
-              <a:t>④</a:t>
-            </a:r>
-            <a:r>
-              <a:rPr lang="en-US" sz="1200" b="1" dirty="0">
-                <a:solidFill>
-                  <a:schemeClr val="bg2"/>
-                </a:solidFill>
-              </a:rPr>
-              <a:t> </a:t>
-            </a:r>
-            <a:r>
-              <a:rPr lang="ja-JP" altLang="en-US" sz="1200" b="1">
-                <a:solidFill>
-                  <a:schemeClr val="bg2"/>
-                </a:solidFill>
-              </a:rPr>
-              <a:t>要求ユーザのローカル認証</a:t>
-            </a:r>
-            <a:r>
-              <a:rPr lang="en-US" altLang="ja-JP" sz="1200" b="1" dirty="0">
-                <a:solidFill>
-                  <a:schemeClr val="bg2"/>
-                </a:solidFill>
-              </a:rPr>
-              <a:t>(PIN</a:t>
-            </a:r>
-            <a:r>
-              <a:rPr lang="ja-JP" altLang="en-US" sz="1200" b="1">
-                <a:solidFill>
-                  <a:schemeClr val="bg2"/>
-                </a:solidFill>
-              </a:rPr>
-              <a:t>や指紋</a:t>
-            </a:r>
-            <a:r>
-              <a:rPr lang="en-US" altLang="ja-JP" sz="1200" b="1" dirty="0">
-                <a:solidFill>
-                  <a:schemeClr val="bg2"/>
-                </a:solidFill>
-              </a:rPr>
-              <a:t>)</a:t>
-            </a:r>
-            <a:r>
-              <a:rPr lang="ja-JP" altLang="en-US" sz="1200" b="1">
-                <a:solidFill>
-                  <a:schemeClr val="bg2"/>
-                </a:solidFill>
-              </a:rPr>
-              <a:t>、</a:t>
-            </a:r>
-            <a:br>
-              <a:rPr lang="en-US" altLang="ja-JP" sz="1200" b="1" dirty="0">
-                <a:solidFill>
-                  <a:schemeClr val="bg2"/>
-                </a:solidFill>
-              </a:rPr>
-            </a:br>
-            <a:r>
-              <a:rPr lang="ja-JP" altLang="en-US" sz="1200" b="1">
-                <a:solidFill>
-                  <a:schemeClr val="bg2"/>
-                </a:solidFill>
-              </a:rPr>
-              <a:t>　  </a:t>
-            </a:r>
-            <a:r>
-              <a:rPr lang="en-US" sz="1200" b="1" dirty="0">
-                <a:solidFill>
-                  <a:schemeClr val="bg2"/>
-                </a:solidFill>
-              </a:rPr>
-              <a:t>Credential Key Pair</a:t>
-            </a:r>
-            <a:r>
-              <a:rPr lang="ja-JP" altLang="en-US" sz="1200" b="1">
-                <a:solidFill>
-                  <a:schemeClr val="bg2"/>
-                </a:solidFill>
-              </a:rPr>
-              <a:t>の新規生成・署名付与</a:t>
-            </a:r>
-            <a:endParaRPr lang="en-JP" sz="1200" b="1" dirty="0">
-              <a:solidFill>
-                <a:schemeClr val="bg2"/>
-              </a:solidFill>
-            </a:endParaRPr>
-          </a:p>
-        </p:txBody>
-      </p:sp>
-      <p:sp>
-        <p:nvSpPr>
-          <p:cNvPr id="21" name="TextBox 20">
-            <a:extLst>
-              <a:ext uri="{FF2B5EF4-FFF2-40B4-BE49-F238E27FC236}">
-                <a16:creationId xmlns:a16="http://schemas.microsoft.com/office/drawing/2014/main" id="{2A1A0A65-4FC6-7343-A487-93B65FE2AE12}"/>
-              </a:ext>
-            </a:extLst>
-          </p:cNvPr>
-          <p:cNvSpPr txBox="1"/>
-          <p:nvPr/>
-        </p:nvSpPr>
-        <p:spPr>
-          <a:xfrm>
-            <a:off x="7215470" y="2965539"/>
-            <a:ext cx="2004010" cy="276999"/>
-          </a:xfrm>
-          <a:prstGeom prst="rect">
-            <a:avLst/>
-          </a:prstGeom>
-          <a:noFill/>
-        </p:spPr>
-        <p:txBody>
-          <a:bodyPr wrap="none" rtlCol="0">
-            <a:spAutoFit/>
-          </a:bodyPr>
-          <a:lstStyle/>
-          <a:p>
-            <a:r>
-              <a:rPr lang="en-US" sz="1200" b="1" dirty="0">
-                <a:solidFill>
-                  <a:schemeClr val="bg2"/>
-                </a:solidFill>
-              </a:rPr>
-              <a:t>⑤ </a:t>
-            </a:r>
-            <a:r>
-              <a:rPr lang="en-US" sz="1200" b="1" dirty="0" err="1">
-                <a:solidFill>
-                  <a:schemeClr val="bg2"/>
-                </a:solidFill>
-              </a:rPr>
-              <a:t>attestationObject</a:t>
-            </a:r>
-            <a:r>
-              <a:rPr lang="ja-JP" altLang="en-US" sz="1200" b="1">
-                <a:solidFill>
-                  <a:schemeClr val="bg2"/>
-                </a:solidFill>
-              </a:rPr>
-              <a:t>の送付</a:t>
-            </a:r>
-            <a:endParaRPr lang="en-JP" sz="1200" b="1" dirty="0">
-              <a:solidFill>
-                <a:schemeClr val="bg2"/>
-              </a:solidFill>
-            </a:endParaRPr>
-          </a:p>
-        </p:txBody>
-      </p:sp>
-      <p:sp>
-        <p:nvSpPr>
-          <p:cNvPr id="22" name="TextBox 21">
-            <a:extLst>
-              <a:ext uri="{FF2B5EF4-FFF2-40B4-BE49-F238E27FC236}">
-                <a16:creationId xmlns:a16="http://schemas.microsoft.com/office/drawing/2014/main" id="{AB4378D1-3D72-0443-A137-64E51F2AEE9F}"/>
-              </a:ext>
-            </a:extLst>
-          </p:cNvPr>
-          <p:cNvSpPr txBox="1"/>
-          <p:nvPr/>
-        </p:nvSpPr>
-        <p:spPr>
-          <a:xfrm>
-            <a:off x="7292182" y="2123346"/>
-            <a:ext cx="1670650" cy="276999"/>
-          </a:xfrm>
-          <a:prstGeom prst="rect">
-            <a:avLst/>
-          </a:prstGeom>
-          <a:noFill/>
-        </p:spPr>
-        <p:txBody>
-          <a:bodyPr wrap="none" rtlCol="0">
+          <a:bodyPr wrap="square" rtlCol="0">
             <a:spAutoFit/>
           </a:bodyPr>
           <a:lstStyle/>
@@ -12029,7 +12508,7 @@
                   <a:srgbClr val="FFFF00"/>
                 </a:highlight>
               </a:rPr>
-              <a:t>⑥ RP</a:t>
+              <a:t>⑧</a:t>
             </a:r>
             <a:r>
               <a:rPr lang="ja-JP" altLang="en-US" sz="1200" b="1">
@@ -12037,7 +12516,70 @@
                   <a:srgbClr val="FFFF00"/>
                 </a:highlight>
               </a:rPr>
-              <a:t>への応答の生成</a:t>
+              <a:t> </a:t>
+            </a:r>
+            <a:r>
+              <a:rPr lang="en-US" altLang="ja-JP" sz="1200" b="1" dirty="0" err="1">
+                <a:highlight>
+                  <a:srgbClr val="FFFF00"/>
+                </a:highlight>
+              </a:rPr>
+              <a:t>AttestationResponse</a:t>
+            </a:r>
+            <a:r>
+              <a:rPr lang="ja-JP" altLang="en-US" sz="1200" b="1">
+                <a:highlight>
+                  <a:srgbClr val="FFFF00"/>
+                </a:highlight>
+              </a:rPr>
+              <a:t>の検証</a:t>
+            </a:r>
+            <a:endParaRPr lang="en-US" altLang="ja-JP" sz="1200" b="1" dirty="0">
+              <a:highlight>
+                <a:srgbClr val="FFFF00"/>
+              </a:highlight>
+            </a:endParaRPr>
+          </a:p>
+          <a:p>
+            <a:r>
+              <a:rPr lang="ja-JP" altLang="en-US" sz="1200" b="1">
+                <a:highlight>
+                  <a:srgbClr val="FFFF00"/>
+                </a:highlight>
+              </a:rPr>
+              <a:t>　  </a:t>
+            </a:r>
+            <a:r>
+              <a:rPr lang="en-US" altLang="ja-JP" sz="1200" b="1" dirty="0">
+                <a:highlight>
+                  <a:srgbClr val="FFFF00"/>
+                </a:highlight>
+              </a:rPr>
+              <a:t>Attested</a:t>
+            </a:r>
+            <a:r>
+              <a:rPr lang="ja-JP" altLang="en-US" sz="1200" b="1">
+                <a:highlight>
+                  <a:srgbClr val="FFFF00"/>
+                </a:highlight>
+              </a:rPr>
+              <a:t> </a:t>
+            </a:r>
+            <a:r>
+              <a:rPr lang="en-US" altLang="ja-JP" sz="1200" b="1" dirty="0">
+                <a:highlight>
+                  <a:srgbClr val="FFFF00"/>
+                </a:highlight>
+              </a:rPr>
+              <a:t>Credential Public Key</a:t>
+            </a:r>
+            <a:r>
+              <a:rPr lang="ja-JP" altLang="en-US" sz="1200" b="1">
+                <a:highlight>
+                  <a:srgbClr val="FFFF00"/>
+                </a:highlight>
+              </a:rPr>
+              <a:t>の登録</a:t>
             </a:r>
             <a:endParaRPr lang="en-JP" sz="1200" b="1" dirty="0">
               <a:highlight>
@@ -12047,111 +12589,12 @@
           </a:p>
         </p:txBody>
       </p:sp>
-      <p:sp>
-        <p:nvSpPr>
-          <p:cNvPr id="23" name="TextBox 22">
-            <a:extLst>
-              <a:ext uri="{FF2B5EF4-FFF2-40B4-BE49-F238E27FC236}">
-                <a16:creationId xmlns:a16="http://schemas.microsoft.com/office/drawing/2014/main" id="{A4AD18DD-7940-D446-A3F4-E64DF3918033}"/>
-              </a:ext>
-            </a:extLst>
-          </p:cNvPr>
-          <p:cNvSpPr txBox="1"/>
-          <p:nvPr/>
-        </p:nvSpPr>
-        <p:spPr>
-          <a:xfrm>
-            <a:off x="7186501" y="84255"/>
-            <a:ext cx="2264730" cy="461665"/>
-          </a:xfrm>
-          <a:prstGeom prst="rect">
-            <a:avLst/>
-          </a:prstGeom>
-          <a:noFill/>
-        </p:spPr>
-        <p:txBody>
-          <a:bodyPr wrap="square" rtlCol="0">
-            <a:spAutoFit/>
-          </a:bodyPr>
-          <a:lstStyle/>
-          <a:p>
-            <a:r>
-              <a:rPr lang="en-JP" sz="1200" b="1" dirty="0">
-                <a:highlight>
-                  <a:srgbClr val="FFFF00"/>
-                </a:highlight>
-              </a:rPr>
-              <a:t>⑧</a:t>
-            </a:r>
-            <a:r>
-              <a:rPr lang="ja-JP" altLang="en-US" sz="1200" b="1">
-                <a:highlight>
-                  <a:srgbClr val="FFFF00"/>
-                </a:highlight>
-              </a:rPr>
-              <a:t> </a:t>
-            </a:r>
-            <a:r>
-              <a:rPr lang="en-US" altLang="ja-JP" sz="1200" b="1" dirty="0" err="1">
-                <a:highlight>
-                  <a:srgbClr val="FFFF00"/>
-                </a:highlight>
-              </a:rPr>
-              <a:t>AttestationResponse</a:t>
-            </a:r>
-            <a:r>
-              <a:rPr lang="ja-JP" altLang="en-US" sz="1200" b="1">
-                <a:highlight>
-                  <a:srgbClr val="FFFF00"/>
-                </a:highlight>
-              </a:rPr>
-              <a:t>の検証</a:t>
-            </a:r>
-            <a:endParaRPr lang="en-US" altLang="ja-JP" sz="1200" b="1" dirty="0">
-              <a:highlight>
-                <a:srgbClr val="FFFF00"/>
-              </a:highlight>
-            </a:endParaRPr>
-          </a:p>
-          <a:p>
-            <a:r>
-              <a:rPr lang="ja-JP" altLang="en-US" sz="1200" b="1">
-                <a:highlight>
-                  <a:srgbClr val="FFFF00"/>
-                </a:highlight>
-              </a:rPr>
-              <a:t>　   </a:t>
-            </a:r>
-            <a:r>
-              <a:rPr lang="en-US" altLang="ja-JP" sz="1200" b="1" dirty="0">
-                <a:highlight>
-                  <a:srgbClr val="FFFF00"/>
-                </a:highlight>
-              </a:rPr>
-              <a:t>Credential Certificate</a:t>
-            </a:r>
-            <a:r>
-              <a:rPr lang="ja-JP" altLang="en-US" sz="1200" b="1">
-                <a:highlight>
-                  <a:srgbClr val="FFFF00"/>
-                </a:highlight>
-              </a:rPr>
-              <a:t>登録</a:t>
-            </a:r>
-            <a:endParaRPr lang="en-JP" sz="1200" b="1" dirty="0">
-              <a:highlight>
-                <a:srgbClr val="FFFF00"/>
-              </a:highlight>
-            </a:endParaRPr>
-          </a:p>
-        </p:txBody>
-      </p:sp>
       <p:pic>
         <p:nvPicPr>
-          <p:cNvPr id="29" name="Picture 28">
-            <a:extLst>
-              <a:ext uri="{FF2B5EF4-FFF2-40B4-BE49-F238E27FC236}">
-                <a16:creationId xmlns:a16="http://schemas.microsoft.com/office/drawing/2014/main" id="{7368AD10-BA72-2548-BD8D-481A34498B6D}"/>
+          <p:cNvPr id="59" name="Picture 58">
+            <a:extLst>
+              <a:ext uri="{FF2B5EF4-FFF2-40B4-BE49-F238E27FC236}">
+                <a16:creationId xmlns:a16="http://schemas.microsoft.com/office/drawing/2014/main" id="{506A1C7D-2727-C742-A68C-573DAF24A38F}"/>
               </a:ext>
             </a:extLst>
           </p:cNvPr>
@@ -12168,20 +12611,107 @@
         </p:blipFill>
         <p:spPr>
           <a:xfrm>
-            <a:off x="5651832" y="3907718"/>
-            <a:ext cx="369490" cy="461665"/>
+            <a:off x="4530619" y="3956613"/>
+            <a:ext cx="407646" cy="407646"/>
           </a:xfrm>
           <a:prstGeom prst="rect">
             <a:avLst/>
           </a:prstGeom>
         </p:spPr>
       </p:pic>
+      <p:sp>
+        <p:nvSpPr>
+          <p:cNvPr id="60" name="TextBox 59">
+            <a:extLst>
+              <a:ext uri="{FF2B5EF4-FFF2-40B4-BE49-F238E27FC236}">
+                <a16:creationId xmlns:a16="http://schemas.microsoft.com/office/drawing/2014/main" id="{8DE1EE2B-AC8F-204A-9543-80B38BC764A0}"/>
+              </a:ext>
+            </a:extLst>
+          </p:cNvPr>
+          <p:cNvSpPr txBox="1"/>
+          <p:nvPr/>
+        </p:nvSpPr>
+        <p:spPr>
+          <a:xfrm>
+            <a:off x="4836191" y="3937811"/>
+            <a:ext cx="838691" cy="430887"/>
+          </a:xfrm>
+          <a:prstGeom prst="rect">
+            <a:avLst/>
+          </a:prstGeom>
+          <a:noFill/>
+        </p:spPr>
+        <p:txBody>
+          <a:bodyPr wrap="none" rtlCol="0">
+            <a:spAutoFit/>
+          </a:bodyPr>
+          <a:lstStyle/>
+          <a:p>
+            <a:pPr algn="ctr"/>
+            <a:r>
+              <a:rPr lang="en-US" altLang="ja-JP" sz="1100" b="1" dirty="0"/>
+              <a:t>Credential</a:t>
+            </a:r>
+          </a:p>
+          <a:p>
+            <a:pPr algn="ctr"/>
+            <a:r>
+              <a:rPr lang="en-US" altLang="ja-JP" sz="1100" b="1" dirty="0"/>
+              <a:t>Private key</a:t>
+            </a:r>
+            <a:endParaRPr lang="en-JP" sz="1100" b="1" dirty="0"/>
+          </a:p>
+        </p:txBody>
+      </p:sp>
+      <p:sp>
+        <p:nvSpPr>
+          <p:cNvPr id="61" name="TextBox 60">
+            <a:extLst>
+              <a:ext uri="{FF2B5EF4-FFF2-40B4-BE49-F238E27FC236}">
+                <a16:creationId xmlns:a16="http://schemas.microsoft.com/office/drawing/2014/main" id="{D1B4723A-4A5E-FC47-A860-6AB72941596B}"/>
+              </a:ext>
+            </a:extLst>
+          </p:cNvPr>
+          <p:cNvSpPr txBox="1"/>
+          <p:nvPr/>
+        </p:nvSpPr>
+        <p:spPr>
+          <a:xfrm>
+            <a:off x="6190972" y="3944992"/>
+            <a:ext cx="790601" cy="430887"/>
+          </a:xfrm>
+          <a:prstGeom prst="rect">
+            <a:avLst/>
+          </a:prstGeom>
+          <a:noFill/>
+        </p:spPr>
+        <p:txBody>
+          <a:bodyPr wrap="none" rtlCol="0">
+            <a:spAutoFit/>
+          </a:bodyPr>
+          <a:lstStyle/>
+          <a:p>
+            <a:pPr algn="ctr"/>
+            <a:r>
+              <a:rPr lang="en-US" altLang="ja-JP" sz="1100" b="1" dirty="0"/>
+              <a:t>Credential</a:t>
+            </a:r>
+            <a:br>
+              <a:rPr lang="en-US" altLang="ja-JP" sz="1100" b="1" dirty="0"/>
+            </a:br>
+            <a:r>
+              <a:rPr lang="en-US" altLang="ja-JP" sz="1100" b="1" dirty="0"/>
+              <a:t>Public Key</a:t>
+            </a:r>
+          </a:p>
+        </p:txBody>
+      </p:sp>
       <p:pic>
         <p:nvPicPr>
-          <p:cNvPr id="30" name="Picture 29">
-            <a:extLst>
-              <a:ext uri="{FF2B5EF4-FFF2-40B4-BE49-F238E27FC236}">
-                <a16:creationId xmlns:a16="http://schemas.microsoft.com/office/drawing/2014/main" id="{9DE219C0-1324-D14E-BEE1-126EAD00A687}"/>
+          <p:cNvPr id="62" name="Picture 61">
+            <a:extLst>
+              <a:ext uri="{FF2B5EF4-FFF2-40B4-BE49-F238E27FC236}">
+                <a16:creationId xmlns:a16="http://schemas.microsoft.com/office/drawing/2014/main" id="{D9E80778-6F1D-9840-866B-544641B17ABF}"/>
               </a:ext>
             </a:extLst>
           </p:cNvPr>
@@ -12198,20 +12728,31 @@
         </p:blipFill>
         <p:spPr>
           <a:xfrm>
-            <a:off x="5651831" y="3983789"/>
-            <a:ext cx="342327" cy="342327"/>
+            <a:off x="5651831" y="4219422"/>
+            <a:ext cx="539141" cy="125963"/>
           </a:xfrm>
           <a:prstGeom prst="rect">
             <a:avLst/>
           </a:prstGeom>
+          <a:solidFill>
+            <a:schemeClr val="accent6">
+              <a:lumMod val="20000"/>
+              <a:lumOff val="80000"/>
+            </a:schemeClr>
+          </a:solidFill>
+          <a:ln w="38100">
+            <a:solidFill>
+              <a:schemeClr val="accent6"/>
+            </a:solidFill>
+          </a:ln>
         </p:spPr>
       </p:pic>
       <p:pic>
         <p:nvPicPr>
-          <p:cNvPr id="31" name="Picture 30">
-            <a:extLst>
-              <a:ext uri="{FF2B5EF4-FFF2-40B4-BE49-F238E27FC236}">
-                <a16:creationId xmlns:a16="http://schemas.microsoft.com/office/drawing/2014/main" id="{A66662D6-03CB-AB4A-87F8-3041B461665C}"/>
+          <p:cNvPr id="63" name="Picture 62">
+            <a:extLst>
+              <a:ext uri="{FF2B5EF4-FFF2-40B4-BE49-F238E27FC236}">
+                <a16:creationId xmlns:a16="http://schemas.microsoft.com/office/drawing/2014/main" id="{FD28105D-425E-C447-B10E-8D8E0B446695}"/>
               </a:ext>
             </a:extLst>
           </p:cNvPr>
@@ -12228,125 +12769,8 @@
         </p:blipFill>
         <p:spPr>
           <a:xfrm>
-            <a:off x="4530619" y="3956613"/>
-            <a:ext cx="407646" cy="407646"/>
-          </a:xfrm>
-          <a:prstGeom prst="rect">
-            <a:avLst/>
-          </a:prstGeom>
-        </p:spPr>
-      </p:pic>
-      <p:sp>
-        <p:nvSpPr>
-          <p:cNvPr id="32" name="TextBox 31">
-            <a:extLst>
-              <a:ext uri="{FF2B5EF4-FFF2-40B4-BE49-F238E27FC236}">
-                <a16:creationId xmlns:a16="http://schemas.microsoft.com/office/drawing/2014/main" id="{969BED74-38CB-4148-881C-135F38EE66F3}"/>
-              </a:ext>
-            </a:extLst>
-          </p:cNvPr>
-          <p:cNvSpPr txBox="1"/>
-          <p:nvPr/>
-        </p:nvSpPr>
-        <p:spPr>
-          <a:xfrm>
-            <a:off x="4836191" y="3937811"/>
-            <a:ext cx="838691" cy="430887"/>
-          </a:xfrm>
-          <a:prstGeom prst="rect">
-            <a:avLst/>
-          </a:prstGeom>
-          <a:noFill/>
-        </p:spPr>
-        <p:txBody>
-          <a:bodyPr wrap="none" rtlCol="0">
-            <a:spAutoFit/>
-          </a:bodyPr>
-          <a:lstStyle/>
-          <a:p>
-            <a:pPr algn="ctr"/>
-            <a:r>
-              <a:rPr lang="en-US" altLang="ja-JP" sz="1100" b="1" dirty="0"/>
-              <a:t>Credential</a:t>
-            </a:r>
-          </a:p>
-          <a:p>
-            <a:pPr algn="ctr"/>
-            <a:r>
-              <a:rPr lang="en-US" altLang="ja-JP" sz="1100" b="1" dirty="0"/>
-              <a:t>Private key</a:t>
-            </a:r>
-            <a:endParaRPr lang="en-JP" sz="1100" b="1" dirty="0"/>
-          </a:p>
-        </p:txBody>
-      </p:sp>
-      <p:sp>
-        <p:nvSpPr>
-          <p:cNvPr id="33" name="TextBox 32">
-            <a:extLst>
-              <a:ext uri="{FF2B5EF4-FFF2-40B4-BE49-F238E27FC236}">
-                <a16:creationId xmlns:a16="http://schemas.microsoft.com/office/drawing/2014/main" id="{635EA6E4-C0ED-A74A-B366-C5D526D7F5B8}"/>
-              </a:ext>
-            </a:extLst>
-          </p:cNvPr>
-          <p:cNvSpPr txBox="1"/>
-          <p:nvPr/>
-        </p:nvSpPr>
-        <p:spPr>
-          <a:xfrm>
-            <a:off x="5980454" y="3933768"/>
-            <a:ext cx="790601" cy="430887"/>
-          </a:xfrm>
-          <a:prstGeom prst="rect">
-            <a:avLst/>
-          </a:prstGeom>
-          <a:noFill/>
-        </p:spPr>
-        <p:txBody>
-          <a:bodyPr wrap="none" rtlCol="0">
-            <a:spAutoFit/>
-          </a:bodyPr>
-          <a:lstStyle/>
-          <a:p>
-            <a:pPr algn="ctr"/>
-            <a:r>
-              <a:rPr lang="en-US" altLang="ja-JP" sz="1100" b="1" dirty="0"/>
-              <a:t>Credential</a:t>
-            </a:r>
-            <a:br>
-              <a:rPr lang="en-US" altLang="ja-JP" sz="1100" b="1" dirty="0"/>
-            </a:br>
-            <a:r>
-              <a:rPr lang="en-US" altLang="ja-JP" sz="1100" b="1" dirty="0"/>
-              <a:t>Certificate</a:t>
-            </a:r>
-          </a:p>
-        </p:txBody>
-      </p:sp>
-      <p:pic>
-        <p:nvPicPr>
-          <p:cNvPr id="37" name="Picture 36">
-            <a:extLst>
-              <a:ext uri="{FF2B5EF4-FFF2-40B4-BE49-F238E27FC236}">
-                <a16:creationId xmlns:a16="http://schemas.microsoft.com/office/drawing/2014/main" id="{0BF9C03C-22E7-3A49-8433-C0F077261303}"/>
-              </a:ext>
-            </a:extLst>
-          </p:cNvPr>
-          <p:cNvPicPr>
-            <a:picLocks noChangeAspect="1"/>
-          </p:cNvPicPr>
-          <p:nvPr/>
-        </p:nvPicPr>
-        <p:blipFill>
-          <a:blip r:embed="rId3"/>
-          <a:stretch>
-            <a:fillRect/>
-          </a:stretch>
-        </p:blipFill>
-        <p:spPr>
-          <a:xfrm>
-            <a:off x="6845980" y="2849410"/>
-            <a:ext cx="369490" cy="461665"/>
+            <a:off x="5765474" y="3940076"/>
+            <a:ext cx="342327" cy="342327"/>
           </a:xfrm>
           <a:prstGeom prst="rect">
             <a:avLst/>
@@ -12355,10 +12779,10 @@
       </p:pic>
       <p:pic>
         <p:nvPicPr>
-          <p:cNvPr id="38" name="Picture 37">
-            <a:extLst>
-              <a:ext uri="{FF2B5EF4-FFF2-40B4-BE49-F238E27FC236}">
-                <a16:creationId xmlns:a16="http://schemas.microsoft.com/office/drawing/2014/main" id="{7AABA3A2-EE0C-A645-950B-120C01208E76}"/>
+          <p:cNvPr id="64" name="Picture 63">
+            <a:extLst>
+              <a:ext uri="{FF2B5EF4-FFF2-40B4-BE49-F238E27FC236}">
+                <a16:creationId xmlns:a16="http://schemas.microsoft.com/office/drawing/2014/main" id="{175F950E-3548-BE49-A44A-F469BD743EC5}"/>
               </a:ext>
             </a:extLst>
           </p:cNvPr>
@@ -12375,20 +12799,31 @@
         </p:blipFill>
         <p:spPr>
           <a:xfrm>
-            <a:off x="6845979" y="2925481"/>
-            <a:ext cx="342327" cy="342327"/>
+            <a:off x="6704038" y="3126189"/>
+            <a:ext cx="539141" cy="125963"/>
           </a:xfrm>
           <a:prstGeom prst="rect">
             <a:avLst/>
           </a:prstGeom>
+          <a:solidFill>
+            <a:schemeClr val="accent6">
+              <a:lumMod val="20000"/>
+              <a:lumOff val="80000"/>
+            </a:schemeClr>
+          </a:solidFill>
+          <a:ln w="38100">
+            <a:solidFill>
+              <a:schemeClr val="accent6"/>
+            </a:solidFill>
+          </a:ln>
         </p:spPr>
       </p:pic>
       <p:pic>
         <p:nvPicPr>
-          <p:cNvPr id="39" name="Picture 38">
-            <a:extLst>
-              <a:ext uri="{FF2B5EF4-FFF2-40B4-BE49-F238E27FC236}">
-                <a16:creationId xmlns:a16="http://schemas.microsoft.com/office/drawing/2014/main" id="{EAEAAB36-75E2-2D47-A977-EDF19F60A327}"/>
+          <p:cNvPr id="65" name="Picture 64">
+            <a:extLst>
+              <a:ext uri="{FF2B5EF4-FFF2-40B4-BE49-F238E27FC236}">
+                <a16:creationId xmlns:a16="http://schemas.microsoft.com/office/drawing/2014/main" id="{828EFF83-BF76-0D4A-9D14-F94B7E1637C1}"/>
               </a:ext>
             </a:extLst>
           </p:cNvPr>
@@ -12398,15 +12833,15 @@
           <p:nvPr/>
         </p:nvPicPr>
         <p:blipFill>
-          <a:blip r:embed="rId3"/>
+          <a:blip r:embed="rId5"/>
           <a:stretch>
             <a:fillRect/>
           </a:stretch>
         </p:blipFill>
         <p:spPr>
           <a:xfrm>
-            <a:off x="6844175" y="1157877"/>
-            <a:ext cx="369490" cy="461665"/>
+            <a:off x="6817681" y="2846843"/>
+            <a:ext cx="342327" cy="342327"/>
           </a:xfrm>
           <a:prstGeom prst="rect">
             <a:avLst/>
@@ -12415,10 +12850,10 @@
       </p:pic>
       <p:pic>
         <p:nvPicPr>
-          <p:cNvPr id="40" name="Picture 39">
-            <a:extLst>
-              <a:ext uri="{FF2B5EF4-FFF2-40B4-BE49-F238E27FC236}">
-                <a16:creationId xmlns:a16="http://schemas.microsoft.com/office/drawing/2014/main" id="{3E319ED5-4EEC-E049-93AA-C8BF14A935E8}"/>
+          <p:cNvPr id="66" name="Picture 65">
+            <a:extLst>
+              <a:ext uri="{FF2B5EF4-FFF2-40B4-BE49-F238E27FC236}">
+                <a16:creationId xmlns:a16="http://schemas.microsoft.com/office/drawing/2014/main" id="{7AABA199-67C0-4E4E-BF43-45EA5615CDE0}"/>
               </a:ext>
             </a:extLst>
           </p:cNvPr>
@@ -12435,20 +12870,31 @@
         </p:blipFill>
         <p:spPr>
           <a:xfrm>
-            <a:off x="6844174" y="1233948"/>
-            <a:ext cx="342327" cy="342327"/>
+            <a:off x="6696766" y="1436908"/>
+            <a:ext cx="539141" cy="125963"/>
           </a:xfrm>
           <a:prstGeom prst="rect">
             <a:avLst/>
           </a:prstGeom>
+          <a:solidFill>
+            <a:schemeClr val="accent6">
+              <a:lumMod val="20000"/>
+              <a:lumOff val="80000"/>
+            </a:schemeClr>
+          </a:solidFill>
+          <a:ln w="38100">
+            <a:solidFill>
+              <a:schemeClr val="accent6"/>
+            </a:solidFill>
+          </a:ln>
         </p:spPr>
       </p:pic>
       <p:pic>
         <p:nvPicPr>
-          <p:cNvPr id="41" name="Picture 40">
-            <a:extLst>
-              <a:ext uri="{FF2B5EF4-FFF2-40B4-BE49-F238E27FC236}">
-                <a16:creationId xmlns:a16="http://schemas.microsoft.com/office/drawing/2014/main" id="{5280AB8C-F5A4-5940-8ABF-B330E0A290B1}"/>
+          <p:cNvPr id="67" name="Picture 66">
+            <a:extLst>
+              <a:ext uri="{FF2B5EF4-FFF2-40B4-BE49-F238E27FC236}">
+                <a16:creationId xmlns:a16="http://schemas.microsoft.com/office/drawing/2014/main" id="{8BBD60AB-BC86-F343-A1A9-EAB40F8B2297}"/>
               </a:ext>
             </a:extLst>
           </p:cNvPr>
@@ -12458,15 +12904,15 @@
           <p:nvPr/>
         </p:nvPicPr>
         <p:blipFill>
-          <a:blip r:embed="rId3"/>
+          <a:blip r:embed="rId5"/>
           <a:stretch>
             <a:fillRect/>
           </a:stretch>
         </p:blipFill>
         <p:spPr>
           <a:xfrm>
-            <a:off x="6856227" y="69719"/>
-            <a:ext cx="369490" cy="461665"/>
+            <a:off x="6810409" y="1157562"/>
+            <a:ext cx="342327" cy="342327"/>
           </a:xfrm>
           <a:prstGeom prst="rect">
             <a:avLst/>
@@ -12475,10 +12921,10 @@
       </p:pic>
       <p:pic>
         <p:nvPicPr>
-          <p:cNvPr id="42" name="Picture 41">
-            <a:extLst>
-              <a:ext uri="{FF2B5EF4-FFF2-40B4-BE49-F238E27FC236}">
-                <a16:creationId xmlns:a16="http://schemas.microsoft.com/office/drawing/2014/main" id="{4A776D00-91B5-2F4D-84A9-7B951965CAB1}"/>
+          <p:cNvPr id="68" name="Picture 67">
+            <a:extLst>
+              <a:ext uri="{FF2B5EF4-FFF2-40B4-BE49-F238E27FC236}">
+                <a16:creationId xmlns:a16="http://schemas.microsoft.com/office/drawing/2014/main" id="{22EF4067-CD77-9542-B04C-6D2D1088DE50}"/>
               </a:ext>
             </a:extLst>
           </p:cNvPr>
@@ -12495,7 +12941,48 @@
         </p:blipFill>
         <p:spPr>
           <a:xfrm>
-            <a:off x="6856226" y="145790"/>
+            <a:off x="6708028" y="371413"/>
+            <a:ext cx="539141" cy="125963"/>
+          </a:xfrm>
+          <a:prstGeom prst="rect">
+            <a:avLst/>
+          </a:prstGeom>
+          <a:solidFill>
+            <a:schemeClr val="accent6">
+              <a:lumMod val="20000"/>
+              <a:lumOff val="80000"/>
+            </a:schemeClr>
+          </a:solidFill>
+          <a:ln w="38100">
+            <a:solidFill>
+              <a:schemeClr val="accent6"/>
+            </a:solidFill>
+          </a:ln>
+        </p:spPr>
+      </p:pic>
+      <p:pic>
+        <p:nvPicPr>
+          <p:cNvPr id="69" name="Picture 68">
+            <a:extLst>
+              <a:ext uri="{FF2B5EF4-FFF2-40B4-BE49-F238E27FC236}">
+                <a16:creationId xmlns:a16="http://schemas.microsoft.com/office/drawing/2014/main" id="{43D771EB-F0C4-C143-BBD7-8BC07C4D6046}"/>
+              </a:ext>
+            </a:extLst>
+          </p:cNvPr>
+          <p:cNvPicPr>
+            <a:picLocks noChangeAspect="1"/>
+          </p:cNvPicPr>
+          <p:nvPr/>
+        </p:nvPicPr>
+        <p:blipFill>
+          <a:blip r:embed="rId5"/>
+          <a:stretch>
+            <a:fillRect/>
+          </a:stretch>
+        </p:blipFill>
+        <p:spPr>
+          <a:xfrm>
+            <a:off x="6821671" y="92067"/>
             <a:ext cx="342327" cy="342327"/>
           </a:xfrm>
           <a:prstGeom prst="rect">
@@ -12505,10 +12992,10 @@
       </p:pic>
       <p:sp>
         <p:nvSpPr>
-          <p:cNvPr id="2" name="TextBox 1">
-            <a:extLst>
-              <a:ext uri="{FF2B5EF4-FFF2-40B4-BE49-F238E27FC236}">
-                <a16:creationId xmlns:a16="http://schemas.microsoft.com/office/drawing/2014/main" id="{1BBB916A-07E1-934E-8172-CA95599A153E}"/>
+          <p:cNvPr id="70" name="TextBox 69">
+            <a:extLst>
+              <a:ext uri="{FF2B5EF4-FFF2-40B4-BE49-F238E27FC236}">
+                <a16:creationId xmlns:a16="http://schemas.microsoft.com/office/drawing/2014/main" id="{DE076683-A02E-A442-830C-E1E06A042D04}"/>
               </a:ext>
             </a:extLst>
           </p:cNvPr>
@@ -12541,210 +13028,6 @@
               </a:rPr>
               <a:t>OK !</a:t>
             </a:r>
-          </a:p>
-        </p:txBody>
-      </p:sp>
-      <p:sp>
-        <p:nvSpPr>
-          <p:cNvPr id="34" name="TextBox 33">
-            <a:extLst>
-              <a:ext uri="{FF2B5EF4-FFF2-40B4-BE49-F238E27FC236}">
-                <a16:creationId xmlns:a16="http://schemas.microsoft.com/office/drawing/2014/main" id="{F2972BFC-D727-F54B-9014-D83BE51FA924}"/>
-              </a:ext>
-            </a:extLst>
-          </p:cNvPr>
-          <p:cNvSpPr txBox="1"/>
-          <p:nvPr/>
-        </p:nvSpPr>
-        <p:spPr>
-          <a:xfrm>
-            <a:off x="2196176" y="1157877"/>
-            <a:ext cx="2698880" cy="461665"/>
-          </a:xfrm>
-          <a:prstGeom prst="rect">
-            <a:avLst/>
-          </a:prstGeom>
-          <a:noFill/>
-        </p:spPr>
-        <p:txBody>
-          <a:bodyPr wrap="none" rtlCol="0">
-            <a:spAutoFit/>
-          </a:bodyPr>
-          <a:lstStyle/>
-          <a:p>
-            <a:r>
-              <a:rPr lang="en-JP" sz="1200" b="1" dirty="0">
-                <a:solidFill>
-                  <a:schemeClr val="bg2">
-                    <a:lumMod val="90000"/>
-                  </a:schemeClr>
-                </a:solidFill>
-              </a:rPr>
-              <a:t>①</a:t>
-            </a:r>
-            <a:r>
-              <a:rPr lang="ja-JP" altLang="en-US" sz="1200" b="1">
-                <a:solidFill>
-                  <a:schemeClr val="bg2">
-                    <a:lumMod val="90000"/>
-                  </a:schemeClr>
-                </a:solidFill>
-              </a:rPr>
-              <a:t> </a:t>
-            </a:r>
-            <a:r>
-              <a:rPr lang="en-US" altLang="ja-JP" sz="1200" b="1" dirty="0">
-                <a:solidFill>
-                  <a:schemeClr val="bg2">
-                    <a:lumMod val="90000"/>
-                  </a:schemeClr>
-                </a:solidFill>
-              </a:rPr>
-              <a:t>Credential Certificate</a:t>
-            </a:r>
-            <a:r>
-              <a:rPr lang="ja-JP" altLang="en-US" sz="1200" b="1">
-                <a:solidFill>
-                  <a:schemeClr val="bg2">
-                    <a:lumMod val="90000"/>
-                  </a:schemeClr>
-                </a:solidFill>
-              </a:rPr>
-              <a:t>生成のための</a:t>
-            </a:r>
-            <a:endParaRPr lang="en-US" altLang="ja-JP" sz="1200" b="1" dirty="0">
-              <a:solidFill>
-                <a:schemeClr val="bg2">
-                  <a:lumMod val="90000"/>
-                </a:schemeClr>
-              </a:solidFill>
-            </a:endParaRPr>
-          </a:p>
-          <a:p>
-            <a:r>
-              <a:rPr lang="ja-JP" altLang="en-US" sz="1200" b="1">
-                <a:solidFill>
-                  <a:schemeClr val="bg2">
-                    <a:lumMod val="90000"/>
-                  </a:schemeClr>
-                </a:solidFill>
-              </a:rPr>
-              <a:t>　  パラメータ送付</a:t>
-            </a:r>
-            <a:endParaRPr lang="en-JP" sz="1200" b="1" dirty="0">
-              <a:solidFill>
-                <a:schemeClr val="bg2">
-                  <a:lumMod val="90000"/>
-                </a:schemeClr>
-              </a:solidFill>
-            </a:endParaRPr>
-          </a:p>
-        </p:txBody>
-      </p:sp>
-      <p:sp>
-        <p:nvSpPr>
-          <p:cNvPr id="35" name="TextBox 34">
-            <a:extLst>
-              <a:ext uri="{FF2B5EF4-FFF2-40B4-BE49-F238E27FC236}">
-                <a16:creationId xmlns:a16="http://schemas.microsoft.com/office/drawing/2014/main" id="{494F0802-E491-7D49-BDC3-35331A5543E0}"/>
-              </a:ext>
-            </a:extLst>
-          </p:cNvPr>
-          <p:cNvSpPr txBox="1"/>
-          <p:nvPr/>
-        </p:nvSpPr>
-        <p:spPr>
-          <a:xfrm>
-            <a:off x="1574667" y="2012954"/>
-            <a:ext cx="3153620" cy="461665"/>
-          </a:xfrm>
-          <a:prstGeom prst="rect">
-            <a:avLst/>
-          </a:prstGeom>
-          <a:noFill/>
-        </p:spPr>
-        <p:txBody>
-          <a:bodyPr wrap="none" rtlCol="0">
-            <a:spAutoFit/>
-          </a:bodyPr>
-          <a:lstStyle/>
-          <a:p>
-            <a:r>
-              <a:rPr lang="en-JP" sz="1200" b="1" dirty="0">
-                <a:solidFill>
-                  <a:schemeClr val="bg2">
-                    <a:lumMod val="90000"/>
-                  </a:schemeClr>
-                </a:solidFill>
-              </a:rPr>
-              <a:t>② </a:t>
-            </a:r>
-            <a:r>
-              <a:rPr lang="en-US" altLang="ja-JP" sz="1200" b="1" dirty="0" err="1">
-                <a:solidFill>
-                  <a:schemeClr val="bg2">
-                    <a:lumMod val="90000"/>
-                  </a:schemeClr>
-                </a:solidFill>
-              </a:rPr>
-              <a:t>PublicKeyCredentialCreationOption</a:t>
-            </a:r>
-            <a:r>
-              <a:rPr lang="ja-JP" altLang="en-US" sz="1200" b="1">
-                <a:solidFill>
-                  <a:schemeClr val="bg2">
-                    <a:lumMod val="90000"/>
-                  </a:schemeClr>
-                </a:solidFill>
-              </a:rPr>
-              <a:t>生成、</a:t>
-            </a:r>
-            <a:endParaRPr lang="en-US" altLang="ja-JP" sz="1200" b="1" dirty="0">
-              <a:solidFill>
-                <a:schemeClr val="bg2">
-                  <a:lumMod val="90000"/>
-                </a:schemeClr>
-              </a:solidFill>
-            </a:endParaRPr>
-          </a:p>
-          <a:p>
-            <a:r>
-              <a:rPr lang="ja-JP" altLang="en-US" sz="1200" b="1">
-                <a:solidFill>
-                  <a:schemeClr val="bg2">
-                    <a:lumMod val="90000"/>
-                  </a:schemeClr>
-                </a:solidFill>
-              </a:rPr>
-              <a:t>　  認証器へ</a:t>
-            </a:r>
-            <a:r>
-              <a:rPr lang="en-US" altLang="ja-JP" sz="1200" b="1" dirty="0">
-                <a:solidFill>
-                  <a:schemeClr val="bg2">
-                    <a:lumMod val="90000"/>
-                  </a:schemeClr>
-                </a:solidFill>
-              </a:rPr>
-              <a:t>Credential</a:t>
-            </a:r>
-            <a:r>
-              <a:rPr lang="ja-JP" altLang="en-US" sz="1200" b="1">
-                <a:solidFill>
-                  <a:schemeClr val="bg2">
-                    <a:lumMod val="90000"/>
-                  </a:schemeClr>
-                </a:solidFill>
-              </a:rPr>
-              <a:t>生成要求</a:t>
-            </a:r>
-            <a:endParaRPr lang="en-JP" sz="1200" b="1" dirty="0">
-              <a:solidFill>
-                <a:schemeClr val="bg2">
-                  <a:lumMod val="90000"/>
-                </a:schemeClr>
-              </a:solidFill>
-            </a:endParaRPr>
           </a:p>
         </p:txBody>
       </p:sp>
@@ -19350,400 +19633,301 @@
           </a:p>
         </p:txBody>
       </p:sp>
-      <p:grpSp>
-        <p:nvGrpSpPr>
-          <p:cNvPr id="61" name="Group 60">
-            <a:extLst>
-              <a:ext uri="{FF2B5EF4-FFF2-40B4-BE49-F238E27FC236}">
-                <a16:creationId xmlns:a16="http://schemas.microsoft.com/office/drawing/2014/main" id="{76259DB8-BAA5-A246-A74F-E91973854AF5}"/>
-              </a:ext>
-            </a:extLst>
-          </p:cNvPr>
-          <p:cNvGrpSpPr/>
-          <p:nvPr/>
-        </p:nvGrpSpPr>
-        <p:grpSpPr>
-          <a:xfrm>
-            <a:off x="4683970" y="3590156"/>
-            <a:ext cx="4291611" cy="1554443"/>
-            <a:chOff x="4683970" y="3590156"/>
-            <a:chExt cx="4291611" cy="1554443"/>
-          </a:xfrm>
-        </p:grpSpPr>
-        <p:pic>
-          <p:nvPicPr>
-            <p:cNvPr id="28" name="Picture 27">
-              <a:extLst>
-                <a:ext uri="{FF2B5EF4-FFF2-40B4-BE49-F238E27FC236}">
-                  <a16:creationId xmlns:a16="http://schemas.microsoft.com/office/drawing/2014/main" id="{E3C2477E-9566-2D46-9EB4-6019908433D0}"/>
-                </a:ext>
-              </a:extLst>
-            </p:cNvPr>
-            <p:cNvPicPr>
-              <a:picLocks noChangeAspect="1"/>
-            </p:cNvPicPr>
-            <p:nvPr/>
-          </p:nvPicPr>
-          <p:blipFill>
-            <a:blip r:embed="rId3"/>
-            <a:stretch>
-              <a:fillRect/>
-            </a:stretch>
-          </p:blipFill>
-          <p:spPr>
-            <a:xfrm>
-              <a:off x="6008056" y="4339923"/>
-              <a:ext cx="577013" cy="720957"/>
-            </a:xfrm>
-            <a:prstGeom prst="rect">
-              <a:avLst/>
-            </a:prstGeom>
-          </p:spPr>
-        </p:pic>
-        <p:pic>
-          <p:nvPicPr>
-            <p:cNvPr id="18" name="Picture 17">
-              <a:extLst>
-                <a:ext uri="{FF2B5EF4-FFF2-40B4-BE49-F238E27FC236}">
-                  <a16:creationId xmlns:a16="http://schemas.microsoft.com/office/drawing/2014/main" id="{30C83B6D-1026-9846-8BDF-B67BE1C51920}"/>
-                </a:ext>
-              </a:extLst>
-            </p:cNvPr>
-            <p:cNvPicPr>
-              <a:picLocks noChangeAspect="1"/>
-            </p:cNvPicPr>
-            <p:nvPr/>
-          </p:nvPicPr>
-          <p:blipFill>
-            <a:blip r:embed="rId6"/>
-            <a:stretch>
-              <a:fillRect/>
-            </a:stretch>
-          </p:blipFill>
-          <p:spPr>
-            <a:xfrm>
-              <a:off x="6008056" y="4415994"/>
-              <a:ext cx="568817" cy="568817"/>
-            </a:xfrm>
-            <a:prstGeom prst="rect">
-              <a:avLst/>
-            </a:prstGeom>
-          </p:spPr>
-        </p:pic>
-        <p:pic>
-          <p:nvPicPr>
-            <p:cNvPr id="20" name="Picture 19">
-              <a:extLst>
-                <a:ext uri="{FF2B5EF4-FFF2-40B4-BE49-F238E27FC236}">
-                  <a16:creationId xmlns:a16="http://schemas.microsoft.com/office/drawing/2014/main" id="{EE144AEC-DCDB-4143-97E1-49975EBFB10D}"/>
-                </a:ext>
-              </a:extLst>
-            </p:cNvPr>
-            <p:cNvPicPr>
-              <a:picLocks noChangeAspect="1"/>
-            </p:cNvPicPr>
-            <p:nvPr/>
-          </p:nvPicPr>
-          <p:blipFill>
-            <a:blip r:embed="rId7"/>
-            <a:stretch>
-              <a:fillRect/>
-            </a:stretch>
-          </p:blipFill>
-          <p:spPr>
-            <a:xfrm>
-              <a:off x="4920725" y="4386030"/>
-              <a:ext cx="568816" cy="568816"/>
-            </a:xfrm>
-            <a:prstGeom prst="rect">
-              <a:avLst/>
-            </a:prstGeom>
-          </p:spPr>
-        </p:pic>
-        <p:sp>
-          <p:nvSpPr>
-            <p:cNvPr id="22" name="TextBox 21">
-              <a:extLst>
-                <a:ext uri="{FF2B5EF4-FFF2-40B4-BE49-F238E27FC236}">
-                  <a16:creationId xmlns:a16="http://schemas.microsoft.com/office/drawing/2014/main" id="{331BC21C-6A95-7A43-AA02-74743AF33CEE}"/>
-                </a:ext>
-              </a:extLst>
-            </p:cNvPr>
-            <p:cNvSpPr txBox="1"/>
-            <p:nvPr/>
-          </p:nvSpPr>
-          <p:spPr>
-            <a:xfrm>
-              <a:off x="4741745" y="3854617"/>
-              <a:ext cx="1003543" cy="523220"/>
-            </a:xfrm>
-            <a:prstGeom prst="rect">
-              <a:avLst/>
-            </a:prstGeom>
-            <a:noFill/>
-          </p:spPr>
-          <p:txBody>
-            <a:bodyPr wrap="none" rtlCol="0">
-              <a:spAutoFit/>
-            </a:bodyPr>
-            <a:lstStyle/>
-            <a:p>
-              <a:pPr algn="ctr"/>
-              <a:r>
-                <a:rPr lang="en-US" altLang="ja-JP" sz="1400" b="1" dirty="0"/>
-                <a:t>Credential</a:t>
-              </a:r>
-            </a:p>
-            <a:p>
-              <a:pPr algn="ctr"/>
-              <a:r>
-                <a:rPr lang="en-US" altLang="ja-JP" sz="1400" b="1" dirty="0"/>
-                <a:t>Private key</a:t>
-              </a:r>
-              <a:endParaRPr lang="en-JP" sz="1400" b="1" dirty="0"/>
-            </a:p>
-          </p:txBody>
-        </p:sp>
-        <p:sp>
-          <p:nvSpPr>
-            <p:cNvPr id="23" name="TextBox 22">
-              <a:extLst>
-                <a:ext uri="{FF2B5EF4-FFF2-40B4-BE49-F238E27FC236}">
-                  <a16:creationId xmlns:a16="http://schemas.microsoft.com/office/drawing/2014/main" id="{B66FE4EA-8FF1-D74F-8A3B-2919CB2D3924}"/>
-                </a:ext>
-              </a:extLst>
-            </p:cNvPr>
-            <p:cNvSpPr txBox="1"/>
-            <p:nvPr/>
-          </p:nvSpPr>
-          <p:spPr>
-            <a:xfrm>
-              <a:off x="5828119" y="3856175"/>
-              <a:ext cx="952056" cy="523220"/>
-            </a:xfrm>
-            <a:prstGeom prst="rect">
-              <a:avLst/>
-            </a:prstGeom>
-            <a:noFill/>
-          </p:spPr>
-          <p:txBody>
-            <a:bodyPr wrap="none" rtlCol="0">
-              <a:spAutoFit/>
-            </a:bodyPr>
-            <a:lstStyle/>
-            <a:p>
-              <a:pPr algn="ctr"/>
-              <a:r>
-                <a:rPr lang="en-US" altLang="ja-JP" sz="1400" b="1" dirty="0"/>
-                <a:t>Credential</a:t>
-              </a:r>
-            </a:p>
-            <a:p>
-              <a:pPr algn="ctr"/>
-              <a:r>
-                <a:rPr lang="en-US" altLang="ja-JP" sz="1400" b="1" dirty="0"/>
-                <a:t>Public key</a:t>
-              </a:r>
-              <a:endParaRPr lang="en-JP" sz="1400" b="1" dirty="0"/>
-            </a:p>
-          </p:txBody>
-        </p:sp>
-        <p:sp>
-          <p:nvSpPr>
-            <p:cNvPr id="30" name="Rounded Rectangle 29">
-              <a:extLst>
-                <a:ext uri="{FF2B5EF4-FFF2-40B4-BE49-F238E27FC236}">
-                  <a16:creationId xmlns:a16="http://schemas.microsoft.com/office/drawing/2014/main" id="{F6010BAC-1D0B-D942-9E79-DACFC19DB24C}"/>
-                </a:ext>
-              </a:extLst>
-            </p:cNvPr>
-            <p:cNvSpPr/>
-            <p:nvPr/>
-          </p:nvSpPr>
-          <p:spPr>
-            <a:xfrm>
-              <a:off x="4683970" y="3755386"/>
-              <a:ext cx="4291611" cy="1389213"/>
-            </a:xfrm>
-            <a:prstGeom prst="roundRect">
-              <a:avLst/>
-            </a:prstGeom>
-            <a:noFill/>
-            <a:ln w="12700"/>
-          </p:spPr>
-          <p:style>
-            <a:lnRef idx="2">
-              <a:schemeClr val="accent1">
-                <a:shade val="50000"/>
-              </a:schemeClr>
-            </a:lnRef>
-            <a:fillRef idx="1">
-              <a:schemeClr val="accent1"/>
-            </a:fillRef>
-            <a:effectRef idx="0">
-              <a:schemeClr val="accent1"/>
-            </a:effectRef>
-            <a:fontRef idx="minor">
-              <a:schemeClr val="lt1"/>
-            </a:fontRef>
-          </p:style>
-          <p:txBody>
-            <a:bodyPr rtlCol="0" anchor="ctr"/>
-            <a:lstStyle/>
-            <a:p>
-              <a:pPr algn="ctr"/>
-              <a:endParaRPr lang="en-JP" dirty="0"/>
-            </a:p>
-          </p:txBody>
-        </p:sp>
-        <p:sp>
-          <p:nvSpPr>
-            <p:cNvPr id="32" name="Line Callout 2 (Accent Bar) 31">
-              <a:extLst>
-                <a:ext uri="{FF2B5EF4-FFF2-40B4-BE49-F238E27FC236}">
-                  <a16:creationId xmlns:a16="http://schemas.microsoft.com/office/drawing/2014/main" id="{F80957EC-50FF-E64C-8166-9CD2D69657DC}"/>
-                </a:ext>
-              </a:extLst>
-            </p:cNvPr>
-            <p:cNvSpPr/>
-            <p:nvPr/>
-          </p:nvSpPr>
-          <p:spPr>
-            <a:xfrm>
-              <a:off x="6893162" y="4195582"/>
-              <a:ext cx="1942366" cy="865298"/>
-            </a:xfrm>
-            <a:prstGeom prst="accentCallout2">
-              <a:avLst>
-                <a:gd name="adj1" fmla="val 21891"/>
-                <a:gd name="adj2" fmla="val 43"/>
-                <a:gd name="adj3" fmla="val 21663"/>
-                <a:gd name="adj4" fmla="val -3177"/>
-                <a:gd name="adj5" fmla="val 70960"/>
-                <a:gd name="adj6" fmla="val -19642"/>
-              </a:avLst>
-            </a:prstGeom>
-            <a:noFill/>
-          </p:spPr>
-          <p:style>
-            <a:lnRef idx="2">
-              <a:schemeClr val="accent1">
-                <a:shade val="50000"/>
-              </a:schemeClr>
-            </a:lnRef>
-            <a:fillRef idx="1">
-              <a:schemeClr val="accent1"/>
-            </a:fillRef>
-            <a:effectRef idx="0">
-              <a:schemeClr val="accent1"/>
-            </a:effectRef>
-            <a:fontRef idx="minor">
-              <a:schemeClr val="lt1"/>
-            </a:fontRef>
-          </p:style>
-          <p:txBody>
-            <a:bodyPr rtlCol="0" anchor="ctr"/>
-            <a:lstStyle/>
-            <a:p>
-              <a:r>
-                <a:rPr lang="en-JP" sz="1400" b="1" dirty="0">
-                  <a:solidFill>
-                    <a:schemeClr val="tx1"/>
-                  </a:solidFill>
-                </a:rPr>
-                <a:t>Attestation Private Key</a:t>
-              </a:r>
-            </a:p>
-            <a:p>
-              <a:r>
-                <a:rPr lang="ja-JP" altLang="en-US" sz="1400" b="1">
-                  <a:solidFill>
-                    <a:schemeClr val="tx1"/>
-                  </a:solidFill>
-                </a:rPr>
-                <a:t>により署名</a:t>
-              </a:r>
-              <a:r>
-                <a:rPr lang="en-US" altLang="ja-JP" sz="1400" b="1" dirty="0">
-                  <a:solidFill>
-                    <a:schemeClr val="tx1"/>
-                  </a:solidFill>
-                </a:rPr>
-                <a:t>(=Attest)</a:t>
-              </a:r>
-            </a:p>
-            <a:p>
-              <a:r>
-                <a:rPr lang="ja-JP" altLang="en-US" sz="1400" b="1">
-                  <a:solidFill>
-                    <a:schemeClr val="tx1"/>
-                  </a:solidFill>
-                </a:rPr>
-                <a:t>された証明書</a:t>
-              </a:r>
-              <a:endParaRPr lang="en-US" altLang="ja-JP" sz="1400" b="1" dirty="0">
+      <p:pic>
+        <p:nvPicPr>
+          <p:cNvPr id="20" name="Picture 19">
+            <a:extLst>
+              <a:ext uri="{FF2B5EF4-FFF2-40B4-BE49-F238E27FC236}">
+                <a16:creationId xmlns:a16="http://schemas.microsoft.com/office/drawing/2014/main" id="{EE144AEC-DCDB-4143-97E1-49975EBFB10D}"/>
+              </a:ext>
+            </a:extLst>
+          </p:cNvPr>
+          <p:cNvPicPr>
+            <a:picLocks noChangeAspect="1"/>
+          </p:cNvPicPr>
+          <p:nvPr/>
+        </p:nvPicPr>
+        <p:blipFill>
+          <a:blip r:embed="rId6"/>
+          <a:stretch>
+            <a:fillRect/>
+          </a:stretch>
+        </p:blipFill>
+        <p:spPr>
+          <a:xfrm>
+            <a:off x="4920725" y="4386030"/>
+            <a:ext cx="568816" cy="568816"/>
+          </a:xfrm>
+          <a:prstGeom prst="rect">
+            <a:avLst/>
+          </a:prstGeom>
+        </p:spPr>
+      </p:pic>
+      <p:sp>
+        <p:nvSpPr>
+          <p:cNvPr id="22" name="TextBox 21">
+            <a:extLst>
+              <a:ext uri="{FF2B5EF4-FFF2-40B4-BE49-F238E27FC236}">
+                <a16:creationId xmlns:a16="http://schemas.microsoft.com/office/drawing/2014/main" id="{331BC21C-6A95-7A43-AA02-74743AF33CEE}"/>
+              </a:ext>
+            </a:extLst>
+          </p:cNvPr>
+          <p:cNvSpPr txBox="1"/>
+          <p:nvPr/>
+        </p:nvSpPr>
+        <p:spPr>
+          <a:xfrm>
+            <a:off x="4741745" y="3854617"/>
+            <a:ext cx="1003543" cy="523220"/>
+          </a:xfrm>
+          <a:prstGeom prst="rect">
+            <a:avLst/>
+          </a:prstGeom>
+          <a:noFill/>
+        </p:spPr>
+        <p:txBody>
+          <a:bodyPr wrap="none" rtlCol="0">
+            <a:spAutoFit/>
+          </a:bodyPr>
+          <a:lstStyle/>
+          <a:p>
+            <a:pPr algn="ctr"/>
+            <a:r>
+              <a:rPr lang="en-US" altLang="ja-JP" sz="1400" b="1" dirty="0"/>
+              <a:t>Credential</a:t>
+            </a:r>
+          </a:p>
+          <a:p>
+            <a:pPr algn="ctr"/>
+            <a:r>
+              <a:rPr lang="en-US" altLang="ja-JP" sz="1400" b="1" dirty="0"/>
+              <a:t>Private key</a:t>
+            </a:r>
+            <a:endParaRPr lang="en-JP" sz="1400" b="1" dirty="0"/>
+          </a:p>
+        </p:txBody>
+      </p:sp>
+      <p:sp>
+        <p:nvSpPr>
+          <p:cNvPr id="23" name="TextBox 22">
+            <a:extLst>
+              <a:ext uri="{FF2B5EF4-FFF2-40B4-BE49-F238E27FC236}">
+                <a16:creationId xmlns:a16="http://schemas.microsoft.com/office/drawing/2014/main" id="{B66FE4EA-8FF1-D74F-8A3B-2919CB2D3924}"/>
+              </a:ext>
+            </a:extLst>
+          </p:cNvPr>
+          <p:cNvSpPr txBox="1"/>
+          <p:nvPr/>
+        </p:nvSpPr>
+        <p:spPr>
+          <a:xfrm>
+            <a:off x="5828119" y="3856175"/>
+            <a:ext cx="952056" cy="523220"/>
+          </a:xfrm>
+          <a:prstGeom prst="rect">
+            <a:avLst/>
+          </a:prstGeom>
+          <a:noFill/>
+        </p:spPr>
+        <p:txBody>
+          <a:bodyPr wrap="none" rtlCol="0">
+            <a:spAutoFit/>
+          </a:bodyPr>
+          <a:lstStyle/>
+          <a:p>
+            <a:pPr algn="ctr"/>
+            <a:r>
+              <a:rPr lang="en-US" altLang="ja-JP" sz="1400" b="1" dirty="0"/>
+              <a:t>Credential</a:t>
+            </a:r>
+          </a:p>
+          <a:p>
+            <a:pPr algn="ctr"/>
+            <a:r>
+              <a:rPr lang="en-US" altLang="ja-JP" sz="1400" b="1" dirty="0"/>
+              <a:t>Public key</a:t>
+            </a:r>
+            <a:endParaRPr lang="en-JP" sz="1400" b="1" dirty="0"/>
+          </a:p>
+        </p:txBody>
+      </p:sp>
+      <p:sp>
+        <p:nvSpPr>
+          <p:cNvPr id="30" name="Rounded Rectangle 29">
+            <a:extLst>
+              <a:ext uri="{FF2B5EF4-FFF2-40B4-BE49-F238E27FC236}">
+                <a16:creationId xmlns:a16="http://schemas.microsoft.com/office/drawing/2014/main" id="{F6010BAC-1D0B-D942-9E79-DACFC19DB24C}"/>
+              </a:ext>
+            </a:extLst>
+          </p:cNvPr>
+          <p:cNvSpPr/>
+          <p:nvPr/>
+        </p:nvSpPr>
+        <p:spPr>
+          <a:xfrm>
+            <a:off x="4683970" y="3755386"/>
+            <a:ext cx="4291611" cy="1389213"/>
+          </a:xfrm>
+          <a:prstGeom prst="roundRect">
+            <a:avLst/>
+          </a:prstGeom>
+          <a:noFill/>
+          <a:ln w="12700"/>
+        </p:spPr>
+        <p:style>
+          <a:lnRef idx="2">
+            <a:schemeClr val="accent1">
+              <a:shade val="50000"/>
+            </a:schemeClr>
+          </a:lnRef>
+          <a:fillRef idx="1">
+            <a:schemeClr val="accent1"/>
+          </a:fillRef>
+          <a:effectRef idx="0">
+            <a:schemeClr val="accent1"/>
+          </a:effectRef>
+          <a:fontRef idx="minor">
+            <a:schemeClr val="lt1"/>
+          </a:fontRef>
+        </p:style>
+        <p:txBody>
+          <a:bodyPr rtlCol="0" anchor="ctr"/>
+          <a:lstStyle/>
+          <a:p>
+            <a:pPr algn="ctr"/>
+            <a:endParaRPr lang="en-JP" dirty="0"/>
+          </a:p>
+        </p:txBody>
+      </p:sp>
+      <p:sp>
+        <p:nvSpPr>
+          <p:cNvPr id="32" name="Line Callout 2 (Accent Bar) 31">
+            <a:extLst>
+              <a:ext uri="{FF2B5EF4-FFF2-40B4-BE49-F238E27FC236}">
+                <a16:creationId xmlns:a16="http://schemas.microsoft.com/office/drawing/2014/main" id="{F80957EC-50FF-E64C-8166-9CD2D69657DC}"/>
+              </a:ext>
+            </a:extLst>
+          </p:cNvPr>
+          <p:cNvSpPr/>
+          <p:nvPr/>
+        </p:nvSpPr>
+        <p:spPr>
+          <a:xfrm>
+            <a:off x="6893162" y="4195582"/>
+            <a:ext cx="1942366" cy="865298"/>
+          </a:xfrm>
+          <a:prstGeom prst="accentCallout2">
+            <a:avLst>
+              <a:gd name="adj1" fmla="val 21891"/>
+              <a:gd name="adj2" fmla="val 43"/>
+              <a:gd name="adj3" fmla="val 21663"/>
+              <a:gd name="adj4" fmla="val -3177"/>
+              <a:gd name="adj5" fmla="val 70960"/>
+              <a:gd name="adj6" fmla="val -19642"/>
+            </a:avLst>
+          </a:prstGeom>
+          <a:noFill/>
+        </p:spPr>
+        <p:style>
+          <a:lnRef idx="2">
+            <a:schemeClr val="accent1">
+              <a:shade val="50000"/>
+            </a:schemeClr>
+          </a:lnRef>
+          <a:fillRef idx="1">
+            <a:schemeClr val="accent1"/>
+          </a:fillRef>
+          <a:effectRef idx="0">
+            <a:schemeClr val="accent1"/>
+          </a:effectRef>
+          <a:fontRef idx="minor">
+            <a:schemeClr val="lt1"/>
+          </a:fontRef>
+        </p:style>
+        <p:txBody>
+          <a:bodyPr rtlCol="0" anchor="ctr"/>
+          <a:lstStyle/>
+          <a:p>
+            <a:r>
+              <a:rPr lang="en-JP" sz="1400" b="1" dirty="0">
                 <a:solidFill>
                   <a:schemeClr val="tx1"/>
                 </a:solidFill>
-              </a:endParaRPr>
-            </a:p>
-            <a:p>
-              <a:r>
-                <a:rPr lang="en-JP" sz="1400" b="1" dirty="0">
-                  <a:solidFill>
-                    <a:srgbClr val="FF0000"/>
-                  </a:solidFill>
-                </a:rPr>
-                <a:t>(Credential Certificate)</a:t>
-              </a:r>
-              <a:endParaRPr lang="en-JP" sz="1400" b="1" dirty="0"/>
-            </a:p>
-          </p:txBody>
-        </p:sp>
-        <p:sp>
-          <p:nvSpPr>
-            <p:cNvPr id="21" name="TextBox 20">
-              <a:extLst>
-                <a:ext uri="{FF2B5EF4-FFF2-40B4-BE49-F238E27FC236}">
-                  <a16:creationId xmlns:a16="http://schemas.microsoft.com/office/drawing/2014/main" id="{5C219976-DF1D-A245-BC33-D5831DF05D76}"/>
-                </a:ext>
-              </a:extLst>
-            </p:cNvPr>
-            <p:cNvSpPr txBox="1"/>
-            <p:nvPr/>
-          </p:nvSpPr>
-          <p:spPr>
-            <a:xfrm>
-              <a:off x="4989054" y="3590156"/>
-              <a:ext cx="1589602" cy="307777"/>
-            </a:xfrm>
-            <a:prstGeom prst="rect">
-              <a:avLst/>
-            </a:prstGeom>
+              </a:rPr>
+              <a:t>Attestation Private Key</a:t>
+            </a:r>
+          </a:p>
+          <a:p>
+            <a:r>
+              <a:rPr lang="ja-JP" altLang="en-US" sz="1400" b="1">
+                <a:solidFill>
+                  <a:schemeClr val="tx1"/>
+                </a:solidFill>
+              </a:rPr>
+              <a:t>による署名を付与</a:t>
+            </a:r>
+            <a:br>
+              <a:rPr lang="en-US" altLang="ja-JP" sz="1400" b="1" dirty="0">
+                <a:solidFill>
+                  <a:schemeClr val="tx1"/>
+                </a:solidFill>
+              </a:rPr>
+            </a:br>
+            <a:r>
+              <a:rPr lang="en-JP" sz="1400" b="1" dirty="0">
+                <a:solidFill>
+                  <a:srgbClr val="FF0000"/>
+                </a:solidFill>
+              </a:rPr>
+              <a:t>(Attested Credential Public Key)</a:t>
+            </a:r>
+            <a:endParaRPr lang="en-JP" sz="1400" b="1" dirty="0"/>
+          </a:p>
+        </p:txBody>
+      </p:sp>
+      <p:sp>
+        <p:nvSpPr>
+          <p:cNvPr id="21" name="TextBox 20">
+            <a:extLst>
+              <a:ext uri="{FF2B5EF4-FFF2-40B4-BE49-F238E27FC236}">
+                <a16:creationId xmlns:a16="http://schemas.microsoft.com/office/drawing/2014/main" id="{5C219976-DF1D-A245-BC33-D5831DF05D76}"/>
+              </a:ext>
+            </a:extLst>
+          </p:cNvPr>
+          <p:cNvSpPr txBox="1"/>
+          <p:nvPr/>
+        </p:nvSpPr>
+        <p:spPr>
+          <a:xfrm>
+            <a:off x="4989054" y="3590156"/>
+            <a:ext cx="1589602" cy="307777"/>
+          </a:xfrm>
+          <a:prstGeom prst="rect">
+            <a:avLst/>
+          </a:prstGeom>
+          <a:solidFill>
+            <a:schemeClr val="bg1"/>
+          </a:solidFill>
+          <a:ln>
             <a:solidFill>
-              <a:schemeClr val="bg1"/>
+              <a:srgbClr val="0070C0"/>
             </a:solidFill>
-            <a:ln>
-              <a:solidFill>
-                <a:srgbClr val="0070C0"/>
-              </a:solidFill>
-            </a:ln>
-          </p:spPr>
-          <p:txBody>
-            <a:bodyPr wrap="none" rtlCol="0">
-              <a:spAutoFit/>
-            </a:bodyPr>
-            <a:lstStyle/>
-            <a:p>
-              <a:pPr algn="ctr"/>
-              <a:r>
-                <a:rPr lang="en-JP" sz="1400" b="1" dirty="0"/>
-                <a:t>Credential Key Pair</a:t>
-              </a:r>
-            </a:p>
-          </p:txBody>
-        </p:sp>
-      </p:grpSp>
+          </a:ln>
+        </p:spPr>
+        <p:txBody>
+          <a:bodyPr wrap="none" rtlCol="0">
+            <a:spAutoFit/>
+          </a:bodyPr>
+          <a:lstStyle/>
+          <a:p>
+            <a:pPr algn="ctr"/>
+            <a:r>
+              <a:rPr lang="en-JP" sz="1400" b="1" dirty="0"/>
+              <a:t>Credential Key Pair</a:t>
+            </a:r>
+          </a:p>
+        </p:txBody>
+      </p:sp>
       <p:cxnSp>
         <p:nvCxnSpPr>
           <p:cNvPr id="37" name="Elbow Connector 36">
@@ -19762,13 +19946,13 @@
         </p:nvCxnSpPr>
         <p:spPr>
           <a:xfrm rot="10800000" flipH="1" flipV="1">
-            <a:off x="4991091" y="2749327"/>
-            <a:ext cx="1301373" cy="2235484"/>
+            <a:off x="4991092" y="2749326"/>
+            <a:ext cx="1301372" cy="2197327"/>
           </a:xfrm>
           <a:prstGeom prst="bentConnector4">
             <a:avLst>
-              <a:gd name="adj1" fmla="val -65820"/>
-              <a:gd name="adj2" fmla="val 117618"/>
+              <a:gd name="adj1" fmla="val -68667"/>
+              <a:gd name="adj2" fmla="val 120672"/>
             </a:avLst>
           </a:prstGeom>
           <a:ln w="38100">
@@ -19865,6 +20049,77 @@
           </a:p>
         </p:txBody>
       </p:sp>
+      <p:pic>
+        <p:nvPicPr>
+          <p:cNvPr id="3" name="Picture 2">
+            <a:extLst>
+              <a:ext uri="{FF2B5EF4-FFF2-40B4-BE49-F238E27FC236}">
+                <a16:creationId xmlns:a16="http://schemas.microsoft.com/office/drawing/2014/main" id="{D715BADB-4302-AB41-92A6-05F6EB9C8031}"/>
+              </a:ext>
+            </a:extLst>
+          </p:cNvPr>
+          <p:cNvPicPr>
+            <a:picLocks noChangeAspect="1"/>
+          </p:cNvPicPr>
+          <p:nvPr/>
+        </p:nvPicPr>
+        <p:blipFill>
+          <a:blip r:embed="rId7"/>
+          <a:stretch>
+            <a:fillRect/>
+          </a:stretch>
+        </p:blipFill>
+        <p:spPr>
+          <a:xfrm>
+            <a:off x="5914260" y="4799619"/>
+            <a:ext cx="756408" cy="176724"/>
+          </a:xfrm>
+          <a:prstGeom prst="rect">
+            <a:avLst/>
+          </a:prstGeom>
+          <a:solidFill>
+            <a:schemeClr val="accent6">
+              <a:lumMod val="20000"/>
+              <a:lumOff val="80000"/>
+            </a:schemeClr>
+          </a:solidFill>
+          <a:ln w="38100">
+            <a:solidFill>
+              <a:schemeClr val="accent6"/>
+            </a:solidFill>
+          </a:ln>
+        </p:spPr>
+      </p:pic>
+      <p:pic>
+        <p:nvPicPr>
+          <p:cNvPr id="18" name="Picture 17">
+            <a:extLst>
+              <a:ext uri="{FF2B5EF4-FFF2-40B4-BE49-F238E27FC236}">
+                <a16:creationId xmlns:a16="http://schemas.microsoft.com/office/drawing/2014/main" id="{30C83B6D-1026-9846-8BDF-B67BE1C51920}"/>
+              </a:ext>
+            </a:extLst>
+          </p:cNvPr>
+          <p:cNvPicPr>
+            <a:picLocks noChangeAspect="1"/>
+          </p:cNvPicPr>
+          <p:nvPr/>
+        </p:nvPicPr>
+        <p:blipFill>
+          <a:blip r:embed="rId8"/>
+          <a:stretch>
+            <a:fillRect/>
+          </a:stretch>
+        </p:blipFill>
+        <p:spPr>
+          <a:xfrm>
+            <a:off x="6008055" y="4377837"/>
+            <a:ext cx="568817" cy="568817"/>
+          </a:xfrm>
+          <a:prstGeom prst="rect">
+            <a:avLst/>
+          </a:prstGeom>
+        </p:spPr>
+      </p:pic>
     </p:spTree>
     <p:extLst>
       <p:ext uri="{BB962C8B-B14F-4D97-AF65-F5344CB8AC3E}">

--- a/slides/Figs/figures.pptx
+++ b/slides/Figs/figures.pptx
@@ -280,7 +280,7 @@
           <a:p>
             <a:fld id="{12806DCE-DF2A-A444-87A0-6650BF1B98E4}" type="datetimeFigureOut">
               <a:rPr lang="en-JP" smtClean="0"/>
-              <a:t>2020/05/11</a:t>
+              <a:t>2020/05/25</a:t>
             </a:fld>
             <a:endParaRPr lang="en-JP"/>
           </a:p>
@@ -480,7 +480,7 @@
           <a:p>
             <a:fld id="{12806DCE-DF2A-A444-87A0-6650BF1B98E4}" type="datetimeFigureOut">
               <a:rPr lang="en-JP" smtClean="0"/>
-              <a:t>2020/05/11</a:t>
+              <a:t>2020/05/25</a:t>
             </a:fld>
             <a:endParaRPr lang="en-JP"/>
           </a:p>
@@ -690,7 +690,7 @@
           <a:p>
             <a:fld id="{12806DCE-DF2A-A444-87A0-6650BF1B98E4}" type="datetimeFigureOut">
               <a:rPr lang="en-JP" smtClean="0"/>
-              <a:t>2020/05/11</a:t>
+              <a:t>2020/05/25</a:t>
             </a:fld>
             <a:endParaRPr lang="en-JP"/>
           </a:p>
@@ -890,7 +890,7 @@
           <a:p>
             <a:fld id="{12806DCE-DF2A-A444-87A0-6650BF1B98E4}" type="datetimeFigureOut">
               <a:rPr lang="en-JP" smtClean="0"/>
-              <a:t>2020/05/11</a:t>
+              <a:t>2020/05/25</a:t>
             </a:fld>
             <a:endParaRPr lang="en-JP"/>
           </a:p>
@@ -1166,7 +1166,7 @@
           <a:p>
             <a:fld id="{12806DCE-DF2A-A444-87A0-6650BF1B98E4}" type="datetimeFigureOut">
               <a:rPr lang="en-JP" smtClean="0"/>
-              <a:t>2020/05/11</a:t>
+              <a:t>2020/05/25</a:t>
             </a:fld>
             <a:endParaRPr lang="en-JP"/>
           </a:p>
@@ -1434,7 +1434,7 @@
           <a:p>
             <a:fld id="{12806DCE-DF2A-A444-87A0-6650BF1B98E4}" type="datetimeFigureOut">
               <a:rPr lang="en-JP" smtClean="0"/>
-              <a:t>2020/05/11</a:t>
+              <a:t>2020/05/25</a:t>
             </a:fld>
             <a:endParaRPr lang="en-JP"/>
           </a:p>
@@ -1849,7 +1849,7 @@
           <a:p>
             <a:fld id="{12806DCE-DF2A-A444-87A0-6650BF1B98E4}" type="datetimeFigureOut">
               <a:rPr lang="en-JP" smtClean="0"/>
-              <a:t>2020/05/11</a:t>
+              <a:t>2020/05/25</a:t>
             </a:fld>
             <a:endParaRPr lang="en-JP"/>
           </a:p>
@@ -1991,7 +1991,7 @@
           <a:p>
             <a:fld id="{12806DCE-DF2A-A444-87A0-6650BF1B98E4}" type="datetimeFigureOut">
               <a:rPr lang="en-JP" smtClean="0"/>
-              <a:t>2020/05/11</a:t>
+              <a:t>2020/05/25</a:t>
             </a:fld>
             <a:endParaRPr lang="en-JP"/>
           </a:p>
@@ -2104,7 +2104,7 @@
           <a:p>
             <a:fld id="{12806DCE-DF2A-A444-87A0-6650BF1B98E4}" type="datetimeFigureOut">
               <a:rPr lang="en-JP" smtClean="0"/>
-              <a:t>2020/05/11</a:t>
+              <a:t>2020/05/25</a:t>
             </a:fld>
             <a:endParaRPr lang="en-JP"/>
           </a:p>
@@ -2417,7 +2417,7 @@
           <a:p>
             <a:fld id="{12806DCE-DF2A-A444-87A0-6650BF1B98E4}" type="datetimeFigureOut">
               <a:rPr lang="en-JP" smtClean="0"/>
-              <a:t>2020/05/11</a:t>
+              <a:t>2020/05/25</a:t>
             </a:fld>
             <a:endParaRPr lang="en-JP"/>
           </a:p>
@@ -2706,7 +2706,7 @@
           <a:p>
             <a:fld id="{12806DCE-DF2A-A444-87A0-6650BF1B98E4}" type="datetimeFigureOut">
               <a:rPr lang="en-JP" smtClean="0"/>
-              <a:t>2020/05/11</a:t>
+              <a:t>2020/05/25</a:t>
             </a:fld>
             <a:endParaRPr lang="en-JP"/>
           </a:p>
@@ -2949,7 +2949,7 @@
           <a:p>
             <a:fld id="{12806DCE-DF2A-A444-87A0-6650BF1B98E4}" type="datetimeFigureOut">
               <a:rPr lang="en-JP" smtClean="0"/>
-              <a:t>2020/05/11</a:t>
+              <a:t>2020/05/25</a:t>
             </a:fld>
             <a:endParaRPr lang="en-JP"/>
           </a:p>
@@ -17545,7 +17545,7 @@
         </p:blipFill>
         <p:spPr>
           <a:xfrm>
-            <a:off x="4689219" y="3916345"/>
+            <a:off x="6504441" y="4358534"/>
             <a:ext cx="407646" cy="407646"/>
           </a:xfrm>
           <a:prstGeom prst="rect">
@@ -17567,7 +17567,7 @@
         </p:nvSpPr>
         <p:spPr>
           <a:xfrm>
-            <a:off x="4369225" y="4222113"/>
+            <a:off x="6303063" y="4665722"/>
             <a:ext cx="838691" cy="430887"/>
           </a:xfrm>
           <a:prstGeom prst="rect">
@@ -17690,8 +17690,8 @@
         </p:blipFill>
         <p:spPr>
           <a:xfrm>
-            <a:off x="6720094" y="3980683"/>
-            <a:ext cx="491002" cy="491002"/>
+            <a:off x="5886030" y="3914467"/>
+            <a:ext cx="334463" cy="334463"/>
           </a:xfrm>
           <a:prstGeom prst="rect">
             <a:avLst/>
@@ -17712,7 +17712,7 @@
         </p:nvSpPr>
         <p:spPr>
           <a:xfrm>
-            <a:off x="6586324" y="4411783"/>
+            <a:off x="6171551" y="3868723"/>
             <a:ext cx="758541" cy="430887"/>
           </a:xfrm>
           <a:prstGeom prst="rect">
@@ -18009,8 +18009,8 @@
         </p:nvSpPr>
         <p:spPr>
           <a:xfrm>
-            <a:off x="5687008" y="3990477"/>
-            <a:ext cx="1075679" cy="276999"/>
+            <a:off x="5886030" y="4400537"/>
+            <a:ext cx="452368" cy="276999"/>
           </a:xfrm>
           <a:prstGeom prst="rect">
             <a:avLst/>
@@ -18025,7 +18025,7 @@
           <a:p>
             <a:r>
               <a:rPr lang="en-JP" sz="1200" b="1" dirty="0"/>
-              <a:t>Generate Sign</a:t>
+              <a:t>Sign</a:t>
             </a:r>
           </a:p>
         </p:txBody>
@@ -18041,13 +18041,14 @@
           </p:cNvPr>
           <p:cNvCxnSpPr>
             <a:cxnSpLocks/>
+            <a:endCxn id="61" idx="2"/>
           </p:cNvCxnSpPr>
           <p:nvPr/>
         </p:nvCxnSpPr>
         <p:spPr>
-          <a:xfrm>
-            <a:off x="5858170" y="4267476"/>
-            <a:ext cx="779360" cy="0"/>
+          <a:xfrm flipH="1" flipV="1">
+            <a:off x="5741828" y="4223890"/>
+            <a:ext cx="858886" cy="338467"/>
           </a:xfrm>
           <a:prstGeom prst="straightConnector1">
             <a:avLst/>
@@ -18188,7 +18189,7 @@
         </p:blipFill>
         <p:spPr>
           <a:xfrm>
-            <a:off x="5350988" y="3972883"/>
+            <a:off x="5593881" y="3880507"/>
             <a:ext cx="295894" cy="343383"/>
           </a:xfrm>
           <a:prstGeom prst="rect">
@@ -18210,7 +18211,7 @@
         </p:nvSpPr>
         <p:spPr>
           <a:xfrm>
-            <a:off x="5122222" y="4277139"/>
+            <a:off x="4895387" y="3931255"/>
             <a:ext cx="758541" cy="261610"/>
           </a:xfrm>
           <a:prstGeom prst="rect">
@@ -19259,10 +19260,10 @@
       </p:sp>
       <p:pic>
         <p:nvPicPr>
-          <p:cNvPr id="31" name="Picture 30">
-            <a:extLst>
-              <a:ext uri="{FF2B5EF4-FFF2-40B4-BE49-F238E27FC236}">
-                <a16:creationId xmlns:a16="http://schemas.microsoft.com/office/drawing/2014/main" id="{A66662D6-03CB-AB4A-87F8-3041B461665C}"/>
+          <p:cNvPr id="46" name="Picture 45">
+            <a:extLst>
+              <a:ext uri="{FF2B5EF4-FFF2-40B4-BE49-F238E27FC236}">
+                <a16:creationId xmlns:a16="http://schemas.microsoft.com/office/drawing/2014/main" id="{96162302-A3B6-5041-9523-E359CB3F2014}"/>
               </a:ext>
             </a:extLst>
           </p:cNvPr>
@@ -19273,80 +19274,6 @@
         </p:nvPicPr>
         <p:blipFill>
           <a:blip r:embed="rId3"/>
-          <a:stretch>
-            <a:fillRect/>
-          </a:stretch>
-        </p:blipFill>
-        <p:spPr>
-          <a:xfrm>
-            <a:off x="4689219" y="3916345"/>
-            <a:ext cx="407646" cy="407646"/>
-          </a:xfrm>
-          <a:prstGeom prst="rect">
-            <a:avLst/>
-          </a:prstGeom>
-        </p:spPr>
-      </p:pic>
-      <p:sp>
-        <p:nvSpPr>
-          <p:cNvPr id="32" name="TextBox 31">
-            <a:extLst>
-              <a:ext uri="{FF2B5EF4-FFF2-40B4-BE49-F238E27FC236}">
-                <a16:creationId xmlns:a16="http://schemas.microsoft.com/office/drawing/2014/main" id="{969BED74-38CB-4148-881C-135F38EE66F3}"/>
-              </a:ext>
-            </a:extLst>
-          </p:cNvPr>
-          <p:cNvSpPr txBox="1"/>
-          <p:nvPr/>
-        </p:nvSpPr>
-        <p:spPr>
-          <a:xfrm>
-            <a:off x="4369225" y="4222113"/>
-            <a:ext cx="838691" cy="430887"/>
-          </a:xfrm>
-          <a:prstGeom prst="rect">
-            <a:avLst/>
-          </a:prstGeom>
-          <a:noFill/>
-        </p:spPr>
-        <p:txBody>
-          <a:bodyPr wrap="none" rtlCol="0">
-            <a:spAutoFit/>
-          </a:bodyPr>
-          <a:lstStyle/>
-          <a:p>
-            <a:pPr algn="ctr"/>
-            <a:r>
-              <a:rPr lang="en-US" altLang="ja-JP" sz="1100" b="1" dirty="0"/>
-              <a:t>Credential</a:t>
-            </a:r>
-          </a:p>
-          <a:p>
-            <a:pPr algn="ctr"/>
-            <a:r>
-              <a:rPr lang="en-US" altLang="ja-JP" sz="1100" b="1" dirty="0"/>
-              <a:t>Private key</a:t>
-            </a:r>
-            <a:endParaRPr lang="en-JP" sz="1100" b="1" dirty="0"/>
-          </a:p>
-        </p:txBody>
-      </p:sp>
-      <p:pic>
-        <p:nvPicPr>
-          <p:cNvPr id="46" name="Picture 45">
-            <a:extLst>
-              <a:ext uri="{FF2B5EF4-FFF2-40B4-BE49-F238E27FC236}">
-                <a16:creationId xmlns:a16="http://schemas.microsoft.com/office/drawing/2014/main" id="{96162302-A3B6-5041-9523-E359CB3F2014}"/>
-              </a:ext>
-            </a:extLst>
-          </p:cNvPr>
-          <p:cNvPicPr>
-            <a:picLocks noChangeAspect="1"/>
-          </p:cNvPicPr>
-          <p:nvPr/>
-        </p:nvPicPr>
-        <p:blipFill>
-          <a:blip r:embed="rId4"/>
           <a:stretch>
             <a:fillRect/>
           </a:stretch>
@@ -19387,6 +19314,36 @@
           <p:nvPr/>
         </p:nvPicPr>
         <p:blipFill>
+          <a:blip r:embed="rId4"/>
+          <a:stretch>
+            <a:fillRect/>
+          </a:stretch>
+        </p:blipFill>
+        <p:spPr>
+          <a:xfrm>
+            <a:off x="8112452" y="-51484"/>
+            <a:ext cx="342327" cy="342327"/>
+          </a:xfrm>
+          <a:prstGeom prst="rect">
+            <a:avLst/>
+          </a:prstGeom>
+        </p:spPr>
+      </p:pic>
+      <p:pic>
+        <p:nvPicPr>
+          <p:cNvPr id="40" name="Picture 39">
+            <a:extLst>
+              <a:ext uri="{FF2B5EF4-FFF2-40B4-BE49-F238E27FC236}">
+                <a16:creationId xmlns:a16="http://schemas.microsoft.com/office/drawing/2014/main" id="{F434F987-D1B8-CD47-B480-955B7BC950F1}"/>
+              </a:ext>
+            </a:extLst>
+          </p:cNvPr>
+          <p:cNvPicPr>
+            <a:picLocks noChangeAspect="1"/>
+          </p:cNvPicPr>
+          <p:nvPr/>
+        </p:nvPicPr>
+        <p:blipFill>
           <a:blip r:embed="rId5"/>
           <a:stretch>
             <a:fillRect/>
@@ -19394,8 +19351,8 @@
         </p:blipFill>
         <p:spPr>
           <a:xfrm>
-            <a:off x="8112452" y="-51484"/>
-            <a:ext cx="342327" cy="342327"/>
+            <a:off x="6710728" y="2884149"/>
+            <a:ext cx="491002" cy="491002"/>
           </a:xfrm>
           <a:prstGeom prst="rect">
             <a:avLst/>
@@ -19404,10 +19361,10 @@
       </p:pic>
       <p:pic>
         <p:nvPicPr>
-          <p:cNvPr id="24" name="Picture 23">
-            <a:extLst>
-              <a:ext uri="{FF2B5EF4-FFF2-40B4-BE49-F238E27FC236}">
-                <a16:creationId xmlns:a16="http://schemas.microsoft.com/office/drawing/2014/main" id="{8AACAF88-AF0F-0743-8741-67C161614DB2}"/>
+          <p:cNvPr id="41" name="Picture 40">
+            <a:extLst>
+              <a:ext uri="{FF2B5EF4-FFF2-40B4-BE49-F238E27FC236}">
+                <a16:creationId xmlns:a16="http://schemas.microsoft.com/office/drawing/2014/main" id="{DA29C9F1-828F-544F-AB79-81AFB536692F}"/>
               </a:ext>
             </a:extLst>
           </p:cNvPr>
@@ -19417,14 +19374,14 @@
           <p:nvPr/>
         </p:nvPicPr>
         <p:blipFill>
-          <a:blip r:embed="rId6"/>
+          <a:blip r:embed="rId5"/>
           <a:stretch>
             <a:fillRect/>
           </a:stretch>
         </p:blipFill>
         <p:spPr>
           <a:xfrm>
-            <a:off x="6720094" y="3980683"/>
+            <a:off x="6743487" y="1196092"/>
             <a:ext cx="491002" cy="491002"/>
           </a:xfrm>
           <a:prstGeom prst="rect">
@@ -19434,10 +19391,10 @@
       </p:pic>
       <p:sp>
         <p:nvSpPr>
-          <p:cNvPr id="39" name="TextBox 38">
-            <a:extLst>
-              <a:ext uri="{FF2B5EF4-FFF2-40B4-BE49-F238E27FC236}">
-                <a16:creationId xmlns:a16="http://schemas.microsoft.com/office/drawing/2014/main" id="{D33C992D-FCAD-7243-8B74-3BC30551148E}"/>
+          <p:cNvPr id="42" name="TextBox 41">
+            <a:extLst>
+              <a:ext uri="{FF2B5EF4-FFF2-40B4-BE49-F238E27FC236}">
+                <a16:creationId xmlns:a16="http://schemas.microsoft.com/office/drawing/2014/main" id="{B16785C4-7549-1B48-8AD4-9F46C8A39DBE}"/>
               </a:ext>
             </a:extLst>
           </p:cNvPr>
@@ -19446,8 +19403,8 @@
         </p:nvSpPr>
         <p:spPr>
           <a:xfrm>
-            <a:off x="6586324" y="4411783"/>
-            <a:ext cx="758541" cy="430887"/>
+            <a:off x="7888314" y="335136"/>
+            <a:ext cx="790601" cy="430887"/>
           </a:xfrm>
           <a:prstGeom prst="rect">
             <a:avLst/>
@@ -19455,7 +19412,7 @@
           <a:noFill/>
         </p:spPr>
         <p:txBody>
-          <a:bodyPr wrap="square" rtlCol="0">
+          <a:bodyPr wrap="none" rtlCol="0">
             <a:spAutoFit/>
           </a:bodyPr>
           <a:lstStyle/>
@@ -19463,25 +19420,25 @@
             <a:pPr algn="ctr"/>
             <a:r>
               <a:rPr lang="en-US" altLang="ja-JP" sz="1100" b="1" dirty="0"/>
-              <a:t>Challenge</a:t>
+              <a:t>Credential</a:t>
             </a:r>
           </a:p>
           <a:p>
             <a:pPr algn="ctr"/>
             <a:r>
-              <a:rPr lang="ja-JP" altLang="en-US" sz="1100" b="1"/>
-              <a:t>への署名</a:t>
-            </a:r>
-            <a:endParaRPr lang="en-US" altLang="ja-JP" sz="1100" b="1" dirty="0"/>
+              <a:rPr lang="en-US" altLang="ja-JP" sz="1100" b="1" dirty="0"/>
+              <a:t>Public key</a:t>
+            </a:r>
+            <a:endParaRPr lang="en-JP" sz="1100" b="1" dirty="0"/>
           </a:p>
         </p:txBody>
       </p:sp>
       <p:pic>
         <p:nvPicPr>
-          <p:cNvPr id="40" name="Picture 39">
-            <a:extLst>
-              <a:ext uri="{FF2B5EF4-FFF2-40B4-BE49-F238E27FC236}">
-                <a16:creationId xmlns:a16="http://schemas.microsoft.com/office/drawing/2014/main" id="{F434F987-D1B8-CD47-B480-955B7BC950F1}"/>
+          <p:cNvPr id="48" name="Picture 47">
+            <a:extLst>
+              <a:ext uri="{FF2B5EF4-FFF2-40B4-BE49-F238E27FC236}">
+                <a16:creationId xmlns:a16="http://schemas.microsoft.com/office/drawing/2014/main" id="{14402A85-FF8F-9D42-8A5D-8C825C133845}"/>
               </a:ext>
             </a:extLst>
           </p:cNvPr>
@@ -19491,111 +19448,7 @@
           <p:nvPr/>
         </p:nvPicPr>
         <p:blipFill>
-          <a:blip r:embed="rId6"/>
-          <a:stretch>
-            <a:fillRect/>
-          </a:stretch>
-        </p:blipFill>
-        <p:spPr>
-          <a:xfrm>
-            <a:off x="6710728" y="2884149"/>
-            <a:ext cx="491002" cy="491002"/>
-          </a:xfrm>
-          <a:prstGeom prst="rect">
-            <a:avLst/>
-          </a:prstGeom>
-        </p:spPr>
-      </p:pic>
-      <p:pic>
-        <p:nvPicPr>
-          <p:cNvPr id="41" name="Picture 40">
-            <a:extLst>
-              <a:ext uri="{FF2B5EF4-FFF2-40B4-BE49-F238E27FC236}">
-                <a16:creationId xmlns:a16="http://schemas.microsoft.com/office/drawing/2014/main" id="{DA29C9F1-828F-544F-AB79-81AFB536692F}"/>
-              </a:ext>
-            </a:extLst>
-          </p:cNvPr>
-          <p:cNvPicPr>
-            <a:picLocks noChangeAspect="1"/>
-          </p:cNvPicPr>
-          <p:nvPr/>
-        </p:nvPicPr>
-        <p:blipFill>
-          <a:blip r:embed="rId6"/>
-          <a:stretch>
-            <a:fillRect/>
-          </a:stretch>
-        </p:blipFill>
-        <p:spPr>
-          <a:xfrm>
-            <a:off x="6743487" y="1196092"/>
-            <a:ext cx="491002" cy="491002"/>
-          </a:xfrm>
-          <a:prstGeom prst="rect">
-            <a:avLst/>
-          </a:prstGeom>
-        </p:spPr>
-      </p:pic>
-      <p:sp>
-        <p:nvSpPr>
-          <p:cNvPr id="42" name="TextBox 41">
-            <a:extLst>
-              <a:ext uri="{FF2B5EF4-FFF2-40B4-BE49-F238E27FC236}">
-                <a16:creationId xmlns:a16="http://schemas.microsoft.com/office/drawing/2014/main" id="{B16785C4-7549-1B48-8AD4-9F46C8A39DBE}"/>
-              </a:ext>
-            </a:extLst>
-          </p:cNvPr>
-          <p:cNvSpPr txBox="1"/>
-          <p:nvPr/>
-        </p:nvSpPr>
-        <p:spPr>
-          <a:xfrm>
-            <a:off x="7888314" y="335136"/>
-            <a:ext cx="790601" cy="430887"/>
-          </a:xfrm>
-          <a:prstGeom prst="rect">
-            <a:avLst/>
-          </a:prstGeom>
-          <a:noFill/>
-        </p:spPr>
-        <p:txBody>
-          <a:bodyPr wrap="none" rtlCol="0">
-            <a:spAutoFit/>
-          </a:bodyPr>
-          <a:lstStyle/>
-          <a:p>
-            <a:pPr algn="ctr"/>
-            <a:r>
-              <a:rPr lang="en-US" altLang="ja-JP" sz="1100" b="1" dirty="0"/>
-              <a:t>Credential</a:t>
-            </a:r>
-          </a:p>
-          <a:p>
-            <a:pPr algn="ctr"/>
-            <a:r>
-              <a:rPr lang="en-US" altLang="ja-JP" sz="1100" b="1" dirty="0"/>
-              <a:t>Public key</a:t>
-            </a:r>
-            <a:endParaRPr lang="en-JP" sz="1100" b="1" dirty="0"/>
-          </a:p>
-        </p:txBody>
-      </p:sp>
-      <p:pic>
-        <p:nvPicPr>
-          <p:cNvPr id="48" name="Picture 47">
-            <a:extLst>
-              <a:ext uri="{FF2B5EF4-FFF2-40B4-BE49-F238E27FC236}">
-                <a16:creationId xmlns:a16="http://schemas.microsoft.com/office/drawing/2014/main" id="{14402A85-FF8F-9D42-8A5D-8C825C133845}"/>
-              </a:ext>
-            </a:extLst>
-          </p:cNvPr>
-          <p:cNvPicPr>
-            <a:picLocks noChangeAspect="1"/>
-          </p:cNvPicPr>
-          <p:nvPr/>
-        </p:nvPicPr>
-        <p:blipFill>
-          <a:blip r:embed="rId6"/>
+          <a:blip r:embed="rId5"/>
           <a:stretch>
             <a:fillRect/>
           </a:stretch>
@@ -19706,82 +19559,6 @@
           <a:xfrm flipH="1">
             <a:off x="7229973" y="302719"/>
             <a:ext cx="768836" cy="4489"/>
-          </a:xfrm>
-          <a:prstGeom prst="straightConnector1">
-            <a:avLst/>
-          </a:prstGeom>
-          <a:ln>
-            <a:tailEnd type="triangle"/>
-          </a:ln>
-        </p:spPr>
-        <p:style>
-          <a:lnRef idx="1">
-            <a:schemeClr val="accent1"/>
-          </a:lnRef>
-          <a:fillRef idx="0">
-            <a:schemeClr val="accent1"/>
-          </a:fillRef>
-          <a:effectRef idx="0">
-            <a:schemeClr val="accent1"/>
-          </a:effectRef>
-          <a:fontRef idx="minor">
-            <a:schemeClr val="tx1"/>
-          </a:fontRef>
-        </p:style>
-      </p:cxnSp>
-      <p:sp>
-        <p:nvSpPr>
-          <p:cNvPr id="55" name="TextBox 54">
-            <a:extLst>
-              <a:ext uri="{FF2B5EF4-FFF2-40B4-BE49-F238E27FC236}">
-                <a16:creationId xmlns:a16="http://schemas.microsoft.com/office/drawing/2014/main" id="{A6C5C667-A0B8-3043-BBBE-138BA85F17B4}"/>
-              </a:ext>
-            </a:extLst>
-          </p:cNvPr>
-          <p:cNvSpPr txBox="1"/>
-          <p:nvPr/>
-        </p:nvSpPr>
-        <p:spPr>
-          <a:xfrm>
-            <a:off x="5687008" y="3990477"/>
-            <a:ext cx="1075679" cy="276999"/>
-          </a:xfrm>
-          <a:prstGeom prst="rect">
-            <a:avLst/>
-          </a:prstGeom>
-          <a:noFill/>
-        </p:spPr>
-        <p:txBody>
-          <a:bodyPr wrap="none" rtlCol="0">
-            <a:spAutoFit/>
-          </a:bodyPr>
-          <a:lstStyle/>
-          <a:p>
-            <a:r>
-              <a:rPr lang="en-JP" sz="1200" b="1" dirty="0"/>
-              <a:t>Generate Sign</a:t>
-            </a:r>
-          </a:p>
-        </p:txBody>
-      </p:sp>
-      <p:cxnSp>
-        <p:nvCxnSpPr>
-          <p:cNvPr id="56" name="Straight Arrow Connector 55">
-            <a:extLst>
-              <a:ext uri="{FF2B5EF4-FFF2-40B4-BE49-F238E27FC236}">
-                <a16:creationId xmlns:a16="http://schemas.microsoft.com/office/drawing/2014/main" id="{00A01C67-00C2-824A-9F15-D1563CBB080E}"/>
-              </a:ext>
-            </a:extLst>
-          </p:cNvPr>
-          <p:cNvCxnSpPr>
-            <a:cxnSpLocks/>
-          </p:cNvCxnSpPr>
-          <p:nvPr/>
-        </p:nvCxnSpPr>
-        <p:spPr>
-          <a:xfrm>
-            <a:off x="5858170" y="4267476"/>
-            <a:ext cx="779360" cy="0"/>
           </a:xfrm>
           <a:prstGeom prst="straightConnector1">
             <a:avLst/>
@@ -19820,7 +19597,7 @@
           <p:nvPr/>
         </p:nvPicPr>
         <p:blipFill>
-          <a:blip r:embed="rId7"/>
+          <a:blip r:embed="rId6"/>
           <a:stretch>
             <a:fillRect/>
           </a:stretch>
@@ -19841,6 +19618,439 @@
             <a:extLst>
               <a:ext uri="{FF2B5EF4-FFF2-40B4-BE49-F238E27FC236}">
                 <a16:creationId xmlns:a16="http://schemas.microsoft.com/office/drawing/2014/main" id="{E6A6DB37-D755-6F4E-94E3-5D3F46D74338}"/>
+              </a:ext>
+            </a:extLst>
+          </p:cNvPr>
+          <p:cNvPicPr>
+            <a:picLocks noChangeAspect="1"/>
+          </p:cNvPicPr>
+          <p:nvPr/>
+        </p:nvPicPr>
+        <p:blipFill>
+          <a:blip r:embed="rId6"/>
+          <a:stretch>
+            <a:fillRect/>
+          </a:stretch>
+        </p:blipFill>
+        <p:spPr>
+          <a:xfrm>
+            <a:off x="4655289" y="2860550"/>
+            <a:ext cx="295894" cy="343383"/>
+          </a:xfrm>
+          <a:prstGeom prst="rect">
+            <a:avLst/>
+          </a:prstGeom>
+        </p:spPr>
+      </p:pic>
+      <p:sp>
+        <p:nvSpPr>
+          <p:cNvPr id="60" name="TextBox 59">
+            <a:extLst>
+              <a:ext uri="{FF2B5EF4-FFF2-40B4-BE49-F238E27FC236}">
+                <a16:creationId xmlns:a16="http://schemas.microsoft.com/office/drawing/2014/main" id="{CD457AFF-4887-554B-B70F-270305BDF0EB}"/>
+              </a:ext>
+            </a:extLst>
+          </p:cNvPr>
+          <p:cNvSpPr txBox="1"/>
+          <p:nvPr/>
+        </p:nvSpPr>
+        <p:spPr>
+          <a:xfrm>
+            <a:off x="4425484" y="1406230"/>
+            <a:ext cx="758541" cy="261610"/>
+          </a:xfrm>
+          <a:prstGeom prst="rect">
+            <a:avLst/>
+          </a:prstGeom>
+          <a:noFill/>
+        </p:spPr>
+        <p:txBody>
+          <a:bodyPr wrap="none" rtlCol="0">
+            <a:spAutoFit/>
+          </a:bodyPr>
+          <a:lstStyle/>
+          <a:p>
+            <a:r>
+              <a:rPr lang="en-JP" sz="1100" b="1" dirty="0"/>
+              <a:t>Challenge</a:t>
+            </a:r>
+          </a:p>
+        </p:txBody>
+      </p:sp>
+      <p:sp>
+        <p:nvSpPr>
+          <p:cNvPr id="43" name="TextBox 42">
+            <a:extLst>
+              <a:ext uri="{FF2B5EF4-FFF2-40B4-BE49-F238E27FC236}">
+                <a16:creationId xmlns:a16="http://schemas.microsoft.com/office/drawing/2014/main" id="{B25F26C1-CDA5-8947-AFC9-258419C86D3F}"/>
+              </a:ext>
+            </a:extLst>
+          </p:cNvPr>
+          <p:cNvSpPr txBox="1"/>
+          <p:nvPr/>
+        </p:nvSpPr>
+        <p:spPr>
+          <a:xfrm>
+            <a:off x="7109076" y="4046307"/>
+            <a:ext cx="3364960" cy="646331"/>
+          </a:xfrm>
+          <a:prstGeom prst="rect">
+            <a:avLst/>
+          </a:prstGeom>
+          <a:noFill/>
+        </p:spPr>
+        <p:txBody>
+          <a:bodyPr wrap="none" rtlCol="0">
+            <a:spAutoFit/>
+          </a:bodyPr>
+          <a:lstStyle/>
+          <a:p>
+            <a:r>
+              <a:rPr lang="en-JP" sz="1200" b="1" dirty="0">
+                <a:solidFill>
+                  <a:schemeClr val="bg2">
+                    <a:lumMod val="90000"/>
+                  </a:schemeClr>
+                </a:solidFill>
+              </a:rPr>
+              <a:t>④</a:t>
+            </a:r>
+            <a:r>
+              <a:rPr lang="en-US" sz="1200" b="1" dirty="0">
+                <a:solidFill>
+                  <a:schemeClr val="bg2">
+                    <a:lumMod val="90000"/>
+                  </a:schemeClr>
+                </a:solidFill>
+              </a:rPr>
+              <a:t> </a:t>
+            </a:r>
+            <a:r>
+              <a:rPr lang="ja-JP" altLang="en-US" sz="1200" b="1">
+                <a:solidFill>
+                  <a:schemeClr val="bg2">
+                    <a:lumMod val="90000"/>
+                  </a:schemeClr>
+                </a:solidFill>
+              </a:rPr>
+              <a:t>要求ユーザのローカル認証</a:t>
+            </a:r>
+            <a:r>
+              <a:rPr lang="en-US" altLang="ja-JP" sz="1200" b="1" dirty="0">
+                <a:solidFill>
+                  <a:schemeClr val="bg2">
+                    <a:lumMod val="90000"/>
+                  </a:schemeClr>
+                </a:solidFill>
+              </a:rPr>
+              <a:t>(PIN</a:t>
+            </a:r>
+            <a:r>
+              <a:rPr lang="ja-JP" altLang="en-US" sz="1200" b="1">
+                <a:solidFill>
+                  <a:schemeClr val="bg2">
+                    <a:lumMod val="90000"/>
+                  </a:schemeClr>
+                </a:solidFill>
+              </a:rPr>
+              <a:t>や指紋</a:t>
+            </a:r>
+            <a:r>
+              <a:rPr lang="en-US" altLang="ja-JP" sz="1200" b="1" dirty="0">
+                <a:solidFill>
+                  <a:schemeClr val="bg2">
+                    <a:lumMod val="90000"/>
+                  </a:schemeClr>
+                </a:solidFill>
+              </a:rPr>
+              <a:t>)</a:t>
+            </a:r>
+            <a:r>
+              <a:rPr lang="ja-JP" altLang="en-US" sz="1200" b="1">
+                <a:solidFill>
+                  <a:schemeClr val="bg2">
+                    <a:lumMod val="90000"/>
+                  </a:schemeClr>
+                </a:solidFill>
+              </a:rPr>
+              <a:t>、</a:t>
+            </a:r>
+            <a:br>
+              <a:rPr lang="en-US" altLang="ja-JP" sz="1200" b="1" dirty="0">
+                <a:solidFill>
+                  <a:schemeClr val="bg2">
+                    <a:lumMod val="90000"/>
+                  </a:schemeClr>
+                </a:solidFill>
+              </a:rPr>
+            </a:br>
+            <a:r>
+              <a:rPr lang="ja-JP" altLang="en-US" sz="1200" b="1">
+                <a:solidFill>
+                  <a:schemeClr val="bg2">
+                    <a:lumMod val="90000"/>
+                  </a:schemeClr>
+                </a:solidFill>
+              </a:rPr>
+              <a:t>　  </a:t>
+            </a:r>
+            <a:r>
+              <a:rPr lang="en-US" altLang="ja-JP" sz="1200" b="1" dirty="0">
+                <a:solidFill>
+                  <a:schemeClr val="bg2">
+                    <a:lumMod val="90000"/>
+                  </a:schemeClr>
+                </a:solidFill>
+              </a:rPr>
+              <a:t>Challenge</a:t>
+            </a:r>
+            <a:r>
+              <a:rPr lang="ja-JP" altLang="en-US" sz="1200" b="1">
+                <a:solidFill>
+                  <a:schemeClr val="bg2">
+                    <a:lumMod val="90000"/>
+                  </a:schemeClr>
+                </a:solidFill>
+              </a:rPr>
+              <a:t>へ</a:t>
+            </a:r>
+            <a:r>
+              <a:rPr lang="en-US" altLang="ja-JP" sz="1200" b="1" dirty="0">
+                <a:solidFill>
+                  <a:schemeClr val="bg2">
+                    <a:lumMod val="90000"/>
+                  </a:schemeClr>
+                </a:solidFill>
+              </a:rPr>
+              <a:t>Credential Private Key</a:t>
+            </a:r>
+            <a:r>
+              <a:rPr lang="ja-JP" altLang="en-US" sz="1200" b="1">
+                <a:solidFill>
+                  <a:schemeClr val="bg2">
+                    <a:lumMod val="90000"/>
+                  </a:schemeClr>
+                </a:solidFill>
+              </a:rPr>
+              <a:t>で署名付与</a:t>
+            </a:r>
+            <a:endParaRPr lang="en-US" altLang="ja-JP" sz="1200" b="1" dirty="0">
+              <a:solidFill>
+                <a:schemeClr val="bg2">
+                  <a:lumMod val="90000"/>
+                </a:schemeClr>
+              </a:solidFill>
+            </a:endParaRPr>
+          </a:p>
+          <a:p>
+            <a:r>
+              <a:rPr lang="ja-JP" altLang="en-US" sz="1200" b="1">
+                <a:solidFill>
+                  <a:schemeClr val="bg2">
+                    <a:lumMod val="90000"/>
+                  </a:schemeClr>
+                </a:solidFill>
+              </a:rPr>
+              <a:t>　  </a:t>
+            </a:r>
+            <a:r>
+              <a:rPr lang="en-US" altLang="ja-JP" sz="1200" b="1" dirty="0">
+                <a:solidFill>
+                  <a:schemeClr val="bg2">
+                    <a:lumMod val="90000"/>
+                  </a:schemeClr>
+                </a:solidFill>
+              </a:rPr>
+              <a:t>(Assertion</a:t>
+            </a:r>
+            <a:r>
+              <a:rPr lang="ja-JP" altLang="en-US" sz="1200" b="1">
+                <a:solidFill>
+                  <a:schemeClr val="bg2">
+                    <a:lumMod val="90000"/>
+                  </a:schemeClr>
+                </a:solidFill>
+              </a:rPr>
+              <a:t>の生成</a:t>
+            </a:r>
+            <a:r>
+              <a:rPr lang="en-US" altLang="ja-JP" sz="1200" b="1" dirty="0">
+                <a:solidFill>
+                  <a:schemeClr val="bg2">
+                    <a:lumMod val="90000"/>
+                  </a:schemeClr>
+                </a:solidFill>
+              </a:rPr>
+              <a:t>)</a:t>
+            </a:r>
+            <a:endParaRPr lang="en-JP" sz="1200" b="1" dirty="0">
+              <a:solidFill>
+                <a:schemeClr val="bg2">
+                  <a:lumMod val="90000"/>
+                </a:schemeClr>
+              </a:solidFill>
+            </a:endParaRPr>
+          </a:p>
+        </p:txBody>
+      </p:sp>
+      <p:sp>
+        <p:nvSpPr>
+          <p:cNvPr id="44" name="TextBox 43">
+            <a:extLst>
+              <a:ext uri="{FF2B5EF4-FFF2-40B4-BE49-F238E27FC236}">
+                <a16:creationId xmlns:a16="http://schemas.microsoft.com/office/drawing/2014/main" id="{0349EB2F-BF61-9847-82A7-63CF340E92C6}"/>
+              </a:ext>
+            </a:extLst>
+          </p:cNvPr>
+          <p:cNvSpPr txBox="1"/>
+          <p:nvPr/>
+        </p:nvSpPr>
+        <p:spPr>
+          <a:xfrm>
+            <a:off x="8568422" y="162192"/>
+            <a:ext cx="1905614" cy="646331"/>
+          </a:xfrm>
+          <a:prstGeom prst="rect">
+            <a:avLst/>
+          </a:prstGeom>
+          <a:noFill/>
+        </p:spPr>
+        <p:txBody>
+          <a:bodyPr wrap="square" rtlCol="0">
+            <a:spAutoFit/>
+          </a:bodyPr>
+          <a:lstStyle/>
+          <a:p>
+            <a:r>
+              <a:rPr lang="ja-JP" altLang="en-US" sz="1200" b="1">
+                <a:solidFill>
+                  <a:schemeClr val="bg2">
+                    <a:lumMod val="90000"/>
+                  </a:schemeClr>
+                </a:solidFill>
+              </a:rPr>
+              <a:t>⑧</a:t>
+            </a:r>
+            <a:r>
+              <a:rPr lang="en-US" altLang="ja-JP" sz="1200" b="1" dirty="0">
+                <a:solidFill>
+                  <a:schemeClr val="bg2">
+                    <a:lumMod val="90000"/>
+                  </a:schemeClr>
+                </a:solidFill>
+              </a:rPr>
+              <a:t> </a:t>
+            </a:r>
+            <a:r>
+              <a:rPr lang="ja-JP" altLang="en-US" sz="1200" b="1">
+                <a:solidFill>
+                  <a:schemeClr val="bg2">
+                    <a:lumMod val="90000"/>
+                  </a:schemeClr>
+                </a:solidFill>
+              </a:rPr>
+              <a:t>登録済み</a:t>
+            </a:r>
+            <a:r>
+              <a:rPr lang="en-US" altLang="ja-JP" sz="1200" b="1" dirty="0">
+                <a:solidFill>
+                  <a:schemeClr val="bg2">
+                    <a:lumMod val="90000"/>
+                  </a:schemeClr>
+                </a:solidFill>
+              </a:rPr>
+              <a:t>Credential</a:t>
+            </a:r>
+          </a:p>
+          <a:p>
+            <a:r>
+              <a:rPr lang="ja-JP" altLang="en-US" sz="1200" b="1">
+                <a:solidFill>
+                  <a:schemeClr val="bg2">
+                    <a:lumMod val="90000"/>
+                  </a:schemeClr>
+                </a:solidFill>
+              </a:rPr>
+              <a:t>　 </a:t>
+            </a:r>
+            <a:r>
+              <a:rPr lang="en-US" altLang="ja-JP" sz="1200" b="1" dirty="0">
+                <a:solidFill>
+                  <a:schemeClr val="bg2">
+                    <a:lumMod val="90000"/>
+                  </a:schemeClr>
+                </a:solidFill>
+              </a:rPr>
+              <a:t>Public Key</a:t>
+            </a:r>
+            <a:r>
+              <a:rPr lang="ja-JP" altLang="en-US" sz="1200" b="1">
+                <a:solidFill>
+                  <a:schemeClr val="bg2">
+                    <a:lumMod val="90000"/>
+                  </a:schemeClr>
+                </a:solidFill>
+              </a:rPr>
+              <a:t>で署名検証</a:t>
+            </a:r>
+            <a:endParaRPr lang="en-JP" altLang="ja-JP" sz="1200" b="1" dirty="0">
+              <a:solidFill>
+                <a:schemeClr val="bg2">
+                  <a:lumMod val="90000"/>
+                </a:schemeClr>
+              </a:solidFill>
+            </a:endParaRPr>
+          </a:p>
+          <a:p>
+            <a:r>
+              <a:rPr lang="ja-JP" altLang="en-US" sz="1200" b="1">
+                <a:solidFill>
+                  <a:schemeClr val="bg2">
+                    <a:lumMod val="90000"/>
+                  </a:schemeClr>
+                </a:solidFill>
+              </a:rPr>
+              <a:t>　 </a:t>
+            </a:r>
+            <a:r>
+              <a:rPr lang="en-US" altLang="ja-JP" sz="1200" b="1" dirty="0">
+                <a:solidFill>
+                  <a:schemeClr val="bg2">
+                    <a:lumMod val="90000"/>
+                  </a:schemeClr>
+                </a:solidFill>
+              </a:rPr>
+              <a:t>(Assertion</a:t>
+            </a:r>
+            <a:r>
+              <a:rPr lang="ja-JP" altLang="en-US" sz="1200" b="1">
+                <a:solidFill>
+                  <a:schemeClr val="bg2">
+                    <a:lumMod val="90000"/>
+                  </a:schemeClr>
+                </a:solidFill>
+              </a:rPr>
+              <a:t>の検証</a:t>
+            </a:r>
+            <a:r>
+              <a:rPr lang="en-US" altLang="ja-JP" sz="1200" b="1" dirty="0">
+                <a:solidFill>
+                  <a:schemeClr val="bg2">
+                    <a:lumMod val="90000"/>
+                  </a:schemeClr>
+                </a:solidFill>
+              </a:rPr>
+              <a:t>)</a:t>
+            </a:r>
+          </a:p>
+        </p:txBody>
+      </p:sp>
+      <p:pic>
+        <p:nvPicPr>
+          <p:cNvPr id="64" name="Picture 63">
+            <a:extLst>
+              <a:ext uri="{FF2B5EF4-FFF2-40B4-BE49-F238E27FC236}">
+                <a16:creationId xmlns:a16="http://schemas.microsoft.com/office/drawing/2014/main" id="{62AFC672-6B42-224A-9219-21A7B9BF12B1}"/>
               </a:ext>
             </a:extLst>
           </p:cNvPr>
@@ -19857,8 +20067,8 @@
         </p:blipFill>
         <p:spPr>
           <a:xfrm>
-            <a:off x="4655289" y="2860550"/>
-            <a:ext cx="295894" cy="343383"/>
+            <a:off x="6504441" y="4358534"/>
+            <a:ext cx="407646" cy="407646"/>
           </a:xfrm>
           <a:prstGeom prst="rect">
             <a:avLst/>
@@ -19867,10 +20077,10 @@
       </p:pic>
       <p:sp>
         <p:nvSpPr>
-          <p:cNvPr id="60" name="TextBox 59">
-            <a:extLst>
-              <a:ext uri="{FF2B5EF4-FFF2-40B4-BE49-F238E27FC236}">
-                <a16:creationId xmlns:a16="http://schemas.microsoft.com/office/drawing/2014/main" id="{CD457AFF-4887-554B-B70F-270305BDF0EB}"/>
+          <p:cNvPr id="65" name="TextBox 64">
+            <a:extLst>
+              <a:ext uri="{FF2B5EF4-FFF2-40B4-BE49-F238E27FC236}">
+                <a16:creationId xmlns:a16="http://schemas.microsoft.com/office/drawing/2014/main" id="{09E8827C-E989-6C4A-B17E-4013C430C087}"/>
               </a:ext>
             </a:extLst>
           </p:cNvPr>
@@ -19879,8 +20089,8 @@
         </p:nvSpPr>
         <p:spPr>
           <a:xfrm>
-            <a:off x="4425484" y="1406230"/>
-            <a:ext cx="758541" cy="261610"/>
+            <a:off x="6303063" y="4665722"/>
+            <a:ext cx="838691" cy="430887"/>
           </a:xfrm>
           <a:prstGeom prst="rect">
             <a:avLst/>
@@ -19893,19 +20103,28 @@
           </a:bodyPr>
           <a:lstStyle/>
           <a:p>
-            <a:r>
-              <a:rPr lang="en-JP" sz="1100" b="1" dirty="0"/>
-              <a:t>Challenge</a:t>
-            </a:r>
+            <a:pPr algn="ctr"/>
+            <a:r>
+              <a:rPr lang="en-US" altLang="ja-JP" sz="1100" b="1" dirty="0"/>
+              <a:t>Credential</a:t>
+            </a:r>
+          </a:p>
+          <a:p>
+            <a:pPr algn="ctr"/>
+            <a:r>
+              <a:rPr lang="en-US" altLang="ja-JP" sz="1100" b="1" dirty="0"/>
+              <a:t>Private key</a:t>
+            </a:r>
+            <a:endParaRPr lang="en-JP" sz="1100" b="1" dirty="0"/>
           </a:p>
         </p:txBody>
       </p:sp>
       <p:pic>
         <p:nvPicPr>
-          <p:cNvPr id="61" name="Picture 60">
-            <a:extLst>
-              <a:ext uri="{FF2B5EF4-FFF2-40B4-BE49-F238E27FC236}">
-                <a16:creationId xmlns:a16="http://schemas.microsoft.com/office/drawing/2014/main" id="{7173BBD5-A9EF-FC4F-B836-4867E1C3ADEA}"/>
+          <p:cNvPr id="66" name="Picture 65">
+            <a:extLst>
+              <a:ext uri="{FF2B5EF4-FFF2-40B4-BE49-F238E27FC236}">
+                <a16:creationId xmlns:a16="http://schemas.microsoft.com/office/drawing/2014/main" id="{D69BDF82-5777-8F46-9533-07981AEA421E}"/>
               </a:ext>
             </a:extLst>
           </p:cNvPr>
@@ -19915,15 +20134,15 @@
           <p:nvPr/>
         </p:nvPicPr>
         <p:blipFill>
-          <a:blip r:embed="rId7"/>
+          <a:blip r:embed="rId5"/>
           <a:stretch>
             <a:fillRect/>
           </a:stretch>
         </p:blipFill>
         <p:spPr>
           <a:xfrm>
-            <a:off x="5350988" y="3972883"/>
-            <a:ext cx="295894" cy="343383"/>
+            <a:off x="5886030" y="3914467"/>
+            <a:ext cx="334463" cy="334463"/>
           </a:xfrm>
           <a:prstGeom prst="rect">
             <a:avLst/>
@@ -19932,10 +20151,10 @@
       </p:pic>
       <p:sp>
         <p:nvSpPr>
-          <p:cNvPr id="62" name="TextBox 61">
-            <a:extLst>
-              <a:ext uri="{FF2B5EF4-FFF2-40B4-BE49-F238E27FC236}">
-                <a16:creationId xmlns:a16="http://schemas.microsoft.com/office/drawing/2014/main" id="{F83DF493-6FC4-8147-A139-F7DBB7E12084}"/>
+          <p:cNvPr id="67" name="TextBox 66">
+            <a:extLst>
+              <a:ext uri="{FF2B5EF4-FFF2-40B4-BE49-F238E27FC236}">
+                <a16:creationId xmlns:a16="http://schemas.microsoft.com/office/drawing/2014/main" id="{E8862445-36D3-EC4D-870D-D327E5A5C751}"/>
               </a:ext>
             </a:extLst>
           </p:cNvPr>
@@ -19944,8 +20163,52 @@
         </p:nvSpPr>
         <p:spPr>
           <a:xfrm>
-            <a:off x="5122222" y="4277139"/>
-            <a:ext cx="758541" cy="261610"/>
+            <a:off x="6171551" y="3868723"/>
+            <a:ext cx="758541" cy="430887"/>
+          </a:xfrm>
+          <a:prstGeom prst="rect">
+            <a:avLst/>
+          </a:prstGeom>
+          <a:noFill/>
+        </p:spPr>
+        <p:txBody>
+          <a:bodyPr wrap="square" rtlCol="0">
+            <a:spAutoFit/>
+          </a:bodyPr>
+          <a:lstStyle/>
+          <a:p>
+            <a:pPr algn="ctr"/>
+            <a:r>
+              <a:rPr lang="en-US" altLang="ja-JP" sz="1100" b="1" dirty="0"/>
+              <a:t>Challenge</a:t>
+            </a:r>
+          </a:p>
+          <a:p>
+            <a:pPr algn="ctr"/>
+            <a:r>
+              <a:rPr lang="ja-JP" altLang="en-US" sz="1100" b="1"/>
+              <a:t>への署名</a:t>
+            </a:r>
+            <a:endParaRPr lang="en-US" altLang="ja-JP" sz="1100" b="1" dirty="0"/>
+          </a:p>
+        </p:txBody>
+      </p:sp>
+      <p:sp>
+        <p:nvSpPr>
+          <p:cNvPr id="68" name="TextBox 67">
+            <a:extLst>
+              <a:ext uri="{FF2B5EF4-FFF2-40B4-BE49-F238E27FC236}">
+                <a16:creationId xmlns:a16="http://schemas.microsoft.com/office/drawing/2014/main" id="{59C86BD7-88BB-4946-B013-6B623E3F29A4}"/>
+              </a:ext>
+            </a:extLst>
+          </p:cNvPr>
+          <p:cNvSpPr txBox="1"/>
+          <p:nvPr/>
+        </p:nvSpPr>
+        <p:spPr>
+          <a:xfrm>
+            <a:off x="5886030" y="4400537"/>
+            <a:ext cx="452368" cy="276999"/>
           </a:xfrm>
           <a:prstGeom prst="rect">
             <a:avLst/>
@@ -19959,18 +20222,90 @@
           <a:lstStyle/>
           <a:p>
             <a:r>
-              <a:rPr lang="en-JP" sz="1100" b="1" dirty="0"/>
-              <a:t>Challenge</a:t>
-            </a:r>
-          </a:p>
-        </p:txBody>
-      </p:sp>
-      <p:sp>
-        <p:nvSpPr>
-          <p:cNvPr id="43" name="TextBox 42">
-            <a:extLst>
-              <a:ext uri="{FF2B5EF4-FFF2-40B4-BE49-F238E27FC236}">
-                <a16:creationId xmlns:a16="http://schemas.microsoft.com/office/drawing/2014/main" id="{B25F26C1-CDA5-8947-AFC9-258419C86D3F}"/>
+              <a:rPr lang="en-JP" sz="1200" b="1" dirty="0"/>
+              <a:t>Sign</a:t>
+            </a:r>
+          </a:p>
+        </p:txBody>
+      </p:sp>
+      <p:cxnSp>
+        <p:nvCxnSpPr>
+          <p:cNvPr id="69" name="Straight Arrow Connector 68">
+            <a:extLst>
+              <a:ext uri="{FF2B5EF4-FFF2-40B4-BE49-F238E27FC236}">
+                <a16:creationId xmlns:a16="http://schemas.microsoft.com/office/drawing/2014/main" id="{E142366E-B9CD-8544-B19D-693E2AB84001}"/>
+              </a:ext>
+            </a:extLst>
+          </p:cNvPr>
+          <p:cNvCxnSpPr>
+            <a:cxnSpLocks/>
+            <a:endCxn id="70" idx="2"/>
+          </p:cNvCxnSpPr>
+          <p:nvPr/>
+        </p:nvCxnSpPr>
+        <p:spPr>
+          <a:xfrm flipH="1" flipV="1">
+            <a:off x="5741828" y="4223890"/>
+            <a:ext cx="858886" cy="338467"/>
+          </a:xfrm>
+          <a:prstGeom prst="straightConnector1">
+            <a:avLst/>
+          </a:prstGeom>
+          <a:ln>
+            <a:tailEnd type="triangle"/>
+          </a:ln>
+        </p:spPr>
+        <p:style>
+          <a:lnRef idx="1">
+            <a:schemeClr val="accent1"/>
+          </a:lnRef>
+          <a:fillRef idx="0">
+            <a:schemeClr val="accent1"/>
+          </a:fillRef>
+          <a:effectRef idx="0">
+            <a:schemeClr val="accent1"/>
+          </a:effectRef>
+          <a:fontRef idx="minor">
+            <a:schemeClr val="tx1"/>
+          </a:fontRef>
+        </p:style>
+      </p:cxnSp>
+      <p:pic>
+        <p:nvPicPr>
+          <p:cNvPr id="70" name="Picture 69">
+            <a:extLst>
+              <a:ext uri="{FF2B5EF4-FFF2-40B4-BE49-F238E27FC236}">
+                <a16:creationId xmlns:a16="http://schemas.microsoft.com/office/drawing/2014/main" id="{BC6ADA54-D583-A34B-AD03-4CD1FB4BE29B}"/>
+              </a:ext>
+            </a:extLst>
+          </p:cNvPr>
+          <p:cNvPicPr>
+            <a:picLocks noChangeAspect="1"/>
+          </p:cNvPicPr>
+          <p:nvPr/>
+        </p:nvPicPr>
+        <p:blipFill>
+          <a:blip r:embed="rId6"/>
+          <a:stretch>
+            <a:fillRect/>
+          </a:stretch>
+        </p:blipFill>
+        <p:spPr>
+          <a:xfrm>
+            <a:off x="5593881" y="3880507"/>
+            <a:ext cx="295894" cy="343383"/>
+          </a:xfrm>
+          <a:prstGeom prst="rect">
+            <a:avLst/>
+          </a:prstGeom>
+        </p:spPr>
+      </p:pic>
+      <p:sp>
+        <p:nvSpPr>
+          <p:cNvPr id="71" name="TextBox 70">
+            <a:extLst>
+              <a:ext uri="{FF2B5EF4-FFF2-40B4-BE49-F238E27FC236}">
+                <a16:creationId xmlns:a16="http://schemas.microsoft.com/office/drawing/2014/main" id="{41DF7DB0-CC58-4E43-A684-F84BCE9EE358}"/>
               </a:ext>
             </a:extLst>
           </p:cNvPr>
@@ -19979,8 +20314,8 @@
         </p:nvSpPr>
         <p:spPr>
           <a:xfrm>
-            <a:off x="7109076" y="4046307"/>
-            <a:ext cx="3364960" cy="646331"/>
+            <a:off x="4895387" y="3931255"/>
+            <a:ext cx="758541" cy="261610"/>
           </a:xfrm>
           <a:prstGeom prst="rect">
             <a:avLst/>
@@ -19994,341 +20329,8 @@
           <a:lstStyle/>
           <a:p>
             <a:r>
-              <a:rPr lang="en-JP" sz="1200" b="1" dirty="0">
-                <a:solidFill>
-                  <a:schemeClr val="bg2">
-                    <a:lumMod val="90000"/>
-                  </a:schemeClr>
-                </a:solidFill>
-              </a:rPr>
-              <a:t>④</a:t>
-            </a:r>
-            <a:r>
-              <a:rPr lang="en-US" sz="1200" b="1" dirty="0">
-                <a:solidFill>
-                  <a:schemeClr val="bg2">
-                    <a:lumMod val="90000"/>
-                  </a:schemeClr>
-                </a:solidFill>
-              </a:rPr>
-              <a:t> </a:t>
-            </a:r>
-            <a:r>
-              <a:rPr lang="ja-JP" altLang="en-US" sz="1200" b="1">
-                <a:solidFill>
-                  <a:schemeClr val="bg2">
-                    <a:lumMod val="90000"/>
-                  </a:schemeClr>
-                </a:solidFill>
-              </a:rPr>
-              <a:t>要求ユーザのローカル認証</a:t>
-            </a:r>
-            <a:r>
-              <a:rPr lang="en-US" altLang="ja-JP" sz="1200" b="1" dirty="0">
-                <a:solidFill>
-                  <a:schemeClr val="bg2">
-                    <a:lumMod val="90000"/>
-                  </a:schemeClr>
-                </a:solidFill>
-              </a:rPr>
-              <a:t>(PIN</a:t>
-            </a:r>
-            <a:r>
-              <a:rPr lang="ja-JP" altLang="en-US" sz="1200" b="1">
-                <a:solidFill>
-                  <a:schemeClr val="bg2">
-                    <a:lumMod val="90000"/>
-                  </a:schemeClr>
-                </a:solidFill>
-              </a:rPr>
-              <a:t>や指紋</a:t>
-            </a:r>
-            <a:r>
-              <a:rPr lang="en-US" altLang="ja-JP" sz="1200" b="1" dirty="0">
-                <a:solidFill>
-                  <a:schemeClr val="bg2">
-                    <a:lumMod val="90000"/>
-                  </a:schemeClr>
-                </a:solidFill>
-              </a:rPr>
-              <a:t>)</a:t>
-            </a:r>
-            <a:r>
-              <a:rPr lang="ja-JP" altLang="en-US" sz="1200" b="1">
-                <a:solidFill>
-                  <a:schemeClr val="bg2">
-                    <a:lumMod val="90000"/>
-                  </a:schemeClr>
-                </a:solidFill>
-              </a:rPr>
-              <a:t>、</a:t>
-            </a:r>
-            <a:br>
-              <a:rPr lang="en-US" altLang="ja-JP" sz="1200" b="1" dirty="0">
-                <a:solidFill>
-                  <a:schemeClr val="bg2">
-                    <a:lumMod val="90000"/>
-                  </a:schemeClr>
-                </a:solidFill>
-              </a:rPr>
-            </a:br>
-            <a:r>
-              <a:rPr lang="ja-JP" altLang="en-US" sz="1200" b="1">
-                <a:solidFill>
-                  <a:schemeClr val="bg2">
-                    <a:lumMod val="90000"/>
-                  </a:schemeClr>
-                </a:solidFill>
-              </a:rPr>
-              <a:t>　  </a:t>
-            </a:r>
-            <a:r>
-              <a:rPr lang="en-US" altLang="ja-JP" sz="1200" b="1" dirty="0">
-                <a:solidFill>
-                  <a:schemeClr val="bg2">
-                    <a:lumMod val="90000"/>
-                  </a:schemeClr>
-                </a:solidFill>
-              </a:rPr>
+              <a:rPr lang="en-JP" sz="1100" b="1" dirty="0"/>
               <a:t>Challenge</a:t>
-            </a:r>
-            <a:r>
-              <a:rPr lang="ja-JP" altLang="en-US" sz="1200" b="1">
-                <a:solidFill>
-                  <a:schemeClr val="bg2">
-                    <a:lumMod val="90000"/>
-                  </a:schemeClr>
-                </a:solidFill>
-              </a:rPr>
-              <a:t>へ</a:t>
-            </a:r>
-            <a:r>
-              <a:rPr lang="en-US" altLang="ja-JP" sz="1200" b="1" dirty="0">
-                <a:solidFill>
-                  <a:schemeClr val="bg2">
-                    <a:lumMod val="90000"/>
-                  </a:schemeClr>
-                </a:solidFill>
-              </a:rPr>
-              <a:t>Credential Private Key</a:t>
-            </a:r>
-            <a:r>
-              <a:rPr lang="ja-JP" altLang="en-US" sz="1200" b="1">
-                <a:solidFill>
-                  <a:schemeClr val="bg2">
-                    <a:lumMod val="90000"/>
-                  </a:schemeClr>
-                </a:solidFill>
-              </a:rPr>
-              <a:t>で署名付与</a:t>
-            </a:r>
-            <a:endParaRPr lang="en-US" altLang="ja-JP" sz="1200" b="1" dirty="0">
-              <a:solidFill>
-                <a:schemeClr val="bg2">
-                  <a:lumMod val="90000"/>
-                </a:schemeClr>
-              </a:solidFill>
-            </a:endParaRPr>
-          </a:p>
-          <a:p>
-            <a:r>
-              <a:rPr lang="ja-JP" altLang="en-US" sz="1200" b="1">
-                <a:solidFill>
-                  <a:schemeClr val="bg2">
-                    <a:lumMod val="90000"/>
-                  </a:schemeClr>
-                </a:solidFill>
-              </a:rPr>
-              <a:t>　  </a:t>
-            </a:r>
-            <a:r>
-              <a:rPr lang="en-US" altLang="ja-JP" sz="1200" b="1" dirty="0">
-                <a:solidFill>
-                  <a:schemeClr val="bg2">
-                    <a:lumMod val="90000"/>
-                  </a:schemeClr>
-                </a:solidFill>
-              </a:rPr>
-              <a:t>(Assertion</a:t>
-            </a:r>
-            <a:r>
-              <a:rPr lang="ja-JP" altLang="en-US" sz="1200" b="1">
-                <a:solidFill>
-                  <a:schemeClr val="bg2">
-                    <a:lumMod val="90000"/>
-                  </a:schemeClr>
-                </a:solidFill>
-              </a:rPr>
-              <a:t>の生成</a:t>
-            </a:r>
-            <a:r>
-              <a:rPr lang="en-US" altLang="ja-JP" sz="1200" b="1" dirty="0">
-                <a:solidFill>
-                  <a:schemeClr val="bg2">
-                    <a:lumMod val="90000"/>
-                  </a:schemeClr>
-                </a:solidFill>
-              </a:rPr>
-              <a:t>)</a:t>
-            </a:r>
-            <a:endParaRPr lang="en-JP" sz="1200" b="1" dirty="0">
-              <a:solidFill>
-                <a:schemeClr val="bg2">
-                  <a:lumMod val="90000"/>
-                </a:schemeClr>
-              </a:solidFill>
-            </a:endParaRPr>
-          </a:p>
-        </p:txBody>
-      </p:sp>
-      <p:sp>
-        <p:nvSpPr>
-          <p:cNvPr id="44" name="TextBox 43">
-            <a:extLst>
-              <a:ext uri="{FF2B5EF4-FFF2-40B4-BE49-F238E27FC236}">
-                <a16:creationId xmlns:a16="http://schemas.microsoft.com/office/drawing/2014/main" id="{0349EB2F-BF61-9847-82A7-63CF340E92C6}"/>
-              </a:ext>
-            </a:extLst>
-          </p:cNvPr>
-          <p:cNvSpPr txBox="1"/>
-          <p:nvPr/>
-        </p:nvSpPr>
-        <p:spPr>
-          <a:xfrm>
-            <a:off x="8568422" y="162192"/>
-            <a:ext cx="1905614" cy="646331"/>
-          </a:xfrm>
-          <a:prstGeom prst="rect">
-            <a:avLst/>
-          </a:prstGeom>
-          <a:noFill/>
-        </p:spPr>
-        <p:txBody>
-          <a:bodyPr wrap="square" rtlCol="0">
-            <a:spAutoFit/>
-          </a:bodyPr>
-          <a:lstStyle/>
-          <a:p>
-            <a:r>
-              <a:rPr lang="ja-JP" altLang="en-US" sz="1200" b="1">
-                <a:solidFill>
-                  <a:schemeClr val="bg2">
-                    <a:lumMod val="90000"/>
-                  </a:schemeClr>
-                </a:solidFill>
-              </a:rPr>
-              <a:t>⑧</a:t>
-            </a:r>
-            <a:r>
-              <a:rPr lang="en-US" altLang="ja-JP" sz="1200" b="1" dirty="0">
-                <a:solidFill>
-                  <a:schemeClr val="bg2">
-                    <a:lumMod val="90000"/>
-                  </a:schemeClr>
-                </a:solidFill>
-              </a:rPr>
-              <a:t> </a:t>
-            </a:r>
-            <a:r>
-              <a:rPr lang="ja-JP" altLang="en-US" sz="1200" b="1">
-                <a:solidFill>
-                  <a:schemeClr val="bg2">
-                    <a:lumMod val="90000"/>
-                  </a:schemeClr>
-                </a:solidFill>
-              </a:rPr>
-              <a:t>登録済み</a:t>
-            </a:r>
-            <a:r>
-              <a:rPr lang="en-US" altLang="ja-JP" sz="1200" b="1" dirty="0">
-                <a:solidFill>
-                  <a:schemeClr val="bg2">
-                    <a:lumMod val="90000"/>
-                  </a:schemeClr>
-                </a:solidFill>
-              </a:rPr>
-              <a:t>Credential</a:t>
-            </a:r>
-          </a:p>
-          <a:p>
-            <a:r>
-              <a:rPr lang="ja-JP" altLang="en-US" sz="1200" b="1">
-                <a:solidFill>
-                  <a:schemeClr val="bg2">
-                    <a:lumMod val="90000"/>
-                  </a:schemeClr>
-                </a:solidFill>
-              </a:rPr>
-              <a:t>　 </a:t>
-            </a:r>
-            <a:r>
-              <a:rPr lang="en-US" altLang="ja-JP" sz="1200" b="1" dirty="0">
-                <a:solidFill>
-                  <a:schemeClr val="bg2">
-                    <a:lumMod val="90000"/>
-                  </a:schemeClr>
-                </a:solidFill>
-              </a:rPr>
-              <a:t>Public Key</a:t>
-            </a:r>
-            <a:r>
-              <a:rPr lang="ja-JP" altLang="en-US" sz="1200" b="1">
-                <a:solidFill>
-                  <a:schemeClr val="bg2">
-                    <a:lumMod val="90000"/>
-                  </a:schemeClr>
-                </a:solidFill>
-              </a:rPr>
-              <a:t>で署名検証</a:t>
-            </a:r>
-            <a:endParaRPr lang="en-JP" altLang="ja-JP" sz="1200" b="1" dirty="0">
-              <a:solidFill>
-                <a:schemeClr val="bg2">
-                  <a:lumMod val="90000"/>
-                </a:schemeClr>
-              </a:solidFill>
-            </a:endParaRPr>
-          </a:p>
-          <a:p>
-            <a:r>
-              <a:rPr lang="ja-JP" altLang="en-US" sz="1200" b="1">
-                <a:solidFill>
-                  <a:schemeClr val="bg2">
-                    <a:lumMod val="90000"/>
-                  </a:schemeClr>
-                </a:solidFill>
-              </a:rPr>
-              <a:t>　 </a:t>
-            </a:r>
-            <a:r>
-              <a:rPr lang="en-US" altLang="ja-JP" sz="1200" b="1" dirty="0">
-                <a:solidFill>
-                  <a:schemeClr val="bg2">
-                    <a:lumMod val="90000"/>
-                  </a:schemeClr>
-                </a:solidFill>
-              </a:rPr>
-              <a:t>(Assertion</a:t>
-            </a:r>
-            <a:r>
-              <a:rPr lang="ja-JP" altLang="en-US" sz="1200" b="1">
-                <a:solidFill>
-                  <a:schemeClr val="bg2">
-                    <a:lumMod val="90000"/>
-                  </a:schemeClr>
-                </a:solidFill>
-              </a:rPr>
-              <a:t>の検証</a:t>
-            </a:r>
-            <a:r>
-              <a:rPr lang="en-US" altLang="ja-JP" sz="1200" b="1" dirty="0">
-                <a:solidFill>
-                  <a:schemeClr val="bg2">
-                    <a:lumMod val="90000"/>
-                  </a:schemeClr>
-                </a:solidFill>
-              </a:rPr>
-              <a:t>)</a:t>
             </a:r>
           </a:p>
         </p:txBody>
@@ -21369,10 +21371,10 @@
       </p:sp>
       <p:pic>
         <p:nvPicPr>
-          <p:cNvPr id="31" name="Picture 30">
-            <a:extLst>
-              <a:ext uri="{FF2B5EF4-FFF2-40B4-BE49-F238E27FC236}">
-                <a16:creationId xmlns:a16="http://schemas.microsoft.com/office/drawing/2014/main" id="{A66662D6-03CB-AB4A-87F8-3041B461665C}"/>
+          <p:cNvPr id="46" name="Picture 45">
+            <a:extLst>
+              <a:ext uri="{FF2B5EF4-FFF2-40B4-BE49-F238E27FC236}">
+                <a16:creationId xmlns:a16="http://schemas.microsoft.com/office/drawing/2014/main" id="{96162302-A3B6-5041-9523-E359CB3F2014}"/>
               </a:ext>
             </a:extLst>
           </p:cNvPr>
@@ -21383,80 +21385,6 @@
         </p:nvPicPr>
         <p:blipFill>
           <a:blip r:embed="rId3"/>
-          <a:stretch>
-            <a:fillRect/>
-          </a:stretch>
-        </p:blipFill>
-        <p:spPr>
-          <a:xfrm>
-            <a:off x="4689219" y="3916345"/>
-            <a:ext cx="407646" cy="407646"/>
-          </a:xfrm>
-          <a:prstGeom prst="rect">
-            <a:avLst/>
-          </a:prstGeom>
-        </p:spPr>
-      </p:pic>
-      <p:sp>
-        <p:nvSpPr>
-          <p:cNvPr id="32" name="TextBox 31">
-            <a:extLst>
-              <a:ext uri="{FF2B5EF4-FFF2-40B4-BE49-F238E27FC236}">
-                <a16:creationId xmlns:a16="http://schemas.microsoft.com/office/drawing/2014/main" id="{969BED74-38CB-4148-881C-135F38EE66F3}"/>
-              </a:ext>
-            </a:extLst>
-          </p:cNvPr>
-          <p:cNvSpPr txBox="1"/>
-          <p:nvPr/>
-        </p:nvSpPr>
-        <p:spPr>
-          <a:xfrm>
-            <a:off x="4369225" y="4222113"/>
-            <a:ext cx="838691" cy="430887"/>
-          </a:xfrm>
-          <a:prstGeom prst="rect">
-            <a:avLst/>
-          </a:prstGeom>
-          <a:noFill/>
-        </p:spPr>
-        <p:txBody>
-          <a:bodyPr wrap="none" rtlCol="0">
-            <a:spAutoFit/>
-          </a:bodyPr>
-          <a:lstStyle/>
-          <a:p>
-            <a:pPr algn="ctr"/>
-            <a:r>
-              <a:rPr lang="en-US" altLang="ja-JP" sz="1100" b="1" dirty="0"/>
-              <a:t>Credential</a:t>
-            </a:r>
-          </a:p>
-          <a:p>
-            <a:pPr algn="ctr"/>
-            <a:r>
-              <a:rPr lang="en-US" altLang="ja-JP" sz="1100" b="1" dirty="0"/>
-              <a:t>Private key</a:t>
-            </a:r>
-            <a:endParaRPr lang="en-JP" sz="1100" b="1" dirty="0"/>
-          </a:p>
-        </p:txBody>
-      </p:sp>
-      <p:pic>
-        <p:nvPicPr>
-          <p:cNvPr id="46" name="Picture 45">
-            <a:extLst>
-              <a:ext uri="{FF2B5EF4-FFF2-40B4-BE49-F238E27FC236}">
-                <a16:creationId xmlns:a16="http://schemas.microsoft.com/office/drawing/2014/main" id="{96162302-A3B6-5041-9523-E359CB3F2014}"/>
-              </a:ext>
-            </a:extLst>
-          </p:cNvPr>
-          <p:cNvPicPr>
-            <a:picLocks noChangeAspect="1"/>
-          </p:cNvPicPr>
-          <p:nvPr/>
-        </p:nvPicPr>
-        <p:blipFill>
-          <a:blip r:embed="rId4"/>
           <a:stretch>
             <a:fillRect/>
           </a:stretch>
@@ -21497,6 +21425,36 @@
           <p:nvPr/>
         </p:nvPicPr>
         <p:blipFill>
+          <a:blip r:embed="rId4"/>
+          <a:stretch>
+            <a:fillRect/>
+          </a:stretch>
+        </p:blipFill>
+        <p:spPr>
+          <a:xfrm>
+            <a:off x="8112452" y="-51484"/>
+            <a:ext cx="342327" cy="342327"/>
+          </a:xfrm>
+          <a:prstGeom prst="rect">
+            <a:avLst/>
+          </a:prstGeom>
+        </p:spPr>
+      </p:pic>
+      <p:pic>
+        <p:nvPicPr>
+          <p:cNvPr id="40" name="Picture 39">
+            <a:extLst>
+              <a:ext uri="{FF2B5EF4-FFF2-40B4-BE49-F238E27FC236}">
+                <a16:creationId xmlns:a16="http://schemas.microsoft.com/office/drawing/2014/main" id="{F434F987-D1B8-CD47-B480-955B7BC950F1}"/>
+              </a:ext>
+            </a:extLst>
+          </p:cNvPr>
+          <p:cNvPicPr>
+            <a:picLocks noChangeAspect="1"/>
+          </p:cNvPicPr>
+          <p:nvPr/>
+        </p:nvPicPr>
+        <p:blipFill>
           <a:blip r:embed="rId5"/>
           <a:stretch>
             <a:fillRect/>
@@ -21504,8 +21462,8 @@
         </p:blipFill>
         <p:spPr>
           <a:xfrm>
-            <a:off x="8112452" y="-51484"/>
-            <a:ext cx="342327" cy="342327"/>
+            <a:off x="6710728" y="2884149"/>
+            <a:ext cx="491002" cy="491002"/>
           </a:xfrm>
           <a:prstGeom prst="rect">
             <a:avLst/>
@@ -21514,10 +21472,10 @@
       </p:pic>
       <p:pic>
         <p:nvPicPr>
-          <p:cNvPr id="24" name="Picture 23">
-            <a:extLst>
-              <a:ext uri="{FF2B5EF4-FFF2-40B4-BE49-F238E27FC236}">
-                <a16:creationId xmlns:a16="http://schemas.microsoft.com/office/drawing/2014/main" id="{8AACAF88-AF0F-0743-8741-67C161614DB2}"/>
+          <p:cNvPr id="41" name="Picture 40">
+            <a:extLst>
+              <a:ext uri="{FF2B5EF4-FFF2-40B4-BE49-F238E27FC236}">
+                <a16:creationId xmlns:a16="http://schemas.microsoft.com/office/drawing/2014/main" id="{DA29C9F1-828F-544F-AB79-81AFB536692F}"/>
               </a:ext>
             </a:extLst>
           </p:cNvPr>
@@ -21527,14 +21485,14 @@
           <p:nvPr/>
         </p:nvPicPr>
         <p:blipFill>
-          <a:blip r:embed="rId6"/>
+          <a:blip r:embed="rId5"/>
           <a:stretch>
             <a:fillRect/>
           </a:stretch>
         </p:blipFill>
         <p:spPr>
           <a:xfrm>
-            <a:off x="6720094" y="3980683"/>
+            <a:off x="6743487" y="1196092"/>
             <a:ext cx="491002" cy="491002"/>
           </a:xfrm>
           <a:prstGeom prst="rect">
@@ -21544,10 +21502,10 @@
       </p:pic>
       <p:sp>
         <p:nvSpPr>
-          <p:cNvPr id="39" name="TextBox 38">
-            <a:extLst>
-              <a:ext uri="{FF2B5EF4-FFF2-40B4-BE49-F238E27FC236}">
-                <a16:creationId xmlns:a16="http://schemas.microsoft.com/office/drawing/2014/main" id="{D33C992D-FCAD-7243-8B74-3BC30551148E}"/>
+          <p:cNvPr id="42" name="TextBox 41">
+            <a:extLst>
+              <a:ext uri="{FF2B5EF4-FFF2-40B4-BE49-F238E27FC236}">
+                <a16:creationId xmlns:a16="http://schemas.microsoft.com/office/drawing/2014/main" id="{B16785C4-7549-1B48-8AD4-9F46C8A39DBE}"/>
               </a:ext>
             </a:extLst>
           </p:cNvPr>
@@ -21556,8 +21514,8 @@
         </p:nvSpPr>
         <p:spPr>
           <a:xfrm>
-            <a:off x="6586324" y="4411783"/>
-            <a:ext cx="758541" cy="430887"/>
+            <a:off x="7888314" y="335136"/>
+            <a:ext cx="790601" cy="430887"/>
           </a:xfrm>
           <a:prstGeom prst="rect">
             <a:avLst/>
@@ -21565,7 +21523,7 @@
           <a:noFill/>
         </p:spPr>
         <p:txBody>
-          <a:bodyPr wrap="square" rtlCol="0">
+          <a:bodyPr wrap="none" rtlCol="0">
             <a:spAutoFit/>
           </a:bodyPr>
           <a:lstStyle/>
@@ -21573,25 +21531,25 @@
             <a:pPr algn="ctr"/>
             <a:r>
               <a:rPr lang="en-US" altLang="ja-JP" sz="1100" b="1" dirty="0"/>
-              <a:t>Challenge</a:t>
+              <a:t>Credential</a:t>
             </a:r>
           </a:p>
           <a:p>
             <a:pPr algn="ctr"/>
             <a:r>
-              <a:rPr lang="ja-JP" altLang="en-US" sz="1100" b="1"/>
-              <a:t>への署名</a:t>
-            </a:r>
-            <a:endParaRPr lang="en-US" altLang="ja-JP" sz="1100" b="1" dirty="0"/>
+              <a:rPr lang="en-US" altLang="ja-JP" sz="1100" b="1" dirty="0"/>
+              <a:t>Public key</a:t>
+            </a:r>
+            <a:endParaRPr lang="en-JP" sz="1100" b="1" dirty="0"/>
           </a:p>
         </p:txBody>
       </p:sp>
       <p:pic>
         <p:nvPicPr>
-          <p:cNvPr id="40" name="Picture 39">
-            <a:extLst>
-              <a:ext uri="{FF2B5EF4-FFF2-40B4-BE49-F238E27FC236}">
-                <a16:creationId xmlns:a16="http://schemas.microsoft.com/office/drawing/2014/main" id="{F434F987-D1B8-CD47-B480-955B7BC950F1}"/>
+          <p:cNvPr id="48" name="Picture 47">
+            <a:extLst>
+              <a:ext uri="{FF2B5EF4-FFF2-40B4-BE49-F238E27FC236}">
+                <a16:creationId xmlns:a16="http://schemas.microsoft.com/office/drawing/2014/main" id="{14402A85-FF8F-9D42-8A5D-8C825C133845}"/>
               </a:ext>
             </a:extLst>
           </p:cNvPr>
@@ -21601,111 +21559,7 @@
           <p:nvPr/>
         </p:nvPicPr>
         <p:blipFill>
-          <a:blip r:embed="rId6"/>
-          <a:stretch>
-            <a:fillRect/>
-          </a:stretch>
-        </p:blipFill>
-        <p:spPr>
-          <a:xfrm>
-            <a:off x="6710728" y="2884149"/>
-            <a:ext cx="491002" cy="491002"/>
-          </a:xfrm>
-          <a:prstGeom prst="rect">
-            <a:avLst/>
-          </a:prstGeom>
-        </p:spPr>
-      </p:pic>
-      <p:pic>
-        <p:nvPicPr>
-          <p:cNvPr id="41" name="Picture 40">
-            <a:extLst>
-              <a:ext uri="{FF2B5EF4-FFF2-40B4-BE49-F238E27FC236}">
-                <a16:creationId xmlns:a16="http://schemas.microsoft.com/office/drawing/2014/main" id="{DA29C9F1-828F-544F-AB79-81AFB536692F}"/>
-              </a:ext>
-            </a:extLst>
-          </p:cNvPr>
-          <p:cNvPicPr>
-            <a:picLocks noChangeAspect="1"/>
-          </p:cNvPicPr>
-          <p:nvPr/>
-        </p:nvPicPr>
-        <p:blipFill>
-          <a:blip r:embed="rId6"/>
-          <a:stretch>
-            <a:fillRect/>
-          </a:stretch>
-        </p:blipFill>
-        <p:spPr>
-          <a:xfrm>
-            <a:off x="6743487" y="1196092"/>
-            <a:ext cx="491002" cy="491002"/>
-          </a:xfrm>
-          <a:prstGeom prst="rect">
-            <a:avLst/>
-          </a:prstGeom>
-        </p:spPr>
-      </p:pic>
-      <p:sp>
-        <p:nvSpPr>
-          <p:cNvPr id="42" name="TextBox 41">
-            <a:extLst>
-              <a:ext uri="{FF2B5EF4-FFF2-40B4-BE49-F238E27FC236}">
-                <a16:creationId xmlns:a16="http://schemas.microsoft.com/office/drawing/2014/main" id="{B16785C4-7549-1B48-8AD4-9F46C8A39DBE}"/>
-              </a:ext>
-            </a:extLst>
-          </p:cNvPr>
-          <p:cNvSpPr txBox="1"/>
-          <p:nvPr/>
-        </p:nvSpPr>
-        <p:spPr>
-          <a:xfrm>
-            <a:off x="7888314" y="335136"/>
-            <a:ext cx="790601" cy="430887"/>
-          </a:xfrm>
-          <a:prstGeom prst="rect">
-            <a:avLst/>
-          </a:prstGeom>
-          <a:noFill/>
-        </p:spPr>
-        <p:txBody>
-          <a:bodyPr wrap="none" rtlCol="0">
-            <a:spAutoFit/>
-          </a:bodyPr>
-          <a:lstStyle/>
-          <a:p>
-            <a:pPr algn="ctr"/>
-            <a:r>
-              <a:rPr lang="en-US" altLang="ja-JP" sz="1100" b="1" dirty="0"/>
-              <a:t>Credential</a:t>
-            </a:r>
-          </a:p>
-          <a:p>
-            <a:pPr algn="ctr"/>
-            <a:r>
-              <a:rPr lang="en-US" altLang="ja-JP" sz="1100" b="1" dirty="0"/>
-              <a:t>Public key</a:t>
-            </a:r>
-            <a:endParaRPr lang="en-JP" sz="1100" b="1" dirty="0"/>
-          </a:p>
-        </p:txBody>
-      </p:sp>
-      <p:pic>
-        <p:nvPicPr>
-          <p:cNvPr id="48" name="Picture 47">
-            <a:extLst>
-              <a:ext uri="{FF2B5EF4-FFF2-40B4-BE49-F238E27FC236}">
-                <a16:creationId xmlns:a16="http://schemas.microsoft.com/office/drawing/2014/main" id="{14402A85-FF8F-9D42-8A5D-8C825C133845}"/>
-              </a:ext>
-            </a:extLst>
-          </p:cNvPr>
-          <p:cNvPicPr>
-            <a:picLocks noChangeAspect="1"/>
-          </p:cNvPicPr>
-          <p:nvPr/>
-        </p:nvPicPr>
-        <p:blipFill>
-          <a:blip r:embed="rId6"/>
+          <a:blip r:embed="rId5"/>
           <a:stretch>
             <a:fillRect/>
           </a:stretch>
@@ -21816,82 +21670,6 @@
           <a:xfrm flipH="1">
             <a:off x="7229973" y="302719"/>
             <a:ext cx="768836" cy="4489"/>
-          </a:xfrm>
-          <a:prstGeom prst="straightConnector1">
-            <a:avLst/>
-          </a:prstGeom>
-          <a:ln>
-            <a:tailEnd type="triangle"/>
-          </a:ln>
-        </p:spPr>
-        <p:style>
-          <a:lnRef idx="1">
-            <a:schemeClr val="accent1"/>
-          </a:lnRef>
-          <a:fillRef idx="0">
-            <a:schemeClr val="accent1"/>
-          </a:fillRef>
-          <a:effectRef idx="0">
-            <a:schemeClr val="accent1"/>
-          </a:effectRef>
-          <a:fontRef idx="minor">
-            <a:schemeClr val="tx1"/>
-          </a:fontRef>
-        </p:style>
-      </p:cxnSp>
-      <p:sp>
-        <p:nvSpPr>
-          <p:cNvPr id="55" name="TextBox 54">
-            <a:extLst>
-              <a:ext uri="{FF2B5EF4-FFF2-40B4-BE49-F238E27FC236}">
-                <a16:creationId xmlns:a16="http://schemas.microsoft.com/office/drawing/2014/main" id="{A6C5C667-A0B8-3043-BBBE-138BA85F17B4}"/>
-              </a:ext>
-            </a:extLst>
-          </p:cNvPr>
-          <p:cNvSpPr txBox="1"/>
-          <p:nvPr/>
-        </p:nvSpPr>
-        <p:spPr>
-          <a:xfrm>
-            <a:off x="5687008" y="3990477"/>
-            <a:ext cx="1075679" cy="276999"/>
-          </a:xfrm>
-          <a:prstGeom prst="rect">
-            <a:avLst/>
-          </a:prstGeom>
-          <a:noFill/>
-        </p:spPr>
-        <p:txBody>
-          <a:bodyPr wrap="none" rtlCol="0">
-            <a:spAutoFit/>
-          </a:bodyPr>
-          <a:lstStyle/>
-          <a:p>
-            <a:r>
-              <a:rPr lang="en-JP" sz="1200" b="1" dirty="0"/>
-              <a:t>Generate Sign</a:t>
-            </a:r>
-          </a:p>
-        </p:txBody>
-      </p:sp>
-      <p:cxnSp>
-        <p:nvCxnSpPr>
-          <p:cNvPr id="56" name="Straight Arrow Connector 55">
-            <a:extLst>
-              <a:ext uri="{FF2B5EF4-FFF2-40B4-BE49-F238E27FC236}">
-                <a16:creationId xmlns:a16="http://schemas.microsoft.com/office/drawing/2014/main" id="{00A01C67-00C2-824A-9F15-D1563CBB080E}"/>
-              </a:ext>
-            </a:extLst>
-          </p:cNvPr>
-          <p:cNvCxnSpPr>
-            <a:cxnSpLocks/>
-          </p:cNvCxnSpPr>
-          <p:nvPr/>
-        </p:nvCxnSpPr>
-        <p:spPr>
-          <a:xfrm>
-            <a:off x="5858170" y="4267476"/>
-            <a:ext cx="779360" cy="0"/>
           </a:xfrm>
           <a:prstGeom prst="straightConnector1">
             <a:avLst/>
@@ -21930,7 +21708,7 @@
           <p:nvPr/>
         </p:nvPicPr>
         <p:blipFill>
-          <a:blip r:embed="rId7"/>
+          <a:blip r:embed="rId6"/>
           <a:stretch>
             <a:fillRect/>
           </a:stretch>
@@ -21951,6 +21729,439 @@
             <a:extLst>
               <a:ext uri="{FF2B5EF4-FFF2-40B4-BE49-F238E27FC236}">
                 <a16:creationId xmlns:a16="http://schemas.microsoft.com/office/drawing/2014/main" id="{E6A6DB37-D755-6F4E-94E3-5D3F46D74338}"/>
+              </a:ext>
+            </a:extLst>
+          </p:cNvPr>
+          <p:cNvPicPr>
+            <a:picLocks noChangeAspect="1"/>
+          </p:cNvPicPr>
+          <p:nvPr/>
+        </p:nvPicPr>
+        <p:blipFill>
+          <a:blip r:embed="rId6"/>
+          <a:stretch>
+            <a:fillRect/>
+          </a:stretch>
+        </p:blipFill>
+        <p:spPr>
+          <a:xfrm>
+            <a:off x="4655289" y="2860550"/>
+            <a:ext cx="295894" cy="343383"/>
+          </a:xfrm>
+          <a:prstGeom prst="rect">
+            <a:avLst/>
+          </a:prstGeom>
+        </p:spPr>
+      </p:pic>
+      <p:sp>
+        <p:nvSpPr>
+          <p:cNvPr id="60" name="TextBox 59">
+            <a:extLst>
+              <a:ext uri="{FF2B5EF4-FFF2-40B4-BE49-F238E27FC236}">
+                <a16:creationId xmlns:a16="http://schemas.microsoft.com/office/drawing/2014/main" id="{CD457AFF-4887-554B-B70F-270305BDF0EB}"/>
+              </a:ext>
+            </a:extLst>
+          </p:cNvPr>
+          <p:cNvSpPr txBox="1"/>
+          <p:nvPr/>
+        </p:nvSpPr>
+        <p:spPr>
+          <a:xfrm>
+            <a:off x="4425484" y="1406230"/>
+            <a:ext cx="758541" cy="261610"/>
+          </a:xfrm>
+          <a:prstGeom prst="rect">
+            <a:avLst/>
+          </a:prstGeom>
+          <a:noFill/>
+        </p:spPr>
+        <p:txBody>
+          <a:bodyPr wrap="none" rtlCol="0">
+            <a:spAutoFit/>
+          </a:bodyPr>
+          <a:lstStyle/>
+          <a:p>
+            <a:r>
+              <a:rPr lang="en-JP" sz="1100" b="1" dirty="0"/>
+              <a:t>Challenge</a:t>
+            </a:r>
+          </a:p>
+        </p:txBody>
+      </p:sp>
+      <p:sp>
+        <p:nvSpPr>
+          <p:cNvPr id="43" name="TextBox 42">
+            <a:extLst>
+              <a:ext uri="{FF2B5EF4-FFF2-40B4-BE49-F238E27FC236}">
+                <a16:creationId xmlns:a16="http://schemas.microsoft.com/office/drawing/2014/main" id="{925BD4FD-A261-BD43-9112-02C993F28F68}"/>
+              </a:ext>
+            </a:extLst>
+          </p:cNvPr>
+          <p:cNvSpPr txBox="1"/>
+          <p:nvPr/>
+        </p:nvSpPr>
+        <p:spPr>
+          <a:xfrm>
+            <a:off x="7109076" y="4046307"/>
+            <a:ext cx="3364960" cy="646331"/>
+          </a:xfrm>
+          <a:prstGeom prst="rect">
+            <a:avLst/>
+          </a:prstGeom>
+          <a:noFill/>
+        </p:spPr>
+        <p:txBody>
+          <a:bodyPr wrap="none" rtlCol="0">
+            <a:spAutoFit/>
+          </a:bodyPr>
+          <a:lstStyle/>
+          <a:p>
+            <a:r>
+              <a:rPr lang="en-JP" sz="1200" b="1" dirty="0">
+                <a:solidFill>
+                  <a:schemeClr val="bg2">
+                    <a:lumMod val="90000"/>
+                  </a:schemeClr>
+                </a:solidFill>
+              </a:rPr>
+              <a:t>④</a:t>
+            </a:r>
+            <a:r>
+              <a:rPr lang="en-US" sz="1200" b="1" dirty="0">
+                <a:solidFill>
+                  <a:schemeClr val="bg2">
+                    <a:lumMod val="90000"/>
+                  </a:schemeClr>
+                </a:solidFill>
+              </a:rPr>
+              <a:t> </a:t>
+            </a:r>
+            <a:r>
+              <a:rPr lang="ja-JP" altLang="en-US" sz="1200" b="1">
+                <a:solidFill>
+                  <a:schemeClr val="bg2">
+                    <a:lumMod val="90000"/>
+                  </a:schemeClr>
+                </a:solidFill>
+              </a:rPr>
+              <a:t>要求ユーザのローカル認証</a:t>
+            </a:r>
+            <a:r>
+              <a:rPr lang="en-US" altLang="ja-JP" sz="1200" b="1" dirty="0">
+                <a:solidFill>
+                  <a:schemeClr val="bg2">
+                    <a:lumMod val="90000"/>
+                  </a:schemeClr>
+                </a:solidFill>
+              </a:rPr>
+              <a:t>(PIN</a:t>
+            </a:r>
+            <a:r>
+              <a:rPr lang="ja-JP" altLang="en-US" sz="1200" b="1">
+                <a:solidFill>
+                  <a:schemeClr val="bg2">
+                    <a:lumMod val="90000"/>
+                  </a:schemeClr>
+                </a:solidFill>
+              </a:rPr>
+              <a:t>や指紋</a:t>
+            </a:r>
+            <a:r>
+              <a:rPr lang="en-US" altLang="ja-JP" sz="1200" b="1" dirty="0">
+                <a:solidFill>
+                  <a:schemeClr val="bg2">
+                    <a:lumMod val="90000"/>
+                  </a:schemeClr>
+                </a:solidFill>
+              </a:rPr>
+              <a:t>)</a:t>
+            </a:r>
+            <a:r>
+              <a:rPr lang="ja-JP" altLang="en-US" sz="1200" b="1">
+                <a:solidFill>
+                  <a:schemeClr val="bg2">
+                    <a:lumMod val="90000"/>
+                  </a:schemeClr>
+                </a:solidFill>
+              </a:rPr>
+              <a:t>、</a:t>
+            </a:r>
+            <a:br>
+              <a:rPr lang="en-US" altLang="ja-JP" sz="1200" b="1" dirty="0">
+                <a:solidFill>
+                  <a:schemeClr val="bg2">
+                    <a:lumMod val="90000"/>
+                  </a:schemeClr>
+                </a:solidFill>
+              </a:rPr>
+            </a:br>
+            <a:r>
+              <a:rPr lang="ja-JP" altLang="en-US" sz="1200" b="1">
+                <a:solidFill>
+                  <a:schemeClr val="bg2">
+                    <a:lumMod val="90000"/>
+                  </a:schemeClr>
+                </a:solidFill>
+              </a:rPr>
+              <a:t>　  </a:t>
+            </a:r>
+            <a:r>
+              <a:rPr lang="en-US" altLang="ja-JP" sz="1200" b="1" dirty="0">
+                <a:solidFill>
+                  <a:schemeClr val="bg2">
+                    <a:lumMod val="90000"/>
+                  </a:schemeClr>
+                </a:solidFill>
+              </a:rPr>
+              <a:t>Challenge</a:t>
+            </a:r>
+            <a:r>
+              <a:rPr lang="ja-JP" altLang="en-US" sz="1200" b="1">
+                <a:solidFill>
+                  <a:schemeClr val="bg2">
+                    <a:lumMod val="90000"/>
+                  </a:schemeClr>
+                </a:solidFill>
+              </a:rPr>
+              <a:t>へ</a:t>
+            </a:r>
+            <a:r>
+              <a:rPr lang="en-US" altLang="ja-JP" sz="1200" b="1" dirty="0">
+                <a:solidFill>
+                  <a:schemeClr val="bg2">
+                    <a:lumMod val="90000"/>
+                  </a:schemeClr>
+                </a:solidFill>
+              </a:rPr>
+              <a:t>Credential Private Key</a:t>
+            </a:r>
+            <a:r>
+              <a:rPr lang="ja-JP" altLang="en-US" sz="1200" b="1">
+                <a:solidFill>
+                  <a:schemeClr val="bg2">
+                    <a:lumMod val="90000"/>
+                  </a:schemeClr>
+                </a:solidFill>
+              </a:rPr>
+              <a:t>で署名付与</a:t>
+            </a:r>
+            <a:endParaRPr lang="en-US" altLang="ja-JP" sz="1200" b="1" dirty="0">
+              <a:solidFill>
+                <a:schemeClr val="bg2">
+                  <a:lumMod val="90000"/>
+                </a:schemeClr>
+              </a:solidFill>
+            </a:endParaRPr>
+          </a:p>
+          <a:p>
+            <a:r>
+              <a:rPr lang="ja-JP" altLang="en-US" sz="1200" b="1">
+                <a:solidFill>
+                  <a:schemeClr val="bg2">
+                    <a:lumMod val="90000"/>
+                  </a:schemeClr>
+                </a:solidFill>
+              </a:rPr>
+              <a:t>　  </a:t>
+            </a:r>
+            <a:r>
+              <a:rPr lang="en-US" altLang="ja-JP" sz="1200" b="1" dirty="0">
+                <a:solidFill>
+                  <a:schemeClr val="bg2">
+                    <a:lumMod val="90000"/>
+                  </a:schemeClr>
+                </a:solidFill>
+              </a:rPr>
+              <a:t>(Assertion</a:t>
+            </a:r>
+            <a:r>
+              <a:rPr lang="ja-JP" altLang="en-US" sz="1200" b="1">
+                <a:solidFill>
+                  <a:schemeClr val="bg2">
+                    <a:lumMod val="90000"/>
+                  </a:schemeClr>
+                </a:solidFill>
+              </a:rPr>
+              <a:t>の生成</a:t>
+            </a:r>
+            <a:r>
+              <a:rPr lang="en-US" altLang="ja-JP" sz="1200" b="1" dirty="0">
+                <a:solidFill>
+                  <a:schemeClr val="bg2">
+                    <a:lumMod val="90000"/>
+                  </a:schemeClr>
+                </a:solidFill>
+              </a:rPr>
+              <a:t>)</a:t>
+            </a:r>
+            <a:endParaRPr lang="en-JP" sz="1200" b="1" dirty="0">
+              <a:solidFill>
+                <a:schemeClr val="bg2">
+                  <a:lumMod val="90000"/>
+                </a:schemeClr>
+              </a:solidFill>
+            </a:endParaRPr>
+          </a:p>
+        </p:txBody>
+      </p:sp>
+      <p:sp>
+        <p:nvSpPr>
+          <p:cNvPr id="44" name="TextBox 43">
+            <a:extLst>
+              <a:ext uri="{FF2B5EF4-FFF2-40B4-BE49-F238E27FC236}">
+                <a16:creationId xmlns:a16="http://schemas.microsoft.com/office/drawing/2014/main" id="{225D5604-ED3C-CE48-AF1B-53F9AB0BBE15}"/>
+              </a:ext>
+            </a:extLst>
+          </p:cNvPr>
+          <p:cNvSpPr txBox="1"/>
+          <p:nvPr/>
+        </p:nvSpPr>
+        <p:spPr>
+          <a:xfrm>
+            <a:off x="8568422" y="162192"/>
+            <a:ext cx="1905614" cy="646331"/>
+          </a:xfrm>
+          <a:prstGeom prst="rect">
+            <a:avLst/>
+          </a:prstGeom>
+          <a:noFill/>
+        </p:spPr>
+        <p:txBody>
+          <a:bodyPr wrap="square" rtlCol="0">
+            <a:spAutoFit/>
+          </a:bodyPr>
+          <a:lstStyle/>
+          <a:p>
+            <a:r>
+              <a:rPr lang="ja-JP" altLang="en-US" sz="1200" b="1">
+                <a:solidFill>
+                  <a:schemeClr val="bg2">
+                    <a:lumMod val="90000"/>
+                  </a:schemeClr>
+                </a:solidFill>
+              </a:rPr>
+              <a:t>⑧</a:t>
+            </a:r>
+            <a:r>
+              <a:rPr lang="en-US" altLang="ja-JP" sz="1200" b="1" dirty="0">
+                <a:solidFill>
+                  <a:schemeClr val="bg2">
+                    <a:lumMod val="90000"/>
+                  </a:schemeClr>
+                </a:solidFill>
+              </a:rPr>
+              <a:t> </a:t>
+            </a:r>
+            <a:r>
+              <a:rPr lang="ja-JP" altLang="en-US" sz="1200" b="1">
+                <a:solidFill>
+                  <a:schemeClr val="bg2">
+                    <a:lumMod val="90000"/>
+                  </a:schemeClr>
+                </a:solidFill>
+              </a:rPr>
+              <a:t>登録済み</a:t>
+            </a:r>
+            <a:r>
+              <a:rPr lang="en-US" altLang="ja-JP" sz="1200" b="1" dirty="0">
+                <a:solidFill>
+                  <a:schemeClr val="bg2">
+                    <a:lumMod val="90000"/>
+                  </a:schemeClr>
+                </a:solidFill>
+              </a:rPr>
+              <a:t>Credential</a:t>
+            </a:r>
+          </a:p>
+          <a:p>
+            <a:r>
+              <a:rPr lang="ja-JP" altLang="en-US" sz="1200" b="1">
+                <a:solidFill>
+                  <a:schemeClr val="bg2">
+                    <a:lumMod val="90000"/>
+                  </a:schemeClr>
+                </a:solidFill>
+              </a:rPr>
+              <a:t>　 </a:t>
+            </a:r>
+            <a:r>
+              <a:rPr lang="en-US" altLang="ja-JP" sz="1200" b="1" dirty="0">
+                <a:solidFill>
+                  <a:schemeClr val="bg2">
+                    <a:lumMod val="90000"/>
+                  </a:schemeClr>
+                </a:solidFill>
+              </a:rPr>
+              <a:t>Public Key</a:t>
+            </a:r>
+            <a:r>
+              <a:rPr lang="ja-JP" altLang="en-US" sz="1200" b="1">
+                <a:solidFill>
+                  <a:schemeClr val="bg2">
+                    <a:lumMod val="90000"/>
+                  </a:schemeClr>
+                </a:solidFill>
+              </a:rPr>
+              <a:t>で署名検証</a:t>
+            </a:r>
+            <a:endParaRPr lang="en-JP" altLang="ja-JP" sz="1200" b="1" dirty="0">
+              <a:solidFill>
+                <a:schemeClr val="bg2">
+                  <a:lumMod val="90000"/>
+                </a:schemeClr>
+              </a:solidFill>
+            </a:endParaRPr>
+          </a:p>
+          <a:p>
+            <a:r>
+              <a:rPr lang="ja-JP" altLang="en-US" sz="1200" b="1">
+                <a:solidFill>
+                  <a:schemeClr val="bg2">
+                    <a:lumMod val="90000"/>
+                  </a:schemeClr>
+                </a:solidFill>
+              </a:rPr>
+              <a:t>　 </a:t>
+            </a:r>
+            <a:r>
+              <a:rPr lang="en-US" altLang="ja-JP" sz="1200" b="1" dirty="0">
+                <a:solidFill>
+                  <a:schemeClr val="bg2">
+                    <a:lumMod val="90000"/>
+                  </a:schemeClr>
+                </a:solidFill>
+              </a:rPr>
+              <a:t>(Assertion</a:t>
+            </a:r>
+            <a:r>
+              <a:rPr lang="ja-JP" altLang="en-US" sz="1200" b="1">
+                <a:solidFill>
+                  <a:schemeClr val="bg2">
+                    <a:lumMod val="90000"/>
+                  </a:schemeClr>
+                </a:solidFill>
+              </a:rPr>
+              <a:t>の検証</a:t>
+            </a:r>
+            <a:r>
+              <a:rPr lang="en-US" altLang="ja-JP" sz="1200" b="1" dirty="0">
+                <a:solidFill>
+                  <a:schemeClr val="bg2">
+                    <a:lumMod val="90000"/>
+                  </a:schemeClr>
+                </a:solidFill>
+              </a:rPr>
+              <a:t>)</a:t>
+            </a:r>
+          </a:p>
+        </p:txBody>
+      </p:sp>
+      <p:pic>
+        <p:nvPicPr>
+          <p:cNvPr id="64" name="Picture 63">
+            <a:extLst>
+              <a:ext uri="{FF2B5EF4-FFF2-40B4-BE49-F238E27FC236}">
+                <a16:creationId xmlns:a16="http://schemas.microsoft.com/office/drawing/2014/main" id="{A0A3340A-C1B5-124E-95FA-4B6CFDCB09C0}"/>
               </a:ext>
             </a:extLst>
           </p:cNvPr>
@@ -21967,8 +22178,8 @@
         </p:blipFill>
         <p:spPr>
           <a:xfrm>
-            <a:off x="4655289" y="2860550"/>
-            <a:ext cx="295894" cy="343383"/>
+            <a:off x="6504441" y="4358534"/>
+            <a:ext cx="407646" cy="407646"/>
           </a:xfrm>
           <a:prstGeom prst="rect">
             <a:avLst/>
@@ -21977,10 +22188,10 @@
       </p:pic>
       <p:sp>
         <p:nvSpPr>
-          <p:cNvPr id="60" name="TextBox 59">
-            <a:extLst>
-              <a:ext uri="{FF2B5EF4-FFF2-40B4-BE49-F238E27FC236}">
-                <a16:creationId xmlns:a16="http://schemas.microsoft.com/office/drawing/2014/main" id="{CD457AFF-4887-554B-B70F-270305BDF0EB}"/>
+          <p:cNvPr id="65" name="TextBox 64">
+            <a:extLst>
+              <a:ext uri="{FF2B5EF4-FFF2-40B4-BE49-F238E27FC236}">
+                <a16:creationId xmlns:a16="http://schemas.microsoft.com/office/drawing/2014/main" id="{9D49EF59-E1EE-EE42-957F-2FA050FA766A}"/>
               </a:ext>
             </a:extLst>
           </p:cNvPr>
@@ -21989,8 +22200,8 @@
         </p:nvSpPr>
         <p:spPr>
           <a:xfrm>
-            <a:off x="4425484" y="1406230"/>
-            <a:ext cx="758541" cy="261610"/>
+            <a:off x="6303063" y="4665722"/>
+            <a:ext cx="838691" cy="430887"/>
           </a:xfrm>
           <a:prstGeom prst="rect">
             <a:avLst/>
@@ -22003,19 +22214,28 @@
           </a:bodyPr>
           <a:lstStyle/>
           <a:p>
-            <a:r>
-              <a:rPr lang="en-JP" sz="1100" b="1" dirty="0"/>
-              <a:t>Challenge</a:t>
-            </a:r>
+            <a:pPr algn="ctr"/>
+            <a:r>
+              <a:rPr lang="en-US" altLang="ja-JP" sz="1100" b="1" dirty="0"/>
+              <a:t>Credential</a:t>
+            </a:r>
+          </a:p>
+          <a:p>
+            <a:pPr algn="ctr"/>
+            <a:r>
+              <a:rPr lang="en-US" altLang="ja-JP" sz="1100" b="1" dirty="0"/>
+              <a:t>Private key</a:t>
+            </a:r>
+            <a:endParaRPr lang="en-JP" sz="1100" b="1" dirty="0"/>
           </a:p>
         </p:txBody>
       </p:sp>
       <p:pic>
         <p:nvPicPr>
-          <p:cNvPr id="61" name="Picture 60">
-            <a:extLst>
-              <a:ext uri="{FF2B5EF4-FFF2-40B4-BE49-F238E27FC236}">
-                <a16:creationId xmlns:a16="http://schemas.microsoft.com/office/drawing/2014/main" id="{7173BBD5-A9EF-FC4F-B836-4867E1C3ADEA}"/>
+          <p:cNvPr id="66" name="Picture 65">
+            <a:extLst>
+              <a:ext uri="{FF2B5EF4-FFF2-40B4-BE49-F238E27FC236}">
+                <a16:creationId xmlns:a16="http://schemas.microsoft.com/office/drawing/2014/main" id="{D8142CC7-F328-C14A-B65D-C32BB64F4636}"/>
               </a:ext>
             </a:extLst>
           </p:cNvPr>
@@ -22025,15 +22245,15 @@
           <p:nvPr/>
         </p:nvPicPr>
         <p:blipFill>
-          <a:blip r:embed="rId7"/>
+          <a:blip r:embed="rId5"/>
           <a:stretch>
             <a:fillRect/>
           </a:stretch>
         </p:blipFill>
         <p:spPr>
           <a:xfrm>
-            <a:off x="5350988" y="3972883"/>
-            <a:ext cx="295894" cy="343383"/>
+            <a:off x="5886030" y="3914467"/>
+            <a:ext cx="334463" cy="334463"/>
           </a:xfrm>
           <a:prstGeom prst="rect">
             <a:avLst/>
@@ -22042,10 +22262,10 @@
       </p:pic>
       <p:sp>
         <p:nvSpPr>
-          <p:cNvPr id="62" name="TextBox 61">
-            <a:extLst>
-              <a:ext uri="{FF2B5EF4-FFF2-40B4-BE49-F238E27FC236}">
-                <a16:creationId xmlns:a16="http://schemas.microsoft.com/office/drawing/2014/main" id="{F83DF493-6FC4-8147-A139-F7DBB7E12084}"/>
+          <p:cNvPr id="67" name="TextBox 66">
+            <a:extLst>
+              <a:ext uri="{FF2B5EF4-FFF2-40B4-BE49-F238E27FC236}">
+                <a16:creationId xmlns:a16="http://schemas.microsoft.com/office/drawing/2014/main" id="{4D31CF8F-EA05-CF49-8B47-9F7E4CDE3544}"/>
               </a:ext>
             </a:extLst>
           </p:cNvPr>
@@ -22054,8 +22274,52 @@
         </p:nvSpPr>
         <p:spPr>
           <a:xfrm>
-            <a:off x="5122222" y="4277139"/>
-            <a:ext cx="758541" cy="261610"/>
+            <a:off x="6171551" y="3868723"/>
+            <a:ext cx="758541" cy="430887"/>
+          </a:xfrm>
+          <a:prstGeom prst="rect">
+            <a:avLst/>
+          </a:prstGeom>
+          <a:noFill/>
+        </p:spPr>
+        <p:txBody>
+          <a:bodyPr wrap="square" rtlCol="0">
+            <a:spAutoFit/>
+          </a:bodyPr>
+          <a:lstStyle/>
+          <a:p>
+            <a:pPr algn="ctr"/>
+            <a:r>
+              <a:rPr lang="en-US" altLang="ja-JP" sz="1100" b="1" dirty="0"/>
+              <a:t>Challenge</a:t>
+            </a:r>
+          </a:p>
+          <a:p>
+            <a:pPr algn="ctr"/>
+            <a:r>
+              <a:rPr lang="ja-JP" altLang="en-US" sz="1100" b="1"/>
+              <a:t>への署名</a:t>
+            </a:r>
+            <a:endParaRPr lang="en-US" altLang="ja-JP" sz="1100" b="1" dirty="0"/>
+          </a:p>
+        </p:txBody>
+      </p:sp>
+      <p:sp>
+        <p:nvSpPr>
+          <p:cNvPr id="68" name="TextBox 67">
+            <a:extLst>
+              <a:ext uri="{FF2B5EF4-FFF2-40B4-BE49-F238E27FC236}">
+                <a16:creationId xmlns:a16="http://schemas.microsoft.com/office/drawing/2014/main" id="{CCB91C08-9276-8B4C-A1BF-871CD08A04A1}"/>
+              </a:ext>
+            </a:extLst>
+          </p:cNvPr>
+          <p:cNvSpPr txBox="1"/>
+          <p:nvPr/>
+        </p:nvSpPr>
+        <p:spPr>
+          <a:xfrm>
+            <a:off x="5886030" y="4400537"/>
+            <a:ext cx="452368" cy="276999"/>
           </a:xfrm>
           <a:prstGeom prst="rect">
             <a:avLst/>
@@ -22069,18 +22333,90 @@
           <a:lstStyle/>
           <a:p>
             <a:r>
-              <a:rPr lang="en-JP" sz="1100" b="1" dirty="0"/>
-              <a:t>Challenge</a:t>
-            </a:r>
-          </a:p>
-        </p:txBody>
-      </p:sp>
-      <p:sp>
-        <p:nvSpPr>
-          <p:cNvPr id="43" name="TextBox 42">
-            <a:extLst>
-              <a:ext uri="{FF2B5EF4-FFF2-40B4-BE49-F238E27FC236}">
-                <a16:creationId xmlns:a16="http://schemas.microsoft.com/office/drawing/2014/main" id="{925BD4FD-A261-BD43-9112-02C993F28F68}"/>
+              <a:rPr lang="en-JP" sz="1200" b="1" dirty="0"/>
+              <a:t>Sign</a:t>
+            </a:r>
+          </a:p>
+        </p:txBody>
+      </p:sp>
+      <p:cxnSp>
+        <p:nvCxnSpPr>
+          <p:cNvPr id="69" name="Straight Arrow Connector 68">
+            <a:extLst>
+              <a:ext uri="{FF2B5EF4-FFF2-40B4-BE49-F238E27FC236}">
+                <a16:creationId xmlns:a16="http://schemas.microsoft.com/office/drawing/2014/main" id="{218C8221-EF4E-6348-A51A-0F6E065029B9}"/>
+              </a:ext>
+            </a:extLst>
+          </p:cNvPr>
+          <p:cNvCxnSpPr>
+            <a:cxnSpLocks/>
+            <a:endCxn id="70" idx="2"/>
+          </p:cNvCxnSpPr>
+          <p:nvPr/>
+        </p:nvCxnSpPr>
+        <p:spPr>
+          <a:xfrm flipH="1" flipV="1">
+            <a:off x="5741828" y="4223890"/>
+            <a:ext cx="858886" cy="338467"/>
+          </a:xfrm>
+          <a:prstGeom prst="straightConnector1">
+            <a:avLst/>
+          </a:prstGeom>
+          <a:ln>
+            <a:tailEnd type="triangle"/>
+          </a:ln>
+        </p:spPr>
+        <p:style>
+          <a:lnRef idx="1">
+            <a:schemeClr val="accent1"/>
+          </a:lnRef>
+          <a:fillRef idx="0">
+            <a:schemeClr val="accent1"/>
+          </a:fillRef>
+          <a:effectRef idx="0">
+            <a:schemeClr val="accent1"/>
+          </a:effectRef>
+          <a:fontRef idx="minor">
+            <a:schemeClr val="tx1"/>
+          </a:fontRef>
+        </p:style>
+      </p:cxnSp>
+      <p:pic>
+        <p:nvPicPr>
+          <p:cNvPr id="70" name="Picture 69">
+            <a:extLst>
+              <a:ext uri="{FF2B5EF4-FFF2-40B4-BE49-F238E27FC236}">
+                <a16:creationId xmlns:a16="http://schemas.microsoft.com/office/drawing/2014/main" id="{7B0EE429-76EE-3948-BDDA-7AC84D449854}"/>
+              </a:ext>
+            </a:extLst>
+          </p:cNvPr>
+          <p:cNvPicPr>
+            <a:picLocks noChangeAspect="1"/>
+          </p:cNvPicPr>
+          <p:nvPr/>
+        </p:nvPicPr>
+        <p:blipFill>
+          <a:blip r:embed="rId6"/>
+          <a:stretch>
+            <a:fillRect/>
+          </a:stretch>
+        </p:blipFill>
+        <p:spPr>
+          <a:xfrm>
+            <a:off x="5593881" y="3880507"/>
+            <a:ext cx="295894" cy="343383"/>
+          </a:xfrm>
+          <a:prstGeom prst="rect">
+            <a:avLst/>
+          </a:prstGeom>
+        </p:spPr>
+      </p:pic>
+      <p:sp>
+        <p:nvSpPr>
+          <p:cNvPr id="71" name="TextBox 70">
+            <a:extLst>
+              <a:ext uri="{FF2B5EF4-FFF2-40B4-BE49-F238E27FC236}">
+                <a16:creationId xmlns:a16="http://schemas.microsoft.com/office/drawing/2014/main" id="{23E4522F-7C0E-064F-90C8-13DFCB3F8BAB}"/>
               </a:ext>
             </a:extLst>
           </p:cNvPr>
@@ -22089,8 +22425,8 @@
         </p:nvSpPr>
         <p:spPr>
           <a:xfrm>
-            <a:off x="7109076" y="4046307"/>
-            <a:ext cx="3364960" cy="646331"/>
+            <a:off x="4895387" y="3931255"/>
+            <a:ext cx="758541" cy="261610"/>
           </a:xfrm>
           <a:prstGeom prst="rect">
             <a:avLst/>
@@ -22104,341 +22440,8 @@
           <a:lstStyle/>
           <a:p>
             <a:r>
-              <a:rPr lang="en-JP" sz="1200" b="1" dirty="0">
-                <a:solidFill>
-                  <a:schemeClr val="bg2">
-                    <a:lumMod val="90000"/>
-                  </a:schemeClr>
-                </a:solidFill>
-              </a:rPr>
-              <a:t>④</a:t>
-            </a:r>
-            <a:r>
-              <a:rPr lang="en-US" sz="1200" b="1" dirty="0">
-                <a:solidFill>
-                  <a:schemeClr val="bg2">
-                    <a:lumMod val="90000"/>
-                  </a:schemeClr>
-                </a:solidFill>
-              </a:rPr>
-              <a:t> </a:t>
-            </a:r>
-            <a:r>
-              <a:rPr lang="ja-JP" altLang="en-US" sz="1200" b="1">
-                <a:solidFill>
-                  <a:schemeClr val="bg2">
-                    <a:lumMod val="90000"/>
-                  </a:schemeClr>
-                </a:solidFill>
-              </a:rPr>
-              <a:t>要求ユーザのローカル認証</a:t>
-            </a:r>
-            <a:r>
-              <a:rPr lang="en-US" altLang="ja-JP" sz="1200" b="1" dirty="0">
-                <a:solidFill>
-                  <a:schemeClr val="bg2">
-                    <a:lumMod val="90000"/>
-                  </a:schemeClr>
-                </a:solidFill>
-              </a:rPr>
-              <a:t>(PIN</a:t>
-            </a:r>
-            <a:r>
-              <a:rPr lang="ja-JP" altLang="en-US" sz="1200" b="1">
-                <a:solidFill>
-                  <a:schemeClr val="bg2">
-                    <a:lumMod val="90000"/>
-                  </a:schemeClr>
-                </a:solidFill>
-              </a:rPr>
-              <a:t>や指紋</a:t>
-            </a:r>
-            <a:r>
-              <a:rPr lang="en-US" altLang="ja-JP" sz="1200" b="1" dirty="0">
-                <a:solidFill>
-                  <a:schemeClr val="bg2">
-                    <a:lumMod val="90000"/>
-                  </a:schemeClr>
-                </a:solidFill>
-              </a:rPr>
-              <a:t>)</a:t>
-            </a:r>
-            <a:r>
-              <a:rPr lang="ja-JP" altLang="en-US" sz="1200" b="1">
-                <a:solidFill>
-                  <a:schemeClr val="bg2">
-                    <a:lumMod val="90000"/>
-                  </a:schemeClr>
-                </a:solidFill>
-              </a:rPr>
-              <a:t>、</a:t>
-            </a:r>
-            <a:br>
-              <a:rPr lang="en-US" altLang="ja-JP" sz="1200" b="1" dirty="0">
-                <a:solidFill>
-                  <a:schemeClr val="bg2">
-                    <a:lumMod val="90000"/>
-                  </a:schemeClr>
-                </a:solidFill>
-              </a:rPr>
-            </a:br>
-            <a:r>
-              <a:rPr lang="ja-JP" altLang="en-US" sz="1200" b="1">
-                <a:solidFill>
-                  <a:schemeClr val="bg2">
-                    <a:lumMod val="90000"/>
-                  </a:schemeClr>
-                </a:solidFill>
-              </a:rPr>
-              <a:t>　  </a:t>
-            </a:r>
-            <a:r>
-              <a:rPr lang="en-US" altLang="ja-JP" sz="1200" b="1" dirty="0">
-                <a:solidFill>
-                  <a:schemeClr val="bg2">
-                    <a:lumMod val="90000"/>
-                  </a:schemeClr>
-                </a:solidFill>
-              </a:rPr>
+              <a:rPr lang="en-JP" sz="1100" b="1" dirty="0"/>
               <a:t>Challenge</a:t>
-            </a:r>
-            <a:r>
-              <a:rPr lang="ja-JP" altLang="en-US" sz="1200" b="1">
-                <a:solidFill>
-                  <a:schemeClr val="bg2">
-                    <a:lumMod val="90000"/>
-                  </a:schemeClr>
-                </a:solidFill>
-              </a:rPr>
-              <a:t>へ</a:t>
-            </a:r>
-            <a:r>
-              <a:rPr lang="en-US" altLang="ja-JP" sz="1200" b="1" dirty="0">
-                <a:solidFill>
-                  <a:schemeClr val="bg2">
-                    <a:lumMod val="90000"/>
-                  </a:schemeClr>
-                </a:solidFill>
-              </a:rPr>
-              <a:t>Credential Private Key</a:t>
-            </a:r>
-            <a:r>
-              <a:rPr lang="ja-JP" altLang="en-US" sz="1200" b="1">
-                <a:solidFill>
-                  <a:schemeClr val="bg2">
-                    <a:lumMod val="90000"/>
-                  </a:schemeClr>
-                </a:solidFill>
-              </a:rPr>
-              <a:t>で署名付与</a:t>
-            </a:r>
-            <a:endParaRPr lang="en-US" altLang="ja-JP" sz="1200" b="1" dirty="0">
-              <a:solidFill>
-                <a:schemeClr val="bg2">
-                  <a:lumMod val="90000"/>
-                </a:schemeClr>
-              </a:solidFill>
-            </a:endParaRPr>
-          </a:p>
-          <a:p>
-            <a:r>
-              <a:rPr lang="ja-JP" altLang="en-US" sz="1200" b="1">
-                <a:solidFill>
-                  <a:schemeClr val="bg2">
-                    <a:lumMod val="90000"/>
-                  </a:schemeClr>
-                </a:solidFill>
-              </a:rPr>
-              <a:t>　  </a:t>
-            </a:r>
-            <a:r>
-              <a:rPr lang="en-US" altLang="ja-JP" sz="1200" b="1" dirty="0">
-                <a:solidFill>
-                  <a:schemeClr val="bg2">
-                    <a:lumMod val="90000"/>
-                  </a:schemeClr>
-                </a:solidFill>
-              </a:rPr>
-              <a:t>(Assertion</a:t>
-            </a:r>
-            <a:r>
-              <a:rPr lang="ja-JP" altLang="en-US" sz="1200" b="1">
-                <a:solidFill>
-                  <a:schemeClr val="bg2">
-                    <a:lumMod val="90000"/>
-                  </a:schemeClr>
-                </a:solidFill>
-              </a:rPr>
-              <a:t>の生成</a:t>
-            </a:r>
-            <a:r>
-              <a:rPr lang="en-US" altLang="ja-JP" sz="1200" b="1" dirty="0">
-                <a:solidFill>
-                  <a:schemeClr val="bg2">
-                    <a:lumMod val="90000"/>
-                  </a:schemeClr>
-                </a:solidFill>
-              </a:rPr>
-              <a:t>)</a:t>
-            </a:r>
-            <a:endParaRPr lang="en-JP" sz="1200" b="1" dirty="0">
-              <a:solidFill>
-                <a:schemeClr val="bg2">
-                  <a:lumMod val="90000"/>
-                </a:schemeClr>
-              </a:solidFill>
-            </a:endParaRPr>
-          </a:p>
-        </p:txBody>
-      </p:sp>
-      <p:sp>
-        <p:nvSpPr>
-          <p:cNvPr id="44" name="TextBox 43">
-            <a:extLst>
-              <a:ext uri="{FF2B5EF4-FFF2-40B4-BE49-F238E27FC236}">
-                <a16:creationId xmlns:a16="http://schemas.microsoft.com/office/drawing/2014/main" id="{225D5604-ED3C-CE48-AF1B-53F9AB0BBE15}"/>
-              </a:ext>
-            </a:extLst>
-          </p:cNvPr>
-          <p:cNvSpPr txBox="1"/>
-          <p:nvPr/>
-        </p:nvSpPr>
-        <p:spPr>
-          <a:xfrm>
-            <a:off x="8568422" y="162192"/>
-            <a:ext cx="1905614" cy="646331"/>
-          </a:xfrm>
-          <a:prstGeom prst="rect">
-            <a:avLst/>
-          </a:prstGeom>
-          <a:noFill/>
-        </p:spPr>
-        <p:txBody>
-          <a:bodyPr wrap="square" rtlCol="0">
-            <a:spAutoFit/>
-          </a:bodyPr>
-          <a:lstStyle/>
-          <a:p>
-            <a:r>
-              <a:rPr lang="ja-JP" altLang="en-US" sz="1200" b="1">
-                <a:solidFill>
-                  <a:schemeClr val="bg2">
-                    <a:lumMod val="90000"/>
-                  </a:schemeClr>
-                </a:solidFill>
-              </a:rPr>
-              <a:t>⑧</a:t>
-            </a:r>
-            <a:r>
-              <a:rPr lang="en-US" altLang="ja-JP" sz="1200" b="1" dirty="0">
-                <a:solidFill>
-                  <a:schemeClr val="bg2">
-                    <a:lumMod val="90000"/>
-                  </a:schemeClr>
-                </a:solidFill>
-              </a:rPr>
-              <a:t> </a:t>
-            </a:r>
-            <a:r>
-              <a:rPr lang="ja-JP" altLang="en-US" sz="1200" b="1">
-                <a:solidFill>
-                  <a:schemeClr val="bg2">
-                    <a:lumMod val="90000"/>
-                  </a:schemeClr>
-                </a:solidFill>
-              </a:rPr>
-              <a:t>登録済み</a:t>
-            </a:r>
-            <a:r>
-              <a:rPr lang="en-US" altLang="ja-JP" sz="1200" b="1" dirty="0">
-                <a:solidFill>
-                  <a:schemeClr val="bg2">
-                    <a:lumMod val="90000"/>
-                  </a:schemeClr>
-                </a:solidFill>
-              </a:rPr>
-              <a:t>Credential</a:t>
-            </a:r>
-          </a:p>
-          <a:p>
-            <a:r>
-              <a:rPr lang="ja-JP" altLang="en-US" sz="1200" b="1">
-                <a:solidFill>
-                  <a:schemeClr val="bg2">
-                    <a:lumMod val="90000"/>
-                  </a:schemeClr>
-                </a:solidFill>
-              </a:rPr>
-              <a:t>　 </a:t>
-            </a:r>
-            <a:r>
-              <a:rPr lang="en-US" altLang="ja-JP" sz="1200" b="1" dirty="0">
-                <a:solidFill>
-                  <a:schemeClr val="bg2">
-                    <a:lumMod val="90000"/>
-                  </a:schemeClr>
-                </a:solidFill>
-              </a:rPr>
-              <a:t>Public Key</a:t>
-            </a:r>
-            <a:r>
-              <a:rPr lang="ja-JP" altLang="en-US" sz="1200" b="1">
-                <a:solidFill>
-                  <a:schemeClr val="bg2">
-                    <a:lumMod val="90000"/>
-                  </a:schemeClr>
-                </a:solidFill>
-              </a:rPr>
-              <a:t>で署名検証</a:t>
-            </a:r>
-            <a:endParaRPr lang="en-JP" altLang="ja-JP" sz="1200" b="1" dirty="0">
-              <a:solidFill>
-                <a:schemeClr val="bg2">
-                  <a:lumMod val="90000"/>
-                </a:schemeClr>
-              </a:solidFill>
-            </a:endParaRPr>
-          </a:p>
-          <a:p>
-            <a:r>
-              <a:rPr lang="ja-JP" altLang="en-US" sz="1200" b="1">
-                <a:solidFill>
-                  <a:schemeClr val="bg2">
-                    <a:lumMod val="90000"/>
-                  </a:schemeClr>
-                </a:solidFill>
-              </a:rPr>
-              <a:t>　 </a:t>
-            </a:r>
-            <a:r>
-              <a:rPr lang="en-US" altLang="ja-JP" sz="1200" b="1" dirty="0">
-                <a:solidFill>
-                  <a:schemeClr val="bg2">
-                    <a:lumMod val="90000"/>
-                  </a:schemeClr>
-                </a:solidFill>
-              </a:rPr>
-              <a:t>(Assertion</a:t>
-            </a:r>
-            <a:r>
-              <a:rPr lang="ja-JP" altLang="en-US" sz="1200" b="1">
-                <a:solidFill>
-                  <a:schemeClr val="bg2">
-                    <a:lumMod val="90000"/>
-                  </a:schemeClr>
-                </a:solidFill>
-              </a:rPr>
-              <a:t>の検証</a:t>
-            </a:r>
-            <a:r>
-              <a:rPr lang="en-US" altLang="ja-JP" sz="1200" b="1" dirty="0">
-                <a:solidFill>
-                  <a:schemeClr val="bg2">
-                    <a:lumMod val="90000"/>
-                  </a:schemeClr>
-                </a:solidFill>
-              </a:rPr>
-              <a:t>)</a:t>
             </a:r>
           </a:p>
         </p:txBody>
@@ -23419,10 +23422,10 @@
       </p:sp>
       <p:pic>
         <p:nvPicPr>
-          <p:cNvPr id="31" name="Picture 30">
-            <a:extLst>
-              <a:ext uri="{FF2B5EF4-FFF2-40B4-BE49-F238E27FC236}">
-                <a16:creationId xmlns:a16="http://schemas.microsoft.com/office/drawing/2014/main" id="{A66662D6-03CB-AB4A-87F8-3041B461665C}"/>
+          <p:cNvPr id="46" name="Picture 45">
+            <a:extLst>
+              <a:ext uri="{FF2B5EF4-FFF2-40B4-BE49-F238E27FC236}">
+                <a16:creationId xmlns:a16="http://schemas.microsoft.com/office/drawing/2014/main" id="{96162302-A3B6-5041-9523-E359CB3F2014}"/>
               </a:ext>
             </a:extLst>
           </p:cNvPr>
@@ -23433,80 +23436,6 @@
         </p:nvPicPr>
         <p:blipFill>
           <a:blip r:embed="rId3"/>
-          <a:stretch>
-            <a:fillRect/>
-          </a:stretch>
-        </p:blipFill>
-        <p:spPr>
-          <a:xfrm>
-            <a:off x="4689219" y="3916345"/>
-            <a:ext cx="407646" cy="407646"/>
-          </a:xfrm>
-          <a:prstGeom prst="rect">
-            <a:avLst/>
-          </a:prstGeom>
-        </p:spPr>
-      </p:pic>
-      <p:sp>
-        <p:nvSpPr>
-          <p:cNvPr id="32" name="TextBox 31">
-            <a:extLst>
-              <a:ext uri="{FF2B5EF4-FFF2-40B4-BE49-F238E27FC236}">
-                <a16:creationId xmlns:a16="http://schemas.microsoft.com/office/drawing/2014/main" id="{969BED74-38CB-4148-881C-135F38EE66F3}"/>
-              </a:ext>
-            </a:extLst>
-          </p:cNvPr>
-          <p:cNvSpPr txBox="1"/>
-          <p:nvPr/>
-        </p:nvSpPr>
-        <p:spPr>
-          <a:xfrm>
-            <a:off x="4369225" y="4222113"/>
-            <a:ext cx="838691" cy="430887"/>
-          </a:xfrm>
-          <a:prstGeom prst="rect">
-            <a:avLst/>
-          </a:prstGeom>
-          <a:noFill/>
-        </p:spPr>
-        <p:txBody>
-          <a:bodyPr wrap="none" rtlCol="0">
-            <a:spAutoFit/>
-          </a:bodyPr>
-          <a:lstStyle/>
-          <a:p>
-            <a:pPr algn="ctr"/>
-            <a:r>
-              <a:rPr lang="en-US" altLang="ja-JP" sz="1100" b="1" dirty="0"/>
-              <a:t>Credential</a:t>
-            </a:r>
-          </a:p>
-          <a:p>
-            <a:pPr algn="ctr"/>
-            <a:r>
-              <a:rPr lang="en-US" altLang="ja-JP" sz="1100" b="1" dirty="0"/>
-              <a:t>Private key</a:t>
-            </a:r>
-            <a:endParaRPr lang="en-JP" sz="1100" b="1" dirty="0"/>
-          </a:p>
-        </p:txBody>
-      </p:sp>
-      <p:pic>
-        <p:nvPicPr>
-          <p:cNvPr id="46" name="Picture 45">
-            <a:extLst>
-              <a:ext uri="{FF2B5EF4-FFF2-40B4-BE49-F238E27FC236}">
-                <a16:creationId xmlns:a16="http://schemas.microsoft.com/office/drawing/2014/main" id="{96162302-A3B6-5041-9523-E359CB3F2014}"/>
-              </a:ext>
-            </a:extLst>
-          </p:cNvPr>
-          <p:cNvPicPr>
-            <a:picLocks noChangeAspect="1"/>
-          </p:cNvPicPr>
-          <p:nvPr/>
-        </p:nvPicPr>
-        <p:blipFill>
-          <a:blip r:embed="rId4"/>
           <a:stretch>
             <a:fillRect/>
           </a:stretch>
@@ -23547,6 +23476,36 @@
           <p:nvPr/>
         </p:nvPicPr>
         <p:blipFill>
+          <a:blip r:embed="rId4"/>
+          <a:stretch>
+            <a:fillRect/>
+          </a:stretch>
+        </p:blipFill>
+        <p:spPr>
+          <a:xfrm>
+            <a:off x="8112452" y="-51484"/>
+            <a:ext cx="342327" cy="342327"/>
+          </a:xfrm>
+          <a:prstGeom prst="rect">
+            <a:avLst/>
+          </a:prstGeom>
+        </p:spPr>
+      </p:pic>
+      <p:pic>
+        <p:nvPicPr>
+          <p:cNvPr id="40" name="Picture 39">
+            <a:extLst>
+              <a:ext uri="{FF2B5EF4-FFF2-40B4-BE49-F238E27FC236}">
+                <a16:creationId xmlns:a16="http://schemas.microsoft.com/office/drawing/2014/main" id="{F434F987-D1B8-CD47-B480-955B7BC950F1}"/>
+              </a:ext>
+            </a:extLst>
+          </p:cNvPr>
+          <p:cNvPicPr>
+            <a:picLocks noChangeAspect="1"/>
+          </p:cNvPicPr>
+          <p:nvPr/>
+        </p:nvPicPr>
+        <p:blipFill>
           <a:blip r:embed="rId5"/>
           <a:stretch>
             <a:fillRect/>
@@ -23554,8 +23513,8 @@
         </p:blipFill>
         <p:spPr>
           <a:xfrm>
-            <a:off x="8112452" y="-51484"/>
-            <a:ext cx="342327" cy="342327"/>
+            <a:off x="6710728" y="2884149"/>
+            <a:ext cx="491002" cy="491002"/>
           </a:xfrm>
           <a:prstGeom prst="rect">
             <a:avLst/>
@@ -23564,10 +23523,10 @@
       </p:pic>
       <p:pic>
         <p:nvPicPr>
-          <p:cNvPr id="24" name="Picture 23">
-            <a:extLst>
-              <a:ext uri="{FF2B5EF4-FFF2-40B4-BE49-F238E27FC236}">
-                <a16:creationId xmlns:a16="http://schemas.microsoft.com/office/drawing/2014/main" id="{8AACAF88-AF0F-0743-8741-67C161614DB2}"/>
+          <p:cNvPr id="41" name="Picture 40">
+            <a:extLst>
+              <a:ext uri="{FF2B5EF4-FFF2-40B4-BE49-F238E27FC236}">
+                <a16:creationId xmlns:a16="http://schemas.microsoft.com/office/drawing/2014/main" id="{DA29C9F1-828F-544F-AB79-81AFB536692F}"/>
               </a:ext>
             </a:extLst>
           </p:cNvPr>
@@ -23577,14 +23536,14 @@
           <p:nvPr/>
         </p:nvPicPr>
         <p:blipFill>
-          <a:blip r:embed="rId6"/>
+          <a:blip r:embed="rId5"/>
           <a:stretch>
             <a:fillRect/>
           </a:stretch>
         </p:blipFill>
         <p:spPr>
           <a:xfrm>
-            <a:off x="6720094" y="3980683"/>
+            <a:off x="6743487" y="1196092"/>
             <a:ext cx="491002" cy="491002"/>
           </a:xfrm>
           <a:prstGeom prst="rect">
@@ -23594,10 +23553,10 @@
       </p:pic>
       <p:sp>
         <p:nvSpPr>
-          <p:cNvPr id="39" name="TextBox 38">
-            <a:extLst>
-              <a:ext uri="{FF2B5EF4-FFF2-40B4-BE49-F238E27FC236}">
-                <a16:creationId xmlns:a16="http://schemas.microsoft.com/office/drawing/2014/main" id="{D33C992D-FCAD-7243-8B74-3BC30551148E}"/>
+          <p:cNvPr id="42" name="TextBox 41">
+            <a:extLst>
+              <a:ext uri="{FF2B5EF4-FFF2-40B4-BE49-F238E27FC236}">
+                <a16:creationId xmlns:a16="http://schemas.microsoft.com/office/drawing/2014/main" id="{B16785C4-7549-1B48-8AD4-9F46C8A39DBE}"/>
               </a:ext>
             </a:extLst>
           </p:cNvPr>
@@ -23606,8 +23565,8 @@
         </p:nvSpPr>
         <p:spPr>
           <a:xfrm>
-            <a:off x="6586324" y="4411783"/>
-            <a:ext cx="758541" cy="430887"/>
+            <a:off x="7888314" y="335136"/>
+            <a:ext cx="790601" cy="430887"/>
           </a:xfrm>
           <a:prstGeom prst="rect">
             <a:avLst/>
@@ -23615,7 +23574,7 @@
           <a:noFill/>
         </p:spPr>
         <p:txBody>
-          <a:bodyPr wrap="square" rtlCol="0">
+          <a:bodyPr wrap="none" rtlCol="0">
             <a:spAutoFit/>
           </a:bodyPr>
           <a:lstStyle/>
@@ -23623,25 +23582,25 @@
             <a:pPr algn="ctr"/>
             <a:r>
               <a:rPr lang="en-US" altLang="ja-JP" sz="1100" b="1" dirty="0"/>
-              <a:t>Challenge</a:t>
+              <a:t>Credential</a:t>
             </a:r>
           </a:p>
           <a:p>
             <a:pPr algn="ctr"/>
             <a:r>
-              <a:rPr lang="ja-JP" altLang="en-US" sz="1100" b="1"/>
-              <a:t>への署名</a:t>
-            </a:r>
-            <a:endParaRPr lang="en-US" altLang="ja-JP" sz="1100" b="1" dirty="0"/>
+              <a:rPr lang="en-US" altLang="ja-JP" sz="1100" b="1" dirty="0"/>
+              <a:t>Public key</a:t>
+            </a:r>
+            <a:endParaRPr lang="en-JP" sz="1100" b="1" dirty="0"/>
           </a:p>
         </p:txBody>
       </p:sp>
       <p:pic>
         <p:nvPicPr>
-          <p:cNvPr id="40" name="Picture 39">
-            <a:extLst>
-              <a:ext uri="{FF2B5EF4-FFF2-40B4-BE49-F238E27FC236}">
-                <a16:creationId xmlns:a16="http://schemas.microsoft.com/office/drawing/2014/main" id="{F434F987-D1B8-CD47-B480-955B7BC950F1}"/>
+          <p:cNvPr id="48" name="Picture 47">
+            <a:extLst>
+              <a:ext uri="{FF2B5EF4-FFF2-40B4-BE49-F238E27FC236}">
+                <a16:creationId xmlns:a16="http://schemas.microsoft.com/office/drawing/2014/main" id="{14402A85-FF8F-9D42-8A5D-8C825C133845}"/>
               </a:ext>
             </a:extLst>
           </p:cNvPr>
@@ -23651,111 +23610,7 @@
           <p:nvPr/>
         </p:nvPicPr>
         <p:blipFill>
-          <a:blip r:embed="rId6"/>
-          <a:stretch>
-            <a:fillRect/>
-          </a:stretch>
-        </p:blipFill>
-        <p:spPr>
-          <a:xfrm>
-            <a:off x="6710728" y="2884149"/>
-            <a:ext cx="491002" cy="491002"/>
-          </a:xfrm>
-          <a:prstGeom prst="rect">
-            <a:avLst/>
-          </a:prstGeom>
-        </p:spPr>
-      </p:pic>
-      <p:pic>
-        <p:nvPicPr>
-          <p:cNvPr id="41" name="Picture 40">
-            <a:extLst>
-              <a:ext uri="{FF2B5EF4-FFF2-40B4-BE49-F238E27FC236}">
-                <a16:creationId xmlns:a16="http://schemas.microsoft.com/office/drawing/2014/main" id="{DA29C9F1-828F-544F-AB79-81AFB536692F}"/>
-              </a:ext>
-            </a:extLst>
-          </p:cNvPr>
-          <p:cNvPicPr>
-            <a:picLocks noChangeAspect="1"/>
-          </p:cNvPicPr>
-          <p:nvPr/>
-        </p:nvPicPr>
-        <p:blipFill>
-          <a:blip r:embed="rId6"/>
-          <a:stretch>
-            <a:fillRect/>
-          </a:stretch>
-        </p:blipFill>
-        <p:spPr>
-          <a:xfrm>
-            <a:off x="6743487" y="1196092"/>
-            <a:ext cx="491002" cy="491002"/>
-          </a:xfrm>
-          <a:prstGeom prst="rect">
-            <a:avLst/>
-          </a:prstGeom>
-        </p:spPr>
-      </p:pic>
-      <p:sp>
-        <p:nvSpPr>
-          <p:cNvPr id="42" name="TextBox 41">
-            <a:extLst>
-              <a:ext uri="{FF2B5EF4-FFF2-40B4-BE49-F238E27FC236}">
-                <a16:creationId xmlns:a16="http://schemas.microsoft.com/office/drawing/2014/main" id="{B16785C4-7549-1B48-8AD4-9F46C8A39DBE}"/>
-              </a:ext>
-            </a:extLst>
-          </p:cNvPr>
-          <p:cNvSpPr txBox="1"/>
-          <p:nvPr/>
-        </p:nvSpPr>
-        <p:spPr>
-          <a:xfrm>
-            <a:off x="7888314" y="335136"/>
-            <a:ext cx="790601" cy="430887"/>
-          </a:xfrm>
-          <a:prstGeom prst="rect">
-            <a:avLst/>
-          </a:prstGeom>
-          <a:noFill/>
-        </p:spPr>
-        <p:txBody>
-          <a:bodyPr wrap="none" rtlCol="0">
-            <a:spAutoFit/>
-          </a:bodyPr>
-          <a:lstStyle/>
-          <a:p>
-            <a:pPr algn="ctr"/>
-            <a:r>
-              <a:rPr lang="en-US" altLang="ja-JP" sz="1100" b="1" dirty="0"/>
-              <a:t>Credential</a:t>
-            </a:r>
-          </a:p>
-          <a:p>
-            <a:pPr algn="ctr"/>
-            <a:r>
-              <a:rPr lang="en-US" altLang="ja-JP" sz="1100" b="1" dirty="0"/>
-              <a:t>Public key</a:t>
-            </a:r>
-            <a:endParaRPr lang="en-JP" sz="1100" b="1" dirty="0"/>
-          </a:p>
-        </p:txBody>
-      </p:sp>
-      <p:pic>
-        <p:nvPicPr>
-          <p:cNvPr id="48" name="Picture 47">
-            <a:extLst>
-              <a:ext uri="{FF2B5EF4-FFF2-40B4-BE49-F238E27FC236}">
-                <a16:creationId xmlns:a16="http://schemas.microsoft.com/office/drawing/2014/main" id="{14402A85-FF8F-9D42-8A5D-8C825C133845}"/>
-              </a:ext>
-            </a:extLst>
-          </p:cNvPr>
-          <p:cNvPicPr>
-            <a:picLocks noChangeAspect="1"/>
-          </p:cNvPicPr>
-          <p:nvPr/>
-        </p:nvPicPr>
-        <p:blipFill>
-          <a:blip r:embed="rId6"/>
+          <a:blip r:embed="rId5"/>
           <a:stretch>
             <a:fillRect/>
           </a:stretch>
@@ -23866,82 +23721,6 @@
           <a:xfrm flipH="1">
             <a:off x="7229973" y="302719"/>
             <a:ext cx="768836" cy="4489"/>
-          </a:xfrm>
-          <a:prstGeom prst="straightConnector1">
-            <a:avLst/>
-          </a:prstGeom>
-          <a:ln>
-            <a:tailEnd type="triangle"/>
-          </a:ln>
-        </p:spPr>
-        <p:style>
-          <a:lnRef idx="1">
-            <a:schemeClr val="accent1"/>
-          </a:lnRef>
-          <a:fillRef idx="0">
-            <a:schemeClr val="accent1"/>
-          </a:fillRef>
-          <a:effectRef idx="0">
-            <a:schemeClr val="accent1"/>
-          </a:effectRef>
-          <a:fontRef idx="minor">
-            <a:schemeClr val="tx1"/>
-          </a:fontRef>
-        </p:style>
-      </p:cxnSp>
-      <p:sp>
-        <p:nvSpPr>
-          <p:cNvPr id="55" name="TextBox 54">
-            <a:extLst>
-              <a:ext uri="{FF2B5EF4-FFF2-40B4-BE49-F238E27FC236}">
-                <a16:creationId xmlns:a16="http://schemas.microsoft.com/office/drawing/2014/main" id="{A6C5C667-A0B8-3043-BBBE-138BA85F17B4}"/>
-              </a:ext>
-            </a:extLst>
-          </p:cNvPr>
-          <p:cNvSpPr txBox="1"/>
-          <p:nvPr/>
-        </p:nvSpPr>
-        <p:spPr>
-          <a:xfrm>
-            <a:off x="5687008" y="3990477"/>
-            <a:ext cx="1075679" cy="276999"/>
-          </a:xfrm>
-          <a:prstGeom prst="rect">
-            <a:avLst/>
-          </a:prstGeom>
-          <a:noFill/>
-        </p:spPr>
-        <p:txBody>
-          <a:bodyPr wrap="none" rtlCol="0">
-            <a:spAutoFit/>
-          </a:bodyPr>
-          <a:lstStyle/>
-          <a:p>
-            <a:r>
-              <a:rPr lang="en-JP" sz="1200" b="1" dirty="0"/>
-              <a:t>Generate Sign</a:t>
-            </a:r>
-          </a:p>
-        </p:txBody>
-      </p:sp>
-      <p:cxnSp>
-        <p:nvCxnSpPr>
-          <p:cNvPr id="56" name="Straight Arrow Connector 55">
-            <a:extLst>
-              <a:ext uri="{FF2B5EF4-FFF2-40B4-BE49-F238E27FC236}">
-                <a16:creationId xmlns:a16="http://schemas.microsoft.com/office/drawing/2014/main" id="{00A01C67-00C2-824A-9F15-D1563CBB080E}"/>
-              </a:ext>
-            </a:extLst>
-          </p:cNvPr>
-          <p:cNvCxnSpPr>
-            <a:cxnSpLocks/>
-          </p:cNvCxnSpPr>
-          <p:nvPr/>
-        </p:nvCxnSpPr>
-        <p:spPr>
-          <a:xfrm>
-            <a:off x="5858170" y="4267476"/>
-            <a:ext cx="779360" cy="0"/>
           </a:xfrm>
           <a:prstGeom prst="straightConnector1">
             <a:avLst/>
@@ -23980,7 +23759,7 @@
           <p:nvPr/>
         </p:nvPicPr>
         <p:blipFill>
-          <a:blip r:embed="rId7"/>
+          <a:blip r:embed="rId6"/>
           <a:stretch>
             <a:fillRect/>
           </a:stretch>
@@ -24001,6 +23780,469 @@
             <a:extLst>
               <a:ext uri="{FF2B5EF4-FFF2-40B4-BE49-F238E27FC236}">
                 <a16:creationId xmlns:a16="http://schemas.microsoft.com/office/drawing/2014/main" id="{E6A6DB37-D755-6F4E-94E3-5D3F46D74338}"/>
+              </a:ext>
+            </a:extLst>
+          </p:cNvPr>
+          <p:cNvPicPr>
+            <a:picLocks noChangeAspect="1"/>
+          </p:cNvPicPr>
+          <p:nvPr/>
+        </p:nvPicPr>
+        <p:blipFill>
+          <a:blip r:embed="rId6"/>
+          <a:stretch>
+            <a:fillRect/>
+          </a:stretch>
+        </p:blipFill>
+        <p:spPr>
+          <a:xfrm>
+            <a:off x="4655289" y="2860550"/>
+            <a:ext cx="295894" cy="343383"/>
+          </a:xfrm>
+          <a:prstGeom prst="rect">
+            <a:avLst/>
+          </a:prstGeom>
+        </p:spPr>
+      </p:pic>
+      <p:sp>
+        <p:nvSpPr>
+          <p:cNvPr id="60" name="TextBox 59">
+            <a:extLst>
+              <a:ext uri="{FF2B5EF4-FFF2-40B4-BE49-F238E27FC236}">
+                <a16:creationId xmlns:a16="http://schemas.microsoft.com/office/drawing/2014/main" id="{CD457AFF-4887-554B-B70F-270305BDF0EB}"/>
+              </a:ext>
+            </a:extLst>
+          </p:cNvPr>
+          <p:cNvSpPr txBox="1"/>
+          <p:nvPr/>
+        </p:nvSpPr>
+        <p:spPr>
+          <a:xfrm>
+            <a:off x="4425484" y="1406230"/>
+            <a:ext cx="758541" cy="261610"/>
+          </a:xfrm>
+          <a:prstGeom prst="rect">
+            <a:avLst/>
+          </a:prstGeom>
+          <a:noFill/>
+        </p:spPr>
+        <p:txBody>
+          <a:bodyPr wrap="none" rtlCol="0">
+            <a:spAutoFit/>
+          </a:bodyPr>
+          <a:lstStyle/>
+          <a:p>
+            <a:r>
+              <a:rPr lang="en-JP" sz="1100" b="1" dirty="0"/>
+              <a:t>Challenge</a:t>
+            </a:r>
+          </a:p>
+        </p:txBody>
+      </p:sp>
+      <p:sp>
+        <p:nvSpPr>
+          <p:cNvPr id="94" name="TextBox 93">
+            <a:extLst>
+              <a:ext uri="{FF2B5EF4-FFF2-40B4-BE49-F238E27FC236}">
+                <a16:creationId xmlns:a16="http://schemas.microsoft.com/office/drawing/2014/main" id="{7A2F3C04-73E2-314F-95D2-224D905A5328}"/>
+              </a:ext>
+            </a:extLst>
+          </p:cNvPr>
+          <p:cNvSpPr txBox="1"/>
+          <p:nvPr/>
+        </p:nvSpPr>
+        <p:spPr>
+          <a:xfrm>
+            <a:off x="7109076" y="4046307"/>
+            <a:ext cx="3364960" cy="646331"/>
+          </a:xfrm>
+          <a:prstGeom prst="rect">
+            <a:avLst/>
+          </a:prstGeom>
+          <a:noFill/>
+        </p:spPr>
+        <p:txBody>
+          <a:bodyPr wrap="none" rtlCol="0">
+            <a:spAutoFit/>
+          </a:bodyPr>
+          <a:lstStyle/>
+          <a:p>
+            <a:r>
+              <a:rPr lang="en-JP" sz="1200" b="1" dirty="0">
+                <a:highlight>
+                  <a:srgbClr val="FFFF00"/>
+                </a:highlight>
+              </a:rPr>
+              <a:t>④</a:t>
+            </a:r>
+            <a:r>
+              <a:rPr lang="en-US" sz="1200" b="1" dirty="0">
+                <a:highlight>
+                  <a:srgbClr val="FFFF00"/>
+                </a:highlight>
+              </a:rPr>
+              <a:t> </a:t>
+            </a:r>
+            <a:r>
+              <a:rPr lang="ja-JP" altLang="en-US" sz="1200" b="1">
+                <a:highlight>
+                  <a:srgbClr val="FFFF00"/>
+                </a:highlight>
+              </a:rPr>
+              <a:t>要求ユーザのローカル認証</a:t>
+            </a:r>
+            <a:r>
+              <a:rPr lang="en-US" altLang="ja-JP" sz="1200" b="1" dirty="0">
+                <a:highlight>
+                  <a:srgbClr val="FFFF00"/>
+                </a:highlight>
+              </a:rPr>
+              <a:t>(PIN</a:t>
+            </a:r>
+            <a:r>
+              <a:rPr lang="ja-JP" altLang="en-US" sz="1200" b="1">
+                <a:highlight>
+                  <a:srgbClr val="FFFF00"/>
+                </a:highlight>
+              </a:rPr>
+              <a:t>や指紋</a:t>
+            </a:r>
+            <a:r>
+              <a:rPr lang="en-US" altLang="ja-JP" sz="1200" b="1" dirty="0">
+                <a:highlight>
+                  <a:srgbClr val="FFFF00"/>
+                </a:highlight>
+              </a:rPr>
+              <a:t>)</a:t>
+            </a:r>
+            <a:r>
+              <a:rPr lang="ja-JP" altLang="en-US" sz="1200" b="1">
+                <a:highlight>
+                  <a:srgbClr val="FFFF00"/>
+                </a:highlight>
+              </a:rPr>
+              <a:t>、</a:t>
+            </a:r>
+            <a:br>
+              <a:rPr lang="en-US" altLang="ja-JP" sz="1200" b="1" dirty="0">
+                <a:highlight>
+                  <a:srgbClr val="FFFF00"/>
+                </a:highlight>
+              </a:rPr>
+            </a:br>
+            <a:r>
+              <a:rPr lang="ja-JP" altLang="en-US" sz="1200" b="1">
+                <a:highlight>
+                  <a:srgbClr val="FFFF00"/>
+                </a:highlight>
+              </a:rPr>
+              <a:t>　  </a:t>
+            </a:r>
+            <a:r>
+              <a:rPr lang="en-US" altLang="ja-JP" sz="1200" b="1" dirty="0">
+                <a:highlight>
+                  <a:srgbClr val="FFFF00"/>
+                </a:highlight>
+              </a:rPr>
+              <a:t>Challenge</a:t>
+            </a:r>
+            <a:r>
+              <a:rPr lang="ja-JP" altLang="en-US" sz="1200" b="1">
+                <a:highlight>
+                  <a:srgbClr val="FFFF00"/>
+                </a:highlight>
+              </a:rPr>
+              <a:t>へ</a:t>
+            </a:r>
+            <a:r>
+              <a:rPr lang="en-US" altLang="ja-JP" sz="1200" b="1" dirty="0">
+                <a:highlight>
+                  <a:srgbClr val="FFFF00"/>
+                </a:highlight>
+              </a:rPr>
+              <a:t>Credential Private Key</a:t>
+            </a:r>
+            <a:r>
+              <a:rPr lang="ja-JP" altLang="en-US" sz="1200" b="1">
+                <a:highlight>
+                  <a:srgbClr val="FFFF00"/>
+                </a:highlight>
+              </a:rPr>
+              <a:t>で署名付与</a:t>
+            </a:r>
+            <a:endParaRPr lang="en-US" altLang="ja-JP" sz="1200" b="1" dirty="0">
+              <a:highlight>
+                <a:srgbClr val="FFFF00"/>
+              </a:highlight>
+            </a:endParaRPr>
+          </a:p>
+          <a:p>
+            <a:r>
+              <a:rPr lang="ja-JP" altLang="en-US" sz="1200" b="1">
+                <a:highlight>
+                  <a:srgbClr val="FFFF00"/>
+                </a:highlight>
+              </a:rPr>
+              <a:t>　  </a:t>
+            </a:r>
+            <a:r>
+              <a:rPr lang="en-US" altLang="ja-JP" sz="1200" b="1" dirty="0">
+                <a:highlight>
+                  <a:srgbClr val="FFFF00"/>
+                </a:highlight>
+              </a:rPr>
+              <a:t>(Assertion</a:t>
+            </a:r>
+            <a:r>
+              <a:rPr lang="ja-JP" altLang="en-US" sz="1200" b="1">
+                <a:highlight>
+                  <a:srgbClr val="FFFF00"/>
+                </a:highlight>
+              </a:rPr>
+              <a:t>の生成</a:t>
+            </a:r>
+            <a:r>
+              <a:rPr lang="en-US" altLang="ja-JP" sz="1200" b="1" dirty="0">
+                <a:highlight>
+                  <a:srgbClr val="FFFF00"/>
+                </a:highlight>
+              </a:rPr>
+              <a:t>)</a:t>
+            </a:r>
+            <a:endParaRPr lang="en-JP" sz="1200" b="1" dirty="0">
+              <a:highlight>
+                <a:srgbClr val="FFFF00"/>
+              </a:highlight>
+            </a:endParaRPr>
+          </a:p>
+        </p:txBody>
+      </p:sp>
+      <p:sp>
+        <p:nvSpPr>
+          <p:cNvPr id="95" name="TextBox 94">
+            <a:extLst>
+              <a:ext uri="{FF2B5EF4-FFF2-40B4-BE49-F238E27FC236}">
+                <a16:creationId xmlns:a16="http://schemas.microsoft.com/office/drawing/2014/main" id="{D77467D6-B2E5-F542-AD1E-0C3E0EE56F4F}"/>
+              </a:ext>
+            </a:extLst>
+          </p:cNvPr>
+          <p:cNvSpPr txBox="1"/>
+          <p:nvPr/>
+        </p:nvSpPr>
+        <p:spPr>
+          <a:xfrm>
+            <a:off x="8568422" y="162192"/>
+            <a:ext cx="1905614" cy="646331"/>
+          </a:xfrm>
+          <a:prstGeom prst="rect">
+            <a:avLst/>
+          </a:prstGeom>
+          <a:noFill/>
+        </p:spPr>
+        <p:txBody>
+          <a:bodyPr wrap="square" rtlCol="0">
+            <a:spAutoFit/>
+          </a:bodyPr>
+          <a:lstStyle/>
+          <a:p>
+            <a:r>
+              <a:rPr lang="ja-JP" altLang="en-US" sz="1200" b="1">
+                <a:solidFill>
+                  <a:schemeClr val="bg2">
+                    <a:lumMod val="90000"/>
+                  </a:schemeClr>
+                </a:solidFill>
+              </a:rPr>
+              <a:t>⑧</a:t>
+            </a:r>
+            <a:r>
+              <a:rPr lang="en-US" altLang="ja-JP" sz="1200" b="1" dirty="0">
+                <a:solidFill>
+                  <a:schemeClr val="bg2">
+                    <a:lumMod val="90000"/>
+                  </a:schemeClr>
+                </a:solidFill>
+              </a:rPr>
+              <a:t> </a:t>
+            </a:r>
+            <a:r>
+              <a:rPr lang="ja-JP" altLang="en-US" sz="1200" b="1">
+                <a:solidFill>
+                  <a:schemeClr val="bg2">
+                    <a:lumMod val="90000"/>
+                  </a:schemeClr>
+                </a:solidFill>
+              </a:rPr>
+              <a:t>登録済み</a:t>
+            </a:r>
+            <a:r>
+              <a:rPr lang="en-US" altLang="ja-JP" sz="1200" b="1" dirty="0">
+                <a:solidFill>
+                  <a:schemeClr val="bg2">
+                    <a:lumMod val="90000"/>
+                  </a:schemeClr>
+                </a:solidFill>
+              </a:rPr>
+              <a:t>Credential</a:t>
+            </a:r>
+          </a:p>
+          <a:p>
+            <a:r>
+              <a:rPr lang="ja-JP" altLang="en-US" sz="1200" b="1">
+                <a:solidFill>
+                  <a:schemeClr val="bg2">
+                    <a:lumMod val="90000"/>
+                  </a:schemeClr>
+                </a:solidFill>
+              </a:rPr>
+              <a:t>　 </a:t>
+            </a:r>
+            <a:r>
+              <a:rPr lang="en-US" altLang="ja-JP" sz="1200" b="1" dirty="0">
+                <a:solidFill>
+                  <a:schemeClr val="bg2">
+                    <a:lumMod val="90000"/>
+                  </a:schemeClr>
+                </a:solidFill>
+              </a:rPr>
+              <a:t>Public Key</a:t>
+            </a:r>
+            <a:r>
+              <a:rPr lang="ja-JP" altLang="en-US" sz="1200" b="1">
+                <a:solidFill>
+                  <a:schemeClr val="bg2">
+                    <a:lumMod val="90000"/>
+                  </a:schemeClr>
+                </a:solidFill>
+              </a:rPr>
+              <a:t>で署名検証</a:t>
+            </a:r>
+            <a:endParaRPr lang="en-JP" altLang="ja-JP" sz="1200" b="1" dirty="0">
+              <a:solidFill>
+                <a:schemeClr val="bg2">
+                  <a:lumMod val="90000"/>
+                </a:schemeClr>
+              </a:solidFill>
+            </a:endParaRPr>
+          </a:p>
+          <a:p>
+            <a:r>
+              <a:rPr lang="ja-JP" altLang="en-US" sz="1200" b="1">
+                <a:solidFill>
+                  <a:schemeClr val="bg2">
+                    <a:lumMod val="90000"/>
+                  </a:schemeClr>
+                </a:solidFill>
+              </a:rPr>
+              <a:t>　 </a:t>
+            </a:r>
+            <a:r>
+              <a:rPr lang="en-US" altLang="ja-JP" sz="1200" b="1" dirty="0">
+                <a:solidFill>
+                  <a:schemeClr val="bg2">
+                    <a:lumMod val="90000"/>
+                  </a:schemeClr>
+                </a:solidFill>
+              </a:rPr>
+              <a:t>(Assertion</a:t>
+            </a:r>
+            <a:r>
+              <a:rPr lang="ja-JP" altLang="en-US" sz="1200" b="1">
+                <a:solidFill>
+                  <a:schemeClr val="bg2">
+                    <a:lumMod val="90000"/>
+                  </a:schemeClr>
+                </a:solidFill>
+              </a:rPr>
+              <a:t>の検証</a:t>
+            </a:r>
+            <a:r>
+              <a:rPr lang="en-US" altLang="ja-JP" sz="1200" b="1" dirty="0">
+                <a:solidFill>
+                  <a:schemeClr val="bg2">
+                    <a:lumMod val="90000"/>
+                  </a:schemeClr>
+                </a:solidFill>
+              </a:rPr>
+              <a:t>)</a:t>
+            </a:r>
+          </a:p>
+        </p:txBody>
+      </p:sp>
+      <p:sp>
+        <p:nvSpPr>
+          <p:cNvPr id="96" name="TextBox 95">
+            <a:extLst>
+              <a:ext uri="{FF2B5EF4-FFF2-40B4-BE49-F238E27FC236}">
+                <a16:creationId xmlns:a16="http://schemas.microsoft.com/office/drawing/2014/main" id="{2A9A84C2-D2DF-B447-BC65-21E7ED798C17}"/>
+              </a:ext>
+            </a:extLst>
+          </p:cNvPr>
+          <p:cNvSpPr txBox="1"/>
+          <p:nvPr/>
+        </p:nvSpPr>
+        <p:spPr>
+          <a:xfrm>
+            <a:off x="5435879" y="1218633"/>
+            <a:ext cx="989373" cy="276999"/>
+          </a:xfrm>
+          <a:prstGeom prst="rect">
+            <a:avLst/>
+          </a:prstGeom>
+          <a:noFill/>
+        </p:spPr>
+        <p:txBody>
+          <a:bodyPr wrap="none" rtlCol="0">
+            <a:spAutoFit/>
+          </a:bodyPr>
+          <a:lstStyle/>
+          <a:p>
+            <a:r>
+              <a:rPr lang="ja-JP" altLang="en-US" sz="1200" b="1">
+                <a:solidFill>
+                  <a:schemeClr val="bg2">
+                    <a:lumMod val="90000"/>
+                  </a:schemeClr>
+                </a:solidFill>
+              </a:rPr>
+              <a:t>⓪</a:t>
+            </a:r>
+            <a:r>
+              <a:rPr lang="en-US" altLang="ja-JP" sz="1200" b="1" dirty="0">
+                <a:solidFill>
+                  <a:schemeClr val="bg2">
+                    <a:lumMod val="90000"/>
+                  </a:schemeClr>
+                </a:solidFill>
+              </a:rPr>
+              <a:t> </a:t>
+            </a:r>
+            <a:r>
+              <a:rPr lang="ja-JP" altLang="en-US" sz="1200" b="1">
+                <a:solidFill>
+                  <a:schemeClr val="bg2">
+                    <a:lumMod val="90000"/>
+                  </a:schemeClr>
+                </a:solidFill>
+              </a:rPr>
+              <a:t>認証要求</a:t>
+            </a:r>
+            <a:endParaRPr lang="en-JP" sz="1200" b="1" dirty="0">
+              <a:solidFill>
+                <a:schemeClr val="bg2">
+                  <a:lumMod val="90000"/>
+                </a:schemeClr>
+              </a:solidFill>
+            </a:endParaRPr>
+          </a:p>
+        </p:txBody>
+      </p:sp>
+      <p:pic>
+        <p:nvPicPr>
+          <p:cNvPr id="57" name="Picture 56">
+            <a:extLst>
+              <a:ext uri="{FF2B5EF4-FFF2-40B4-BE49-F238E27FC236}">
+                <a16:creationId xmlns:a16="http://schemas.microsoft.com/office/drawing/2014/main" id="{06C475B7-CAEA-0C4D-87E3-4115FAD41DBD}"/>
               </a:ext>
             </a:extLst>
           </p:cNvPr>
@@ -24017,8 +24259,8 @@
         </p:blipFill>
         <p:spPr>
           <a:xfrm>
-            <a:off x="4655289" y="2860550"/>
-            <a:ext cx="295894" cy="343383"/>
+            <a:off x="6504441" y="4358534"/>
+            <a:ext cx="407646" cy="407646"/>
           </a:xfrm>
           <a:prstGeom prst="rect">
             <a:avLst/>
@@ -24027,10 +24269,10 @@
       </p:pic>
       <p:sp>
         <p:nvSpPr>
-          <p:cNvPr id="60" name="TextBox 59">
-            <a:extLst>
-              <a:ext uri="{FF2B5EF4-FFF2-40B4-BE49-F238E27FC236}">
-                <a16:creationId xmlns:a16="http://schemas.microsoft.com/office/drawing/2014/main" id="{CD457AFF-4887-554B-B70F-270305BDF0EB}"/>
+          <p:cNvPr id="63" name="TextBox 62">
+            <a:extLst>
+              <a:ext uri="{FF2B5EF4-FFF2-40B4-BE49-F238E27FC236}">
+                <a16:creationId xmlns:a16="http://schemas.microsoft.com/office/drawing/2014/main" id="{8881B18E-F47A-374A-9250-AF736E8BEECC}"/>
               </a:ext>
             </a:extLst>
           </p:cNvPr>
@@ -24039,8 +24281,8 @@
         </p:nvSpPr>
         <p:spPr>
           <a:xfrm>
-            <a:off x="4425484" y="1406230"/>
-            <a:ext cx="758541" cy="261610"/>
+            <a:off x="6303063" y="4665722"/>
+            <a:ext cx="838691" cy="430887"/>
           </a:xfrm>
           <a:prstGeom prst="rect">
             <a:avLst/>
@@ -24053,19 +24295,28 @@
           </a:bodyPr>
           <a:lstStyle/>
           <a:p>
-            <a:r>
-              <a:rPr lang="en-JP" sz="1100" b="1" dirty="0"/>
-              <a:t>Challenge</a:t>
-            </a:r>
+            <a:pPr algn="ctr"/>
+            <a:r>
+              <a:rPr lang="en-US" altLang="ja-JP" sz="1100" b="1" dirty="0"/>
+              <a:t>Credential</a:t>
+            </a:r>
+          </a:p>
+          <a:p>
+            <a:pPr algn="ctr"/>
+            <a:r>
+              <a:rPr lang="en-US" altLang="ja-JP" sz="1100" b="1" dirty="0"/>
+              <a:t>Private key</a:t>
+            </a:r>
+            <a:endParaRPr lang="en-JP" sz="1100" b="1" dirty="0"/>
           </a:p>
         </p:txBody>
       </p:sp>
       <p:pic>
         <p:nvPicPr>
-          <p:cNvPr id="61" name="Picture 60">
-            <a:extLst>
-              <a:ext uri="{FF2B5EF4-FFF2-40B4-BE49-F238E27FC236}">
-                <a16:creationId xmlns:a16="http://schemas.microsoft.com/office/drawing/2014/main" id="{7173BBD5-A9EF-FC4F-B836-4867E1C3ADEA}"/>
+          <p:cNvPr id="64" name="Picture 63">
+            <a:extLst>
+              <a:ext uri="{FF2B5EF4-FFF2-40B4-BE49-F238E27FC236}">
+                <a16:creationId xmlns:a16="http://schemas.microsoft.com/office/drawing/2014/main" id="{6C456188-AF16-3F49-9AC1-A9E7893569D7}"/>
               </a:ext>
             </a:extLst>
           </p:cNvPr>
@@ -24075,15 +24326,15 @@
           <p:nvPr/>
         </p:nvPicPr>
         <p:blipFill>
-          <a:blip r:embed="rId7"/>
+          <a:blip r:embed="rId5"/>
           <a:stretch>
             <a:fillRect/>
           </a:stretch>
         </p:blipFill>
         <p:spPr>
           <a:xfrm>
-            <a:off x="5350988" y="3972883"/>
-            <a:ext cx="295894" cy="343383"/>
+            <a:off x="5886030" y="3914467"/>
+            <a:ext cx="334463" cy="334463"/>
           </a:xfrm>
           <a:prstGeom prst="rect">
             <a:avLst/>
@@ -24092,10 +24343,10 @@
       </p:pic>
       <p:sp>
         <p:nvSpPr>
-          <p:cNvPr id="62" name="TextBox 61">
-            <a:extLst>
-              <a:ext uri="{FF2B5EF4-FFF2-40B4-BE49-F238E27FC236}">
-                <a16:creationId xmlns:a16="http://schemas.microsoft.com/office/drawing/2014/main" id="{F83DF493-6FC4-8147-A139-F7DBB7E12084}"/>
+          <p:cNvPr id="65" name="TextBox 64">
+            <a:extLst>
+              <a:ext uri="{FF2B5EF4-FFF2-40B4-BE49-F238E27FC236}">
+                <a16:creationId xmlns:a16="http://schemas.microsoft.com/office/drawing/2014/main" id="{8D2F4E08-267A-2540-A95A-7529D5C83C31}"/>
               </a:ext>
             </a:extLst>
           </p:cNvPr>
@@ -24104,8 +24355,52 @@
         </p:nvSpPr>
         <p:spPr>
           <a:xfrm>
-            <a:off x="5122222" y="4277139"/>
-            <a:ext cx="758541" cy="261610"/>
+            <a:off x="6171551" y="3868723"/>
+            <a:ext cx="758541" cy="430887"/>
+          </a:xfrm>
+          <a:prstGeom prst="rect">
+            <a:avLst/>
+          </a:prstGeom>
+          <a:noFill/>
+        </p:spPr>
+        <p:txBody>
+          <a:bodyPr wrap="square" rtlCol="0">
+            <a:spAutoFit/>
+          </a:bodyPr>
+          <a:lstStyle/>
+          <a:p>
+            <a:pPr algn="ctr"/>
+            <a:r>
+              <a:rPr lang="en-US" altLang="ja-JP" sz="1100" b="1" dirty="0"/>
+              <a:t>Challenge</a:t>
+            </a:r>
+          </a:p>
+          <a:p>
+            <a:pPr algn="ctr"/>
+            <a:r>
+              <a:rPr lang="ja-JP" altLang="en-US" sz="1100" b="1"/>
+              <a:t>への署名</a:t>
+            </a:r>
+            <a:endParaRPr lang="en-US" altLang="ja-JP" sz="1100" b="1" dirty="0"/>
+          </a:p>
+        </p:txBody>
+      </p:sp>
+      <p:sp>
+        <p:nvSpPr>
+          <p:cNvPr id="66" name="TextBox 65">
+            <a:extLst>
+              <a:ext uri="{FF2B5EF4-FFF2-40B4-BE49-F238E27FC236}">
+                <a16:creationId xmlns:a16="http://schemas.microsoft.com/office/drawing/2014/main" id="{4C5C9156-4AD9-564F-A427-42DD6A412D98}"/>
+              </a:ext>
+            </a:extLst>
+          </p:cNvPr>
+          <p:cNvSpPr txBox="1"/>
+          <p:nvPr/>
+        </p:nvSpPr>
+        <p:spPr>
+          <a:xfrm>
+            <a:off x="5886030" y="4400537"/>
+            <a:ext cx="452368" cy="276999"/>
           </a:xfrm>
           <a:prstGeom prst="rect">
             <a:avLst/>
@@ -24119,18 +24414,90 @@
           <a:lstStyle/>
           <a:p>
             <a:r>
-              <a:rPr lang="en-JP" sz="1100" b="1" dirty="0"/>
-              <a:t>Challenge</a:t>
-            </a:r>
-          </a:p>
-        </p:txBody>
-      </p:sp>
-      <p:sp>
-        <p:nvSpPr>
-          <p:cNvPr id="94" name="TextBox 93">
-            <a:extLst>
-              <a:ext uri="{FF2B5EF4-FFF2-40B4-BE49-F238E27FC236}">
-                <a16:creationId xmlns:a16="http://schemas.microsoft.com/office/drawing/2014/main" id="{7A2F3C04-73E2-314F-95D2-224D905A5328}"/>
+              <a:rPr lang="en-JP" sz="1200" b="1" dirty="0"/>
+              <a:t>Sign</a:t>
+            </a:r>
+          </a:p>
+        </p:txBody>
+      </p:sp>
+      <p:cxnSp>
+        <p:nvCxnSpPr>
+          <p:cNvPr id="67" name="Straight Arrow Connector 66">
+            <a:extLst>
+              <a:ext uri="{FF2B5EF4-FFF2-40B4-BE49-F238E27FC236}">
+                <a16:creationId xmlns:a16="http://schemas.microsoft.com/office/drawing/2014/main" id="{9D8482D2-6B16-CD4F-A6D6-12A1DCC6543C}"/>
+              </a:ext>
+            </a:extLst>
+          </p:cNvPr>
+          <p:cNvCxnSpPr>
+            <a:cxnSpLocks/>
+            <a:endCxn id="68" idx="2"/>
+          </p:cNvCxnSpPr>
+          <p:nvPr/>
+        </p:nvCxnSpPr>
+        <p:spPr>
+          <a:xfrm flipH="1" flipV="1">
+            <a:off x="5741828" y="4223890"/>
+            <a:ext cx="858886" cy="338467"/>
+          </a:xfrm>
+          <a:prstGeom prst="straightConnector1">
+            <a:avLst/>
+          </a:prstGeom>
+          <a:ln>
+            <a:tailEnd type="triangle"/>
+          </a:ln>
+        </p:spPr>
+        <p:style>
+          <a:lnRef idx="1">
+            <a:schemeClr val="accent1"/>
+          </a:lnRef>
+          <a:fillRef idx="0">
+            <a:schemeClr val="accent1"/>
+          </a:fillRef>
+          <a:effectRef idx="0">
+            <a:schemeClr val="accent1"/>
+          </a:effectRef>
+          <a:fontRef idx="minor">
+            <a:schemeClr val="tx1"/>
+          </a:fontRef>
+        </p:style>
+      </p:cxnSp>
+      <p:pic>
+        <p:nvPicPr>
+          <p:cNvPr id="68" name="Picture 67">
+            <a:extLst>
+              <a:ext uri="{FF2B5EF4-FFF2-40B4-BE49-F238E27FC236}">
+                <a16:creationId xmlns:a16="http://schemas.microsoft.com/office/drawing/2014/main" id="{278391C1-CF8F-A74E-A769-C16BBB8F1ED7}"/>
+              </a:ext>
+            </a:extLst>
+          </p:cNvPr>
+          <p:cNvPicPr>
+            <a:picLocks noChangeAspect="1"/>
+          </p:cNvPicPr>
+          <p:nvPr/>
+        </p:nvPicPr>
+        <p:blipFill>
+          <a:blip r:embed="rId6"/>
+          <a:stretch>
+            <a:fillRect/>
+          </a:stretch>
+        </p:blipFill>
+        <p:spPr>
+          <a:xfrm>
+            <a:off x="5593881" y="3880507"/>
+            <a:ext cx="295894" cy="343383"/>
+          </a:xfrm>
+          <a:prstGeom prst="rect">
+            <a:avLst/>
+          </a:prstGeom>
+        </p:spPr>
+      </p:pic>
+      <p:sp>
+        <p:nvSpPr>
+          <p:cNvPr id="69" name="TextBox 68">
+            <a:extLst>
+              <a:ext uri="{FF2B5EF4-FFF2-40B4-BE49-F238E27FC236}">
+                <a16:creationId xmlns:a16="http://schemas.microsoft.com/office/drawing/2014/main" id="{39D39874-4832-3C40-91AF-ABC834DEE699}"/>
               </a:ext>
             </a:extLst>
           </p:cNvPr>
@@ -24139,8 +24506,8 @@
         </p:nvSpPr>
         <p:spPr>
           <a:xfrm>
-            <a:off x="7109076" y="4046307"/>
-            <a:ext cx="3364960" cy="646331"/>
+            <a:off x="4895387" y="3931255"/>
+            <a:ext cx="758541" cy="261610"/>
           </a:xfrm>
           <a:prstGeom prst="rect">
             <a:avLst/>
@@ -24154,372 +24521,9 @@
           <a:lstStyle/>
           <a:p>
             <a:r>
-              <a:rPr lang="en-JP" sz="1200" b="1" dirty="0">
-                <a:highlight>
-                  <a:srgbClr val="FFFF00"/>
-                </a:highlight>
-              </a:rPr>
-              <a:t>④</a:t>
-            </a:r>
-            <a:r>
-              <a:rPr lang="en-US" sz="1200" b="1" dirty="0">
-                <a:highlight>
-                  <a:srgbClr val="FFFF00"/>
-                </a:highlight>
-              </a:rPr>
-              <a:t> </a:t>
-            </a:r>
-            <a:r>
-              <a:rPr lang="ja-JP" altLang="en-US" sz="1200" b="1">
-                <a:highlight>
-                  <a:srgbClr val="FFFF00"/>
-                </a:highlight>
-              </a:rPr>
-              <a:t>要求ユーザのローカル認証</a:t>
-            </a:r>
-            <a:r>
-              <a:rPr lang="en-US" altLang="ja-JP" sz="1200" b="1" dirty="0">
-                <a:highlight>
-                  <a:srgbClr val="FFFF00"/>
-                </a:highlight>
-              </a:rPr>
-              <a:t>(PIN</a:t>
-            </a:r>
-            <a:r>
-              <a:rPr lang="ja-JP" altLang="en-US" sz="1200" b="1">
-                <a:highlight>
-                  <a:srgbClr val="FFFF00"/>
-                </a:highlight>
-              </a:rPr>
-              <a:t>や指紋</a:t>
-            </a:r>
-            <a:r>
-              <a:rPr lang="en-US" altLang="ja-JP" sz="1200" b="1" dirty="0">
-                <a:highlight>
-                  <a:srgbClr val="FFFF00"/>
-                </a:highlight>
-              </a:rPr>
-              <a:t>)</a:t>
-            </a:r>
-            <a:r>
-              <a:rPr lang="ja-JP" altLang="en-US" sz="1200" b="1">
-                <a:highlight>
-                  <a:srgbClr val="FFFF00"/>
-                </a:highlight>
-              </a:rPr>
-              <a:t>、</a:t>
-            </a:r>
-            <a:br>
-              <a:rPr lang="en-US" altLang="ja-JP" sz="1200" b="1" dirty="0">
-                <a:highlight>
-                  <a:srgbClr val="FFFF00"/>
-                </a:highlight>
-              </a:rPr>
-            </a:br>
-            <a:r>
-              <a:rPr lang="ja-JP" altLang="en-US" sz="1200" b="1">
-                <a:highlight>
-                  <a:srgbClr val="FFFF00"/>
-                </a:highlight>
-              </a:rPr>
-              <a:t>　  </a:t>
-            </a:r>
-            <a:r>
-              <a:rPr lang="en-US" altLang="ja-JP" sz="1200" b="1" dirty="0">
-                <a:highlight>
-                  <a:srgbClr val="FFFF00"/>
-                </a:highlight>
-              </a:rPr>
+              <a:rPr lang="en-JP" sz="1100" b="1" dirty="0"/>
               <a:t>Challenge</a:t>
             </a:r>
-            <a:r>
-              <a:rPr lang="ja-JP" altLang="en-US" sz="1200" b="1">
-                <a:highlight>
-                  <a:srgbClr val="FFFF00"/>
-                </a:highlight>
-              </a:rPr>
-              <a:t>へ</a:t>
-            </a:r>
-            <a:r>
-              <a:rPr lang="en-US" altLang="ja-JP" sz="1200" b="1" dirty="0">
-                <a:highlight>
-                  <a:srgbClr val="FFFF00"/>
-                </a:highlight>
-              </a:rPr>
-              <a:t>Credential Private Key</a:t>
-            </a:r>
-            <a:r>
-              <a:rPr lang="ja-JP" altLang="en-US" sz="1200" b="1">
-                <a:highlight>
-                  <a:srgbClr val="FFFF00"/>
-                </a:highlight>
-              </a:rPr>
-              <a:t>で署名付与</a:t>
-            </a:r>
-            <a:endParaRPr lang="en-US" altLang="ja-JP" sz="1200" b="1" dirty="0">
-              <a:highlight>
-                <a:srgbClr val="FFFF00"/>
-              </a:highlight>
-            </a:endParaRPr>
-          </a:p>
-          <a:p>
-            <a:r>
-              <a:rPr lang="ja-JP" altLang="en-US" sz="1200" b="1">
-                <a:highlight>
-                  <a:srgbClr val="FFFF00"/>
-                </a:highlight>
-              </a:rPr>
-              <a:t>　  </a:t>
-            </a:r>
-            <a:r>
-              <a:rPr lang="en-US" altLang="ja-JP" sz="1200" b="1" dirty="0">
-                <a:highlight>
-                  <a:srgbClr val="FFFF00"/>
-                </a:highlight>
-              </a:rPr>
-              <a:t>(Assertion</a:t>
-            </a:r>
-            <a:r>
-              <a:rPr lang="ja-JP" altLang="en-US" sz="1200" b="1">
-                <a:highlight>
-                  <a:srgbClr val="FFFF00"/>
-                </a:highlight>
-              </a:rPr>
-              <a:t>の生成</a:t>
-            </a:r>
-            <a:r>
-              <a:rPr lang="en-US" altLang="ja-JP" sz="1200" b="1" dirty="0">
-                <a:highlight>
-                  <a:srgbClr val="FFFF00"/>
-                </a:highlight>
-              </a:rPr>
-              <a:t>)</a:t>
-            </a:r>
-            <a:endParaRPr lang="en-JP" sz="1200" b="1" dirty="0">
-              <a:highlight>
-                <a:srgbClr val="FFFF00"/>
-              </a:highlight>
-            </a:endParaRPr>
-          </a:p>
-        </p:txBody>
-      </p:sp>
-      <p:sp>
-        <p:nvSpPr>
-          <p:cNvPr id="95" name="TextBox 94">
-            <a:extLst>
-              <a:ext uri="{FF2B5EF4-FFF2-40B4-BE49-F238E27FC236}">
-                <a16:creationId xmlns:a16="http://schemas.microsoft.com/office/drawing/2014/main" id="{D77467D6-B2E5-F542-AD1E-0C3E0EE56F4F}"/>
-              </a:ext>
-            </a:extLst>
-          </p:cNvPr>
-          <p:cNvSpPr txBox="1"/>
-          <p:nvPr/>
-        </p:nvSpPr>
-        <p:spPr>
-          <a:xfrm>
-            <a:off x="8568422" y="162192"/>
-            <a:ext cx="1905614" cy="646331"/>
-          </a:xfrm>
-          <a:prstGeom prst="rect">
-            <a:avLst/>
-          </a:prstGeom>
-          <a:noFill/>
-        </p:spPr>
-        <p:txBody>
-          <a:bodyPr wrap="square" rtlCol="0">
-            <a:spAutoFit/>
-          </a:bodyPr>
-          <a:lstStyle/>
-          <a:p>
-            <a:r>
-              <a:rPr lang="ja-JP" altLang="en-US" sz="1200" b="1">
-                <a:solidFill>
-                  <a:schemeClr val="bg2">
-                    <a:lumMod val="90000"/>
-                  </a:schemeClr>
-                </a:solidFill>
-              </a:rPr>
-              <a:t>⑧</a:t>
-            </a:r>
-            <a:r>
-              <a:rPr lang="en-US" altLang="ja-JP" sz="1200" b="1" dirty="0">
-                <a:solidFill>
-                  <a:schemeClr val="bg2">
-                    <a:lumMod val="90000"/>
-                  </a:schemeClr>
-                </a:solidFill>
-              </a:rPr>
-              <a:t> </a:t>
-            </a:r>
-            <a:r>
-              <a:rPr lang="ja-JP" altLang="en-US" sz="1200" b="1">
-                <a:solidFill>
-                  <a:schemeClr val="bg2">
-                    <a:lumMod val="90000"/>
-                  </a:schemeClr>
-                </a:solidFill>
-              </a:rPr>
-              <a:t>登録済み</a:t>
-            </a:r>
-            <a:r>
-              <a:rPr lang="en-US" altLang="ja-JP" sz="1200" b="1" dirty="0">
-                <a:solidFill>
-                  <a:schemeClr val="bg2">
-                    <a:lumMod val="90000"/>
-                  </a:schemeClr>
-                </a:solidFill>
-              </a:rPr>
-              <a:t>Credential</a:t>
-            </a:r>
-          </a:p>
-          <a:p>
-            <a:r>
-              <a:rPr lang="ja-JP" altLang="en-US" sz="1200" b="1">
-                <a:solidFill>
-                  <a:schemeClr val="bg2">
-                    <a:lumMod val="90000"/>
-                  </a:schemeClr>
-                </a:solidFill>
-              </a:rPr>
-              <a:t>　 </a:t>
-            </a:r>
-            <a:r>
-              <a:rPr lang="en-US" altLang="ja-JP" sz="1200" b="1" dirty="0">
-                <a:solidFill>
-                  <a:schemeClr val="bg2">
-                    <a:lumMod val="90000"/>
-                  </a:schemeClr>
-                </a:solidFill>
-              </a:rPr>
-              <a:t>Public Key</a:t>
-            </a:r>
-            <a:r>
-              <a:rPr lang="ja-JP" altLang="en-US" sz="1200" b="1">
-                <a:solidFill>
-                  <a:schemeClr val="bg2">
-                    <a:lumMod val="90000"/>
-                  </a:schemeClr>
-                </a:solidFill>
-              </a:rPr>
-              <a:t>で署名検証</a:t>
-            </a:r>
-            <a:endParaRPr lang="en-JP" altLang="ja-JP" sz="1200" b="1" dirty="0">
-              <a:solidFill>
-                <a:schemeClr val="bg2">
-                  <a:lumMod val="90000"/>
-                </a:schemeClr>
-              </a:solidFill>
-            </a:endParaRPr>
-          </a:p>
-          <a:p>
-            <a:r>
-              <a:rPr lang="ja-JP" altLang="en-US" sz="1200" b="1">
-                <a:solidFill>
-                  <a:schemeClr val="bg2">
-                    <a:lumMod val="90000"/>
-                  </a:schemeClr>
-                </a:solidFill>
-              </a:rPr>
-              <a:t>　 </a:t>
-            </a:r>
-            <a:r>
-              <a:rPr lang="en-US" altLang="ja-JP" sz="1200" b="1" dirty="0">
-                <a:solidFill>
-                  <a:schemeClr val="bg2">
-                    <a:lumMod val="90000"/>
-                  </a:schemeClr>
-                </a:solidFill>
-              </a:rPr>
-              <a:t>(Assertion</a:t>
-            </a:r>
-            <a:r>
-              <a:rPr lang="ja-JP" altLang="en-US" sz="1200" b="1">
-                <a:solidFill>
-                  <a:schemeClr val="bg2">
-                    <a:lumMod val="90000"/>
-                  </a:schemeClr>
-                </a:solidFill>
-              </a:rPr>
-              <a:t>の検証</a:t>
-            </a:r>
-            <a:r>
-              <a:rPr lang="en-US" altLang="ja-JP" sz="1200" b="1" dirty="0">
-                <a:solidFill>
-                  <a:schemeClr val="bg2">
-                    <a:lumMod val="90000"/>
-                  </a:schemeClr>
-                </a:solidFill>
-              </a:rPr>
-              <a:t>)</a:t>
-            </a:r>
-          </a:p>
-        </p:txBody>
-      </p:sp>
-      <p:sp>
-        <p:nvSpPr>
-          <p:cNvPr id="96" name="TextBox 95">
-            <a:extLst>
-              <a:ext uri="{FF2B5EF4-FFF2-40B4-BE49-F238E27FC236}">
-                <a16:creationId xmlns:a16="http://schemas.microsoft.com/office/drawing/2014/main" id="{2A9A84C2-D2DF-B447-BC65-21E7ED798C17}"/>
-              </a:ext>
-            </a:extLst>
-          </p:cNvPr>
-          <p:cNvSpPr txBox="1"/>
-          <p:nvPr/>
-        </p:nvSpPr>
-        <p:spPr>
-          <a:xfrm>
-            <a:off x="5435879" y="1218633"/>
-            <a:ext cx="989373" cy="276999"/>
-          </a:xfrm>
-          <a:prstGeom prst="rect">
-            <a:avLst/>
-          </a:prstGeom>
-          <a:noFill/>
-        </p:spPr>
-        <p:txBody>
-          <a:bodyPr wrap="none" rtlCol="0">
-            <a:spAutoFit/>
-          </a:bodyPr>
-          <a:lstStyle/>
-          <a:p>
-            <a:r>
-              <a:rPr lang="ja-JP" altLang="en-US" sz="1200" b="1">
-                <a:solidFill>
-                  <a:schemeClr val="bg2">
-                    <a:lumMod val="90000"/>
-                  </a:schemeClr>
-                </a:solidFill>
-              </a:rPr>
-              <a:t>⓪</a:t>
-            </a:r>
-            <a:r>
-              <a:rPr lang="en-US" altLang="ja-JP" sz="1200" b="1" dirty="0">
-                <a:solidFill>
-                  <a:schemeClr val="bg2">
-                    <a:lumMod val="90000"/>
-                  </a:schemeClr>
-                </a:solidFill>
-              </a:rPr>
-              <a:t> </a:t>
-            </a:r>
-            <a:r>
-              <a:rPr lang="ja-JP" altLang="en-US" sz="1200" b="1">
-                <a:solidFill>
-                  <a:schemeClr val="bg2">
-                    <a:lumMod val="90000"/>
-                  </a:schemeClr>
-                </a:solidFill>
-              </a:rPr>
-              <a:t>認証要求</a:t>
-            </a:r>
-            <a:endParaRPr lang="en-JP" sz="1200" b="1" dirty="0">
-              <a:solidFill>
-                <a:schemeClr val="bg2">
-                  <a:lumMod val="90000"/>
-                </a:schemeClr>
-              </a:solidFill>
-            </a:endParaRPr>
           </a:p>
         </p:txBody>
       </p:sp>
@@ -26420,10 +26424,10 @@
       </p:sp>
       <p:pic>
         <p:nvPicPr>
-          <p:cNvPr id="31" name="Picture 30">
-            <a:extLst>
-              <a:ext uri="{FF2B5EF4-FFF2-40B4-BE49-F238E27FC236}">
-                <a16:creationId xmlns:a16="http://schemas.microsoft.com/office/drawing/2014/main" id="{A66662D6-03CB-AB4A-87F8-3041B461665C}"/>
+          <p:cNvPr id="46" name="Picture 45">
+            <a:extLst>
+              <a:ext uri="{FF2B5EF4-FFF2-40B4-BE49-F238E27FC236}">
+                <a16:creationId xmlns:a16="http://schemas.microsoft.com/office/drawing/2014/main" id="{96162302-A3B6-5041-9523-E359CB3F2014}"/>
               </a:ext>
             </a:extLst>
           </p:cNvPr>
@@ -26434,80 +26438,6 @@
         </p:nvPicPr>
         <p:blipFill>
           <a:blip r:embed="rId3"/>
-          <a:stretch>
-            <a:fillRect/>
-          </a:stretch>
-        </p:blipFill>
-        <p:spPr>
-          <a:xfrm>
-            <a:off x="4689219" y="3916345"/>
-            <a:ext cx="407646" cy="407646"/>
-          </a:xfrm>
-          <a:prstGeom prst="rect">
-            <a:avLst/>
-          </a:prstGeom>
-        </p:spPr>
-      </p:pic>
-      <p:sp>
-        <p:nvSpPr>
-          <p:cNvPr id="32" name="TextBox 31">
-            <a:extLst>
-              <a:ext uri="{FF2B5EF4-FFF2-40B4-BE49-F238E27FC236}">
-                <a16:creationId xmlns:a16="http://schemas.microsoft.com/office/drawing/2014/main" id="{969BED74-38CB-4148-881C-135F38EE66F3}"/>
-              </a:ext>
-            </a:extLst>
-          </p:cNvPr>
-          <p:cNvSpPr txBox="1"/>
-          <p:nvPr/>
-        </p:nvSpPr>
-        <p:spPr>
-          <a:xfrm>
-            <a:off x="4369225" y="4222113"/>
-            <a:ext cx="838691" cy="430887"/>
-          </a:xfrm>
-          <a:prstGeom prst="rect">
-            <a:avLst/>
-          </a:prstGeom>
-          <a:noFill/>
-        </p:spPr>
-        <p:txBody>
-          <a:bodyPr wrap="none" rtlCol="0">
-            <a:spAutoFit/>
-          </a:bodyPr>
-          <a:lstStyle/>
-          <a:p>
-            <a:pPr algn="ctr"/>
-            <a:r>
-              <a:rPr lang="en-US" altLang="ja-JP" sz="1100" b="1" dirty="0"/>
-              <a:t>Credential</a:t>
-            </a:r>
-          </a:p>
-          <a:p>
-            <a:pPr algn="ctr"/>
-            <a:r>
-              <a:rPr lang="en-US" altLang="ja-JP" sz="1100" b="1" dirty="0"/>
-              <a:t>Private key</a:t>
-            </a:r>
-            <a:endParaRPr lang="en-JP" sz="1100" b="1" dirty="0"/>
-          </a:p>
-        </p:txBody>
-      </p:sp>
-      <p:pic>
-        <p:nvPicPr>
-          <p:cNvPr id="46" name="Picture 45">
-            <a:extLst>
-              <a:ext uri="{FF2B5EF4-FFF2-40B4-BE49-F238E27FC236}">
-                <a16:creationId xmlns:a16="http://schemas.microsoft.com/office/drawing/2014/main" id="{96162302-A3B6-5041-9523-E359CB3F2014}"/>
-              </a:ext>
-            </a:extLst>
-          </p:cNvPr>
-          <p:cNvPicPr>
-            <a:picLocks noChangeAspect="1"/>
-          </p:cNvPicPr>
-          <p:nvPr/>
-        </p:nvPicPr>
-        <p:blipFill>
-          <a:blip r:embed="rId4"/>
           <a:stretch>
             <a:fillRect/>
           </a:stretch>
@@ -26548,6 +26478,36 @@
           <p:nvPr/>
         </p:nvPicPr>
         <p:blipFill>
+          <a:blip r:embed="rId4"/>
+          <a:stretch>
+            <a:fillRect/>
+          </a:stretch>
+        </p:blipFill>
+        <p:spPr>
+          <a:xfrm>
+            <a:off x="8112452" y="-51484"/>
+            <a:ext cx="342327" cy="342327"/>
+          </a:xfrm>
+          <a:prstGeom prst="rect">
+            <a:avLst/>
+          </a:prstGeom>
+        </p:spPr>
+      </p:pic>
+      <p:pic>
+        <p:nvPicPr>
+          <p:cNvPr id="40" name="Picture 39">
+            <a:extLst>
+              <a:ext uri="{FF2B5EF4-FFF2-40B4-BE49-F238E27FC236}">
+                <a16:creationId xmlns:a16="http://schemas.microsoft.com/office/drawing/2014/main" id="{F434F987-D1B8-CD47-B480-955B7BC950F1}"/>
+              </a:ext>
+            </a:extLst>
+          </p:cNvPr>
+          <p:cNvPicPr>
+            <a:picLocks noChangeAspect="1"/>
+          </p:cNvPicPr>
+          <p:nvPr/>
+        </p:nvPicPr>
+        <p:blipFill>
           <a:blip r:embed="rId5"/>
           <a:stretch>
             <a:fillRect/>
@@ -26555,8 +26515,8 @@
         </p:blipFill>
         <p:spPr>
           <a:xfrm>
-            <a:off x="8112452" y="-51484"/>
-            <a:ext cx="342327" cy="342327"/>
+            <a:off x="6710728" y="2884149"/>
+            <a:ext cx="491002" cy="491002"/>
           </a:xfrm>
           <a:prstGeom prst="rect">
             <a:avLst/>
@@ -26565,10 +26525,10 @@
       </p:pic>
       <p:pic>
         <p:nvPicPr>
-          <p:cNvPr id="24" name="Picture 23">
-            <a:extLst>
-              <a:ext uri="{FF2B5EF4-FFF2-40B4-BE49-F238E27FC236}">
-                <a16:creationId xmlns:a16="http://schemas.microsoft.com/office/drawing/2014/main" id="{8AACAF88-AF0F-0743-8741-67C161614DB2}"/>
+          <p:cNvPr id="41" name="Picture 40">
+            <a:extLst>
+              <a:ext uri="{FF2B5EF4-FFF2-40B4-BE49-F238E27FC236}">
+                <a16:creationId xmlns:a16="http://schemas.microsoft.com/office/drawing/2014/main" id="{DA29C9F1-828F-544F-AB79-81AFB536692F}"/>
               </a:ext>
             </a:extLst>
           </p:cNvPr>
@@ -26578,14 +26538,14 @@
           <p:nvPr/>
         </p:nvPicPr>
         <p:blipFill>
-          <a:blip r:embed="rId6"/>
+          <a:blip r:embed="rId5"/>
           <a:stretch>
             <a:fillRect/>
           </a:stretch>
         </p:blipFill>
         <p:spPr>
           <a:xfrm>
-            <a:off x="6720094" y="3980683"/>
+            <a:off x="6743487" y="1196092"/>
             <a:ext cx="491002" cy="491002"/>
           </a:xfrm>
           <a:prstGeom prst="rect">
@@ -26595,10 +26555,10 @@
       </p:pic>
       <p:sp>
         <p:nvSpPr>
-          <p:cNvPr id="39" name="TextBox 38">
-            <a:extLst>
-              <a:ext uri="{FF2B5EF4-FFF2-40B4-BE49-F238E27FC236}">
-                <a16:creationId xmlns:a16="http://schemas.microsoft.com/office/drawing/2014/main" id="{D33C992D-FCAD-7243-8B74-3BC30551148E}"/>
+          <p:cNvPr id="42" name="TextBox 41">
+            <a:extLst>
+              <a:ext uri="{FF2B5EF4-FFF2-40B4-BE49-F238E27FC236}">
+                <a16:creationId xmlns:a16="http://schemas.microsoft.com/office/drawing/2014/main" id="{B16785C4-7549-1B48-8AD4-9F46C8A39DBE}"/>
               </a:ext>
             </a:extLst>
           </p:cNvPr>
@@ -26607,8 +26567,8 @@
         </p:nvSpPr>
         <p:spPr>
           <a:xfrm>
-            <a:off x="6586324" y="4411783"/>
-            <a:ext cx="758541" cy="430887"/>
+            <a:off x="7888314" y="335136"/>
+            <a:ext cx="790601" cy="430887"/>
           </a:xfrm>
           <a:prstGeom prst="rect">
             <a:avLst/>
@@ -26616,7 +26576,7 @@
           <a:noFill/>
         </p:spPr>
         <p:txBody>
-          <a:bodyPr wrap="square" rtlCol="0">
+          <a:bodyPr wrap="none" rtlCol="0">
             <a:spAutoFit/>
           </a:bodyPr>
           <a:lstStyle/>
@@ -26624,25 +26584,25 @@
             <a:pPr algn="ctr"/>
             <a:r>
               <a:rPr lang="en-US" altLang="ja-JP" sz="1100" b="1" dirty="0"/>
-              <a:t>Challenge</a:t>
+              <a:t>Credential</a:t>
             </a:r>
           </a:p>
           <a:p>
             <a:pPr algn="ctr"/>
             <a:r>
-              <a:rPr lang="ja-JP" altLang="en-US" sz="1100" b="1"/>
-              <a:t>への署名</a:t>
-            </a:r>
-            <a:endParaRPr lang="en-US" altLang="ja-JP" sz="1100" b="1" dirty="0"/>
+              <a:rPr lang="en-US" altLang="ja-JP" sz="1100" b="1" dirty="0"/>
+              <a:t>Public key</a:t>
+            </a:r>
+            <a:endParaRPr lang="en-JP" sz="1100" b="1" dirty="0"/>
           </a:p>
         </p:txBody>
       </p:sp>
       <p:pic>
         <p:nvPicPr>
-          <p:cNvPr id="40" name="Picture 39">
-            <a:extLst>
-              <a:ext uri="{FF2B5EF4-FFF2-40B4-BE49-F238E27FC236}">
-                <a16:creationId xmlns:a16="http://schemas.microsoft.com/office/drawing/2014/main" id="{F434F987-D1B8-CD47-B480-955B7BC950F1}"/>
+          <p:cNvPr id="48" name="Picture 47">
+            <a:extLst>
+              <a:ext uri="{FF2B5EF4-FFF2-40B4-BE49-F238E27FC236}">
+                <a16:creationId xmlns:a16="http://schemas.microsoft.com/office/drawing/2014/main" id="{14402A85-FF8F-9D42-8A5D-8C825C133845}"/>
               </a:ext>
             </a:extLst>
           </p:cNvPr>
@@ -26652,111 +26612,7 @@
           <p:nvPr/>
         </p:nvPicPr>
         <p:blipFill>
-          <a:blip r:embed="rId6"/>
-          <a:stretch>
-            <a:fillRect/>
-          </a:stretch>
-        </p:blipFill>
-        <p:spPr>
-          <a:xfrm>
-            <a:off x="6710728" y="2884149"/>
-            <a:ext cx="491002" cy="491002"/>
-          </a:xfrm>
-          <a:prstGeom prst="rect">
-            <a:avLst/>
-          </a:prstGeom>
-        </p:spPr>
-      </p:pic>
-      <p:pic>
-        <p:nvPicPr>
-          <p:cNvPr id="41" name="Picture 40">
-            <a:extLst>
-              <a:ext uri="{FF2B5EF4-FFF2-40B4-BE49-F238E27FC236}">
-                <a16:creationId xmlns:a16="http://schemas.microsoft.com/office/drawing/2014/main" id="{DA29C9F1-828F-544F-AB79-81AFB536692F}"/>
-              </a:ext>
-            </a:extLst>
-          </p:cNvPr>
-          <p:cNvPicPr>
-            <a:picLocks noChangeAspect="1"/>
-          </p:cNvPicPr>
-          <p:nvPr/>
-        </p:nvPicPr>
-        <p:blipFill>
-          <a:blip r:embed="rId6"/>
-          <a:stretch>
-            <a:fillRect/>
-          </a:stretch>
-        </p:blipFill>
-        <p:spPr>
-          <a:xfrm>
-            <a:off x="6743487" y="1196092"/>
-            <a:ext cx="491002" cy="491002"/>
-          </a:xfrm>
-          <a:prstGeom prst="rect">
-            <a:avLst/>
-          </a:prstGeom>
-        </p:spPr>
-      </p:pic>
-      <p:sp>
-        <p:nvSpPr>
-          <p:cNvPr id="42" name="TextBox 41">
-            <a:extLst>
-              <a:ext uri="{FF2B5EF4-FFF2-40B4-BE49-F238E27FC236}">
-                <a16:creationId xmlns:a16="http://schemas.microsoft.com/office/drawing/2014/main" id="{B16785C4-7549-1B48-8AD4-9F46C8A39DBE}"/>
-              </a:ext>
-            </a:extLst>
-          </p:cNvPr>
-          <p:cNvSpPr txBox="1"/>
-          <p:nvPr/>
-        </p:nvSpPr>
-        <p:spPr>
-          <a:xfrm>
-            <a:off x="7888314" y="335136"/>
-            <a:ext cx="790601" cy="430887"/>
-          </a:xfrm>
-          <a:prstGeom prst="rect">
-            <a:avLst/>
-          </a:prstGeom>
-          <a:noFill/>
-        </p:spPr>
-        <p:txBody>
-          <a:bodyPr wrap="none" rtlCol="0">
-            <a:spAutoFit/>
-          </a:bodyPr>
-          <a:lstStyle/>
-          <a:p>
-            <a:pPr algn="ctr"/>
-            <a:r>
-              <a:rPr lang="en-US" altLang="ja-JP" sz="1100" b="1" dirty="0"/>
-              <a:t>Credential</a:t>
-            </a:r>
-          </a:p>
-          <a:p>
-            <a:pPr algn="ctr"/>
-            <a:r>
-              <a:rPr lang="en-US" altLang="ja-JP" sz="1100" b="1" dirty="0"/>
-              <a:t>Public key</a:t>
-            </a:r>
-            <a:endParaRPr lang="en-JP" sz="1100" b="1" dirty="0"/>
-          </a:p>
-        </p:txBody>
-      </p:sp>
-      <p:pic>
-        <p:nvPicPr>
-          <p:cNvPr id="48" name="Picture 47">
-            <a:extLst>
-              <a:ext uri="{FF2B5EF4-FFF2-40B4-BE49-F238E27FC236}">
-                <a16:creationId xmlns:a16="http://schemas.microsoft.com/office/drawing/2014/main" id="{14402A85-FF8F-9D42-8A5D-8C825C133845}"/>
-              </a:ext>
-            </a:extLst>
-          </p:cNvPr>
-          <p:cNvPicPr>
-            <a:picLocks noChangeAspect="1"/>
-          </p:cNvPicPr>
-          <p:nvPr/>
-        </p:nvPicPr>
-        <p:blipFill>
-          <a:blip r:embed="rId6"/>
+          <a:blip r:embed="rId5"/>
           <a:stretch>
             <a:fillRect/>
           </a:stretch>
@@ -26867,82 +26723,6 @@
           <a:xfrm flipH="1">
             <a:off x="7229973" y="302719"/>
             <a:ext cx="768836" cy="4489"/>
-          </a:xfrm>
-          <a:prstGeom prst="straightConnector1">
-            <a:avLst/>
-          </a:prstGeom>
-          <a:ln>
-            <a:tailEnd type="triangle"/>
-          </a:ln>
-        </p:spPr>
-        <p:style>
-          <a:lnRef idx="1">
-            <a:schemeClr val="accent1"/>
-          </a:lnRef>
-          <a:fillRef idx="0">
-            <a:schemeClr val="accent1"/>
-          </a:fillRef>
-          <a:effectRef idx="0">
-            <a:schemeClr val="accent1"/>
-          </a:effectRef>
-          <a:fontRef idx="minor">
-            <a:schemeClr val="tx1"/>
-          </a:fontRef>
-        </p:style>
-      </p:cxnSp>
-      <p:sp>
-        <p:nvSpPr>
-          <p:cNvPr id="55" name="TextBox 54">
-            <a:extLst>
-              <a:ext uri="{FF2B5EF4-FFF2-40B4-BE49-F238E27FC236}">
-                <a16:creationId xmlns:a16="http://schemas.microsoft.com/office/drawing/2014/main" id="{A6C5C667-A0B8-3043-BBBE-138BA85F17B4}"/>
-              </a:ext>
-            </a:extLst>
-          </p:cNvPr>
-          <p:cNvSpPr txBox="1"/>
-          <p:nvPr/>
-        </p:nvSpPr>
-        <p:spPr>
-          <a:xfrm>
-            <a:off x="5687008" y="3990477"/>
-            <a:ext cx="1075679" cy="276999"/>
-          </a:xfrm>
-          <a:prstGeom prst="rect">
-            <a:avLst/>
-          </a:prstGeom>
-          <a:noFill/>
-        </p:spPr>
-        <p:txBody>
-          <a:bodyPr wrap="none" rtlCol="0">
-            <a:spAutoFit/>
-          </a:bodyPr>
-          <a:lstStyle/>
-          <a:p>
-            <a:r>
-              <a:rPr lang="en-JP" sz="1200" b="1" dirty="0"/>
-              <a:t>Generate Sign</a:t>
-            </a:r>
-          </a:p>
-        </p:txBody>
-      </p:sp>
-      <p:cxnSp>
-        <p:nvCxnSpPr>
-          <p:cNvPr id="56" name="Straight Arrow Connector 55">
-            <a:extLst>
-              <a:ext uri="{FF2B5EF4-FFF2-40B4-BE49-F238E27FC236}">
-                <a16:creationId xmlns:a16="http://schemas.microsoft.com/office/drawing/2014/main" id="{00A01C67-00C2-824A-9F15-D1563CBB080E}"/>
-              </a:ext>
-            </a:extLst>
-          </p:cNvPr>
-          <p:cNvCxnSpPr>
-            <a:cxnSpLocks/>
-          </p:cNvCxnSpPr>
-          <p:nvPr/>
-        </p:nvCxnSpPr>
-        <p:spPr>
-          <a:xfrm>
-            <a:off x="5858170" y="4267476"/>
-            <a:ext cx="779360" cy="0"/>
           </a:xfrm>
           <a:prstGeom prst="straightConnector1">
             <a:avLst/>
@@ -26981,7 +26761,7 @@
           <p:nvPr/>
         </p:nvPicPr>
         <p:blipFill>
-          <a:blip r:embed="rId7"/>
+          <a:blip r:embed="rId6"/>
           <a:stretch>
             <a:fillRect/>
           </a:stretch>
@@ -27002,6 +26782,483 @@
             <a:extLst>
               <a:ext uri="{FF2B5EF4-FFF2-40B4-BE49-F238E27FC236}">
                 <a16:creationId xmlns:a16="http://schemas.microsoft.com/office/drawing/2014/main" id="{E6A6DB37-D755-6F4E-94E3-5D3F46D74338}"/>
+              </a:ext>
+            </a:extLst>
+          </p:cNvPr>
+          <p:cNvPicPr>
+            <a:picLocks noChangeAspect="1"/>
+          </p:cNvPicPr>
+          <p:nvPr/>
+        </p:nvPicPr>
+        <p:blipFill>
+          <a:blip r:embed="rId6"/>
+          <a:stretch>
+            <a:fillRect/>
+          </a:stretch>
+        </p:blipFill>
+        <p:spPr>
+          <a:xfrm>
+            <a:off x="4655289" y="2860550"/>
+            <a:ext cx="295894" cy="343383"/>
+          </a:xfrm>
+          <a:prstGeom prst="rect">
+            <a:avLst/>
+          </a:prstGeom>
+        </p:spPr>
+      </p:pic>
+      <p:sp>
+        <p:nvSpPr>
+          <p:cNvPr id="60" name="TextBox 59">
+            <a:extLst>
+              <a:ext uri="{FF2B5EF4-FFF2-40B4-BE49-F238E27FC236}">
+                <a16:creationId xmlns:a16="http://schemas.microsoft.com/office/drawing/2014/main" id="{CD457AFF-4887-554B-B70F-270305BDF0EB}"/>
+              </a:ext>
+            </a:extLst>
+          </p:cNvPr>
+          <p:cNvSpPr txBox="1"/>
+          <p:nvPr/>
+        </p:nvSpPr>
+        <p:spPr>
+          <a:xfrm>
+            <a:off x="4425484" y="1406230"/>
+            <a:ext cx="758541" cy="261610"/>
+          </a:xfrm>
+          <a:prstGeom prst="rect">
+            <a:avLst/>
+          </a:prstGeom>
+          <a:noFill/>
+        </p:spPr>
+        <p:txBody>
+          <a:bodyPr wrap="none" rtlCol="0">
+            <a:spAutoFit/>
+          </a:bodyPr>
+          <a:lstStyle/>
+          <a:p>
+            <a:r>
+              <a:rPr lang="en-JP" sz="1100" b="1" dirty="0"/>
+              <a:t>Challenge</a:t>
+            </a:r>
+          </a:p>
+        </p:txBody>
+      </p:sp>
+      <p:sp>
+        <p:nvSpPr>
+          <p:cNvPr id="43" name="TextBox 42">
+            <a:extLst>
+              <a:ext uri="{FF2B5EF4-FFF2-40B4-BE49-F238E27FC236}">
+                <a16:creationId xmlns:a16="http://schemas.microsoft.com/office/drawing/2014/main" id="{BD6B95F4-14EC-3541-9460-92A882D293E1}"/>
+              </a:ext>
+            </a:extLst>
+          </p:cNvPr>
+          <p:cNvSpPr txBox="1"/>
+          <p:nvPr/>
+        </p:nvSpPr>
+        <p:spPr>
+          <a:xfrm>
+            <a:off x="7109076" y="4046307"/>
+            <a:ext cx="3364960" cy="646331"/>
+          </a:xfrm>
+          <a:prstGeom prst="rect">
+            <a:avLst/>
+          </a:prstGeom>
+          <a:noFill/>
+        </p:spPr>
+        <p:txBody>
+          <a:bodyPr wrap="none" rtlCol="0">
+            <a:spAutoFit/>
+          </a:bodyPr>
+          <a:lstStyle/>
+          <a:p>
+            <a:r>
+              <a:rPr lang="en-JP" sz="1200" b="1" dirty="0">
+                <a:solidFill>
+                  <a:schemeClr val="bg2">
+                    <a:lumMod val="90000"/>
+                  </a:schemeClr>
+                </a:solidFill>
+              </a:rPr>
+              <a:t>④</a:t>
+            </a:r>
+            <a:r>
+              <a:rPr lang="en-US" sz="1200" b="1" dirty="0">
+                <a:solidFill>
+                  <a:schemeClr val="bg2">
+                    <a:lumMod val="90000"/>
+                  </a:schemeClr>
+                </a:solidFill>
+              </a:rPr>
+              <a:t> </a:t>
+            </a:r>
+            <a:r>
+              <a:rPr lang="ja-JP" altLang="en-US" sz="1200" b="1">
+                <a:solidFill>
+                  <a:schemeClr val="bg2">
+                    <a:lumMod val="90000"/>
+                  </a:schemeClr>
+                </a:solidFill>
+              </a:rPr>
+              <a:t>要求ユーザのローカル認証</a:t>
+            </a:r>
+            <a:r>
+              <a:rPr lang="en-US" altLang="ja-JP" sz="1200" b="1" dirty="0">
+                <a:solidFill>
+                  <a:schemeClr val="bg2">
+                    <a:lumMod val="90000"/>
+                  </a:schemeClr>
+                </a:solidFill>
+              </a:rPr>
+              <a:t>(PIN</a:t>
+            </a:r>
+            <a:r>
+              <a:rPr lang="ja-JP" altLang="en-US" sz="1200" b="1">
+                <a:solidFill>
+                  <a:schemeClr val="bg2">
+                    <a:lumMod val="90000"/>
+                  </a:schemeClr>
+                </a:solidFill>
+              </a:rPr>
+              <a:t>や指紋</a:t>
+            </a:r>
+            <a:r>
+              <a:rPr lang="en-US" altLang="ja-JP" sz="1200" b="1" dirty="0">
+                <a:solidFill>
+                  <a:schemeClr val="bg2">
+                    <a:lumMod val="90000"/>
+                  </a:schemeClr>
+                </a:solidFill>
+              </a:rPr>
+              <a:t>)</a:t>
+            </a:r>
+            <a:r>
+              <a:rPr lang="ja-JP" altLang="en-US" sz="1200" b="1">
+                <a:solidFill>
+                  <a:schemeClr val="bg2">
+                    <a:lumMod val="90000"/>
+                  </a:schemeClr>
+                </a:solidFill>
+              </a:rPr>
+              <a:t>、</a:t>
+            </a:r>
+            <a:br>
+              <a:rPr lang="en-US" altLang="ja-JP" sz="1200" b="1" dirty="0">
+                <a:solidFill>
+                  <a:schemeClr val="bg2">
+                    <a:lumMod val="90000"/>
+                  </a:schemeClr>
+                </a:solidFill>
+              </a:rPr>
+            </a:br>
+            <a:r>
+              <a:rPr lang="ja-JP" altLang="en-US" sz="1200" b="1">
+                <a:solidFill>
+                  <a:schemeClr val="bg2">
+                    <a:lumMod val="90000"/>
+                  </a:schemeClr>
+                </a:solidFill>
+              </a:rPr>
+              <a:t>　  </a:t>
+            </a:r>
+            <a:r>
+              <a:rPr lang="en-US" altLang="ja-JP" sz="1200" b="1" dirty="0">
+                <a:solidFill>
+                  <a:schemeClr val="bg2">
+                    <a:lumMod val="90000"/>
+                  </a:schemeClr>
+                </a:solidFill>
+              </a:rPr>
+              <a:t>Challenge</a:t>
+            </a:r>
+            <a:r>
+              <a:rPr lang="ja-JP" altLang="en-US" sz="1200" b="1">
+                <a:solidFill>
+                  <a:schemeClr val="bg2">
+                    <a:lumMod val="90000"/>
+                  </a:schemeClr>
+                </a:solidFill>
+              </a:rPr>
+              <a:t>へ</a:t>
+            </a:r>
+            <a:r>
+              <a:rPr lang="en-US" altLang="ja-JP" sz="1200" b="1" dirty="0">
+                <a:solidFill>
+                  <a:schemeClr val="bg2">
+                    <a:lumMod val="90000"/>
+                  </a:schemeClr>
+                </a:solidFill>
+              </a:rPr>
+              <a:t>Credential Private Key</a:t>
+            </a:r>
+            <a:r>
+              <a:rPr lang="ja-JP" altLang="en-US" sz="1200" b="1">
+                <a:solidFill>
+                  <a:schemeClr val="bg2">
+                    <a:lumMod val="90000"/>
+                  </a:schemeClr>
+                </a:solidFill>
+              </a:rPr>
+              <a:t>で署名付与</a:t>
+            </a:r>
+            <a:endParaRPr lang="en-US" altLang="ja-JP" sz="1200" b="1" dirty="0">
+              <a:solidFill>
+                <a:schemeClr val="bg2">
+                  <a:lumMod val="90000"/>
+                </a:schemeClr>
+              </a:solidFill>
+            </a:endParaRPr>
+          </a:p>
+          <a:p>
+            <a:r>
+              <a:rPr lang="ja-JP" altLang="en-US" sz="1200" b="1">
+                <a:solidFill>
+                  <a:schemeClr val="bg2">
+                    <a:lumMod val="90000"/>
+                  </a:schemeClr>
+                </a:solidFill>
+              </a:rPr>
+              <a:t>　  </a:t>
+            </a:r>
+            <a:r>
+              <a:rPr lang="en-US" altLang="ja-JP" sz="1200" b="1" dirty="0">
+                <a:solidFill>
+                  <a:schemeClr val="bg2">
+                    <a:lumMod val="90000"/>
+                  </a:schemeClr>
+                </a:solidFill>
+              </a:rPr>
+              <a:t>(Assertion</a:t>
+            </a:r>
+            <a:r>
+              <a:rPr lang="ja-JP" altLang="en-US" sz="1200" b="1">
+                <a:solidFill>
+                  <a:schemeClr val="bg2">
+                    <a:lumMod val="90000"/>
+                  </a:schemeClr>
+                </a:solidFill>
+              </a:rPr>
+              <a:t>の生成</a:t>
+            </a:r>
+            <a:r>
+              <a:rPr lang="en-US" altLang="ja-JP" sz="1200" b="1" dirty="0">
+                <a:solidFill>
+                  <a:schemeClr val="bg2">
+                    <a:lumMod val="90000"/>
+                  </a:schemeClr>
+                </a:solidFill>
+              </a:rPr>
+              <a:t>)</a:t>
+            </a:r>
+            <a:endParaRPr lang="en-JP" sz="1200" b="1" dirty="0">
+              <a:solidFill>
+                <a:schemeClr val="bg2">
+                  <a:lumMod val="90000"/>
+                </a:schemeClr>
+              </a:solidFill>
+            </a:endParaRPr>
+          </a:p>
+        </p:txBody>
+      </p:sp>
+      <p:sp>
+        <p:nvSpPr>
+          <p:cNvPr id="44" name="TextBox 43">
+            <a:extLst>
+              <a:ext uri="{FF2B5EF4-FFF2-40B4-BE49-F238E27FC236}">
+                <a16:creationId xmlns:a16="http://schemas.microsoft.com/office/drawing/2014/main" id="{16780E03-B66D-6744-AD13-96F5C7DEB762}"/>
+              </a:ext>
+            </a:extLst>
+          </p:cNvPr>
+          <p:cNvSpPr txBox="1"/>
+          <p:nvPr/>
+        </p:nvSpPr>
+        <p:spPr>
+          <a:xfrm>
+            <a:off x="8568422" y="162192"/>
+            <a:ext cx="1905614" cy="646331"/>
+          </a:xfrm>
+          <a:prstGeom prst="rect">
+            <a:avLst/>
+          </a:prstGeom>
+          <a:noFill/>
+        </p:spPr>
+        <p:txBody>
+          <a:bodyPr wrap="square" rtlCol="0">
+            <a:spAutoFit/>
+          </a:bodyPr>
+          <a:lstStyle/>
+          <a:p>
+            <a:r>
+              <a:rPr lang="ja-JP" altLang="en-US" sz="1200" b="1">
+                <a:highlight>
+                  <a:srgbClr val="FFFF00"/>
+                </a:highlight>
+              </a:rPr>
+              <a:t>⑧</a:t>
+            </a:r>
+            <a:r>
+              <a:rPr lang="en-US" altLang="ja-JP" sz="1200" b="1" dirty="0">
+                <a:highlight>
+                  <a:srgbClr val="FFFF00"/>
+                </a:highlight>
+              </a:rPr>
+              <a:t> </a:t>
+            </a:r>
+            <a:r>
+              <a:rPr lang="ja-JP" altLang="en-US" sz="1200" b="1">
+                <a:highlight>
+                  <a:srgbClr val="FFFF00"/>
+                </a:highlight>
+              </a:rPr>
+              <a:t>登録済み</a:t>
+            </a:r>
+            <a:r>
+              <a:rPr lang="en-US" altLang="ja-JP" sz="1200" b="1" dirty="0">
+                <a:highlight>
+                  <a:srgbClr val="FFFF00"/>
+                </a:highlight>
+              </a:rPr>
+              <a:t>Credential</a:t>
+            </a:r>
+          </a:p>
+          <a:p>
+            <a:r>
+              <a:rPr lang="ja-JP" altLang="en-US" sz="1200" b="1">
+                <a:highlight>
+                  <a:srgbClr val="FFFF00"/>
+                </a:highlight>
+              </a:rPr>
+              <a:t>　 </a:t>
+            </a:r>
+            <a:r>
+              <a:rPr lang="en-US" altLang="ja-JP" sz="1200" b="1" dirty="0">
+                <a:highlight>
+                  <a:srgbClr val="FFFF00"/>
+                </a:highlight>
+              </a:rPr>
+              <a:t>Public Key</a:t>
+            </a:r>
+            <a:r>
+              <a:rPr lang="ja-JP" altLang="en-US" sz="1200" b="1">
+                <a:highlight>
+                  <a:srgbClr val="FFFF00"/>
+                </a:highlight>
+              </a:rPr>
+              <a:t>で署名検証</a:t>
+            </a:r>
+            <a:endParaRPr lang="en-JP" altLang="ja-JP" sz="1200" b="1" dirty="0">
+              <a:highlight>
+                <a:srgbClr val="FFFF00"/>
+              </a:highlight>
+            </a:endParaRPr>
+          </a:p>
+          <a:p>
+            <a:r>
+              <a:rPr lang="ja-JP" altLang="en-US" sz="1200" b="1">
+                <a:highlight>
+                  <a:srgbClr val="FFFF00"/>
+                </a:highlight>
+              </a:rPr>
+              <a:t>　 </a:t>
+            </a:r>
+            <a:r>
+              <a:rPr lang="en-US" altLang="ja-JP" sz="1200" b="1" dirty="0">
+                <a:highlight>
+                  <a:srgbClr val="FFFF00"/>
+                </a:highlight>
+              </a:rPr>
+              <a:t>(Assertion</a:t>
+            </a:r>
+            <a:r>
+              <a:rPr lang="ja-JP" altLang="en-US" sz="1200" b="1">
+                <a:highlight>
+                  <a:srgbClr val="FFFF00"/>
+                </a:highlight>
+              </a:rPr>
+              <a:t>の検証</a:t>
+            </a:r>
+            <a:r>
+              <a:rPr lang="en-US" altLang="ja-JP" sz="1200" b="1" dirty="0">
+                <a:highlight>
+                  <a:srgbClr val="FFFF00"/>
+                </a:highlight>
+              </a:rPr>
+              <a:t>)</a:t>
+            </a:r>
+          </a:p>
+        </p:txBody>
+      </p:sp>
+      <p:sp>
+        <p:nvSpPr>
+          <p:cNvPr id="45" name="TextBox 44">
+            <a:extLst>
+              <a:ext uri="{FF2B5EF4-FFF2-40B4-BE49-F238E27FC236}">
+                <a16:creationId xmlns:a16="http://schemas.microsoft.com/office/drawing/2014/main" id="{5AB0A1F6-3FBF-AA46-BF9E-E1BF857DA7AC}"/>
+              </a:ext>
+            </a:extLst>
+          </p:cNvPr>
+          <p:cNvSpPr txBox="1"/>
+          <p:nvPr/>
+        </p:nvSpPr>
+        <p:spPr>
+          <a:xfrm>
+            <a:off x="5435879" y="1218633"/>
+            <a:ext cx="989373" cy="276999"/>
+          </a:xfrm>
+          <a:prstGeom prst="rect">
+            <a:avLst/>
+          </a:prstGeom>
+          <a:noFill/>
+        </p:spPr>
+        <p:txBody>
+          <a:bodyPr wrap="none" rtlCol="0">
+            <a:spAutoFit/>
+          </a:bodyPr>
+          <a:lstStyle/>
+          <a:p>
+            <a:r>
+              <a:rPr lang="ja-JP" altLang="en-US" sz="1200" b="1">
+                <a:solidFill>
+                  <a:schemeClr val="bg2">
+                    <a:lumMod val="90000"/>
+                  </a:schemeClr>
+                </a:solidFill>
+              </a:rPr>
+              <a:t>⓪</a:t>
+            </a:r>
+            <a:r>
+              <a:rPr lang="en-US" altLang="ja-JP" sz="1200" b="1" dirty="0">
+                <a:solidFill>
+                  <a:schemeClr val="bg2">
+                    <a:lumMod val="90000"/>
+                  </a:schemeClr>
+                </a:solidFill>
+              </a:rPr>
+              <a:t> </a:t>
+            </a:r>
+            <a:r>
+              <a:rPr lang="ja-JP" altLang="en-US" sz="1200" b="1">
+                <a:solidFill>
+                  <a:schemeClr val="bg2">
+                    <a:lumMod val="90000"/>
+                  </a:schemeClr>
+                </a:solidFill>
+              </a:rPr>
+              <a:t>認証要求</a:t>
+            </a:r>
+            <a:endParaRPr lang="en-JP" sz="1200" b="1" dirty="0">
+              <a:solidFill>
+                <a:schemeClr val="bg2">
+                  <a:lumMod val="90000"/>
+                </a:schemeClr>
+              </a:solidFill>
+            </a:endParaRPr>
+          </a:p>
+        </p:txBody>
+      </p:sp>
+      <p:pic>
+        <p:nvPicPr>
+          <p:cNvPr id="65" name="Picture 64">
+            <a:extLst>
+              <a:ext uri="{FF2B5EF4-FFF2-40B4-BE49-F238E27FC236}">
+                <a16:creationId xmlns:a16="http://schemas.microsoft.com/office/drawing/2014/main" id="{81EF86A3-2D77-714B-ADB4-5B18B730FD9A}"/>
               </a:ext>
             </a:extLst>
           </p:cNvPr>
@@ -27018,8 +27275,8 @@
         </p:blipFill>
         <p:spPr>
           <a:xfrm>
-            <a:off x="4655289" y="2860550"/>
-            <a:ext cx="295894" cy="343383"/>
+            <a:off x="6504441" y="4358534"/>
+            <a:ext cx="407646" cy="407646"/>
           </a:xfrm>
           <a:prstGeom prst="rect">
             <a:avLst/>
@@ -27028,10 +27285,10 @@
       </p:pic>
       <p:sp>
         <p:nvSpPr>
-          <p:cNvPr id="60" name="TextBox 59">
-            <a:extLst>
-              <a:ext uri="{FF2B5EF4-FFF2-40B4-BE49-F238E27FC236}">
-                <a16:creationId xmlns:a16="http://schemas.microsoft.com/office/drawing/2014/main" id="{CD457AFF-4887-554B-B70F-270305BDF0EB}"/>
+          <p:cNvPr id="66" name="TextBox 65">
+            <a:extLst>
+              <a:ext uri="{FF2B5EF4-FFF2-40B4-BE49-F238E27FC236}">
+                <a16:creationId xmlns:a16="http://schemas.microsoft.com/office/drawing/2014/main" id="{C658A6C7-325C-2744-92CF-8B9A50F0BB3D}"/>
               </a:ext>
             </a:extLst>
           </p:cNvPr>
@@ -27040,8 +27297,8 @@
         </p:nvSpPr>
         <p:spPr>
           <a:xfrm>
-            <a:off x="4425484" y="1406230"/>
-            <a:ext cx="758541" cy="261610"/>
+            <a:off x="6303063" y="4665722"/>
+            <a:ext cx="838691" cy="430887"/>
           </a:xfrm>
           <a:prstGeom prst="rect">
             <a:avLst/>
@@ -27054,19 +27311,28 @@
           </a:bodyPr>
           <a:lstStyle/>
           <a:p>
-            <a:r>
-              <a:rPr lang="en-JP" sz="1100" b="1" dirty="0"/>
-              <a:t>Challenge</a:t>
-            </a:r>
+            <a:pPr algn="ctr"/>
+            <a:r>
+              <a:rPr lang="en-US" altLang="ja-JP" sz="1100" b="1" dirty="0"/>
+              <a:t>Credential</a:t>
+            </a:r>
+          </a:p>
+          <a:p>
+            <a:pPr algn="ctr"/>
+            <a:r>
+              <a:rPr lang="en-US" altLang="ja-JP" sz="1100" b="1" dirty="0"/>
+              <a:t>Private key</a:t>
+            </a:r>
+            <a:endParaRPr lang="en-JP" sz="1100" b="1" dirty="0"/>
           </a:p>
         </p:txBody>
       </p:sp>
       <p:pic>
         <p:nvPicPr>
-          <p:cNvPr id="61" name="Picture 60">
-            <a:extLst>
-              <a:ext uri="{FF2B5EF4-FFF2-40B4-BE49-F238E27FC236}">
-                <a16:creationId xmlns:a16="http://schemas.microsoft.com/office/drawing/2014/main" id="{7173BBD5-A9EF-FC4F-B836-4867E1C3ADEA}"/>
+          <p:cNvPr id="67" name="Picture 66">
+            <a:extLst>
+              <a:ext uri="{FF2B5EF4-FFF2-40B4-BE49-F238E27FC236}">
+                <a16:creationId xmlns:a16="http://schemas.microsoft.com/office/drawing/2014/main" id="{1A371932-2B75-A04E-8C1B-30034F5C3BCB}"/>
               </a:ext>
             </a:extLst>
           </p:cNvPr>
@@ -27076,15 +27342,15 @@
           <p:nvPr/>
         </p:nvPicPr>
         <p:blipFill>
-          <a:blip r:embed="rId7"/>
+          <a:blip r:embed="rId5"/>
           <a:stretch>
             <a:fillRect/>
           </a:stretch>
         </p:blipFill>
         <p:spPr>
           <a:xfrm>
-            <a:off x="5350988" y="3972883"/>
-            <a:ext cx="295894" cy="343383"/>
+            <a:off x="5886030" y="3914467"/>
+            <a:ext cx="334463" cy="334463"/>
           </a:xfrm>
           <a:prstGeom prst="rect">
             <a:avLst/>
@@ -27093,10 +27359,10 @@
       </p:pic>
       <p:sp>
         <p:nvSpPr>
-          <p:cNvPr id="62" name="TextBox 61">
-            <a:extLst>
-              <a:ext uri="{FF2B5EF4-FFF2-40B4-BE49-F238E27FC236}">
-                <a16:creationId xmlns:a16="http://schemas.microsoft.com/office/drawing/2014/main" id="{F83DF493-6FC4-8147-A139-F7DBB7E12084}"/>
+          <p:cNvPr id="68" name="TextBox 67">
+            <a:extLst>
+              <a:ext uri="{FF2B5EF4-FFF2-40B4-BE49-F238E27FC236}">
+                <a16:creationId xmlns:a16="http://schemas.microsoft.com/office/drawing/2014/main" id="{46882E62-C9AE-7A4E-8C41-8FFD47E63649}"/>
               </a:ext>
             </a:extLst>
           </p:cNvPr>
@@ -27105,8 +27371,52 @@
         </p:nvSpPr>
         <p:spPr>
           <a:xfrm>
-            <a:off x="5122222" y="4277139"/>
-            <a:ext cx="758541" cy="261610"/>
+            <a:off x="6171551" y="3868723"/>
+            <a:ext cx="758541" cy="430887"/>
+          </a:xfrm>
+          <a:prstGeom prst="rect">
+            <a:avLst/>
+          </a:prstGeom>
+          <a:noFill/>
+        </p:spPr>
+        <p:txBody>
+          <a:bodyPr wrap="square" rtlCol="0">
+            <a:spAutoFit/>
+          </a:bodyPr>
+          <a:lstStyle/>
+          <a:p>
+            <a:pPr algn="ctr"/>
+            <a:r>
+              <a:rPr lang="en-US" altLang="ja-JP" sz="1100" b="1" dirty="0"/>
+              <a:t>Challenge</a:t>
+            </a:r>
+          </a:p>
+          <a:p>
+            <a:pPr algn="ctr"/>
+            <a:r>
+              <a:rPr lang="ja-JP" altLang="en-US" sz="1100" b="1"/>
+              <a:t>への署名</a:t>
+            </a:r>
+            <a:endParaRPr lang="en-US" altLang="ja-JP" sz="1100" b="1" dirty="0"/>
+          </a:p>
+        </p:txBody>
+      </p:sp>
+      <p:sp>
+        <p:nvSpPr>
+          <p:cNvPr id="69" name="TextBox 68">
+            <a:extLst>
+              <a:ext uri="{FF2B5EF4-FFF2-40B4-BE49-F238E27FC236}">
+                <a16:creationId xmlns:a16="http://schemas.microsoft.com/office/drawing/2014/main" id="{73465607-8613-BD43-8E28-3774CCF08C13}"/>
+              </a:ext>
+            </a:extLst>
+          </p:cNvPr>
+          <p:cNvSpPr txBox="1"/>
+          <p:nvPr/>
+        </p:nvSpPr>
+        <p:spPr>
+          <a:xfrm>
+            <a:off x="5886030" y="4400537"/>
+            <a:ext cx="452368" cy="276999"/>
           </a:xfrm>
           <a:prstGeom prst="rect">
             <a:avLst/>
@@ -27120,18 +27430,90 @@
           <a:lstStyle/>
           <a:p>
             <a:r>
-              <a:rPr lang="en-JP" sz="1100" b="1" dirty="0"/>
-              <a:t>Challenge</a:t>
-            </a:r>
-          </a:p>
-        </p:txBody>
-      </p:sp>
-      <p:sp>
-        <p:nvSpPr>
-          <p:cNvPr id="43" name="TextBox 42">
-            <a:extLst>
-              <a:ext uri="{FF2B5EF4-FFF2-40B4-BE49-F238E27FC236}">
-                <a16:creationId xmlns:a16="http://schemas.microsoft.com/office/drawing/2014/main" id="{BD6B95F4-14EC-3541-9460-92A882D293E1}"/>
+              <a:rPr lang="en-JP" sz="1200" b="1" dirty="0"/>
+              <a:t>Sign</a:t>
+            </a:r>
+          </a:p>
+        </p:txBody>
+      </p:sp>
+      <p:cxnSp>
+        <p:nvCxnSpPr>
+          <p:cNvPr id="70" name="Straight Arrow Connector 69">
+            <a:extLst>
+              <a:ext uri="{FF2B5EF4-FFF2-40B4-BE49-F238E27FC236}">
+                <a16:creationId xmlns:a16="http://schemas.microsoft.com/office/drawing/2014/main" id="{184C108A-95D7-934B-B3E1-62507F80B83B}"/>
+              </a:ext>
+            </a:extLst>
+          </p:cNvPr>
+          <p:cNvCxnSpPr>
+            <a:cxnSpLocks/>
+            <a:endCxn id="71" idx="2"/>
+          </p:cNvCxnSpPr>
+          <p:nvPr/>
+        </p:nvCxnSpPr>
+        <p:spPr>
+          <a:xfrm flipH="1" flipV="1">
+            <a:off x="5741828" y="4223890"/>
+            <a:ext cx="858886" cy="338467"/>
+          </a:xfrm>
+          <a:prstGeom prst="straightConnector1">
+            <a:avLst/>
+          </a:prstGeom>
+          <a:ln>
+            <a:tailEnd type="triangle"/>
+          </a:ln>
+        </p:spPr>
+        <p:style>
+          <a:lnRef idx="1">
+            <a:schemeClr val="accent1"/>
+          </a:lnRef>
+          <a:fillRef idx="0">
+            <a:schemeClr val="accent1"/>
+          </a:fillRef>
+          <a:effectRef idx="0">
+            <a:schemeClr val="accent1"/>
+          </a:effectRef>
+          <a:fontRef idx="minor">
+            <a:schemeClr val="tx1"/>
+          </a:fontRef>
+        </p:style>
+      </p:cxnSp>
+      <p:pic>
+        <p:nvPicPr>
+          <p:cNvPr id="71" name="Picture 70">
+            <a:extLst>
+              <a:ext uri="{FF2B5EF4-FFF2-40B4-BE49-F238E27FC236}">
+                <a16:creationId xmlns:a16="http://schemas.microsoft.com/office/drawing/2014/main" id="{69FC14DB-992F-514E-84EC-FC4F3E94B5CA}"/>
+              </a:ext>
+            </a:extLst>
+          </p:cNvPr>
+          <p:cNvPicPr>
+            <a:picLocks noChangeAspect="1"/>
+          </p:cNvPicPr>
+          <p:nvPr/>
+        </p:nvPicPr>
+        <p:blipFill>
+          <a:blip r:embed="rId6"/>
+          <a:stretch>
+            <a:fillRect/>
+          </a:stretch>
+        </p:blipFill>
+        <p:spPr>
+          <a:xfrm>
+            <a:off x="5593881" y="3880507"/>
+            <a:ext cx="295894" cy="343383"/>
+          </a:xfrm>
+          <a:prstGeom prst="rect">
+            <a:avLst/>
+          </a:prstGeom>
+        </p:spPr>
+      </p:pic>
+      <p:sp>
+        <p:nvSpPr>
+          <p:cNvPr id="72" name="TextBox 71">
+            <a:extLst>
+              <a:ext uri="{FF2B5EF4-FFF2-40B4-BE49-F238E27FC236}">
+                <a16:creationId xmlns:a16="http://schemas.microsoft.com/office/drawing/2014/main" id="{4E33BD4F-2BD2-9A43-BF28-95673ADB01AB}"/>
               </a:ext>
             </a:extLst>
           </p:cNvPr>
@@ -27140,8 +27522,8 @@
         </p:nvSpPr>
         <p:spPr>
           <a:xfrm>
-            <a:off x="7109076" y="4046307"/>
-            <a:ext cx="3364960" cy="646331"/>
+            <a:off x="4895387" y="3931255"/>
+            <a:ext cx="758541" cy="261610"/>
           </a:xfrm>
           <a:prstGeom prst="rect">
             <a:avLst/>
@@ -27155,386 +27537,9 @@
           <a:lstStyle/>
           <a:p>
             <a:r>
-              <a:rPr lang="en-JP" sz="1200" b="1" dirty="0">
-                <a:solidFill>
-                  <a:schemeClr val="bg2">
-                    <a:lumMod val="90000"/>
-                  </a:schemeClr>
-                </a:solidFill>
-              </a:rPr>
-              <a:t>④</a:t>
-            </a:r>
-            <a:r>
-              <a:rPr lang="en-US" sz="1200" b="1" dirty="0">
-                <a:solidFill>
-                  <a:schemeClr val="bg2">
-                    <a:lumMod val="90000"/>
-                  </a:schemeClr>
-                </a:solidFill>
-              </a:rPr>
-              <a:t> </a:t>
-            </a:r>
-            <a:r>
-              <a:rPr lang="ja-JP" altLang="en-US" sz="1200" b="1">
-                <a:solidFill>
-                  <a:schemeClr val="bg2">
-                    <a:lumMod val="90000"/>
-                  </a:schemeClr>
-                </a:solidFill>
-              </a:rPr>
-              <a:t>要求ユーザのローカル認証</a:t>
-            </a:r>
-            <a:r>
-              <a:rPr lang="en-US" altLang="ja-JP" sz="1200" b="1" dirty="0">
-                <a:solidFill>
-                  <a:schemeClr val="bg2">
-                    <a:lumMod val="90000"/>
-                  </a:schemeClr>
-                </a:solidFill>
-              </a:rPr>
-              <a:t>(PIN</a:t>
-            </a:r>
-            <a:r>
-              <a:rPr lang="ja-JP" altLang="en-US" sz="1200" b="1">
-                <a:solidFill>
-                  <a:schemeClr val="bg2">
-                    <a:lumMod val="90000"/>
-                  </a:schemeClr>
-                </a:solidFill>
-              </a:rPr>
-              <a:t>や指紋</a:t>
-            </a:r>
-            <a:r>
-              <a:rPr lang="en-US" altLang="ja-JP" sz="1200" b="1" dirty="0">
-                <a:solidFill>
-                  <a:schemeClr val="bg2">
-                    <a:lumMod val="90000"/>
-                  </a:schemeClr>
-                </a:solidFill>
-              </a:rPr>
-              <a:t>)</a:t>
-            </a:r>
-            <a:r>
-              <a:rPr lang="ja-JP" altLang="en-US" sz="1200" b="1">
-                <a:solidFill>
-                  <a:schemeClr val="bg2">
-                    <a:lumMod val="90000"/>
-                  </a:schemeClr>
-                </a:solidFill>
-              </a:rPr>
-              <a:t>、</a:t>
-            </a:r>
-            <a:br>
-              <a:rPr lang="en-US" altLang="ja-JP" sz="1200" b="1" dirty="0">
-                <a:solidFill>
-                  <a:schemeClr val="bg2">
-                    <a:lumMod val="90000"/>
-                  </a:schemeClr>
-                </a:solidFill>
-              </a:rPr>
-            </a:br>
-            <a:r>
-              <a:rPr lang="ja-JP" altLang="en-US" sz="1200" b="1">
-                <a:solidFill>
-                  <a:schemeClr val="bg2">
-                    <a:lumMod val="90000"/>
-                  </a:schemeClr>
-                </a:solidFill>
-              </a:rPr>
-              <a:t>　  </a:t>
-            </a:r>
-            <a:r>
-              <a:rPr lang="en-US" altLang="ja-JP" sz="1200" b="1" dirty="0">
-                <a:solidFill>
-                  <a:schemeClr val="bg2">
-                    <a:lumMod val="90000"/>
-                  </a:schemeClr>
-                </a:solidFill>
-              </a:rPr>
+              <a:rPr lang="en-JP" sz="1100" b="1" dirty="0"/>
               <a:t>Challenge</a:t>
             </a:r>
-            <a:r>
-              <a:rPr lang="ja-JP" altLang="en-US" sz="1200" b="1">
-                <a:solidFill>
-                  <a:schemeClr val="bg2">
-                    <a:lumMod val="90000"/>
-                  </a:schemeClr>
-                </a:solidFill>
-              </a:rPr>
-              <a:t>へ</a:t>
-            </a:r>
-            <a:r>
-              <a:rPr lang="en-US" altLang="ja-JP" sz="1200" b="1" dirty="0">
-                <a:solidFill>
-                  <a:schemeClr val="bg2">
-                    <a:lumMod val="90000"/>
-                  </a:schemeClr>
-                </a:solidFill>
-              </a:rPr>
-              <a:t>Credential Private Key</a:t>
-            </a:r>
-            <a:r>
-              <a:rPr lang="ja-JP" altLang="en-US" sz="1200" b="1">
-                <a:solidFill>
-                  <a:schemeClr val="bg2">
-                    <a:lumMod val="90000"/>
-                  </a:schemeClr>
-                </a:solidFill>
-              </a:rPr>
-              <a:t>で署名付与</a:t>
-            </a:r>
-            <a:endParaRPr lang="en-US" altLang="ja-JP" sz="1200" b="1" dirty="0">
-              <a:solidFill>
-                <a:schemeClr val="bg2">
-                  <a:lumMod val="90000"/>
-                </a:schemeClr>
-              </a:solidFill>
-            </a:endParaRPr>
-          </a:p>
-          <a:p>
-            <a:r>
-              <a:rPr lang="ja-JP" altLang="en-US" sz="1200" b="1">
-                <a:solidFill>
-                  <a:schemeClr val="bg2">
-                    <a:lumMod val="90000"/>
-                  </a:schemeClr>
-                </a:solidFill>
-              </a:rPr>
-              <a:t>　  </a:t>
-            </a:r>
-            <a:r>
-              <a:rPr lang="en-US" altLang="ja-JP" sz="1200" b="1" dirty="0">
-                <a:solidFill>
-                  <a:schemeClr val="bg2">
-                    <a:lumMod val="90000"/>
-                  </a:schemeClr>
-                </a:solidFill>
-              </a:rPr>
-              <a:t>(Assertion</a:t>
-            </a:r>
-            <a:r>
-              <a:rPr lang="ja-JP" altLang="en-US" sz="1200" b="1">
-                <a:solidFill>
-                  <a:schemeClr val="bg2">
-                    <a:lumMod val="90000"/>
-                  </a:schemeClr>
-                </a:solidFill>
-              </a:rPr>
-              <a:t>の生成</a:t>
-            </a:r>
-            <a:r>
-              <a:rPr lang="en-US" altLang="ja-JP" sz="1200" b="1" dirty="0">
-                <a:solidFill>
-                  <a:schemeClr val="bg2">
-                    <a:lumMod val="90000"/>
-                  </a:schemeClr>
-                </a:solidFill>
-              </a:rPr>
-              <a:t>)</a:t>
-            </a:r>
-            <a:endParaRPr lang="en-JP" sz="1200" b="1" dirty="0">
-              <a:solidFill>
-                <a:schemeClr val="bg2">
-                  <a:lumMod val="90000"/>
-                </a:schemeClr>
-              </a:solidFill>
-            </a:endParaRPr>
-          </a:p>
-        </p:txBody>
-      </p:sp>
-      <p:sp>
-        <p:nvSpPr>
-          <p:cNvPr id="44" name="TextBox 43">
-            <a:extLst>
-              <a:ext uri="{FF2B5EF4-FFF2-40B4-BE49-F238E27FC236}">
-                <a16:creationId xmlns:a16="http://schemas.microsoft.com/office/drawing/2014/main" id="{16780E03-B66D-6744-AD13-96F5C7DEB762}"/>
-              </a:ext>
-            </a:extLst>
-          </p:cNvPr>
-          <p:cNvSpPr txBox="1"/>
-          <p:nvPr/>
-        </p:nvSpPr>
-        <p:spPr>
-          <a:xfrm>
-            <a:off x="8568422" y="162192"/>
-            <a:ext cx="1905614" cy="646331"/>
-          </a:xfrm>
-          <a:prstGeom prst="rect">
-            <a:avLst/>
-          </a:prstGeom>
-          <a:noFill/>
-        </p:spPr>
-        <p:txBody>
-          <a:bodyPr wrap="square" rtlCol="0">
-            <a:spAutoFit/>
-          </a:bodyPr>
-          <a:lstStyle/>
-          <a:p>
-            <a:r>
-              <a:rPr lang="ja-JP" altLang="en-US" sz="1200" b="1">
-                <a:highlight>
-                  <a:srgbClr val="FFFF00"/>
-                </a:highlight>
-              </a:rPr>
-              <a:t>⑧</a:t>
-            </a:r>
-            <a:r>
-              <a:rPr lang="en-US" altLang="ja-JP" sz="1200" b="1" dirty="0">
-                <a:highlight>
-                  <a:srgbClr val="FFFF00"/>
-                </a:highlight>
-              </a:rPr>
-              <a:t> </a:t>
-            </a:r>
-            <a:r>
-              <a:rPr lang="ja-JP" altLang="en-US" sz="1200" b="1">
-                <a:highlight>
-                  <a:srgbClr val="FFFF00"/>
-                </a:highlight>
-              </a:rPr>
-              <a:t>登録済み</a:t>
-            </a:r>
-            <a:r>
-              <a:rPr lang="en-US" altLang="ja-JP" sz="1200" b="1" dirty="0">
-                <a:highlight>
-                  <a:srgbClr val="FFFF00"/>
-                </a:highlight>
-              </a:rPr>
-              <a:t>Credential</a:t>
-            </a:r>
-          </a:p>
-          <a:p>
-            <a:r>
-              <a:rPr lang="ja-JP" altLang="en-US" sz="1200" b="1">
-                <a:highlight>
-                  <a:srgbClr val="FFFF00"/>
-                </a:highlight>
-              </a:rPr>
-              <a:t>　 </a:t>
-            </a:r>
-            <a:r>
-              <a:rPr lang="en-US" altLang="ja-JP" sz="1200" b="1" dirty="0">
-                <a:highlight>
-                  <a:srgbClr val="FFFF00"/>
-                </a:highlight>
-              </a:rPr>
-              <a:t>Public Key</a:t>
-            </a:r>
-            <a:r>
-              <a:rPr lang="ja-JP" altLang="en-US" sz="1200" b="1">
-                <a:highlight>
-                  <a:srgbClr val="FFFF00"/>
-                </a:highlight>
-              </a:rPr>
-              <a:t>で署名検証</a:t>
-            </a:r>
-            <a:endParaRPr lang="en-JP" altLang="ja-JP" sz="1200" b="1" dirty="0">
-              <a:highlight>
-                <a:srgbClr val="FFFF00"/>
-              </a:highlight>
-            </a:endParaRPr>
-          </a:p>
-          <a:p>
-            <a:r>
-              <a:rPr lang="ja-JP" altLang="en-US" sz="1200" b="1">
-                <a:highlight>
-                  <a:srgbClr val="FFFF00"/>
-                </a:highlight>
-              </a:rPr>
-              <a:t>　 </a:t>
-            </a:r>
-            <a:r>
-              <a:rPr lang="en-US" altLang="ja-JP" sz="1200" b="1" dirty="0">
-                <a:highlight>
-                  <a:srgbClr val="FFFF00"/>
-                </a:highlight>
-              </a:rPr>
-              <a:t>(Assertion</a:t>
-            </a:r>
-            <a:r>
-              <a:rPr lang="ja-JP" altLang="en-US" sz="1200" b="1">
-                <a:highlight>
-                  <a:srgbClr val="FFFF00"/>
-                </a:highlight>
-              </a:rPr>
-              <a:t>の検証</a:t>
-            </a:r>
-            <a:r>
-              <a:rPr lang="en-US" altLang="ja-JP" sz="1200" b="1" dirty="0">
-                <a:highlight>
-                  <a:srgbClr val="FFFF00"/>
-                </a:highlight>
-              </a:rPr>
-              <a:t>)</a:t>
-            </a:r>
-          </a:p>
-        </p:txBody>
-      </p:sp>
-      <p:sp>
-        <p:nvSpPr>
-          <p:cNvPr id="45" name="TextBox 44">
-            <a:extLst>
-              <a:ext uri="{FF2B5EF4-FFF2-40B4-BE49-F238E27FC236}">
-                <a16:creationId xmlns:a16="http://schemas.microsoft.com/office/drawing/2014/main" id="{5AB0A1F6-3FBF-AA46-BF9E-E1BF857DA7AC}"/>
-              </a:ext>
-            </a:extLst>
-          </p:cNvPr>
-          <p:cNvSpPr txBox="1"/>
-          <p:nvPr/>
-        </p:nvSpPr>
-        <p:spPr>
-          <a:xfrm>
-            <a:off x="5435879" y="1218633"/>
-            <a:ext cx="989373" cy="276999"/>
-          </a:xfrm>
-          <a:prstGeom prst="rect">
-            <a:avLst/>
-          </a:prstGeom>
-          <a:noFill/>
-        </p:spPr>
-        <p:txBody>
-          <a:bodyPr wrap="none" rtlCol="0">
-            <a:spAutoFit/>
-          </a:bodyPr>
-          <a:lstStyle/>
-          <a:p>
-            <a:r>
-              <a:rPr lang="ja-JP" altLang="en-US" sz="1200" b="1">
-                <a:solidFill>
-                  <a:schemeClr val="bg2">
-                    <a:lumMod val="90000"/>
-                  </a:schemeClr>
-                </a:solidFill>
-              </a:rPr>
-              <a:t>⓪</a:t>
-            </a:r>
-            <a:r>
-              <a:rPr lang="en-US" altLang="ja-JP" sz="1200" b="1" dirty="0">
-                <a:solidFill>
-                  <a:schemeClr val="bg2">
-                    <a:lumMod val="90000"/>
-                  </a:schemeClr>
-                </a:solidFill>
-              </a:rPr>
-              <a:t> </a:t>
-            </a:r>
-            <a:r>
-              <a:rPr lang="ja-JP" altLang="en-US" sz="1200" b="1">
-                <a:solidFill>
-                  <a:schemeClr val="bg2">
-                    <a:lumMod val="90000"/>
-                  </a:schemeClr>
-                </a:solidFill>
-              </a:rPr>
-              <a:t>認証要求</a:t>
-            </a:r>
-            <a:endParaRPr lang="en-JP" sz="1200" b="1" dirty="0">
-              <a:solidFill>
-                <a:schemeClr val="bg2">
-                  <a:lumMod val="90000"/>
-                </a:schemeClr>
-              </a:solidFill>
-            </a:endParaRPr>
           </a:p>
         </p:txBody>
       </p:sp>
